--- a/overview.pptx
+++ b/overview.pptx
@@ -5,13 +5,14 @@
     <p:sldMasterId id="2147483648" r:id="rId1"/>
   </p:sldMasterIdLst>
   <p:notesMasterIdLst>
-    <p:notesMasterId r:id="rId6"/>
+    <p:notesMasterId r:id="rId7"/>
   </p:notesMasterIdLst>
   <p:sldIdLst>
     <p:sldId id="256" r:id="rId2"/>
     <p:sldId id="257" r:id="rId3"/>
-    <p:sldId id="260" r:id="rId4"/>
-    <p:sldId id="259" r:id="rId5"/>
+    <p:sldId id="261" r:id="rId4"/>
+    <p:sldId id="260" r:id="rId5"/>
+    <p:sldId id="259" r:id="rId6"/>
   </p:sldIdLst>
   <p:sldSz cx="12192000" cy="6858000"/>
   <p:notesSz cx="6858000" cy="9144000"/>
@@ -195,7 +196,8 @@
           <a:p>
             <a:fld id="{9841980D-5ED3-487F-B3E9-943BB45F7B97}" type="datetimeFigureOut">
               <a:rPr kumimoji="1" lang="ja-JP" altLang="en-US" smtClean="0"/>
-              <a:t>2017/4/7</a:t>
+              <a:pPr/>
+              <a:t>2017/4/9</a:t>
             </a:fld>
             <a:endParaRPr kumimoji="1" lang="ja-JP" altLang="en-US"/>
           </a:p>
@@ -386,7 +388,8 @@
           <a:p>
             <a:fld id="{D5E6ED6B-3F85-40A1-9484-0C501FDC6FE4}" type="slidenum">
               <a:rPr kumimoji="1" lang="ja-JP" altLang="en-US" smtClean="0"/>
-              <a:t>‹#›</a:t>
+              <a:pPr/>
+              <a:t>&lt;#&gt;</a:t>
             </a:fld>
             <a:endParaRPr kumimoji="1" lang="ja-JP" altLang="en-US"/>
           </a:p>
@@ -395,7 +398,7 @@
     </p:spTree>
     <p:extLst>
       <p:ext uri="{BB962C8B-B14F-4D97-AF65-F5344CB8AC3E}">
-        <p14:creationId xmlns:p14="http://schemas.microsoft.com/office/powerpoint/2010/main" val="1647040712"/>
+        <p14:creationId xmlns="" xmlns:p14="http://schemas.microsoft.com/office/powerpoint/2010/main" val="1647040712"/>
       </p:ext>
     </p:extLst>
   </p:cSld>
@@ -560,6 +563,7 @@
           <a:p>
             <a:fld id="{D5E6ED6B-3F85-40A1-9484-0C501FDC6FE4}" type="slidenum">
               <a:rPr kumimoji="1" lang="ja-JP" altLang="en-US" smtClean="0"/>
+              <a:pPr/>
               <a:t>2</a:t>
             </a:fld>
             <a:endParaRPr kumimoji="1" lang="ja-JP" altLang="en-US"/>
@@ -569,7 +573,7 @@
     </p:spTree>
     <p:extLst>
       <p:ext uri="{BB962C8B-B14F-4D97-AF65-F5344CB8AC3E}">
-        <p14:creationId xmlns:p14="http://schemas.microsoft.com/office/powerpoint/2010/main" val="1657077930"/>
+        <p14:creationId xmlns="" xmlns:p14="http://schemas.microsoft.com/office/powerpoint/2010/main" val="1657077930"/>
       </p:ext>
     </p:extLst>
   </p:cSld>
@@ -726,7 +730,7 @@
           <a:blip r:embed="rId2" cstate="print">
             <a:extLst>
               <a:ext uri="{28A0092B-C50C-407E-A947-70E740481C1C}">
-                <a14:useLocalDpi xmlns:a14="http://schemas.microsoft.com/office/drawing/2010/main" val="0"/>
+                <a14:useLocalDpi xmlns="" xmlns:a14="http://schemas.microsoft.com/office/drawing/2010/main" val="0"/>
               </a:ext>
             </a:extLst>
           </a:blip>
@@ -812,7 +816,7 @@
     </p:spTree>
     <p:extLst>
       <p:ext uri="{BB962C8B-B14F-4D97-AF65-F5344CB8AC3E}">
-        <p14:creationId xmlns:p14="http://schemas.microsoft.com/office/powerpoint/2010/main" val="3004416884"/>
+        <p14:creationId xmlns="" xmlns:p14="http://schemas.microsoft.com/office/powerpoint/2010/main" val="3004416884"/>
       </p:ext>
     </p:extLst>
   </p:cSld>
@@ -874,7 +878,8 @@
           <a:p>
             <a:fld id="{80B61DEA-751C-4EFC-848A-C896179D47AE}" type="slidenum">
               <a:rPr kumimoji="1" lang="ja-JP" altLang="en-US" smtClean="0"/>
-              <a:t>‹#›</a:t>
+              <a:pPr/>
+              <a:t>&lt;#&gt;</a:t>
             </a:fld>
             <a:endParaRPr kumimoji="1" lang="ja-JP" altLang="en-US"/>
           </a:p>
@@ -1168,7 +1173,7 @@
           <a:blip r:embed="rId2" cstate="print">
             <a:extLst>
               <a:ext uri="{28A0092B-C50C-407E-A947-70E740481C1C}">
-                <a14:useLocalDpi xmlns:a14="http://schemas.microsoft.com/office/drawing/2010/main" val="0"/>
+                <a14:useLocalDpi xmlns="" xmlns:a14="http://schemas.microsoft.com/office/drawing/2010/main" val="0"/>
               </a:ext>
             </a:extLst>
           </a:blip>
@@ -1189,7 +1194,7 @@
     </p:spTree>
     <p:extLst>
       <p:ext uri="{BB962C8B-B14F-4D97-AF65-F5344CB8AC3E}">
-        <p14:creationId xmlns:p14="http://schemas.microsoft.com/office/powerpoint/2010/main" val="4214205409"/>
+        <p14:creationId xmlns="" xmlns:p14="http://schemas.microsoft.com/office/powerpoint/2010/main" val="4214205409"/>
       </p:ext>
     </p:extLst>
   </p:cSld>
@@ -1309,7 +1314,7 @@
           <a:blip r:embed="rId2" cstate="print">
             <a:extLst>
               <a:ext uri="{28A0092B-C50C-407E-A947-70E740481C1C}">
-                <a14:useLocalDpi xmlns:a14="http://schemas.microsoft.com/office/drawing/2010/main" val="0"/>
+                <a14:useLocalDpi xmlns="" xmlns:a14="http://schemas.microsoft.com/office/drawing/2010/main" val="0"/>
               </a:ext>
             </a:extLst>
           </a:blip>
@@ -1362,7 +1367,8 @@
           <a:p>
             <a:fld id="{80B61DEA-751C-4EFC-848A-C896179D47AE}" type="slidenum">
               <a:rPr kumimoji="1" lang="ja-JP" altLang="en-US" smtClean="0"/>
-              <a:t>‹#›</a:t>
+              <a:pPr/>
+              <a:t>&lt;#&gt;</a:t>
             </a:fld>
             <a:endParaRPr kumimoji="1" lang="ja-JP" altLang="en-US"/>
           </a:p>
@@ -1408,7 +1414,7 @@
     </p:spTree>
     <p:extLst>
       <p:ext uri="{BB962C8B-B14F-4D97-AF65-F5344CB8AC3E}">
-        <p14:creationId xmlns:p14="http://schemas.microsoft.com/office/powerpoint/2010/main" val="3620504976"/>
+        <p14:creationId xmlns="" xmlns:p14="http://schemas.microsoft.com/office/powerpoint/2010/main" val="3620504976"/>
       </p:ext>
     </p:extLst>
   </p:cSld>
@@ -1470,7 +1476,8 @@
           <a:p>
             <a:fld id="{80B61DEA-751C-4EFC-848A-C896179D47AE}" type="slidenum">
               <a:rPr kumimoji="1" lang="ja-JP" altLang="en-US" smtClean="0"/>
-              <a:t>‹#›</a:t>
+              <a:pPr/>
+              <a:t>&lt;#&gt;</a:t>
             </a:fld>
             <a:endParaRPr kumimoji="1" lang="ja-JP" altLang="en-US"/>
           </a:p>
@@ -1634,7 +1641,7 @@
     </p:spTree>
     <p:extLst>
       <p:ext uri="{BB962C8B-B14F-4D97-AF65-F5344CB8AC3E}">
-        <p14:creationId xmlns:p14="http://schemas.microsoft.com/office/powerpoint/2010/main" val="646152418"/>
+        <p14:creationId xmlns="" xmlns:p14="http://schemas.microsoft.com/office/powerpoint/2010/main" val="646152418"/>
       </p:ext>
     </p:extLst>
   </p:cSld>
@@ -1696,7 +1703,8 @@
           <a:p>
             <a:fld id="{78817559-BB6D-4C96-94D1-43E03D71EB93}" type="datetime1">
               <a:rPr kumimoji="1" lang="ja-JP" altLang="en-US" smtClean="0"/>
-              <a:t>2017/4/7</a:t>
+              <a:pPr/>
+              <a:t>2017/4/9</a:t>
             </a:fld>
             <a:endParaRPr kumimoji="1" lang="ja-JP" altLang="en-US" dirty="0"/>
           </a:p>
@@ -1737,7 +1745,8 @@
           <a:p>
             <a:fld id="{80B61DEA-751C-4EFC-848A-C896179D47AE}" type="slidenum">
               <a:rPr kumimoji="1" lang="ja-JP" altLang="en-US" smtClean="0"/>
-              <a:t>‹#›</a:t>
+              <a:pPr/>
+              <a:t>&lt;#&gt;</a:t>
             </a:fld>
             <a:endParaRPr kumimoji="1" lang="ja-JP" altLang="en-US"/>
           </a:p>
@@ -2046,7 +2055,7 @@
           <a:blip r:embed="rId2" cstate="print">
             <a:extLst>
               <a:ext uri="{28A0092B-C50C-407E-A947-70E740481C1C}">
-                <a14:useLocalDpi xmlns:a14="http://schemas.microsoft.com/office/drawing/2010/main" val="0"/>
+                <a14:useLocalDpi xmlns="" xmlns:a14="http://schemas.microsoft.com/office/drawing/2010/main" val="0"/>
               </a:ext>
             </a:extLst>
           </a:blip>
@@ -2203,7 +2212,7 @@
     </p:spTree>
     <p:extLst>
       <p:ext uri="{BB962C8B-B14F-4D97-AF65-F5344CB8AC3E}">
-        <p14:creationId xmlns:p14="http://schemas.microsoft.com/office/powerpoint/2010/main" val="1584837141"/>
+        <p14:creationId xmlns="" xmlns:p14="http://schemas.microsoft.com/office/powerpoint/2010/main" val="1584837141"/>
       </p:ext>
     </p:extLst>
   </p:cSld>
@@ -2266,7 +2275,8 @@
           <a:p>
             <a:fld id="{80B61DEA-751C-4EFC-848A-C896179D47AE}" type="slidenum">
               <a:rPr kumimoji="1" lang="ja-JP" altLang="en-US" smtClean="0"/>
-              <a:t>‹#›</a:t>
+              <a:pPr/>
+              <a:t>&lt;#&gt;</a:t>
             </a:fld>
             <a:endParaRPr kumimoji="1" lang="ja-JP" altLang="en-US"/>
           </a:p>
@@ -2575,7 +2585,7 @@
           <a:blip r:embed="rId2" cstate="print">
             <a:extLst>
               <a:ext uri="{28A0092B-C50C-407E-A947-70E740481C1C}">
-                <a14:useLocalDpi xmlns:a14="http://schemas.microsoft.com/office/drawing/2010/main" val="0"/>
+                <a14:useLocalDpi xmlns="" xmlns:a14="http://schemas.microsoft.com/office/drawing/2010/main" val="0"/>
               </a:ext>
             </a:extLst>
           </a:blip>
@@ -3052,7 +3062,7 @@
     </p:spTree>
     <p:extLst>
       <p:ext uri="{BB962C8B-B14F-4D97-AF65-F5344CB8AC3E}">
-        <p14:creationId xmlns:p14="http://schemas.microsoft.com/office/powerpoint/2010/main" val="1163927299"/>
+        <p14:creationId xmlns="" xmlns:p14="http://schemas.microsoft.com/office/powerpoint/2010/main" val="1163927299"/>
       </p:ext>
     </p:extLst>
   </p:cSld>
@@ -3128,7 +3138,7 @@
           <a:blip r:embed="rId2" cstate="print">
             <a:extLst>
               <a:ext uri="{28A0092B-C50C-407E-A947-70E740481C1C}">
-                <a14:useLocalDpi xmlns:a14="http://schemas.microsoft.com/office/drawing/2010/main" val="0"/>
+                <a14:useLocalDpi xmlns="" xmlns:a14="http://schemas.microsoft.com/office/drawing/2010/main" val="0"/>
               </a:ext>
             </a:extLst>
           </a:blip>
@@ -3181,7 +3191,8 @@
           <a:p>
             <a:fld id="{80B61DEA-751C-4EFC-848A-C896179D47AE}" type="slidenum">
               <a:rPr kumimoji="1" lang="ja-JP" altLang="en-US" smtClean="0"/>
-              <a:t>‹#›</a:t>
+              <a:pPr/>
+              <a:t>&lt;#&gt;</a:t>
             </a:fld>
             <a:endParaRPr kumimoji="1" lang="ja-JP" altLang="en-US"/>
           </a:p>
@@ -3190,7 +3201,7 @@
     </p:spTree>
     <p:extLst>
       <p:ext uri="{BB962C8B-B14F-4D97-AF65-F5344CB8AC3E}">
-        <p14:creationId xmlns:p14="http://schemas.microsoft.com/office/powerpoint/2010/main" val="853120211"/>
+        <p14:creationId xmlns="" xmlns:p14="http://schemas.microsoft.com/office/powerpoint/2010/main" val="853120211"/>
       </p:ext>
     </p:extLst>
   </p:cSld>
@@ -3259,7 +3270,8 @@
           <a:p>
             <a:fld id="{80B61DEA-751C-4EFC-848A-C896179D47AE}" type="slidenum">
               <a:rPr kumimoji="1" lang="ja-JP" altLang="en-US" smtClean="0"/>
-              <a:t>‹#›</a:t>
+              <a:pPr/>
+              <a:t>&lt;#&gt;</a:t>
             </a:fld>
             <a:endParaRPr kumimoji="1" lang="ja-JP" altLang="en-US"/>
           </a:p>
@@ -3268,7 +3280,7 @@
     </p:spTree>
     <p:extLst>
       <p:ext uri="{BB962C8B-B14F-4D97-AF65-F5344CB8AC3E}">
-        <p14:creationId xmlns:p14="http://schemas.microsoft.com/office/powerpoint/2010/main" val="3099946962"/>
+        <p14:creationId xmlns="" xmlns:p14="http://schemas.microsoft.com/office/powerpoint/2010/main" val="3099946962"/>
       </p:ext>
     </p:extLst>
   </p:cSld>
@@ -3314,7 +3326,7 @@
           <a:blip r:embed="rId2" cstate="print">
             <a:extLst>
               <a:ext uri="{28A0092B-C50C-407E-A947-70E740481C1C}">
-                <a14:useLocalDpi xmlns:a14="http://schemas.microsoft.com/office/drawing/2010/main" val="0"/>
+                <a14:useLocalDpi xmlns="" xmlns:a14="http://schemas.microsoft.com/office/drawing/2010/main" val="0"/>
               </a:ext>
             </a:extLst>
           </a:blip>
@@ -3367,7 +3379,8 @@
           <a:p>
             <a:fld id="{80B61DEA-751C-4EFC-848A-C896179D47AE}" type="slidenum">
               <a:rPr kumimoji="1" lang="ja-JP" altLang="en-US" smtClean="0"/>
-              <a:t>‹#›</a:t>
+              <a:pPr/>
+              <a:t>&lt;#&gt;</a:t>
             </a:fld>
             <a:endParaRPr kumimoji="1" lang="ja-JP" altLang="en-US"/>
           </a:p>
@@ -3376,7 +3389,7 @@
     </p:spTree>
     <p:extLst>
       <p:ext uri="{BB962C8B-B14F-4D97-AF65-F5344CB8AC3E}">
-        <p14:creationId xmlns:p14="http://schemas.microsoft.com/office/powerpoint/2010/main" val="2408143909"/>
+        <p14:creationId xmlns="" xmlns:p14="http://schemas.microsoft.com/office/powerpoint/2010/main" val="2408143909"/>
       </p:ext>
     </p:extLst>
   </p:cSld>
@@ -3598,7 +3611,8 @@
           <a:p>
             <a:fld id="{80B61DEA-751C-4EFC-848A-C896179D47AE}" type="slidenum">
               <a:rPr kumimoji="1" lang="ja-JP" altLang="en-US" smtClean="0"/>
-              <a:t>‹#›</a:t>
+              <a:pPr/>
+              <a:t>&lt;#&gt;</a:t>
             </a:fld>
             <a:endParaRPr kumimoji="1" lang="ja-JP" altLang="en-US"/>
           </a:p>
@@ -3720,7 +3734,7 @@
     </p:spTree>
     <p:extLst>
       <p:ext uri="{BB962C8B-B14F-4D97-AF65-F5344CB8AC3E}">
-        <p14:creationId xmlns:p14="http://schemas.microsoft.com/office/powerpoint/2010/main" val="3722099324"/>
+        <p14:creationId xmlns="" xmlns:p14="http://schemas.microsoft.com/office/powerpoint/2010/main" val="3722099324"/>
       </p:ext>
     </p:extLst>
   </p:cSld>
@@ -4223,7 +4237,7 @@
     </p:spTree>
     <p:extLst>
       <p:ext uri="{BB962C8B-B14F-4D97-AF65-F5344CB8AC3E}">
-        <p14:creationId xmlns:p14="http://schemas.microsoft.com/office/powerpoint/2010/main" val="291693654"/>
+        <p14:creationId xmlns="" xmlns:p14="http://schemas.microsoft.com/office/powerpoint/2010/main" val="291693654"/>
       </p:ext>
     </p:extLst>
   </p:cSld>
@@ -4359,6 +4373,7 @@
           <a:p>
             <a:fld id="{80B61DEA-751C-4EFC-848A-C896179D47AE}" type="slidenum">
               <a:rPr kumimoji="1" lang="ja-JP" altLang="en-US" smtClean="0"/>
+              <a:pPr/>
               <a:t>2</a:t>
             </a:fld>
             <a:endParaRPr kumimoji="1" lang="ja-JP" altLang="en-US"/>
@@ -4388,10 +4403,10 @@
             <p:nvPr/>
           </p:nvPicPr>
           <p:blipFill>
-            <a:blip r:embed="rId3">
+            <a:blip r:embed="rId3" cstate="print">
               <a:extLst>
                 <a:ext uri="{28A0092B-C50C-407E-A947-70E740481C1C}">
-                  <a14:useLocalDpi xmlns:a14="http://schemas.microsoft.com/office/drawing/2010/main" val="0"/>
+                  <a14:useLocalDpi xmlns="" xmlns:a14="http://schemas.microsoft.com/office/drawing/2010/main" val="0"/>
                 </a:ext>
               </a:extLst>
             </a:blip>
@@ -4414,14 +4429,14 @@
             </a:ln>
             <a:extLst>
               <a:ext uri="{909E8E84-426E-40DD-AFC4-6F175D3DCCD1}">
-                <a14:hiddenFill xmlns:a14="http://schemas.microsoft.com/office/drawing/2010/main">
+                <a14:hiddenFill xmlns="" xmlns:a14="http://schemas.microsoft.com/office/drawing/2010/main">
                   <a:solidFill>
                     <a:schemeClr val="accent1"/>
                   </a:solidFill>
                 </a14:hiddenFill>
               </a:ext>
               <a:ext uri="{91240B29-F687-4F45-9708-019B960494DF}">
-                <a14:hiddenLine xmlns:a14="http://schemas.microsoft.com/office/drawing/2010/main" w="9525">
+                <a14:hiddenLine xmlns="" xmlns:a14="http://schemas.microsoft.com/office/drawing/2010/main" w="9525">
                   <a:solidFill>
                     <a:schemeClr val="tx1"/>
                   </a:solidFill>
@@ -4442,10 +4457,10 @@
             <p:nvPr/>
           </p:nvPicPr>
           <p:blipFill>
-            <a:blip r:embed="rId3">
+            <a:blip r:embed="rId3" cstate="print">
               <a:extLst>
                 <a:ext uri="{28A0092B-C50C-407E-A947-70E740481C1C}">
-                  <a14:useLocalDpi xmlns:a14="http://schemas.microsoft.com/office/drawing/2010/main" val="0"/>
+                  <a14:useLocalDpi xmlns="" xmlns:a14="http://schemas.microsoft.com/office/drawing/2010/main" val="0"/>
                 </a:ext>
               </a:extLst>
             </a:blip>
@@ -4468,14 +4483,14 @@
             </a:ln>
             <a:extLst>
               <a:ext uri="{909E8E84-426E-40DD-AFC4-6F175D3DCCD1}">
-                <a14:hiddenFill xmlns:a14="http://schemas.microsoft.com/office/drawing/2010/main">
+                <a14:hiddenFill xmlns="" xmlns:a14="http://schemas.microsoft.com/office/drawing/2010/main">
                   <a:solidFill>
                     <a:schemeClr val="accent1"/>
                   </a:solidFill>
                 </a14:hiddenFill>
               </a:ext>
               <a:ext uri="{91240B29-F687-4F45-9708-019B960494DF}">
-                <a14:hiddenLine xmlns:a14="http://schemas.microsoft.com/office/drawing/2010/main" w="9525">
+                <a14:hiddenLine xmlns="" xmlns:a14="http://schemas.microsoft.com/office/drawing/2010/main" w="9525">
                   <a:solidFill>
                     <a:schemeClr val="tx1"/>
                   </a:solidFill>
@@ -4496,10 +4511,10 @@
             <p:nvPr/>
           </p:nvPicPr>
           <p:blipFill>
-            <a:blip r:embed="rId3">
+            <a:blip r:embed="rId3" cstate="print">
               <a:extLst>
                 <a:ext uri="{28A0092B-C50C-407E-A947-70E740481C1C}">
-                  <a14:useLocalDpi xmlns:a14="http://schemas.microsoft.com/office/drawing/2010/main" val="0"/>
+                  <a14:useLocalDpi xmlns="" xmlns:a14="http://schemas.microsoft.com/office/drawing/2010/main" val="0"/>
                 </a:ext>
               </a:extLst>
             </a:blip>
@@ -4522,14 +4537,14 @@
             </a:ln>
             <a:extLst>
               <a:ext uri="{909E8E84-426E-40DD-AFC4-6F175D3DCCD1}">
-                <a14:hiddenFill xmlns:a14="http://schemas.microsoft.com/office/drawing/2010/main">
+                <a14:hiddenFill xmlns="" xmlns:a14="http://schemas.microsoft.com/office/drawing/2010/main">
                   <a:solidFill>
                     <a:schemeClr val="accent1"/>
                   </a:solidFill>
                 </a14:hiddenFill>
               </a:ext>
               <a:ext uri="{91240B29-F687-4F45-9708-019B960494DF}">
-                <a14:hiddenLine xmlns:a14="http://schemas.microsoft.com/office/drawing/2010/main" w="9525">
+                <a14:hiddenLine xmlns="" xmlns:a14="http://schemas.microsoft.com/office/drawing/2010/main" w="9525">
                   <a:solidFill>
                     <a:schemeClr val="tx1"/>
                   </a:solidFill>
@@ -4550,10 +4565,10 @@
             <p:nvPr/>
           </p:nvPicPr>
           <p:blipFill>
-            <a:blip r:embed="rId3">
+            <a:blip r:embed="rId3" cstate="print">
               <a:extLst>
                 <a:ext uri="{28A0092B-C50C-407E-A947-70E740481C1C}">
-                  <a14:useLocalDpi xmlns:a14="http://schemas.microsoft.com/office/drawing/2010/main" val="0"/>
+                  <a14:useLocalDpi xmlns="" xmlns:a14="http://schemas.microsoft.com/office/drawing/2010/main" val="0"/>
                 </a:ext>
               </a:extLst>
             </a:blip>
@@ -4576,14 +4591,14 @@
             </a:ln>
             <a:extLst>
               <a:ext uri="{909E8E84-426E-40DD-AFC4-6F175D3DCCD1}">
-                <a14:hiddenFill xmlns:a14="http://schemas.microsoft.com/office/drawing/2010/main">
+                <a14:hiddenFill xmlns="" xmlns:a14="http://schemas.microsoft.com/office/drawing/2010/main">
                   <a:solidFill>
                     <a:schemeClr val="accent1"/>
                   </a:solidFill>
                 </a14:hiddenFill>
               </a:ext>
               <a:ext uri="{91240B29-F687-4F45-9708-019B960494DF}">
-                <a14:hiddenLine xmlns:a14="http://schemas.microsoft.com/office/drawing/2010/main" w="9525">
+                <a14:hiddenLine xmlns="" xmlns:a14="http://schemas.microsoft.com/office/drawing/2010/main" w="9525">
                   <a:solidFill>
                     <a:schemeClr val="tx1"/>
                   </a:solidFill>
@@ -4973,7 +4988,7 @@
           <a:blip r:embed="rId4" cstate="print">
             <a:extLst>
               <a:ext uri="{28A0092B-C50C-407E-A947-70E740481C1C}">
-                <a14:useLocalDpi xmlns:a14="http://schemas.microsoft.com/office/drawing/2010/main" val="0"/>
+                <a14:useLocalDpi xmlns="" xmlns:a14="http://schemas.microsoft.com/office/drawing/2010/main" val="0"/>
               </a:ext>
             </a:extLst>
           </a:blip>
@@ -5000,7 +5015,7 @@
           </a:ln>
           <a:extLst>
             <a:ext uri="{909E8E84-426E-40DD-AFC4-6F175D3DCCD1}">
-              <a14:hiddenFill xmlns:a14="http://schemas.microsoft.com/office/drawing/2010/main">
+              <a14:hiddenFill xmlns="" xmlns:a14="http://schemas.microsoft.com/office/drawing/2010/main">
                 <a:solidFill>
                   <a:srgbClr val="FFFFFF"/>
                 </a:solidFill>
@@ -5051,7 +5066,7 @@
           <a:blip r:embed="rId5" cstate="print">
             <a:extLst>
               <a:ext uri="{28A0092B-C50C-407E-A947-70E740481C1C}">
-                <a14:useLocalDpi xmlns:a14="http://schemas.microsoft.com/office/drawing/2010/main" val="0"/>
+                <a14:useLocalDpi xmlns="" xmlns:a14="http://schemas.microsoft.com/office/drawing/2010/main" val="0"/>
               </a:ext>
             </a:extLst>
           </a:blip>
@@ -5071,7 +5086,7 @@
           <a:noFill/>
           <a:extLst>
             <a:ext uri="{909E8E84-426E-40DD-AFC4-6F175D3DCCD1}">
-              <a14:hiddenFill xmlns:a14="http://schemas.microsoft.com/office/drawing/2010/main">
+              <a14:hiddenFill xmlns="" xmlns:a14="http://schemas.microsoft.com/office/drawing/2010/main">
                 <a:solidFill>
                   <a:srgbClr val="FFFFFF"/>
                 </a:solidFill>
@@ -5092,7 +5107,7 @@
           <a:blip r:embed="rId6" cstate="print">
             <a:extLst>
               <a:ext uri="{28A0092B-C50C-407E-A947-70E740481C1C}">
-                <a14:useLocalDpi xmlns:a14="http://schemas.microsoft.com/office/drawing/2010/main" val="0"/>
+                <a14:useLocalDpi xmlns="" xmlns:a14="http://schemas.microsoft.com/office/drawing/2010/main" val="0"/>
               </a:ext>
             </a:extLst>
           </a:blip>
@@ -5112,7 +5127,7 @@
           <a:noFill/>
           <a:extLst>
             <a:ext uri="{909E8E84-426E-40DD-AFC4-6F175D3DCCD1}">
-              <a14:hiddenFill xmlns:a14="http://schemas.microsoft.com/office/drawing/2010/main">
+              <a14:hiddenFill xmlns="" xmlns:a14="http://schemas.microsoft.com/office/drawing/2010/main">
                 <a:solidFill>
                   <a:srgbClr val="FFFFFF"/>
                 </a:solidFill>
@@ -5279,10 +5294,9 @@
           <a:lstStyle/>
           <a:p>
             <a:r>
-              <a:rPr lang="en-US" altLang="ja-JP" sz="800" dirty="0" err="1" smtClean="0"/>
-              <a:t>refecences</a:t>
-            </a:r>
-            <a:endParaRPr lang="en-US" altLang="ja-JP" sz="800" dirty="0" smtClean="0"/>
+              <a:rPr lang="en-US" altLang="ja-JP" sz="800" dirty="0" smtClean="0"/>
+              <a:t>citations</a:t>
+            </a:r>
           </a:p>
           <a:p>
             <a:pPr indent="-108000">
@@ -6340,7 +6354,7 @@
           <a:blip r:embed="rId6" cstate="print">
             <a:extLst>
               <a:ext uri="{28A0092B-C50C-407E-A947-70E740481C1C}">
-                <a14:useLocalDpi xmlns:a14="http://schemas.microsoft.com/office/drawing/2010/main" val="0"/>
+                <a14:useLocalDpi xmlns="" xmlns:a14="http://schemas.microsoft.com/office/drawing/2010/main" val="0"/>
               </a:ext>
             </a:extLst>
           </a:blip>
@@ -6360,7 +6374,7 @@
           <a:noFill/>
           <a:extLst>
             <a:ext uri="{909E8E84-426E-40DD-AFC4-6F175D3DCCD1}">
-              <a14:hiddenFill xmlns:a14="http://schemas.microsoft.com/office/drawing/2010/main">
+              <a14:hiddenFill xmlns="" xmlns:a14="http://schemas.microsoft.com/office/drawing/2010/main">
                 <a:solidFill>
                   <a:srgbClr val="FFFFFF"/>
                 </a:solidFill>
@@ -6812,7 +6826,7 @@
           <a:blip r:embed="rId7" cstate="print">
             <a:extLst>
               <a:ext uri="{28A0092B-C50C-407E-A947-70E740481C1C}">
-                <a14:useLocalDpi xmlns:a14="http://schemas.microsoft.com/office/drawing/2010/main" val="0"/>
+                <a14:useLocalDpi xmlns="" xmlns:a14="http://schemas.microsoft.com/office/drawing/2010/main" val="0"/>
               </a:ext>
             </a:extLst>
           </a:blip>
@@ -6837,7 +6851,7 @@
           </a:ln>
           <a:extLst>
             <a:ext uri="{909E8E84-426E-40DD-AFC4-6F175D3DCCD1}">
-              <a14:hiddenFill xmlns:a14="http://schemas.microsoft.com/office/drawing/2010/main">
+              <a14:hiddenFill xmlns="" xmlns:a14="http://schemas.microsoft.com/office/drawing/2010/main">
                 <a:solidFill>
                   <a:srgbClr val="FFFFFF"/>
                 </a:solidFill>
@@ -7135,10 +7149,10 @@
           <p:nvPr/>
         </p:nvPicPr>
         <p:blipFill>
-          <a:blip r:embed="rId3">
+          <a:blip r:embed="rId3" cstate="print">
             <a:extLst>
               <a:ext uri="{28A0092B-C50C-407E-A947-70E740481C1C}">
-                <a14:useLocalDpi xmlns:a14="http://schemas.microsoft.com/office/drawing/2010/main" val="0"/>
+                <a14:useLocalDpi xmlns="" xmlns:a14="http://schemas.microsoft.com/office/drawing/2010/main" val="0"/>
               </a:ext>
             </a:extLst>
           </a:blip>
@@ -7161,14 +7175,14 @@
           </a:ln>
           <a:extLst>
             <a:ext uri="{909E8E84-426E-40DD-AFC4-6F175D3DCCD1}">
-              <a14:hiddenFill xmlns:a14="http://schemas.microsoft.com/office/drawing/2010/main">
+              <a14:hiddenFill xmlns="" xmlns:a14="http://schemas.microsoft.com/office/drawing/2010/main">
                 <a:solidFill>
                   <a:schemeClr val="accent1"/>
                 </a:solidFill>
               </a14:hiddenFill>
             </a:ext>
             <a:ext uri="{91240B29-F687-4F45-9708-019B960494DF}">
-              <a14:hiddenLine xmlns:a14="http://schemas.microsoft.com/office/drawing/2010/main" w="9525">
+              <a14:hiddenLine xmlns="" xmlns:a14="http://schemas.microsoft.com/office/drawing/2010/main" w="9525">
                 <a:solidFill>
                   <a:schemeClr val="tx1"/>
                 </a:solidFill>
@@ -7856,7 +7870,7 @@
     </p:spTree>
     <p:extLst>
       <p:ext uri="{BB962C8B-B14F-4D97-AF65-F5344CB8AC3E}">
-        <p14:creationId xmlns:p14="http://schemas.microsoft.com/office/powerpoint/2010/main" val="1904809622"/>
+        <p14:creationId xmlns="" xmlns:p14="http://schemas.microsoft.com/office/powerpoint/2010/main" val="1904809622"/>
       </p:ext>
     </p:extLst>
   </p:cSld>
@@ -7892,7 +7906,7 @@
       </p:grpSpPr>
       <p:sp>
         <p:nvSpPr>
-          <p:cNvPr id="2" name="スライド番号プレースホルダー 1"/>
+          <p:cNvPr id="2" name="スライド番号プレースホルダ 1"/>
           <p:cNvSpPr>
             <a:spLocks noGrp="1"/>
           </p:cNvSpPr>
@@ -7907,107 +7921,10 @@
           <a:p>
             <a:fld id="{80B61DEA-751C-4EFC-848A-C896179D47AE}" type="slidenum">
               <a:rPr kumimoji="1" lang="ja-JP" altLang="en-US" smtClean="0"/>
+              <a:pPr/>
               <a:t>3</a:t>
             </a:fld>
             <a:endParaRPr kumimoji="1" lang="ja-JP" altLang="en-US"/>
-          </a:p>
-        </p:txBody>
-      </p:sp>
-      <p:sp>
-        <p:nvSpPr>
-          <p:cNvPr id="3" name="コンテンツ プレースホルダー 2"/>
-          <p:cNvSpPr>
-            <a:spLocks noGrp="1"/>
-          </p:cNvSpPr>
-          <p:nvPr>
-            <p:ph idx="1"/>
-          </p:nvPr>
-        </p:nvSpPr>
-        <p:spPr/>
-        <p:txBody>
-          <a:bodyPr/>
-          <a:lstStyle/>
-          <a:p>
-            <a:r>
-              <a:rPr lang="ja-JP" altLang="en-US" dirty="0"/>
-              <a:t>「王様」</a:t>
-            </a:r>
-            <a:r>
-              <a:rPr lang="en-US" altLang="ja-JP" dirty="0"/>
-              <a:t>- </a:t>
-            </a:r>
-            <a:r>
-              <a:rPr lang="ja-JP" altLang="en-US" dirty="0"/>
-              <a:t>「男」</a:t>
-            </a:r>
-            <a:r>
-              <a:rPr lang="en-US" altLang="ja-JP" dirty="0"/>
-              <a:t>+ </a:t>
-            </a:r>
-            <a:r>
-              <a:rPr lang="ja-JP" altLang="en-US" dirty="0"/>
-              <a:t>「女」</a:t>
-            </a:r>
-            <a:r>
-              <a:rPr lang="en-US" altLang="ja-JP" dirty="0"/>
-              <a:t>= </a:t>
-            </a:r>
-            <a:r>
-              <a:rPr lang="ja-JP" altLang="en-US" dirty="0"/>
-              <a:t>「女王」</a:t>
-            </a:r>
-          </a:p>
-          <a:p>
-            <a:r>
-              <a:rPr lang="ja-JP" altLang="en-US" dirty="0"/>
-              <a:t>「パリ」</a:t>
-            </a:r>
-            <a:r>
-              <a:rPr lang="en-US" altLang="ja-JP" dirty="0"/>
-              <a:t>- </a:t>
-            </a:r>
-            <a:r>
-              <a:rPr lang="ja-JP" altLang="en-US" dirty="0"/>
-              <a:t>「フランス」</a:t>
-            </a:r>
-            <a:r>
-              <a:rPr lang="en-US" altLang="ja-JP" dirty="0"/>
-              <a:t>+ </a:t>
-            </a:r>
-            <a:r>
-              <a:rPr lang="ja-JP" altLang="en-US" dirty="0"/>
-              <a:t>「日本」</a:t>
-            </a:r>
-            <a:r>
-              <a:rPr lang="en-US" altLang="ja-JP" dirty="0"/>
-              <a:t>= </a:t>
-            </a:r>
-            <a:r>
-              <a:rPr lang="ja-JP" altLang="en-US" dirty="0"/>
-              <a:t>「東京</a:t>
-            </a:r>
-            <a:r>
-              <a:rPr lang="ja-JP" altLang="en-US" dirty="0" smtClean="0"/>
-              <a:t>」</a:t>
-            </a:r>
-            <a:endParaRPr lang="en-US" altLang="ja-JP" dirty="0" smtClean="0"/>
-          </a:p>
-          <a:p>
-            <a:r>
-              <a:rPr kumimoji="1" lang="ja-JP" altLang="en-US" dirty="0" smtClean="0"/>
-              <a:t>ができるようになる</a:t>
-            </a:r>
-            <a:endParaRPr kumimoji="1" lang="en-US" altLang="ja-JP" dirty="0" smtClean="0"/>
-          </a:p>
-          <a:p>
-            <a:endParaRPr lang="en-US" altLang="ja-JP" dirty="0"/>
-          </a:p>
-          <a:p>
-            <a:r>
-              <a:rPr kumimoji="1" lang="ja-JP" altLang="en-US" dirty="0" smtClean="0"/>
-              <a:t>ニューラルネットワークの入力の素性に利用できる</a:t>
-            </a:r>
-            <a:endParaRPr kumimoji="1" lang="ja-JP" altLang="en-US" dirty="0"/>
           </a:p>
         </p:txBody>
       </p:sp>
@@ -8027,30 +7944,435 @@
           <a:lstStyle/>
           <a:p>
             <a:r>
-              <a:rPr kumimoji="1" lang="ja-JP" altLang="en-US" dirty="0" smtClean="0"/>
-              <a:t>文書のベクトル化</a:t>
+              <a:rPr lang="en-US" altLang="ja-JP" dirty="0" smtClean="0"/>
+              <a:t>relevancy</a:t>
+            </a:r>
+            <a:endParaRPr kumimoji="1" lang="ja-JP" altLang="en-US" dirty="0"/>
+          </a:p>
+        </p:txBody>
+      </p:sp>
+      <p:sp>
+        <p:nvSpPr>
+          <p:cNvPr id="5" name="円/楕円 4"/>
+          <p:cNvSpPr/>
+          <p:nvPr/>
+        </p:nvSpPr>
+        <p:spPr>
+          <a:xfrm>
+            <a:off x="1178560" y="2956560"/>
+            <a:ext cx="2407920" cy="1300480"/>
+          </a:xfrm>
+          <a:prstGeom prst="ellipse">
+            <a:avLst/>
+          </a:prstGeom>
+          <a:solidFill>
+            <a:schemeClr val="bg1"/>
+          </a:solidFill>
+          <a:ln>
+            <a:solidFill>
+              <a:schemeClr val="tx1"/>
+            </a:solidFill>
+          </a:ln>
+        </p:spPr>
+        <p:style>
+          <a:lnRef idx="2">
+            <a:schemeClr val="accent1">
+              <a:shade val="50000"/>
+            </a:schemeClr>
+          </a:lnRef>
+          <a:fillRef idx="1">
+            <a:schemeClr val="accent1"/>
+          </a:fillRef>
+          <a:effectRef idx="0">
+            <a:schemeClr val="accent1"/>
+          </a:effectRef>
+          <a:fontRef idx="minor">
+            <a:schemeClr val="lt1"/>
+          </a:fontRef>
+        </p:style>
+        <p:txBody>
+          <a:bodyPr rtlCol="0" anchor="ctr"/>
+          <a:lstStyle/>
+          <a:p>
+            <a:pPr algn="ctr"/>
+            <a:r>
+              <a:rPr kumimoji="1" lang="en-US" altLang="ja-JP" dirty="0" err="1" smtClean="0">
+                <a:solidFill>
+                  <a:schemeClr val="tx1"/>
+                </a:solidFill>
+              </a:rPr>
+              <a:t>tensorFlow</a:t>
+            </a:r>
+            <a:endParaRPr kumimoji="1" lang="ja-JP" altLang="en-US" dirty="0">
+              <a:solidFill>
+                <a:schemeClr val="tx1"/>
+              </a:solidFill>
+            </a:endParaRPr>
+          </a:p>
+        </p:txBody>
+      </p:sp>
+      <p:sp>
+        <p:nvSpPr>
+          <p:cNvPr id="6" name="円/楕円 5"/>
+          <p:cNvSpPr/>
+          <p:nvPr/>
+        </p:nvSpPr>
+        <p:spPr>
+          <a:xfrm>
+            <a:off x="5781040" y="1036320"/>
+            <a:ext cx="548640" cy="487680"/>
+          </a:xfrm>
+          <a:prstGeom prst="ellipse">
+            <a:avLst/>
+          </a:prstGeom>
+          <a:solidFill>
+            <a:schemeClr val="bg1"/>
+          </a:solidFill>
+          <a:ln>
+            <a:solidFill>
+              <a:schemeClr val="tx1"/>
+            </a:solidFill>
+          </a:ln>
+        </p:spPr>
+        <p:style>
+          <a:lnRef idx="2">
+            <a:schemeClr val="accent1">
+              <a:shade val="50000"/>
+            </a:schemeClr>
+          </a:lnRef>
+          <a:fillRef idx="1">
+            <a:schemeClr val="accent1"/>
+          </a:fillRef>
+          <a:effectRef idx="0">
+            <a:schemeClr val="accent1"/>
+          </a:effectRef>
+          <a:fontRef idx="minor">
+            <a:schemeClr val="lt1"/>
+          </a:fontRef>
+        </p:style>
+        <p:txBody>
+          <a:bodyPr rtlCol="0" anchor="ctr"/>
+          <a:lstStyle/>
+          <a:p>
+            <a:pPr algn="ctr"/>
+            <a:r>
+              <a:rPr kumimoji="1" lang="en-US" altLang="ja-JP" dirty="0" smtClean="0">
+                <a:solidFill>
+                  <a:schemeClr val="tx1"/>
+                </a:solidFill>
+              </a:rPr>
+              <a:t>A</a:t>
+            </a:r>
+            <a:endParaRPr kumimoji="1" lang="ja-JP" altLang="en-US" dirty="0">
+              <a:solidFill>
+                <a:schemeClr val="tx1"/>
+              </a:solidFill>
+            </a:endParaRPr>
+          </a:p>
+        </p:txBody>
+      </p:sp>
+      <p:sp>
+        <p:nvSpPr>
+          <p:cNvPr id="7" name="円/楕円 6"/>
+          <p:cNvSpPr/>
+          <p:nvPr/>
+        </p:nvSpPr>
+        <p:spPr>
+          <a:xfrm>
+            <a:off x="6421120" y="2286000"/>
+            <a:ext cx="548640" cy="487680"/>
+          </a:xfrm>
+          <a:prstGeom prst="ellipse">
+            <a:avLst/>
+          </a:prstGeom>
+          <a:solidFill>
+            <a:schemeClr val="bg1"/>
+          </a:solidFill>
+          <a:ln>
+            <a:solidFill>
+              <a:schemeClr val="tx1"/>
+            </a:solidFill>
+          </a:ln>
+        </p:spPr>
+        <p:style>
+          <a:lnRef idx="2">
+            <a:schemeClr val="accent1">
+              <a:shade val="50000"/>
+            </a:schemeClr>
+          </a:lnRef>
+          <a:fillRef idx="1">
+            <a:schemeClr val="accent1"/>
+          </a:fillRef>
+          <a:effectRef idx="0">
+            <a:schemeClr val="accent1"/>
+          </a:effectRef>
+          <a:fontRef idx="minor">
+            <a:schemeClr val="lt1"/>
+          </a:fontRef>
+        </p:style>
+        <p:txBody>
+          <a:bodyPr rtlCol="0" anchor="ctr"/>
+          <a:lstStyle/>
+          <a:p>
+            <a:pPr algn="ctr"/>
+            <a:r>
+              <a:rPr lang="en-US" altLang="ja-JP" dirty="0" smtClean="0">
+                <a:solidFill>
+                  <a:schemeClr val="tx1"/>
+                </a:solidFill>
+              </a:rPr>
+              <a:t>B</a:t>
+            </a:r>
+            <a:endParaRPr kumimoji="1" lang="ja-JP" altLang="en-US" dirty="0">
+              <a:solidFill>
+                <a:schemeClr val="tx1"/>
+              </a:solidFill>
+            </a:endParaRPr>
+          </a:p>
+        </p:txBody>
+      </p:sp>
+      <p:cxnSp>
+        <p:nvCxnSpPr>
+          <p:cNvPr id="9" name="直線矢印コネクタ 8"/>
+          <p:cNvCxnSpPr>
+            <a:stCxn id="5" idx="7"/>
+            <a:endCxn id="6" idx="3"/>
+          </p:cNvCxnSpPr>
+          <p:nvPr/>
+        </p:nvCxnSpPr>
+        <p:spPr>
+          <a:xfrm flipV="1">
+            <a:off x="3233848" y="1452581"/>
+            <a:ext cx="2627539" cy="1694430"/>
+          </a:xfrm>
+          <a:prstGeom prst="straightConnector1">
+            <a:avLst/>
+          </a:prstGeom>
+          <a:ln>
+            <a:solidFill>
+              <a:schemeClr val="tx1"/>
+            </a:solidFill>
+            <a:tailEnd type="arrow" w="lg" len="lg"/>
+          </a:ln>
+        </p:spPr>
+        <p:style>
+          <a:lnRef idx="1">
+            <a:schemeClr val="accent1"/>
+          </a:lnRef>
+          <a:fillRef idx="0">
+            <a:schemeClr val="accent1"/>
+          </a:fillRef>
+          <a:effectRef idx="0">
+            <a:schemeClr val="accent1"/>
+          </a:effectRef>
+          <a:fontRef idx="minor">
+            <a:schemeClr val="tx1"/>
+          </a:fontRef>
+        </p:style>
+      </p:cxnSp>
+      <p:cxnSp>
+        <p:nvCxnSpPr>
+          <p:cNvPr id="10" name="直線矢印コネクタ 9"/>
+          <p:cNvCxnSpPr>
+            <a:stCxn id="5" idx="7"/>
+            <a:endCxn id="7" idx="2"/>
+          </p:cNvCxnSpPr>
+          <p:nvPr/>
+        </p:nvCxnSpPr>
+        <p:spPr>
+          <a:xfrm flipV="1">
+            <a:off x="3233848" y="2529840"/>
+            <a:ext cx="3187272" cy="617171"/>
+          </a:xfrm>
+          <a:prstGeom prst="straightConnector1">
+            <a:avLst/>
+          </a:prstGeom>
+          <a:ln>
+            <a:solidFill>
+              <a:schemeClr val="tx1"/>
+            </a:solidFill>
+            <a:tailEnd type="arrow" w="lg" len="lg"/>
+          </a:ln>
+        </p:spPr>
+        <p:style>
+          <a:lnRef idx="1">
+            <a:schemeClr val="accent1"/>
+          </a:lnRef>
+          <a:fillRef idx="0">
+            <a:schemeClr val="accent1"/>
+          </a:fillRef>
+          <a:effectRef idx="0">
+            <a:schemeClr val="accent1"/>
+          </a:effectRef>
+          <a:fontRef idx="minor">
+            <a:schemeClr val="tx1"/>
+          </a:fontRef>
+        </p:style>
+      </p:cxnSp>
+      <p:sp>
+        <p:nvSpPr>
+          <p:cNvPr id="13" name="テキスト ボックス 12"/>
+          <p:cNvSpPr txBox="1"/>
+          <p:nvPr/>
+        </p:nvSpPr>
+        <p:spPr>
+          <a:xfrm>
+            <a:off x="3931920" y="1554480"/>
+            <a:ext cx="609600" cy="646331"/>
+          </a:xfrm>
+          <a:prstGeom prst="rect">
+            <a:avLst/>
+          </a:prstGeom>
+          <a:noFill/>
+        </p:spPr>
+        <p:txBody>
+          <a:bodyPr wrap="square" rtlCol="0">
+            <a:spAutoFit/>
+          </a:bodyPr>
+          <a:lstStyle/>
+          <a:p>
+            <a:r>
+              <a:rPr lang="en-US" altLang="ja-JP" dirty="0" smtClean="0"/>
+              <a:t>_</a:t>
+            </a:r>
+          </a:p>
+          <a:p>
+            <a:r>
+              <a:rPr kumimoji="1" lang="en-US" altLang="ja-JP" dirty="0" smtClean="0"/>
+              <a:t>A</a:t>
+            </a:r>
+            <a:endParaRPr kumimoji="1" lang="ja-JP" altLang="en-US" dirty="0"/>
+          </a:p>
+        </p:txBody>
+      </p:sp>
+      <p:sp>
+        <p:nvSpPr>
+          <p:cNvPr id="14" name="テキスト ボックス 13"/>
+          <p:cNvSpPr txBox="1"/>
+          <p:nvPr/>
+        </p:nvSpPr>
+        <p:spPr>
+          <a:xfrm>
+            <a:off x="4897120" y="2885440"/>
+            <a:ext cx="609600" cy="646331"/>
+          </a:xfrm>
+          <a:prstGeom prst="rect">
+            <a:avLst/>
+          </a:prstGeom>
+          <a:noFill/>
+        </p:spPr>
+        <p:txBody>
+          <a:bodyPr wrap="square" rtlCol="0">
+            <a:spAutoFit/>
+          </a:bodyPr>
+          <a:lstStyle/>
+          <a:p>
+            <a:r>
+              <a:rPr lang="en-US" altLang="ja-JP" dirty="0" smtClean="0"/>
+              <a:t>_</a:t>
+            </a:r>
+          </a:p>
+          <a:p>
+            <a:r>
+              <a:rPr lang="en-US" altLang="ja-JP" dirty="0" smtClean="0"/>
+              <a:t>B</a:t>
+            </a:r>
+            <a:endParaRPr kumimoji="1" lang="ja-JP" altLang="en-US" dirty="0"/>
+          </a:p>
+        </p:txBody>
+      </p:sp>
+      <p:cxnSp>
+        <p:nvCxnSpPr>
+          <p:cNvPr id="15" name="直線矢印コネクタ 14"/>
+          <p:cNvCxnSpPr>
+            <a:stCxn id="6" idx="4"/>
+            <a:endCxn id="7" idx="1"/>
+          </p:cNvCxnSpPr>
+          <p:nvPr/>
+        </p:nvCxnSpPr>
+        <p:spPr>
+          <a:xfrm>
+            <a:off x="6055360" y="1524000"/>
+            <a:ext cx="446107" cy="833419"/>
+          </a:xfrm>
+          <a:prstGeom prst="straightConnector1">
+            <a:avLst/>
+          </a:prstGeom>
+          <a:ln>
+            <a:solidFill>
+              <a:schemeClr val="tx1"/>
+            </a:solidFill>
+            <a:tailEnd type="arrow" w="lg" len="lg"/>
+          </a:ln>
+        </p:spPr>
+        <p:style>
+          <a:lnRef idx="1">
+            <a:schemeClr val="accent1"/>
+          </a:lnRef>
+          <a:fillRef idx="0">
+            <a:schemeClr val="accent1"/>
+          </a:fillRef>
+          <a:effectRef idx="0">
+            <a:schemeClr val="accent1"/>
+          </a:effectRef>
+          <a:fontRef idx="minor">
+            <a:schemeClr val="tx1"/>
+          </a:fontRef>
+        </p:style>
+      </p:cxnSp>
+      <p:sp>
+        <p:nvSpPr>
+          <p:cNvPr id="18" name="テキスト ボックス 17"/>
+          <p:cNvSpPr txBox="1"/>
+          <p:nvPr/>
+        </p:nvSpPr>
+        <p:spPr>
+          <a:xfrm>
+            <a:off x="6664960" y="1290320"/>
+            <a:ext cx="985520" cy="646331"/>
+          </a:xfrm>
+          <a:prstGeom prst="rect">
+            <a:avLst/>
+          </a:prstGeom>
+          <a:noFill/>
+        </p:spPr>
+        <p:txBody>
+          <a:bodyPr wrap="square" rtlCol="0">
+            <a:spAutoFit/>
+          </a:bodyPr>
+          <a:lstStyle/>
+          <a:p>
+            <a:r>
+              <a:rPr lang="en-US" altLang="ja-JP" dirty="0" smtClean="0"/>
+              <a:t>_    _</a:t>
+            </a:r>
+          </a:p>
+          <a:p>
+            <a:r>
+              <a:rPr lang="en-US" altLang="ja-JP" dirty="0" smtClean="0"/>
+              <a:t>B</a:t>
+            </a:r>
+            <a:r>
+              <a:rPr lang="en-US" altLang="ja-JP" dirty="0" smtClean="0"/>
+              <a:t> </a:t>
+            </a:r>
+            <a:r>
+              <a:rPr lang="en-US" altLang="ja-JP" smtClean="0"/>
+              <a:t>- </a:t>
+            </a:r>
+            <a:r>
+              <a:rPr lang="en-US" altLang="ja-JP" smtClean="0"/>
+              <a:t>A</a:t>
             </a:r>
             <a:endParaRPr kumimoji="1" lang="ja-JP" altLang="en-US" dirty="0"/>
           </a:p>
         </p:txBody>
       </p:sp>
     </p:spTree>
-    <p:extLst>
-      <p:ext uri="{BB962C8B-B14F-4D97-AF65-F5344CB8AC3E}">
-        <p14:creationId xmlns:p14="http://schemas.microsoft.com/office/powerpoint/2010/main" val="1900568499"/>
-      </p:ext>
-    </p:extLst>
   </p:cSld>
   <p:clrMapOvr>
     <a:masterClrMapping/>
   </p:clrMapOvr>
-  <p:timing>
-    <p:tnLst>
-      <p:par>
-        <p:cTn id="1" dur="indefinite" restart="never" nodeType="tmRoot"/>
-      </p:par>
-    </p:tnLst>
-  </p:timing>
 </p:sld>
 </file>
 
@@ -8088,16 +8410,199 @@
           <a:p>
             <a:fld id="{80B61DEA-751C-4EFC-848A-C896179D47AE}" type="slidenum">
               <a:rPr kumimoji="1" lang="ja-JP" altLang="en-US" smtClean="0"/>
+              <a:pPr/>
               <a:t>4</a:t>
             </a:fld>
             <a:endParaRPr kumimoji="1" lang="ja-JP" altLang="en-US"/>
+          </a:p>
+        </p:txBody>
+      </p:sp>
+      <p:sp>
+        <p:nvSpPr>
+          <p:cNvPr id="3" name="コンテンツ プレースホルダー 2"/>
+          <p:cNvSpPr>
+            <a:spLocks noGrp="1"/>
+          </p:cNvSpPr>
+          <p:nvPr>
+            <p:ph idx="1"/>
+          </p:nvPr>
+        </p:nvSpPr>
+        <p:spPr/>
+        <p:txBody>
+          <a:bodyPr/>
+          <a:lstStyle/>
+          <a:p>
+            <a:r>
+              <a:rPr lang="ja-JP" altLang="en-US" dirty="0"/>
+              <a:t>「王様」</a:t>
+            </a:r>
+            <a:r>
+              <a:rPr lang="en-US" altLang="ja-JP" dirty="0"/>
+              <a:t>- </a:t>
+            </a:r>
+            <a:r>
+              <a:rPr lang="ja-JP" altLang="en-US" dirty="0"/>
+              <a:t>「男」</a:t>
+            </a:r>
+            <a:r>
+              <a:rPr lang="en-US" altLang="ja-JP" dirty="0"/>
+              <a:t>+ </a:t>
+            </a:r>
+            <a:r>
+              <a:rPr lang="ja-JP" altLang="en-US" dirty="0"/>
+              <a:t>「女」</a:t>
+            </a:r>
+            <a:r>
+              <a:rPr lang="en-US" altLang="ja-JP" dirty="0"/>
+              <a:t>= </a:t>
+            </a:r>
+            <a:r>
+              <a:rPr lang="ja-JP" altLang="en-US" dirty="0"/>
+              <a:t>「女王」</a:t>
+            </a:r>
+          </a:p>
+          <a:p>
+            <a:r>
+              <a:rPr lang="ja-JP" altLang="en-US" dirty="0"/>
+              <a:t>「パリ」</a:t>
+            </a:r>
+            <a:r>
+              <a:rPr lang="en-US" altLang="ja-JP" dirty="0"/>
+              <a:t>- </a:t>
+            </a:r>
+            <a:r>
+              <a:rPr lang="ja-JP" altLang="en-US" dirty="0"/>
+              <a:t>「フランス」</a:t>
+            </a:r>
+            <a:r>
+              <a:rPr lang="en-US" altLang="ja-JP" dirty="0"/>
+              <a:t>+ </a:t>
+            </a:r>
+            <a:r>
+              <a:rPr lang="ja-JP" altLang="en-US" dirty="0"/>
+              <a:t>「日本」</a:t>
+            </a:r>
+            <a:r>
+              <a:rPr lang="en-US" altLang="ja-JP" dirty="0"/>
+              <a:t>= </a:t>
+            </a:r>
+            <a:r>
+              <a:rPr lang="ja-JP" altLang="en-US" dirty="0"/>
+              <a:t>「東京</a:t>
+            </a:r>
+            <a:r>
+              <a:rPr lang="ja-JP" altLang="en-US" dirty="0" smtClean="0"/>
+              <a:t>」</a:t>
+            </a:r>
+            <a:endParaRPr lang="en-US" altLang="ja-JP" dirty="0" smtClean="0"/>
+          </a:p>
+          <a:p>
+            <a:r>
+              <a:rPr kumimoji="1" lang="ja-JP" altLang="en-US" dirty="0" smtClean="0"/>
+              <a:t>ができるようになる</a:t>
+            </a:r>
+            <a:endParaRPr kumimoji="1" lang="en-US" altLang="ja-JP" dirty="0" smtClean="0"/>
+          </a:p>
+          <a:p>
+            <a:endParaRPr lang="en-US" altLang="ja-JP" dirty="0"/>
+          </a:p>
+          <a:p>
+            <a:r>
+              <a:rPr kumimoji="1" lang="ja-JP" altLang="en-US" dirty="0" smtClean="0"/>
+              <a:t>ニューラルネットワークの入力の素性に利用できる</a:t>
+            </a:r>
+            <a:endParaRPr kumimoji="1" lang="ja-JP" altLang="en-US" dirty="0"/>
+          </a:p>
+        </p:txBody>
+      </p:sp>
+      <p:sp>
+        <p:nvSpPr>
+          <p:cNvPr id="4" name="タイトル 3"/>
+          <p:cNvSpPr>
+            <a:spLocks noGrp="1"/>
+          </p:cNvSpPr>
+          <p:nvPr>
+            <p:ph type="title"/>
+          </p:nvPr>
+        </p:nvSpPr>
+        <p:spPr/>
+        <p:txBody>
+          <a:bodyPr/>
+          <a:lstStyle/>
+          <a:p>
+            <a:r>
+              <a:rPr kumimoji="1" lang="ja-JP" altLang="en-US" dirty="0" smtClean="0"/>
+              <a:t>文書のベクトル化</a:t>
+            </a:r>
+            <a:endParaRPr kumimoji="1" lang="ja-JP" altLang="en-US" dirty="0"/>
           </a:p>
         </p:txBody>
       </p:sp>
     </p:spTree>
     <p:extLst>
       <p:ext uri="{BB962C8B-B14F-4D97-AF65-F5344CB8AC3E}">
-        <p14:creationId xmlns:p14="http://schemas.microsoft.com/office/powerpoint/2010/main" val="2288468216"/>
+        <p14:creationId xmlns="" xmlns:p14="http://schemas.microsoft.com/office/powerpoint/2010/main" val="1900568499"/>
+      </p:ext>
+    </p:extLst>
+  </p:cSld>
+  <p:clrMapOvr>
+    <a:masterClrMapping/>
+  </p:clrMapOvr>
+  <p:timing>
+    <p:tnLst>
+      <p:par>
+        <p:cTn id="1" dur="indefinite" restart="never" nodeType="tmRoot"/>
+      </p:par>
+    </p:tnLst>
+  </p:timing>
+</p:sld>
+</file>
+
+<file path=ppt/slides/slide5.xml><?xml version="1.0" encoding="utf-8"?>
+<p:sld xmlns:a="http://schemas.openxmlformats.org/drawingml/2006/main" xmlns:r="http://schemas.openxmlformats.org/officeDocument/2006/relationships" xmlns:p="http://schemas.openxmlformats.org/presentationml/2006/main">
+  <p:cSld>
+    <p:spTree>
+      <p:nvGrpSpPr>
+        <p:cNvPr id="1" name=""/>
+        <p:cNvGrpSpPr/>
+        <p:nvPr/>
+      </p:nvGrpSpPr>
+      <p:grpSpPr>
+        <a:xfrm>
+          <a:off x="0" y="0"/>
+          <a:ext cx="0" cy="0"/>
+          <a:chOff x="0" y="0"/>
+          <a:chExt cx="0" cy="0"/>
+        </a:xfrm>
+      </p:grpSpPr>
+      <p:sp>
+        <p:nvSpPr>
+          <p:cNvPr id="2" name="スライド番号プレースホルダー 1"/>
+          <p:cNvSpPr>
+            <a:spLocks noGrp="1"/>
+          </p:cNvSpPr>
+          <p:nvPr>
+            <p:ph type="sldNum" sz="quarter" idx="4"/>
+          </p:nvPr>
+        </p:nvSpPr>
+        <p:spPr/>
+        <p:txBody>
+          <a:bodyPr/>
+          <a:lstStyle/>
+          <a:p>
+            <a:fld id="{80B61DEA-751C-4EFC-848A-C896179D47AE}" type="slidenum">
+              <a:rPr kumimoji="1" lang="ja-JP" altLang="en-US" smtClean="0"/>
+              <a:pPr/>
+              <a:t>5</a:t>
+            </a:fld>
+            <a:endParaRPr kumimoji="1" lang="ja-JP" altLang="en-US"/>
+          </a:p>
+        </p:txBody>
+      </p:sp>
+    </p:spTree>
+    <p:extLst>
+      <p:ext uri="{BB962C8B-B14F-4D97-AF65-F5344CB8AC3E}">
+        <p14:creationId xmlns="" xmlns:p14="http://schemas.microsoft.com/office/powerpoint/2010/main" val="2288468216"/>
       </p:ext>
     </p:extLst>
   </p:cSld>
@@ -8375,7 +8880,7 @@
     </a:clrScheme>
     <a:fontScheme name="Office">
       <a:majorFont>
-        <a:latin typeface="Calibri Light" panose="020F0302020204030204"/>
+        <a:latin typeface="Calibri Light"/>
         <a:ea typeface=""/>
         <a:cs typeface=""/>
         <a:font script="Jpan" typeface="ＭＳ Ｐゴシック"/>
@@ -8410,7 +8915,7 @@
         <a:font script="Geor" typeface="Sylfaen"/>
       </a:majorFont>
       <a:minorFont>
-        <a:latin typeface="Calibri" panose="020F0502020204030204"/>
+        <a:latin typeface="Calibri"/>
         <a:ea typeface=""/>
         <a:cs typeface=""/>
         <a:font script="Jpan" typeface="ＭＳ Ｐゴシック"/>

--- a/overview.pptx
+++ b/overview.pptx
@@ -5,14 +5,22 @@
     <p:sldMasterId id="2147483648" r:id="rId1"/>
   </p:sldMasterIdLst>
   <p:notesMasterIdLst>
-    <p:notesMasterId r:id="rId7"/>
+    <p:notesMasterId r:id="rId15"/>
   </p:notesMasterIdLst>
   <p:sldIdLst>
     <p:sldId id="256" r:id="rId2"/>
-    <p:sldId id="257" r:id="rId3"/>
-    <p:sldId id="261" r:id="rId4"/>
-    <p:sldId id="260" r:id="rId5"/>
-    <p:sldId id="259" r:id="rId6"/>
+    <p:sldId id="262" r:id="rId3"/>
+    <p:sldId id="257" r:id="rId4"/>
+    <p:sldId id="261" r:id="rId5"/>
+    <p:sldId id="260" r:id="rId6"/>
+    <p:sldId id="269" r:id="rId7"/>
+    <p:sldId id="266" r:id="rId8"/>
+    <p:sldId id="268" r:id="rId9"/>
+    <p:sldId id="272" r:id="rId10"/>
+    <p:sldId id="270" r:id="rId11"/>
+    <p:sldId id="271" r:id="rId12"/>
+    <p:sldId id="264" r:id="rId13"/>
+    <p:sldId id="259" r:id="rId14"/>
   </p:sldIdLst>
   <p:sldSz cx="12192000" cy="6858000"/>
   <p:notesSz cx="6858000" cy="9144000"/>
@@ -197,7 +205,7 @@
             <a:fld id="{9841980D-5ED3-487F-B3E9-943BB45F7B97}" type="datetimeFigureOut">
               <a:rPr kumimoji="1" lang="ja-JP" altLang="en-US" smtClean="0"/>
               <a:pPr/>
-              <a:t>2017/4/9</a:t>
+              <a:t>2017/4/11</a:t>
             </a:fld>
             <a:endParaRPr kumimoji="1" lang="ja-JP" altLang="en-US"/>
           </a:p>
@@ -389,7 +397,7 @@
             <a:fld id="{D5E6ED6B-3F85-40A1-9484-0C501FDC6FE4}" type="slidenum">
               <a:rPr kumimoji="1" lang="ja-JP" altLang="en-US" smtClean="0"/>
               <a:pPr/>
-              <a:t>&lt;#&gt;</a:t>
+              <a:t>‹#›</a:t>
             </a:fld>
             <a:endParaRPr kumimoji="1" lang="ja-JP" altLang="en-US"/>
           </a:p>
@@ -398,7 +406,7 @@
     </p:spTree>
     <p:extLst>
       <p:ext uri="{BB962C8B-B14F-4D97-AF65-F5344CB8AC3E}">
-        <p14:creationId xmlns="" xmlns:p14="http://schemas.microsoft.com/office/powerpoint/2010/main" val="1647040712"/>
+        <p14:creationId xmlns:p14="http://schemas.microsoft.com/office/powerpoint/2010/main" val="1647040712"/>
       </p:ext>
     </p:extLst>
   </p:cSld>
@@ -564,7 +572,7 @@
             <a:fld id="{D5E6ED6B-3F85-40A1-9484-0C501FDC6FE4}" type="slidenum">
               <a:rPr kumimoji="1" lang="ja-JP" altLang="en-US" smtClean="0"/>
               <a:pPr/>
-              <a:t>2</a:t>
+              <a:t>3</a:t>
             </a:fld>
             <a:endParaRPr kumimoji="1" lang="ja-JP" altLang="en-US"/>
           </a:p>
@@ -573,7 +581,7 @@
     </p:spTree>
     <p:extLst>
       <p:ext uri="{BB962C8B-B14F-4D97-AF65-F5344CB8AC3E}">
-        <p14:creationId xmlns="" xmlns:p14="http://schemas.microsoft.com/office/powerpoint/2010/main" val="1657077930"/>
+        <p14:creationId xmlns:p14="http://schemas.microsoft.com/office/powerpoint/2010/main" val="1657077930"/>
       </p:ext>
     </p:extLst>
   </p:cSld>
@@ -730,7 +738,7 @@
           <a:blip r:embed="rId2" cstate="print">
             <a:extLst>
               <a:ext uri="{28A0092B-C50C-407E-A947-70E740481C1C}">
-                <a14:useLocalDpi xmlns="" xmlns:a14="http://schemas.microsoft.com/office/drawing/2010/main" val="0"/>
+                <a14:useLocalDpi xmlns:a14="http://schemas.microsoft.com/office/drawing/2010/main" val="0"/>
               </a:ext>
             </a:extLst>
           </a:blip>
@@ -816,7 +824,7 @@
     </p:spTree>
     <p:extLst>
       <p:ext uri="{BB962C8B-B14F-4D97-AF65-F5344CB8AC3E}">
-        <p14:creationId xmlns="" xmlns:p14="http://schemas.microsoft.com/office/powerpoint/2010/main" val="3004416884"/>
+        <p14:creationId xmlns:p14="http://schemas.microsoft.com/office/powerpoint/2010/main" val="3004416884"/>
       </p:ext>
     </p:extLst>
   </p:cSld>
@@ -879,7 +887,7 @@
             <a:fld id="{80B61DEA-751C-4EFC-848A-C896179D47AE}" type="slidenum">
               <a:rPr kumimoji="1" lang="ja-JP" altLang="en-US" smtClean="0"/>
               <a:pPr/>
-              <a:t>&lt;#&gt;</a:t>
+              <a:t>‹#›</a:t>
             </a:fld>
             <a:endParaRPr kumimoji="1" lang="ja-JP" altLang="en-US"/>
           </a:p>
@@ -1173,7 +1181,7 @@
           <a:blip r:embed="rId2" cstate="print">
             <a:extLst>
               <a:ext uri="{28A0092B-C50C-407E-A947-70E740481C1C}">
-                <a14:useLocalDpi xmlns="" xmlns:a14="http://schemas.microsoft.com/office/drawing/2010/main" val="0"/>
+                <a14:useLocalDpi xmlns:a14="http://schemas.microsoft.com/office/drawing/2010/main" val="0"/>
               </a:ext>
             </a:extLst>
           </a:blip>
@@ -1194,7 +1202,7 @@
     </p:spTree>
     <p:extLst>
       <p:ext uri="{BB962C8B-B14F-4D97-AF65-F5344CB8AC3E}">
-        <p14:creationId xmlns="" xmlns:p14="http://schemas.microsoft.com/office/powerpoint/2010/main" val="4214205409"/>
+        <p14:creationId xmlns:p14="http://schemas.microsoft.com/office/powerpoint/2010/main" val="4214205409"/>
       </p:ext>
     </p:extLst>
   </p:cSld>
@@ -1314,7 +1322,7 @@
           <a:blip r:embed="rId2" cstate="print">
             <a:extLst>
               <a:ext uri="{28A0092B-C50C-407E-A947-70E740481C1C}">
-                <a14:useLocalDpi xmlns="" xmlns:a14="http://schemas.microsoft.com/office/drawing/2010/main" val="0"/>
+                <a14:useLocalDpi xmlns:a14="http://schemas.microsoft.com/office/drawing/2010/main" val="0"/>
               </a:ext>
             </a:extLst>
           </a:blip>
@@ -1368,7 +1376,7 @@
             <a:fld id="{80B61DEA-751C-4EFC-848A-C896179D47AE}" type="slidenum">
               <a:rPr kumimoji="1" lang="ja-JP" altLang="en-US" smtClean="0"/>
               <a:pPr/>
-              <a:t>&lt;#&gt;</a:t>
+              <a:t>‹#›</a:t>
             </a:fld>
             <a:endParaRPr kumimoji="1" lang="ja-JP" altLang="en-US"/>
           </a:p>
@@ -1414,7 +1422,7 @@
     </p:spTree>
     <p:extLst>
       <p:ext uri="{BB962C8B-B14F-4D97-AF65-F5344CB8AC3E}">
-        <p14:creationId xmlns="" xmlns:p14="http://schemas.microsoft.com/office/powerpoint/2010/main" val="3620504976"/>
+        <p14:creationId xmlns:p14="http://schemas.microsoft.com/office/powerpoint/2010/main" val="3620504976"/>
       </p:ext>
     </p:extLst>
   </p:cSld>
@@ -1477,7 +1485,7 @@
             <a:fld id="{80B61DEA-751C-4EFC-848A-C896179D47AE}" type="slidenum">
               <a:rPr kumimoji="1" lang="ja-JP" altLang="en-US" smtClean="0"/>
               <a:pPr/>
-              <a:t>&lt;#&gt;</a:t>
+              <a:t>‹#›</a:t>
             </a:fld>
             <a:endParaRPr kumimoji="1" lang="ja-JP" altLang="en-US"/>
           </a:p>
@@ -1641,7 +1649,7 @@
     </p:spTree>
     <p:extLst>
       <p:ext uri="{BB962C8B-B14F-4D97-AF65-F5344CB8AC3E}">
-        <p14:creationId xmlns="" xmlns:p14="http://schemas.microsoft.com/office/powerpoint/2010/main" val="646152418"/>
+        <p14:creationId xmlns:p14="http://schemas.microsoft.com/office/powerpoint/2010/main" val="646152418"/>
       </p:ext>
     </p:extLst>
   </p:cSld>
@@ -1704,7 +1712,7 @@
             <a:fld id="{78817559-BB6D-4C96-94D1-43E03D71EB93}" type="datetime1">
               <a:rPr kumimoji="1" lang="ja-JP" altLang="en-US" smtClean="0"/>
               <a:pPr/>
-              <a:t>2017/4/9</a:t>
+              <a:t>2017/4/11</a:t>
             </a:fld>
             <a:endParaRPr kumimoji="1" lang="ja-JP" altLang="en-US" dirty="0"/>
           </a:p>
@@ -1746,7 +1754,7 @@
             <a:fld id="{80B61DEA-751C-4EFC-848A-C896179D47AE}" type="slidenum">
               <a:rPr kumimoji="1" lang="ja-JP" altLang="en-US" smtClean="0"/>
               <a:pPr/>
-              <a:t>&lt;#&gt;</a:t>
+              <a:t>‹#›</a:t>
             </a:fld>
             <a:endParaRPr kumimoji="1" lang="ja-JP" altLang="en-US"/>
           </a:p>
@@ -2055,7 +2063,7 @@
           <a:blip r:embed="rId2" cstate="print">
             <a:extLst>
               <a:ext uri="{28A0092B-C50C-407E-A947-70E740481C1C}">
-                <a14:useLocalDpi xmlns="" xmlns:a14="http://schemas.microsoft.com/office/drawing/2010/main" val="0"/>
+                <a14:useLocalDpi xmlns:a14="http://schemas.microsoft.com/office/drawing/2010/main" val="0"/>
               </a:ext>
             </a:extLst>
           </a:blip>
@@ -2212,7 +2220,7 @@
     </p:spTree>
     <p:extLst>
       <p:ext uri="{BB962C8B-B14F-4D97-AF65-F5344CB8AC3E}">
-        <p14:creationId xmlns="" xmlns:p14="http://schemas.microsoft.com/office/powerpoint/2010/main" val="1584837141"/>
+        <p14:creationId xmlns:p14="http://schemas.microsoft.com/office/powerpoint/2010/main" val="1584837141"/>
       </p:ext>
     </p:extLst>
   </p:cSld>
@@ -2276,7 +2284,7 @@
             <a:fld id="{80B61DEA-751C-4EFC-848A-C896179D47AE}" type="slidenum">
               <a:rPr kumimoji="1" lang="ja-JP" altLang="en-US" smtClean="0"/>
               <a:pPr/>
-              <a:t>&lt;#&gt;</a:t>
+              <a:t>‹#›</a:t>
             </a:fld>
             <a:endParaRPr kumimoji="1" lang="ja-JP" altLang="en-US"/>
           </a:p>
@@ -2585,7 +2593,7 @@
           <a:blip r:embed="rId2" cstate="print">
             <a:extLst>
               <a:ext uri="{28A0092B-C50C-407E-A947-70E740481C1C}">
-                <a14:useLocalDpi xmlns="" xmlns:a14="http://schemas.microsoft.com/office/drawing/2010/main" val="0"/>
+                <a14:useLocalDpi xmlns:a14="http://schemas.microsoft.com/office/drawing/2010/main" val="0"/>
               </a:ext>
             </a:extLst>
           </a:blip>
@@ -3062,7 +3070,7 @@
     </p:spTree>
     <p:extLst>
       <p:ext uri="{BB962C8B-B14F-4D97-AF65-F5344CB8AC3E}">
-        <p14:creationId xmlns="" xmlns:p14="http://schemas.microsoft.com/office/powerpoint/2010/main" val="1163927299"/>
+        <p14:creationId xmlns:p14="http://schemas.microsoft.com/office/powerpoint/2010/main" val="1163927299"/>
       </p:ext>
     </p:extLst>
   </p:cSld>
@@ -3138,7 +3146,7 @@
           <a:blip r:embed="rId2" cstate="print">
             <a:extLst>
               <a:ext uri="{28A0092B-C50C-407E-A947-70E740481C1C}">
-                <a14:useLocalDpi xmlns="" xmlns:a14="http://schemas.microsoft.com/office/drawing/2010/main" val="0"/>
+                <a14:useLocalDpi xmlns:a14="http://schemas.microsoft.com/office/drawing/2010/main" val="0"/>
               </a:ext>
             </a:extLst>
           </a:blip>
@@ -3192,7 +3200,7 @@
             <a:fld id="{80B61DEA-751C-4EFC-848A-C896179D47AE}" type="slidenum">
               <a:rPr kumimoji="1" lang="ja-JP" altLang="en-US" smtClean="0"/>
               <a:pPr/>
-              <a:t>&lt;#&gt;</a:t>
+              <a:t>‹#›</a:t>
             </a:fld>
             <a:endParaRPr kumimoji="1" lang="ja-JP" altLang="en-US"/>
           </a:p>
@@ -3201,7 +3209,7 @@
     </p:spTree>
     <p:extLst>
       <p:ext uri="{BB962C8B-B14F-4D97-AF65-F5344CB8AC3E}">
-        <p14:creationId xmlns="" xmlns:p14="http://schemas.microsoft.com/office/powerpoint/2010/main" val="853120211"/>
+        <p14:creationId xmlns:p14="http://schemas.microsoft.com/office/powerpoint/2010/main" val="853120211"/>
       </p:ext>
     </p:extLst>
   </p:cSld>
@@ -3271,7 +3279,7 @@
             <a:fld id="{80B61DEA-751C-4EFC-848A-C896179D47AE}" type="slidenum">
               <a:rPr kumimoji="1" lang="ja-JP" altLang="en-US" smtClean="0"/>
               <a:pPr/>
-              <a:t>&lt;#&gt;</a:t>
+              <a:t>‹#›</a:t>
             </a:fld>
             <a:endParaRPr kumimoji="1" lang="ja-JP" altLang="en-US"/>
           </a:p>
@@ -3280,7 +3288,7 @@
     </p:spTree>
     <p:extLst>
       <p:ext uri="{BB962C8B-B14F-4D97-AF65-F5344CB8AC3E}">
-        <p14:creationId xmlns="" xmlns:p14="http://schemas.microsoft.com/office/powerpoint/2010/main" val="3099946962"/>
+        <p14:creationId xmlns:p14="http://schemas.microsoft.com/office/powerpoint/2010/main" val="3099946962"/>
       </p:ext>
     </p:extLst>
   </p:cSld>
@@ -3326,7 +3334,7 @@
           <a:blip r:embed="rId2" cstate="print">
             <a:extLst>
               <a:ext uri="{28A0092B-C50C-407E-A947-70E740481C1C}">
-                <a14:useLocalDpi xmlns="" xmlns:a14="http://schemas.microsoft.com/office/drawing/2010/main" val="0"/>
+                <a14:useLocalDpi xmlns:a14="http://schemas.microsoft.com/office/drawing/2010/main" val="0"/>
               </a:ext>
             </a:extLst>
           </a:blip>
@@ -3380,7 +3388,7 @@
             <a:fld id="{80B61DEA-751C-4EFC-848A-C896179D47AE}" type="slidenum">
               <a:rPr kumimoji="1" lang="ja-JP" altLang="en-US" smtClean="0"/>
               <a:pPr/>
-              <a:t>&lt;#&gt;</a:t>
+              <a:t>‹#›</a:t>
             </a:fld>
             <a:endParaRPr kumimoji="1" lang="ja-JP" altLang="en-US"/>
           </a:p>
@@ -3389,7 +3397,7 @@
     </p:spTree>
     <p:extLst>
       <p:ext uri="{BB962C8B-B14F-4D97-AF65-F5344CB8AC3E}">
-        <p14:creationId xmlns="" xmlns:p14="http://schemas.microsoft.com/office/powerpoint/2010/main" val="2408143909"/>
+        <p14:creationId xmlns:p14="http://schemas.microsoft.com/office/powerpoint/2010/main" val="2408143909"/>
       </p:ext>
     </p:extLst>
   </p:cSld>
@@ -3612,7 +3620,7 @@
             <a:fld id="{80B61DEA-751C-4EFC-848A-C896179D47AE}" type="slidenum">
               <a:rPr kumimoji="1" lang="ja-JP" altLang="en-US" smtClean="0"/>
               <a:pPr/>
-              <a:t>&lt;#&gt;</a:t>
+              <a:t>‹#›</a:t>
             </a:fld>
             <a:endParaRPr kumimoji="1" lang="ja-JP" altLang="en-US"/>
           </a:p>
@@ -3734,7 +3742,7 @@
     </p:spTree>
     <p:extLst>
       <p:ext uri="{BB962C8B-B14F-4D97-AF65-F5344CB8AC3E}">
-        <p14:creationId xmlns="" xmlns:p14="http://schemas.microsoft.com/office/powerpoint/2010/main" val="3722099324"/>
+        <p14:creationId xmlns:p14="http://schemas.microsoft.com/office/powerpoint/2010/main" val="3722099324"/>
       </p:ext>
     </p:extLst>
   </p:cSld>
@@ -4067,8 +4075,8 @@
           <a:lstStyle/>
           <a:p>
             <a:r>
-              <a:rPr kumimoji="1" lang="ja-JP" altLang="en-US" dirty="0" smtClean="0"/>
-              <a:t>タイトル</a:t>
+              <a:rPr kumimoji="1" lang="en-US" altLang="ja-JP" dirty="0" smtClean="0"/>
+              <a:t>Paper Graph</a:t>
             </a:r>
             <a:endParaRPr kumimoji="1" lang="ja-JP" altLang="en-US" dirty="0"/>
           </a:p>
@@ -4237,7 +4245,387 @@
     </p:spTree>
     <p:extLst>
       <p:ext uri="{BB962C8B-B14F-4D97-AF65-F5344CB8AC3E}">
-        <p14:creationId xmlns="" xmlns:p14="http://schemas.microsoft.com/office/powerpoint/2010/main" val="291693654"/>
+        <p14:creationId xmlns:p14="http://schemas.microsoft.com/office/powerpoint/2010/main" val="291693654"/>
+      </p:ext>
+    </p:extLst>
+  </p:cSld>
+  <p:clrMapOvr>
+    <a:masterClrMapping/>
+  </p:clrMapOvr>
+  <p:timing>
+    <p:tnLst>
+      <p:par>
+        <p:cTn id="1" dur="indefinite" restart="never" nodeType="tmRoot"/>
+      </p:par>
+    </p:tnLst>
+  </p:timing>
+</p:sld>
+</file>
+
+<file path=ppt/slides/slide10.xml><?xml version="1.0" encoding="utf-8"?>
+<p:sld xmlns:a="http://schemas.openxmlformats.org/drawingml/2006/main" xmlns:r="http://schemas.openxmlformats.org/officeDocument/2006/relationships" xmlns:p="http://schemas.openxmlformats.org/presentationml/2006/main">
+  <p:cSld>
+    <p:spTree>
+      <p:nvGrpSpPr>
+        <p:cNvPr id="1" name=""/>
+        <p:cNvGrpSpPr/>
+        <p:nvPr/>
+      </p:nvGrpSpPr>
+      <p:grpSpPr>
+        <a:xfrm>
+          <a:off x="0" y="0"/>
+          <a:ext cx="0" cy="0"/>
+          <a:chOff x="0" y="0"/>
+          <a:chExt cx="0" cy="0"/>
+        </a:xfrm>
+      </p:grpSpPr>
+      <p:sp>
+        <p:nvSpPr>
+          <p:cNvPr id="2" name="スライド番号プレースホルダー 1"/>
+          <p:cNvSpPr>
+            <a:spLocks noGrp="1"/>
+          </p:cNvSpPr>
+          <p:nvPr>
+            <p:ph type="sldNum" sz="quarter" idx="4"/>
+          </p:nvPr>
+        </p:nvSpPr>
+        <p:spPr/>
+        <p:txBody>
+          <a:bodyPr/>
+          <a:lstStyle/>
+          <a:p>
+            <a:fld id="{80B61DEA-751C-4EFC-848A-C896179D47AE}" type="slidenum">
+              <a:rPr kumimoji="1" lang="ja-JP" altLang="en-US" smtClean="0"/>
+              <a:pPr/>
+              <a:t>10</a:t>
+            </a:fld>
+            <a:endParaRPr kumimoji="1" lang="ja-JP" altLang="en-US"/>
+          </a:p>
+        </p:txBody>
+      </p:sp>
+      <p:sp>
+        <p:nvSpPr>
+          <p:cNvPr id="3" name="コンテンツ プレースホルダー 2"/>
+          <p:cNvSpPr>
+            <a:spLocks noGrp="1"/>
+          </p:cNvSpPr>
+          <p:nvPr>
+            <p:ph idx="1"/>
+          </p:nvPr>
+        </p:nvSpPr>
+        <p:spPr/>
+        <p:txBody>
+          <a:bodyPr/>
+          <a:lstStyle/>
+          <a:p>
+            <a:r>
+              <a:rPr lang="ja-JP" altLang="en-US" dirty="0"/>
+              <a:t>内容の似た仲良しの研究会があるかどうか</a:t>
+            </a:r>
+            <a:endParaRPr kumimoji="1" lang="ja-JP" altLang="en-US" dirty="0"/>
+          </a:p>
+        </p:txBody>
+      </p:sp>
+      <p:sp>
+        <p:nvSpPr>
+          <p:cNvPr id="4" name="タイトル 3"/>
+          <p:cNvSpPr>
+            <a:spLocks noGrp="1"/>
+          </p:cNvSpPr>
+          <p:nvPr>
+            <p:ph type="title"/>
+          </p:nvPr>
+        </p:nvSpPr>
+        <p:spPr/>
+        <p:txBody>
+          <a:bodyPr/>
+          <a:lstStyle/>
+          <a:p>
+            <a:r>
+              <a:rPr kumimoji="1" lang="ja-JP" altLang="en-US" dirty="0" smtClean="0"/>
+              <a:t>研究会ごとの特性</a:t>
+            </a:r>
+            <a:endParaRPr kumimoji="1" lang="ja-JP" altLang="en-US" dirty="0"/>
+          </a:p>
+        </p:txBody>
+      </p:sp>
+    </p:spTree>
+    <p:extLst>
+      <p:ext uri="{BB962C8B-B14F-4D97-AF65-F5344CB8AC3E}">
+        <p14:creationId xmlns:p14="http://schemas.microsoft.com/office/powerpoint/2010/main" val="1432098372"/>
+      </p:ext>
+    </p:extLst>
+  </p:cSld>
+  <p:clrMapOvr>
+    <a:masterClrMapping/>
+  </p:clrMapOvr>
+</p:sld>
+</file>
+
+<file path=ppt/slides/slide11.xml><?xml version="1.0" encoding="utf-8"?>
+<p:sld xmlns:a="http://schemas.openxmlformats.org/drawingml/2006/main" xmlns:r="http://schemas.openxmlformats.org/officeDocument/2006/relationships" xmlns:p="http://schemas.openxmlformats.org/presentationml/2006/main">
+  <p:cSld>
+    <p:spTree>
+      <p:nvGrpSpPr>
+        <p:cNvPr id="1" name=""/>
+        <p:cNvGrpSpPr/>
+        <p:nvPr/>
+      </p:nvGrpSpPr>
+      <p:grpSpPr>
+        <a:xfrm>
+          <a:off x="0" y="0"/>
+          <a:ext cx="0" cy="0"/>
+          <a:chOff x="0" y="0"/>
+          <a:chExt cx="0" cy="0"/>
+        </a:xfrm>
+      </p:grpSpPr>
+      <p:sp>
+        <p:nvSpPr>
+          <p:cNvPr id="2" name="スライド番号プレースホルダー 1"/>
+          <p:cNvSpPr>
+            <a:spLocks noGrp="1"/>
+          </p:cNvSpPr>
+          <p:nvPr>
+            <p:ph type="sldNum" sz="quarter" idx="4"/>
+          </p:nvPr>
+        </p:nvSpPr>
+        <p:spPr/>
+        <p:txBody>
+          <a:bodyPr/>
+          <a:lstStyle/>
+          <a:p>
+            <a:fld id="{80B61DEA-751C-4EFC-848A-C896179D47AE}" type="slidenum">
+              <a:rPr kumimoji="1" lang="ja-JP" altLang="en-US" smtClean="0"/>
+              <a:pPr/>
+              <a:t>11</a:t>
+            </a:fld>
+            <a:endParaRPr kumimoji="1" lang="ja-JP" altLang="en-US"/>
+          </a:p>
+        </p:txBody>
+      </p:sp>
+      <p:sp>
+        <p:nvSpPr>
+          <p:cNvPr id="3" name="コンテンツ プレースホルダー 2"/>
+          <p:cNvSpPr>
+            <a:spLocks noGrp="1"/>
+          </p:cNvSpPr>
+          <p:nvPr>
+            <p:ph idx="1"/>
+          </p:nvPr>
+        </p:nvSpPr>
+        <p:spPr/>
+        <p:txBody>
+          <a:bodyPr/>
+          <a:lstStyle/>
+          <a:p>
+            <a:endParaRPr kumimoji="1" lang="ja-JP" altLang="en-US"/>
+          </a:p>
+        </p:txBody>
+      </p:sp>
+      <p:sp>
+        <p:nvSpPr>
+          <p:cNvPr id="4" name="タイトル 3"/>
+          <p:cNvSpPr>
+            <a:spLocks noGrp="1"/>
+          </p:cNvSpPr>
+          <p:nvPr>
+            <p:ph type="title"/>
+          </p:nvPr>
+        </p:nvSpPr>
+        <p:spPr/>
+        <p:txBody>
+          <a:bodyPr/>
+          <a:lstStyle/>
+          <a:p>
+            <a:r>
+              <a:rPr kumimoji="1" lang="ja-JP" altLang="en-US" dirty="0" smtClean="0"/>
+              <a:t>著者ごとの派閥</a:t>
+            </a:r>
+            <a:endParaRPr kumimoji="1" lang="ja-JP" altLang="en-US" dirty="0"/>
+          </a:p>
+        </p:txBody>
+      </p:sp>
+    </p:spTree>
+    <p:extLst>
+      <p:ext uri="{BB962C8B-B14F-4D97-AF65-F5344CB8AC3E}">
+        <p14:creationId xmlns:p14="http://schemas.microsoft.com/office/powerpoint/2010/main" val="2129745687"/>
+      </p:ext>
+    </p:extLst>
+  </p:cSld>
+  <p:clrMapOvr>
+    <a:masterClrMapping/>
+  </p:clrMapOvr>
+</p:sld>
+</file>
+
+<file path=ppt/slides/slide12.xml><?xml version="1.0" encoding="utf-8"?>
+<p:sld xmlns:a="http://schemas.openxmlformats.org/drawingml/2006/main" xmlns:r="http://schemas.openxmlformats.org/officeDocument/2006/relationships" xmlns:p="http://schemas.openxmlformats.org/presentationml/2006/main">
+  <p:cSld>
+    <p:spTree>
+      <p:nvGrpSpPr>
+        <p:cNvPr id="1" name=""/>
+        <p:cNvGrpSpPr/>
+        <p:nvPr/>
+      </p:nvGrpSpPr>
+      <p:grpSpPr>
+        <a:xfrm>
+          <a:off x="0" y="0"/>
+          <a:ext cx="0" cy="0"/>
+          <a:chOff x="0" y="0"/>
+          <a:chExt cx="0" cy="0"/>
+        </a:xfrm>
+      </p:grpSpPr>
+      <p:sp>
+        <p:nvSpPr>
+          <p:cNvPr id="2" name="スライド番号プレースホルダー 1"/>
+          <p:cNvSpPr>
+            <a:spLocks noGrp="1"/>
+          </p:cNvSpPr>
+          <p:nvPr>
+            <p:ph type="sldNum" sz="quarter" idx="4"/>
+          </p:nvPr>
+        </p:nvSpPr>
+        <p:spPr/>
+        <p:txBody>
+          <a:bodyPr/>
+          <a:lstStyle/>
+          <a:p>
+            <a:fld id="{80B61DEA-751C-4EFC-848A-C896179D47AE}" type="slidenum">
+              <a:rPr kumimoji="1" lang="ja-JP" altLang="en-US" smtClean="0"/>
+              <a:pPr/>
+              <a:t>12</a:t>
+            </a:fld>
+            <a:endParaRPr kumimoji="1" lang="ja-JP" altLang="en-US"/>
+          </a:p>
+        </p:txBody>
+      </p:sp>
+      <p:sp>
+        <p:nvSpPr>
+          <p:cNvPr id="3" name="コンテンツ プレースホルダー 2"/>
+          <p:cNvSpPr>
+            <a:spLocks noGrp="1"/>
+          </p:cNvSpPr>
+          <p:nvPr>
+            <p:ph idx="1"/>
+          </p:nvPr>
+        </p:nvSpPr>
+        <p:spPr/>
+        <p:txBody>
+          <a:bodyPr/>
+          <a:lstStyle/>
+          <a:p>
+            <a:r>
+              <a:rPr kumimoji="1" lang="en-US" altLang="ja-JP" dirty="0" smtClean="0"/>
+              <a:t>node</a:t>
+            </a:r>
+            <a:r>
+              <a:rPr kumimoji="1" lang="ja-JP" altLang="en-US" dirty="0" smtClean="0"/>
+              <a:t>背景に画像</a:t>
+            </a:r>
+            <a:endParaRPr kumimoji="1" lang="en-US" altLang="ja-JP" dirty="0" smtClean="0"/>
+          </a:p>
+          <a:p>
+            <a:pPr lvl="1"/>
+            <a:r>
+              <a:rPr lang="en-US" altLang="ja-JP" dirty="0" smtClean="0"/>
+              <a:t>belonging</a:t>
+            </a:r>
+            <a:endParaRPr kumimoji="1" lang="en-US" altLang="ja-JP" dirty="0" smtClean="0"/>
+          </a:p>
+          <a:p>
+            <a:pPr lvl="1"/>
+            <a:r>
+              <a:rPr lang="en-US" altLang="ja-JP" dirty="0" smtClean="0"/>
+              <a:t>conference</a:t>
+            </a:r>
+          </a:p>
+          <a:p>
+            <a:pPr lvl="1"/>
+            <a:r>
+              <a:rPr kumimoji="1" lang="en-US" altLang="ja-JP" dirty="0" smtClean="0"/>
+              <a:t>author</a:t>
+            </a:r>
+            <a:endParaRPr kumimoji="1" lang="ja-JP" altLang="en-US" dirty="0"/>
+          </a:p>
+        </p:txBody>
+      </p:sp>
+      <p:sp>
+        <p:nvSpPr>
+          <p:cNvPr id="4" name="タイトル 3"/>
+          <p:cNvSpPr>
+            <a:spLocks noGrp="1"/>
+          </p:cNvSpPr>
+          <p:nvPr>
+            <p:ph type="title"/>
+          </p:nvPr>
+        </p:nvSpPr>
+        <p:spPr/>
+        <p:txBody>
+          <a:bodyPr/>
+          <a:lstStyle/>
+          <a:p>
+            <a:endParaRPr kumimoji="1" lang="ja-JP" altLang="en-US"/>
+          </a:p>
+        </p:txBody>
+      </p:sp>
+    </p:spTree>
+    <p:extLst>
+      <p:ext uri="{BB962C8B-B14F-4D97-AF65-F5344CB8AC3E}">
+        <p14:creationId xmlns:p14="http://schemas.microsoft.com/office/powerpoint/2010/main" val="1975414422"/>
+      </p:ext>
+    </p:extLst>
+  </p:cSld>
+  <p:clrMapOvr>
+    <a:masterClrMapping/>
+  </p:clrMapOvr>
+</p:sld>
+</file>
+
+<file path=ppt/slides/slide13.xml><?xml version="1.0" encoding="utf-8"?>
+<p:sld xmlns:a="http://schemas.openxmlformats.org/drawingml/2006/main" xmlns:r="http://schemas.openxmlformats.org/officeDocument/2006/relationships" xmlns:p="http://schemas.openxmlformats.org/presentationml/2006/main">
+  <p:cSld>
+    <p:spTree>
+      <p:nvGrpSpPr>
+        <p:cNvPr id="1" name=""/>
+        <p:cNvGrpSpPr/>
+        <p:nvPr/>
+      </p:nvGrpSpPr>
+      <p:grpSpPr>
+        <a:xfrm>
+          <a:off x="0" y="0"/>
+          <a:ext cx="0" cy="0"/>
+          <a:chOff x="0" y="0"/>
+          <a:chExt cx="0" cy="0"/>
+        </a:xfrm>
+      </p:grpSpPr>
+      <p:sp>
+        <p:nvSpPr>
+          <p:cNvPr id="2" name="スライド番号プレースホルダー 1"/>
+          <p:cNvSpPr>
+            <a:spLocks noGrp="1"/>
+          </p:cNvSpPr>
+          <p:nvPr>
+            <p:ph type="sldNum" sz="quarter" idx="4"/>
+          </p:nvPr>
+        </p:nvSpPr>
+        <p:spPr/>
+        <p:txBody>
+          <a:bodyPr/>
+          <a:lstStyle/>
+          <a:p>
+            <a:fld id="{80B61DEA-751C-4EFC-848A-C896179D47AE}" type="slidenum">
+              <a:rPr kumimoji="1" lang="ja-JP" altLang="en-US" smtClean="0"/>
+              <a:pPr/>
+              <a:t>13</a:t>
+            </a:fld>
+            <a:endParaRPr kumimoji="1" lang="ja-JP" altLang="en-US"/>
+          </a:p>
+        </p:txBody>
+      </p:sp>
+    </p:spTree>
+    <p:extLst>
+      <p:ext uri="{BB962C8B-B14F-4D97-AF65-F5344CB8AC3E}">
+        <p14:creationId xmlns:p14="http://schemas.microsoft.com/office/powerpoint/2010/main" val="2288468216"/>
       </p:ext>
     </p:extLst>
   </p:cSld>
@@ -4273,6 +4661,167 @@
       </p:grpSpPr>
       <p:sp>
         <p:nvSpPr>
+          <p:cNvPr id="2" name="スライド番号プレースホルダー 1"/>
+          <p:cNvSpPr>
+            <a:spLocks noGrp="1"/>
+          </p:cNvSpPr>
+          <p:nvPr>
+            <p:ph type="sldNum" sz="quarter" idx="4"/>
+          </p:nvPr>
+        </p:nvSpPr>
+        <p:spPr/>
+        <p:txBody>
+          <a:bodyPr/>
+          <a:lstStyle/>
+          <a:p>
+            <a:fld id="{80B61DEA-751C-4EFC-848A-C896179D47AE}" type="slidenum">
+              <a:rPr kumimoji="1" lang="ja-JP" altLang="en-US" smtClean="0"/>
+              <a:pPr/>
+              <a:t>2</a:t>
+            </a:fld>
+            <a:endParaRPr kumimoji="1" lang="ja-JP" altLang="en-US"/>
+          </a:p>
+        </p:txBody>
+      </p:sp>
+      <p:sp>
+        <p:nvSpPr>
+          <p:cNvPr id="3" name="コンテンツ プレースホルダー 2"/>
+          <p:cNvSpPr>
+            <a:spLocks noGrp="1"/>
+          </p:cNvSpPr>
+          <p:nvPr>
+            <p:ph idx="1"/>
+          </p:nvPr>
+        </p:nvSpPr>
+        <p:spPr/>
+        <p:txBody>
+          <a:bodyPr/>
+          <a:lstStyle/>
+          <a:p>
+            <a:r>
+              <a:rPr kumimoji="1" lang="ja-JP" altLang="en-US" dirty="0" smtClean="0"/>
+              <a:t>論文</a:t>
+            </a:r>
+            <a:r>
+              <a:rPr kumimoji="1" lang="ja-JP" altLang="en-US" dirty="0" err="1" smtClean="0"/>
+              <a:t>探すのめん</a:t>
+            </a:r>
+            <a:r>
+              <a:rPr kumimoji="1" lang="ja-JP" altLang="en-US" dirty="0" smtClean="0"/>
+              <a:t>どくさい</a:t>
+            </a:r>
+            <a:endParaRPr kumimoji="1" lang="en-US" altLang="ja-JP" dirty="0" smtClean="0"/>
+          </a:p>
+          <a:p>
+            <a:pPr lvl="1"/>
+            <a:r>
+              <a:rPr lang="ja-JP" altLang="en-US" dirty="0" smtClean="0"/>
+              <a:t>似た論文を一気に探せるシステム</a:t>
+            </a:r>
+            <a:endParaRPr lang="en-US" altLang="ja-JP" dirty="0"/>
+          </a:p>
+          <a:p>
+            <a:r>
+              <a:rPr kumimoji="1" lang="ja-JP" altLang="en-US" dirty="0" smtClean="0"/>
+              <a:t>論文</a:t>
+            </a:r>
+            <a:r>
+              <a:rPr kumimoji="1" lang="ja-JP" altLang="en-US" dirty="0" err="1" smtClean="0"/>
+              <a:t>読むのめん</a:t>
+            </a:r>
+            <a:r>
+              <a:rPr kumimoji="1" lang="ja-JP" altLang="en-US" dirty="0" smtClean="0"/>
+              <a:t>どくさい</a:t>
+            </a:r>
+            <a:endParaRPr kumimoji="1" lang="en-US" altLang="ja-JP" dirty="0" smtClean="0"/>
+          </a:p>
+          <a:p>
+            <a:pPr lvl="1"/>
+            <a:r>
+              <a:rPr lang="ja-JP" altLang="en-US" dirty="0"/>
+              <a:t>他</a:t>
+            </a:r>
+            <a:r>
+              <a:rPr lang="ja-JP" altLang="en-US" dirty="0" smtClean="0"/>
+              <a:t>の誰かが似た論文読んでるかが見えて、聞きに行けるシステム</a:t>
+            </a:r>
+            <a:endParaRPr lang="en-US" altLang="ja-JP" dirty="0" smtClean="0"/>
+          </a:p>
+          <a:p>
+            <a:endParaRPr lang="en-US" altLang="ja-JP" dirty="0" smtClean="0"/>
+          </a:p>
+          <a:p>
+            <a:r>
+              <a:rPr kumimoji="1" lang="en-US" altLang="ja-JP" dirty="0" smtClean="0"/>
+              <a:t>python</a:t>
+            </a:r>
+            <a:r>
+              <a:rPr kumimoji="1" lang="ja-JP" altLang="en-US" dirty="0" err="1" smtClean="0"/>
+              <a:t>、</a:t>
+            </a:r>
+            <a:r>
+              <a:rPr kumimoji="1" lang="ja-JP" altLang="en-US" dirty="0" smtClean="0"/>
+              <a:t>ディープラーニングを身に着けたい</a:t>
+            </a:r>
+            <a:endParaRPr kumimoji="1" lang="en-US" altLang="ja-JP" dirty="0"/>
+          </a:p>
+        </p:txBody>
+      </p:sp>
+      <p:sp>
+        <p:nvSpPr>
+          <p:cNvPr id="4" name="タイトル 3"/>
+          <p:cNvSpPr>
+            <a:spLocks noGrp="1"/>
+          </p:cNvSpPr>
+          <p:nvPr>
+            <p:ph type="title"/>
+          </p:nvPr>
+        </p:nvSpPr>
+        <p:spPr/>
+        <p:txBody>
+          <a:bodyPr/>
+          <a:lstStyle/>
+          <a:p>
+            <a:r>
+              <a:rPr lang="en-US" altLang="ja-JP" dirty="0" smtClean="0"/>
+              <a:t>motivations</a:t>
+            </a:r>
+            <a:endParaRPr kumimoji="1" lang="ja-JP" altLang="en-US" dirty="0"/>
+          </a:p>
+        </p:txBody>
+      </p:sp>
+    </p:spTree>
+    <p:extLst>
+      <p:ext uri="{BB962C8B-B14F-4D97-AF65-F5344CB8AC3E}">
+        <p14:creationId xmlns:p14="http://schemas.microsoft.com/office/powerpoint/2010/main" val="1846401246"/>
+      </p:ext>
+    </p:extLst>
+  </p:cSld>
+  <p:clrMapOvr>
+    <a:masterClrMapping/>
+  </p:clrMapOvr>
+</p:sld>
+</file>
+
+<file path=ppt/slides/slide3.xml><?xml version="1.0" encoding="utf-8"?>
+<p:sld xmlns:a="http://schemas.openxmlformats.org/drawingml/2006/main" xmlns:r="http://schemas.openxmlformats.org/officeDocument/2006/relationships" xmlns:p="http://schemas.openxmlformats.org/presentationml/2006/main">
+  <p:cSld>
+    <p:spTree>
+      <p:nvGrpSpPr>
+        <p:cNvPr id="1" name=""/>
+        <p:cNvGrpSpPr/>
+        <p:nvPr/>
+      </p:nvGrpSpPr>
+      <p:grpSpPr>
+        <a:xfrm>
+          <a:off x="0" y="0"/>
+          <a:ext cx="0" cy="0"/>
+          <a:chOff x="0" y="0"/>
+          <a:chExt cx="0" cy="0"/>
+        </a:xfrm>
+      </p:grpSpPr>
+      <p:sp>
+        <p:nvSpPr>
           <p:cNvPr id="26" name="角丸四角形吹き出し 25"/>
           <p:cNvSpPr/>
           <p:nvPr/>
@@ -4374,7 +4923,7 @@
             <a:fld id="{80B61DEA-751C-4EFC-848A-C896179D47AE}" type="slidenum">
               <a:rPr kumimoji="1" lang="ja-JP" altLang="en-US" smtClean="0"/>
               <a:pPr/>
-              <a:t>2</a:t>
+              <a:t>3</a:t>
             </a:fld>
             <a:endParaRPr kumimoji="1" lang="ja-JP" altLang="en-US"/>
           </a:p>
@@ -4406,7 +4955,7 @@
             <a:blip r:embed="rId3" cstate="print">
               <a:extLst>
                 <a:ext uri="{28A0092B-C50C-407E-A947-70E740481C1C}">
-                  <a14:useLocalDpi xmlns="" xmlns:a14="http://schemas.microsoft.com/office/drawing/2010/main" val="0"/>
+                  <a14:useLocalDpi xmlns:a14="http://schemas.microsoft.com/office/drawing/2010/main" val="0"/>
                 </a:ext>
               </a:extLst>
             </a:blip>
@@ -4429,14 +4978,14 @@
             </a:ln>
             <a:extLst>
               <a:ext uri="{909E8E84-426E-40DD-AFC4-6F175D3DCCD1}">
-                <a14:hiddenFill xmlns="" xmlns:a14="http://schemas.microsoft.com/office/drawing/2010/main">
+                <a14:hiddenFill xmlns:a14="http://schemas.microsoft.com/office/drawing/2010/main">
                   <a:solidFill>
                     <a:schemeClr val="accent1"/>
                   </a:solidFill>
                 </a14:hiddenFill>
               </a:ext>
               <a:ext uri="{91240B29-F687-4F45-9708-019B960494DF}">
-                <a14:hiddenLine xmlns="" xmlns:a14="http://schemas.microsoft.com/office/drawing/2010/main" w="9525">
+                <a14:hiddenLine xmlns:a14="http://schemas.microsoft.com/office/drawing/2010/main" w="9525">
                   <a:solidFill>
                     <a:schemeClr val="tx1"/>
                   </a:solidFill>
@@ -4460,7 +5009,7 @@
             <a:blip r:embed="rId3" cstate="print">
               <a:extLst>
                 <a:ext uri="{28A0092B-C50C-407E-A947-70E740481C1C}">
-                  <a14:useLocalDpi xmlns="" xmlns:a14="http://schemas.microsoft.com/office/drawing/2010/main" val="0"/>
+                  <a14:useLocalDpi xmlns:a14="http://schemas.microsoft.com/office/drawing/2010/main" val="0"/>
                 </a:ext>
               </a:extLst>
             </a:blip>
@@ -4483,14 +5032,14 @@
             </a:ln>
             <a:extLst>
               <a:ext uri="{909E8E84-426E-40DD-AFC4-6F175D3DCCD1}">
-                <a14:hiddenFill xmlns="" xmlns:a14="http://schemas.microsoft.com/office/drawing/2010/main">
+                <a14:hiddenFill xmlns:a14="http://schemas.microsoft.com/office/drawing/2010/main">
                   <a:solidFill>
                     <a:schemeClr val="accent1"/>
                   </a:solidFill>
                 </a14:hiddenFill>
               </a:ext>
               <a:ext uri="{91240B29-F687-4F45-9708-019B960494DF}">
-                <a14:hiddenLine xmlns="" xmlns:a14="http://schemas.microsoft.com/office/drawing/2010/main" w="9525">
+                <a14:hiddenLine xmlns:a14="http://schemas.microsoft.com/office/drawing/2010/main" w="9525">
                   <a:solidFill>
                     <a:schemeClr val="tx1"/>
                   </a:solidFill>
@@ -4514,7 +5063,7 @@
             <a:blip r:embed="rId3" cstate="print">
               <a:extLst>
                 <a:ext uri="{28A0092B-C50C-407E-A947-70E740481C1C}">
-                  <a14:useLocalDpi xmlns="" xmlns:a14="http://schemas.microsoft.com/office/drawing/2010/main" val="0"/>
+                  <a14:useLocalDpi xmlns:a14="http://schemas.microsoft.com/office/drawing/2010/main" val="0"/>
                 </a:ext>
               </a:extLst>
             </a:blip>
@@ -4537,14 +5086,14 @@
             </a:ln>
             <a:extLst>
               <a:ext uri="{909E8E84-426E-40DD-AFC4-6F175D3DCCD1}">
-                <a14:hiddenFill xmlns="" xmlns:a14="http://schemas.microsoft.com/office/drawing/2010/main">
+                <a14:hiddenFill xmlns:a14="http://schemas.microsoft.com/office/drawing/2010/main">
                   <a:solidFill>
                     <a:schemeClr val="accent1"/>
                   </a:solidFill>
                 </a14:hiddenFill>
               </a:ext>
               <a:ext uri="{91240B29-F687-4F45-9708-019B960494DF}">
-                <a14:hiddenLine xmlns="" xmlns:a14="http://schemas.microsoft.com/office/drawing/2010/main" w="9525">
+                <a14:hiddenLine xmlns:a14="http://schemas.microsoft.com/office/drawing/2010/main" w="9525">
                   <a:solidFill>
                     <a:schemeClr val="tx1"/>
                   </a:solidFill>
@@ -4568,7 +5117,7 @@
             <a:blip r:embed="rId3" cstate="print">
               <a:extLst>
                 <a:ext uri="{28A0092B-C50C-407E-A947-70E740481C1C}">
-                  <a14:useLocalDpi xmlns="" xmlns:a14="http://schemas.microsoft.com/office/drawing/2010/main" val="0"/>
+                  <a14:useLocalDpi xmlns:a14="http://schemas.microsoft.com/office/drawing/2010/main" val="0"/>
                 </a:ext>
               </a:extLst>
             </a:blip>
@@ -4591,14 +5140,14 @@
             </a:ln>
             <a:extLst>
               <a:ext uri="{909E8E84-426E-40DD-AFC4-6F175D3DCCD1}">
-                <a14:hiddenFill xmlns="" xmlns:a14="http://schemas.microsoft.com/office/drawing/2010/main">
+                <a14:hiddenFill xmlns:a14="http://schemas.microsoft.com/office/drawing/2010/main">
                   <a:solidFill>
                     <a:schemeClr val="accent1"/>
                   </a:solidFill>
                 </a14:hiddenFill>
               </a:ext>
               <a:ext uri="{91240B29-F687-4F45-9708-019B960494DF}">
-                <a14:hiddenLine xmlns="" xmlns:a14="http://schemas.microsoft.com/office/drawing/2010/main" w="9525">
+                <a14:hiddenLine xmlns:a14="http://schemas.microsoft.com/office/drawing/2010/main" w="9525">
                   <a:solidFill>
                     <a:schemeClr val="tx1"/>
                   </a:solidFill>
@@ -4988,7 +5537,7 @@
           <a:blip r:embed="rId4" cstate="print">
             <a:extLst>
               <a:ext uri="{28A0092B-C50C-407E-A947-70E740481C1C}">
-                <a14:useLocalDpi xmlns="" xmlns:a14="http://schemas.microsoft.com/office/drawing/2010/main" val="0"/>
+                <a14:useLocalDpi xmlns:a14="http://schemas.microsoft.com/office/drawing/2010/main" val="0"/>
               </a:ext>
             </a:extLst>
           </a:blip>
@@ -5015,7 +5564,7 @@
           </a:ln>
           <a:extLst>
             <a:ext uri="{909E8E84-426E-40DD-AFC4-6F175D3DCCD1}">
-              <a14:hiddenFill xmlns="" xmlns:a14="http://schemas.microsoft.com/office/drawing/2010/main">
+              <a14:hiddenFill xmlns:a14="http://schemas.microsoft.com/office/drawing/2010/main">
                 <a:solidFill>
                   <a:srgbClr val="FFFFFF"/>
                 </a:solidFill>
@@ -5066,7 +5615,7 @@
           <a:blip r:embed="rId5" cstate="print">
             <a:extLst>
               <a:ext uri="{28A0092B-C50C-407E-A947-70E740481C1C}">
-                <a14:useLocalDpi xmlns="" xmlns:a14="http://schemas.microsoft.com/office/drawing/2010/main" val="0"/>
+                <a14:useLocalDpi xmlns:a14="http://schemas.microsoft.com/office/drawing/2010/main" val="0"/>
               </a:ext>
             </a:extLst>
           </a:blip>
@@ -5086,7 +5635,7 @@
           <a:noFill/>
           <a:extLst>
             <a:ext uri="{909E8E84-426E-40DD-AFC4-6F175D3DCCD1}">
-              <a14:hiddenFill xmlns="" xmlns:a14="http://schemas.microsoft.com/office/drawing/2010/main">
+              <a14:hiddenFill xmlns:a14="http://schemas.microsoft.com/office/drawing/2010/main">
                 <a:solidFill>
                   <a:srgbClr val="FFFFFF"/>
                 </a:solidFill>
@@ -5107,7 +5656,7 @@
           <a:blip r:embed="rId6" cstate="print">
             <a:extLst>
               <a:ext uri="{28A0092B-C50C-407E-A947-70E740481C1C}">
-                <a14:useLocalDpi xmlns="" xmlns:a14="http://schemas.microsoft.com/office/drawing/2010/main" val="0"/>
+                <a14:useLocalDpi xmlns:a14="http://schemas.microsoft.com/office/drawing/2010/main" val="0"/>
               </a:ext>
             </a:extLst>
           </a:blip>
@@ -5127,7 +5676,7 @@
           <a:noFill/>
           <a:extLst>
             <a:ext uri="{909E8E84-426E-40DD-AFC4-6F175D3DCCD1}">
-              <a14:hiddenFill xmlns="" xmlns:a14="http://schemas.microsoft.com/office/drawing/2010/main">
+              <a14:hiddenFill xmlns:a14="http://schemas.microsoft.com/office/drawing/2010/main">
                 <a:solidFill>
                   <a:srgbClr val="FFFFFF"/>
                 </a:solidFill>
@@ -6354,7 +6903,7 @@
           <a:blip r:embed="rId6" cstate="print">
             <a:extLst>
               <a:ext uri="{28A0092B-C50C-407E-A947-70E740481C1C}">
-                <a14:useLocalDpi xmlns="" xmlns:a14="http://schemas.microsoft.com/office/drawing/2010/main" val="0"/>
+                <a14:useLocalDpi xmlns:a14="http://schemas.microsoft.com/office/drawing/2010/main" val="0"/>
               </a:ext>
             </a:extLst>
           </a:blip>
@@ -6374,7 +6923,7 @@
           <a:noFill/>
           <a:extLst>
             <a:ext uri="{909E8E84-426E-40DD-AFC4-6F175D3DCCD1}">
-              <a14:hiddenFill xmlns="" xmlns:a14="http://schemas.microsoft.com/office/drawing/2010/main">
+              <a14:hiddenFill xmlns:a14="http://schemas.microsoft.com/office/drawing/2010/main">
                 <a:solidFill>
                   <a:srgbClr val="FFFFFF"/>
                 </a:solidFill>
@@ -6826,7 +7375,7 @@
           <a:blip r:embed="rId7" cstate="print">
             <a:extLst>
               <a:ext uri="{28A0092B-C50C-407E-A947-70E740481C1C}">
-                <a14:useLocalDpi xmlns="" xmlns:a14="http://schemas.microsoft.com/office/drawing/2010/main" val="0"/>
+                <a14:useLocalDpi xmlns:a14="http://schemas.microsoft.com/office/drawing/2010/main" val="0"/>
               </a:ext>
             </a:extLst>
           </a:blip>
@@ -6851,7 +7400,7 @@
           </a:ln>
           <a:extLst>
             <a:ext uri="{909E8E84-426E-40DD-AFC4-6F175D3DCCD1}">
-              <a14:hiddenFill xmlns="" xmlns:a14="http://schemas.microsoft.com/office/drawing/2010/main">
+              <a14:hiddenFill xmlns:a14="http://schemas.microsoft.com/office/drawing/2010/main">
                 <a:solidFill>
                   <a:srgbClr val="FFFFFF"/>
                 </a:solidFill>
@@ -7152,7 +7701,7 @@
           <a:blip r:embed="rId3" cstate="print">
             <a:extLst>
               <a:ext uri="{28A0092B-C50C-407E-A947-70E740481C1C}">
-                <a14:useLocalDpi xmlns="" xmlns:a14="http://schemas.microsoft.com/office/drawing/2010/main" val="0"/>
+                <a14:useLocalDpi xmlns:a14="http://schemas.microsoft.com/office/drawing/2010/main" val="0"/>
               </a:ext>
             </a:extLst>
           </a:blip>
@@ -7175,14 +7724,14 @@
           </a:ln>
           <a:extLst>
             <a:ext uri="{909E8E84-426E-40DD-AFC4-6F175D3DCCD1}">
-              <a14:hiddenFill xmlns="" xmlns:a14="http://schemas.microsoft.com/office/drawing/2010/main">
+              <a14:hiddenFill xmlns:a14="http://schemas.microsoft.com/office/drawing/2010/main">
                 <a:solidFill>
                   <a:schemeClr val="accent1"/>
                 </a:solidFill>
               </a14:hiddenFill>
             </a:ext>
             <a:ext uri="{91240B29-F687-4F45-9708-019B960494DF}">
-              <a14:hiddenLine xmlns="" xmlns:a14="http://schemas.microsoft.com/office/drawing/2010/main" w="9525">
+              <a14:hiddenLine xmlns:a14="http://schemas.microsoft.com/office/drawing/2010/main" w="9525">
                 <a:solidFill>
                   <a:schemeClr val="tx1"/>
                 </a:solidFill>
@@ -7870,7 +8419,7 @@
     </p:spTree>
     <p:extLst>
       <p:ext uri="{BB962C8B-B14F-4D97-AF65-F5344CB8AC3E}">
-        <p14:creationId xmlns="" xmlns:p14="http://schemas.microsoft.com/office/powerpoint/2010/main" val="1904809622"/>
+        <p14:creationId xmlns:p14="http://schemas.microsoft.com/office/powerpoint/2010/main" val="1904809622"/>
       </p:ext>
     </p:extLst>
   </p:cSld>
@@ -7887,7 +8436,7 @@
 </p:sld>
 </file>
 
-<file path=ppt/slides/slide3.xml><?xml version="1.0" encoding="utf-8"?>
+<file path=ppt/slides/slide4.xml><?xml version="1.0" encoding="utf-8"?>
 <p:sld xmlns:a="http://schemas.openxmlformats.org/drawingml/2006/main" xmlns:r="http://schemas.openxmlformats.org/officeDocument/2006/relationships" xmlns:p="http://schemas.openxmlformats.org/presentationml/2006/main">
   <p:cSld>
     <p:spTree>
@@ -7922,7 +8471,7 @@
             <a:fld id="{80B61DEA-751C-4EFC-848A-C896179D47AE}" type="slidenum">
               <a:rPr kumimoji="1" lang="ja-JP" altLang="en-US" smtClean="0"/>
               <a:pPr/>
-              <a:t>3</a:t>
+              <a:t>4</a:t>
             </a:fld>
             <a:endParaRPr kumimoji="1" lang="ja-JP" altLang="en-US"/>
           </a:p>
@@ -7959,7 +8508,7 @@
         </p:nvSpPr>
         <p:spPr>
           <a:xfrm>
-            <a:off x="1178560" y="2956560"/>
+            <a:off x="1179195" y="2773680"/>
             <a:ext cx="2407920" cy="1300480"/>
           </a:xfrm>
           <a:prstGeom prst="ellipse">
@@ -8019,7 +8568,7 @@
         </p:nvSpPr>
         <p:spPr>
           <a:xfrm>
-            <a:off x="5781040" y="1036320"/>
+            <a:off x="5781675" y="853440"/>
             <a:ext cx="548640" cy="487680"/>
           </a:xfrm>
           <a:prstGeom prst="ellipse">
@@ -8079,7 +8628,7 @@
         </p:nvSpPr>
         <p:spPr>
           <a:xfrm>
-            <a:off x="6421120" y="2286000"/>
+            <a:off x="6421755" y="2103120"/>
             <a:ext cx="548640" cy="487680"/>
           </a:xfrm>
           <a:prstGeom prst="ellipse">
@@ -8142,7 +8691,7 @@
         </p:nvCxnSpPr>
         <p:spPr>
           <a:xfrm flipV="1">
-            <a:off x="3233848" y="1452581"/>
+            <a:off x="3234483" y="1269701"/>
             <a:ext cx="2627539" cy="1694430"/>
           </a:xfrm>
           <a:prstGeom prst="straightConnector1">
@@ -8181,7 +8730,7 @@
         </p:nvCxnSpPr>
         <p:spPr>
           <a:xfrm flipV="1">
-            <a:off x="3233848" y="2529840"/>
+            <a:off x="3234483" y="2346960"/>
             <a:ext cx="3187272" cy="617171"/>
           </a:xfrm>
           <a:prstGeom prst="straightConnector1">
@@ -8209,78 +8758,6 @@
           </a:fontRef>
         </p:style>
       </p:cxnSp>
-      <p:sp>
-        <p:nvSpPr>
-          <p:cNvPr id="13" name="テキスト ボックス 12"/>
-          <p:cNvSpPr txBox="1"/>
-          <p:nvPr/>
-        </p:nvSpPr>
-        <p:spPr>
-          <a:xfrm>
-            <a:off x="3931920" y="1554480"/>
-            <a:ext cx="609600" cy="646331"/>
-          </a:xfrm>
-          <a:prstGeom prst="rect">
-            <a:avLst/>
-          </a:prstGeom>
-          <a:noFill/>
-        </p:spPr>
-        <p:txBody>
-          <a:bodyPr wrap="square" rtlCol="0">
-            <a:spAutoFit/>
-          </a:bodyPr>
-          <a:lstStyle/>
-          <a:p>
-            <a:r>
-              <a:rPr lang="en-US" altLang="ja-JP" dirty="0" smtClean="0"/>
-              <a:t>_</a:t>
-            </a:r>
-          </a:p>
-          <a:p>
-            <a:r>
-              <a:rPr kumimoji="1" lang="en-US" altLang="ja-JP" dirty="0" smtClean="0"/>
-              <a:t>A</a:t>
-            </a:r>
-            <a:endParaRPr kumimoji="1" lang="ja-JP" altLang="en-US" dirty="0"/>
-          </a:p>
-        </p:txBody>
-      </p:sp>
-      <p:sp>
-        <p:nvSpPr>
-          <p:cNvPr id="14" name="テキスト ボックス 13"/>
-          <p:cNvSpPr txBox="1"/>
-          <p:nvPr/>
-        </p:nvSpPr>
-        <p:spPr>
-          <a:xfrm>
-            <a:off x="4897120" y="2885440"/>
-            <a:ext cx="609600" cy="646331"/>
-          </a:xfrm>
-          <a:prstGeom prst="rect">
-            <a:avLst/>
-          </a:prstGeom>
-          <a:noFill/>
-        </p:spPr>
-        <p:txBody>
-          <a:bodyPr wrap="square" rtlCol="0">
-            <a:spAutoFit/>
-          </a:bodyPr>
-          <a:lstStyle/>
-          <a:p>
-            <a:r>
-              <a:rPr lang="en-US" altLang="ja-JP" dirty="0" smtClean="0"/>
-              <a:t>_</a:t>
-            </a:r>
-          </a:p>
-          <a:p>
-            <a:r>
-              <a:rPr lang="en-US" altLang="ja-JP" dirty="0" smtClean="0"/>
-              <a:t>B</a:t>
-            </a:r>
-            <a:endParaRPr kumimoji="1" lang="ja-JP" altLang="en-US" dirty="0"/>
-          </a:p>
-        </p:txBody>
-      </p:sp>
       <p:cxnSp>
         <p:nvCxnSpPr>
           <p:cNvPr id="15" name="直線矢印コネクタ 14"/>
@@ -8292,7 +8769,7 @@
         </p:nvCxnSpPr>
         <p:spPr>
           <a:xfrm>
-            <a:off x="6055360" y="1524000"/>
+            <a:off x="6055995" y="1341120"/>
             <a:ext cx="446107" cy="833419"/>
           </a:xfrm>
           <a:prstGeom prst="straightConnector1">
@@ -8320,16 +8797,239 @@
           </a:fontRef>
         </p:style>
       </p:cxnSp>
-      <p:sp>
-        <p:nvSpPr>
-          <p:cNvPr id="18" name="テキスト ボックス 17"/>
+      <p:graphicFrame>
+        <p:nvGraphicFramePr>
+          <p:cNvPr id="8" name="オブジェクト 7"/>
+          <p:cNvGraphicFramePr>
+            <a:graphicFrameLocks noChangeAspect="1"/>
+          </p:cNvGraphicFramePr>
+          <p:nvPr>
+            <p:extLst>
+              <p:ext uri="{D42A27DB-BD31-4B8C-83A1-F6EECF244321}">
+                <p14:modId xmlns:p14="http://schemas.microsoft.com/office/powerpoint/2010/main" val="4217036266"/>
+              </p:ext>
+            </p:extLst>
+          </p:nvPr>
+        </p:nvGraphicFramePr>
+        <p:xfrm>
+          <a:off x="4237355" y="1430605"/>
+          <a:ext cx="379181" cy="537173"/>
+        </p:xfrm>
+        <a:graphic>
+          <a:graphicData uri="http://schemas.openxmlformats.org/presentationml/2006/ole">
+            <mc:AlternateContent xmlns:mc="http://schemas.openxmlformats.org/markup-compatibility/2006">
+              <mc:Choice xmlns:v="urn:schemas-microsoft-com:vml" Requires="v">
+                <p:oleObj spid="_x0000_s1122" name="数式" r:id="rId3" imgW="152280" imgH="215640" progId="Equation.3">
+                  <p:embed/>
+                </p:oleObj>
+              </mc:Choice>
+              <mc:Fallback>
+                <p:oleObj name="数式" r:id="rId3" imgW="152280" imgH="215640" progId="Equation.3">
+                  <p:embed/>
+                  <p:pic>
+                    <p:nvPicPr>
+                      <p:cNvPr id="0" name=""/>
+                      <p:cNvPicPr/>
+                      <p:nvPr/>
+                    </p:nvPicPr>
+                    <p:blipFill>
+                      <a:blip r:embed="rId4"/>
+                      <a:stretch>
+                        <a:fillRect/>
+                      </a:stretch>
+                    </p:blipFill>
+                    <p:spPr>
+                      <a:xfrm>
+                        <a:off x="4237355" y="1430605"/>
+                        <a:ext cx="379181" cy="537173"/>
+                      </a:xfrm>
+                      <a:prstGeom prst="rect">
+                        <a:avLst/>
+                      </a:prstGeom>
+                    </p:spPr>
+                  </p:pic>
+                </p:oleObj>
+              </mc:Fallback>
+            </mc:AlternateContent>
+          </a:graphicData>
+        </a:graphic>
+      </p:graphicFrame>
+      <p:graphicFrame>
+        <p:nvGraphicFramePr>
+          <p:cNvPr id="11" name="オブジェクト 10"/>
+          <p:cNvGraphicFramePr>
+            <a:graphicFrameLocks noChangeAspect="1"/>
+          </p:cNvGraphicFramePr>
+          <p:nvPr>
+            <p:extLst>
+              <p:ext uri="{D42A27DB-BD31-4B8C-83A1-F6EECF244321}">
+                <p14:modId xmlns:p14="http://schemas.microsoft.com/office/powerpoint/2010/main" val="3365855799"/>
+              </p:ext>
+            </p:extLst>
+          </p:nvPr>
+        </p:nvGraphicFramePr>
+        <p:xfrm>
+          <a:off x="4828119" y="2796839"/>
+          <a:ext cx="379413" cy="536575"/>
+        </p:xfrm>
+        <a:graphic>
+          <a:graphicData uri="http://schemas.openxmlformats.org/presentationml/2006/ole">
+            <mc:AlternateContent xmlns:mc="http://schemas.openxmlformats.org/markup-compatibility/2006">
+              <mc:Choice xmlns:v="urn:schemas-microsoft-com:vml" Requires="v">
+                <p:oleObj spid="_x0000_s1123" name="数式" r:id="rId5" imgW="152280" imgH="215640" progId="Equation.3">
+                  <p:embed/>
+                </p:oleObj>
+              </mc:Choice>
+              <mc:Fallback>
+                <p:oleObj name="数式" r:id="rId5" imgW="152280" imgH="215640" progId="Equation.3">
+                  <p:embed/>
+                  <p:pic>
+                    <p:nvPicPr>
+                      <p:cNvPr id="0" name="オブジェクト 7"/>
+                      <p:cNvPicPr>
+                        <a:picLocks noChangeAspect="1" noChangeArrowheads="1"/>
+                      </p:cNvPicPr>
+                      <p:nvPr/>
+                    </p:nvPicPr>
+                    <p:blipFill>
+                      <a:blip r:embed="rId6"/>
+                      <a:srcRect/>
+                      <a:stretch>
+                        <a:fillRect/>
+                      </a:stretch>
+                    </p:blipFill>
+                    <p:spPr bwMode="auto">
+                      <a:xfrm>
+                        <a:off x="4828119" y="2796839"/>
+                        <a:ext cx="379413" cy="536575"/>
+                      </a:xfrm>
+                      <a:prstGeom prst="rect">
+                        <a:avLst/>
+                      </a:prstGeom>
+                      <a:noFill/>
+                      <a:ln>
+                        <a:noFill/>
+                      </a:ln>
+                      <a:extLst>
+                        <a:ext uri="{909E8E84-426E-40DD-AFC4-6F175D3DCCD1}">
+                          <a14:hiddenFill xmlns:a14="http://schemas.microsoft.com/office/drawing/2010/main">
+                            <a:solidFill>
+                              <a:srgbClr val="FFFFFF"/>
+                            </a:solidFill>
+                          </a14:hiddenFill>
+                        </a:ext>
+                        <a:ext uri="{91240B29-F687-4F45-9708-019B960494DF}">
+                          <a14:hiddenLine xmlns:a14="http://schemas.microsoft.com/office/drawing/2010/main" w="9525">
+                            <a:solidFill>
+                              <a:srgbClr val="000000"/>
+                            </a:solidFill>
+                            <a:miter lim="800000"/>
+                            <a:headEnd/>
+                            <a:tailEnd/>
+                          </a14:hiddenLine>
+                        </a:ext>
+                      </a:extLst>
+                    </p:spPr>
+                  </p:pic>
+                </p:oleObj>
+              </mc:Fallback>
+            </mc:AlternateContent>
+          </a:graphicData>
+        </a:graphic>
+      </p:graphicFrame>
+      <p:graphicFrame>
+        <p:nvGraphicFramePr>
+          <p:cNvPr id="12" name="オブジェクト 11"/>
+          <p:cNvGraphicFramePr>
+            <a:graphicFrameLocks noChangeAspect="1"/>
+          </p:cNvGraphicFramePr>
+          <p:nvPr>
+            <p:extLst>
+              <p:ext uri="{D42A27DB-BD31-4B8C-83A1-F6EECF244321}">
+                <p14:modId xmlns:p14="http://schemas.microsoft.com/office/powerpoint/2010/main" val="1147638440"/>
+              </p:ext>
+            </p:extLst>
+          </p:nvPr>
+        </p:nvGraphicFramePr>
+        <p:xfrm>
+          <a:off x="6696075" y="1341120"/>
+          <a:ext cx="1835150" cy="536575"/>
+        </p:xfrm>
+        <a:graphic>
+          <a:graphicData uri="http://schemas.openxmlformats.org/presentationml/2006/ole">
+            <mc:AlternateContent xmlns:mc="http://schemas.openxmlformats.org/markup-compatibility/2006">
+              <mc:Choice xmlns:v="urn:schemas-microsoft-com:vml" Requires="v">
+                <p:oleObj spid="_x0000_s1124" name="数式" r:id="rId7" imgW="736560" imgH="215640" progId="Equation.3">
+                  <p:embed/>
+                </p:oleObj>
+              </mc:Choice>
+              <mc:Fallback>
+                <p:oleObj name="数式" r:id="rId7" imgW="736560" imgH="215640" progId="Equation.3">
+                  <p:embed/>
+                  <p:pic>
+                    <p:nvPicPr>
+                      <p:cNvPr id="0" name="オブジェクト 7"/>
+                      <p:cNvPicPr>
+                        <a:picLocks noChangeAspect="1" noChangeArrowheads="1"/>
+                      </p:cNvPicPr>
+                      <p:nvPr/>
+                    </p:nvPicPr>
+                    <p:blipFill>
+                      <a:blip r:embed="rId8"/>
+                      <a:srcRect/>
+                      <a:stretch>
+                        <a:fillRect/>
+                      </a:stretch>
+                    </p:blipFill>
+                    <p:spPr bwMode="auto">
+                      <a:xfrm>
+                        <a:off x="6696075" y="1341120"/>
+                        <a:ext cx="1835150" cy="536575"/>
+                      </a:xfrm>
+                      <a:prstGeom prst="rect">
+                        <a:avLst/>
+                      </a:prstGeom>
+                      <a:noFill/>
+                      <a:ln>
+                        <a:noFill/>
+                      </a:ln>
+                      <a:extLst>
+                        <a:ext uri="{909E8E84-426E-40DD-AFC4-6F175D3DCCD1}">
+                          <a14:hiddenFill xmlns:a14="http://schemas.microsoft.com/office/drawing/2010/main">
+                            <a:solidFill>
+                              <a:srgbClr val="FFFFFF"/>
+                            </a:solidFill>
+                          </a14:hiddenFill>
+                        </a:ext>
+                        <a:ext uri="{91240B29-F687-4F45-9708-019B960494DF}">
+                          <a14:hiddenLine xmlns:a14="http://schemas.microsoft.com/office/drawing/2010/main" w="9525">
+                            <a:solidFill>
+                              <a:srgbClr val="000000"/>
+                            </a:solidFill>
+                            <a:miter lim="800000"/>
+                            <a:headEnd/>
+                            <a:tailEnd/>
+                          </a14:hiddenLine>
+                        </a:ext>
+                      </a:extLst>
+                    </p:spPr>
+                  </p:pic>
+                </p:oleObj>
+              </mc:Fallback>
+            </mc:AlternateContent>
+          </a:graphicData>
+        </a:graphic>
+      </p:graphicFrame>
+      <p:sp>
+        <p:nvSpPr>
+          <p:cNvPr id="16" name="テキスト ボックス 15"/>
           <p:cNvSpPr txBox="1"/>
           <p:nvPr/>
         </p:nvSpPr>
         <p:spPr>
           <a:xfrm>
-            <a:off x="6664960" y="1290320"/>
-            <a:ext cx="985520" cy="646331"/>
+            <a:off x="5862022" y="3567529"/>
+            <a:ext cx="4643120" cy="646331"/>
           </a:xfrm>
           <a:prstGeom prst="rect">
             <a:avLst/>
@@ -8342,27 +9042,140 @@
           </a:bodyPr>
           <a:lstStyle/>
           <a:p>
-            <a:r>
-              <a:rPr lang="en-US" altLang="ja-JP" dirty="0" smtClean="0"/>
-              <a:t>_    _</a:t>
-            </a:r>
-          </a:p>
-          <a:p>
-            <a:r>
-              <a:rPr lang="en-US" altLang="ja-JP" dirty="0" smtClean="0"/>
-              <a:t>B</a:t>
-            </a:r>
-            <a:r>
-              <a:rPr lang="en-US" altLang="ja-JP" dirty="0" smtClean="0"/>
-              <a:t> </a:t>
-            </a:r>
-            <a:r>
-              <a:rPr lang="en-US" altLang="ja-JP" smtClean="0"/>
-              <a:t>- </a:t>
-            </a:r>
-            <a:r>
-              <a:rPr lang="en-US" altLang="ja-JP" smtClean="0"/>
-              <a:t>A</a:t>
+            <a:pPr algn="ctr"/>
+            <a:r>
+              <a:rPr kumimoji="1" lang="en-US" altLang="ja-JP" dirty="0" smtClean="0"/>
+              <a:t>AB</a:t>
+            </a:r>
+            <a:r>
+              <a:rPr kumimoji="1" lang="ja-JP" altLang="en-US" dirty="0" smtClean="0"/>
+              <a:t>間の距離が近いほどリンク強度は強い</a:t>
+            </a:r>
+            <a:endParaRPr kumimoji="1" lang="en-US" altLang="ja-JP" dirty="0" smtClean="0"/>
+          </a:p>
+          <a:p>
+            <a:pPr algn="ctr"/>
+            <a:r>
+              <a:rPr lang="ja-JP" altLang="en-US" dirty="0"/>
+              <a:t>↓</a:t>
+            </a:r>
+            <a:endParaRPr kumimoji="1" lang="ja-JP" altLang="en-US" dirty="0"/>
+          </a:p>
+        </p:txBody>
+      </p:sp>
+      <p:graphicFrame>
+        <p:nvGraphicFramePr>
+          <p:cNvPr id="17" name="オブジェクト 16"/>
+          <p:cNvGraphicFramePr>
+            <a:graphicFrameLocks noChangeAspect="1"/>
+          </p:cNvGraphicFramePr>
+          <p:nvPr>
+            <p:extLst>
+              <p:ext uri="{D42A27DB-BD31-4B8C-83A1-F6EECF244321}">
+                <p14:modId xmlns:p14="http://schemas.microsoft.com/office/powerpoint/2010/main" val="4095846429"/>
+              </p:ext>
+            </p:extLst>
+          </p:nvPr>
+        </p:nvGraphicFramePr>
+        <p:xfrm>
+          <a:off x="6406515" y="4093557"/>
+          <a:ext cx="3006725" cy="820738"/>
+        </p:xfrm>
+        <a:graphic>
+          <a:graphicData uri="http://schemas.openxmlformats.org/presentationml/2006/ole">
+            <mc:AlternateContent xmlns:mc="http://schemas.openxmlformats.org/markup-compatibility/2006">
+              <mc:Choice xmlns:v="urn:schemas-microsoft-com:vml" Requires="v">
+                <p:oleObj spid="_x0000_s1125" name="数式" r:id="rId9" imgW="1206360" imgH="330120" progId="Equation.3">
+                  <p:embed/>
+                </p:oleObj>
+              </mc:Choice>
+              <mc:Fallback>
+                <p:oleObj name="数式" r:id="rId9" imgW="1206360" imgH="330120" progId="Equation.3">
+                  <p:embed/>
+                  <p:pic>
+                    <p:nvPicPr>
+                      <p:cNvPr id="0" name="オブジェクト 11"/>
+                      <p:cNvPicPr>
+                        <a:picLocks noChangeAspect="1" noChangeArrowheads="1"/>
+                      </p:cNvPicPr>
+                      <p:nvPr/>
+                    </p:nvPicPr>
+                    <p:blipFill>
+                      <a:blip r:embed="rId10"/>
+                      <a:srcRect/>
+                      <a:stretch>
+                        <a:fillRect/>
+                      </a:stretch>
+                    </p:blipFill>
+                    <p:spPr bwMode="auto">
+                      <a:xfrm>
+                        <a:off x="6406515" y="4093557"/>
+                        <a:ext cx="3006725" cy="820738"/>
+                      </a:xfrm>
+                      <a:prstGeom prst="rect">
+                        <a:avLst/>
+                      </a:prstGeom>
+                      <a:noFill/>
+                      <a:ln>
+                        <a:noFill/>
+                      </a:ln>
+                      <a:extLst>
+                        <a:ext uri="{909E8E84-426E-40DD-AFC4-6F175D3DCCD1}">
+                          <a14:hiddenFill xmlns:a14="http://schemas.microsoft.com/office/drawing/2010/main">
+                            <a:solidFill>
+                              <a:srgbClr val="FFFFFF"/>
+                            </a:solidFill>
+                          </a14:hiddenFill>
+                        </a:ext>
+                        <a:ext uri="{91240B29-F687-4F45-9708-019B960494DF}">
+                          <a14:hiddenLine xmlns:a14="http://schemas.microsoft.com/office/drawing/2010/main" w="9525">
+                            <a:solidFill>
+                              <a:srgbClr val="000000"/>
+                            </a:solidFill>
+                            <a:miter lim="800000"/>
+                            <a:headEnd/>
+                            <a:tailEnd/>
+                          </a14:hiddenLine>
+                        </a:ext>
+                      </a:extLst>
+                    </p:spPr>
+                  </p:pic>
+                </p:oleObj>
+              </mc:Fallback>
+            </mc:AlternateContent>
+          </a:graphicData>
+        </a:graphic>
+      </p:graphicFrame>
+      <p:sp>
+        <p:nvSpPr>
+          <p:cNvPr id="19" name="テキスト ボックス 18"/>
+          <p:cNvSpPr txBox="1"/>
+          <p:nvPr/>
+        </p:nvSpPr>
+        <p:spPr>
+          <a:xfrm>
+            <a:off x="0" y="5644495"/>
+            <a:ext cx="5562600" cy="369332"/>
+          </a:xfrm>
+          <a:prstGeom prst="rect">
+            <a:avLst/>
+          </a:prstGeom>
+          <a:noFill/>
+        </p:spPr>
+        <p:txBody>
+          <a:bodyPr wrap="square" rtlCol="0">
+            <a:spAutoFit/>
+          </a:bodyPr>
+          <a:lstStyle/>
+          <a:p>
+            <a:pPr algn="ctr"/>
+            <a:r>
+              <a:rPr lang="ja-JP" altLang="en-US" dirty="0"/>
+              <a:t>今</a:t>
+            </a:r>
+            <a:r>
+              <a:rPr lang="ja-JP" altLang="en-US" dirty="0" smtClean="0"/>
+              <a:t>まではメトリック計算を職人技でやってた？</a:t>
             </a:r>
             <a:endParaRPr kumimoji="1" lang="ja-JP" altLang="en-US" dirty="0"/>
           </a:p>
@@ -8373,188 +9186,6 @@
   <p:clrMapOvr>
     <a:masterClrMapping/>
   </p:clrMapOvr>
-</p:sld>
-</file>
-
-<file path=ppt/slides/slide4.xml><?xml version="1.0" encoding="utf-8"?>
-<p:sld xmlns:a="http://schemas.openxmlformats.org/drawingml/2006/main" xmlns:r="http://schemas.openxmlformats.org/officeDocument/2006/relationships" xmlns:p="http://schemas.openxmlformats.org/presentationml/2006/main">
-  <p:cSld>
-    <p:spTree>
-      <p:nvGrpSpPr>
-        <p:cNvPr id="1" name=""/>
-        <p:cNvGrpSpPr/>
-        <p:nvPr/>
-      </p:nvGrpSpPr>
-      <p:grpSpPr>
-        <a:xfrm>
-          <a:off x="0" y="0"/>
-          <a:ext cx="0" cy="0"/>
-          <a:chOff x="0" y="0"/>
-          <a:chExt cx="0" cy="0"/>
-        </a:xfrm>
-      </p:grpSpPr>
-      <p:sp>
-        <p:nvSpPr>
-          <p:cNvPr id="2" name="スライド番号プレースホルダー 1"/>
-          <p:cNvSpPr>
-            <a:spLocks noGrp="1"/>
-          </p:cNvSpPr>
-          <p:nvPr>
-            <p:ph type="sldNum" sz="quarter" idx="4"/>
-          </p:nvPr>
-        </p:nvSpPr>
-        <p:spPr/>
-        <p:txBody>
-          <a:bodyPr/>
-          <a:lstStyle/>
-          <a:p>
-            <a:fld id="{80B61DEA-751C-4EFC-848A-C896179D47AE}" type="slidenum">
-              <a:rPr kumimoji="1" lang="ja-JP" altLang="en-US" smtClean="0"/>
-              <a:pPr/>
-              <a:t>4</a:t>
-            </a:fld>
-            <a:endParaRPr kumimoji="1" lang="ja-JP" altLang="en-US"/>
-          </a:p>
-        </p:txBody>
-      </p:sp>
-      <p:sp>
-        <p:nvSpPr>
-          <p:cNvPr id="3" name="コンテンツ プレースホルダー 2"/>
-          <p:cNvSpPr>
-            <a:spLocks noGrp="1"/>
-          </p:cNvSpPr>
-          <p:nvPr>
-            <p:ph idx="1"/>
-          </p:nvPr>
-        </p:nvSpPr>
-        <p:spPr/>
-        <p:txBody>
-          <a:bodyPr/>
-          <a:lstStyle/>
-          <a:p>
-            <a:r>
-              <a:rPr lang="ja-JP" altLang="en-US" dirty="0"/>
-              <a:t>「王様」</a:t>
-            </a:r>
-            <a:r>
-              <a:rPr lang="en-US" altLang="ja-JP" dirty="0"/>
-              <a:t>- </a:t>
-            </a:r>
-            <a:r>
-              <a:rPr lang="ja-JP" altLang="en-US" dirty="0"/>
-              <a:t>「男」</a:t>
-            </a:r>
-            <a:r>
-              <a:rPr lang="en-US" altLang="ja-JP" dirty="0"/>
-              <a:t>+ </a:t>
-            </a:r>
-            <a:r>
-              <a:rPr lang="ja-JP" altLang="en-US" dirty="0"/>
-              <a:t>「女」</a:t>
-            </a:r>
-            <a:r>
-              <a:rPr lang="en-US" altLang="ja-JP" dirty="0"/>
-              <a:t>= </a:t>
-            </a:r>
-            <a:r>
-              <a:rPr lang="ja-JP" altLang="en-US" dirty="0"/>
-              <a:t>「女王」</a:t>
-            </a:r>
-          </a:p>
-          <a:p>
-            <a:r>
-              <a:rPr lang="ja-JP" altLang="en-US" dirty="0"/>
-              <a:t>「パリ」</a:t>
-            </a:r>
-            <a:r>
-              <a:rPr lang="en-US" altLang="ja-JP" dirty="0"/>
-              <a:t>- </a:t>
-            </a:r>
-            <a:r>
-              <a:rPr lang="ja-JP" altLang="en-US" dirty="0"/>
-              <a:t>「フランス」</a:t>
-            </a:r>
-            <a:r>
-              <a:rPr lang="en-US" altLang="ja-JP" dirty="0"/>
-              <a:t>+ </a:t>
-            </a:r>
-            <a:r>
-              <a:rPr lang="ja-JP" altLang="en-US" dirty="0"/>
-              <a:t>「日本」</a:t>
-            </a:r>
-            <a:r>
-              <a:rPr lang="en-US" altLang="ja-JP" dirty="0"/>
-              <a:t>= </a:t>
-            </a:r>
-            <a:r>
-              <a:rPr lang="ja-JP" altLang="en-US" dirty="0"/>
-              <a:t>「東京</a:t>
-            </a:r>
-            <a:r>
-              <a:rPr lang="ja-JP" altLang="en-US" dirty="0" smtClean="0"/>
-              <a:t>」</a:t>
-            </a:r>
-            <a:endParaRPr lang="en-US" altLang="ja-JP" dirty="0" smtClean="0"/>
-          </a:p>
-          <a:p>
-            <a:r>
-              <a:rPr kumimoji="1" lang="ja-JP" altLang="en-US" dirty="0" smtClean="0"/>
-              <a:t>ができるようになる</a:t>
-            </a:r>
-            <a:endParaRPr kumimoji="1" lang="en-US" altLang="ja-JP" dirty="0" smtClean="0"/>
-          </a:p>
-          <a:p>
-            <a:endParaRPr lang="en-US" altLang="ja-JP" dirty="0"/>
-          </a:p>
-          <a:p>
-            <a:r>
-              <a:rPr kumimoji="1" lang="ja-JP" altLang="en-US" dirty="0" smtClean="0"/>
-              <a:t>ニューラルネットワークの入力の素性に利用できる</a:t>
-            </a:r>
-            <a:endParaRPr kumimoji="1" lang="ja-JP" altLang="en-US" dirty="0"/>
-          </a:p>
-        </p:txBody>
-      </p:sp>
-      <p:sp>
-        <p:nvSpPr>
-          <p:cNvPr id="4" name="タイトル 3"/>
-          <p:cNvSpPr>
-            <a:spLocks noGrp="1"/>
-          </p:cNvSpPr>
-          <p:nvPr>
-            <p:ph type="title"/>
-          </p:nvPr>
-        </p:nvSpPr>
-        <p:spPr/>
-        <p:txBody>
-          <a:bodyPr/>
-          <a:lstStyle/>
-          <a:p>
-            <a:r>
-              <a:rPr kumimoji="1" lang="ja-JP" altLang="en-US" dirty="0" smtClean="0"/>
-              <a:t>文書のベクトル化</a:t>
-            </a:r>
-            <a:endParaRPr kumimoji="1" lang="ja-JP" altLang="en-US" dirty="0"/>
-          </a:p>
-        </p:txBody>
-      </p:sp>
-    </p:spTree>
-    <p:extLst>
-      <p:ext uri="{BB962C8B-B14F-4D97-AF65-F5344CB8AC3E}">
-        <p14:creationId xmlns="" xmlns:p14="http://schemas.microsoft.com/office/powerpoint/2010/main" val="1900568499"/>
-      </p:ext>
-    </p:extLst>
-  </p:cSld>
-  <p:clrMapOvr>
-    <a:masterClrMapping/>
-  </p:clrMapOvr>
-  <p:timing>
-    <p:tnLst>
-      <p:par>
-        <p:cTn id="1" dur="indefinite" restart="never" nodeType="tmRoot"/>
-      </p:par>
-    </p:tnLst>
-  </p:timing>
 </p:sld>
 </file>
 
@@ -8599,10 +9230,131 @@
           </a:p>
         </p:txBody>
       </p:sp>
+      <p:sp>
+        <p:nvSpPr>
+          <p:cNvPr id="3" name="コンテンツ プレースホルダー 2"/>
+          <p:cNvSpPr>
+            <a:spLocks noGrp="1"/>
+          </p:cNvSpPr>
+          <p:nvPr>
+            <p:ph idx="1"/>
+          </p:nvPr>
+        </p:nvSpPr>
+        <p:spPr/>
+        <p:txBody>
+          <a:bodyPr/>
+          <a:lstStyle/>
+          <a:p>
+            <a:r>
+              <a:rPr lang="ja-JP" altLang="en-US" dirty="0"/>
+              <a:t>「王様」</a:t>
+            </a:r>
+            <a:r>
+              <a:rPr lang="en-US" altLang="ja-JP" dirty="0"/>
+              <a:t>- </a:t>
+            </a:r>
+            <a:r>
+              <a:rPr lang="ja-JP" altLang="en-US" dirty="0"/>
+              <a:t>「男」</a:t>
+            </a:r>
+            <a:r>
+              <a:rPr lang="en-US" altLang="ja-JP" dirty="0"/>
+              <a:t>+ </a:t>
+            </a:r>
+            <a:r>
+              <a:rPr lang="ja-JP" altLang="en-US" dirty="0"/>
+              <a:t>「女」</a:t>
+            </a:r>
+            <a:r>
+              <a:rPr lang="en-US" altLang="ja-JP" dirty="0"/>
+              <a:t>= </a:t>
+            </a:r>
+            <a:r>
+              <a:rPr lang="ja-JP" altLang="en-US" dirty="0"/>
+              <a:t>「女王」</a:t>
+            </a:r>
+          </a:p>
+          <a:p>
+            <a:r>
+              <a:rPr lang="ja-JP" altLang="en-US" dirty="0"/>
+              <a:t>「パリ」</a:t>
+            </a:r>
+            <a:r>
+              <a:rPr lang="en-US" altLang="ja-JP" dirty="0"/>
+              <a:t>- </a:t>
+            </a:r>
+            <a:r>
+              <a:rPr lang="ja-JP" altLang="en-US" dirty="0"/>
+              <a:t>「フランス」</a:t>
+            </a:r>
+            <a:r>
+              <a:rPr lang="en-US" altLang="ja-JP" dirty="0"/>
+              <a:t>+ </a:t>
+            </a:r>
+            <a:r>
+              <a:rPr lang="ja-JP" altLang="en-US" dirty="0"/>
+              <a:t>「日本」</a:t>
+            </a:r>
+            <a:r>
+              <a:rPr lang="en-US" altLang="ja-JP" dirty="0"/>
+              <a:t>= </a:t>
+            </a:r>
+            <a:r>
+              <a:rPr lang="ja-JP" altLang="en-US" dirty="0"/>
+              <a:t>「東京</a:t>
+            </a:r>
+            <a:r>
+              <a:rPr lang="ja-JP" altLang="en-US" dirty="0" smtClean="0"/>
+              <a:t>」</a:t>
+            </a:r>
+            <a:endParaRPr lang="en-US" altLang="ja-JP" dirty="0" smtClean="0"/>
+          </a:p>
+          <a:p>
+            <a:r>
+              <a:rPr kumimoji="1" lang="ja-JP" altLang="en-US" dirty="0" smtClean="0"/>
+              <a:t>ができるようになる</a:t>
+            </a:r>
+            <a:endParaRPr kumimoji="1" lang="en-US" altLang="ja-JP" dirty="0" smtClean="0"/>
+          </a:p>
+          <a:p>
+            <a:endParaRPr lang="en-US" altLang="ja-JP" dirty="0"/>
+          </a:p>
+          <a:p>
+            <a:r>
+              <a:rPr kumimoji="1" lang="ja-JP" altLang="en-US" dirty="0" smtClean="0"/>
+              <a:t>ニューラルネットワークの入力の素性に利用できる</a:t>
+            </a:r>
+            <a:endParaRPr kumimoji="1" lang="ja-JP" altLang="en-US" dirty="0"/>
+          </a:p>
+        </p:txBody>
+      </p:sp>
+      <p:sp>
+        <p:nvSpPr>
+          <p:cNvPr id="4" name="タイトル 3"/>
+          <p:cNvSpPr>
+            <a:spLocks noGrp="1"/>
+          </p:cNvSpPr>
+          <p:nvPr>
+            <p:ph type="title"/>
+          </p:nvPr>
+        </p:nvSpPr>
+        <p:spPr/>
+        <p:txBody>
+          <a:bodyPr/>
+          <a:lstStyle/>
+          <a:p>
+            <a:r>
+              <a:rPr kumimoji="1" lang="ja-JP" altLang="en-US" dirty="0" smtClean="0"/>
+              <a:t>文書のベクトル化</a:t>
+            </a:r>
+            <a:endParaRPr kumimoji="1" lang="ja-JP" altLang="en-US" dirty="0"/>
+          </a:p>
+        </p:txBody>
+      </p:sp>
     </p:spTree>
     <p:extLst>
       <p:ext uri="{BB962C8B-B14F-4D97-AF65-F5344CB8AC3E}">
-        <p14:creationId xmlns="" xmlns:p14="http://schemas.microsoft.com/office/powerpoint/2010/main" val="2288468216"/>
+        <p14:creationId xmlns:p14="http://schemas.microsoft.com/office/powerpoint/2010/main" val="1900568499"/>
       </p:ext>
     </p:extLst>
   </p:cSld>
@@ -8616,6 +9368,404 @@
       </p:par>
     </p:tnLst>
   </p:timing>
+</p:sld>
+</file>
+
+<file path=ppt/slides/slide6.xml><?xml version="1.0" encoding="utf-8"?>
+<p:sld xmlns:a="http://schemas.openxmlformats.org/drawingml/2006/main" xmlns:r="http://schemas.openxmlformats.org/officeDocument/2006/relationships" xmlns:p="http://schemas.openxmlformats.org/presentationml/2006/main">
+  <p:cSld>
+    <p:spTree>
+      <p:nvGrpSpPr>
+        <p:cNvPr id="1" name=""/>
+        <p:cNvGrpSpPr/>
+        <p:nvPr/>
+      </p:nvGrpSpPr>
+      <p:grpSpPr>
+        <a:xfrm>
+          <a:off x="0" y="0"/>
+          <a:ext cx="0" cy="0"/>
+          <a:chOff x="0" y="0"/>
+          <a:chExt cx="0" cy="0"/>
+        </a:xfrm>
+      </p:grpSpPr>
+      <p:sp>
+        <p:nvSpPr>
+          <p:cNvPr id="2" name="スライド番号プレースホルダー 1"/>
+          <p:cNvSpPr>
+            <a:spLocks noGrp="1"/>
+          </p:cNvSpPr>
+          <p:nvPr>
+            <p:ph type="sldNum" sz="quarter" idx="4"/>
+          </p:nvPr>
+        </p:nvSpPr>
+        <p:spPr/>
+        <p:txBody>
+          <a:bodyPr/>
+          <a:lstStyle/>
+          <a:p>
+            <a:fld id="{80B61DEA-751C-4EFC-848A-C896179D47AE}" type="slidenum">
+              <a:rPr kumimoji="1" lang="ja-JP" altLang="en-US" smtClean="0"/>
+              <a:pPr/>
+              <a:t>6</a:t>
+            </a:fld>
+            <a:endParaRPr kumimoji="1" lang="ja-JP" altLang="en-US"/>
+          </a:p>
+        </p:txBody>
+      </p:sp>
+      <p:sp>
+        <p:nvSpPr>
+          <p:cNvPr id="3" name="タイトル 2"/>
+          <p:cNvSpPr>
+            <a:spLocks noGrp="1"/>
+          </p:cNvSpPr>
+          <p:nvPr>
+            <p:ph type="ctrTitle"/>
+          </p:nvPr>
+        </p:nvSpPr>
+        <p:spPr/>
+        <p:txBody>
+          <a:bodyPr/>
+          <a:lstStyle/>
+          <a:p>
+            <a:r>
+              <a:rPr kumimoji="1" lang="en-US" altLang="ja-JP" dirty="0" smtClean="0"/>
+              <a:t>Use Cases, </a:t>
+            </a:r>
+            <a:r>
+              <a:rPr lang="en-US" altLang="ja-JP" dirty="0"/>
+              <a:t>Future Works</a:t>
+            </a:r>
+            <a:endParaRPr kumimoji="1" lang="ja-JP" altLang="en-US" dirty="0"/>
+          </a:p>
+        </p:txBody>
+      </p:sp>
+    </p:spTree>
+    <p:extLst>
+      <p:ext uri="{BB962C8B-B14F-4D97-AF65-F5344CB8AC3E}">
+        <p14:creationId xmlns:p14="http://schemas.microsoft.com/office/powerpoint/2010/main" val="550732552"/>
+      </p:ext>
+    </p:extLst>
+  </p:cSld>
+  <p:clrMapOvr>
+    <a:masterClrMapping/>
+  </p:clrMapOvr>
+</p:sld>
+</file>
+
+<file path=ppt/slides/slide7.xml><?xml version="1.0" encoding="utf-8"?>
+<p:sld xmlns:a="http://schemas.openxmlformats.org/drawingml/2006/main" xmlns:r="http://schemas.openxmlformats.org/officeDocument/2006/relationships" xmlns:p="http://schemas.openxmlformats.org/presentationml/2006/main">
+  <p:cSld>
+    <p:spTree>
+      <p:nvGrpSpPr>
+        <p:cNvPr id="1" name=""/>
+        <p:cNvGrpSpPr/>
+        <p:nvPr/>
+      </p:nvGrpSpPr>
+      <p:grpSpPr>
+        <a:xfrm>
+          <a:off x="0" y="0"/>
+          <a:ext cx="0" cy="0"/>
+          <a:chOff x="0" y="0"/>
+          <a:chExt cx="0" cy="0"/>
+        </a:xfrm>
+      </p:grpSpPr>
+      <p:sp>
+        <p:nvSpPr>
+          <p:cNvPr id="2" name="スライド番号プレースホルダー 1"/>
+          <p:cNvSpPr>
+            <a:spLocks noGrp="1"/>
+          </p:cNvSpPr>
+          <p:nvPr>
+            <p:ph type="sldNum" sz="quarter" idx="4"/>
+          </p:nvPr>
+        </p:nvSpPr>
+        <p:spPr/>
+        <p:txBody>
+          <a:bodyPr/>
+          <a:lstStyle/>
+          <a:p>
+            <a:fld id="{80B61DEA-751C-4EFC-848A-C896179D47AE}" type="slidenum">
+              <a:rPr kumimoji="1" lang="ja-JP" altLang="en-US" smtClean="0"/>
+              <a:pPr/>
+              <a:t>7</a:t>
+            </a:fld>
+            <a:endParaRPr kumimoji="1" lang="ja-JP" altLang="en-US"/>
+          </a:p>
+        </p:txBody>
+      </p:sp>
+      <p:sp>
+        <p:nvSpPr>
+          <p:cNvPr id="3" name="コンテンツ プレースホルダー 2"/>
+          <p:cNvSpPr>
+            <a:spLocks noGrp="1"/>
+          </p:cNvSpPr>
+          <p:nvPr>
+            <p:ph idx="1"/>
+          </p:nvPr>
+        </p:nvSpPr>
+        <p:spPr/>
+        <p:txBody>
+          <a:bodyPr/>
+          <a:lstStyle/>
+          <a:p>
+            <a:r>
+              <a:rPr lang="ja-JP" altLang="en-US" dirty="0"/>
+              <a:t>日本語</a:t>
+            </a:r>
+            <a:r>
+              <a:rPr lang="ja-JP" altLang="en-US" dirty="0" smtClean="0"/>
+              <a:t>論文対応</a:t>
+            </a:r>
+            <a:endParaRPr lang="en-US" altLang="ja-JP" dirty="0" smtClean="0"/>
+          </a:p>
+          <a:p>
+            <a:r>
+              <a:rPr kumimoji="1" lang="en-US" altLang="ja-JP" dirty="0" smtClean="0"/>
+              <a:t>IEEE</a:t>
+            </a:r>
+            <a:r>
+              <a:rPr lang="ja-JP" altLang="en-US" dirty="0"/>
+              <a:t>以外</a:t>
+            </a:r>
+            <a:endParaRPr kumimoji="1" lang="en-US" altLang="ja-JP" dirty="0" smtClean="0"/>
+          </a:p>
+        </p:txBody>
+      </p:sp>
+      <p:sp>
+        <p:nvSpPr>
+          <p:cNvPr id="4" name="タイトル 3"/>
+          <p:cNvSpPr>
+            <a:spLocks noGrp="1"/>
+          </p:cNvSpPr>
+          <p:nvPr>
+            <p:ph type="title"/>
+          </p:nvPr>
+        </p:nvSpPr>
+        <p:spPr/>
+        <p:txBody>
+          <a:bodyPr/>
+          <a:lstStyle/>
+          <a:p>
+            <a:endParaRPr kumimoji="1" lang="ja-JP" altLang="en-US"/>
+          </a:p>
+        </p:txBody>
+      </p:sp>
+    </p:spTree>
+    <p:extLst>
+      <p:ext uri="{BB962C8B-B14F-4D97-AF65-F5344CB8AC3E}">
+        <p14:creationId xmlns:p14="http://schemas.microsoft.com/office/powerpoint/2010/main" val="1766755709"/>
+      </p:ext>
+    </p:extLst>
+  </p:cSld>
+  <p:clrMapOvr>
+    <a:masterClrMapping/>
+  </p:clrMapOvr>
+</p:sld>
+</file>
+
+<file path=ppt/slides/slide8.xml><?xml version="1.0" encoding="utf-8"?>
+<p:sld xmlns:a="http://schemas.openxmlformats.org/drawingml/2006/main" xmlns:r="http://schemas.openxmlformats.org/officeDocument/2006/relationships" xmlns:p="http://schemas.openxmlformats.org/presentationml/2006/main">
+  <p:cSld>
+    <p:spTree>
+      <p:nvGrpSpPr>
+        <p:cNvPr id="1" name=""/>
+        <p:cNvGrpSpPr/>
+        <p:nvPr/>
+      </p:nvGrpSpPr>
+      <p:grpSpPr>
+        <a:xfrm>
+          <a:off x="0" y="0"/>
+          <a:ext cx="0" cy="0"/>
+          <a:chOff x="0" y="0"/>
+          <a:chExt cx="0" cy="0"/>
+        </a:xfrm>
+      </p:grpSpPr>
+      <p:sp>
+        <p:nvSpPr>
+          <p:cNvPr id="2" name="スライド番号プレースホルダー 1"/>
+          <p:cNvSpPr>
+            <a:spLocks noGrp="1"/>
+          </p:cNvSpPr>
+          <p:nvPr>
+            <p:ph type="sldNum" sz="quarter" idx="4"/>
+          </p:nvPr>
+        </p:nvSpPr>
+        <p:spPr/>
+        <p:txBody>
+          <a:bodyPr/>
+          <a:lstStyle/>
+          <a:p>
+            <a:fld id="{80B61DEA-751C-4EFC-848A-C896179D47AE}" type="slidenum">
+              <a:rPr kumimoji="1" lang="ja-JP" altLang="en-US" smtClean="0"/>
+              <a:pPr/>
+              <a:t>8</a:t>
+            </a:fld>
+            <a:endParaRPr kumimoji="1" lang="ja-JP" altLang="en-US"/>
+          </a:p>
+        </p:txBody>
+      </p:sp>
+      <p:sp>
+        <p:nvSpPr>
+          <p:cNvPr id="3" name="コンテンツ プレースホルダー 2"/>
+          <p:cNvSpPr>
+            <a:spLocks noGrp="1"/>
+          </p:cNvSpPr>
+          <p:nvPr>
+            <p:ph idx="1"/>
+          </p:nvPr>
+        </p:nvSpPr>
+        <p:spPr/>
+        <p:txBody>
+          <a:bodyPr/>
+          <a:lstStyle/>
+          <a:p>
+            <a:endParaRPr kumimoji="1" lang="ja-JP" altLang="en-US" dirty="0"/>
+          </a:p>
+        </p:txBody>
+      </p:sp>
+      <p:sp>
+        <p:nvSpPr>
+          <p:cNvPr id="4" name="タイトル 3"/>
+          <p:cNvSpPr>
+            <a:spLocks noGrp="1"/>
+          </p:cNvSpPr>
+          <p:nvPr>
+            <p:ph type="title"/>
+          </p:nvPr>
+        </p:nvSpPr>
+        <p:spPr/>
+        <p:txBody>
+          <a:bodyPr>
+            <a:normAutofit/>
+          </a:bodyPr>
+          <a:lstStyle/>
+          <a:p>
+            <a:r>
+              <a:rPr lang="ja-JP" altLang="en-US" dirty="0"/>
+              <a:t>論文</a:t>
+            </a:r>
+            <a:r>
+              <a:rPr lang="ja-JP" altLang="en-US" dirty="0" err="1"/>
+              <a:t>探すのめん</a:t>
+            </a:r>
+            <a:r>
+              <a:rPr lang="ja-JP" altLang="en-US" dirty="0"/>
+              <a:t>どく</a:t>
+            </a:r>
+            <a:r>
+              <a:rPr lang="ja-JP" altLang="en-US" dirty="0" smtClean="0"/>
+              <a:t>さい、論文読むのめんどくさい</a:t>
+            </a:r>
+            <a:endParaRPr kumimoji="1" lang="ja-JP" altLang="en-US" dirty="0"/>
+          </a:p>
+        </p:txBody>
+      </p:sp>
+    </p:spTree>
+    <p:extLst>
+      <p:ext uri="{BB962C8B-B14F-4D97-AF65-F5344CB8AC3E}">
+        <p14:creationId xmlns:p14="http://schemas.microsoft.com/office/powerpoint/2010/main" val="3505154345"/>
+      </p:ext>
+    </p:extLst>
+  </p:cSld>
+  <p:clrMapOvr>
+    <a:masterClrMapping/>
+  </p:clrMapOvr>
+</p:sld>
+</file>
+
+<file path=ppt/slides/slide9.xml><?xml version="1.0" encoding="utf-8"?>
+<p:sld xmlns:a="http://schemas.openxmlformats.org/drawingml/2006/main" xmlns:r="http://schemas.openxmlformats.org/officeDocument/2006/relationships" xmlns:p="http://schemas.openxmlformats.org/presentationml/2006/main">
+  <p:cSld>
+    <p:spTree>
+      <p:nvGrpSpPr>
+        <p:cNvPr id="1" name=""/>
+        <p:cNvGrpSpPr/>
+        <p:nvPr/>
+      </p:nvGrpSpPr>
+      <p:grpSpPr>
+        <a:xfrm>
+          <a:off x="0" y="0"/>
+          <a:ext cx="0" cy="0"/>
+          <a:chOff x="0" y="0"/>
+          <a:chExt cx="0" cy="0"/>
+        </a:xfrm>
+      </p:grpSpPr>
+      <p:sp>
+        <p:nvSpPr>
+          <p:cNvPr id="2" name="スライド番号プレースホルダー 1"/>
+          <p:cNvSpPr>
+            <a:spLocks noGrp="1"/>
+          </p:cNvSpPr>
+          <p:nvPr>
+            <p:ph type="sldNum" sz="quarter" idx="4"/>
+          </p:nvPr>
+        </p:nvSpPr>
+        <p:spPr/>
+        <p:txBody>
+          <a:bodyPr/>
+          <a:lstStyle/>
+          <a:p>
+            <a:fld id="{80B61DEA-751C-4EFC-848A-C896179D47AE}" type="slidenum">
+              <a:rPr kumimoji="1" lang="ja-JP" altLang="en-US" smtClean="0"/>
+              <a:pPr/>
+              <a:t>9</a:t>
+            </a:fld>
+            <a:endParaRPr kumimoji="1" lang="ja-JP" altLang="en-US"/>
+          </a:p>
+        </p:txBody>
+      </p:sp>
+      <p:sp>
+        <p:nvSpPr>
+          <p:cNvPr id="3" name="コンテンツ プレースホルダー 2"/>
+          <p:cNvSpPr>
+            <a:spLocks noGrp="1"/>
+          </p:cNvSpPr>
+          <p:nvPr>
+            <p:ph idx="1"/>
+          </p:nvPr>
+        </p:nvSpPr>
+        <p:spPr/>
+        <p:txBody>
+          <a:bodyPr/>
+          <a:lstStyle/>
+          <a:p>
+            <a:endParaRPr kumimoji="1" lang="ja-JP" altLang="en-US"/>
+          </a:p>
+        </p:txBody>
+      </p:sp>
+      <p:sp>
+        <p:nvSpPr>
+          <p:cNvPr id="4" name="タイトル 3"/>
+          <p:cNvSpPr>
+            <a:spLocks noGrp="1"/>
+          </p:cNvSpPr>
+          <p:nvPr>
+            <p:ph type="title"/>
+          </p:nvPr>
+        </p:nvSpPr>
+        <p:spPr/>
+        <p:txBody>
+          <a:bodyPr/>
+          <a:lstStyle/>
+          <a:p>
+            <a:r>
+              <a:rPr kumimoji="1" lang="ja-JP" altLang="en-US" dirty="0" smtClean="0"/>
+              <a:t>査読サポート</a:t>
+            </a:r>
+            <a:endParaRPr kumimoji="1" lang="ja-JP" altLang="en-US" dirty="0"/>
+          </a:p>
+        </p:txBody>
+      </p:sp>
+    </p:spTree>
+    <p:extLst>
+      <p:ext uri="{BB962C8B-B14F-4D97-AF65-F5344CB8AC3E}">
+        <p14:creationId xmlns:p14="http://schemas.microsoft.com/office/powerpoint/2010/main" val="1476161769"/>
+      </p:ext>
+    </p:extLst>
+  </p:cSld>
+  <p:clrMapOvr>
+    <a:masterClrMapping/>
+  </p:clrMapOvr>
 </p:sld>
 </file>
 
@@ -8831,7 +9981,7 @@
   <a:extraClrSchemeLst/>
   <a:extLst>
     <a:ext uri="{05A4C25C-085E-4340-85A3-A5531E510DB2}">
-      <thm15:themeFamily xmlns="" xmlns:thm15="http://schemas.microsoft.com/office/thememl/2012/main" name="Office Theme" id="{62F939B6-93AF-4DB8-9C6B-D6C7DFDC589F}" vid="{4A3C46E8-61CC-4603-A589-7422A47A8E4A}"/>
+      <thm15:themeFamily xmlns:thm15="http://schemas.microsoft.com/office/thememl/2012/main" xmlns="" name="Office Theme" id="{62F939B6-93AF-4DB8-9C6B-D6C7DFDC589F}" vid="{4A3C46E8-61CC-4603-A589-7422A47A8E4A}"/>
     </a:ext>
   </a:extLst>
 </a:theme>
@@ -9092,7 +10242,7 @@
   <a:extraClrSchemeLst/>
   <a:extLst>
     <a:ext uri="{05A4C25C-085E-4340-85A3-A5531E510DB2}">
-      <thm15:themeFamily xmlns="" xmlns:thm15="http://schemas.microsoft.com/office/thememl/2012/main" name="Office Theme" id="{62F939B6-93AF-4DB8-9C6B-D6C7DFDC589F}" vid="{4A3C46E8-61CC-4603-A589-7422A47A8E4A}"/>
+      <thm15:themeFamily xmlns:thm15="http://schemas.microsoft.com/office/thememl/2012/main" xmlns="" name="Office Theme" id="{62F939B6-93AF-4DB8-9C6B-D6C7DFDC589F}" vid="{4A3C46E8-61CC-4603-A589-7422A47A8E4A}"/>
     </a:ext>
   </a:extLst>
 </a:theme>

--- a/overview.pptx
+++ b/overview.pptx
@@ -5,7 +5,7 @@
     <p:sldMasterId id="2147483648" r:id="rId1"/>
   </p:sldMasterIdLst>
   <p:notesMasterIdLst>
-    <p:notesMasterId r:id="rId15"/>
+    <p:notesMasterId r:id="rId16"/>
   </p:notesMasterIdLst>
   <p:sldIdLst>
     <p:sldId id="256" r:id="rId2"/>
@@ -14,13 +14,14 @@
     <p:sldId id="261" r:id="rId5"/>
     <p:sldId id="260" r:id="rId6"/>
     <p:sldId id="269" r:id="rId7"/>
-    <p:sldId id="266" r:id="rId8"/>
-    <p:sldId id="268" r:id="rId9"/>
-    <p:sldId id="272" r:id="rId10"/>
-    <p:sldId id="270" r:id="rId11"/>
-    <p:sldId id="271" r:id="rId12"/>
-    <p:sldId id="264" r:id="rId13"/>
-    <p:sldId id="259" r:id="rId14"/>
+    <p:sldId id="273" r:id="rId8"/>
+    <p:sldId id="266" r:id="rId9"/>
+    <p:sldId id="268" r:id="rId10"/>
+    <p:sldId id="272" r:id="rId11"/>
+    <p:sldId id="270" r:id="rId12"/>
+    <p:sldId id="271" r:id="rId13"/>
+    <p:sldId id="264" r:id="rId14"/>
+    <p:sldId id="259" r:id="rId15"/>
   </p:sldIdLst>
   <p:sldSz cx="12192000" cy="6858000"/>
   <p:notesSz cx="6858000" cy="9144000"/>
@@ -4318,11 +4319,7 @@
           <a:bodyPr/>
           <a:lstStyle/>
           <a:p>
-            <a:r>
-              <a:rPr lang="ja-JP" altLang="en-US" dirty="0"/>
-              <a:t>内容の似た仲良しの研究会があるかどうか</a:t>
-            </a:r>
-            <a:endParaRPr kumimoji="1" lang="ja-JP" altLang="en-US" dirty="0"/>
+            <a:endParaRPr kumimoji="1" lang="ja-JP" altLang="en-US"/>
           </a:p>
         </p:txBody>
       </p:sp>
@@ -4343,7 +4340,7 @@
           <a:p>
             <a:r>
               <a:rPr kumimoji="1" lang="ja-JP" altLang="en-US" dirty="0" smtClean="0"/>
-              <a:t>研究会ごとの特性</a:t>
+              <a:t>査読サポート</a:t>
             </a:r>
             <a:endParaRPr kumimoji="1" lang="ja-JP" altLang="en-US" dirty="0"/>
           </a:p>
@@ -4352,7 +4349,7 @@
     </p:spTree>
     <p:extLst>
       <p:ext uri="{BB962C8B-B14F-4D97-AF65-F5344CB8AC3E}">
-        <p14:creationId xmlns:p14="http://schemas.microsoft.com/office/powerpoint/2010/main" val="1432098372"/>
+        <p14:creationId xmlns:p14="http://schemas.microsoft.com/office/powerpoint/2010/main" val="1476161769"/>
       </p:ext>
     </p:extLst>
   </p:cSld>
@@ -4418,7 +4415,11 @@
           <a:bodyPr/>
           <a:lstStyle/>
           <a:p>
-            <a:endParaRPr kumimoji="1" lang="ja-JP" altLang="en-US"/>
+            <a:r>
+              <a:rPr lang="ja-JP" altLang="en-US" dirty="0"/>
+              <a:t>内容の似た仲良しの研究会があるかどうか</a:t>
+            </a:r>
+            <a:endParaRPr kumimoji="1" lang="ja-JP" altLang="en-US" dirty="0"/>
           </a:p>
         </p:txBody>
       </p:sp>
@@ -4439,7 +4440,7 @@
           <a:p>
             <a:r>
               <a:rPr kumimoji="1" lang="ja-JP" altLang="en-US" dirty="0" smtClean="0"/>
-              <a:t>著者ごとの派閥</a:t>
+              <a:t>研究会ごとの特性</a:t>
             </a:r>
             <a:endParaRPr kumimoji="1" lang="ja-JP" altLang="en-US" dirty="0"/>
           </a:p>
@@ -4448,7 +4449,7 @@
     </p:spTree>
     <p:extLst>
       <p:ext uri="{BB962C8B-B14F-4D97-AF65-F5344CB8AC3E}">
-        <p14:creationId xmlns:p14="http://schemas.microsoft.com/office/powerpoint/2010/main" val="2129745687"/>
+        <p14:creationId xmlns:p14="http://schemas.microsoft.com/office/powerpoint/2010/main" val="1432098372"/>
       </p:ext>
     </p:extLst>
   </p:cSld>
@@ -4514,38 +4515,7 @@
           <a:bodyPr/>
           <a:lstStyle/>
           <a:p>
-            <a:r>
-              <a:rPr kumimoji="1" lang="en-US" altLang="ja-JP" dirty="0" smtClean="0"/>
-              <a:t>node</a:t>
-            </a:r>
-            <a:r>
-              <a:rPr kumimoji="1" lang="ja-JP" altLang="en-US" dirty="0" smtClean="0"/>
-              <a:t>背景に画像</a:t>
-            </a:r>
-            <a:endParaRPr kumimoji="1" lang="en-US" altLang="ja-JP" dirty="0" smtClean="0"/>
-          </a:p>
-          <a:p>
-            <a:pPr lvl="1"/>
-            <a:r>
-              <a:rPr lang="en-US" altLang="ja-JP" dirty="0" smtClean="0"/>
-              <a:t>belonging</a:t>
-            </a:r>
-            <a:endParaRPr kumimoji="1" lang="en-US" altLang="ja-JP" dirty="0" smtClean="0"/>
-          </a:p>
-          <a:p>
-            <a:pPr lvl="1"/>
-            <a:r>
-              <a:rPr lang="en-US" altLang="ja-JP" dirty="0" smtClean="0"/>
-              <a:t>conference</a:t>
-            </a:r>
-          </a:p>
-          <a:p>
-            <a:pPr lvl="1"/>
-            <a:r>
-              <a:rPr kumimoji="1" lang="en-US" altLang="ja-JP" dirty="0" smtClean="0"/>
-              <a:t>author</a:t>
-            </a:r>
-            <a:endParaRPr kumimoji="1" lang="ja-JP" altLang="en-US" dirty="0"/>
+            <a:endParaRPr kumimoji="1" lang="ja-JP" altLang="en-US"/>
           </a:p>
         </p:txBody>
       </p:sp>
@@ -4564,14 +4534,18 @@
           <a:bodyPr/>
           <a:lstStyle/>
           <a:p>
-            <a:endParaRPr kumimoji="1" lang="ja-JP" altLang="en-US"/>
+            <a:r>
+              <a:rPr kumimoji="1" lang="ja-JP" altLang="en-US" dirty="0" smtClean="0"/>
+              <a:t>著者ごとの派閥</a:t>
+            </a:r>
+            <a:endParaRPr kumimoji="1" lang="ja-JP" altLang="en-US" dirty="0"/>
           </a:p>
         </p:txBody>
       </p:sp>
     </p:spTree>
     <p:extLst>
       <p:ext uri="{BB962C8B-B14F-4D97-AF65-F5344CB8AC3E}">
-        <p14:creationId xmlns:p14="http://schemas.microsoft.com/office/powerpoint/2010/main" val="1975414422"/>
+        <p14:creationId xmlns:p14="http://schemas.microsoft.com/office/powerpoint/2010/main" val="2129745687"/>
       </p:ext>
     </p:extLst>
   </p:cSld>
@@ -4617,6 +4591,129 @@
               <a:rPr kumimoji="1" lang="ja-JP" altLang="en-US" smtClean="0"/>
               <a:pPr/>
               <a:t>13</a:t>
+            </a:fld>
+            <a:endParaRPr kumimoji="1" lang="ja-JP" altLang="en-US"/>
+          </a:p>
+        </p:txBody>
+      </p:sp>
+      <p:sp>
+        <p:nvSpPr>
+          <p:cNvPr id="3" name="コンテンツ プレースホルダー 2"/>
+          <p:cNvSpPr>
+            <a:spLocks noGrp="1"/>
+          </p:cNvSpPr>
+          <p:nvPr>
+            <p:ph idx="1"/>
+          </p:nvPr>
+        </p:nvSpPr>
+        <p:spPr/>
+        <p:txBody>
+          <a:bodyPr/>
+          <a:lstStyle/>
+          <a:p>
+            <a:r>
+              <a:rPr kumimoji="1" lang="en-US" altLang="ja-JP" dirty="0" smtClean="0"/>
+              <a:t>node</a:t>
+            </a:r>
+            <a:r>
+              <a:rPr kumimoji="1" lang="ja-JP" altLang="en-US" dirty="0" smtClean="0"/>
+              <a:t>背景に画像</a:t>
+            </a:r>
+            <a:endParaRPr kumimoji="1" lang="en-US" altLang="ja-JP" dirty="0" smtClean="0"/>
+          </a:p>
+          <a:p>
+            <a:pPr lvl="1"/>
+            <a:r>
+              <a:rPr lang="en-US" altLang="ja-JP" dirty="0" smtClean="0"/>
+              <a:t>belonging</a:t>
+            </a:r>
+            <a:endParaRPr kumimoji="1" lang="en-US" altLang="ja-JP" dirty="0" smtClean="0"/>
+          </a:p>
+          <a:p>
+            <a:pPr lvl="1"/>
+            <a:r>
+              <a:rPr lang="en-US" altLang="ja-JP" dirty="0" smtClean="0"/>
+              <a:t>conference</a:t>
+            </a:r>
+          </a:p>
+          <a:p>
+            <a:pPr lvl="1"/>
+            <a:r>
+              <a:rPr kumimoji="1" lang="en-US" altLang="ja-JP" dirty="0" smtClean="0"/>
+              <a:t>author</a:t>
+            </a:r>
+            <a:endParaRPr kumimoji="1" lang="ja-JP" altLang="en-US" dirty="0"/>
+          </a:p>
+        </p:txBody>
+      </p:sp>
+      <p:sp>
+        <p:nvSpPr>
+          <p:cNvPr id="4" name="タイトル 3"/>
+          <p:cNvSpPr>
+            <a:spLocks noGrp="1"/>
+          </p:cNvSpPr>
+          <p:nvPr>
+            <p:ph type="title"/>
+          </p:nvPr>
+        </p:nvSpPr>
+        <p:spPr/>
+        <p:txBody>
+          <a:bodyPr/>
+          <a:lstStyle/>
+          <a:p>
+            <a:endParaRPr kumimoji="1" lang="ja-JP" altLang="en-US"/>
+          </a:p>
+        </p:txBody>
+      </p:sp>
+    </p:spTree>
+    <p:extLst>
+      <p:ext uri="{BB962C8B-B14F-4D97-AF65-F5344CB8AC3E}">
+        <p14:creationId xmlns:p14="http://schemas.microsoft.com/office/powerpoint/2010/main" val="1975414422"/>
+      </p:ext>
+    </p:extLst>
+  </p:cSld>
+  <p:clrMapOvr>
+    <a:masterClrMapping/>
+  </p:clrMapOvr>
+</p:sld>
+</file>
+
+<file path=ppt/slides/slide14.xml><?xml version="1.0" encoding="utf-8"?>
+<p:sld xmlns:a="http://schemas.openxmlformats.org/drawingml/2006/main" xmlns:r="http://schemas.openxmlformats.org/officeDocument/2006/relationships" xmlns:p="http://schemas.openxmlformats.org/presentationml/2006/main">
+  <p:cSld>
+    <p:spTree>
+      <p:nvGrpSpPr>
+        <p:cNvPr id="1" name=""/>
+        <p:cNvGrpSpPr/>
+        <p:nvPr/>
+      </p:nvGrpSpPr>
+      <p:grpSpPr>
+        <a:xfrm>
+          <a:off x="0" y="0"/>
+          <a:ext cx="0" cy="0"/>
+          <a:chOff x="0" y="0"/>
+          <a:chExt cx="0" cy="0"/>
+        </a:xfrm>
+      </p:grpSpPr>
+      <p:sp>
+        <p:nvSpPr>
+          <p:cNvPr id="2" name="スライド番号プレースホルダー 1"/>
+          <p:cNvSpPr>
+            <a:spLocks noGrp="1"/>
+          </p:cNvSpPr>
+          <p:nvPr>
+            <p:ph type="sldNum" sz="quarter" idx="4"/>
+          </p:nvPr>
+        </p:nvSpPr>
+        <p:spPr/>
+        <p:txBody>
+          <a:bodyPr/>
+          <a:lstStyle/>
+          <a:p>
+            <a:fld id="{80B61DEA-751C-4EFC-848A-C896179D47AE}" type="slidenum">
+              <a:rPr kumimoji="1" lang="ja-JP" altLang="en-US" smtClean="0"/>
+              <a:pPr/>
+              <a:t>14</a:t>
             </a:fld>
             <a:endParaRPr kumimoji="1" lang="ja-JP" altLang="en-US"/>
           </a:p>
@@ -8819,7 +8916,7 @@
           <a:graphicData uri="http://schemas.openxmlformats.org/presentationml/2006/ole">
             <mc:AlternateContent xmlns:mc="http://schemas.openxmlformats.org/markup-compatibility/2006">
               <mc:Choice xmlns:v="urn:schemas-microsoft-com:vml" Requires="v">
-                <p:oleObj spid="_x0000_s1122" name="数式" r:id="rId3" imgW="152280" imgH="215640" progId="Equation.3">
+                <p:oleObj spid="_x0000_s1142" name="数式" r:id="rId3" imgW="152280" imgH="215640" progId="Equation.3">
                   <p:embed/>
                 </p:oleObj>
               </mc:Choice>
@@ -8876,7 +8973,7 @@
           <a:graphicData uri="http://schemas.openxmlformats.org/presentationml/2006/ole">
             <mc:AlternateContent xmlns:mc="http://schemas.openxmlformats.org/markup-compatibility/2006">
               <mc:Choice xmlns:v="urn:schemas-microsoft-com:vml" Requires="v">
-                <p:oleObj spid="_x0000_s1123" name="数式" r:id="rId5" imgW="152280" imgH="215640" progId="Equation.3">
+                <p:oleObj spid="_x0000_s1143" name="数式" r:id="rId5" imgW="152280" imgH="215640" progId="Equation.3">
                   <p:embed/>
                 </p:oleObj>
               </mc:Choice>
@@ -8959,7 +9056,7 @@
           <a:graphicData uri="http://schemas.openxmlformats.org/presentationml/2006/ole">
             <mc:AlternateContent xmlns:mc="http://schemas.openxmlformats.org/markup-compatibility/2006">
               <mc:Choice xmlns:v="urn:schemas-microsoft-com:vml" Requires="v">
-                <p:oleObj spid="_x0000_s1124" name="数式" r:id="rId7" imgW="736560" imgH="215640" progId="Equation.3">
+                <p:oleObj spid="_x0000_s1144" name="数式" r:id="rId7" imgW="736560" imgH="215640" progId="Equation.3">
                   <p:embed/>
                 </p:oleObj>
               </mc:Choice>
@@ -9085,7 +9182,7 @@
           <a:graphicData uri="http://schemas.openxmlformats.org/presentationml/2006/ole">
             <mc:AlternateContent xmlns:mc="http://schemas.openxmlformats.org/markup-compatibility/2006">
               <mc:Choice xmlns:v="urn:schemas-microsoft-com:vml" Requires="v">
-                <p:oleObj spid="_x0000_s1125" name="数式" r:id="rId9" imgW="1206360" imgH="330120" progId="Equation.3">
+                <p:oleObj spid="_x0000_s1145" name="数式" r:id="rId9" imgW="1206360" imgH="330120" progId="Equation.3">
                   <p:embed/>
                 </p:oleObj>
               </mc:Choice>
@@ -9155,7 +9252,7 @@
         <p:spPr>
           <a:xfrm>
             <a:off x="0" y="5644495"/>
-            <a:ext cx="5562600" cy="369332"/>
+            <a:ext cx="5562600" cy="923330"/>
           </a:xfrm>
           <a:prstGeom prst="rect">
             <a:avLst/>
@@ -9176,6 +9273,42 @@
             <a:r>
               <a:rPr lang="ja-JP" altLang="en-US" dirty="0" smtClean="0"/>
               <a:t>まではメトリック計算を職人技でやってた？</a:t>
+            </a:r>
+            <a:endParaRPr lang="en-US" altLang="ja-JP" dirty="0" smtClean="0"/>
+          </a:p>
+          <a:p>
+            <a:pPr algn="ctr"/>
+            <a:r>
+              <a:rPr lang="ja-JP" altLang="en-US" dirty="0" smtClean="0"/>
+              <a:t>パラメータ：</a:t>
+            </a:r>
+            <a:r>
+              <a:rPr lang="en-US" altLang="ja-JP" dirty="0" smtClean="0"/>
+              <a:t>authors</a:t>
+            </a:r>
+            <a:r>
+              <a:rPr lang="en-US" altLang="ja-JP" dirty="0"/>
+              <a:t>, keywords, </a:t>
+            </a:r>
+            <a:r>
+              <a:rPr lang="en-US" altLang="ja-JP" dirty="0" err="1" smtClean="0"/>
+              <a:t>citings</a:t>
+            </a:r>
+            <a:r>
+              <a:rPr lang="en-US" altLang="ja-JP" dirty="0"/>
+              <a:t>, </a:t>
+            </a:r>
+            <a:r>
+              <a:rPr lang="en-US" altLang="ja-JP" dirty="0" err="1" smtClean="0"/>
+              <a:t>citeds</a:t>
+            </a:r>
+            <a:r>
+              <a:rPr lang="en-US" altLang="ja-JP" dirty="0"/>
+              <a:t>, </a:t>
+            </a:r>
+            <a:r>
+              <a:rPr lang="en-US" altLang="ja-JP" dirty="0" err="1"/>
+              <a:t>conference|published</a:t>
             </a:r>
             <a:endParaRPr kumimoji="1" lang="ja-JP" altLang="en-US" dirty="0"/>
           </a:p>
@@ -9508,26 +9641,7 @@
           <a:bodyPr/>
           <a:lstStyle/>
           <a:p>
-            <a:r>
-              <a:rPr lang="ja-JP" altLang="en-US" dirty="0"/>
-              <a:t>日本語</a:t>
-            </a:r>
-            <a:r>
-              <a:rPr lang="ja-JP" altLang="en-US" dirty="0" smtClean="0"/>
-              <a:t>論文対応</a:t>
-            </a:r>
-            <a:endParaRPr lang="en-US" altLang="ja-JP" dirty="0" smtClean="0"/>
-          </a:p>
-          <a:p>
-            <a:r>
-              <a:rPr kumimoji="1" lang="en-US" altLang="ja-JP" dirty="0" smtClean="0"/>
-              <a:t>IEEE</a:t>
-            </a:r>
-            <a:r>
-              <a:rPr lang="ja-JP" altLang="en-US" dirty="0"/>
-              <a:t>以外</a:t>
-            </a:r>
-            <a:endParaRPr kumimoji="1" lang="en-US" altLang="ja-JP" dirty="0" smtClean="0"/>
+            <a:endParaRPr kumimoji="1" lang="ja-JP" altLang="en-US" dirty="0"/>
           </a:p>
         </p:txBody>
       </p:sp>
@@ -9546,14 +9660,18 @@
           <a:bodyPr/>
           <a:lstStyle/>
           <a:p>
-            <a:endParaRPr kumimoji="1" lang="ja-JP" altLang="en-US"/>
+            <a:r>
+              <a:rPr kumimoji="1" lang="ja-JP" altLang="en-US" dirty="0" smtClean="0"/>
+              <a:t>機械学習のチューニング</a:t>
+            </a:r>
+            <a:endParaRPr kumimoji="1" lang="ja-JP" altLang="en-US" dirty="0"/>
           </a:p>
         </p:txBody>
       </p:sp>
     </p:spTree>
     <p:extLst>
       <p:ext uri="{BB962C8B-B14F-4D97-AF65-F5344CB8AC3E}">
-        <p14:creationId xmlns:p14="http://schemas.microsoft.com/office/powerpoint/2010/main" val="1766755709"/>
+        <p14:creationId xmlns:p14="http://schemas.microsoft.com/office/powerpoint/2010/main" val="3117917766"/>
       </p:ext>
     </p:extLst>
   </p:cSld>
@@ -9619,7 +9737,26 @@
           <a:bodyPr/>
           <a:lstStyle/>
           <a:p>
-            <a:endParaRPr kumimoji="1" lang="ja-JP" altLang="en-US" dirty="0"/>
+            <a:r>
+              <a:rPr lang="ja-JP" altLang="en-US" dirty="0"/>
+              <a:t>日本語</a:t>
+            </a:r>
+            <a:r>
+              <a:rPr lang="ja-JP" altLang="en-US" dirty="0" smtClean="0"/>
+              <a:t>論文対応</a:t>
+            </a:r>
+            <a:endParaRPr lang="en-US" altLang="ja-JP" dirty="0" smtClean="0"/>
+          </a:p>
+          <a:p>
+            <a:r>
+              <a:rPr kumimoji="1" lang="en-US" altLang="ja-JP" dirty="0" smtClean="0"/>
+              <a:t>IEEE</a:t>
+            </a:r>
+            <a:r>
+              <a:rPr lang="ja-JP" altLang="en-US" dirty="0"/>
+              <a:t>以外</a:t>
+            </a:r>
+            <a:endParaRPr kumimoji="1" lang="en-US" altLang="ja-JP" dirty="0" smtClean="0"/>
           </a:p>
         </p:txBody>
       </p:sp>
@@ -9635,35 +9772,17 @@
         </p:nvSpPr>
         <p:spPr/>
         <p:txBody>
-          <a:bodyPr>
-            <a:normAutofit/>
-          </a:bodyPr>
+          <a:bodyPr/>
           <a:lstStyle/>
           <a:p>
-            <a:r>
-              <a:rPr lang="ja-JP" altLang="en-US" dirty="0"/>
-              <a:t>論文</a:t>
-            </a:r>
-            <a:r>
-              <a:rPr lang="ja-JP" altLang="en-US" dirty="0" err="1"/>
-              <a:t>探すのめん</a:t>
-            </a:r>
-            <a:r>
-              <a:rPr lang="ja-JP" altLang="en-US" dirty="0"/>
-              <a:t>どく</a:t>
-            </a:r>
-            <a:r>
-              <a:rPr lang="ja-JP" altLang="en-US" dirty="0" smtClean="0"/>
-              <a:t>さい、論文読むのめんどくさい</a:t>
-            </a:r>
-            <a:endParaRPr kumimoji="1" lang="ja-JP" altLang="en-US" dirty="0"/>
+            <a:endParaRPr kumimoji="1" lang="ja-JP" altLang="en-US"/>
           </a:p>
         </p:txBody>
       </p:sp>
     </p:spTree>
     <p:extLst>
       <p:ext uri="{BB962C8B-B14F-4D97-AF65-F5344CB8AC3E}">
-        <p14:creationId xmlns:p14="http://schemas.microsoft.com/office/powerpoint/2010/main" val="3505154345"/>
+        <p14:creationId xmlns:p14="http://schemas.microsoft.com/office/powerpoint/2010/main" val="1766755709"/>
       </p:ext>
     </p:extLst>
   </p:cSld>
@@ -9729,7 +9848,7 @@
           <a:bodyPr/>
           <a:lstStyle/>
           <a:p>
-            <a:endParaRPr kumimoji="1" lang="ja-JP" altLang="en-US"/>
+            <a:endParaRPr kumimoji="1" lang="ja-JP" altLang="en-US" dirty="0"/>
           </a:p>
         </p:txBody>
       </p:sp>
@@ -9745,12 +9864,26 @@
         </p:nvSpPr>
         <p:spPr/>
         <p:txBody>
-          <a:bodyPr/>
+          <a:bodyPr>
+            <a:normAutofit/>
+          </a:bodyPr>
           <a:lstStyle/>
           <a:p>
             <a:r>
-              <a:rPr kumimoji="1" lang="ja-JP" altLang="en-US" dirty="0" smtClean="0"/>
-              <a:t>査読サポート</a:t>
+              <a:rPr lang="ja-JP" altLang="en-US" dirty="0"/>
+              <a:t>論文</a:t>
+            </a:r>
+            <a:r>
+              <a:rPr lang="ja-JP" altLang="en-US" dirty="0" err="1"/>
+              <a:t>探すのめん</a:t>
+            </a:r>
+            <a:r>
+              <a:rPr lang="ja-JP" altLang="en-US" dirty="0"/>
+              <a:t>どく</a:t>
+            </a:r>
+            <a:r>
+              <a:rPr lang="ja-JP" altLang="en-US" dirty="0" smtClean="0"/>
+              <a:t>さい、論文読むのめんどくさい</a:t>
             </a:r>
             <a:endParaRPr kumimoji="1" lang="ja-JP" altLang="en-US" dirty="0"/>
           </a:p>
@@ -9759,7 +9892,7 @@
     </p:spTree>
     <p:extLst>
       <p:ext uri="{BB962C8B-B14F-4D97-AF65-F5344CB8AC3E}">
-        <p14:creationId xmlns:p14="http://schemas.microsoft.com/office/powerpoint/2010/main" val="1476161769"/>
+        <p14:creationId xmlns:p14="http://schemas.microsoft.com/office/powerpoint/2010/main" val="3505154345"/>
       </p:ext>
     </p:extLst>
   </p:cSld>

--- a/overview.pptx
+++ b/overview.pptx
@@ -5,7 +5,7 @@
     <p:sldMasterId id="2147483648" r:id="rId1"/>
   </p:sldMasterIdLst>
   <p:notesMasterIdLst>
-    <p:notesMasterId r:id="rId16"/>
+    <p:notesMasterId r:id="rId17"/>
   </p:notesMasterIdLst>
   <p:sldIdLst>
     <p:sldId id="256" r:id="rId2"/>
@@ -21,7 +21,8 @@
     <p:sldId id="270" r:id="rId12"/>
     <p:sldId id="271" r:id="rId13"/>
     <p:sldId id="264" r:id="rId14"/>
-    <p:sldId id="259" r:id="rId15"/>
+    <p:sldId id="274" r:id="rId15"/>
+    <p:sldId id="259" r:id="rId16"/>
   </p:sldIdLst>
   <p:sldSz cx="12192000" cy="6858000"/>
   <p:notesSz cx="6858000" cy="9144000"/>
@@ -206,7 +207,7 @@
             <a:fld id="{9841980D-5ED3-487F-B3E9-943BB45F7B97}" type="datetimeFigureOut">
               <a:rPr kumimoji="1" lang="ja-JP" altLang="en-US" smtClean="0"/>
               <a:pPr/>
-              <a:t>2017/4/11</a:t>
+              <a:t>2017/4/12</a:t>
             </a:fld>
             <a:endParaRPr kumimoji="1" lang="ja-JP" altLang="en-US"/>
           </a:p>
@@ -398,7 +399,7 @@
             <a:fld id="{D5E6ED6B-3F85-40A1-9484-0C501FDC6FE4}" type="slidenum">
               <a:rPr kumimoji="1" lang="ja-JP" altLang="en-US" smtClean="0"/>
               <a:pPr/>
-              <a:t>‹#›</a:t>
+              <a:t>&lt;#&gt;</a:t>
             </a:fld>
             <a:endParaRPr kumimoji="1" lang="ja-JP" altLang="en-US"/>
           </a:p>
@@ -407,7 +408,7 @@
     </p:spTree>
     <p:extLst>
       <p:ext uri="{BB962C8B-B14F-4D97-AF65-F5344CB8AC3E}">
-        <p14:creationId xmlns:p14="http://schemas.microsoft.com/office/powerpoint/2010/main" val="1647040712"/>
+        <p14:creationId xmlns:p14="http://schemas.microsoft.com/office/powerpoint/2010/main" xmlns="" val="1647040712"/>
       </p:ext>
     </p:extLst>
   </p:cSld>
@@ -582,7 +583,7 @@
     </p:spTree>
     <p:extLst>
       <p:ext uri="{BB962C8B-B14F-4D97-AF65-F5344CB8AC3E}">
-        <p14:creationId xmlns:p14="http://schemas.microsoft.com/office/powerpoint/2010/main" val="1657077930"/>
+        <p14:creationId xmlns:p14="http://schemas.microsoft.com/office/powerpoint/2010/main" xmlns="" val="1657077930"/>
       </p:ext>
     </p:extLst>
   </p:cSld>
@@ -739,7 +740,7 @@
           <a:blip r:embed="rId2" cstate="print">
             <a:extLst>
               <a:ext uri="{28A0092B-C50C-407E-A947-70E740481C1C}">
-                <a14:useLocalDpi xmlns:a14="http://schemas.microsoft.com/office/drawing/2010/main" val="0"/>
+                <a14:useLocalDpi xmlns:a14="http://schemas.microsoft.com/office/drawing/2010/main" xmlns="" val="0"/>
               </a:ext>
             </a:extLst>
           </a:blip>
@@ -825,7 +826,7 @@
     </p:spTree>
     <p:extLst>
       <p:ext uri="{BB962C8B-B14F-4D97-AF65-F5344CB8AC3E}">
-        <p14:creationId xmlns:p14="http://schemas.microsoft.com/office/powerpoint/2010/main" val="3004416884"/>
+        <p14:creationId xmlns:p14="http://schemas.microsoft.com/office/powerpoint/2010/main" xmlns="" val="3004416884"/>
       </p:ext>
     </p:extLst>
   </p:cSld>
@@ -888,7 +889,7 @@
             <a:fld id="{80B61DEA-751C-4EFC-848A-C896179D47AE}" type="slidenum">
               <a:rPr kumimoji="1" lang="ja-JP" altLang="en-US" smtClean="0"/>
               <a:pPr/>
-              <a:t>‹#›</a:t>
+              <a:t>&lt;#&gt;</a:t>
             </a:fld>
             <a:endParaRPr kumimoji="1" lang="ja-JP" altLang="en-US"/>
           </a:p>
@@ -1182,7 +1183,7 @@
           <a:blip r:embed="rId2" cstate="print">
             <a:extLst>
               <a:ext uri="{28A0092B-C50C-407E-A947-70E740481C1C}">
-                <a14:useLocalDpi xmlns:a14="http://schemas.microsoft.com/office/drawing/2010/main" val="0"/>
+                <a14:useLocalDpi xmlns:a14="http://schemas.microsoft.com/office/drawing/2010/main" xmlns="" val="0"/>
               </a:ext>
             </a:extLst>
           </a:blip>
@@ -1203,7 +1204,7 @@
     </p:spTree>
     <p:extLst>
       <p:ext uri="{BB962C8B-B14F-4D97-AF65-F5344CB8AC3E}">
-        <p14:creationId xmlns:p14="http://schemas.microsoft.com/office/powerpoint/2010/main" val="4214205409"/>
+        <p14:creationId xmlns:p14="http://schemas.microsoft.com/office/powerpoint/2010/main" xmlns="" val="4214205409"/>
       </p:ext>
     </p:extLst>
   </p:cSld>
@@ -1323,7 +1324,7 @@
           <a:blip r:embed="rId2" cstate="print">
             <a:extLst>
               <a:ext uri="{28A0092B-C50C-407E-A947-70E740481C1C}">
-                <a14:useLocalDpi xmlns:a14="http://schemas.microsoft.com/office/drawing/2010/main" val="0"/>
+                <a14:useLocalDpi xmlns:a14="http://schemas.microsoft.com/office/drawing/2010/main" xmlns="" val="0"/>
               </a:ext>
             </a:extLst>
           </a:blip>
@@ -1377,7 +1378,7 @@
             <a:fld id="{80B61DEA-751C-4EFC-848A-C896179D47AE}" type="slidenum">
               <a:rPr kumimoji="1" lang="ja-JP" altLang="en-US" smtClean="0"/>
               <a:pPr/>
-              <a:t>‹#›</a:t>
+              <a:t>&lt;#&gt;</a:t>
             </a:fld>
             <a:endParaRPr kumimoji="1" lang="ja-JP" altLang="en-US"/>
           </a:p>
@@ -1423,7 +1424,7 @@
     </p:spTree>
     <p:extLst>
       <p:ext uri="{BB962C8B-B14F-4D97-AF65-F5344CB8AC3E}">
-        <p14:creationId xmlns:p14="http://schemas.microsoft.com/office/powerpoint/2010/main" val="3620504976"/>
+        <p14:creationId xmlns:p14="http://schemas.microsoft.com/office/powerpoint/2010/main" xmlns="" val="3620504976"/>
       </p:ext>
     </p:extLst>
   </p:cSld>
@@ -1486,7 +1487,7 @@
             <a:fld id="{80B61DEA-751C-4EFC-848A-C896179D47AE}" type="slidenum">
               <a:rPr kumimoji="1" lang="ja-JP" altLang="en-US" smtClean="0"/>
               <a:pPr/>
-              <a:t>‹#›</a:t>
+              <a:t>&lt;#&gt;</a:t>
             </a:fld>
             <a:endParaRPr kumimoji="1" lang="ja-JP" altLang="en-US"/>
           </a:p>
@@ -1650,7 +1651,7 @@
     </p:spTree>
     <p:extLst>
       <p:ext uri="{BB962C8B-B14F-4D97-AF65-F5344CB8AC3E}">
-        <p14:creationId xmlns:p14="http://schemas.microsoft.com/office/powerpoint/2010/main" val="646152418"/>
+        <p14:creationId xmlns:p14="http://schemas.microsoft.com/office/powerpoint/2010/main" xmlns="" val="646152418"/>
       </p:ext>
     </p:extLst>
   </p:cSld>
@@ -1713,7 +1714,7 @@
             <a:fld id="{78817559-BB6D-4C96-94D1-43E03D71EB93}" type="datetime1">
               <a:rPr kumimoji="1" lang="ja-JP" altLang="en-US" smtClean="0"/>
               <a:pPr/>
-              <a:t>2017/4/11</a:t>
+              <a:t>2017/4/12</a:t>
             </a:fld>
             <a:endParaRPr kumimoji="1" lang="ja-JP" altLang="en-US" dirty="0"/>
           </a:p>
@@ -1755,7 +1756,7 @@
             <a:fld id="{80B61DEA-751C-4EFC-848A-C896179D47AE}" type="slidenum">
               <a:rPr kumimoji="1" lang="ja-JP" altLang="en-US" smtClean="0"/>
               <a:pPr/>
-              <a:t>‹#›</a:t>
+              <a:t>&lt;#&gt;</a:t>
             </a:fld>
             <a:endParaRPr kumimoji="1" lang="ja-JP" altLang="en-US"/>
           </a:p>
@@ -2064,7 +2065,7 @@
           <a:blip r:embed="rId2" cstate="print">
             <a:extLst>
               <a:ext uri="{28A0092B-C50C-407E-A947-70E740481C1C}">
-                <a14:useLocalDpi xmlns:a14="http://schemas.microsoft.com/office/drawing/2010/main" val="0"/>
+                <a14:useLocalDpi xmlns:a14="http://schemas.microsoft.com/office/drawing/2010/main" xmlns="" val="0"/>
               </a:ext>
             </a:extLst>
           </a:blip>
@@ -2221,7 +2222,7 @@
     </p:spTree>
     <p:extLst>
       <p:ext uri="{BB962C8B-B14F-4D97-AF65-F5344CB8AC3E}">
-        <p14:creationId xmlns:p14="http://schemas.microsoft.com/office/powerpoint/2010/main" val="1584837141"/>
+        <p14:creationId xmlns:p14="http://schemas.microsoft.com/office/powerpoint/2010/main" xmlns="" val="1584837141"/>
       </p:ext>
     </p:extLst>
   </p:cSld>
@@ -2285,7 +2286,7 @@
             <a:fld id="{80B61DEA-751C-4EFC-848A-C896179D47AE}" type="slidenum">
               <a:rPr kumimoji="1" lang="ja-JP" altLang="en-US" smtClean="0"/>
               <a:pPr/>
-              <a:t>‹#›</a:t>
+              <a:t>&lt;#&gt;</a:t>
             </a:fld>
             <a:endParaRPr kumimoji="1" lang="ja-JP" altLang="en-US"/>
           </a:p>
@@ -2594,7 +2595,7 @@
           <a:blip r:embed="rId2" cstate="print">
             <a:extLst>
               <a:ext uri="{28A0092B-C50C-407E-A947-70E740481C1C}">
-                <a14:useLocalDpi xmlns:a14="http://schemas.microsoft.com/office/drawing/2010/main" val="0"/>
+                <a14:useLocalDpi xmlns:a14="http://schemas.microsoft.com/office/drawing/2010/main" xmlns="" val="0"/>
               </a:ext>
             </a:extLst>
           </a:blip>
@@ -3071,7 +3072,7 @@
     </p:spTree>
     <p:extLst>
       <p:ext uri="{BB962C8B-B14F-4D97-AF65-F5344CB8AC3E}">
-        <p14:creationId xmlns:p14="http://schemas.microsoft.com/office/powerpoint/2010/main" val="1163927299"/>
+        <p14:creationId xmlns:p14="http://schemas.microsoft.com/office/powerpoint/2010/main" xmlns="" val="1163927299"/>
       </p:ext>
     </p:extLst>
   </p:cSld>
@@ -3147,7 +3148,7 @@
           <a:blip r:embed="rId2" cstate="print">
             <a:extLst>
               <a:ext uri="{28A0092B-C50C-407E-A947-70E740481C1C}">
-                <a14:useLocalDpi xmlns:a14="http://schemas.microsoft.com/office/drawing/2010/main" val="0"/>
+                <a14:useLocalDpi xmlns:a14="http://schemas.microsoft.com/office/drawing/2010/main" xmlns="" val="0"/>
               </a:ext>
             </a:extLst>
           </a:blip>
@@ -3201,7 +3202,7 @@
             <a:fld id="{80B61DEA-751C-4EFC-848A-C896179D47AE}" type="slidenum">
               <a:rPr kumimoji="1" lang="ja-JP" altLang="en-US" smtClean="0"/>
               <a:pPr/>
-              <a:t>‹#›</a:t>
+              <a:t>&lt;#&gt;</a:t>
             </a:fld>
             <a:endParaRPr kumimoji="1" lang="ja-JP" altLang="en-US"/>
           </a:p>
@@ -3210,7 +3211,7 @@
     </p:spTree>
     <p:extLst>
       <p:ext uri="{BB962C8B-B14F-4D97-AF65-F5344CB8AC3E}">
-        <p14:creationId xmlns:p14="http://schemas.microsoft.com/office/powerpoint/2010/main" val="853120211"/>
+        <p14:creationId xmlns:p14="http://schemas.microsoft.com/office/powerpoint/2010/main" xmlns="" val="853120211"/>
       </p:ext>
     </p:extLst>
   </p:cSld>
@@ -3280,7 +3281,7 @@
             <a:fld id="{80B61DEA-751C-4EFC-848A-C896179D47AE}" type="slidenum">
               <a:rPr kumimoji="1" lang="ja-JP" altLang="en-US" smtClean="0"/>
               <a:pPr/>
-              <a:t>‹#›</a:t>
+              <a:t>&lt;#&gt;</a:t>
             </a:fld>
             <a:endParaRPr kumimoji="1" lang="ja-JP" altLang="en-US"/>
           </a:p>
@@ -3289,7 +3290,7 @@
     </p:spTree>
     <p:extLst>
       <p:ext uri="{BB962C8B-B14F-4D97-AF65-F5344CB8AC3E}">
-        <p14:creationId xmlns:p14="http://schemas.microsoft.com/office/powerpoint/2010/main" val="3099946962"/>
+        <p14:creationId xmlns:p14="http://schemas.microsoft.com/office/powerpoint/2010/main" xmlns="" val="3099946962"/>
       </p:ext>
     </p:extLst>
   </p:cSld>
@@ -3335,7 +3336,7 @@
           <a:blip r:embed="rId2" cstate="print">
             <a:extLst>
               <a:ext uri="{28A0092B-C50C-407E-A947-70E740481C1C}">
-                <a14:useLocalDpi xmlns:a14="http://schemas.microsoft.com/office/drawing/2010/main" val="0"/>
+                <a14:useLocalDpi xmlns:a14="http://schemas.microsoft.com/office/drawing/2010/main" xmlns="" val="0"/>
               </a:ext>
             </a:extLst>
           </a:blip>
@@ -3389,7 +3390,7 @@
             <a:fld id="{80B61DEA-751C-4EFC-848A-C896179D47AE}" type="slidenum">
               <a:rPr kumimoji="1" lang="ja-JP" altLang="en-US" smtClean="0"/>
               <a:pPr/>
-              <a:t>‹#›</a:t>
+              <a:t>&lt;#&gt;</a:t>
             </a:fld>
             <a:endParaRPr kumimoji="1" lang="ja-JP" altLang="en-US"/>
           </a:p>
@@ -3398,7 +3399,7 @@
     </p:spTree>
     <p:extLst>
       <p:ext uri="{BB962C8B-B14F-4D97-AF65-F5344CB8AC3E}">
-        <p14:creationId xmlns:p14="http://schemas.microsoft.com/office/powerpoint/2010/main" val="2408143909"/>
+        <p14:creationId xmlns:p14="http://schemas.microsoft.com/office/powerpoint/2010/main" xmlns="" val="2408143909"/>
       </p:ext>
     </p:extLst>
   </p:cSld>
@@ -3621,7 +3622,7 @@
             <a:fld id="{80B61DEA-751C-4EFC-848A-C896179D47AE}" type="slidenum">
               <a:rPr kumimoji="1" lang="ja-JP" altLang="en-US" smtClean="0"/>
               <a:pPr/>
-              <a:t>‹#›</a:t>
+              <a:t>&lt;#&gt;</a:t>
             </a:fld>
             <a:endParaRPr kumimoji="1" lang="ja-JP" altLang="en-US"/>
           </a:p>
@@ -3743,7 +3744,7 @@
     </p:spTree>
     <p:extLst>
       <p:ext uri="{BB962C8B-B14F-4D97-AF65-F5344CB8AC3E}">
-        <p14:creationId xmlns:p14="http://schemas.microsoft.com/office/powerpoint/2010/main" val="3722099324"/>
+        <p14:creationId xmlns:p14="http://schemas.microsoft.com/office/powerpoint/2010/main" xmlns="" val="3722099324"/>
       </p:ext>
     </p:extLst>
   </p:cSld>
@@ -4077,7 +4078,15 @@
           <a:p>
             <a:r>
               <a:rPr kumimoji="1" lang="en-US" altLang="ja-JP" dirty="0" smtClean="0"/>
-              <a:t>Paper Graph</a:t>
+              <a:t>Paper </a:t>
+            </a:r>
+            <a:r>
+              <a:rPr kumimoji="1" lang="en-US" altLang="ja-JP" dirty="0" smtClean="0"/>
+              <a:t>Graph</a:t>
+            </a:r>
+            <a:r>
+              <a:rPr lang="ja-JP" altLang="en-US" dirty="0" smtClean="0"/>
+              <a:t> 作ってます</a:t>
             </a:r>
             <a:endParaRPr kumimoji="1" lang="ja-JP" altLang="en-US" dirty="0"/>
           </a:p>
@@ -4246,7 +4255,7 @@
     </p:spTree>
     <p:extLst>
       <p:ext uri="{BB962C8B-B14F-4D97-AF65-F5344CB8AC3E}">
-        <p14:creationId xmlns:p14="http://schemas.microsoft.com/office/powerpoint/2010/main" val="291693654"/>
+        <p14:creationId xmlns:p14="http://schemas.microsoft.com/office/powerpoint/2010/main" xmlns="" val="291693654"/>
       </p:ext>
     </p:extLst>
   </p:cSld>
@@ -4349,7 +4358,7 @@
     </p:spTree>
     <p:extLst>
       <p:ext uri="{BB962C8B-B14F-4D97-AF65-F5344CB8AC3E}">
-        <p14:creationId xmlns:p14="http://schemas.microsoft.com/office/powerpoint/2010/main" val="1476161769"/>
+        <p14:creationId xmlns:p14="http://schemas.microsoft.com/office/powerpoint/2010/main" xmlns="" val="1476161769"/>
       </p:ext>
     </p:extLst>
   </p:cSld>
@@ -4449,7 +4458,7 @@
     </p:spTree>
     <p:extLst>
       <p:ext uri="{BB962C8B-B14F-4D97-AF65-F5344CB8AC3E}">
-        <p14:creationId xmlns:p14="http://schemas.microsoft.com/office/powerpoint/2010/main" val="1432098372"/>
+        <p14:creationId xmlns:p14="http://schemas.microsoft.com/office/powerpoint/2010/main" xmlns="" val="1432098372"/>
       </p:ext>
     </p:extLst>
   </p:cSld>
@@ -4545,7 +4554,7 @@
     </p:spTree>
     <p:extLst>
       <p:ext uri="{BB962C8B-B14F-4D97-AF65-F5344CB8AC3E}">
-        <p14:creationId xmlns:p14="http://schemas.microsoft.com/office/powerpoint/2010/main" val="2129745687"/>
+        <p14:creationId xmlns:p14="http://schemas.microsoft.com/office/powerpoint/2010/main" xmlns="" val="2129745687"/>
       </p:ext>
     </p:extLst>
   </p:cSld>
@@ -4668,7 +4677,7 @@
     </p:spTree>
     <p:extLst>
       <p:ext uri="{BB962C8B-B14F-4D97-AF65-F5344CB8AC3E}">
-        <p14:creationId xmlns:p14="http://schemas.microsoft.com/office/powerpoint/2010/main" val="1975414422"/>
+        <p14:creationId xmlns:p14="http://schemas.microsoft.com/office/powerpoint/2010/main" xmlns="" val="1975414422"/>
       </p:ext>
     </p:extLst>
   </p:cSld>
@@ -4697,6 +4706,109 @@
       </p:grpSpPr>
       <p:sp>
         <p:nvSpPr>
+          <p:cNvPr id="2" name="スライド番号プレースホルダ 1"/>
+          <p:cNvSpPr>
+            <a:spLocks noGrp="1"/>
+          </p:cNvSpPr>
+          <p:nvPr>
+            <p:ph type="sldNum" sz="quarter" idx="4"/>
+          </p:nvPr>
+        </p:nvSpPr>
+        <p:spPr/>
+        <p:txBody>
+          <a:bodyPr/>
+          <a:lstStyle/>
+          <a:p>
+            <a:fld id="{80B61DEA-751C-4EFC-848A-C896179D47AE}" type="slidenum">
+              <a:rPr kumimoji="1" lang="ja-JP" altLang="en-US" smtClean="0"/>
+              <a:pPr/>
+              <a:t>14</a:t>
+            </a:fld>
+            <a:endParaRPr kumimoji="1" lang="ja-JP" altLang="en-US"/>
+          </a:p>
+        </p:txBody>
+      </p:sp>
+      <p:sp>
+        <p:nvSpPr>
+          <p:cNvPr id="3" name="コンテンツ プレースホルダ 2"/>
+          <p:cNvSpPr>
+            <a:spLocks noGrp="1"/>
+          </p:cNvSpPr>
+          <p:nvPr>
+            <p:ph idx="1"/>
+          </p:nvPr>
+        </p:nvSpPr>
+        <p:spPr/>
+        <p:txBody>
+          <a:bodyPr/>
+          <a:lstStyle/>
+          <a:p>
+            <a:endParaRPr kumimoji="1" lang="ja-JP" altLang="en-US" dirty="0"/>
+          </a:p>
+        </p:txBody>
+      </p:sp>
+      <p:sp>
+        <p:nvSpPr>
+          <p:cNvPr id="4" name="タイトル 3"/>
+          <p:cNvSpPr>
+            <a:spLocks noGrp="1"/>
+          </p:cNvSpPr>
+          <p:nvPr>
+            <p:ph type="title"/>
+          </p:nvPr>
+        </p:nvSpPr>
+        <p:spPr/>
+        <p:txBody>
+          <a:bodyPr/>
+          <a:lstStyle/>
+          <a:p>
+            <a:r>
+              <a:rPr kumimoji="1" lang="ja-JP" altLang="en-US" dirty="0" smtClean="0"/>
+              <a:t>論文</a:t>
+            </a:r>
+            <a:r>
+              <a:rPr lang="en-US" altLang="ja-JP" dirty="0" smtClean="0"/>
+              <a:t> </a:t>
+            </a:r>
+            <a:r>
+              <a:rPr lang="en-US" altLang="ja-JP" dirty="0" smtClean="0"/>
+              <a:t>– </a:t>
+            </a:r>
+            <a:r>
+              <a:rPr lang="ja-JP" altLang="en-US" smtClean="0"/>
+              <a:t>ニュースの関係</a:t>
+            </a:r>
+            <a:endParaRPr kumimoji="1" lang="ja-JP" altLang="en-US"/>
+          </a:p>
+        </p:txBody>
+      </p:sp>
+    </p:spTree>
+  </p:cSld>
+  <p:clrMapOvr>
+    <a:masterClrMapping/>
+  </p:clrMapOvr>
+</p:sld>
+</file>
+
+<file path=ppt/slides/slide15.xml><?xml version="1.0" encoding="utf-8"?>
+<p:sld xmlns:a="http://schemas.openxmlformats.org/drawingml/2006/main" xmlns:r="http://schemas.openxmlformats.org/officeDocument/2006/relationships" xmlns:p="http://schemas.openxmlformats.org/presentationml/2006/main">
+  <p:cSld>
+    <p:spTree>
+      <p:nvGrpSpPr>
+        <p:cNvPr id="1" name=""/>
+        <p:cNvGrpSpPr/>
+        <p:nvPr/>
+      </p:nvGrpSpPr>
+      <p:grpSpPr>
+        <a:xfrm>
+          <a:off x="0" y="0"/>
+          <a:ext cx="0" cy="0"/>
+          <a:chOff x="0" y="0"/>
+          <a:chExt cx="0" cy="0"/>
+        </a:xfrm>
+      </p:grpSpPr>
+      <p:sp>
+        <p:nvSpPr>
           <p:cNvPr id="2" name="スライド番号プレースホルダー 1"/>
           <p:cNvSpPr>
             <a:spLocks noGrp="1"/>
@@ -4713,7 +4825,7 @@
             <a:fld id="{80B61DEA-751C-4EFC-848A-C896179D47AE}" type="slidenum">
               <a:rPr kumimoji="1" lang="ja-JP" altLang="en-US" smtClean="0"/>
               <a:pPr/>
-              <a:t>14</a:t>
+              <a:t>15</a:t>
             </a:fld>
             <a:endParaRPr kumimoji="1" lang="ja-JP" altLang="en-US"/>
           </a:p>
@@ -4722,7 +4834,7 @@
     </p:spTree>
     <p:extLst>
       <p:ext uri="{BB962C8B-B14F-4D97-AF65-F5344CB8AC3E}">
-        <p14:creationId xmlns:p14="http://schemas.microsoft.com/office/powerpoint/2010/main" val="2288468216"/>
+        <p14:creationId xmlns:p14="http://schemas.microsoft.com/office/powerpoint/2010/main" xmlns="" val="2288468216"/>
       </p:ext>
     </p:extLst>
   </p:cSld>
@@ -4890,7 +5002,7 @@
     </p:spTree>
     <p:extLst>
       <p:ext uri="{BB962C8B-B14F-4D97-AF65-F5344CB8AC3E}">
-        <p14:creationId xmlns:p14="http://schemas.microsoft.com/office/powerpoint/2010/main" val="1846401246"/>
+        <p14:creationId xmlns:p14="http://schemas.microsoft.com/office/powerpoint/2010/main" xmlns="" val="1846401246"/>
       </p:ext>
     </p:extLst>
   </p:cSld>
@@ -5052,7 +5164,7 @@
             <a:blip r:embed="rId3" cstate="print">
               <a:extLst>
                 <a:ext uri="{28A0092B-C50C-407E-A947-70E740481C1C}">
-                  <a14:useLocalDpi xmlns:a14="http://schemas.microsoft.com/office/drawing/2010/main" val="0"/>
+                  <a14:useLocalDpi xmlns:a14="http://schemas.microsoft.com/office/drawing/2010/main" xmlns="" val="0"/>
                 </a:ext>
               </a:extLst>
             </a:blip>
@@ -5075,14 +5187,14 @@
             </a:ln>
             <a:extLst>
               <a:ext uri="{909E8E84-426E-40DD-AFC4-6F175D3DCCD1}">
-                <a14:hiddenFill xmlns:a14="http://schemas.microsoft.com/office/drawing/2010/main">
+                <a14:hiddenFill xmlns:a14="http://schemas.microsoft.com/office/drawing/2010/main" xmlns="">
                   <a:solidFill>
                     <a:schemeClr val="accent1"/>
                   </a:solidFill>
                 </a14:hiddenFill>
               </a:ext>
               <a:ext uri="{91240B29-F687-4F45-9708-019B960494DF}">
-                <a14:hiddenLine xmlns:a14="http://schemas.microsoft.com/office/drawing/2010/main" w="9525">
+                <a14:hiddenLine xmlns:a14="http://schemas.microsoft.com/office/drawing/2010/main" xmlns="" w="9525">
                   <a:solidFill>
                     <a:schemeClr val="tx1"/>
                   </a:solidFill>
@@ -5106,7 +5218,7 @@
             <a:blip r:embed="rId3" cstate="print">
               <a:extLst>
                 <a:ext uri="{28A0092B-C50C-407E-A947-70E740481C1C}">
-                  <a14:useLocalDpi xmlns:a14="http://schemas.microsoft.com/office/drawing/2010/main" val="0"/>
+                  <a14:useLocalDpi xmlns:a14="http://schemas.microsoft.com/office/drawing/2010/main" xmlns="" val="0"/>
                 </a:ext>
               </a:extLst>
             </a:blip>
@@ -5129,14 +5241,14 @@
             </a:ln>
             <a:extLst>
               <a:ext uri="{909E8E84-426E-40DD-AFC4-6F175D3DCCD1}">
-                <a14:hiddenFill xmlns:a14="http://schemas.microsoft.com/office/drawing/2010/main">
+                <a14:hiddenFill xmlns:a14="http://schemas.microsoft.com/office/drawing/2010/main" xmlns="">
                   <a:solidFill>
                     <a:schemeClr val="accent1"/>
                   </a:solidFill>
                 </a14:hiddenFill>
               </a:ext>
               <a:ext uri="{91240B29-F687-4F45-9708-019B960494DF}">
-                <a14:hiddenLine xmlns:a14="http://schemas.microsoft.com/office/drawing/2010/main" w="9525">
+                <a14:hiddenLine xmlns:a14="http://schemas.microsoft.com/office/drawing/2010/main" xmlns="" w="9525">
                   <a:solidFill>
                     <a:schemeClr val="tx1"/>
                   </a:solidFill>
@@ -5160,7 +5272,7 @@
             <a:blip r:embed="rId3" cstate="print">
               <a:extLst>
                 <a:ext uri="{28A0092B-C50C-407E-A947-70E740481C1C}">
-                  <a14:useLocalDpi xmlns:a14="http://schemas.microsoft.com/office/drawing/2010/main" val="0"/>
+                  <a14:useLocalDpi xmlns:a14="http://schemas.microsoft.com/office/drawing/2010/main" xmlns="" val="0"/>
                 </a:ext>
               </a:extLst>
             </a:blip>
@@ -5183,14 +5295,14 @@
             </a:ln>
             <a:extLst>
               <a:ext uri="{909E8E84-426E-40DD-AFC4-6F175D3DCCD1}">
-                <a14:hiddenFill xmlns:a14="http://schemas.microsoft.com/office/drawing/2010/main">
+                <a14:hiddenFill xmlns:a14="http://schemas.microsoft.com/office/drawing/2010/main" xmlns="">
                   <a:solidFill>
                     <a:schemeClr val="accent1"/>
                   </a:solidFill>
                 </a14:hiddenFill>
               </a:ext>
               <a:ext uri="{91240B29-F687-4F45-9708-019B960494DF}">
-                <a14:hiddenLine xmlns:a14="http://schemas.microsoft.com/office/drawing/2010/main" w="9525">
+                <a14:hiddenLine xmlns:a14="http://schemas.microsoft.com/office/drawing/2010/main" xmlns="" w="9525">
                   <a:solidFill>
                     <a:schemeClr val="tx1"/>
                   </a:solidFill>
@@ -5214,7 +5326,7 @@
             <a:blip r:embed="rId3" cstate="print">
               <a:extLst>
                 <a:ext uri="{28A0092B-C50C-407E-A947-70E740481C1C}">
-                  <a14:useLocalDpi xmlns:a14="http://schemas.microsoft.com/office/drawing/2010/main" val="0"/>
+                  <a14:useLocalDpi xmlns:a14="http://schemas.microsoft.com/office/drawing/2010/main" xmlns="" val="0"/>
                 </a:ext>
               </a:extLst>
             </a:blip>
@@ -5237,14 +5349,14 @@
             </a:ln>
             <a:extLst>
               <a:ext uri="{909E8E84-426E-40DD-AFC4-6F175D3DCCD1}">
-                <a14:hiddenFill xmlns:a14="http://schemas.microsoft.com/office/drawing/2010/main">
+                <a14:hiddenFill xmlns:a14="http://schemas.microsoft.com/office/drawing/2010/main" xmlns="">
                   <a:solidFill>
                     <a:schemeClr val="accent1"/>
                   </a:solidFill>
                 </a14:hiddenFill>
               </a:ext>
               <a:ext uri="{91240B29-F687-4F45-9708-019B960494DF}">
-                <a14:hiddenLine xmlns:a14="http://schemas.microsoft.com/office/drawing/2010/main" w="9525">
+                <a14:hiddenLine xmlns:a14="http://schemas.microsoft.com/office/drawing/2010/main" xmlns="" w="9525">
                   <a:solidFill>
                     <a:schemeClr val="tx1"/>
                   </a:solidFill>
@@ -5634,7 +5746,7 @@
           <a:blip r:embed="rId4" cstate="print">
             <a:extLst>
               <a:ext uri="{28A0092B-C50C-407E-A947-70E740481C1C}">
-                <a14:useLocalDpi xmlns:a14="http://schemas.microsoft.com/office/drawing/2010/main" val="0"/>
+                <a14:useLocalDpi xmlns:a14="http://schemas.microsoft.com/office/drawing/2010/main" xmlns="" val="0"/>
               </a:ext>
             </a:extLst>
           </a:blip>
@@ -5661,7 +5773,7 @@
           </a:ln>
           <a:extLst>
             <a:ext uri="{909E8E84-426E-40DD-AFC4-6F175D3DCCD1}">
-              <a14:hiddenFill xmlns:a14="http://schemas.microsoft.com/office/drawing/2010/main">
+              <a14:hiddenFill xmlns:a14="http://schemas.microsoft.com/office/drawing/2010/main" xmlns="">
                 <a:solidFill>
                   <a:srgbClr val="FFFFFF"/>
                 </a:solidFill>
@@ -5712,7 +5824,7 @@
           <a:blip r:embed="rId5" cstate="print">
             <a:extLst>
               <a:ext uri="{28A0092B-C50C-407E-A947-70E740481C1C}">
-                <a14:useLocalDpi xmlns:a14="http://schemas.microsoft.com/office/drawing/2010/main" val="0"/>
+                <a14:useLocalDpi xmlns:a14="http://schemas.microsoft.com/office/drawing/2010/main" xmlns="" val="0"/>
               </a:ext>
             </a:extLst>
           </a:blip>
@@ -5732,7 +5844,7 @@
           <a:noFill/>
           <a:extLst>
             <a:ext uri="{909E8E84-426E-40DD-AFC4-6F175D3DCCD1}">
-              <a14:hiddenFill xmlns:a14="http://schemas.microsoft.com/office/drawing/2010/main">
+              <a14:hiddenFill xmlns:a14="http://schemas.microsoft.com/office/drawing/2010/main" xmlns="">
                 <a:solidFill>
                   <a:srgbClr val="FFFFFF"/>
                 </a:solidFill>
@@ -5753,7 +5865,7 @@
           <a:blip r:embed="rId6" cstate="print">
             <a:extLst>
               <a:ext uri="{28A0092B-C50C-407E-A947-70E740481C1C}">
-                <a14:useLocalDpi xmlns:a14="http://schemas.microsoft.com/office/drawing/2010/main" val="0"/>
+                <a14:useLocalDpi xmlns:a14="http://schemas.microsoft.com/office/drawing/2010/main" xmlns="" val="0"/>
               </a:ext>
             </a:extLst>
           </a:blip>
@@ -5773,7 +5885,7 @@
           <a:noFill/>
           <a:extLst>
             <a:ext uri="{909E8E84-426E-40DD-AFC4-6F175D3DCCD1}">
-              <a14:hiddenFill xmlns:a14="http://schemas.microsoft.com/office/drawing/2010/main">
+              <a14:hiddenFill xmlns:a14="http://schemas.microsoft.com/office/drawing/2010/main" xmlns="">
                 <a:solidFill>
                   <a:srgbClr val="FFFFFF"/>
                 </a:solidFill>
@@ -7000,7 +7112,7 @@
           <a:blip r:embed="rId6" cstate="print">
             <a:extLst>
               <a:ext uri="{28A0092B-C50C-407E-A947-70E740481C1C}">
-                <a14:useLocalDpi xmlns:a14="http://schemas.microsoft.com/office/drawing/2010/main" val="0"/>
+                <a14:useLocalDpi xmlns:a14="http://schemas.microsoft.com/office/drawing/2010/main" xmlns="" val="0"/>
               </a:ext>
             </a:extLst>
           </a:blip>
@@ -7020,7 +7132,7 @@
           <a:noFill/>
           <a:extLst>
             <a:ext uri="{909E8E84-426E-40DD-AFC4-6F175D3DCCD1}">
-              <a14:hiddenFill xmlns:a14="http://schemas.microsoft.com/office/drawing/2010/main">
+              <a14:hiddenFill xmlns:a14="http://schemas.microsoft.com/office/drawing/2010/main" xmlns="">
                 <a:solidFill>
                   <a:srgbClr val="FFFFFF"/>
                 </a:solidFill>
@@ -7472,7 +7584,7 @@
           <a:blip r:embed="rId7" cstate="print">
             <a:extLst>
               <a:ext uri="{28A0092B-C50C-407E-A947-70E740481C1C}">
-                <a14:useLocalDpi xmlns:a14="http://schemas.microsoft.com/office/drawing/2010/main" val="0"/>
+                <a14:useLocalDpi xmlns:a14="http://schemas.microsoft.com/office/drawing/2010/main" xmlns="" val="0"/>
               </a:ext>
             </a:extLst>
           </a:blip>
@@ -7497,7 +7609,7 @@
           </a:ln>
           <a:extLst>
             <a:ext uri="{909E8E84-426E-40DD-AFC4-6F175D3DCCD1}">
-              <a14:hiddenFill xmlns:a14="http://schemas.microsoft.com/office/drawing/2010/main">
+              <a14:hiddenFill xmlns:a14="http://schemas.microsoft.com/office/drawing/2010/main" xmlns="">
                 <a:solidFill>
                   <a:srgbClr val="FFFFFF"/>
                 </a:solidFill>
@@ -7798,7 +7910,7 @@
           <a:blip r:embed="rId3" cstate="print">
             <a:extLst>
               <a:ext uri="{28A0092B-C50C-407E-A947-70E740481C1C}">
-                <a14:useLocalDpi xmlns:a14="http://schemas.microsoft.com/office/drawing/2010/main" val="0"/>
+                <a14:useLocalDpi xmlns:a14="http://schemas.microsoft.com/office/drawing/2010/main" xmlns="" val="0"/>
               </a:ext>
             </a:extLst>
           </a:blip>
@@ -7821,14 +7933,14 @@
           </a:ln>
           <a:extLst>
             <a:ext uri="{909E8E84-426E-40DD-AFC4-6F175D3DCCD1}">
-              <a14:hiddenFill xmlns:a14="http://schemas.microsoft.com/office/drawing/2010/main">
+              <a14:hiddenFill xmlns:a14="http://schemas.microsoft.com/office/drawing/2010/main" xmlns="">
                 <a:solidFill>
                   <a:schemeClr val="accent1"/>
                 </a:solidFill>
               </a14:hiddenFill>
             </a:ext>
             <a:ext uri="{91240B29-F687-4F45-9708-019B960494DF}">
-              <a14:hiddenLine xmlns:a14="http://schemas.microsoft.com/office/drawing/2010/main" w="9525">
+              <a14:hiddenLine xmlns:a14="http://schemas.microsoft.com/office/drawing/2010/main" xmlns="" w="9525">
                 <a:solidFill>
                   <a:schemeClr val="tx1"/>
                 </a:solidFill>
@@ -8516,7 +8628,7 @@
     </p:spTree>
     <p:extLst>
       <p:ext uri="{BB962C8B-B14F-4D97-AF65-F5344CB8AC3E}">
-        <p14:creationId xmlns:p14="http://schemas.microsoft.com/office/powerpoint/2010/main" val="1904809622"/>
+        <p14:creationId xmlns:p14="http://schemas.microsoft.com/office/powerpoint/2010/main" xmlns="" val="1904809622"/>
       </p:ext>
     </p:extLst>
   </p:cSld>
@@ -8903,7 +9015,7 @@
           <p:nvPr>
             <p:extLst>
               <p:ext uri="{D42A27DB-BD31-4B8C-83A1-F6EECF244321}">
-                <p14:modId xmlns:p14="http://schemas.microsoft.com/office/powerpoint/2010/main" val="4217036266"/>
+                <p14:modId xmlns:p14="http://schemas.microsoft.com/office/powerpoint/2010/main" xmlns="" val="4217036266"/>
               </p:ext>
             </p:extLst>
           </p:nvPr>
@@ -8914,40 +9026,9 @@
         </p:xfrm>
         <a:graphic>
           <a:graphicData uri="http://schemas.openxmlformats.org/presentationml/2006/ole">
-            <mc:AlternateContent xmlns:mc="http://schemas.openxmlformats.org/markup-compatibility/2006">
-              <mc:Choice xmlns:v="urn:schemas-microsoft-com:vml" Requires="v">
-                <p:oleObj spid="_x0000_s1142" name="数式" r:id="rId3" imgW="152280" imgH="215640" progId="Equation.3">
-                  <p:embed/>
-                </p:oleObj>
-              </mc:Choice>
-              <mc:Fallback>
-                <p:oleObj name="数式" r:id="rId3" imgW="152280" imgH="215640" progId="Equation.3">
-                  <p:embed/>
-                  <p:pic>
-                    <p:nvPicPr>
-                      <p:cNvPr id="0" name=""/>
-                      <p:cNvPicPr/>
-                      <p:nvPr/>
-                    </p:nvPicPr>
-                    <p:blipFill>
-                      <a:blip r:embed="rId4"/>
-                      <a:stretch>
-                        <a:fillRect/>
-                      </a:stretch>
-                    </p:blipFill>
-                    <p:spPr>
-                      <a:xfrm>
-                        <a:off x="4237355" y="1430605"/>
-                        <a:ext cx="379181" cy="537173"/>
-                      </a:xfrm>
-                      <a:prstGeom prst="rect">
-                        <a:avLst/>
-                      </a:prstGeom>
-                    </p:spPr>
-                  </p:pic>
-                </p:oleObj>
-              </mc:Fallback>
-            </mc:AlternateContent>
+            <p:oleObj spid="_x0000_s1142" name="数式" r:id="rId3" imgW="152280" imgH="215640" progId="Equation.3">
+              <p:embed/>
+            </p:oleObj>
           </a:graphicData>
         </a:graphic>
       </p:graphicFrame>
@@ -8960,7 +9041,7 @@
           <p:nvPr>
             <p:extLst>
               <p:ext uri="{D42A27DB-BD31-4B8C-83A1-F6EECF244321}">
-                <p14:modId xmlns:p14="http://schemas.microsoft.com/office/powerpoint/2010/main" val="3365855799"/>
+                <p14:modId xmlns:p14="http://schemas.microsoft.com/office/powerpoint/2010/main" xmlns="" val="3365855799"/>
               </p:ext>
             </p:extLst>
           </p:nvPr>
@@ -8971,66 +9052,9 @@
         </p:xfrm>
         <a:graphic>
           <a:graphicData uri="http://schemas.openxmlformats.org/presentationml/2006/ole">
-            <mc:AlternateContent xmlns:mc="http://schemas.openxmlformats.org/markup-compatibility/2006">
-              <mc:Choice xmlns:v="urn:schemas-microsoft-com:vml" Requires="v">
-                <p:oleObj spid="_x0000_s1143" name="数式" r:id="rId5" imgW="152280" imgH="215640" progId="Equation.3">
-                  <p:embed/>
-                </p:oleObj>
-              </mc:Choice>
-              <mc:Fallback>
-                <p:oleObj name="数式" r:id="rId5" imgW="152280" imgH="215640" progId="Equation.3">
-                  <p:embed/>
-                  <p:pic>
-                    <p:nvPicPr>
-                      <p:cNvPr id="0" name="オブジェクト 7"/>
-                      <p:cNvPicPr>
-                        <a:picLocks noChangeAspect="1" noChangeArrowheads="1"/>
-                      </p:cNvPicPr>
-                      <p:nvPr/>
-                    </p:nvPicPr>
-                    <p:blipFill>
-                      <a:blip r:embed="rId6"/>
-                      <a:srcRect/>
-                      <a:stretch>
-                        <a:fillRect/>
-                      </a:stretch>
-                    </p:blipFill>
-                    <p:spPr bwMode="auto">
-                      <a:xfrm>
-                        <a:off x="4828119" y="2796839"/>
-                        <a:ext cx="379413" cy="536575"/>
-                      </a:xfrm>
-                      <a:prstGeom prst="rect">
-                        <a:avLst/>
-                      </a:prstGeom>
-                      <a:noFill/>
-                      <a:ln>
-                        <a:noFill/>
-                      </a:ln>
-                      <a:extLst>
-                        <a:ext uri="{909E8E84-426E-40DD-AFC4-6F175D3DCCD1}">
-                          <a14:hiddenFill xmlns:a14="http://schemas.microsoft.com/office/drawing/2010/main">
-                            <a:solidFill>
-                              <a:srgbClr val="FFFFFF"/>
-                            </a:solidFill>
-                          </a14:hiddenFill>
-                        </a:ext>
-                        <a:ext uri="{91240B29-F687-4F45-9708-019B960494DF}">
-                          <a14:hiddenLine xmlns:a14="http://schemas.microsoft.com/office/drawing/2010/main" w="9525">
-                            <a:solidFill>
-                              <a:srgbClr val="000000"/>
-                            </a:solidFill>
-                            <a:miter lim="800000"/>
-                            <a:headEnd/>
-                            <a:tailEnd/>
-                          </a14:hiddenLine>
-                        </a:ext>
-                      </a:extLst>
-                    </p:spPr>
-                  </p:pic>
-                </p:oleObj>
-              </mc:Fallback>
-            </mc:AlternateContent>
+            <p:oleObj spid="_x0000_s1143" name="数式" r:id="rId4" imgW="152280" imgH="215640" progId="Equation.3">
+              <p:embed/>
+            </p:oleObj>
           </a:graphicData>
         </a:graphic>
       </p:graphicFrame>
@@ -9043,7 +9067,7 @@
           <p:nvPr>
             <p:extLst>
               <p:ext uri="{D42A27DB-BD31-4B8C-83A1-F6EECF244321}">
-                <p14:modId xmlns:p14="http://schemas.microsoft.com/office/powerpoint/2010/main" val="1147638440"/>
+                <p14:modId xmlns:p14="http://schemas.microsoft.com/office/powerpoint/2010/main" xmlns="" val="1147638440"/>
               </p:ext>
             </p:extLst>
           </p:nvPr>
@@ -9054,66 +9078,9 @@
         </p:xfrm>
         <a:graphic>
           <a:graphicData uri="http://schemas.openxmlformats.org/presentationml/2006/ole">
-            <mc:AlternateContent xmlns:mc="http://schemas.openxmlformats.org/markup-compatibility/2006">
-              <mc:Choice xmlns:v="urn:schemas-microsoft-com:vml" Requires="v">
-                <p:oleObj spid="_x0000_s1144" name="数式" r:id="rId7" imgW="736560" imgH="215640" progId="Equation.3">
-                  <p:embed/>
-                </p:oleObj>
-              </mc:Choice>
-              <mc:Fallback>
-                <p:oleObj name="数式" r:id="rId7" imgW="736560" imgH="215640" progId="Equation.3">
-                  <p:embed/>
-                  <p:pic>
-                    <p:nvPicPr>
-                      <p:cNvPr id="0" name="オブジェクト 7"/>
-                      <p:cNvPicPr>
-                        <a:picLocks noChangeAspect="1" noChangeArrowheads="1"/>
-                      </p:cNvPicPr>
-                      <p:nvPr/>
-                    </p:nvPicPr>
-                    <p:blipFill>
-                      <a:blip r:embed="rId8"/>
-                      <a:srcRect/>
-                      <a:stretch>
-                        <a:fillRect/>
-                      </a:stretch>
-                    </p:blipFill>
-                    <p:spPr bwMode="auto">
-                      <a:xfrm>
-                        <a:off x="6696075" y="1341120"/>
-                        <a:ext cx="1835150" cy="536575"/>
-                      </a:xfrm>
-                      <a:prstGeom prst="rect">
-                        <a:avLst/>
-                      </a:prstGeom>
-                      <a:noFill/>
-                      <a:ln>
-                        <a:noFill/>
-                      </a:ln>
-                      <a:extLst>
-                        <a:ext uri="{909E8E84-426E-40DD-AFC4-6F175D3DCCD1}">
-                          <a14:hiddenFill xmlns:a14="http://schemas.microsoft.com/office/drawing/2010/main">
-                            <a:solidFill>
-                              <a:srgbClr val="FFFFFF"/>
-                            </a:solidFill>
-                          </a14:hiddenFill>
-                        </a:ext>
-                        <a:ext uri="{91240B29-F687-4F45-9708-019B960494DF}">
-                          <a14:hiddenLine xmlns:a14="http://schemas.microsoft.com/office/drawing/2010/main" w="9525">
-                            <a:solidFill>
-                              <a:srgbClr val="000000"/>
-                            </a:solidFill>
-                            <a:miter lim="800000"/>
-                            <a:headEnd/>
-                            <a:tailEnd/>
-                          </a14:hiddenLine>
-                        </a:ext>
-                      </a:extLst>
-                    </p:spPr>
-                  </p:pic>
-                </p:oleObj>
-              </mc:Fallback>
-            </mc:AlternateContent>
+            <p:oleObj spid="_x0000_s1144" name="数式" r:id="rId5" imgW="736560" imgH="215640" progId="Equation.3">
+              <p:embed/>
+            </p:oleObj>
           </a:graphicData>
         </a:graphic>
       </p:graphicFrame>
@@ -9169,7 +9136,7 @@
           <p:nvPr>
             <p:extLst>
               <p:ext uri="{D42A27DB-BD31-4B8C-83A1-F6EECF244321}">
-                <p14:modId xmlns:p14="http://schemas.microsoft.com/office/powerpoint/2010/main" val="4095846429"/>
+                <p14:modId xmlns:p14="http://schemas.microsoft.com/office/powerpoint/2010/main" xmlns="" val="4095846429"/>
               </p:ext>
             </p:extLst>
           </p:nvPr>
@@ -9180,66 +9147,9 @@
         </p:xfrm>
         <a:graphic>
           <a:graphicData uri="http://schemas.openxmlformats.org/presentationml/2006/ole">
-            <mc:AlternateContent xmlns:mc="http://schemas.openxmlformats.org/markup-compatibility/2006">
-              <mc:Choice xmlns:v="urn:schemas-microsoft-com:vml" Requires="v">
-                <p:oleObj spid="_x0000_s1145" name="数式" r:id="rId9" imgW="1206360" imgH="330120" progId="Equation.3">
-                  <p:embed/>
-                </p:oleObj>
-              </mc:Choice>
-              <mc:Fallback>
-                <p:oleObj name="数式" r:id="rId9" imgW="1206360" imgH="330120" progId="Equation.3">
-                  <p:embed/>
-                  <p:pic>
-                    <p:nvPicPr>
-                      <p:cNvPr id="0" name="オブジェクト 11"/>
-                      <p:cNvPicPr>
-                        <a:picLocks noChangeAspect="1" noChangeArrowheads="1"/>
-                      </p:cNvPicPr>
-                      <p:nvPr/>
-                    </p:nvPicPr>
-                    <p:blipFill>
-                      <a:blip r:embed="rId10"/>
-                      <a:srcRect/>
-                      <a:stretch>
-                        <a:fillRect/>
-                      </a:stretch>
-                    </p:blipFill>
-                    <p:spPr bwMode="auto">
-                      <a:xfrm>
-                        <a:off x="6406515" y="4093557"/>
-                        <a:ext cx="3006725" cy="820738"/>
-                      </a:xfrm>
-                      <a:prstGeom prst="rect">
-                        <a:avLst/>
-                      </a:prstGeom>
-                      <a:noFill/>
-                      <a:ln>
-                        <a:noFill/>
-                      </a:ln>
-                      <a:extLst>
-                        <a:ext uri="{909E8E84-426E-40DD-AFC4-6F175D3DCCD1}">
-                          <a14:hiddenFill xmlns:a14="http://schemas.microsoft.com/office/drawing/2010/main">
-                            <a:solidFill>
-                              <a:srgbClr val="FFFFFF"/>
-                            </a:solidFill>
-                          </a14:hiddenFill>
-                        </a:ext>
-                        <a:ext uri="{91240B29-F687-4F45-9708-019B960494DF}">
-                          <a14:hiddenLine xmlns:a14="http://schemas.microsoft.com/office/drawing/2010/main" w="9525">
-                            <a:solidFill>
-                              <a:srgbClr val="000000"/>
-                            </a:solidFill>
-                            <a:miter lim="800000"/>
-                            <a:headEnd/>
-                            <a:tailEnd/>
-                          </a14:hiddenLine>
-                        </a:ext>
-                      </a:extLst>
-                    </p:spPr>
-                  </p:pic>
-                </p:oleObj>
-              </mc:Fallback>
-            </mc:AlternateContent>
+            <p:oleObj spid="_x0000_s1145" name="数式" r:id="rId6" imgW="1206360" imgH="330120" progId="Equation.3">
+              <p:embed/>
+            </p:oleObj>
           </a:graphicData>
         </a:graphic>
       </p:graphicFrame>
@@ -9487,7 +9397,7 @@
     </p:spTree>
     <p:extLst>
       <p:ext uri="{BB962C8B-B14F-4D97-AF65-F5344CB8AC3E}">
-        <p14:creationId xmlns:p14="http://schemas.microsoft.com/office/powerpoint/2010/main" val="1900568499"/>
+        <p14:creationId xmlns:p14="http://schemas.microsoft.com/office/powerpoint/2010/main" xmlns="" val="1900568499"/>
       </p:ext>
     </p:extLst>
   </p:cSld>
@@ -9575,7 +9485,7 @@
     </p:spTree>
     <p:extLst>
       <p:ext uri="{BB962C8B-B14F-4D97-AF65-F5344CB8AC3E}">
-        <p14:creationId xmlns:p14="http://schemas.microsoft.com/office/powerpoint/2010/main" val="550732552"/>
+        <p14:creationId xmlns:p14="http://schemas.microsoft.com/office/powerpoint/2010/main" xmlns="" val="550732552"/>
       </p:ext>
     </p:extLst>
   </p:cSld>
@@ -9671,7 +9581,7 @@
     </p:spTree>
     <p:extLst>
       <p:ext uri="{BB962C8B-B14F-4D97-AF65-F5344CB8AC3E}">
-        <p14:creationId xmlns:p14="http://schemas.microsoft.com/office/powerpoint/2010/main" val="3117917766"/>
+        <p14:creationId xmlns:p14="http://schemas.microsoft.com/office/powerpoint/2010/main" xmlns="" val="3117917766"/>
       </p:ext>
     </p:extLst>
   </p:cSld>
@@ -9782,7 +9692,7 @@
     </p:spTree>
     <p:extLst>
       <p:ext uri="{BB962C8B-B14F-4D97-AF65-F5344CB8AC3E}">
-        <p14:creationId xmlns:p14="http://schemas.microsoft.com/office/powerpoint/2010/main" val="1766755709"/>
+        <p14:creationId xmlns:p14="http://schemas.microsoft.com/office/powerpoint/2010/main" xmlns="" val="1766755709"/>
       </p:ext>
     </p:extLst>
   </p:cSld>
@@ -9892,7 +9802,7 @@
     </p:spTree>
     <p:extLst>
       <p:ext uri="{BB962C8B-B14F-4D97-AF65-F5344CB8AC3E}">
-        <p14:creationId xmlns:p14="http://schemas.microsoft.com/office/powerpoint/2010/main" val="3505154345"/>
+        <p14:creationId xmlns:p14="http://schemas.microsoft.com/office/powerpoint/2010/main" xmlns="" val="3505154345"/>
       </p:ext>
     </p:extLst>
   </p:cSld>
@@ -10114,7 +10024,7 @@
   <a:extraClrSchemeLst/>
   <a:extLst>
     <a:ext uri="{05A4C25C-085E-4340-85A3-A5531E510DB2}">
-      <thm15:themeFamily xmlns:thm15="http://schemas.microsoft.com/office/thememl/2012/main" xmlns="" name="Office Theme" id="{62F939B6-93AF-4DB8-9C6B-D6C7DFDC589F}" vid="{4A3C46E8-61CC-4603-A589-7422A47A8E4A}"/>
+      <thm15:themeFamily xmlns="" xmlns:thm15="http://schemas.microsoft.com/office/thememl/2012/main" name="Office Theme" id="{62F939B6-93AF-4DB8-9C6B-D6C7DFDC589F}" vid="{4A3C46E8-61CC-4603-A589-7422A47A8E4A}"/>
     </a:ext>
   </a:extLst>
 </a:theme>
@@ -10375,7 +10285,7 @@
   <a:extraClrSchemeLst/>
   <a:extLst>
     <a:ext uri="{05A4C25C-085E-4340-85A3-A5531E510DB2}">
-      <thm15:themeFamily xmlns:thm15="http://schemas.microsoft.com/office/thememl/2012/main" xmlns="" name="Office Theme" id="{62F939B6-93AF-4DB8-9C6B-D6C7DFDC589F}" vid="{4A3C46E8-61CC-4603-A589-7422A47A8E4A}"/>
+      <thm15:themeFamily xmlns="" xmlns:thm15="http://schemas.microsoft.com/office/thememl/2012/main" name="Office Theme" id="{62F939B6-93AF-4DB8-9C6B-D6C7DFDC589F}" vid="{4A3C46E8-61CC-4603-A589-7422A47A8E4A}"/>
     </a:ext>
   </a:extLst>
 </a:theme>

--- a/overview.pptx
+++ b/overview.pptx
@@ -5,24 +5,26 @@
     <p:sldMasterId id="2147483648" r:id="rId1"/>
   </p:sldMasterIdLst>
   <p:notesMasterIdLst>
-    <p:notesMasterId r:id="rId17"/>
+    <p:notesMasterId r:id="rId19"/>
   </p:notesMasterIdLst>
   <p:sldIdLst>
     <p:sldId id="256" r:id="rId2"/>
     <p:sldId id="262" r:id="rId3"/>
     <p:sldId id="257" r:id="rId4"/>
-    <p:sldId id="261" r:id="rId5"/>
-    <p:sldId id="260" r:id="rId6"/>
-    <p:sldId id="269" r:id="rId7"/>
-    <p:sldId id="273" r:id="rId8"/>
-    <p:sldId id="266" r:id="rId9"/>
-    <p:sldId id="268" r:id="rId10"/>
-    <p:sldId id="272" r:id="rId11"/>
-    <p:sldId id="270" r:id="rId12"/>
-    <p:sldId id="271" r:id="rId13"/>
-    <p:sldId id="264" r:id="rId14"/>
-    <p:sldId id="274" r:id="rId15"/>
-    <p:sldId id="259" r:id="rId16"/>
+    <p:sldId id="275" r:id="rId5"/>
+    <p:sldId id="261" r:id="rId6"/>
+    <p:sldId id="260" r:id="rId7"/>
+    <p:sldId id="269" r:id="rId8"/>
+    <p:sldId id="273" r:id="rId9"/>
+    <p:sldId id="266" r:id="rId10"/>
+    <p:sldId id="268" r:id="rId11"/>
+    <p:sldId id="272" r:id="rId12"/>
+    <p:sldId id="270" r:id="rId13"/>
+    <p:sldId id="271" r:id="rId14"/>
+    <p:sldId id="264" r:id="rId15"/>
+    <p:sldId id="274" r:id="rId16"/>
+    <p:sldId id="276" r:id="rId17"/>
+    <p:sldId id="259" r:id="rId18"/>
   </p:sldIdLst>
   <p:sldSz cx="12192000" cy="6858000"/>
   <p:notesSz cx="6858000" cy="9144000"/>
@@ -207,7 +209,7 @@
             <a:fld id="{9841980D-5ED3-487F-B3E9-943BB45F7B97}" type="datetimeFigureOut">
               <a:rPr kumimoji="1" lang="ja-JP" altLang="en-US" smtClean="0"/>
               <a:pPr/>
-              <a:t>2017/4/12</a:t>
+              <a:t>2017/4/13</a:t>
             </a:fld>
             <a:endParaRPr kumimoji="1" lang="ja-JP" altLang="en-US"/>
           </a:p>
@@ -399,7 +401,7 @@
             <a:fld id="{D5E6ED6B-3F85-40A1-9484-0C501FDC6FE4}" type="slidenum">
               <a:rPr kumimoji="1" lang="ja-JP" altLang="en-US" smtClean="0"/>
               <a:pPr/>
-              <a:t>&lt;#&gt;</a:t>
+              <a:t>‹#›</a:t>
             </a:fld>
             <a:endParaRPr kumimoji="1" lang="ja-JP" altLang="en-US"/>
           </a:p>
@@ -408,7 +410,7 @@
     </p:spTree>
     <p:extLst>
       <p:ext uri="{BB962C8B-B14F-4D97-AF65-F5344CB8AC3E}">
-        <p14:creationId xmlns:p14="http://schemas.microsoft.com/office/powerpoint/2010/main" xmlns="" val="1647040712"/>
+        <p14:creationId xmlns:p14="http://schemas.microsoft.com/office/powerpoint/2010/main" val="1647040712"/>
       </p:ext>
     </p:extLst>
   </p:cSld>
@@ -583,7 +585,124 @@
     </p:spTree>
     <p:extLst>
       <p:ext uri="{BB962C8B-B14F-4D97-AF65-F5344CB8AC3E}">
-        <p14:creationId xmlns:p14="http://schemas.microsoft.com/office/powerpoint/2010/main" xmlns="" val="1657077930"/>
+        <p14:creationId xmlns:p14="http://schemas.microsoft.com/office/powerpoint/2010/main" val="1657077930"/>
+      </p:ext>
+    </p:extLst>
+  </p:cSld>
+  <p:clrMapOvr>
+    <a:masterClrMapping/>
+  </p:clrMapOvr>
+</p:notes>
+</file>
+
+<file path=ppt/notesSlides/notesSlide2.xml><?xml version="1.0" encoding="utf-8"?>
+<p:notes xmlns:a="http://schemas.openxmlformats.org/drawingml/2006/main" xmlns:r="http://schemas.openxmlformats.org/officeDocument/2006/relationships" xmlns:p="http://schemas.openxmlformats.org/presentationml/2006/main">
+  <p:cSld>
+    <p:spTree>
+      <p:nvGrpSpPr>
+        <p:cNvPr id="1" name=""/>
+        <p:cNvGrpSpPr/>
+        <p:nvPr/>
+      </p:nvGrpSpPr>
+      <p:grpSpPr>
+        <a:xfrm>
+          <a:off x="0" y="0"/>
+          <a:ext cx="0" cy="0"/>
+          <a:chOff x="0" y="0"/>
+          <a:chExt cx="0" cy="0"/>
+        </a:xfrm>
+      </p:grpSpPr>
+      <p:sp>
+        <p:nvSpPr>
+          <p:cNvPr id="2" name="スライド イメージ プレースホルダー 1"/>
+          <p:cNvSpPr>
+            <a:spLocks noGrp="1" noRot="1" noChangeAspect="1"/>
+          </p:cNvSpPr>
+          <p:nvPr>
+            <p:ph type="sldImg"/>
+          </p:nvPr>
+        </p:nvSpPr>
+        <p:spPr/>
+      </p:sp>
+      <p:sp>
+        <p:nvSpPr>
+          <p:cNvPr id="3" name="ノート プレースホルダー 2"/>
+          <p:cNvSpPr>
+            <a:spLocks noGrp="1"/>
+          </p:cNvSpPr>
+          <p:nvPr>
+            <p:ph type="body" idx="1"/>
+          </p:nvPr>
+        </p:nvSpPr>
+        <p:spPr/>
+        <p:txBody>
+          <a:bodyPr/>
+          <a:lstStyle/>
+          <a:p>
+            <a:r>
+              <a:rPr kumimoji="1" lang="ja-JP" altLang="en-US" dirty="0" smtClean="0"/>
+              <a:t>データがころころかわる</a:t>
+            </a:r>
+            <a:endParaRPr kumimoji="1" lang="en-US" altLang="ja-JP" dirty="0" smtClean="0"/>
+          </a:p>
+          <a:p>
+            <a:r>
+              <a:rPr kumimoji="1" lang="ja-JP" altLang="en-US" dirty="0" smtClean="0"/>
+              <a:t>伝えたいのはフロー、データの形式</a:t>
+            </a:r>
+            <a:endParaRPr kumimoji="1" lang="en-US" altLang="ja-JP" dirty="0" smtClean="0"/>
+          </a:p>
+          <a:p>
+            <a:r>
+              <a:rPr kumimoji="1" lang="ja-JP" altLang="en-US" dirty="0" smtClean="0"/>
+              <a:t>大事な所を目立たせる</a:t>
+            </a:r>
+            <a:endParaRPr kumimoji="1" lang="en-US" altLang="ja-JP" dirty="0" smtClean="0"/>
+          </a:p>
+          <a:p>
+            <a:r>
+              <a:rPr kumimoji="1" lang="en-US" altLang="ja-JP" dirty="0" err="1" smtClean="0"/>
+              <a:t>flaticon</a:t>
+            </a:r>
+            <a:endParaRPr kumimoji="1" lang="en-US" altLang="ja-JP" dirty="0" smtClean="0"/>
+          </a:p>
+          <a:p>
+            <a:r>
+              <a:rPr kumimoji="1" lang="ja-JP" altLang="en-US" smtClean="0"/>
+              <a:t>バラバラの積み木→整理されたベクトル</a:t>
+            </a:r>
+            <a:endParaRPr kumimoji="1" lang="ja-JP" altLang="en-US" dirty="0"/>
+          </a:p>
+        </p:txBody>
+      </p:sp>
+      <p:sp>
+        <p:nvSpPr>
+          <p:cNvPr id="4" name="スライド番号プレースホルダー 3"/>
+          <p:cNvSpPr>
+            <a:spLocks noGrp="1"/>
+          </p:cNvSpPr>
+          <p:nvPr>
+            <p:ph type="sldNum" sz="quarter" idx="10"/>
+          </p:nvPr>
+        </p:nvSpPr>
+        <p:spPr/>
+        <p:txBody>
+          <a:bodyPr/>
+          <a:lstStyle/>
+          <a:p>
+            <a:fld id="{D5E6ED6B-3F85-40A1-9484-0C501FDC6FE4}" type="slidenum">
+              <a:rPr kumimoji="1" lang="ja-JP" altLang="en-US" smtClean="0"/>
+              <a:pPr/>
+              <a:t>4</a:t>
+            </a:fld>
+            <a:endParaRPr kumimoji="1" lang="ja-JP" altLang="en-US"/>
+          </a:p>
+        </p:txBody>
+      </p:sp>
+    </p:spTree>
+    <p:extLst>
+      <p:ext uri="{BB962C8B-B14F-4D97-AF65-F5344CB8AC3E}">
+        <p14:creationId xmlns:p14="http://schemas.microsoft.com/office/powerpoint/2010/main" val="1657077930"/>
       </p:ext>
     </p:extLst>
   </p:cSld>
@@ -740,7 +859,7 @@
           <a:blip r:embed="rId2" cstate="print">
             <a:extLst>
               <a:ext uri="{28A0092B-C50C-407E-A947-70E740481C1C}">
-                <a14:useLocalDpi xmlns:a14="http://schemas.microsoft.com/office/drawing/2010/main" xmlns="" val="0"/>
+                <a14:useLocalDpi xmlns:a14="http://schemas.microsoft.com/office/drawing/2010/main" val="0"/>
               </a:ext>
             </a:extLst>
           </a:blip>
@@ -826,7 +945,7 @@
     </p:spTree>
     <p:extLst>
       <p:ext uri="{BB962C8B-B14F-4D97-AF65-F5344CB8AC3E}">
-        <p14:creationId xmlns:p14="http://schemas.microsoft.com/office/powerpoint/2010/main" xmlns="" val="3004416884"/>
+        <p14:creationId xmlns:p14="http://schemas.microsoft.com/office/powerpoint/2010/main" val="3004416884"/>
       </p:ext>
     </p:extLst>
   </p:cSld>
@@ -889,7 +1008,7 @@
             <a:fld id="{80B61DEA-751C-4EFC-848A-C896179D47AE}" type="slidenum">
               <a:rPr kumimoji="1" lang="ja-JP" altLang="en-US" smtClean="0"/>
               <a:pPr/>
-              <a:t>&lt;#&gt;</a:t>
+              <a:t>‹#›</a:t>
             </a:fld>
             <a:endParaRPr kumimoji="1" lang="ja-JP" altLang="en-US"/>
           </a:p>
@@ -1183,7 +1302,7 @@
           <a:blip r:embed="rId2" cstate="print">
             <a:extLst>
               <a:ext uri="{28A0092B-C50C-407E-A947-70E740481C1C}">
-                <a14:useLocalDpi xmlns:a14="http://schemas.microsoft.com/office/drawing/2010/main" xmlns="" val="0"/>
+                <a14:useLocalDpi xmlns:a14="http://schemas.microsoft.com/office/drawing/2010/main" val="0"/>
               </a:ext>
             </a:extLst>
           </a:blip>
@@ -1204,7 +1323,7 @@
     </p:spTree>
     <p:extLst>
       <p:ext uri="{BB962C8B-B14F-4D97-AF65-F5344CB8AC3E}">
-        <p14:creationId xmlns:p14="http://schemas.microsoft.com/office/powerpoint/2010/main" xmlns="" val="4214205409"/>
+        <p14:creationId xmlns:p14="http://schemas.microsoft.com/office/powerpoint/2010/main" val="4214205409"/>
       </p:ext>
     </p:extLst>
   </p:cSld>
@@ -1324,7 +1443,7 @@
           <a:blip r:embed="rId2" cstate="print">
             <a:extLst>
               <a:ext uri="{28A0092B-C50C-407E-A947-70E740481C1C}">
-                <a14:useLocalDpi xmlns:a14="http://schemas.microsoft.com/office/drawing/2010/main" xmlns="" val="0"/>
+                <a14:useLocalDpi xmlns:a14="http://schemas.microsoft.com/office/drawing/2010/main" val="0"/>
               </a:ext>
             </a:extLst>
           </a:blip>
@@ -1378,7 +1497,7 @@
             <a:fld id="{80B61DEA-751C-4EFC-848A-C896179D47AE}" type="slidenum">
               <a:rPr kumimoji="1" lang="ja-JP" altLang="en-US" smtClean="0"/>
               <a:pPr/>
-              <a:t>&lt;#&gt;</a:t>
+              <a:t>‹#›</a:t>
             </a:fld>
             <a:endParaRPr kumimoji="1" lang="ja-JP" altLang="en-US"/>
           </a:p>
@@ -1424,7 +1543,7 @@
     </p:spTree>
     <p:extLst>
       <p:ext uri="{BB962C8B-B14F-4D97-AF65-F5344CB8AC3E}">
-        <p14:creationId xmlns:p14="http://schemas.microsoft.com/office/powerpoint/2010/main" xmlns="" val="3620504976"/>
+        <p14:creationId xmlns:p14="http://schemas.microsoft.com/office/powerpoint/2010/main" val="3620504976"/>
       </p:ext>
     </p:extLst>
   </p:cSld>
@@ -1487,7 +1606,7 @@
             <a:fld id="{80B61DEA-751C-4EFC-848A-C896179D47AE}" type="slidenum">
               <a:rPr kumimoji="1" lang="ja-JP" altLang="en-US" smtClean="0"/>
               <a:pPr/>
-              <a:t>&lt;#&gt;</a:t>
+              <a:t>‹#›</a:t>
             </a:fld>
             <a:endParaRPr kumimoji="1" lang="ja-JP" altLang="en-US"/>
           </a:p>
@@ -1651,7 +1770,7 @@
     </p:spTree>
     <p:extLst>
       <p:ext uri="{BB962C8B-B14F-4D97-AF65-F5344CB8AC3E}">
-        <p14:creationId xmlns:p14="http://schemas.microsoft.com/office/powerpoint/2010/main" xmlns="" val="646152418"/>
+        <p14:creationId xmlns:p14="http://schemas.microsoft.com/office/powerpoint/2010/main" val="646152418"/>
       </p:ext>
     </p:extLst>
   </p:cSld>
@@ -1714,7 +1833,7 @@
             <a:fld id="{78817559-BB6D-4C96-94D1-43E03D71EB93}" type="datetime1">
               <a:rPr kumimoji="1" lang="ja-JP" altLang="en-US" smtClean="0"/>
               <a:pPr/>
-              <a:t>2017/4/12</a:t>
+              <a:t>2017/4/13</a:t>
             </a:fld>
             <a:endParaRPr kumimoji="1" lang="ja-JP" altLang="en-US" dirty="0"/>
           </a:p>
@@ -1756,7 +1875,7 @@
             <a:fld id="{80B61DEA-751C-4EFC-848A-C896179D47AE}" type="slidenum">
               <a:rPr kumimoji="1" lang="ja-JP" altLang="en-US" smtClean="0"/>
               <a:pPr/>
-              <a:t>&lt;#&gt;</a:t>
+              <a:t>‹#›</a:t>
             </a:fld>
             <a:endParaRPr kumimoji="1" lang="ja-JP" altLang="en-US"/>
           </a:p>
@@ -2065,7 +2184,7 @@
           <a:blip r:embed="rId2" cstate="print">
             <a:extLst>
               <a:ext uri="{28A0092B-C50C-407E-A947-70E740481C1C}">
-                <a14:useLocalDpi xmlns:a14="http://schemas.microsoft.com/office/drawing/2010/main" xmlns="" val="0"/>
+                <a14:useLocalDpi xmlns:a14="http://schemas.microsoft.com/office/drawing/2010/main" val="0"/>
               </a:ext>
             </a:extLst>
           </a:blip>
@@ -2222,7 +2341,7 @@
     </p:spTree>
     <p:extLst>
       <p:ext uri="{BB962C8B-B14F-4D97-AF65-F5344CB8AC3E}">
-        <p14:creationId xmlns:p14="http://schemas.microsoft.com/office/powerpoint/2010/main" xmlns="" val="1584837141"/>
+        <p14:creationId xmlns:p14="http://schemas.microsoft.com/office/powerpoint/2010/main" val="1584837141"/>
       </p:ext>
     </p:extLst>
   </p:cSld>
@@ -2286,7 +2405,7 @@
             <a:fld id="{80B61DEA-751C-4EFC-848A-C896179D47AE}" type="slidenum">
               <a:rPr kumimoji="1" lang="ja-JP" altLang="en-US" smtClean="0"/>
               <a:pPr/>
-              <a:t>&lt;#&gt;</a:t>
+              <a:t>‹#›</a:t>
             </a:fld>
             <a:endParaRPr kumimoji="1" lang="ja-JP" altLang="en-US"/>
           </a:p>
@@ -2595,7 +2714,7 @@
           <a:blip r:embed="rId2" cstate="print">
             <a:extLst>
               <a:ext uri="{28A0092B-C50C-407E-A947-70E740481C1C}">
-                <a14:useLocalDpi xmlns:a14="http://schemas.microsoft.com/office/drawing/2010/main" xmlns="" val="0"/>
+                <a14:useLocalDpi xmlns:a14="http://schemas.microsoft.com/office/drawing/2010/main" val="0"/>
               </a:ext>
             </a:extLst>
           </a:blip>
@@ -3072,7 +3191,7 @@
     </p:spTree>
     <p:extLst>
       <p:ext uri="{BB962C8B-B14F-4D97-AF65-F5344CB8AC3E}">
-        <p14:creationId xmlns:p14="http://schemas.microsoft.com/office/powerpoint/2010/main" xmlns="" val="1163927299"/>
+        <p14:creationId xmlns:p14="http://schemas.microsoft.com/office/powerpoint/2010/main" val="1163927299"/>
       </p:ext>
     </p:extLst>
   </p:cSld>
@@ -3148,7 +3267,7 @@
           <a:blip r:embed="rId2" cstate="print">
             <a:extLst>
               <a:ext uri="{28A0092B-C50C-407E-A947-70E740481C1C}">
-                <a14:useLocalDpi xmlns:a14="http://schemas.microsoft.com/office/drawing/2010/main" xmlns="" val="0"/>
+                <a14:useLocalDpi xmlns:a14="http://schemas.microsoft.com/office/drawing/2010/main" val="0"/>
               </a:ext>
             </a:extLst>
           </a:blip>
@@ -3202,7 +3321,7 @@
             <a:fld id="{80B61DEA-751C-4EFC-848A-C896179D47AE}" type="slidenum">
               <a:rPr kumimoji="1" lang="ja-JP" altLang="en-US" smtClean="0"/>
               <a:pPr/>
-              <a:t>&lt;#&gt;</a:t>
+              <a:t>‹#›</a:t>
             </a:fld>
             <a:endParaRPr kumimoji="1" lang="ja-JP" altLang="en-US"/>
           </a:p>
@@ -3211,7 +3330,7 @@
     </p:spTree>
     <p:extLst>
       <p:ext uri="{BB962C8B-B14F-4D97-AF65-F5344CB8AC3E}">
-        <p14:creationId xmlns:p14="http://schemas.microsoft.com/office/powerpoint/2010/main" xmlns="" val="853120211"/>
+        <p14:creationId xmlns:p14="http://schemas.microsoft.com/office/powerpoint/2010/main" val="853120211"/>
       </p:ext>
     </p:extLst>
   </p:cSld>
@@ -3281,7 +3400,7 @@
             <a:fld id="{80B61DEA-751C-4EFC-848A-C896179D47AE}" type="slidenum">
               <a:rPr kumimoji="1" lang="ja-JP" altLang="en-US" smtClean="0"/>
               <a:pPr/>
-              <a:t>&lt;#&gt;</a:t>
+              <a:t>‹#›</a:t>
             </a:fld>
             <a:endParaRPr kumimoji="1" lang="ja-JP" altLang="en-US"/>
           </a:p>
@@ -3290,7 +3409,7 @@
     </p:spTree>
     <p:extLst>
       <p:ext uri="{BB962C8B-B14F-4D97-AF65-F5344CB8AC3E}">
-        <p14:creationId xmlns:p14="http://schemas.microsoft.com/office/powerpoint/2010/main" xmlns="" val="3099946962"/>
+        <p14:creationId xmlns:p14="http://schemas.microsoft.com/office/powerpoint/2010/main" val="3099946962"/>
       </p:ext>
     </p:extLst>
   </p:cSld>
@@ -3336,7 +3455,7 @@
           <a:blip r:embed="rId2" cstate="print">
             <a:extLst>
               <a:ext uri="{28A0092B-C50C-407E-A947-70E740481C1C}">
-                <a14:useLocalDpi xmlns:a14="http://schemas.microsoft.com/office/drawing/2010/main" xmlns="" val="0"/>
+                <a14:useLocalDpi xmlns:a14="http://schemas.microsoft.com/office/drawing/2010/main" val="0"/>
               </a:ext>
             </a:extLst>
           </a:blip>
@@ -3390,7 +3509,7 @@
             <a:fld id="{80B61DEA-751C-4EFC-848A-C896179D47AE}" type="slidenum">
               <a:rPr kumimoji="1" lang="ja-JP" altLang="en-US" smtClean="0"/>
               <a:pPr/>
-              <a:t>&lt;#&gt;</a:t>
+              <a:t>‹#›</a:t>
             </a:fld>
             <a:endParaRPr kumimoji="1" lang="ja-JP" altLang="en-US"/>
           </a:p>
@@ -3399,7 +3518,7 @@
     </p:spTree>
     <p:extLst>
       <p:ext uri="{BB962C8B-B14F-4D97-AF65-F5344CB8AC3E}">
-        <p14:creationId xmlns:p14="http://schemas.microsoft.com/office/powerpoint/2010/main" xmlns="" val="2408143909"/>
+        <p14:creationId xmlns:p14="http://schemas.microsoft.com/office/powerpoint/2010/main" val="2408143909"/>
       </p:ext>
     </p:extLst>
   </p:cSld>
@@ -3622,7 +3741,7 @@
             <a:fld id="{80B61DEA-751C-4EFC-848A-C896179D47AE}" type="slidenum">
               <a:rPr kumimoji="1" lang="ja-JP" altLang="en-US" smtClean="0"/>
               <a:pPr/>
-              <a:t>&lt;#&gt;</a:t>
+              <a:t>‹#›</a:t>
             </a:fld>
             <a:endParaRPr kumimoji="1" lang="ja-JP" altLang="en-US"/>
           </a:p>
@@ -3744,7 +3863,7 @@
     </p:spTree>
     <p:extLst>
       <p:ext uri="{BB962C8B-B14F-4D97-AF65-F5344CB8AC3E}">
-        <p14:creationId xmlns:p14="http://schemas.microsoft.com/office/powerpoint/2010/main" xmlns="" val="3722099324"/>
+        <p14:creationId xmlns:p14="http://schemas.microsoft.com/office/powerpoint/2010/main" val="3722099324"/>
       </p:ext>
     </p:extLst>
   </p:cSld>
@@ -4078,11 +4197,7 @@
           <a:p>
             <a:r>
               <a:rPr kumimoji="1" lang="en-US" altLang="ja-JP" dirty="0" smtClean="0"/>
-              <a:t>Paper </a:t>
-            </a:r>
-            <a:r>
-              <a:rPr kumimoji="1" lang="en-US" altLang="ja-JP" dirty="0" smtClean="0"/>
-              <a:t>Graph</a:t>
+              <a:t>Paper Graph</a:t>
             </a:r>
             <a:r>
               <a:rPr lang="ja-JP" altLang="en-US" dirty="0" smtClean="0"/>
@@ -4255,7 +4370,7 @@
     </p:spTree>
     <p:extLst>
       <p:ext uri="{BB962C8B-B14F-4D97-AF65-F5344CB8AC3E}">
-        <p14:creationId xmlns:p14="http://schemas.microsoft.com/office/powerpoint/2010/main" xmlns="" val="291693654"/>
+        <p14:creationId xmlns:p14="http://schemas.microsoft.com/office/powerpoint/2010/main" val="291693654"/>
       </p:ext>
     </p:extLst>
   </p:cSld>
@@ -4328,7 +4443,7 @@
           <a:bodyPr/>
           <a:lstStyle/>
           <a:p>
-            <a:endParaRPr kumimoji="1" lang="ja-JP" altLang="en-US"/>
+            <a:endParaRPr kumimoji="1" lang="ja-JP" altLang="en-US" dirty="0"/>
           </a:p>
         </p:txBody>
       </p:sp>
@@ -4344,12 +4459,26 @@
         </p:nvSpPr>
         <p:spPr/>
         <p:txBody>
-          <a:bodyPr/>
+          <a:bodyPr>
+            <a:normAutofit/>
+          </a:bodyPr>
           <a:lstStyle/>
           <a:p>
             <a:r>
-              <a:rPr kumimoji="1" lang="ja-JP" altLang="en-US" dirty="0" smtClean="0"/>
-              <a:t>査読サポート</a:t>
+              <a:rPr lang="ja-JP" altLang="en-US" dirty="0"/>
+              <a:t>論文</a:t>
+            </a:r>
+            <a:r>
+              <a:rPr lang="ja-JP" altLang="en-US" dirty="0" err="1"/>
+              <a:t>探すのめん</a:t>
+            </a:r>
+            <a:r>
+              <a:rPr lang="ja-JP" altLang="en-US" dirty="0"/>
+              <a:t>どく</a:t>
+            </a:r>
+            <a:r>
+              <a:rPr lang="ja-JP" altLang="en-US" dirty="0" smtClean="0"/>
+              <a:t>さい、論文読むのめんどくさい</a:t>
             </a:r>
             <a:endParaRPr kumimoji="1" lang="ja-JP" altLang="en-US" dirty="0"/>
           </a:p>
@@ -4358,13 +4487,20 @@
     </p:spTree>
     <p:extLst>
       <p:ext uri="{BB962C8B-B14F-4D97-AF65-F5344CB8AC3E}">
-        <p14:creationId xmlns:p14="http://schemas.microsoft.com/office/powerpoint/2010/main" xmlns="" val="1476161769"/>
+        <p14:creationId xmlns:p14="http://schemas.microsoft.com/office/powerpoint/2010/main" val="3505154345"/>
       </p:ext>
     </p:extLst>
   </p:cSld>
   <p:clrMapOvr>
     <a:masterClrMapping/>
   </p:clrMapOvr>
+  <p:timing>
+    <p:tnLst>
+      <p:par>
+        <p:cTn id="1" dur="indefinite" restart="never" nodeType="tmRoot"/>
+      </p:par>
+    </p:tnLst>
+  </p:timing>
 </p:sld>
 </file>
 
@@ -4424,11 +4560,7 @@
           <a:bodyPr/>
           <a:lstStyle/>
           <a:p>
-            <a:r>
-              <a:rPr lang="ja-JP" altLang="en-US" dirty="0"/>
-              <a:t>内容の似た仲良しの研究会があるかどうか</a:t>
-            </a:r>
-            <a:endParaRPr kumimoji="1" lang="ja-JP" altLang="en-US" dirty="0"/>
+            <a:endParaRPr kumimoji="1" lang="ja-JP" altLang="en-US"/>
           </a:p>
         </p:txBody>
       </p:sp>
@@ -4449,7 +4581,7 @@
           <a:p>
             <a:r>
               <a:rPr kumimoji="1" lang="ja-JP" altLang="en-US" dirty="0" smtClean="0"/>
-              <a:t>研究会ごとの特性</a:t>
+              <a:t>査読サポート</a:t>
             </a:r>
             <a:endParaRPr kumimoji="1" lang="ja-JP" altLang="en-US" dirty="0"/>
           </a:p>
@@ -4458,13 +4590,20 @@
     </p:spTree>
     <p:extLst>
       <p:ext uri="{BB962C8B-B14F-4D97-AF65-F5344CB8AC3E}">
-        <p14:creationId xmlns:p14="http://schemas.microsoft.com/office/powerpoint/2010/main" xmlns="" val="1432098372"/>
+        <p14:creationId xmlns:p14="http://schemas.microsoft.com/office/powerpoint/2010/main" val="1476161769"/>
       </p:ext>
     </p:extLst>
   </p:cSld>
   <p:clrMapOvr>
     <a:masterClrMapping/>
   </p:clrMapOvr>
+  <p:timing>
+    <p:tnLst>
+      <p:par>
+        <p:cTn id="1" dur="indefinite" restart="never" nodeType="tmRoot"/>
+      </p:par>
+    </p:tnLst>
+  </p:timing>
 </p:sld>
 </file>
 
@@ -4524,7 +4663,11 @@
           <a:bodyPr/>
           <a:lstStyle/>
           <a:p>
-            <a:endParaRPr kumimoji="1" lang="ja-JP" altLang="en-US"/>
+            <a:r>
+              <a:rPr lang="ja-JP" altLang="en-US" dirty="0"/>
+              <a:t>内容の似た仲良しの研究会があるかどうか</a:t>
+            </a:r>
+            <a:endParaRPr kumimoji="1" lang="ja-JP" altLang="en-US" dirty="0"/>
           </a:p>
         </p:txBody>
       </p:sp>
@@ -4545,7 +4688,7 @@
           <a:p>
             <a:r>
               <a:rPr kumimoji="1" lang="ja-JP" altLang="en-US" dirty="0" smtClean="0"/>
-              <a:t>著者ごとの派閥</a:t>
+              <a:t>研究会ごとの特性</a:t>
             </a:r>
             <a:endParaRPr kumimoji="1" lang="ja-JP" altLang="en-US" dirty="0"/>
           </a:p>
@@ -4554,13 +4697,20 @@
     </p:spTree>
     <p:extLst>
       <p:ext uri="{BB962C8B-B14F-4D97-AF65-F5344CB8AC3E}">
-        <p14:creationId xmlns:p14="http://schemas.microsoft.com/office/powerpoint/2010/main" xmlns="" val="2129745687"/>
+        <p14:creationId xmlns:p14="http://schemas.microsoft.com/office/powerpoint/2010/main" val="1432098372"/>
       </p:ext>
     </p:extLst>
   </p:cSld>
   <p:clrMapOvr>
     <a:masterClrMapping/>
   </p:clrMapOvr>
+  <p:timing>
+    <p:tnLst>
+      <p:par>
+        <p:cTn id="1" dur="indefinite" restart="never" nodeType="tmRoot"/>
+      </p:par>
+    </p:tnLst>
+  </p:timing>
 </p:sld>
 </file>
 
@@ -4620,38 +4770,7 @@
           <a:bodyPr/>
           <a:lstStyle/>
           <a:p>
-            <a:r>
-              <a:rPr kumimoji="1" lang="en-US" altLang="ja-JP" dirty="0" smtClean="0"/>
-              <a:t>node</a:t>
-            </a:r>
-            <a:r>
-              <a:rPr kumimoji="1" lang="ja-JP" altLang="en-US" dirty="0" smtClean="0"/>
-              <a:t>背景に画像</a:t>
-            </a:r>
-            <a:endParaRPr kumimoji="1" lang="en-US" altLang="ja-JP" dirty="0" smtClean="0"/>
-          </a:p>
-          <a:p>
-            <a:pPr lvl="1"/>
-            <a:r>
-              <a:rPr lang="en-US" altLang="ja-JP" dirty="0" smtClean="0"/>
-              <a:t>belonging</a:t>
-            </a:r>
-            <a:endParaRPr kumimoji="1" lang="en-US" altLang="ja-JP" dirty="0" smtClean="0"/>
-          </a:p>
-          <a:p>
-            <a:pPr lvl="1"/>
-            <a:r>
-              <a:rPr lang="en-US" altLang="ja-JP" dirty="0" smtClean="0"/>
-              <a:t>conference</a:t>
-            </a:r>
-          </a:p>
-          <a:p>
-            <a:pPr lvl="1"/>
-            <a:r>
-              <a:rPr kumimoji="1" lang="en-US" altLang="ja-JP" dirty="0" smtClean="0"/>
-              <a:t>author</a:t>
-            </a:r>
-            <a:endParaRPr kumimoji="1" lang="ja-JP" altLang="en-US" dirty="0"/>
+            <a:endParaRPr kumimoji="1" lang="ja-JP" altLang="en-US"/>
           </a:p>
         </p:txBody>
       </p:sp>
@@ -4670,24 +4789,165 @@
           <a:bodyPr/>
           <a:lstStyle/>
           <a:p>
-            <a:endParaRPr kumimoji="1" lang="ja-JP" altLang="en-US"/>
+            <a:r>
+              <a:rPr kumimoji="1" lang="ja-JP" altLang="en-US" dirty="0" smtClean="0"/>
+              <a:t>著者ごとの派閥</a:t>
+            </a:r>
+            <a:endParaRPr kumimoji="1" lang="ja-JP" altLang="en-US" dirty="0"/>
           </a:p>
         </p:txBody>
       </p:sp>
     </p:spTree>
     <p:extLst>
       <p:ext uri="{BB962C8B-B14F-4D97-AF65-F5344CB8AC3E}">
-        <p14:creationId xmlns:p14="http://schemas.microsoft.com/office/powerpoint/2010/main" xmlns="" val="1975414422"/>
+        <p14:creationId xmlns:p14="http://schemas.microsoft.com/office/powerpoint/2010/main" val="2129745687"/>
       </p:ext>
     </p:extLst>
   </p:cSld>
   <p:clrMapOvr>
     <a:masterClrMapping/>
   </p:clrMapOvr>
+  <p:timing>
+    <p:tnLst>
+      <p:par>
+        <p:cTn id="1" dur="indefinite" restart="never" nodeType="tmRoot"/>
+      </p:par>
+    </p:tnLst>
+  </p:timing>
 </p:sld>
 </file>
 
 <file path=ppt/slides/slide14.xml><?xml version="1.0" encoding="utf-8"?>
+<p:sld xmlns:a="http://schemas.openxmlformats.org/drawingml/2006/main" xmlns:r="http://schemas.openxmlformats.org/officeDocument/2006/relationships" xmlns:p="http://schemas.openxmlformats.org/presentationml/2006/main">
+  <p:cSld>
+    <p:spTree>
+      <p:nvGrpSpPr>
+        <p:cNvPr id="1" name=""/>
+        <p:cNvGrpSpPr/>
+        <p:nvPr/>
+      </p:nvGrpSpPr>
+      <p:grpSpPr>
+        <a:xfrm>
+          <a:off x="0" y="0"/>
+          <a:ext cx="0" cy="0"/>
+          <a:chOff x="0" y="0"/>
+          <a:chExt cx="0" cy="0"/>
+        </a:xfrm>
+      </p:grpSpPr>
+      <p:sp>
+        <p:nvSpPr>
+          <p:cNvPr id="2" name="スライド番号プレースホルダー 1"/>
+          <p:cNvSpPr>
+            <a:spLocks noGrp="1"/>
+          </p:cNvSpPr>
+          <p:nvPr>
+            <p:ph type="sldNum" sz="quarter" idx="4"/>
+          </p:nvPr>
+        </p:nvSpPr>
+        <p:spPr/>
+        <p:txBody>
+          <a:bodyPr/>
+          <a:lstStyle/>
+          <a:p>
+            <a:fld id="{80B61DEA-751C-4EFC-848A-C896179D47AE}" type="slidenum">
+              <a:rPr kumimoji="1" lang="ja-JP" altLang="en-US" smtClean="0"/>
+              <a:pPr/>
+              <a:t>14</a:t>
+            </a:fld>
+            <a:endParaRPr kumimoji="1" lang="ja-JP" altLang="en-US"/>
+          </a:p>
+        </p:txBody>
+      </p:sp>
+      <p:sp>
+        <p:nvSpPr>
+          <p:cNvPr id="3" name="コンテンツ プレースホルダー 2"/>
+          <p:cNvSpPr>
+            <a:spLocks noGrp="1"/>
+          </p:cNvSpPr>
+          <p:nvPr>
+            <p:ph idx="1"/>
+          </p:nvPr>
+        </p:nvSpPr>
+        <p:spPr/>
+        <p:txBody>
+          <a:bodyPr/>
+          <a:lstStyle/>
+          <a:p>
+            <a:r>
+              <a:rPr kumimoji="1" lang="en-US" altLang="ja-JP" dirty="0" smtClean="0"/>
+              <a:t>node</a:t>
+            </a:r>
+            <a:r>
+              <a:rPr kumimoji="1" lang="ja-JP" altLang="en-US" dirty="0" smtClean="0"/>
+              <a:t>背景に画像</a:t>
+            </a:r>
+            <a:endParaRPr kumimoji="1" lang="en-US" altLang="ja-JP" dirty="0" smtClean="0"/>
+          </a:p>
+          <a:p>
+            <a:pPr lvl="1"/>
+            <a:r>
+              <a:rPr lang="en-US" altLang="ja-JP" dirty="0" smtClean="0"/>
+              <a:t>belonging</a:t>
+            </a:r>
+            <a:endParaRPr kumimoji="1" lang="en-US" altLang="ja-JP" dirty="0" smtClean="0"/>
+          </a:p>
+          <a:p>
+            <a:pPr lvl="1"/>
+            <a:r>
+              <a:rPr lang="en-US" altLang="ja-JP" dirty="0" smtClean="0"/>
+              <a:t>conference</a:t>
+            </a:r>
+          </a:p>
+          <a:p>
+            <a:pPr lvl="1"/>
+            <a:r>
+              <a:rPr kumimoji="1" lang="en-US" altLang="ja-JP" dirty="0" smtClean="0"/>
+              <a:t>author</a:t>
+            </a:r>
+            <a:endParaRPr kumimoji="1" lang="ja-JP" altLang="en-US" dirty="0"/>
+          </a:p>
+        </p:txBody>
+      </p:sp>
+      <p:sp>
+        <p:nvSpPr>
+          <p:cNvPr id="4" name="タイトル 3"/>
+          <p:cNvSpPr>
+            <a:spLocks noGrp="1"/>
+          </p:cNvSpPr>
+          <p:nvPr>
+            <p:ph type="title"/>
+          </p:nvPr>
+        </p:nvSpPr>
+        <p:spPr/>
+        <p:txBody>
+          <a:bodyPr/>
+          <a:lstStyle/>
+          <a:p>
+            <a:endParaRPr kumimoji="1" lang="ja-JP" altLang="en-US"/>
+          </a:p>
+        </p:txBody>
+      </p:sp>
+    </p:spTree>
+    <p:extLst>
+      <p:ext uri="{BB962C8B-B14F-4D97-AF65-F5344CB8AC3E}">
+        <p14:creationId xmlns:p14="http://schemas.microsoft.com/office/powerpoint/2010/main" val="1975414422"/>
+      </p:ext>
+    </p:extLst>
+  </p:cSld>
+  <p:clrMapOvr>
+    <a:masterClrMapping/>
+  </p:clrMapOvr>
+  <p:timing>
+    <p:tnLst>
+      <p:par>
+        <p:cTn id="1" dur="indefinite" restart="never" nodeType="tmRoot"/>
+      </p:par>
+    </p:tnLst>
+  </p:timing>
+</p:sld>
+</file>
+
+<file path=ppt/slides/slide15.xml><?xml version="1.0" encoding="utf-8"?>
 <p:sld xmlns:a="http://schemas.openxmlformats.org/drawingml/2006/main" xmlns:r="http://schemas.openxmlformats.org/officeDocument/2006/relationships" xmlns:p="http://schemas.openxmlformats.org/presentationml/2006/main">
   <p:cSld>
     <p:spTree>
@@ -4722,7 +4982,7 @@
             <a:fld id="{80B61DEA-751C-4EFC-848A-C896179D47AE}" type="slidenum">
               <a:rPr kumimoji="1" lang="ja-JP" altLang="en-US" smtClean="0"/>
               <a:pPr/>
-              <a:t>14</a:t>
+              <a:t>15</a:t>
             </a:fld>
             <a:endParaRPr kumimoji="1" lang="ja-JP" altLang="en-US"/>
           </a:p>
@@ -4768,11 +5028,7 @@
             </a:r>
             <a:r>
               <a:rPr lang="en-US" altLang="ja-JP" dirty="0" smtClean="0"/>
-              <a:t> </a:t>
-            </a:r>
-            <a:r>
-              <a:rPr lang="en-US" altLang="ja-JP" dirty="0" smtClean="0"/>
-              <a:t>– </a:t>
+              <a:t> – </a:t>
             </a:r>
             <a:r>
               <a:rPr lang="ja-JP" altLang="en-US" smtClean="0"/>
@@ -4787,10 +5043,17 @@
   <p:clrMapOvr>
     <a:masterClrMapping/>
   </p:clrMapOvr>
+  <p:timing>
+    <p:tnLst>
+      <p:par>
+        <p:cTn id="1" dur="indefinite" restart="never" nodeType="tmRoot"/>
+      </p:par>
+    </p:tnLst>
+  </p:timing>
 </p:sld>
 </file>
 
-<file path=ppt/slides/slide15.xml><?xml version="1.0" encoding="utf-8"?>
+<file path=ppt/slides/slide16.xml><?xml version="1.0" encoding="utf-8"?>
 <p:sld xmlns:a="http://schemas.openxmlformats.org/drawingml/2006/main" xmlns:r="http://schemas.openxmlformats.org/officeDocument/2006/relationships" xmlns:p="http://schemas.openxmlformats.org/presentationml/2006/main">
   <p:cSld>
     <p:spTree>
@@ -4825,16 +5088,132 @@
             <a:fld id="{80B61DEA-751C-4EFC-848A-C896179D47AE}" type="slidenum">
               <a:rPr kumimoji="1" lang="ja-JP" altLang="en-US" smtClean="0"/>
               <a:pPr/>
-              <a:t>15</a:t>
+              <a:t>16</a:t>
             </a:fld>
             <a:endParaRPr kumimoji="1" lang="ja-JP" altLang="en-US"/>
+          </a:p>
+        </p:txBody>
+      </p:sp>
+      <p:sp>
+        <p:nvSpPr>
+          <p:cNvPr id="3" name="コンテンツ プレースホルダー 2"/>
+          <p:cNvSpPr>
+            <a:spLocks noGrp="1"/>
+          </p:cNvSpPr>
+          <p:nvPr>
+            <p:ph idx="1"/>
+          </p:nvPr>
+        </p:nvSpPr>
+        <p:spPr/>
+        <p:txBody>
+          <a:bodyPr/>
+          <a:lstStyle/>
+          <a:p>
+            <a:r>
+              <a:rPr kumimoji="1" lang="en-US" altLang="ja-JP" dirty="0" smtClean="0"/>
+              <a:t>Can data</a:t>
+            </a:r>
+          </a:p>
+          <a:p>
+            <a:r>
+              <a:rPr kumimoji="1" lang="ja-JP" altLang="en-US" dirty="0" smtClean="0"/>
+              <a:t>車種</a:t>
+            </a:r>
+            <a:endParaRPr kumimoji="1" lang="en-US" altLang="ja-JP" dirty="0" smtClean="0"/>
+          </a:p>
+          <a:p>
+            <a:endParaRPr kumimoji="1" lang="ja-JP" altLang="en-US" dirty="0"/>
+          </a:p>
+        </p:txBody>
+      </p:sp>
+      <p:sp>
+        <p:nvSpPr>
+          <p:cNvPr id="4" name="タイトル 3"/>
+          <p:cNvSpPr>
+            <a:spLocks noGrp="1"/>
+          </p:cNvSpPr>
+          <p:nvPr>
+            <p:ph type="title"/>
+          </p:nvPr>
+        </p:nvSpPr>
+        <p:spPr/>
+        <p:txBody>
+          <a:bodyPr/>
+          <a:lstStyle/>
+          <a:p>
+            <a:r>
+              <a:rPr kumimoji="1" lang="ja-JP" altLang="en-US" dirty="0" smtClean="0"/>
+              <a:t>車のデータ</a:t>
+            </a:r>
+            <a:endParaRPr kumimoji="1" lang="ja-JP" altLang="en-US" dirty="0"/>
           </a:p>
         </p:txBody>
       </p:sp>
     </p:spTree>
     <p:extLst>
       <p:ext uri="{BB962C8B-B14F-4D97-AF65-F5344CB8AC3E}">
-        <p14:creationId xmlns:p14="http://schemas.microsoft.com/office/powerpoint/2010/main" xmlns="" val="2288468216"/>
+        <p14:creationId xmlns:p14="http://schemas.microsoft.com/office/powerpoint/2010/main" val="1809590951"/>
+      </p:ext>
+    </p:extLst>
+  </p:cSld>
+  <p:clrMapOvr>
+    <a:masterClrMapping/>
+  </p:clrMapOvr>
+  <p:timing>
+    <p:tnLst>
+      <p:par>
+        <p:cTn id="1" dur="indefinite" restart="never" nodeType="tmRoot"/>
+      </p:par>
+    </p:tnLst>
+  </p:timing>
+</p:sld>
+</file>
+
+<file path=ppt/slides/slide17.xml><?xml version="1.0" encoding="utf-8"?>
+<p:sld xmlns:a="http://schemas.openxmlformats.org/drawingml/2006/main" xmlns:r="http://schemas.openxmlformats.org/officeDocument/2006/relationships" xmlns:p="http://schemas.openxmlformats.org/presentationml/2006/main">
+  <p:cSld>
+    <p:spTree>
+      <p:nvGrpSpPr>
+        <p:cNvPr id="1" name=""/>
+        <p:cNvGrpSpPr/>
+        <p:nvPr/>
+      </p:nvGrpSpPr>
+      <p:grpSpPr>
+        <a:xfrm>
+          <a:off x="0" y="0"/>
+          <a:ext cx="0" cy="0"/>
+          <a:chOff x="0" y="0"/>
+          <a:chExt cx="0" cy="0"/>
+        </a:xfrm>
+      </p:grpSpPr>
+      <p:sp>
+        <p:nvSpPr>
+          <p:cNvPr id="2" name="スライド番号プレースホルダー 1"/>
+          <p:cNvSpPr>
+            <a:spLocks noGrp="1"/>
+          </p:cNvSpPr>
+          <p:nvPr>
+            <p:ph type="sldNum" sz="quarter" idx="4"/>
+          </p:nvPr>
+        </p:nvSpPr>
+        <p:spPr/>
+        <p:txBody>
+          <a:bodyPr/>
+          <a:lstStyle/>
+          <a:p>
+            <a:fld id="{80B61DEA-751C-4EFC-848A-C896179D47AE}" type="slidenum">
+              <a:rPr kumimoji="1" lang="ja-JP" altLang="en-US" smtClean="0"/>
+              <a:pPr/>
+              <a:t>17</a:t>
+            </a:fld>
+            <a:endParaRPr kumimoji="1" lang="ja-JP" altLang="en-US"/>
+          </a:p>
+        </p:txBody>
+      </p:sp>
+    </p:spTree>
+    <p:extLst>
+      <p:ext uri="{BB962C8B-B14F-4D97-AF65-F5344CB8AC3E}">
+        <p14:creationId xmlns:p14="http://schemas.microsoft.com/office/powerpoint/2010/main" val="2288468216"/>
       </p:ext>
     </p:extLst>
   </p:cSld>
@@ -5002,13 +5381,20 @@
     </p:spTree>
     <p:extLst>
       <p:ext uri="{BB962C8B-B14F-4D97-AF65-F5344CB8AC3E}">
-        <p14:creationId xmlns:p14="http://schemas.microsoft.com/office/powerpoint/2010/main" xmlns="" val="1846401246"/>
+        <p14:creationId xmlns:p14="http://schemas.microsoft.com/office/powerpoint/2010/main" val="1846401246"/>
       </p:ext>
     </p:extLst>
   </p:cSld>
   <p:clrMapOvr>
     <a:masterClrMapping/>
   </p:clrMapOvr>
+  <p:timing>
+    <p:tnLst>
+      <p:par>
+        <p:cTn id="1" dur="indefinite" restart="never" nodeType="tmRoot"/>
+      </p:par>
+    </p:tnLst>
+  </p:timing>
 </p:sld>
 </file>
 
@@ -5164,7 +5550,7 @@
             <a:blip r:embed="rId3" cstate="print">
               <a:extLst>
                 <a:ext uri="{28A0092B-C50C-407E-A947-70E740481C1C}">
-                  <a14:useLocalDpi xmlns:a14="http://schemas.microsoft.com/office/drawing/2010/main" xmlns="" val="0"/>
+                  <a14:useLocalDpi xmlns:a14="http://schemas.microsoft.com/office/drawing/2010/main" val="0"/>
                 </a:ext>
               </a:extLst>
             </a:blip>
@@ -5187,14 +5573,14 @@
             </a:ln>
             <a:extLst>
               <a:ext uri="{909E8E84-426E-40DD-AFC4-6F175D3DCCD1}">
-                <a14:hiddenFill xmlns:a14="http://schemas.microsoft.com/office/drawing/2010/main" xmlns="">
+                <a14:hiddenFill xmlns:a14="http://schemas.microsoft.com/office/drawing/2010/main">
                   <a:solidFill>
                     <a:schemeClr val="accent1"/>
                   </a:solidFill>
                 </a14:hiddenFill>
               </a:ext>
               <a:ext uri="{91240B29-F687-4F45-9708-019B960494DF}">
-                <a14:hiddenLine xmlns:a14="http://schemas.microsoft.com/office/drawing/2010/main" xmlns="" w="9525">
+                <a14:hiddenLine xmlns:a14="http://schemas.microsoft.com/office/drawing/2010/main" w="9525">
                   <a:solidFill>
                     <a:schemeClr val="tx1"/>
                   </a:solidFill>
@@ -5218,7 +5604,7 @@
             <a:blip r:embed="rId3" cstate="print">
               <a:extLst>
                 <a:ext uri="{28A0092B-C50C-407E-A947-70E740481C1C}">
-                  <a14:useLocalDpi xmlns:a14="http://schemas.microsoft.com/office/drawing/2010/main" xmlns="" val="0"/>
+                  <a14:useLocalDpi xmlns:a14="http://schemas.microsoft.com/office/drawing/2010/main" val="0"/>
                 </a:ext>
               </a:extLst>
             </a:blip>
@@ -5241,14 +5627,14 @@
             </a:ln>
             <a:extLst>
               <a:ext uri="{909E8E84-426E-40DD-AFC4-6F175D3DCCD1}">
-                <a14:hiddenFill xmlns:a14="http://schemas.microsoft.com/office/drawing/2010/main" xmlns="">
+                <a14:hiddenFill xmlns:a14="http://schemas.microsoft.com/office/drawing/2010/main">
                   <a:solidFill>
                     <a:schemeClr val="accent1"/>
                   </a:solidFill>
                 </a14:hiddenFill>
               </a:ext>
               <a:ext uri="{91240B29-F687-4F45-9708-019B960494DF}">
-                <a14:hiddenLine xmlns:a14="http://schemas.microsoft.com/office/drawing/2010/main" xmlns="" w="9525">
+                <a14:hiddenLine xmlns:a14="http://schemas.microsoft.com/office/drawing/2010/main" w="9525">
                   <a:solidFill>
                     <a:schemeClr val="tx1"/>
                   </a:solidFill>
@@ -5272,7 +5658,7 @@
             <a:blip r:embed="rId3" cstate="print">
               <a:extLst>
                 <a:ext uri="{28A0092B-C50C-407E-A947-70E740481C1C}">
-                  <a14:useLocalDpi xmlns:a14="http://schemas.microsoft.com/office/drawing/2010/main" xmlns="" val="0"/>
+                  <a14:useLocalDpi xmlns:a14="http://schemas.microsoft.com/office/drawing/2010/main" val="0"/>
                 </a:ext>
               </a:extLst>
             </a:blip>
@@ -5295,14 +5681,14 @@
             </a:ln>
             <a:extLst>
               <a:ext uri="{909E8E84-426E-40DD-AFC4-6F175D3DCCD1}">
-                <a14:hiddenFill xmlns:a14="http://schemas.microsoft.com/office/drawing/2010/main" xmlns="">
+                <a14:hiddenFill xmlns:a14="http://schemas.microsoft.com/office/drawing/2010/main">
                   <a:solidFill>
                     <a:schemeClr val="accent1"/>
                   </a:solidFill>
                 </a14:hiddenFill>
               </a:ext>
               <a:ext uri="{91240B29-F687-4F45-9708-019B960494DF}">
-                <a14:hiddenLine xmlns:a14="http://schemas.microsoft.com/office/drawing/2010/main" xmlns="" w="9525">
+                <a14:hiddenLine xmlns:a14="http://schemas.microsoft.com/office/drawing/2010/main" w="9525">
                   <a:solidFill>
                     <a:schemeClr val="tx1"/>
                   </a:solidFill>
@@ -5326,7 +5712,7 @@
             <a:blip r:embed="rId3" cstate="print">
               <a:extLst>
                 <a:ext uri="{28A0092B-C50C-407E-A947-70E740481C1C}">
-                  <a14:useLocalDpi xmlns:a14="http://schemas.microsoft.com/office/drawing/2010/main" xmlns="" val="0"/>
+                  <a14:useLocalDpi xmlns:a14="http://schemas.microsoft.com/office/drawing/2010/main" val="0"/>
                 </a:ext>
               </a:extLst>
             </a:blip>
@@ -5349,14 +5735,14 @@
             </a:ln>
             <a:extLst>
               <a:ext uri="{909E8E84-426E-40DD-AFC4-6F175D3DCCD1}">
-                <a14:hiddenFill xmlns:a14="http://schemas.microsoft.com/office/drawing/2010/main" xmlns="">
+                <a14:hiddenFill xmlns:a14="http://schemas.microsoft.com/office/drawing/2010/main">
                   <a:solidFill>
                     <a:schemeClr val="accent1"/>
                   </a:solidFill>
                 </a14:hiddenFill>
               </a:ext>
               <a:ext uri="{91240B29-F687-4F45-9708-019B960494DF}">
-                <a14:hiddenLine xmlns:a14="http://schemas.microsoft.com/office/drawing/2010/main" xmlns="" w="9525">
+                <a14:hiddenLine xmlns:a14="http://schemas.microsoft.com/office/drawing/2010/main" w="9525">
                   <a:solidFill>
                     <a:schemeClr val="tx1"/>
                   </a:solidFill>
@@ -5746,7 +6132,7 @@
           <a:blip r:embed="rId4" cstate="print">
             <a:extLst>
               <a:ext uri="{28A0092B-C50C-407E-A947-70E740481C1C}">
-                <a14:useLocalDpi xmlns:a14="http://schemas.microsoft.com/office/drawing/2010/main" xmlns="" val="0"/>
+                <a14:useLocalDpi xmlns:a14="http://schemas.microsoft.com/office/drawing/2010/main" val="0"/>
               </a:ext>
             </a:extLst>
           </a:blip>
@@ -5773,7 +6159,7 @@
           </a:ln>
           <a:extLst>
             <a:ext uri="{909E8E84-426E-40DD-AFC4-6F175D3DCCD1}">
-              <a14:hiddenFill xmlns:a14="http://schemas.microsoft.com/office/drawing/2010/main" xmlns="">
+              <a14:hiddenFill xmlns:a14="http://schemas.microsoft.com/office/drawing/2010/main">
                 <a:solidFill>
                   <a:srgbClr val="FFFFFF"/>
                 </a:solidFill>
@@ -5824,7 +6210,7 @@
           <a:blip r:embed="rId5" cstate="print">
             <a:extLst>
               <a:ext uri="{28A0092B-C50C-407E-A947-70E740481C1C}">
-                <a14:useLocalDpi xmlns:a14="http://schemas.microsoft.com/office/drawing/2010/main" xmlns="" val="0"/>
+                <a14:useLocalDpi xmlns:a14="http://schemas.microsoft.com/office/drawing/2010/main" val="0"/>
               </a:ext>
             </a:extLst>
           </a:blip>
@@ -5844,7 +6230,7 @@
           <a:noFill/>
           <a:extLst>
             <a:ext uri="{909E8E84-426E-40DD-AFC4-6F175D3DCCD1}">
-              <a14:hiddenFill xmlns:a14="http://schemas.microsoft.com/office/drawing/2010/main" xmlns="">
+              <a14:hiddenFill xmlns:a14="http://schemas.microsoft.com/office/drawing/2010/main">
                 <a:solidFill>
                   <a:srgbClr val="FFFFFF"/>
                 </a:solidFill>
@@ -5865,7 +6251,7 @@
           <a:blip r:embed="rId6" cstate="print">
             <a:extLst>
               <a:ext uri="{28A0092B-C50C-407E-A947-70E740481C1C}">
-                <a14:useLocalDpi xmlns:a14="http://schemas.microsoft.com/office/drawing/2010/main" xmlns="" val="0"/>
+                <a14:useLocalDpi xmlns:a14="http://schemas.microsoft.com/office/drawing/2010/main" val="0"/>
               </a:ext>
             </a:extLst>
           </a:blip>
@@ -5885,7 +6271,7 @@
           <a:noFill/>
           <a:extLst>
             <a:ext uri="{909E8E84-426E-40DD-AFC4-6F175D3DCCD1}">
-              <a14:hiddenFill xmlns:a14="http://schemas.microsoft.com/office/drawing/2010/main" xmlns="">
+              <a14:hiddenFill xmlns:a14="http://schemas.microsoft.com/office/drawing/2010/main">
                 <a:solidFill>
                   <a:srgbClr val="FFFFFF"/>
                 </a:solidFill>
@@ -7112,7 +7498,7 @@
           <a:blip r:embed="rId6" cstate="print">
             <a:extLst>
               <a:ext uri="{28A0092B-C50C-407E-A947-70E740481C1C}">
-                <a14:useLocalDpi xmlns:a14="http://schemas.microsoft.com/office/drawing/2010/main" xmlns="" val="0"/>
+                <a14:useLocalDpi xmlns:a14="http://schemas.microsoft.com/office/drawing/2010/main" val="0"/>
               </a:ext>
             </a:extLst>
           </a:blip>
@@ -7132,7 +7518,7 @@
           <a:noFill/>
           <a:extLst>
             <a:ext uri="{909E8E84-426E-40DD-AFC4-6F175D3DCCD1}">
-              <a14:hiddenFill xmlns:a14="http://schemas.microsoft.com/office/drawing/2010/main" xmlns="">
+              <a14:hiddenFill xmlns:a14="http://schemas.microsoft.com/office/drawing/2010/main">
                 <a:solidFill>
                   <a:srgbClr val="FFFFFF"/>
                 </a:solidFill>
@@ -7584,7 +7970,7 @@
           <a:blip r:embed="rId7" cstate="print">
             <a:extLst>
               <a:ext uri="{28A0092B-C50C-407E-A947-70E740481C1C}">
-                <a14:useLocalDpi xmlns:a14="http://schemas.microsoft.com/office/drawing/2010/main" xmlns="" val="0"/>
+                <a14:useLocalDpi xmlns:a14="http://schemas.microsoft.com/office/drawing/2010/main" val="0"/>
               </a:ext>
             </a:extLst>
           </a:blip>
@@ -7609,7 +7995,7 @@
           </a:ln>
           <a:extLst>
             <a:ext uri="{909E8E84-426E-40DD-AFC4-6F175D3DCCD1}">
-              <a14:hiddenFill xmlns:a14="http://schemas.microsoft.com/office/drawing/2010/main" xmlns="">
+              <a14:hiddenFill xmlns:a14="http://schemas.microsoft.com/office/drawing/2010/main">
                 <a:solidFill>
                   <a:srgbClr val="FFFFFF"/>
                 </a:solidFill>
@@ -7910,7 +8296,7 @@
           <a:blip r:embed="rId3" cstate="print">
             <a:extLst>
               <a:ext uri="{28A0092B-C50C-407E-A947-70E740481C1C}">
-                <a14:useLocalDpi xmlns:a14="http://schemas.microsoft.com/office/drawing/2010/main" xmlns="" val="0"/>
+                <a14:useLocalDpi xmlns:a14="http://schemas.microsoft.com/office/drawing/2010/main" val="0"/>
               </a:ext>
             </a:extLst>
           </a:blip>
@@ -7933,14 +8319,14 @@
           </a:ln>
           <a:extLst>
             <a:ext uri="{909E8E84-426E-40DD-AFC4-6F175D3DCCD1}">
-              <a14:hiddenFill xmlns:a14="http://schemas.microsoft.com/office/drawing/2010/main" xmlns="">
+              <a14:hiddenFill xmlns:a14="http://schemas.microsoft.com/office/drawing/2010/main">
                 <a:solidFill>
                   <a:schemeClr val="accent1"/>
                 </a:solidFill>
               </a14:hiddenFill>
             </a:ext>
             <a:ext uri="{91240B29-F687-4F45-9708-019B960494DF}">
-              <a14:hiddenLine xmlns:a14="http://schemas.microsoft.com/office/drawing/2010/main" xmlns="" w="9525">
+              <a14:hiddenLine xmlns:a14="http://schemas.microsoft.com/office/drawing/2010/main" w="9525">
                 <a:solidFill>
                   <a:schemeClr val="tx1"/>
                 </a:solidFill>
@@ -8628,7 +9014,7 @@
     </p:spTree>
     <p:extLst>
       <p:ext uri="{BB962C8B-B14F-4D97-AF65-F5344CB8AC3E}">
-        <p14:creationId xmlns:p14="http://schemas.microsoft.com/office/powerpoint/2010/main" xmlns="" val="1904809622"/>
+        <p14:creationId xmlns:p14="http://schemas.microsoft.com/office/powerpoint/2010/main" val="1904809622"/>
       </p:ext>
     </p:extLst>
   </p:cSld>
@@ -8664,6 +9050,4374 @@
       </p:grpSpPr>
       <p:sp>
         <p:nvSpPr>
+          <p:cNvPr id="26" name="角丸四角形吹き出し 25"/>
+          <p:cNvSpPr/>
+          <p:nvPr/>
+        </p:nvSpPr>
+        <p:spPr>
+          <a:xfrm>
+            <a:off x="4254696" y="3254209"/>
+            <a:ext cx="1976166" cy="1480842"/>
+          </a:xfrm>
+          <a:prstGeom prst="wedgeRoundRectCallout">
+            <a:avLst>
+              <a:gd name="adj1" fmla="val -56331"/>
+              <a:gd name="adj2" fmla="val -30396"/>
+              <a:gd name="adj3" fmla="val 16667"/>
+            </a:avLst>
+          </a:prstGeom>
+          <a:solidFill>
+            <a:schemeClr val="bg1"/>
+          </a:solidFill>
+          <a:ln>
+            <a:solidFill>
+              <a:schemeClr val="tx1"/>
+            </a:solidFill>
+          </a:ln>
+        </p:spPr>
+        <p:style>
+          <a:lnRef idx="2">
+            <a:schemeClr val="accent1">
+              <a:shade val="50000"/>
+            </a:schemeClr>
+          </a:lnRef>
+          <a:fillRef idx="1">
+            <a:schemeClr val="accent1"/>
+          </a:fillRef>
+          <a:effectRef idx="0">
+            <a:schemeClr val="accent1"/>
+          </a:effectRef>
+          <a:fontRef idx="minor">
+            <a:schemeClr val="lt1"/>
+          </a:fontRef>
+        </p:style>
+        <p:txBody>
+          <a:bodyPr rtlCol="0" anchor="ctr"/>
+          <a:lstStyle/>
+          <a:p>
+            <a:pPr algn="ctr"/>
+            <a:endParaRPr kumimoji="1" lang="ja-JP" altLang="en-US">
+              <a:ln>
+                <a:solidFill>
+                  <a:schemeClr val="tx1"/>
+                </a:solidFill>
+              </a:ln>
+            </a:endParaRPr>
+          </a:p>
+        </p:txBody>
+      </p:sp>
+      <p:sp>
+        <p:nvSpPr>
+          <p:cNvPr id="3" name="タイトル 2"/>
+          <p:cNvSpPr>
+            <a:spLocks noGrp="1"/>
+          </p:cNvSpPr>
+          <p:nvPr>
+            <p:ph type="title"/>
+          </p:nvPr>
+        </p:nvSpPr>
+        <p:spPr/>
+        <p:txBody>
+          <a:bodyPr/>
+          <a:lstStyle/>
+          <a:p>
+            <a:r>
+              <a:rPr lang="en-US" altLang="ja-JP" dirty="0"/>
+              <a:t>A</a:t>
+            </a:r>
+            <a:r>
+              <a:rPr lang="en-US" altLang="ja-JP" dirty="0" smtClean="0"/>
+              <a:t>rchitecture</a:t>
+            </a:r>
+            <a:endParaRPr kumimoji="1" lang="ja-JP" altLang="en-US" dirty="0"/>
+          </a:p>
+        </p:txBody>
+      </p:sp>
+      <p:sp>
+        <p:nvSpPr>
+          <p:cNvPr id="4" name="スライド番号プレースホルダー 3"/>
+          <p:cNvSpPr>
+            <a:spLocks noGrp="1"/>
+          </p:cNvSpPr>
+          <p:nvPr>
+            <p:ph type="sldNum" sz="quarter" idx="4"/>
+          </p:nvPr>
+        </p:nvSpPr>
+        <p:spPr/>
+        <p:txBody>
+          <a:bodyPr/>
+          <a:lstStyle/>
+          <a:p>
+            <a:fld id="{80B61DEA-751C-4EFC-848A-C896179D47AE}" type="slidenum">
+              <a:rPr kumimoji="1" lang="ja-JP" altLang="en-US" smtClean="0"/>
+              <a:pPr/>
+              <a:t>4</a:t>
+            </a:fld>
+            <a:endParaRPr kumimoji="1" lang="ja-JP" altLang="en-US"/>
+          </a:p>
+        </p:txBody>
+      </p:sp>
+      <p:grpSp>
+        <p:nvGrpSpPr>
+          <p:cNvPr id="9" name="グループ化 8"/>
+          <p:cNvGrpSpPr/>
+          <p:nvPr/>
+        </p:nvGrpSpPr>
+        <p:grpSpPr>
+          <a:xfrm>
+            <a:off x="2705243" y="1732027"/>
+            <a:ext cx="998405" cy="1339990"/>
+            <a:chOff x="1138237" y="1900870"/>
+            <a:chExt cx="998405" cy="1339990"/>
+          </a:xfrm>
+        </p:grpSpPr>
+        <p:pic>
+          <p:nvPicPr>
+            <p:cNvPr id="5" name="Picture 5"/>
+            <p:cNvPicPr>
+              <a:picLocks noChangeAspect="1" noChangeArrowheads="1"/>
+            </p:cNvPicPr>
+            <p:nvPr/>
+          </p:nvPicPr>
+          <p:blipFill>
+            <a:blip r:embed="rId3" cstate="print">
+              <a:extLst>
+                <a:ext uri="{28A0092B-C50C-407E-A947-70E740481C1C}">
+                  <a14:useLocalDpi xmlns:a14="http://schemas.microsoft.com/office/drawing/2010/main" val="0"/>
+                </a:ext>
+              </a:extLst>
+            </a:blip>
+            <a:srcRect/>
+            <a:stretch>
+              <a:fillRect/>
+            </a:stretch>
+          </p:blipFill>
+          <p:spPr bwMode="auto">
+            <a:xfrm>
+              <a:off x="1138237" y="1900870"/>
+              <a:ext cx="711137" cy="882790"/>
+            </a:xfrm>
+            <a:prstGeom prst="rect">
+              <a:avLst/>
+            </a:prstGeom>
+            <a:noFill/>
+            <a:ln>
+              <a:noFill/>
+            </a:ln>
+            <a:extLst>
+              <a:ext uri="{909E8E84-426E-40DD-AFC4-6F175D3DCCD1}">
+                <a14:hiddenFill xmlns:a14="http://schemas.microsoft.com/office/drawing/2010/main">
+                  <a:solidFill>
+                    <a:schemeClr val="accent1"/>
+                  </a:solidFill>
+                </a14:hiddenFill>
+              </a:ext>
+              <a:ext uri="{91240B29-F687-4F45-9708-019B960494DF}">
+                <a14:hiddenLine xmlns:a14="http://schemas.microsoft.com/office/drawing/2010/main" w="9525">
+                  <a:solidFill>
+                    <a:schemeClr val="tx1"/>
+                  </a:solidFill>
+                  <a:miter lim="800000"/>
+                  <a:headEnd/>
+                  <a:tailEnd/>
+                </a14:hiddenLine>
+              </a:ext>
+            </a:extLst>
+          </p:spPr>
+        </p:pic>
+        <p:pic>
+          <p:nvPicPr>
+            <p:cNvPr id="6" name="Picture 5"/>
+            <p:cNvPicPr>
+              <a:picLocks noChangeAspect="1" noChangeArrowheads="1"/>
+            </p:cNvPicPr>
+            <p:nvPr/>
+          </p:nvPicPr>
+          <p:blipFill>
+            <a:blip r:embed="rId3" cstate="print">
+              <a:extLst>
+                <a:ext uri="{28A0092B-C50C-407E-A947-70E740481C1C}">
+                  <a14:useLocalDpi xmlns:a14="http://schemas.microsoft.com/office/drawing/2010/main" val="0"/>
+                </a:ext>
+              </a:extLst>
+            </a:blip>
+            <a:srcRect/>
+            <a:stretch>
+              <a:fillRect/>
+            </a:stretch>
+          </p:blipFill>
+          <p:spPr bwMode="auto">
+            <a:xfrm>
+              <a:off x="1233993" y="2053270"/>
+              <a:ext cx="711137" cy="882790"/>
+            </a:xfrm>
+            <a:prstGeom prst="rect">
+              <a:avLst/>
+            </a:prstGeom>
+            <a:noFill/>
+            <a:ln>
+              <a:noFill/>
+            </a:ln>
+            <a:extLst>
+              <a:ext uri="{909E8E84-426E-40DD-AFC4-6F175D3DCCD1}">
+                <a14:hiddenFill xmlns:a14="http://schemas.microsoft.com/office/drawing/2010/main">
+                  <a:solidFill>
+                    <a:schemeClr val="accent1"/>
+                  </a:solidFill>
+                </a14:hiddenFill>
+              </a:ext>
+              <a:ext uri="{91240B29-F687-4F45-9708-019B960494DF}">
+                <a14:hiddenLine xmlns:a14="http://schemas.microsoft.com/office/drawing/2010/main" w="9525">
+                  <a:solidFill>
+                    <a:schemeClr val="tx1"/>
+                  </a:solidFill>
+                  <a:miter lim="800000"/>
+                  <a:headEnd/>
+                  <a:tailEnd/>
+                </a14:hiddenLine>
+              </a:ext>
+            </a:extLst>
+          </p:spPr>
+        </p:pic>
+        <p:pic>
+          <p:nvPicPr>
+            <p:cNvPr id="7" name="Picture 5"/>
+            <p:cNvPicPr>
+              <a:picLocks noChangeAspect="1" noChangeArrowheads="1"/>
+            </p:cNvPicPr>
+            <p:nvPr/>
+          </p:nvPicPr>
+          <p:blipFill>
+            <a:blip r:embed="rId3" cstate="print">
+              <a:extLst>
+                <a:ext uri="{28A0092B-C50C-407E-A947-70E740481C1C}">
+                  <a14:useLocalDpi xmlns:a14="http://schemas.microsoft.com/office/drawing/2010/main" val="0"/>
+                </a:ext>
+              </a:extLst>
+            </a:blip>
+            <a:srcRect/>
+            <a:stretch>
+              <a:fillRect/>
+            </a:stretch>
+          </p:blipFill>
+          <p:spPr bwMode="auto">
+            <a:xfrm>
+              <a:off x="1329749" y="2205670"/>
+              <a:ext cx="711137" cy="882790"/>
+            </a:xfrm>
+            <a:prstGeom prst="rect">
+              <a:avLst/>
+            </a:prstGeom>
+            <a:noFill/>
+            <a:ln>
+              <a:noFill/>
+            </a:ln>
+            <a:extLst>
+              <a:ext uri="{909E8E84-426E-40DD-AFC4-6F175D3DCCD1}">
+                <a14:hiddenFill xmlns:a14="http://schemas.microsoft.com/office/drawing/2010/main">
+                  <a:solidFill>
+                    <a:schemeClr val="accent1"/>
+                  </a:solidFill>
+                </a14:hiddenFill>
+              </a:ext>
+              <a:ext uri="{91240B29-F687-4F45-9708-019B960494DF}">
+                <a14:hiddenLine xmlns:a14="http://schemas.microsoft.com/office/drawing/2010/main" w="9525">
+                  <a:solidFill>
+                    <a:schemeClr val="tx1"/>
+                  </a:solidFill>
+                  <a:miter lim="800000"/>
+                  <a:headEnd/>
+                  <a:tailEnd/>
+                </a14:hiddenLine>
+              </a:ext>
+            </a:extLst>
+          </p:spPr>
+        </p:pic>
+        <p:pic>
+          <p:nvPicPr>
+            <p:cNvPr id="8" name="Picture 5"/>
+            <p:cNvPicPr>
+              <a:picLocks noChangeAspect="1" noChangeArrowheads="1"/>
+            </p:cNvPicPr>
+            <p:nvPr/>
+          </p:nvPicPr>
+          <p:blipFill>
+            <a:blip r:embed="rId3" cstate="print">
+              <a:extLst>
+                <a:ext uri="{28A0092B-C50C-407E-A947-70E740481C1C}">
+                  <a14:useLocalDpi xmlns:a14="http://schemas.microsoft.com/office/drawing/2010/main" val="0"/>
+                </a:ext>
+              </a:extLst>
+            </a:blip>
+            <a:srcRect/>
+            <a:stretch>
+              <a:fillRect/>
+            </a:stretch>
+          </p:blipFill>
+          <p:spPr bwMode="auto">
+            <a:xfrm>
+              <a:off x="1425505" y="2358070"/>
+              <a:ext cx="711137" cy="882790"/>
+            </a:xfrm>
+            <a:prstGeom prst="rect">
+              <a:avLst/>
+            </a:prstGeom>
+            <a:noFill/>
+            <a:ln>
+              <a:noFill/>
+            </a:ln>
+            <a:extLst>
+              <a:ext uri="{909E8E84-426E-40DD-AFC4-6F175D3DCCD1}">
+                <a14:hiddenFill xmlns:a14="http://schemas.microsoft.com/office/drawing/2010/main">
+                  <a:solidFill>
+                    <a:schemeClr val="accent1"/>
+                  </a:solidFill>
+                </a14:hiddenFill>
+              </a:ext>
+              <a:ext uri="{91240B29-F687-4F45-9708-019B960494DF}">
+                <a14:hiddenLine xmlns:a14="http://schemas.microsoft.com/office/drawing/2010/main" w="9525">
+                  <a:solidFill>
+                    <a:schemeClr val="tx1"/>
+                  </a:solidFill>
+                  <a:miter lim="800000"/>
+                  <a:headEnd/>
+                  <a:tailEnd/>
+                </a14:hiddenLine>
+              </a:ext>
+            </a:extLst>
+          </p:spPr>
+        </p:pic>
+      </p:grpSp>
+      <p:grpSp>
+        <p:nvGrpSpPr>
+          <p:cNvPr id="27" name="グループ化 26"/>
+          <p:cNvGrpSpPr/>
+          <p:nvPr/>
+        </p:nvGrpSpPr>
+        <p:grpSpPr>
+          <a:xfrm>
+            <a:off x="470299" y="2953923"/>
+            <a:ext cx="1988931" cy="1204743"/>
+            <a:chOff x="2609321" y="1469207"/>
+            <a:chExt cx="1988931" cy="1204743"/>
+          </a:xfrm>
+        </p:grpSpPr>
+        <p:sp>
+          <p:nvSpPr>
+            <p:cNvPr id="10" name="正方形/長方形 9"/>
+            <p:cNvSpPr/>
+            <p:nvPr/>
+          </p:nvSpPr>
+          <p:spPr>
+            <a:xfrm>
+              <a:off x="2609321" y="1469207"/>
+              <a:ext cx="1479493" cy="593795"/>
+            </a:xfrm>
+            <a:prstGeom prst="rect">
+              <a:avLst/>
+            </a:prstGeom>
+            <a:solidFill>
+              <a:schemeClr val="bg1"/>
+            </a:solidFill>
+            <a:ln w="12700">
+              <a:solidFill>
+                <a:schemeClr val="tx1"/>
+              </a:solidFill>
+            </a:ln>
+          </p:spPr>
+          <p:style>
+            <a:lnRef idx="2">
+              <a:schemeClr val="accent1">
+                <a:shade val="50000"/>
+              </a:schemeClr>
+            </a:lnRef>
+            <a:fillRef idx="1">
+              <a:schemeClr val="accent1"/>
+            </a:fillRef>
+            <a:effectRef idx="0">
+              <a:schemeClr val="accent1"/>
+            </a:effectRef>
+            <a:fontRef idx="minor">
+              <a:schemeClr val="lt1"/>
+            </a:fontRef>
+          </p:style>
+          <p:txBody>
+            <a:bodyPr rtlCol="0" anchor="ctr"/>
+            <a:lstStyle/>
+            <a:p>
+              <a:endParaRPr kumimoji="1" lang="ja-JP" altLang="en-US" sz="900" dirty="0">
+                <a:solidFill>
+                  <a:schemeClr val="tx1"/>
+                </a:solidFill>
+              </a:endParaRPr>
+            </a:p>
+          </p:txBody>
+        </p:sp>
+        <p:sp>
+          <p:nvSpPr>
+            <p:cNvPr id="17" name="正方形/長方形 16"/>
+            <p:cNvSpPr/>
+            <p:nvPr/>
+          </p:nvSpPr>
+          <p:spPr>
+            <a:xfrm>
+              <a:off x="2705077" y="1670159"/>
+              <a:ext cx="1479493" cy="593795"/>
+            </a:xfrm>
+            <a:prstGeom prst="rect">
+              <a:avLst/>
+            </a:prstGeom>
+            <a:solidFill>
+              <a:schemeClr val="bg1"/>
+            </a:solidFill>
+            <a:ln w="12700">
+              <a:solidFill>
+                <a:schemeClr val="tx1"/>
+              </a:solidFill>
+            </a:ln>
+          </p:spPr>
+          <p:style>
+            <a:lnRef idx="2">
+              <a:schemeClr val="accent1">
+                <a:shade val="50000"/>
+              </a:schemeClr>
+            </a:lnRef>
+            <a:fillRef idx="1">
+              <a:schemeClr val="accent1"/>
+            </a:fillRef>
+            <a:effectRef idx="0">
+              <a:schemeClr val="accent1"/>
+            </a:effectRef>
+            <a:fontRef idx="minor">
+              <a:schemeClr val="lt1"/>
+            </a:fontRef>
+          </p:style>
+          <p:txBody>
+            <a:bodyPr rtlCol="0" anchor="ctr"/>
+            <a:lstStyle/>
+            <a:p>
+              <a:endParaRPr kumimoji="1" lang="ja-JP" altLang="en-US" sz="900" dirty="0">
+                <a:solidFill>
+                  <a:schemeClr val="tx1"/>
+                </a:solidFill>
+              </a:endParaRPr>
+            </a:p>
+          </p:txBody>
+        </p:sp>
+        <p:sp>
+          <p:nvSpPr>
+            <p:cNvPr id="18" name="正方形/長方形 17"/>
+            <p:cNvSpPr/>
+            <p:nvPr/>
+          </p:nvSpPr>
+          <p:spPr>
+            <a:xfrm>
+              <a:off x="2800833" y="1879203"/>
+              <a:ext cx="1479493" cy="593795"/>
+            </a:xfrm>
+            <a:prstGeom prst="rect">
+              <a:avLst/>
+            </a:prstGeom>
+            <a:solidFill>
+              <a:schemeClr val="bg1"/>
+            </a:solidFill>
+            <a:ln w="12700">
+              <a:solidFill>
+                <a:schemeClr val="tx1"/>
+              </a:solidFill>
+            </a:ln>
+          </p:spPr>
+          <p:style>
+            <a:lnRef idx="2">
+              <a:schemeClr val="accent1">
+                <a:shade val="50000"/>
+              </a:schemeClr>
+            </a:lnRef>
+            <a:fillRef idx="1">
+              <a:schemeClr val="accent1"/>
+            </a:fillRef>
+            <a:effectRef idx="0">
+              <a:schemeClr val="accent1"/>
+            </a:effectRef>
+            <a:fontRef idx="minor">
+              <a:schemeClr val="lt1"/>
+            </a:fontRef>
+          </p:style>
+          <p:txBody>
+            <a:bodyPr rtlCol="0" anchor="ctr"/>
+            <a:lstStyle/>
+            <a:p>
+              <a:endParaRPr kumimoji="1" lang="ja-JP" altLang="en-US" sz="900" dirty="0">
+                <a:solidFill>
+                  <a:schemeClr val="tx1"/>
+                </a:solidFill>
+              </a:endParaRPr>
+            </a:p>
+          </p:txBody>
+        </p:sp>
+        <p:sp>
+          <p:nvSpPr>
+            <p:cNvPr id="19" name="正方形/長方形 18"/>
+            <p:cNvSpPr/>
+            <p:nvPr/>
+          </p:nvSpPr>
+          <p:spPr>
+            <a:xfrm>
+              <a:off x="2896589" y="2080155"/>
+              <a:ext cx="1479493" cy="593795"/>
+            </a:xfrm>
+            <a:prstGeom prst="rect">
+              <a:avLst/>
+            </a:prstGeom>
+            <a:solidFill>
+              <a:schemeClr val="bg1"/>
+            </a:solidFill>
+            <a:ln w="12700">
+              <a:solidFill>
+                <a:schemeClr val="tx1"/>
+              </a:solidFill>
+            </a:ln>
+          </p:spPr>
+          <p:style>
+            <a:lnRef idx="2">
+              <a:schemeClr val="accent1">
+                <a:shade val="50000"/>
+              </a:schemeClr>
+            </a:lnRef>
+            <a:fillRef idx="1">
+              <a:schemeClr val="accent1"/>
+            </a:fillRef>
+            <a:effectRef idx="0">
+              <a:schemeClr val="accent1"/>
+            </a:effectRef>
+            <a:fontRef idx="minor">
+              <a:schemeClr val="lt1"/>
+            </a:fontRef>
+          </p:style>
+          <p:txBody>
+            <a:bodyPr rtlCol="0" anchor="ctr"/>
+            <a:lstStyle/>
+            <a:p>
+              <a:endParaRPr kumimoji="1" lang="ja-JP" altLang="en-US" sz="900" dirty="0">
+                <a:solidFill>
+                  <a:schemeClr val="tx1"/>
+                </a:solidFill>
+              </a:endParaRPr>
+            </a:p>
+          </p:txBody>
+        </p:sp>
+        <p:grpSp>
+          <p:nvGrpSpPr>
+            <p:cNvPr id="20" name="グループ化 19"/>
+            <p:cNvGrpSpPr/>
+            <p:nvPr/>
+          </p:nvGrpSpPr>
+          <p:grpSpPr>
+            <a:xfrm>
+              <a:off x="2874649" y="2083170"/>
+              <a:ext cx="1723603" cy="587763"/>
+              <a:chOff x="6352247" y="2047286"/>
+              <a:chExt cx="1723603" cy="587763"/>
+            </a:xfrm>
+          </p:grpSpPr>
+          <p:sp>
+            <p:nvSpPr>
+              <p:cNvPr id="21" name="テキスト ボックス 20"/>
+              <p:cNvSpPr txBox="1"/>
+              <p:nvPr/>
+            </p:nvSpPr>
+            <p:spPr>
+              <a:xfrm>
+                <a:off x="6352247" y="2047286"/>
+                <a:ext cx="1723603" cy="584775"/>
+              </a:xfrm>
+              <a:prstGeom prst="rect">
+                <a:avLst/>
+              </a:prstGeom>
+              <a:noFill/>
+            </p:spPr>
+            <p:txBody>
+              <a:bodyPr wrap="square" numCol="2" rtlCol="0">
+                <a:spAutoFit/>
+              </a:bodyPr>
+              <a:lstStyle/>
+              <a:p>
+                <a:pPr indent="-72000">
+                  <a:buFont typeface="Arial" panose="020B0604020202020204" pitchFamily="34" charset="0"/>
+                  <a:buChar char="•"/>
+                </a:pPr>
+                <a:r>
+                  <a:rPr kumimoji="1" lang="en-US" altLang="ja-JP" sz="800" dirty="0" smtClean="0"/>
+                  <a:t>Title</a:t>
+                </a:r>
+              </a:p>
+              <a:p>
+                <a:pPr indent="-72000">
+                  <a:buFont typeface="Arial" panose="020B0604020202020204" pitchFamily="34" charset="0"/>
+                  <a:buChar char="•"/>
+                </a:pPr>
+                <a:r>
+                  <a:rPr lang="en-US" altLang="ja-JP" sz="800" dirty="0" smtClean="0"/>
+                  <a:t>Authors</a:t>
+                </a:r>
+              </a:p>
+              <a:p>
+                <a:pPr indent="-72000">
+                  <a:buFont typeface="Arial" panose="020B0604020202020204" pitchFamily="34" charset="0"/>
+                  <a:buChar char="•"/>
+                </a:pPr>
+                <a:r>
+                  <a:rPr kumimoji="1" lang="en-US" altLang="ja-JP" sz="800" dirty="0" smtClean="0"/>
+                  <a:t>Keywords</a:t>
+                </a:r>
+              </a:p>
+              <a:p>
+                <a:pPr indent="-72000">
+                  <a:buFont typeface="Arial" panose="020B0604020202020204" pitchFamily="34" charset="0"/>
+                  <a:buChar char="•"/>
+                </a:pPr>
+                <a:endParaRPr kumimoji="1" lang="en-US" altLang="ja-JP" sz="800" dirty="0" smtClean="0"/>
+              </a:p>
+              <a:p>
+                <a:pPr indent="-72000">
+                  <a:buFont typeface="Arial" panose="020B0604020202020204" pitchFamily="34" charset="0"/>
+                  <a:buChar char="•"/>
+                </a:pPr>
+                <a:r>
+                  <a:rPr kumimoji="1" lang="en-US" altLang="ja-JP" sz="800" dirty="0" smtClean="0"/>
+                  <a:t>Citing</a:t>
+                </a:r>
+              </a:p>
+              <a:p>
+                <a:pPr indent="-72000">
+                  <a:buFont typeface="Arial" panose="020B0604020202020204" pitchFamily="34" charset="0"/>
+                  <a:buChar char="•"/>
+                </a:pPr>
+                <a:r>
+                  <a:rPr lang="en-US" altLang="ja-JP" sz="800" dirty="0" smtClean="0"/>
+                  <a:t>Cited</a:t>
+                </a:r>
+              </a:p>
+              <a:p>
+                <a:pPr indent="-72000">
+                  <a:buFont typeface="Arial" panose="020B0604020202020204" pitchFamily="34" charset="0"/>
+                  <a:buChar char="•"/>
+                </a:pPr>
+                <a:r>
+                  <a:rPr kumimoji="1" lang="en-US" altLang="ja-JP" sz="800" dirty="0" smtClean="0"/>
+                  <a:t>Conference</a:t>
+                </a:r>
+              </a:p>
+              <a:p>
+                <a:pPr indent="-72000">
+                  <a:buFont typeface="Arial" panose="020B0604020202020204" pitchFamily="34" charset="0"/>
+                  <a:buChar char="•"/>
+                </a:pPr>
+                <a:endParaRPr kumimoji="1" lang="ja-JP" altLang="en-US" sz="800" dirty="0"/>
+              </a:p>
+            </p:txBody>
+          </p:sp>
+          <p:sp>
+            <p:nvSpPr>
+              <p:cNvPr id="22" name="テキスト ボックス 21"/>
+              <p:cNvSpPr txBox="1"/>
+              <p:nvPr/>
+            </p:nvSpPr>
+            <p:spPr>
+              <a:xfrm>
+                <a:off x="6352247" y="2419605"/>
+                <a:ext cx="1723603" cy="215444"/>
+              </a:xfrm>
+              <a:prstGeom prst="rect">
+                <a:avLst/>
+              </a:prstGeom>
+              <a:noFill/>
+            </p:spPr>
+            <p:txBody>
+              <a:bodyPr wrap="square" numCol="1" rtlCol="0">
+                <a:spAutoFit/>
+              </a:bodyPr>
+              <a:lstStyle/>
+              <a:p>
+                <a:pPr indent="-72000">
+                  <a:buFont typeface="Arial" panose="020B0604020202020204" pitchFamily="34" charset="0"/>
+                  <a:buChar char="•"/>
+                </a:pPr>
+                <a:r>
+                  <a:rPr kumimoji="1" lang="en-US" altLang="ja-JP" sz="800" dirty="0" smtClean="0"/>
+                  <a:t>Date of Publication</a:t>
+                </a:r>
+                <a:endParaRPr kumimoji="1" lang="ja-JP" altLang="en-US" sz="800" dirty="0"/>
+              </a:p>
+            </p:txBody>
+          </p:sp>
+        </p:grpSp>
+      </p:grpSp>
+      <p:pic>
+        <p:nvPicPr>
+          <p:cNvPr id="1026" name="Picture 2" descr="C:\Users\ozu\Downloads\ダウンロード (1).png"/>
+          <p:cNvPicPr>
+            <a:picLocks noChangeAspect="1" noChangeArrowheads="1"/>
+          </p:cNvPicPr>
+          <p:nvPr/>
+        </p:nvPicPr>
+        <p:blipFill>
+          <a:blip r:embed="rId4" cstate="print">
+            <a:extLst>
+              <a:ext uri="{28A0092B-C50C-407E-A947-70E740481C1C}">
+                <a14:useLocalDpi xmlns:a14="http://schemas.microsoft.com/office/drawing/2010/main" val="0"/>
+              </a:ext>
+            </a:extLst>
+          </a:blip>
+          <a:srcRect/>
+          <a:stretch>
+            <a:fillRect/>
+          </a:stretch>
+        </p:blipFill>
+        <p:spPr bwMode="auto">
+          <a:xfrm>
+            <a:off x="579238" y="820355"/>
+            <a:ext cx="1528136" cy="366220"/>
+          </a:xfrm>
+          <a:prstGeom prst="rect">
+            <a:avLst/>
+          </a:prstGeom>
+          <a:noFill/>
+          <a:ln>
+            <a:solidFill>
+              <a:schemeClr val="tx2">
+                <a:lumMod val="65000"/>
+              </a:schemeClr>
+            </a:solidFill>
+          </a:ln>
+          <a:extLst>
+            <a:ext uri="{909E8E84-426E-40DD-AFC4-6F175D3DCCD1}">
+              <a14:hiddenFill xmlns:a14="http://schemas.microsoft.com/office/drawing/2010/main">
+                <a:solidFill>
+                  <a:srgbClr val="FFFFFF"/>
+                </a:solidFill>
+              </a14:hiddenFill>
+            </a:ext>
+          </a:extLst>
+        </p:spPr>
+      </p:pic>
+      <p:sp>
+        <p:nvSpPr>
+          <p:cNvPr id="23" name="テキスト ボックス 22"/>
+          <p:cNvSpPr txBox="1"/>
+          <p:nvPr/>
+        </p:nvSpPr>
+        <p:spPr>
+          <a:xfrm>
+            <a:off x="2211282" y="2109635"/>
+            <a:ext cx="539021" cy="584775"/>
+          </a:xfrm>
+          <a:prstGeom prst="rect">
+            <a:avLst/>
+          </a:prstGeom>
+          <a:noFill/>
+        </p:spPr>
+        <p:txBody>
+          <a:bodyPr wrap="square" rtlCol="0">
+            <a:spAutoFit/>
+          </a:bodyPr>
+          <a:lstStyle/>
+          <a:p>
+            <a:r>
+              <a:rPr lang="ja-JP" altLang="en-US" sz="3200" b="1" dirty="0"/>
+              <a:t>＋</a:t>
+            </a:r>
+            <a:endParaRPr kumimoji="1" lang="ja-JP" altLang="en-US" sz="3200" b="1" dirty="0"/>
+          </a:p>
+        </p:txBody>
+      </p:sp>
+      <p:pic>
+        <p:nvPicPr>
+          <p:cNvPr id="1029" name="Picture 5" descr="C:\Users\ozu\Downloads\ダウンロード (4).png"/>
+          <p:cNvPicPr>
+            <a:picLocks noChangeAspect="1" noChangeArrowheads="1"/>
+          </p:cNvPicPr>
+          <p:nvPr/>
+        </p:nvPicPr>
+        <p:blipFill>
+          <a:blip r:embed="rId5" cstate="print">
+            <a:extLst>
+              <a:ext uri="{28A0092B-C50C-407E-A947-70E740481C1C}">
+                <a14:useLocalDpi xmlns:a14="http://schemas.microsoft.com/office/drawing/2010/main" val="0"/>
+              </a:ext>
+            </a:extLst>
+          </a:blip>
+          <a:srcRect/>
+          <a:stretch>
+            <a:fillRect/>
+          </a:stretch>
+        </p:blipFill>
+        <p:spPr bwMode="auto">
+          <a:xfrm>
+            <a:off x="3490843" y="3952156"/>
+            <a:ext cx="599570" cy="309394"/>
+          </a:xfrm>
+          <a:prstGeom prst="rect">
+            <a:avLst/>
+          </a:prstGeom>
+          <a:noFill/>
+          <a:extLst>
+            <a:ext uri="{909E8E84-426E-40DD-AFC4-6F175D3DCCD1}">
+              <a14:hiddenFill xmlns:a14="http://schemas.microsoft.com/office/drawing/2010/main">
+                <a:solidFill>
+                  <a:srgbClr val="FFFFFF"/>
+                </a:solidFill>
+              </a14:hiddenFill>
+            </a:ext>
+          </a:extLst>
+        </p:spPr>
+      </p:pic>
+      <p:pic>
+        <p:nvPicPr>
+          <p:cNvPr id="1030" name="Picture 6" descr="C:\Users\ozu\Downloads\images (1).png"/>
+          <p:cNvPicPr>
+            <a:picLocks noChangeAspect="1" noChangeArrowheads="1"/>
+          </p:cNvPicPr>
+          <p:nvPr/>
+        </p:nvPicPr>
+        <p:blipFill>
+          <a:blip r:embed="rId6" cstate="print">
+            <a:extLst>
+              <a:ext uri="{28A0092B-C50C-407E-A947-70E740481C1C}">
+                <a14:useLocalDpi xmlns:a14="http://schemas.microsoft.com/office/drawing/2010/main" val="0"/>
+              </a:ext>
+            </a:extLst>
+          </a:blip>
+          <a:srcRect/>
+          <a:stretch>
+            <a:fillRect/>
+          </a:stretch>
+        </p:blipFill>
+        <p:spPr bwMode="auto">
+          <a:xfrm>
+            <a:off x="3587251" y="3307115"/>
+            <a:ext cx="514900" cy="514900"/>
+          </a:xfrm>
+          <a:prstGeom prst="rect">
+            <a:avLst/>
+          </a:prstGeom>
+          <a:noFill/>
+          <a:extLst>
+            <a:ext uri="{909E8E84-426E-40DD-AFC4-6F175D3DCCD1}">
+              <a14:hiddenFill xmlns:a14="http://schemas.microsoft.com/office/drawing/2010/main">
+                <a:solidFill>
+                  <a:srgbClr val="FFFFFF"/>
+                </a:solidFill>
+              </a14:hiddenFill>
+            </a:ext>
+          </a:extLst>
+        </p:spPr>
+      </p:pic>
+      <p:sp>
+        <p:nvSpPr>
+          <p:cNvPr id="25" name="テキスト ボックス 24"/>
+          <p:cNvSpPr txBox="1"/>
+          <p:nvPr/>
+        </p:nvSpPr>
+        <p:spPr>
+          <a:xfrm>
+            <a:off x="4389457" y="3307115"/>
+            <a:ext cx="895625" cy="1323439"/>
+          </a:xfrm>
+          <a:prstGeom prst="rect">
+            <a:avLst/>
+          </a:prstGeom>
+          <a:noFill/>
+          <a:ln>
+            <a:solidFill>
+              <a:schemeClr val="tx2">
+                <a:lumMod val="75000"/>
+              </a:schemeClr>
+            </a:solidFill>
+          </a:ln>
+        </p:spPr>
+        <p:txBody>
+          <a:bodyPr wrap="square" rtlCol="0">
+            <a:spAutoFit/>
+          </a:bodyPr>
+          <a:lstStyle/>
+          <a:p>
+            <a:r>
+              <a:rPr lang="en-US" altLang="ja-JP" sz="800" dirty="0" smtClean="0"/>
+              <a:t>papers</a:t>
+            </a:r>
+          </a:p>
+          <a:p>
+            <a:pPr indent="-108000">
+              <a:buFont typeface="Arial" panose="020B0604020202020204" pitchFamily="34" charset="0"/>
+              <a:buChar char="•"/>
+            </a:pPr>
+            <a:r>
+              <a:rPr lang="en-US" altLang="ja-JP" sz="800" dirty="0" smtClean="0"/>
+              <a:t>id</a:t>
+            </a:r>
+          </a:p>
+          <a:p>
+            <a:pPr indent="-108000">
+              <a:buFont typeface="Arial" panose="020B0604020202020204" pitchFamily="34" charset="0"/>
+              <a:buChar char="•"/>
+            </a:pPr>
+            <a:r>
+              <a:rPr lang="en-US" altLang="ja-JP" sz="800" dirty="0" smtClean="0"/>
+              <a:t>title</a:t>
+            </a:r>
+          </a:p>
+          <a:p>
+            <a:pPr indent="-108000">
+              <a:buFont typeface="Arial" panose="020B0604020202020204" pitchFamily="34" charset="0"/>
+              <a:buChar char="•"/>
+            </a:pPr>
+            <a:r>
+              <a:rPr lang="en-US" altLang="ja-JP" sz="800" dirty="0" smtClean="0"/>
+              <a:t>authors</a:t>
+            </a:r>
+          </a:p>
+          <a:p>
+            <a:pPr indent="-108000">
+              <a:buFont typeface="Arial" panose="020B0604020202020204" pitchFamily="34" charset="0"/>
+              <a:buChar char="•"/>
+            </a:pPr>
+            <a:r>
+              <a:rPr lang="en-US" altLang="ja-JP" sz="800" dirty="0" smtClean="0"/>
+              <a:t>keywords</a:t>
+            </a:r>
+          </a:p>
+          <a:p>
+            <a:pPr indent="-108000">
+              <a:buFont typeface="Arial" panose="020B0604020202020204" pitchFamily="34" charset="0"/>
+              <a:buChar char="•"/>
+            </a:pPr>
+            <a:r>
+              <a:rPr lang="en-US" altLang="ja-JP" sz="800" dirty="0" smtClean="0"/>
+              <a:t>conference</a:t>
+            </a:r>
+          </a:p>
+          <a:p>
+            <a:pPr indent="-108000">
+              <a:buFont typeface="Arial" panose="020B0604020202020204" pitchFamily="34" charset="0"/>
+              <a:buChar char="•"/>
+            </a:pPr>
+            <a:r>
+              <a:rPr lang="en-US" altLang="ja-JP" sz="800" dirty="0" smtClean="0"/>
+              <a:t>published</a:t>
+            </a:r>
+          </a:p>
+          <a:p>
+            <a:pPr indent="-108000">
+              <a:buFont typeface="Arial" panose="020B0604020202020204" pitchFamily="34" charset="0"/>
+              <a:buChar char="•"/>
+            </a:pPr>
+            <a:r>
+              <a:rPr lang="en-US" altLang="ja-JP" sz="800" dirty="0" smtClean="0"/>
+              <a:t>timestamp</a:t>
+            </a:r>
+          </a:p>
+          <a:p>
+            <a:pPr indent="-108000">
+              <a:buFont typeface="Arial" panose="020B0604020202020204" pitchFamily="34" charset="0"/>
+              <a:buChar char="•"/>
+            </a:pPr>
+            <a:r>
+              <a:rPr lang="en-US" altLang="ja-JP" sz="800" dirty="0" smtClean="0"/>
+              <a:t>path</a:t>
+            </a:r>
+          </a:p>
+          <a:p>
+            <a:pPr indent="-108000">
+              <a:buFont typeface="Arial" panose="020B0604020202020204" pitchFamily="34" charset="0"/>
+              <a:buChar char="•"/>
+            </a:pPr>
+            <a:r>
+              <a:rPr kumimoji="1" lang="en-US" altLang="ja-JP" sz="800" dirty="0" err="1" smtClean="0"/>
+              <a:t>is_cached</a:t>
+            </a:r>
+            <a:endParaRPr kumimoji="1" lang="ja-JP" altLang="en-US" sz="800" dirty="0"/>
+          </a:p>
+        </p:txBody>
+      </p:sp>
+      <p:sp>
+        <p:nvSpPr>
+          <p:cNvPr id="31" name="テキスト ボックス 30"/>
+          <p:cNvSpPr txBox="1"/>
+          <p:nvPr/>
+        </p:nvSpPr>
+        <p:spPr>
+          <a:xfrm>
+            <a:off x="5317450" y="3307115"/>
+            <a:ext cx="703019" cy="707886"/>
+          </a:xfrm>
+          <a:prstGeom prst="rect">
+            <a:avLst/>
+          </a:prstGeom>
+          <a:noFill/>
+          <a:ln>
+            <a:solidFill>
+              <a:schemeClr val="accent1">
+                <a:lumMod val="60000"/>
+                <a:lumOff val="40000"/>
+              </a:schemeClr>
+            </a:solidFill>
+          </a:ln>
+        </p:spPr>
+        <p:txBody>
+          <a:bodyPr wrap="square" rtlCol="0">
+            <a:spAutoFit/>
+          </a:bodyPr>
+          <a:lstStyle/>
+          <a:p>
+            <a:r>
+              <a:rPr lang="en-US" altLang="ja-JP" sz="800" dirty="0" smtClean="0"/>
+              <a:t>citations</a:t>
+            </a:r>
+          </a:p>
+          <a:p>
+            <a:pPr indent="-108000">
+              <a:buFont typeface="Arial" panose="020B0604020202020204" pitchFamily="34" charset="0"/>
+              <a:buChar char="•"/>
+            </a:pPr>
+            <a:r>
+              <a:rPr lang="en-US" altLang="ja-JP" sz="800" dirty="0" smtClean="0"/>
+              <a:t>id</a:t>
+            </a:r>
+          </a:p>
+          <a:p>
+            <a:pPr indent="-108000">
+              <a:buFont typeface="Arial" panose="020B0604020202020204" pitchFamily="34" charset="0"/>
+              <a:buChar char="•"/>
+            </a:pPr>
+            <a:r>
+              <a:rPr lang="en-US" altLang="ja-JP" sz="800" dirty="0" smtClean="0"/>
+              <a:t>start</a:t>
+            </a:r>
+          </a:p>
+          <a:p>
+            <a:pPr indent="-108000">
+              <a:buFont typeface="Arial" panose="020B0604020202020204" pitchFamily="34" charset="0"/>
+              <a:buChar char="•"/>
+            </a:pPr>
+            <a:r>
+              <a:rPr kumimoji="1" lang="en-US" altLang="ja-JP" sz="800" dirty="0" smtClean="0"/>
+              <a:t>end</a:t>
+            </a:r>
+          </a:p>
+          <a:p>
+            <a:r>
+              <a:rPr lang="ja-JP" altLang="en-US" sz="800" dirty="0" smtClean="0"/>
+              <a:t>↑いらない</a:t>
+            </a:r>
+            <a:endParaRPr kumimoji="1" lang="ja-JP" altLang="en-US" sz="800" dirty="0"/>
+          </a:p>
+        </p:txBody>
+      </p:sp>
+      <p:sp>
+        <p:nvSpPr>
+          <p:cNvPr id="28" name="テキスト ボックス 27"/>
+          <p:cNvSpPr txBox="1"/>
+          <p:nvPr/>
+        </p:nvSpPr>
+        <p:spPr>
+          <a:xfrm>
+            <a:off x="72579" y="1370226"/>
+            <a:ext cx="2510746" cy="1015663"/>
+          </a:xfrm>
+          <a:prstGeom prst="rect">
+            <a:avLst/>
+          </a:prstGeom>
+          <a:noFill/>
+          <a:ln>
+            <a:solidFill>
+              <a:schemeClr val="accent1"/>
+            </a:solidFill>
+          </a:ln>
+        </p:spPr>
+        <p:txBody>
+          <a:bodyPr wrap="square" rtlCol="0">
+            <a:spAutoFit/>
+          </a:bodyPr>
+          <a:lstStyle/>
+          <a:p>
+            <a:r>
+              <a:rPr lang="ja-JP" altLang="en-US" sz="1200" u="sng" dirty="0" smtClean="0"/>
+              <a:t>スクレイピング</a:t>
+            </a:r>
+            <a:endParaRPr lang="en-US" altLang="ja-JP" sz="1200" u="sng" dirty="0" smtClean="0"/>
+          </a:p>
+          <a:p>
+            <a:r>
+              <a:rPr kumimoji="1" lang="en-US" altLang="ja-JP" sz="1200" dirty="0" smtClean="0"/>
+              <a:t>python + selenium + </a:t>
+            </a:r>
+            <a:r>
+              <a:rPr kumimoji="1" lang="en-US" altLang="ja-JP" sz="1200" dirty="0" err="1" smtClean="0"/>
+              <a:t>phantomJS</a:t>
+            </a:r>
+            <a:endParaRPr kumimoji="1" lang="en-US" altLang="ja-JP" sz="1200" dirty="0" smtClean="0"/>
+          </a:p>
+          <a:p>
+            <a:endParaRPr lang="en-US" altLang="ja-JP" sz="1200" dirty="0"/>
+          </a:p>
+          <a:p>
+            <a:r>
+              <a:rPr lang="en-US" altLang="ja-JP" sz="1200" u="sng" dirty="0"/>
+              <a:t>DB</a:t>
+            </a:r>
+            <a:r>
+              <a:rPr lang="ja-JP" altLang="en-US" sz="1200" u="sng" dirty="0"/>
+              <a:t>へ格納</a:t>
+            </a:r>
+            <a:endParaRPr lang="en-US" altLang="ja-JP" sz="1200" u="sng" dirty="0"/>
+          </a:p>
+          <a:p>
+            <a:r>
+              <a:rPr lang="en-US" altLang="ja-JP" sz="1200" dirty="0"/>
+              <a:t>python + </a:t>
+            </a:r>
+            <a:r>
+              <a:rPr lang="en-US" altLang="ja-JP" sz="1200" dirty="0" err="1" smtClean="0"/>
+              <a:t>SQLAlchemy</a:t>
+            </a:r>
+            <a:endParaRPr lang="ja-JP" altLang="en-US" sz="1200" dirty="0"/>
+          </a:p>
+        </p:txBody>
+      </p:sp>
+      <p:sp>
+        <p:nvSpPr>
+          <p:cNvPr id="36" name="テキスト ボックス 35"/>
+          <p:cNvSpPr txBox="1"/>
+          <p:nvPr/>
+        </p:nvSpPr>
+        <p:spPr>
+          <a:xfrm>
+            <a:off x="3789833" y="1755691"/>
+            <a:ext cx="2070886" cy="646331"/>
+          </a:xfrm>
+          <a:prstGeom prst="rect">
+            <a:avLst/>
+          </a:prstGeom>
+          <a:noFill/>
+        </p:spPr>
+        <p:txBody>
+          <a:bodyPr wrap="square" rtlCol="0">
+            <a:spAutoFit/>
+          </a:bodyPr>
+          <a:lstStyle/>
+          <a:p>
+            <a:r>
+              <a:rPr lang="en-US" altLang="ja-JP" sz="1200" u="sng" dirty="0" smtClean="0"/>
+              <a:t>pdf</a:t>
+            </a:r>
+            <a:r>
+              <a:rPr lang="ja-JP" altLang="en-US" sz="1200" u="sng" dirty="0" smtClean="0"/>
+              <a:t>の本文をベクトル</a:t>
+            </a:r>
+            <a:r>
+              <a:rPr lang="ja-JP" altLang="en-US" sz="1200" u="sng" dirty="0"/>
+              <a:t>表現</a:t>
+            </a:r>
+            <a:endParaRPr lang="en-US" altLang="ja-JP" sz="1200" u="sng" dirty="0" smtClean="0"/>
+          </a:p>
+          <a:p>
+            <a:r>
+              <a:rPr kumimoji="1" lang="en-US" altLang="ja-JP" sz="1200" dirty="0" smtClean="0"/>
+              <a:t>python + </a:t>
+            </a:r>
+            <a:r>
+              <a:rPr kumimoji="1" lang="en-US" altLang="ja-JP" sz="1200" dirty="0" err="1" smtClean="0"/>
+              <a:t>pdfminer</a:t>
+            </a:r>
+            <a:r>
+              <a:rPr kumimoji="1" lang="en-US" altLang="ja-JP" sz="1200" dirty="0" smtClean="0"/>
+              <a:t> + </a:t>
+            </a:r>
+            <a:r>
+              <a:rPr lang="en-US" altLang="ja-JP" sz="1200" dirty="0" smtClean="0"/>
+              <a:t>Word2Vec or </a:t>
+            </a:r>
+            <a:r>
+              <a:rPr lang="en-US" altLang="ja-JP" sz="1200" dirty="0" err="1" smtClean="0"/>
+              <a:t>GloVe</a:t>
+            </a:r>
+            <a:endParaRPr kumimoji="1" lang="ja-JP" altLang="en-US" sz="1200" dirty="0"/>
+          </a:p>
+        </p:txBody>
+      </p:sp>
+      <p:grpSp>
+        <p:nvGrpSpPr>
+          <p:cNvPr id="32" name="グループ化 31"/>
+          <p:cNvGrpSpPr/>
+          <p:nvPr/>
+        </p:nvGrpSpPr>
+        <p:grpSpPr>
+          <a:xfrm>
+            <a:off x="5801313" y="1732027"/>
+            <a:ext cx="228130" cy="746195"/>
+            <a:chOff x="5801313" y="1732027"/>
+            <a:chExt cx="228130" cy="746195"/>
+          </a:xfrm>
+        </p:grpSpPr>
+        <p:sp>
+          <p:nvSpPr>
+            <p:cNvPr id="37" name="正方形/長方形 36"/>
+            <p:cNvSpPr/>
+            <p:nvPr/>
+          </p:nvSpPr>
+          <p:spPr>
+            <a:xfrm>
+              <a:off x="5801313" y="1732027"/>
+              <a:ext cx="226915" cy="746195"/>
+            </a:xfrm>
+            <a:prstGeom prst="rect">
+              <a:avLst/>
+            </a:prstGeom>
+            <a:solidFill>
+              <a:schemeClr val="bg1"/>
+            </a:solidFill>
+            <a:ln w="12700">
+              <a:solidFill>
+                <a:schemeClr val="tx1"/>
+              </a:solidFill>
+            </a:ln>
+          </p:spPr>
+          <p:style>
+            <a:lnRef idx="2">
+              <a:schemeClr val="accent1">
+                <a:shade val="50000"/>
+              </a:schemeClr>
+            </a:lnRef>
+            <a:fillRef idx="1">
+              <a:schemeClr val="accent1"/>
+            </a:fillRef>
+            <a:effectRef idx="0">
+              <a:schemeClr val="accent1"/>
+            </a:effectRef>
+            <a:fontRef idx="minor">
+              <a:schemeClr val="lt1"/>
+            </a:fontRef>
+          </p:style>
+          <p:txBody>
+            <a:bodyPr rtlCol="0" anchor="ctr"/>
+            <a:lstStyle/>
+            <a:p>
+              <a:endParaRPr kumimoji="1" lang="ja-JP" altLang="en-US" sz="900" dirty="0">
+                <a:solidFill>
+                  <a:schemeClr val="tx1"/>
+                </a:solidFill>
+              </a:endParaRPr>
+            </a:p>
+          </p:txBody>
+        </p:sp>
+        <p:cxnSp>
+          <p:nvCxnSpPr>
+            <p:cNvPr id="30" name="直線コネクタ 29"/>
+            <p:cNvCxnSpPr/>
+            <p:nvPr/>
+          </p:nvCxnSpPr>
+          <p:spPr>
+            <a:xfrm>
+              <a:off x="5802528" y="1884427"/>
+              <a:ext cx="226915" cy="0"/>
+            </a:xfrm>
+            <a:prstGeom prst="line">
+              <a:avLst/>
+            </a:prstGeom>
+          </p:spPr>
+          <p:style>
+            <a:lnRef idx="1">
+              <a:schemeClr val="dk1"/>
+            </a:lnRef>
+            <a:fillRef idx="0">
+              <a:schemeClr val="dk1"/>
+            </a:fillRef>
+            <a:effectRef idx="0">
+              <a:schemeClr val="dk1"/>
+            </a:effectRef>
+            <a:fontRef idx="minor">
+              <a:schemeClr val="tx1"/>
+            </a:fontRef>
+          </p:style>
+        </p:cxnSp>
+        <p:cxnSp>
+          <p:nvCxnSpPr>
+            <p:cNvPr id="40" name="直線コネクタ 39"/>
+            <p:cNvCxnSpPr/>
+            <p:nvPr/>
+          </p:nvCxnSpPr>
+          <p:spPr>
+            <a:xfrm>
+              <a:off x="5802528" y="2036827"/>
+              <a:ext cx="226915" cy="0"/>
+            </a:xfrm>
+            <a:prstGeom prst="line">
+              <a:avLst/>
+            </a:prstGeom>
+          </p:spPr>
+          <p:style>
+            <a:lnRef idx="1">
+              <a:schemeClr val="dk1"/>
+            </a:lnRef>
+            <a:fillRef idx="0">
+              <a:schemeClr val="dk1"/>
+            </a:fillRef>
+            <a:effectRef idx="0">
+              <a:schemeClr val="dk1"/>
+            </a:effectRef>
+            <a:fontRef idx="minor">
+              <a:schemeClr val="tx1"/>
+            </a:fontRef>
+          </p:style>
+        </p:cxnSp>
+        <p:cxnSp>
+          <p:nvCxnSpPr>
+            <p:cNvPr id="41" name="直線コネクタ 40"/>
+            <p:cNvCxnSpPr/>
+            <p:nvPr/>
+          </p:nvCxnSpPr>
+          <p:spPr>
+            <a:xfrm>
+              <a:off x="5802528" y="2189227"/>
+              <a:ext cx="226915" cy="0"/>
+            </a:xfrm>
+            <a:prstGeom prst="line">
+              <a:avLst/>
+            </a:prstGeom>
+          </p:spPr>
+          <p:style>
+            <a:lnRef idx="1">
+              <a:schemeClr val="dk1"/>
+            </a:lnRef>
+            <a:fillRef idx="0">
+              <a:schemeClr val="dk1"/>
+            </a:fillRef>
+            <a:effectRef idx="0">
+              <a:schemeClr val="dk1"/>
+            </a:effectRef>
+            <a:fontRef idx="minor">
+              <a:schemeClr val="tx1"/>
+            </a:fontRef>
+          </p:style>
+        </p:cxnSp>
+        <p:cxnSp>
+          <p:nvCxnSpPr>
+            <p:cNvPr id="42" name="直線コネクタ 41"/>
+            <p:cNvCxnSpPr/>
+            <p:nvPr/>
+          </p:nvCxnSpPr>
+          <p:spPr>
+            <a:xfrm>
+              <a:off x="5802528" y="2341627"/>
+              <a:ext cx="226915" cy="0"/>
+            </a:xfrm>
+            <a:prstGeom prst="line">
+              <a:avLst/>
+            </a:prstGeom>
+          </p:spPr>
+          <p:style>
+            <a:lnRef idx="1">
+              <a:schemeClr val="dk1"/>
+            </a:lnRef>
+            <a:fillRef idx="0">
+              <a:schemeClr val="dk1"/>
+            </a:fillRef>
+            <a:effectRef idx="0">
+              <a:schemeClr val="dk1"/>
+            </a:effectRef>
+            <a:fontRef idx="minor">
+              <a:schemeClr val="tx1"/>
+            </a:fontRef>
+          </p:style>
+        </p:cxnSp>
+      </p:grpSp>
+      <p:grpSp>
+        <p:nvGrpSpPr>
+          <p:cNvPr id="45" name="グループ化 44"/>
+          <p:cNvGrpSpPr/>
+          <p:nvPr/>
+        </p:nvGrpSpPr>
+        <p:grpSpPr>
+          <a:xfrm>
+            <a:off x="5880885" y="1924887"/>
+            <a:ext cx="228130" cy="746195"/>
+            <a:chOff x="5801313" y="1732027"/>
+            <a:chExt cx="228130" cy="746195"/>
+          </a:xfrm>
+        </p:grpSpPr>
+        <p:sp>
+          <p:nvSpPr>
+            <p:cNvPr id="46" name="正方形/長方形 45"/>
+            <p:cNvSpPr/>
+            <p:nvPr/>
+          </p:nvSpPr>
+          <p:spPr>
+            <a:xfrm>
+              <a:off x="5801313" y="1732027"/>
+              <a:ext cx="226915" cy="746195"/>
+            </a:xfrm>
+            <a:prstGeom prst="rect">
+              <a:avLst/>
+            </a:prstGeom>
+            <a:solidFill>
+              <a:schemeClr val="bg1"/>
+            </a:solidFill>
+            <a:ln w="12700">
+              <a:solidFill>
+                <a:schemeClr val="tx1"/>
+              </a:solidFill>
+            </a:ln>
+          </p:spPr>
+          <p:style>
+            <a:lnRef idx="2">
+              <a:schemeClr val="accent1">
+                <a:shade val="50000"/>
+              </a:schemeClr>
+            </a:lnRef>
+            <a:fillRef idx="1">
+              <a:schemeClr val="accent1"/>
+            </a:fillRef>
+            <a:effectRef idx="0">
+              <a:schemeClr val="accent1"/>
+            </a:effectRef>
+            <a:fontRef idx="minor">
+              <a:schemeClr val="lt1"/>
+            </a:fontRef>
+          </p:style>
+          <p:txBody>
+            <a:bodyPr rtlCol="0" anchor="ctr"/>
+            <a:lstStyle/>
+            <a:p>
+              <a:endParaRPr kumimoji="1" lang="ja-JP" altLang="en-US" sz="900" dirty="0">
+                <a:solidFill>
+                  <a:schemeClr val="tx1"/>
+                </a:solidFill>
+              </a:endParaRPr>
+            </a:p>
+          </p:txBody>
+        </p:sp>
+        <p:cxnSp>
+          <p:nvCxnSpPr>
+            <p:cNvPr id="47" name="直線コネクタ 46"/>
+            <p:cNvCxnSpPr/>
+            <p:nvPr/>
+          </p:nvCxnSpPr>
+          <p:spPr>
+            <a:xfrm>
+              <a:off x="5802528" y="1884427"/>
+              <a:ext cx="226915" cy="0"/>
+            </a:xfrm>
+            <a:prstGeom prst="line">
+              <a:avLst/>
+            </a:prstGeom>
+          </p:spPr>
+          <p:style>
+            <a:lnRef idx="1">
+              <a:schemeClr val="dk1"/>
+            </a:lnRef>
+            <a:fillRef idx="0">
+              <a:schemeClr val="dk1"/>
+            </a:fillRef>
+            <a:effectRef idx="0">
+              <a:schemeClr val="dk1"/>
+            </a:effectRef>
+            <a:fontRef idx="minor">
+              <a:schemeClr val="tx1"/>
+            </a:fontRef>
+          </p:style>
+        </p:cxnSp>
+        <p:cxnSp>
+          <p:nvCxnSpPr>
+            <p:cNvPr id="48" name="直線コネクタ 47"/>
+            <p:cNvCxnSpPr/>
+            <p:nvPr/>
+          </p:nvCxnSpPr>
+          <p:spPr>
+            <a:xfrm>
+              <a:off x="5802528" y="2036827"/>
+              <a:ext cx="226915" cy="0"/>
+            </a:xfrm>
+            <a:prstGeom prst="line">
+              <a:avLst/>
+            </a:prstGeom>
+          </p:spPr>
+          <p:style>
+            <a:lnRef idx="1">
+              <a:schemeClr val="dk1"/>
+            </a:lnRef>
+            <a:fillRef idx="0">
+              <a:schemeClr val="dk1"/>
+            </a:fillRef>
+            <a:effectRef idx="0">
+              <a:schemeClr val="dk1"/>
+            </a:effectRef>
+            <a:fontRef idx="minor">
+              <a:schemeClr val="tx1"/>
+            </a:fontRef>
+          </p:style>
+        </p:cxnSp>
+        <p:cxnSp>
+          <p:nvCxnSpPr>
+            <p:cNvPr id="49" name="直線コネクタ 48"/>
+            <p:cNvCxnSpPr/>
+            <p:nvPr/>
+          </p:nvCxnSpPr>
+          <p:spPr>
+            <a:xfrm>
+              <a:off x="5802528" y="2189227"/>
+              <a:ext cx="226915" cy="0"/>
+            </a:xfrm>
+            <a:prstGeom prst="line">
+              <a:avLst/>
+            </a:prstGeom>
+          </p:spPr>
+          <p:style>
+            <a:lnRef idx="1">
+              <a:schemeClr val="dk1"/>
+            </a:lnRef>
+            <a:fillRef idx="0">
+              <a:schemeClr val="dk1"/>
+            </a:fillRef>
+            <a:effectRef idx="0">
+              <a:schemeClr val="dk1"/>
+            </a:effectRef>
+            <a:fontRef idx="minor">
+              <a:schemeClr val="tx1"/>
+            </a:fontRef>
+          </p:style>
+        </p:cxnSp>
+        <p:cxnSp>
+          <p:nvCxnSpPr>
+            <p:cNvPr id="50" name="直線コネクタ 49"/>
+            <p:cNvCxnSpPr/>
+            <p:nvPr/>
+          </p:nvCxnSpPr>
+          <p:spPr>
+            <a:xfrm>
+              <a:off x="5802528" y="2341627"/>
+              <a:ext cx="226915" cy="0"/>
+            </a:xfrm>
+            <a:prstGeom prst="line">
+              <a:avLst/>
+            </a:prstGeom>
+          </p:spPr>
+          <p:style>
+            <a:lnRef idx="1">
+              <a:schemeClr val="dk1"/>
+            </a:lnRef>
+            <a:fillRef idx="0">
+              <a:schemeClr val="dk1"/>
+            </a:fillRef>
+            <a:effectRef idx="0">
+              <a:schemeClr val="dk1"/>
+            </a:effectRef>
+            <a:fontRef idx="minor">
+              <a:schemeClr val="tx1"/>
+            </a:fontRef>
+          </p:style>
+        </p:cxnSp>
+      </p:grpSp>
+      <p:grpSp>
+        <p:nvGrpSpPr>
+          <p:cNvPr id="51" name="グループ化 50"/>
+          <p:cNvGrpSpPr/>
+          <p:nvPr/>
+        </p:nvGrpSpPr>
+        <p:grpSpPr>
+          <a:xfrm>
+            <a:off x="5960457" y="2117747"/>
+            <a:ext cx="228130" cy="746195"/>
+            <a:chOff x="5801313" y="1732027"/>
+            <a:chExt cx="228130" cy="746195"/>
+          </a:xfrm>
+        </p:grpSpPr>
+        <p:sp>
+          <p:nvSpPr>
+            <p:cNvPr id="52" name="正方形/長方形 51"/>
+            <p:cNvSpPr/>
+            <p:nvPr/>
+          </p:nvSpPr>
+          <p:spPr>
+            <a:xfrm>
+              <a:off x="5801313" y="1732027"/>
+              <a:ext cx="226915" cy="746195"/>
+            </a:xfrm>
+            <a:prstGeom prst="rect">
+              <a:avLst/>
+            </a:prstGeom>
+            <a:solidFill>
+              <a:schemeClr val="bg1"/>
+            </a:solidFill>
+            <a:ln w="12700">
+              <a:solidFill>
+                <a:schemeClr val="tx1"/>
+              </a:solidFill>
+            </a:ln>
+          </p:spPr>
+          <p:style>
+            <a:lnRef idx="2">
+              <a:schemeClr val="accent1">
+                <a:shade val="50000"/>
+              </a:schemeClr>
+            </a:lnRef>
+            <a:fillRef idx="1">
+              <a:schemeClr val="accent1"/>
+            </a:fillRef>
+            <a:effectRef idx="0">
+              <a:schemeClr val="accent1"/>
+            </a:effectRef>
+            <a:fontRef idx="minor">
+              <a:schemeClr val="lt1"/>
+            </a:fontRef>
+          </p:style>
+          <p:txBody>
+            <a:bodyPr rtlCol="0" anchor="ctr"/>
+            <a:lstStyle/>
+            <a:p>
+              <a:endParaRPr kumimoji="1" lang="ja-JP" altLang="en-US" sz="900" dirty="0">
+                <a:solidFill>
+                  <a:schemeClr val="tx1"/>
+                </a:solidFill>
+              </a:endParaRPr>
+            </a:p>
+          </p:txBody>
+        </p:sp>
+        <p:cxnSp>
+          <p:nvCxnSpPr>
+            <p:cNvPr id="53" name="直線コネクタ 52"/>
+            <p:cNvCxnSpPr/>
+            <p:nvPr/>
+          </p:nvCxnSpPr>
+          <p:spPr>
+            <a:xfrm>
+              <a:off x="5802528" y="1884427"/>
+              <a:ext cx="226915" cy="0"/>
+            </a:xfrm>
+            <a:prstGeom prst="line">
+              <a:avLst/>
+            </a:prstGeom>
+          </p:spPr>
+          <p:style>
+            <a:lnRef idx="1">
+              <a:schemeClr val="dk1"/>
+            </a:lnRef>
+            <a:fillRef idx="0">
+              <a:schemeClr val="dk1"/>
+            </a:fillRef>
+            <a:effectRef idx="0">
+              <a:schemeClr val="dk1"/>
+            </a:effectRef>
+            <a:fontRef idx="minor">
+              <a:schemeClr val="tx1"/>
+            </a:fontRef>
+          </p:style>
+        </p:cxnSp>
+        <p:cxnSp>
+          <p:nvCxnSpPr>
+            <p:cNvPr id="54" name="直線コネクタ 53"/>
+            <p:cNvCxnSpPr/>
+            <p:nvPr/>
+          </p:nvCxnSpPr>
+          <p:spPr>
+            <a:xfrm>
+              <a:off x="5802528" y="2036827"/>
+              <a:ext cx="226915" cy="0"/>
+            </a:xfrm>
+            <a:prstGeom prst="line">
+              <a:avLst/>
+            </a:prstGeom>
+          </p:spPr>
+          <p:style>
+            <a:lnRef idx="1">
+              <a:schemeClr val="dk1"/>
+            </a:lnRef>
+            <a:fillRef idx="0">
+              <a:schemeClr val="dk1"/>
+            </a:fillRef>
+            <a:effectRef idx="0">
+              <a:schemeClr val="dk1"/>
+            </a:effectRef>
+            <a:fontRef idx="minor">
+              <a:schemeClr val="tx1"/>
+            </a:fontRef>
+          </p:style>
+        </p:cxnSp>
+        <p:cxnSp>
+          <p:nvCxnSpPr>
+            <p:cNvPr id="55" name="直線コネクタ 54"/>
+            <p:cNvCxnSpPr/>
+            <p:nvPr/>
+          </p:nvCxnSpPr>
+          <p:spPr>
+            <a:xfrm>
+              <a:off x="5802528" y="2189227"/>
+              <a:ext cx="226915" cy="0"/>
+            </a:xfrm>
+            <a:prstGeom prst="line">
+              <a:avLst/>
+            </a:prstGeom>
+          </p:spPr>
+          <p:style>
+            <a:lnRef idx="1">
+              <a:schemeClr val="dk1"/>
+            </a:lnRef>
+            <a:fillRef idx="0">
+              <a:schemeClr val="dk1"/>
+            </a:fillRef>
+            <a:effectRef idx="0">
+              <a:schemeClr val="dk1"/>
+            </a:effectRef>
+            <a:fontRef idx="minor">
+              <a:schemeClr val="tx1"/>
+            </a:fontRef>
+          </p:style>
+        </p:cxnSp>
+        <p:cxnSp>
+          <p:nvCxnSpPr>
+            <p:cNvPr id="56" name="直線コネクタ 55"/>
+            <p:cNvCxnSpPr/>
+            <p:nvPr/>
+          </p:nvCxnSpPr>
+          <p:spPr>
+            <a:xfrm>
+              <a:off x="5802528" y="2341627"/>
+              <a:ext cx="226915" cy="0"/>
+            </a:xfrm>
+            <a:prstGeom prst="line">
+              <a:avLst/>
+            </a:prstGeom>
+          </p:spPr>
+          <p:style>
+            <a:lnRef idx="1">
+              <a:schemeClr val="dk1"/>
+            </a:lnRef>
+            <a:fillRef idx="0">
+              <a:schemeClr val="dk1"/>
+            </a:fillRef>
+            <a:effectRef idx="0">
+              <a:schemeClr val="dk1"/>
+            </a:effectRef>
+            <a:fontRef idx="minor">
+              <a:schemeClr val="tx1"/>
+            </a:fontRef>
+          </p:style>
+        </p:cxnSp>
+      </p:grpSp>
+      <p:grpSp>
+        <p:nvGrpSpPr>
+          <p:cNvPr id="57" name="グループ化 56"/>
+          <p:cNvGrpSpPr/>
+          <p:nvPr/>
+        </p:nvGrpSpPr>
+        <p:grpSpPr>
+          <a:xfrm>
+            <a:off x="6056213" y="2310607"/>
+            <a:ext cx="228130" cy="746195"/>
+            <a:chOff x="5801313" y="1732027"/>
+            <a:chExt cx="228130" cy="746195"/>
+          </a:xfrm>
+        </p:grpSpPr>
+        <p:sp>
+          <p:nvSpPr>
+            <p:cNvPr id="58" name="正方形/長方形 57"/>
+            <p:cNvSpPr/>
+            <p:nvPr/>
+          </p:nvSpPr>
+          <p:spPr>
+            <a:xfrm>
+              <a:off x="5801313" y="1732027"/>
+              <a:ext cx="226915" cy="746195"/>
+            </a:xfrm>
+            <a:prstGeom prst="rect">
+              <a:avLst/>
+            </a:prstGeom>
+            <a:solidFill>
+              <a:schemeClr val="bg1"/>
+            </a:solidFill>
+            <a:ln w="12700">
+              <a:solidFill>
+                <a:schemeClr val="tx1"/>
+              </a:solidFill>
+            </a:ln>
+          </p:spPr>
+          <p:style>
+            <a:lnRef idx="2">
+              <a:schemeClr val="accent1">
+                <a:shade val="50000"/>
+              </a:schemeClr>
+            </a:lnRef>
+            <a:fillRef idx="1">
+              <a:schemeClr val="accent1"/>
+            </a:fillRef>
+            <a:effectRef idx="0">
+              <a:schemeClr val="accent1"/>
+            </a:effectRef>
+            <a:fontRef idx="minor">
+              <a:schemeClr val="lt1"/>
+            </a:fontRef>
+          </p:style>
+          <p:txBody>
+            <a:bodyPr rtlCol="0" anchor="ctr"/>
+            <a:lstStyle/>
+            <a:p>
+              <a:endParaRPr kumimoji="1" lang="ja-JP" altLang="en-US" sz="900" dirty="0">
+                <a:solidFill>
+                  <a:schemeClr val="tx1"/>
+                </a:solidFill>
+              </a:endParaRPr>
+            </a:p>
+          </p:txBody>
+        </p:sp>
+        <p:cxnSp>
+          <p:nvCxnSpPr>
+            <p:cNvPr id="59" name="直線コネクタ 58"/>
+            <p:cNvCxnSpPr/>
+            <p:nvPr/>
+          </p:nvCxnSpPr>
+          <p:spPr>
+            <a:xfrm>
+              <a:off x="5802528" y="1884427"/>
+              <a:ext cx="226915" cy="0"/>
+            </a:xfrm>
+            <a:prstGeom prst="line">
+              <a:avLst/>
+            </a:prstGeom>
+          </p:spPr>
+          <p:style>
+            <a:lnRef idx="1">
+              <a:schemeClr val="dk1"/>
+            </a:lnRef>
+            <a:fillRef idx="0">
+              <a:schemeClr val="dk1"/>
+            </a:fillRef>
+            <a:effectRef idx="0">
+              <a:schemeClr val="dk1"/>
+            </a:effectRef>
+            <a:fontRef idx="minor">
+              <a:schemeClr val="tx1"/>
+            </a:fontRef>
+          </p:style>
+        </p:cxnSp>
+        <p:cxnSp>
+          <p:nvCxnSpPr>
+            <p:cNvPr id="60" name="直線コネクタ 59"/>
+            <p:cNvCxnSpPr/>
+            <p:nvPr/>
+          </p:nvCxnSpPr>
+          <p:spPr>
+            <a:xfrm>
+              <a:off x="5802528" y="2036827"/>
+              <a:ext cx="226915" cy="0"/>
+            </a:xfrm>
+            <a:prstGeom prst="line">
+              <a:avLst/>
+            </a:prstGeom>
+          </p:spPr>
+          <p:style>
+            <a:lnRef idx="1">
+              <a:schemeClr val="dk1"/>
+            </a:lnRef>
+            <a:fillRef idx="0">
+              <a:schemeClr val="dk1"/>
+            </a:fillRef>
+            <a:effectRef idx="0">
+              <a:schemeClr val="dk1"/>
+            </a:effectRef>
+            <a:fontRef idx="minor">
+              <a:schemeClr val="tx1"/>
+            </a:fontRef>
+          </p:style>
+        </p:cxnSp>
+        <p:cxnSp>
+          <p:nvCxnSpPr>
+            <p:cNvPr id="61" name="直線コネクタ 60"/>
+            <p:cNvCxnSpPr/>
+            <p:nvPr/>
+          </p:nvCxnSpPr>
+          <p:spPr>
+            <a:xfrm>
+              <a:off x="5802528" y="2189227"/>
+              <a:ext cx="226915" cy="0"/>
+            </a:xfrm>
+            <a:prstGeom prst="line">
+              <a:avLst/>
+            </a:prstGeom>
+          </p:spPr>
+          <p:style>
+            <a:lnRef idx="1">
+              <a:schemeClr val="dk1"/>
+            </a:lnRef>
+            <a:fillRef idx="0">
+              <a:schemeClr val="dk1"/>
+            </a:fillRef>
+            <a:effectRef idx="0">
+              <a:schemeClr val="dk1"/>
+            </a:effectRef>
+            <a:fontRef idx="minor">
+              <a:schemeClr val="tx1"/>
+            </a:fontRef>
+          </p:style>
+        </p:cxnSp>
+        <p:cxnSp>
+          <p:nvCxnSpPr>
+            <p:cNvPr id="62" name="直線コネクタ 61"/>
+            <p:cNvCxnSpPr/>
+            <p:nvPr/>
+          </p:nvCxnSpPr>
+          <p:spPr>
+            <a:xfrm>
+              <a:off x="5802528" y="2341627"/>
+              <a:ext cx="226915" cy="0"/>
+            </a:xfrm>
+            <a:prstGeom prst="line">
+              <a:avLst/>
+            </a:prstGeom>
+          </p:spPr>
+          <p:style>
+            <a:lnRef idx="1">
+              <a:schemeClr val="dk1"/>
+            </a:lnRef>
+            <a:fillRef idx="0">
+              <a:schemeClr val="dk1"/>
+            </a:fillRef>
+            <a:effectRef idx="0">
+              <a:schemeClr val="dk1"/>
+            </a:effectRef>
+            <a:fontRef idx="minor">
+              <a:schemeClr val="tx1"/>
+            </a:fontRef>
+          </p:style>
+        </p:cxnSp>
+      </p:grpSp>
+      <p:sp>
+        <p:nvSpPr>
+          <p:cNvPr id="63" name="テキスト ボックス 62"/>
+          <p:cNvSpPr txBox="1"/>
+          <p:nvPr/>
+        </p:nvSpPr>
+        <p:spPr>
+          <a:xfrm>
+            <a:off x="6744689" y="1817922"/>
+            <a:ext cx="1562775" cy="461665"/>
+          </a:xfrm>
+          <a:prstGeom prst="rect">
+            <a:avLst/>
+          </a:prstGeom>
+          <a:noFill/>
+        </p:spPr>
+        <p:txBody>
+          <a:bodyPr wrap="square" rtlCol="0">
+            <a:spAutoFit/>
+          </a:bodyPr>
+          <a:lstStyle/>
+          <a:p>
+            <a:r>
+              <a:rPr lang="ja-JP" altLang="en-US" sz="1200" u="sng" dirty="0" smtClean="0"/>
+              <a:t>文書分類</a:t>
+            </a:r>
+            <a:endParaRPr lang="en-US" altLang="ja-JP" sz="1200" u="sng" dirty="0" smtClean="0"/>
+          </a:p>
+          <a:p>
+            <a:r>
+              <a:rPr kumimoji="1" lang="en-US" altLang="ja-JP" sz="1200" dirty="0" smtClean="0"/>
+              <a:t>python + </a:t>
+            </a:r>
+            <a:r>
+              <a:rPr kumimoji="1" lang="en-US" altLang="ja-JP" sz="1200" dirty="0" err="1" smtClean="0"/>
+              <a:t>tensorFlow</a:t>
+            </a:r>
+            <a:endParaRPr kumimoji="1" lang="ja-JP" altLang="en-US" sz="1200" dirty="0"/>
+          </a:p>
+        </p:txBody>
+      </p:sp>
+      <p:sp>
+        <p:nvSpPr>
+          <p:cNvPr id="33" name="雲 32"/>
+          <p:cNvSpPr/>
+          <p:nvPr/>
+        </p:nvSpPr>
+        <p:spPr>
+          <a:xfrm>
+            <a:off x="8666566" y="1648411"/>
+            <a:ext cx="1149069" cy="649470"/>
+          </a:xfrm>
+          <a:prstGeom prst="cloud">
+            <a:avLst/>
+          </a:prstGeom>
+          <a:solidFill>
+            <a:schemeClr val="bg1"/>
+          </a:solidFill>
+          <a:ln>
+            <a:solidFill>
+              <a:schemeClr val="tx1"/>
+            </a:solidFill>
+          </a:ln>
+        </p:spPr>
+        <p:style>
+          <a:lnRef idx="2">
+            <a:schemeClr val="accent1">
+              <a:shade val="50000"/>
+            </a:schemeClr>
+          </a:lnRef>
+          <a:fillRef idx="1">
+            <a:schemeClr val="accent1"/>
+          </a:fillRef>
+          <a:effectRef idx="0">
+            <a:schemeClr val="accent1"/>
+          </a:effectRef>
+          <a:fontRef idx="minor">
+            <a:schemeClr val="lt1"/>
+          </a:fontRef>
+        </p:style>
+        <p:txBody>
+          <a:bodyPr rtlCol="0" anchor="ctr"/>
+          <a:lstStyle/>
+          <a:p>
+            <a:pPr algn="ctr"/>
+            <a:r>
+              <a:rPr lang="ja-JP" altLang="en-US" sz="1200" dirty="0">
+                <a:solidFill>
+                  <a:schemeClr val="tx1"/>
+                </a:solidFill>
+              </a:rPr>
+              <a:t>パラメータ</a:t>
+            </a:r>
+            <a:endParaRPr kumimoji="1" lang="ja-JP" altLang="en-US" sz="1200" dirty="0">
+              <a:solidFill>
+                <a:schemeClr val="tx1"/>
+              </a:solidFill>
+            </a:endParaRPr>
+          </a:p>
+        </p:txBody>
+      </p:sp>
+      <p:sp>
+        <p:nvSpPr>
+          <p:cNvPr id="65" name="角丸四角形吹き出し 64"/>
+          <p:cNvSpPr/>
+          <p:nvPr/>
+        </p:nvSpPr>
+        <p:spPr>
+          <a:xfrm>
+            <a:off x="7333720" y="3282276"/>
+            <a:ext cx="1106273" cy="999676"/>
+          </a:xfrm>
+          <a:prstGeom prst="wedgeRoundRectCallout">
+            <a:avLst>
+              <a:gd name="adj1" fmla="val -56331"/>
+              <a:gd name="adj2" fmla="val -30396"/>
+              <a:gd name="adj3" fmla="val 16667"/>
+            </a:avLst>
+          </a:prstGeom>
+          <a:solidFill>
+            <a:schemeClr val="bg1"/>
+          </a:solidFill>
+          <a:ln>
+            <a:solidFill>
+              <a:schemeClr val="tx1"/>
+            </a:solidFill>
+          </a:ln>
+        </p:spPr>
+        <p:style>
+          <a:lnRef idx="2">
+            <a:schemeClr val="accent1">
+              <a:shade val="50000"/>
+            </a:schemeClr>
+          </a:lnRef>
+          <a:fillRef idx="1">
+            <a:schemeClr val="accent1"/>
+          </a:fillRef>
+          <a:effectRef idx="0">
+            <a:schemeClr val="accent1"/>
+          </a:effectRef>
+          <a:fontRef idx="minor">
+            <a:schemeClr val="lt1"/>
+          </a:fontRef>
+        </p:style>
+        <p:txBody>
+          <a:bodyPr rtlCol="0" anchor="ctr"/>
+          <a:lstStyle/>
+          <a:p>
+            <a:pPr algn="ctr"/>
+            <a:endParaRPr kumimoji="1" lang="ja-JP" altLang="en-US">
+              <a:ln>
+                <a:solidFill>
+                  <a:schemeClr val="tx1"/>
+                </a:solidFill>
+              </a:ln>
+            </a:endParaRPr>
+          </a:p>
+        </p:txBody>
+      </p:sp>
+      <p:pic>
+        <p:nvPicPr>
+          <p:cNvPr id="66" name="Picture 6" descr="C:\Users\ozu\Downloads\images (1).png"/>
+          <p:cNvPicPr>
+            <a:picLocks noChangeAspect="1" noChangeArrowheads="1"/>
+          </p:cNvPicPr>
+          <p:nvPr/>
+        </p:nvPicPr>
+        <p:blipFill>
+          <a:blip r:embed="rId6" cstate="print">
+            <a:extLst>
+              <a:ext uri="{28A0092B-C50C-407E-A947-70E740481C1C}">
+                <a14:useLocalDpi xmlns:a14="http://schemas.microsoft.com/office/drawing/2010/main" val="0"/>
+              </a:ext>
+            </a:extLst>
+          </a:blip>
+          <a:srcRect/>
+          <a:stretch>
+            <a:fillRect/>
+          </a:stretch>
+        </p:blipFill>
+        <p:spPr bwMode="auto">
+          <a:xfrm>
+            <a:off x="6666275" y="3335182"/>
+            <a:ext cx="514900" cy="514900"/>
+          </a:xfrm>
+          <a:prstGeom prst="rect">
+            <a:avLst/>
+          </a:prstGeom>
+          <a:noFill/>
+          <a:extLst>
+            <a:ext uri="{909E8E84-426E-40DD-AFC4-6F175D3DCCD1}">
+              <a14:hiddenFill xmlns:a14="http://schemas.microsoft.com/office/drawing/2010/main">
+                <a:solidFill>
+                  <a:srgbClr val="FFFFFF"/>
+                </a:solidFill>
+              </a14:hiddenFill>
+            </a:ext>
+          </a:extLst>
+        </p:spPr>
+      </p:pic>
+      <p:sp>
+        <p:nvSpPr>
+          <p:cNvPr id="67" name="テキスト ボックス 66"/>
+          <p:cNvSpPr txBox="1"/>
+          <p:nvPr/>
+        </p:nvSpPr>
+        <p:spPr>
+          <a:xfrm>
+            <a:off x="1079235" y="3539494"/>
+            <a:ext cx="2510746" cy="461665"/>
+          </a:xfrm>
+          <a:prstGeom prst="rect">
+            <a:avLst/>
+          </a:prstGeom>
+          <a:noFill/>
+        </p:spPr>
+        <p:txBody>
+          <a:bodyPr wrap="square" rtlCol="0">
+            <a:spAutoFit/>
+          </a:bodyPr>
+          <a:lstStyle/>
+          <a:p>
+            <a:r>
+              <a:rPr kumimoji="1" lang="en-US" altLang="ja-JP" sz="1200" dirty="0" smtClean="0"/>
+              <a:t>DB</a:t>
+            </a:r>
+            <a:r>
+              <a:rPr kumimoji="1" lang="ja-JP" altLang="en-US" sz="1200" dirty="0" smtClean="0"/>
+              <a:t>へ格納</a:t>
+            </a:r>
+            <a:endParaRPr kumimoji="1" lang="en-US" altLang="ja-JP" sz="1200" dirty="0" smtClean="0"/>
+          </a:p>
+          <a:p>
+            <a:r>
+              <a:rPr lang="en-US" altLang="ja-JP" sz="1200" dirty="0" smtClean="0"/>
+              <a:t>python + </a:t>
+            </a:r>
+            <a:r>
+              <a:rPr lang="en-US" altLang="ja-JP" sz="1200" dirty="0" err="1" smtClean="0"/>
+              <a:t>SQLAlchemy</a:t>
+            </a:r>
+            <a:endParaRPr kumimoji="1" lang="ja-JP" altLang="en-US" sz="1200" dirty="0"/>
+          </a:p>
+        </p:txBody>
+      </p:sp>
+      <p:sp>
+        <p:nvSpPr>
+          <p:cNvPr id="68" name="テキスト ボックス 67"/>
+          <p:cNvSpPr txBox="1"/>
+          <p:nvPr/>
+        </p:nvSpPr>
+        <p:spPr>
+          <a:xfrm>
+            <a:off x="7459641" y="3437922"/>
+            <a:ext cx="883248" cy="707886"/>
+          </a:xfrm>
+          <a:prstGeom prst="rect">
+            <a:avLst/>
+          </a:prstGeom>
+          <a:noFill/>
+          <a:ln>
+            <a:solidFill>
+              <a:schemeClr val="accent1">
+                <a:lumMod val="60000"/>
+                <a:lumOff val="40000"/>
+              </a:schemeClr>
+            </a:solidFill>
+          </a:ln>
+        </p:spPr>
+        <p:txBody>
+          <a:bodyPr wrap="square" rtlCol="0">
+            <a:spAutoFit/>
+          </a:bodyPr>
+          <a:lstStyle/>
+          <a:p>
+            <a:r>
+              <a:rPr lang="en-US" altLang="ja-JP" sz="800" dirty="0" smtClean="0"/>
+              <a:t>edges</a:t>
+            </a:r>
+          </a:p>
+          <a:p>
+            <a:pPr indent="-108000">
+              <a:buFont typeface="Arial" panose="020B0604020202020204" pitchFamily="34" charset="0"/>
+              <a:buChar char="•"/>
+            </a:pPr>
+            <a:r>
+              <a:rPr lang="en-US" altLang="ja-JP" sz="800" dirty="0" smtClean="0"/>
+              <a:t>id</a:t>
+            </a:r>
+          </a:p>
+          <a:p>
+            <a:pPr indent="-108000">
+              <a:buFont typeface="Arial" panose="020B0604020202020204" pitchFamily="34" charset="0"/>
+              <a:buChar char="•"/>
+            </a:pPr>
+            <a:r>
+              <a:rPr lang="en-US" altLang="ja-JP" sz="800" dirty="0" smtClean="0"/>
+              <a:t>start</a:t>
+            </a:r>
+          </a:p>
+          <a:p>
+            <a:pPr indent="-108000">
+              <a:buFont typeface="Arial" panose="020B0604020202020204" pitchFamily="34" charset="0"/>
+              <a:buChar char="•"/>
+            </a:pPr>
+            <a:r>
+              <a:rPr kumimoji="1" lang="en-US" altLang="ja-JP" sz="800" dirty="0" smtClean="0"/>
+              <a:t>end</a:t>
+            </a:r>
+          </a:p>
+          <a:p>
+            <a:pPr indent="-108000">
+              <a:buFont typeface="Arial" panose="020B0604020202020204" pitchFamily="34" charset="0"/>
+              <a:buChar char="•"/>
+            </a:pPr>
+            <a:r>
+              <a:rPr lang="en-US" altLang="ja-JP" sz="800" dirty="0" smtClean="0"/>
+              <a:t>relevancy</a:t>
+            </a:r>
+            <a:endParaRPr kumimoji="1" lang="ja-JP" altLang="en-US" sz="800" dirty="0"/>
+          </a:p>
+        </p:txBody>
+      </p:sp>
+      <p:sp>
+        <p:nvSpPr>
+          <p:cNvPr id="69" name="テキスト ボックス 68"/>
+          <p:cNvSpPr txBox="1"/>
+          <p:nvPr/>
+        </p:nvSpPr>
+        <p:spPr>
+          <a:xfrm>
+            <a:off x="8817440" y="3130967"/>
+            <a:ext cx="3114081" cy="461665"/>
+          </a:xfrm>
+          <a:prstGeom prst="rect">
+            <a:avLst/>
+          </a:prstGeom>
+          <a:noFill/>
+        </p:spPr>
+        <p:txBody>
+          <a:bodyPr wrap="square" rtlCol="0">
+            <a:spAutoFit/>
+          </a:bodyPr>
+          <a:lstStyle/>
+          <a:p>
+            <a:r>
+              <a:rPr lang="ja-JP" altLang="en-US" sz="1200" u="sng" dirty="0" smtClean="0"/>
+              <a:t>リンク</a:t>
+            </a:r>
+            <a:r>
+              <a:rPr lang="ja-JP" altLang="en-US" sz="1200" u="sng" dirty="0" smtClean="0"/>
+              <a:t>強度計算</a:t>
+            </a:r>
+            <a:endParaRPr kumimoji="1" lang="en-US" altLang="ja-JP" sz="1200" u="sng" dirty="0" smtClean="0"/>
+          </a:p>
+          <a:p>
+            <a:r>
+              <a:rPr lang="en-US" altLang="ja-JP" sz="1200" dirty="0" smtClean="0"/>
+              <a:t>python</a:t>
+            </a:r>
+            <a:endParaRPr kumimoji="1" lang="ja-JP" altLang="en-US" sz="1200" dirty="0"/>
+          </a:p>
+        </p:txBody>
+      </p:sp>
+      <p:sp>
+        <p:nvSpPr>
+          <p:cNvPr id="70" name="雲 69"/>
+          <p:cNvSpPr/>
+          <p:nvPr/>
+        </p:nvSpPr>
+        <p:spPr>
+          <a:xfrm>
+            <a:off x="8891794" y="1849363"/>
+            <a:ext cx="1149069" cy="649470"/>
+          </a:xfrm>
+          <a:prstGeom prst="cloud">
+            <a:avLst/>
+          </a:prstGeom>
+          <a:solidFill>
+            <a:schemeClr val="bg1"/>
+          </a:solidFill>
+          <a:ln>
+            <a:solidFill>
+              <a:schemeClr val="tx1"/>
+            </a:solidFill>
+          </a:ln>
+        </p:spPr>
+        <p:style>
+          <a:lnRef idx="2">
+            <a:schemeClr val="accent1">
+              <a:shade val="50000"/>
+            </a:schemeClr>
+          </a:lnRef>
+          <a:fillRef idx="1">
+            <a:schemeClr val="accent1"/>
+          </a:fillRef>
+          <a:effectRef idx="0">
+            <a:schemeClr val="accent1"/>
+          </a:effectRef>
+          <a:fontRef idx="minor">
+            <a:schemeClr val="lt1"/>
+          </a:fontRef>
+        </p:style>
+        <p:txBody>
+          <a:bodyPr rtlCol="0" anchor="ctr"/>
+          <a:lstStyle/>
+          <a:p>
+            <a:pPr algn="ctr"/>
+            <a:r>
+              <a:rPr lang="ja-JP" altLang="en-US" sz="1200" dirty="0">
+                <a:solidFill>
+                  <a:schemeClr val="tx1"/>
+                </a:solidFill>
+              </a:rPr>
+              <a:t>パラメータ</a:t>
+            </a:r>
+            <a:endParaRPr kumimoji="1" lang="ja-JP" altLang="en-US" sz="1200" dirty="0">
+              <a:solidFill>
+                <a:schemeClr val="tx1"/>
+              </a:solidFill>
+            </a:endParaRPr>
+          </a:p>
+        </p:txBody>
+      </p:sp>
+      <p:sp>
+        <p:nvSpPr>
+          <p:cNvPr id="71" name="雲 70"/>
+          <p:cNvSpPr/>
+          <p:nvPr/>
+        </p:nvSpPr>
+        <p:spPr>
+          <a:xfrm>
+            <a:off x="9029358" y="2043571"/>
+            <a:ext cx="1149069" cy="649470"/>
+          </a:xfrm>
+          <a:prstGeom prst="cloud">
+            <a:avLst/>
+          </a:prstGeom>
+          <a:solidFill>
+            <a:schemeClr val="bg1"/>
+          </a:solidFill>
+          <a:ln>
+            <a:solidFill>
+              <a:schemeClr val="tx1"/>
+            </a:solidFill>
+          </a:ln>
+        </p:spPr>
+        <p:style>
+          <a:lnRef idx="2">
+            <a:schemeClr val="accent1">
+              <a:shade val="50000"/>
+            </a:schemeClr>
+          </a:lnRef>
+          <a:fillRef idx="1">
+            <a:schemeClr val="accent1"/>
+          </a:fillRef>
+          <a:effectRef idx="0">
+            <a:schemeClr val="accent1"/>
+          </a:effectRef>
+          <a:fontRef idx="minor">
+            <a:schemeClr val="lt1"/>
+          </a:fontRef>
+        </p:style>
+        <p:txBody>
+          <a:bodyPr rtlCol="0" anchor="ctr"/>
+          <a:lstStyle/>
+          <a:p>
+            <a:pPr algn="ctr"/>
+            <a:r>
+              <a:rPr lang="ja-JP" altLang="en-US" sz="1200" dirty="0">
+                <a:solidFill>
+                  <a:schemeClr val="tx1"/>
+                </a:solidFill>
+              </a:rPr>
+              <a:t>パラメータ</a:t>
+            </a:r>
+            <a:endParaRPr kumimoji="1" lang="ja-JP" altLang="en-US" sz="1200" dirty="0">
+              <a:solidFill>
+                <a:schemeClr val="tx1"/>
+              </a:solidFill>
+            </a:endParaRPr>
+          </a:p>
+        </p:txBody>
+      </p:sp>
+      <p:sp>
+        <p:nvSpPr>
+          <p:cNvPr id="72" name="雲 71"/>
+          <p:cNvSpPr/>
+          <p:nvPr/>
+        </p:nvSpPr>
+        <p:spPr>
+          <a:xfrm>
+            <a:off x="9254586" y="2244523"/>
+            <a:ext cx="1149069" cy="649470"/>
+          </a:xfrm>
+          <a:prstGeom prst="cloud">
+            <a:avLst/>
+          </a:prstGeom>
+          <a:solidFill>
+            <a:srgbClr val="0070C0"/>
+          </a:solidFill>
+          <a:ln>
+            <a:solidFill>
+              <a:schemeClr val="tx1"/>
+            </a:solidFill>
+          </a:ln>
+        </p:spPr>
+        <p:style>
+          <a:lnRef idx="2">
+            <a:schemeClr val="accent1">
+              <a:shade val="50000"/>
+            </a:schemeClr>
+          </a:lnRef>
+          <a:fillRef idx="1">
+            <a:schemeClr val="accent1"/>
+          </a:fillRef>
+          <a:effectRef idx="0">
+            <a:schemeClr val="accent1"/>
+          </a:effectRef>
+          <a:fontRef idx="minor">
+            <a:schemeClr val="lt1"/>
+          </a:fontRef>
+        </p:style>
+        <p:txBody>
+          <a:bodyPr rtlCol="0" anchor="ctr"/>
+          <a:lstStyle/>
+          <a:p>
+            <a:pPr algn="ctr"/>
+            <a:r>
+              <a:rPr lang="ja-JP" altLang="en-US" sz="1200" dirty="0">
+                <a:solidFill>
+                  <a:schemeClr val="bg1"/>
+                </a:solidFill>
+              </a:rPr>
+              <a:t>パラメータ</a:t>
+            </a:r>
+            <a:endParaRPr kumimoji="1" lang="ja-JP" altLang="en-US" sz="1200" dirty="0">
+              <a:solidFill>
+                <a:schemeClr val="bg1"/>
+              </a:solidFill>
+            </a:endParaRPr>
+          </a:p>
+        </p:txBody>
+      </p:sp>
+      <p:sp>
+        <p:nvSpPr>
+          <p:cNvPr id="35" name="テキスト ボックス 34"/>
+          <p:cNvSpPr txBox="1"/>
+          <p:nvPr/>
+        </p:nvSpPr>
+        <p:spPr>
+          <a:xfrm>
+            <a:off x="9400908" y="4141907"/>
+            <a:ext cx="2005493" cy="646331"/>
+          </a:xfrm>
+          <a:prstGeom prst="rect">
+            <a:avLst/>
+          </a:prstGeom>
+          <a:noFill/>
+        </p:spPr>
+        <p:txBody>
+          <a:bodyPr wrap="square" rtlCol="0">
+            <a:spAutoFit/>
+          </a:bodyPr>
+          <a:lstStyle/>
+          <a:p>
+            <a:r>
+              <a:rPr kumimoji="1" lang="ja-JP" altLang="en-US" sz="1200" dirty="0" smtClean="0"/>
+              <a:t>グラフ化</a:t>
+            </a:r>
+            <a:endParaRPr kumimoji="1" lang="en-US" altLang="ja-JP" sz="1200" dirty="0" smtClean="0"/>
+          </a:p>
+          <a:p>
+            <a:r>
+              <a:rPr kumimoji="1" lang="en-US" altLang="ja-JP" sz="1200" dirty="0" err="1" smtClean="0"/>
+              <a:t>javascript</a:t>
+            </a:r>
+            <a:r>
+              <a:rPr kumimoji="1" lang="en-US" altLang="ja-JP" sz="1200" dirty="0" smtClean="0"/>
+              <a:t> + </a:t>
+            </a:r>
+            <a:r>
+              <a:rPr lang="en-US" altLang="ja-JP" sz="1200" dirty="0" smtClean="0"/>
+              <a:t>cytoscape.js</a:t>
+            </a:r>
+          </a:p>
+          <a:p>
+            <a:r>
+              <a:rPr kumimoji="1" lang="en-US" altLang="ja-JP" sz="1200" dirty="0"/>
+              <a:t> </a:t>
+            </a:r>
+            <a:r>
+              <a:rPr kumimoji="1" lang="en-US" altLang="ja-JP" sz="1200" dirty="0" smtClean="0"/>
+              <a:t>+</a:t>
+            </a:r>
+            <a:r>
+              <a:rPr lang="en-US" altLang="ja-JP" sz="1200" dirty="0"/>
+              <a:t> </a:t>
+            </a:r>
+            <a:r>
+              <a:rPr lang="en-US" altLang="ja-JP" sz="1200" dirty="0" err="1"/>
+              <a:t>nodejs</a:t>
+            </a:r>
+            <a:r>
+              <a:rPr lang="en-US" altLang="ja-JP" sz="1200" dirty="0"/>
+              <a:t> + </a:t>
+            </a:r>
+            <a:r>
+              <a:rPr lang="en-US" altLang="ja-JP" sz="1200" dirty="0" err="1" smtClean="0"/>
+              <a:t>mysqljs</a:t>
+            </a:r>
+            <a:endParaRPr kumimoji="1" lang="ja-JP" altLang="en-US" sz="1200" dirty="0"/>
+          </a:p>
+        </p:txBody>
+      </p:sp>
+      <p:pic>
+        <p:nvPicPr>
+          <p:cNvPr id="1031" name="Picture 7" descr="C:\Users\ozu\Downloads\Golorize.jpg"/>
+          <p:cNvPicPr>
+            <a:picLocks noChangeAspect="1" noChangeArrowheads="1"/>
+          </p:cNvPicPr>
+          <p:nvPr/>
+        </p:nvPicPr>
+        <p:blipFill>
+          <a:blip r:embed="rId7" cstate="print">
+            <a:extLst>
+              <a:ext uri="{28A0092B-C50C-407E-A947-70E740481C1C}">
+                <a14:useLocalDpi xmlns:a14="http://schemas.microsoft.com/office/drawing/2010/main" val="0"/>
+              </a:ext>
+            </a:extLst>
+          </a:blip>
+          <a:srcRect/>
+          <a:stretch>
+            <a:fillRect/>
+          </a:stretch>
+        </p:blipFill>
+        <p:spPr bwMode="auto">
+          <a:xfrm>
+            <a:off x="9439344" y="4808048"/>
+            <a:ext cx="2214318" cy="1547183"/>
+          </a:xfrm>
+          <a:prstGeom prst="rect">
+            <a:avLst/>
+          </a:prstGeom>
+          <a:noFill/>
+          <a:ln>
+            <a:solidFill>
+              <a:schemeClr val="tx1"/>
+            </a:solidFill>
+          </a:ln>
+          <a:extLst>
+            <a:ext uri="{909E8E84-426E-40DD-AFC4-6F175D3DCCD1}">
+              <a14:hiddenFill xmlns:a14="http://schemas.microsoft.com/office/drawing/2010/main">
+                <a:solidFill>
+                  <a:srgbClr val="FFFFFF"/>
+                </a:solidFill>
+              </a14:hiddenFill>
+            </a:ext>
+          </a:extLst>
+        </p:spPr>
+      </p:pic>
+      <p:sp>
+        <p:nvSpPr>
+          <p:cNvPr id="83" name="右矢印 82"/>
+          <p:cNvSpPr/>
+          <p:nvPr/>
+        </p:nvSpPr>
+        <p:spPr>
+          <a:xfrm rot="1398129">
+            <a:off x="1887791" y="3320562"/>
+            <a:ext cx="1695384" cy="426180"/>
+          </a:xfrm>
+          <a:prstGeom prst="rightArrow">
+            <a:avLst/>
+          </a:prstGeom>
+        </p:spPr>
+        <p:style>
+          <a:lnRef idx="2">
+            <a:schemeClr val="accent1">
+              <a:shade val="50000"/>
+            </a:schemeClr>
+          </a:lnRef>
+          <a:fillRef idx="1">
+            <a:schemeClr val="accent1"/>
+          </a:fillRef>
+          <a:effectRef idx="0">
+            <a:schemeClr val="accent1"/>
+          </a:effectRef>
+          <a:fontRef idx="minor">
+            <a:schemeClr val="lt1"/>
+          </a:fontRef>
+        </p:style>
+        <p:txBody>
+          <a:bodyPr rtlCol="0" anchor="ctr"/>
+          <a:lstStyle/>
+          <a:p>
+            <a:pPr algn="ctr"/>
+            <a:endParaRPr kumimoji="1" lang="ja-JP" altLang="en-US"/>
+          </a:p>
+        </p:txBody>
+      </p:sp>
+      <p:sp>
+        <p:nvSpPr>
+          <p:cNvPr id="84" name="右矢印 83"/>
+          <p:cNvSpPr/>
+          <p:nvPr/>
+        </p:nvSpPr>
+        <p:spPr>
+          <a:xfrm rot="751172">
+            <a:off x="6370642" y="4595144"/>
+            <a:ext cx="2822376" cy="426180"/>
+          </a:xfrm>
+          <a:prstGeom prst="rightArrow">
+            <a:avLst/>
+          </a:prstGeom>
+        </p:spPr>
+        <p:style>
+          <a:lnRef idx="2">
+            <a:schemeClr val="accent1">
+              <a:shade val="50000"/>
+            </a:schemeClr>
+          </a:lnRef>
+          <a:fillRef idx="1">
+            <a:schemeClr val="accent1"/>
+          </a:fillRef>
+          <a:effectRef idx="0">
+            <a:schemeClr val="accent1"/>
+          </a:effectRef>
+          <a:fontRef idx="minor">
+            <a:schemeClr val="lt1"/>
+          </a:fontRef>
+        </p:style>
+        <p:txBody>
+          <a:bodyPr rtlCol="0" anchor="ctr"/>
+          <a:lstStyle/>
+          <a:p>
+            <a:pPr algn="ctr"/>
+            <a:endParaRPr kumimoji="1" lang="ja-JP" altLang="en-US"/>
+          </a:p>
+        </p:txBody>
+      </p:sp>
+      <p:pic>
+        <p:nvPicPr>
+          <p:cNvPr id="86" name="Picture 5"/>
+          <p:cNvPicPr>
+            <a:picLocks noChangeAspect="1" noChangeArrowheads="1"/>
+          </p:cNvPicPr>
+          <p:nvPr/>
+        </p:nvPicPr>
+        <p:blipFill>
+          <a:blip r:embed="rId3" cstate="print">
+            <a:extLst>
+              <a:ext uri="{28A0092B-C50C-407E-A947-70E740481C1C}">
+                <a14:useLocalDpi xmlns:a14="http://schemas.microsoft.com/office/drawing/2010/main" val="0"/>
+              </a:ext>
+            </a:extLst>
+          </a:blip>
+          <a:srcRect/>
+          <a:stretch>
+            <a:fillRect/>
+          </a:stretch>
+        </p:blipFill>
+        <p:spPr bwMode="auto">
+          <a:xfrm>
+            <a:off x="542750" y="5140245"/>
+            <a:ext cx="711137" cy="882790"/>
+          </a:xfrm>
+          <a:prstGeom prst="rect">
+            <a:avLst/>
+          </a:prstGeom>
+          <a:noFill/>
+          <a:ln>
+            <a:noFill/>
+          </a:ln>
+          <a:extLst>
+            <a:ext uri="{909E8E84-426E-40DD-AFC4-6F175D3DCCD1}">
+              <a14:hiddenFill xmlns:a14="http://schemas.microsoft.com/office/drawing/2010/main">
+                <a:solidFill>
+                  <a:schemeClr val="accent1"/>
+                </a:solidFill>
+              </a14:hiddenFill>
+            </a:ext>
+            <a:ext uri="{91240B29-F687-4F45-9708-019B960494DF}">
+              <a14:hiddenLine xmlns:a14="http://schemas.microsoft.com/office/drawing/2010/main" w="9525">
+                <a:solidFill>
+                  <a:schemeClr val="tx1"/>
+                </a:solidFill>
+                <a:miter lim="800000"/>
+                <a:headEnd/>
+                <a:tailEnd/>
+              </a14:hiddenLine>
+            </a:ext>
+          </a:extLst>
+        </p:spPr>
+      </p:pic>
+      <p:grpSp>
+        <p:nvGrpSpPr>
+          <p:cNvPr id="106" name="グループ化 105"/>
+          <p:cNvGrpSpPr/>
+          <p:nvPr/>
+        </p:nvGrpSpPr>
+        <p:grpSpPr>
+          <a:xfrm>
+            <a:off x="4390441" y="5190169"/>
+            <a:ext cx="228130" cy="746195"/>
+            <a:chOff x="5801313" y="1732027"/>
+            <a:chExt cx="228130" cy="746195"/>
+          </a:xfrm>
+        </p:grpSpPr>
+        <p:sp>
+          <p:nvSpPr>
+            <p:cNvPr id="107" name="正方形/長方形 106"/>
+            <p:cNvSpPr/>
+            <p:nvPr/>
+          </p:nvSpPr>
+          <p:spPr>
+            <a:xfrm>
+              <a:off x="5801313" y="1732027"/>
+              <a:ext cx="226915" cy="746195"/>
+            </a:xfrm>
+            <a:prstGeom prst="rect">
+              <a:avLst/>
+            </a:prstGeom>
+            <a:solidFill>
+              <a:schemeClr val="bg1"/>
+            </a:solidFill>
+            <a:ln w="12700">
+              <a:solidFill>
+                <a:schemeClr val="tx1"/>
+              </a:solidFill>
+            </a:ln>
+          </p:spPr>
+          <p:style>
+            <a:lnRef idx="2">
+              <a:schemeClr val="accent1">
+                <a:shade val="50000"/>
+              </a:schemeClr>
+            </a:lnRef>
+            <a:fillRef idx="1">
+              <a:schemeClr val="accent1"/>
+            </a:fillRef>
+            <a:effectRef idx="0">
+              <a:schemeClr val="accent1"/>
+            </a:effectRef>
+            <a:fontRef idx="minor">
+              <a:schemeClr val="lt1"/>
+            </a:fontRef>
+          </p:style>
+          <p:txBody>
+            <a:bodyPr rtlCol="0" anchor="ctr"/>
+            <a:lstStyle/>
+            <a:p>
+              <a:endParaRPr kumimoji="1" lang="ja-JP" altLang="en-US" sz="900" dirty="0">
+                <a:solidFill>
+                  <a:schemeClr val="tx1"/>
+                </a:solidFill>
+              </a:endParaRPr>
+            </a:p>
+          </p:txBody>
+        </p:sp>
+        <p:cxnSp>
+          <p:nvCxnSpPr>
+            <p:cNvPr id="108" name="直線コネクタ 107"/>
+            <p:cNvCxnSpPr/>
+            <p:nvPr/>
+          </p:nvCxnSpPr>
+          <p:spPr>
+            <a:xfrm>
+              <a:off x="5802528" y="1884427"/>
+              <a:ext cx="226915" cy="0"/>
+            </a:xfrm>
+            <a:prstGeom prst="line">
+              <a:avLst/>
+            </a:prstGeom>
+          </p:spPr>
+          <p:style>
+            <a:lnRef idx="1">
+              <a:schemeClr val="dk1"/>
+            </a:lnRef>
+            <a:fillRef idx="0">
+              <a:schemeClr val="dk1"/>
+            </a:fillRef>
+            <a:effectRef idx="0">
+              <a:schemeClr val="dk1"/>
+            </a:effectRef>
+            <a:fontRef idx="minor">
+              <a:schemeClr val="tx1"/>
+            </a:fontRef>
+          </p:style>
+        </p:cxnSp>
+        <p:cxnSp>
+          <p:nvCxnSpPr>
+            <p:cNvPr id="109" name="直線コネクタ 108"/>
+            <p:cNvCxnSpPr/>
+            <p:nvPr/>
+          </p:nvCxnSpPr>
+          <p:spPr>
+            <a:xfrm>
+              <a:off x="5802528" y="2036827"/>
+              <a:ext cx="226915" cy="0"/>
+            </a:xfrm>
+            <a:prstGeom prst="line">
+              <a:avLst/>
+            </a:prstGeom>
+          </p:spPr>
+          <p:style>
+            <a:lnRef idx="1">
+              <a:schemeClr val="dk1"/>
+            </a:lnRef>
+            <a:fillRef idx="0">
+              <a:schemeClr val="dk1"/>
+            </a:fillRef>
+            <a:effectRef idx="0">
+              <a:schemeClr val="dk1"/>
+            </a:effectRef>
+            <a:fontRef idx="minor">
+              <a:schemeClr val="tx1"/>
+            </a:fontRef>
+          </p:style>
+        </p:cxnSp>
+        <p:cxnSp>
+          <p:nvCxnSpPr>
+            <p:cNvPr id="110" name="直線コネクタ 109"/>
+            <p:cNvCxnSpPr/>
+            <p:nvPr/>
+          </p:nvCxnSpPr>
+          <p:spPr>
+            <a:xfrm>
+              <a:off x="5802528" y="2189227"/>
+              <a:ext cx="226915" cy="0"/>
+            </a:xfrm>
+            <a:prstGeom prst="line">
+              <a:avLst/>
+            </a:prstGeom>
+          </p:spPr>
+          <p:style>
+            <a:lnRef idx="1">
+              <a:schemeClr val="dk1"/>
+            </a:lnRef>
+            <a:fillRef idx="0">
+              <a:schemeClr val="dk1"/>
+            </a:fillRef>
+            <a:effectRef idx="0">
+              <a:schemeClr val="dk1"/>
+            </a:effectRef>
+            <a:fontRef idx="minor">
+              <a:schemeClr val="tx1"/>
+            </a:fontRef>
+          </p:style>
+        </p:cxnSp>
+        <p:cxnSp>
+          <p:nvCxnSpPr>
+            <p:cNvPr id="111" name="直線コネクタ 110"/>
+            <p:cNvCxnSpPr/>
+            <p:nvPr/>
+          </p:nvCxnSpPr>
+          <p:spPr>
+            <a:xfrm>
+              <a:off x="5802528" y="2341627"/>
+              <a:ext cx="226915" cy="0"/>
+            </a:xfrm>
+            <a:prstGeom prst="line">
+              <a:avLst/>
+            </a:prstGeom>
+          </p:spPr>
+          <p:style>
+            <a:lnRef idx="1">
+              <a:schemeClr val="dk1"/>
+            </a:lnRef>
+            <a:fillRef idx="0">
+              <a:schemeClr val="dk1"/>
+            </a:fillRef>
+            <a:effectRef idx="0">
+              <a:schemeClr val="dk1"/>
+            </a:effectRef>
+            <a:fontRef idx="minor">
+              <a:schemeClr val="tx1"/>
+            </a:fontRef>
+          </p:style>
+        </p:cxnSp>
+      </p:grpSp>
+      <p:sp>
+        <p:nvSpPr>
+          <p:cNvPr id="112" name="右矢印 111"/>
+          <p:cNvSpPr/>
+          <p:nvPr/>
+        </p:nvSpPr>
+        <p:spPr>
+          <a:xfrm>
+            <a:off x="4825276" y="5332614"/>
+            <a:ext cx="908874" cy="426180"/>
+          </a:xfrm>
+          <a:prstGeom prst="rightArrow">
+            <a:avLst/>
+          </a:prstGeom>
+        </p:spPr>
+        <p:style>
+          <a:lnRef idx="2">
+            <a:schemeClr val="accent1">
+              <a:shade val="50000"/>
+            </a:schemeClr>
+          </a:lnRef>
+          <a:fillRef idx="1">
+            <a:schemeClr val="accent1"/>
+          </a:fillRef>
+          <a:effectRef idx="0">
+            <a:schemeClr val="accent1"/>
+          </a:effectRef>
+          <a:fontRef idx="minor">
+            <a:schemeClr val="lt1"/>
+          </a:fontRef>
+        </p:style>
+        <p:txBody>
+          <a:bodyPr rtlCol="0" anchor="ctr"/>
+          <a:lstStyle/>
+          <a:p>
+            <a:pPr algn="ctr"/>
+            <a:endParaRPr kumimoji="1" lang="ja-JP" altLang="en-US"/>
+          </a:p>
+        </p:txBody>
+      </p:sp>
+      <p:sp>
+        <p:nvSpPr>
+          <p:cNvPr id="113" name="雲 112"/>
+          <p:cNvSpPr/>
+          <p:nvPr/>
+        </p:nvSpPr>
+        <p:spPr>
+          <a:xfrm>
+            <a:off x="5914770" y="5220969"/>
+            <a:ext cx="1149069" cy="649470"/>
+          </a:xfrm>
+          <a:prstGeom prst="cloud">
+            <a:avLst/>
+          </a:prstGeom>
+          <a:solidFill>
+            <a:schemeClr val="bg1"/>
+          </a:solidFill>
+          <a:ln>
+            <a:solidFill>
+              <a:schemeClr val="tx1"/>
+            </a:solidFill>
+          </a:ln>
+        </p:spPr>
+        <p:style>
+          <a:lnRef idx="2">
+            <a:schemeClr val="accent1">
+              <a:shade val="50000"/>
+            </a:schemeClr>
+          </a:lnRef>
+          <a:fillRef idx="1">
+            <a:schemeClr val="accent1"/>
+          </a:fillRef>
+          <a:effectRef idx="0">
+            <a:schemeClr val="accent1"/>
+          </a:effectRef>
+          <a:fontRef idx="minor">
+            <a:schemeClr val="lt1"/>
+          </a:fontRef>
+        </p:style>
+        <p:txBody>
+          <a:bodyPr rtlCol="0" anchor="ctr"/>
+          <a:lstStyle/>
+          <a:p>
+            <a:pPr algn="ctr"/>
+            <a:r>
+              <a:rPr lang="ja-JP" altLang="en-US" sz="1200" dirty="0">
+                <a:solidFill>
+                  <a:schemeClr val="tx1"/>
+                </a:solidFill>
+              </a:rPr>
+              <a:t>パラメータ</a:t>
+            </a:r>
+            <a:endParaRPr kumimoji="1" lang="ja-JP" altLang="en-US" sz="1200" dirty="0">
+              <a:solidFill>
+                <a:schemeClr val="tx1"/>
+              </a:solidFill>
+            </a:endParaRPr>
+          </a:p>
+        </p:txBody>
+      </p:sp>
+      <p:grpSp>
+        <p:nvGrpSpPr>
+          <p:cNvPr id="73" name="グループ化 72"/>
+          <p:cNvGrpSpPr/>
+          <p:nvPr/>
+        </p:nvGrpSpPr>
+        <p:grpSpPr>
+          <a:xfrm>
+            <a:off x="2383160" y="5240128"/>
+            <a:ext cx="1725689" cy="597964"/>
+            <a:chOff x="756164" y="4203463"/>
+            <a:chExt cx="1725689" cy="597964"/>
+          </a:xfrm>
+        </p:grpSpPr>
+        <p:sp>
+          <p:nvSpPr>
+            <p:cNvPr id="118" name="正方形/長方形 117"/>
+            <p:cNvSpPr/>
+            <p:nvPr/>
+          </p:nvSpPr>
+          <p:spPr>
+            <a:xfrm>
+              <a:off x="816540" y="4207632"/>
+              <a:ext cx="1479493" cy="593795"/>
+            </a:xfrm>
+            <a:prstGeom prst="rect">
+              <a:avLst/>
+            </a:prstGeom>
+            <a:solidFill>
+              <a:schemeClr val="bg1"/>
+            </a:solidFill>
+            <a:ln w="12700">
+              <a:solidFill>
+                <a:schemeClr val="tx1"/>
+              </a:solidFill>
+            </a:ln>
+          </p:spPr>
+          <p:style>
+            <a:lnRef idx="2">
+              <a:schemeClr val="accent1">
+                <a:shade val="50000"/>
+              </a:schemeClr>
+            </a:lnRef>
+            <a:fillRef idx="1">
+              <a:schemeClr val="accent1"/>
+            </a:fillRef>
+            <a:effectRef idx="0">
+              <a:schemeClr val="accent1"/>
+            </a:effectRef>
+            <a:fontRef idx="minor">
+              <a:schemeClr val="lt1"/>
+            </a:fontRef>
+          </p:style>
+          <p:txBody>
+            <a:bodyPr rtlCol="0" anchor="ctr"/>
+            <a:lstStyle/>
+            <a:p>
+              <a:endParaRPr kumimoji="1" lang="ja-JP" altLang="en-US" sz="900" dirty="0">
+                <a:solidFill>
+                  <a:schemeClr val="tx1"/>
+                </a:solidFill>
+              </a:endParaRPr>
+            </a:p>
+          </p:txBody>
+        </p:sp>
+        <p:sp>
+          <p:nvSpPr>
+            <p:cNvPr id="115" name="テキスト ボックス 114"/>
+            <p:cNvSpPr txBox="1"/>
+            <p:nvPr/>
+          </p:nvSpPr>
+          <p:spPr>
+            <a:xfrm>
+              <a:off x="758250" y="4203463"/>
+              <a:ext cx="1723603" cy="584775"/>
+            </a:xfrm>
+            <a:prstGeom prst="rect">
+              <a:avLst/>
+            </a:prstGeom>
+            <a:noFill/>
+          </p:spPr>
+          <p:txBody>
+            <a:bodyPr wrap="square" numCol="2" rtlCol="0">
+              <a:spAutoFit/>
+            </a:bodyPr>
+            <a:lstStyle/>
+            <a:p>
+              <a:pPr indent="-72000">
+                <a:buFont typeface="Arial" panose="020B0604020202020204" pitchFamily="34" charset="0"/>
+                <a:buChar char="•"/>
+              </a:pPr>
+              <a:r>
+                <a:rPr kumimoji="1" lang="en-US" altLang="ja-JP" sz="800" dirty="0" smtClean="0"/>
+                <a:t>Title</a:t>
+              </a:r>
+            </a:p>
+            <a:p>
+              <a:pPr indent="-72000">
+                <a:buFont typeface="Arial" panose="020B0604020202020204" pitchFamily="34" charset="0"/>
+                <a:buChar char="•"/>
+              </a:pPr>
+              <a:r>
+                <a:rPr lang="en-US" altLang="ja-JP" sz="800" dirty="0" smtClean="0"/>
+                <a:t>Authors</a:t>
+              </a:r>
+            </a:p>
+            <a:p>
+              <a:pPr indent="-72000">
+                <a:buFont typeface="Arial" panose="020B0604020202020204" pitchFamily="34" charset="0"/>
+                <a:buChar char="•"/>
+              </a:pPr>
+              <a:r>
+                <a:rPr kumimoji="1" lang="en-US" altLang="ja-JP" sz="800" dirty="0" smtClean="0"/>
+                <a:t>Keywords</a:t>
+              </a:r>
+            </a:p>
+            <a:p>
+              <a:pPr indent="-72000">
+                <a:buFont typeface="Arial" panose="020B0604020202020204" pitchFamily="34" charset="0"/>
+                <a:buChar char="•"/>
+              </a:pPr>
+              <a:endParaRPr kumimoji="1" lang="en-US" altLang="ja-JP" sz="800" dirty="0" smtClean="0"/>
+            </a:p>
+            <a:p>
+              <a:pPr indent="-72000">
+                <a:buFont typeface="Arial" panose="020B0604020202020204" pitchFamily="34" charset="0"/>
+                <a:buChar char="•"/>
+              </a:pPr>
+              <a:r>
+                <a:rPr kumimoji="1" lang="en-US" altLang="ja-JP" sz="800" dirty="0" smtClean="0"/>
+                <a:t>Citing</a:t>
+              </a:r>
+            </a:p>
+            <a:p>
+              <a:pPr indent="-72000">
+                <a:buFont typeface="Arial" panose="020B0604020202020204" pitchFamily="34" charset="0"/>
+                <a:buChar char="•"/>
+              </a:pPr>
+              <a:r>
+                <a:rPr lang="en-US" altLang="ja-JP" sz="800" dirty="0" smtClean="0"/>
+                <a:t>Cited</a:t>
+              </a:r>
+            </a:p>
+            <a:p>
+              <a:pPr indent="-72000">
+                <a:buFont typeface="Arial" panose="020B0604020202020204" pitchFamily="34" charset="0"/>
+                <a:buChar char="•"/>
+              </a:pPr>
+              <a:r>
+                <a:rPr kumimoji="1" lang="en-US" altLang="ja-JP" sz="800" dirty="0" smtClean="0"/>
+                <a:t>Conference</a:t>
+              </a:r>
+            </a:p>
+            <a:p>
+              <a:pPr indent="-72000">
+                <a:buFont typeface="Arial" panose="020B0604020202020204" pitchFamily="34" charset="0"/>
+                <a:buChar char="•"/>
+              </a:pPr>
+              <a:endParaRPr kumimoji="1" lang="ja-JP" altLang="en-US" sz="800" dirty="0"/>
+            </a:p>
+          </p:txBody>
+        </p:sp>
+        <p:sp>
+          <p:nvSpPr>
+            <p:cNvPr id="116" name="テキスト ボックス 115"/>
+            <p:cNvSpPr txBox="1"/>
+            <p:nvPr/>
+          </p:nvSpPr>
+          <p:spPr>
+            <a:xfrm>
+              <a:off x="756164" y="4582002"/>
+              <a:ext cx="1412124" cy="215444"/>
+            </a:xfrm>
+            <a:prstGeom prst="rect">
+              <a:avLst/>
+            </a:prstGeom>
+            <a:noFill/>
+          </p:spPr>
+          <p:txBody>
+            <a:bodyPr wrap="square" numCol="1" rtlCol="0">
+              <a:spAutoFit/>
+            </a:bodyPr>
+            <a:lstStyle/>
+            <a:p>
+              <a:pPr indent="-72000">
+                <a:buFont typeface="Arial" panose="020B0604020202020204" pitchFamily="34" charset="0"/>
+                <a:buChar char="•"/>
+              </a:pPr>
+              <a:r>
+                <a:rPr kumimoji="1" lang="en-US" altLang="ja-JP" sz="800" dirty="0" smtClean="0"/>
+                <a:t>Date of Publication</a:t>
+              </a:r>
+              <a:endParaRPr kumimoji="1" lang="ja-JP" altLang="en-US" sz="800" dirty="0"/>
+            </a:p>
+          </p:txBody>
+        </p:sp>
+      </p:grpSp>
+      <p:sp>
+        <p:nvSpPr>
+          <p:cNvPr id="120" name="テキスト ボックス 119"/>
+          <p:cNvSpPr txBox="1"/>
+          <p:nvPr/>
+        </p:nvSpPr>
+        <p:spPr>
+          <a:xfrm>
+            <a:off x="3853195" y="5253317"/>
+            <a:ext cx="539021" cy="584775"/>
+          </a:xfrm>
+          <a:prstGeom prst="rect">
+            <a:avLst/>
+          </a:prstGeom>
+          <a:noFill/>
+        </p:spPr>
+        <p:txBody>
+          <a:bodyPr wrap="square" rtlCol="0">
+            <a:spAutoFit/>
+          </a:bodyPr>
+          <a:lstStyle/>
+          <a:p>
+            <a:r>
+              <a:rPr lang="ja-JP" altLang="en-US" sz="3200" b="1" dirty="0"/>
+              <a:t>＋</a:t>
+            </a:r>
+            <a:endParaRPr kumimoji="1" lang="ja-JP" altLang="en-US" sz="3200" b="1" dirty="0"/>
+          </a:p>
+        </p:txBody>
+      </p:sp>
+      <p:sp>
+        <p:nvSpPr>
+          <p:cNvPr id="121" name="右矢印 120"/>
+          <p:cNvSpPr/>
+          <p:nvPr/>
+        </p:nvSpPr>
+        <p:spPr>
+          <a:xfrm rot="19973287">
+            <a:off x="3169195" y="4604049"/>
+            <a:ext cx="1023912" cy="426180"/>
+          </a:xfrm>
+          <a:prstGeom prst="rightArrow">
+            <a:avLst/>
+          </a:prstGeom>
+        </p:spPr>
+        <p:style>
+          <a:lnRef idx="2">
+            <a:schemeClr val="accent1">
+              <a:shade val="50000"/>
+            </a:schemeClr>
+          </a:lnRef>
+          <a:fillRef idx="1">
+            <a:schemeClr val="accent1"/>
+          </a:fillRef>
+          <a:effectRef idx="0">
+            <a:schemeClr val="accent1"/>
+          </a:effectRef>
+          <a:fontRef idx="minor">
+            <a:schemeClr val="lt1"/>
+          </a:fontRef>
+        </p:style>
+        <p:txBody>
+          <a:bodyPr rtlCol="0" anchor="ctr"/>
+          <a:lstStyle/>
+          <a:p>
+            <a:pPr algn="ctr"/>
+            <a:endParaRPr kumimoji="1" lang="ja-JP" altLang="en-US"/>
+          </a:p>
+        </p:txBody>
+      </p:sp>
+      <p:sp>
+        <p:nvSpPr>
+          <p:cNvPr id="74" name="上下矢印 73"/>
+          <p:cNvSpPr/>
+          <p:nvPr/>
+        </p:nvSpPr>
+        <p:spPr>
+          <a:xfrm rot="2176956">
+            <a:off x="6943190" y="4296250"/>
+            <a:ext cx="395802" cy="939017"/>
+          </a:xfrm>
+          <a:prstGeom prst="upDownArrow">
+            <a:avLst/>
+          </a:prstGeom>
+        </p:spPr>
+        <p:style>
+          <a:lnRef idx="2">
+            <a:schemeClr val="accent1">
+              <a:shade val="50000"/>
+            </a:schemeClr>
+          </a:lnRef>
+          <a:fillRef idx="1">
+            <a:schemeClr val="accent1"/>
+          </a:fillRef>
+          <a:effectRef idx="0">
+            <a:schemeClr val="accent1"/>
+          </a:effectRef>
+          <a:fontRef idx="minor">
+            <a:schemeClr val="lt1"/>
+          </a:fontRef>
+        </p:style>
+        <p:txBody>
+          <a:bodyPr rtlCol="0" anchor="ctr"/>
+          <a:lstStyle/>
+          <a:p>
+            <a:pPr algn="ctr"/>
+            <a:endParaRPr kumimoji="1" lang="ja-JP" altLang="en-US" dirty="0"/>
+          </a:p>
+        </p:txBody>
+      </p:sp>
+      <p:sp>
+        <p:nvSpPr>
+          <p:cNvPr id="123" name="上下矢印 122"/>
+          <p:cNvSpPr/>
+          <p:nvPr/>
+        </p:nvSpPr>
+        <p:spPr>
+          <a:xfrm rot="18786960">
+            <a:off x="5461938" y="4415133"/>
+            <a:ext cx="395802" cy="993336"/>
+          </a:xfrm>
+          <a:prstGeom prst="upDownArrow">
+            <a:avLst/>
+          </a:prstGeom>
+        </p:spPr>
+        <p:style>
+          <a:lnRef idx="2">
+            <a:schemeClr val="accent1">
+              <a:shade val="50000"/>
+            </a:schemeClr>
+          </a:lnRef>
+          <a:fillRef idx="1">
+            <a:schemeClr val="accent1"/>
+          </a:fillRef>
+          <a:effectRef idx="0">
+            <a:schemeClr val="accent1"/>
+          </a:effectRef>
+          <a:fontRef idx="minor">
+            <a:schemeClr val="lt1"/>
+          </a:fontRef>
+        </p:style>
+        <p:txBody>
+          <a:bodyPr rtlCol="0" anchor="ctr"/>
+          <a:lstStyle/>
+          <a:p>
+            <a:pPr algn="ctr"/>
+            <a:endParaRPr kumimoji="1" lang="ja-JP" altLang="en-US" dirty="0"/>
+          </a:p>
+        </p:txBody>
+      </p:sp>
+      <p:cxnSp>
+        <p:nvCxnSpPr>
+          <p:cNvPr id="11" name="直線矢印コネクタ 10"/>
+          <p:cNvCxnSpPr>
+            <a:stCxn id="1026" idx="2"/>
+            <a:endCxn id="28" idx="0"/>
+          </p:cNvCxnSpPr>
+          <p:nvPr/>
+        </p:nvCxnSpPr>
+        <p:spPr>
+          <a:xfrm flipH="1">
+            <a:off x="1327952" y="1186575"/>
+            <a:ext cx="15354" cy="183651"/>
+          </a:xfrm>
+          <a:prstGeom prst="straightConnector1">
+            <a:avLst/>
+          </a:prstGeom>
+          <a:ln>
+            <a:tailEnd type="arrow"/>
+          </a:ln>
+        </p:spPr>
+        <p:style>
+          <a:lnRef idx="1">
+            <a:schemeClr val="accent1"/>
+          </a:lnRef>
+          <a:fillRef idx="0">
+            <a:schemeClr val="accent1"/>
+          </a:fillRef>
+          <a:effectRef idx="0">
+            <a:schemeClr val="accent1"/>
+          </a:effectRef>
+          <a:fontRef idx="minor">
+            <a:schemeClr val="tx1"/>
+          </a:fontRef>
+        </p:style>
+      </p:cxnSp>
+      <p:cxnSp>
+        <p:nvCxnSpPr>
+          <p:cNvPr id="13" name="直線矢印コネクタ 12"/>
+          <p:cNvCxnSpPr>
+            <a:stCxn id="28" idx="2"/>
+          </p:cNvCxnSpPr>
+          <p:nvPr/>
+        </p:nvCxnSpPr>
+        <p:spPr>
+          <a:xfrm flipV="1">
+            <a:off x="1327952" y="2086727"/>
+            <a:ext cx="936091" cy="299162"/>
+          </a:xfrm>
+          <a:prstGeom prst="straightConnector1">
+            <a:avLst/>
+          </a:prstGeom>
+          <a:ln>
+            <a:tailEnd type="arrow"/>
+          </a:ln>
+        </p:spPr>
+        <p:style>
+          <a:lnRef idx="1">
+            <a:schemeClr val="accent1"/>
+          </a:lnRef>
+          <a:fillRef idx="0">
+            <a:schemeClr val="accent1"/>
+          </a:fillRef>
+          <a:effectRef idx="0">
+            <a:schemeClr val="accent1"/>
+          </a:effectRef>
+          <a:fontRef idx="minor">
+            <a:schemeClr val="tx1"/>
+          </a:fontRef>
+        </p:style>
+      </p:cxnSp>
+      <p:grpSp>
+        <p:nvGrpSpPr>
+          <p:cNvPr id="97" name="グループ化 96"/>
+          <p:cNvGrpSpPr/>
+          <p:nvPr/>
+        </p:nvGrpSpPr>
+        <p:grpSpPr>
+          <a:xfrm>
+            <a:off x="9915929" y="1701007"/>
+            <a:ext cx="228130" cy="746195"/>
+            <a:chOff x="5801313" y="1732027"/>
+            <a:chExt cx="228130" cy="746195"/>
+          </a:xfrm>
+        </p:grpSpPr>
+        <p:sp>
+          <p:nvSpPr>
+            <p:cNvPr id="98" name="正方形/長方形 97"/>
+            <p:cNvSpPr/>
+            <p:nvPr/>
+          </p:nvSpPr>
+          <p:spPr>
+            <a:xfrm>
+              <a:off x="5801313" y="1732027"/>
+              <a:ext cx="226915" cy="746195"/>
+            </a:xfrm>
+            <a:prstGeom prst="rect">
+              <a:avLst/>
+            </a:prstGeom>
+            <a:solidFill>
+              <a:schemeClr val="bg1"/>
+            </a:solidFill>
+            <a:ln w="12700">
+              <a:solidFill>
+                <a:schemeClr val="tx1"/>
+              </a:solidFill>
+            </a:ln>
+          </p:spPr>
+          <p:style>
+            <a:lnRef idx="2">
+              <a:schemeClr val="accent1">
+                <a:shade val="50000"/>
+              </a:schemeClr>
+            </a:lnRef>
+            <a:fillRef idx="1">
+              <a:schemeClr val="accent1"/>
+            </a:fillRef>
+            <a:effectRef idx="0">
+              <a:schemeClr val="accent1"/>
+            </a:effectRef>
+            <a:fontRef idx="minor">
+              <a:schemeClr val="lt1"/>
+            </a:fontRef>
+          </p:style>
+          <p:txBody>
+            <a:bodyPr rtlCol="0" anchor="ctr"/>
+            <a:lstStyle/>
+            <a:p>
+              <a:endParaRPr kumimoji="1" lang="ja-JP" altLang="en-US" sz="900" dirty="0">
+                <a:solidFill>
+                  <a:schemeClr val="tx1"/>
+                </a:solidFill>
+              </a:endParaRPr>
+            </a:p>
+          </p:txBody>
+        </p:sp>
+        <p:cxnSp>
+          <p:nvCxnSpPr>
+            <p:cNvPr id="99" name="直線コネクタ 98"/>
+            <p:cNvCxnSpPr/>
+            <p:nvPr/>
+          </p:nvCxnSpPr>
+          <p:spPr>
+            <a:xfrm>
+              <a:off x="5802528" y="1884427"/>
+              <a:ext cx="226915" cy="0"/>
+            </a:xfrm>
+            <a:prstGeom prst="line">
+              <a:avLst/>
+            </a:prstGeom>
+          </p:spPr>
+          <p:style>
+            <a:lnRef idx="1">
+              <a:schemeClr val="dk1"/>
+            </a:lnRef>
+            <a:fillRef idx="0">
+              <a:schemeClr val="dk1"/>
+            </a:fillRef>
+            <a:effectRef idx="0">
+              <a:schemeClr val="dk1"/>
+            </a:effectRef>
+            <a:fontRef idx="minor">
+              <a:schemeClr val="tx1"/>
+            </a:fontRef>
+          </p:style>
+        </p:cxnSp>
+        <p:cxnSp>
+          <p:nvCxnSpPr>
+            <p:cNvPr id="100" name="直線コネクタ 99"/>
+            <p:cNvCxnSpPr/>
+            <p:nvPr/>
+          </p:nvCxnSpPr>
+          <p:spPr>
+            <a:xfrm>
+              <a:off x="5802528" y="2036827"/>
+              <a:ext cx="226915" cy="0"/>
+            </a:xfrm>
+            <a:prstGeom prst="line">
+              <a:avLst/>
+            </a:prstGeom>
+          </p:spPr>
+          <p:style>
+            <a:lnRef idx="1">
+              <a:schemeClr val="dk1"/>
+            </a:lnRef>
+            <a:fillRef idx="0">
+              <a:schemeClr val="dk1"/>
+            </a:fillRef>
+            <a:effectRef idx="0">
+              <a:schemeClr val="dk1"/>
+            </a:effectRef>
+            <a:fontRef idx="minor">
+              <a:schemeClr val="tx1"/>
+            </a:fontRef>
+          </p:style>
+        </p:cxnSp>
+        <p:cxnSp>
+          <p:nvCxnSpPr>
+            <p:cNvPr id="101" name="直線コネクタ 100"/>
+            <p:cNvCxnSpPr/>
+            <p:nvPr/>
+          </p:nvCxnSpPr>
+          <p:spPr>
+            <a:xfrm>
+              <a:off x="5802528" y="2189227"/>
+              <a:ext cx="226915" cy="0"/>
+            </a:xfrm>
+            <a:prstGeom prst="line">
+              <a:avLst/>
+            </a:prstGeom>
+          </p:spPr>
+          <p:style>
+            <a:lnRef idx="1">
+              <a:schemeClr val="dk1"/>
+            </a:lnRef>
+            <a:fillRef idx="0">
+              <a:schemeClr val="dk1"/>
+            </a:fillRef>
+            <a:effectRef idx="0">
+              <a:schemeClr val="dk1"/>
+            </a:effectRef>
+            <a:fontRef idx="minor">
+              <a:schemeClr val="tx1"/>
+            </a:fontRef>
+          </p:style>
+        </p:cxnSp>
+        <p:cxnSp>
+          <p:nvCxnSpPr>
+            <p:cNvPr id="102" name="直線コネクタ 101"/>
+            <p:cNvCxnSpPr/>
+            <p:nvPr/>
+          </p:nvCxnSpPr>
+          <p:spPr>
+            <a:xfrm>
+              <a:off x="5802528" y="2341627"/>
+              <a:ext cx="226915" cy="0"/>
+            </a:xfrm>
+            <a:prstGeom prst="line">
+              <a:avLst/>
+            </a:prstGeom>
+          </p:spPr>
+          <p:style>
+            <a:lnRef idx="1">
+              <a:schemeClr val="dk1"/>
+            </a:lnRef>
+            <a:fillRef idx="0">
+              <a:schemeClr val="dk1"/>
+            </a:fillRef>
+            <a:effectRef idx="0">
+              <a:schemeClr val="dk1"/>
+            </a:effectRef>
+            <a:fontRef idx="minor">
+              <a:schemeClr val="tx1"/>
+            </a:fontRef>
+          </p:style>
+        </p:cxnSp>
+      </p:grpSp>
+      <p:grpSp>
+        <p:nvGrpSpPr>
+          <p:cNvPr id="103" name="グループ化 102"/>
+          <p:cNvGrpSpPr/>
+          <p:nvPr/>
+        </p:nvGrpSpPr>
+        <p:grpSpPr>
+          <a:xfrm>
+            <a:off x="9995501" y="1893867"/>
+            <a:ext cx="228130" cy="746195"/>
+            <a:chOff x="5801313" y="1732027"/>
+            <a:chExt cx="228130" cy="746195"/>
+          </a:xfrm>
+        </p:grpSpPr>
+        <p:sp>
+          <p:nvSpPr>
+            <p:cNvPr id="104" name="正方形/長方形 103"/>
+            <p:cNvSpPr/>
+            <p:nvPr/>
+          </p:nvSpPr>
+          <p:spPr>
+            <a:xfrm>
+              <a:off x="5801313" y="1732027"/>
+              <a:ext cx="226915" cy="746195"/>
+            </a:xfrm>
+            <a:prstGeom prst="rect">
+              <a:avLst/>
+            </a:prstGeom>
+            <a:solidFill>
+              <a:schemeClr val="bg1"/>
+            </a:solidFill>
+            <a:ln w="12700">
+              <a:solidFill>
+                <a:schemeClr val="tx1"/>
+              </a:solidFill>
+            </a:ln>
+          </p:spPr>
+          <p:style>
+            <a:lnRef idx="2">
+              <a:schemeClr val="accent1">
+                <a:shade val="50000"/>
+              </a:schemeClr>
+            </a:lnRef>
+            <a:fillRef idx="1">
+              <a:schemeClr val="accent1"/>
+            </a:fillRef>
+            <a:effectRef idx="0">
+              <a:schemeClr val="accent1"/>
+            </a:effectRef>
+            <a:fontRef idx="minor">
+              <a:schemeClr val="lt1"/>
+            </a:fontRef>
+          </p:style>
+          <p:txBody>
+            <a:bodyPr rtlCol="0" anchor="ctr"/>
+            <a:lstStyle/>
+            <a:p>
+              <a:endParaRPr kumimoji="1" lang="ja-JP" altLang="en-US" sz="900" dirty="0">
+                <a:solidFill>
+                  <a:schemeClr val="tx1"/>
+                </a:solidFill>
+              </a:endParaRPr>
+            </a:p>
+          </p:txBody>
+        </p:sp>
+        <p:cxnSp>
+          <p:nvCxnSpPr>
+            <p:cNvPr id="105" name="直線コネクタ 104"/>
+            <p:cNvCxnSpPr/>
+            <p:nvPr/>
+          </p:nvCxnSpPr>
+          <p:spPr>
+            <a:xfrm>
+              <a:off x="5802528" y="1884427"/>
+              <a:ext cx="226915" cy="0"/>
+            </a:xfrm>
+            <a:prstGeom prst="line">
+              <a:avLst/>
+            </a:prstGeom>
+          </p:spPr>
+          <p:style>
+            <a:lnRef idx="1">
+              <a:schemeClr val="dk1"/>
+            </a:lnRef>
+            <a:fillRef idx="0">
+              <a:schemeClr val="dk1"/>
+            </a:fillRef>
+            <a:effectRef idx="0">
+              <a:schemeClr val="dk1"/>
+            </a:effectRef>
+            <a:fontRef idx="minor">
+              <a:schemeClr val="tx1"/>
+            </a:fontRef>
+          </p:style>
+        </p:cxnSp>
+        <p:cxnSp>
+          <p:nvCxnSpPr>
+            <p:cNvPr id="114" name="直線コネクタ 113"/>
+            <p:cNvCxnSpPr/>
+            <p:nvPr/>
+          </p:nvCxnSpPr>
+          <p:spPr>
+            <a:xfrm>
+              <a:off x="5802528" y="2036827"/>
+              <a:ext cx="226915" cy="0"/>
+            </a:xfrm>
+            <a:prstGeom prst="line">
+              <a:avLst/>
+            </a:prstGeom>
+          </p:spPr>
+          <p:style>
+            <a:lnRef idx="1">
+              <a:schemeClr val="dk1"/>
+            </a:lnRef>
+            <a:fillRef idx="0">
+              <a:schemeClr val="dk1"/>
+            </a:fillRef>
+            <a:effectRef idx="0">
+              <a:schemeClr val="dk1"/>
+            </a:effectRef>
+            <a:fontRef idx="minor">
+              <a:schemeClr val="tx1"/>
+            </a:fontRef>
+          </p:style>
+        </p:cxnSp>
+        <p:cxnSp>
+          <p:nvCxnSpPr>
+            <p:cNvPr id="117" name="直線コネクタ 116"/>
+            <p:cNvCxnSpPr/>
+            <p:nvPr/>
+          </p:nvCxnSpPr>
+          <p:spPr>
+            <a:xfrm>
+              <a:off x="5802528" y="2189227"/>
+              <a:ext cx="226915" cy="0"/>
+            </a:xfrm>
+            <a:prstGeom prst="line">
+              <a:avLst/>
+            </a:prstGeom>
+          </p:spPr>
+          <p:style>
+            <a:lnRef idx="1">
+              <a:schemeClr val="dk1"/>
+            </a:lnRef>
+            <a:fillRef idx="0">
+              <a:schemeClr val="dk1"/>
+            </a:fillRef>
+            <a:effectRef idx="0">
+              <a:schemeClr val="dk1"/>
+            </a:effectRef>
+            <a:fontRef idx="minor">
+              <a:schemeClr val="tx1"/>
+            </a:fontRef>
+          </p:style>
+        </p:cxnSp>
+        <p:cxnSp>
+          <p:nvCxnSpPr>
+            <p:cNvPr id="119" name="直線コネクタ 118"/>
+            <p:cNvCxnSpPr/>
+            <p:nvPr/>
+          </p:nvCxnSpPr>
+          <p:spPr>
+            <a:xfrm>
+              <a:off x="5802528" y="2341627"/>
+              <a:ext cx="226915" cy="0"/>
+            </a:xfrm>
+            <a:prstGeom prst="line">
+              <a:avLst/>
+            </a:prstGeom>
+          </p:spPr>
+          <p:style>
+            <a:lnRef idx="1">
+              <a:schemeClr val="dk1"/>
+            </a:lnRef>
+            <a:fillRef idx="0">
+              <a:schemeClr val="dk1"/>
+            </a:fillRef>
+            <a:effectRef idx="0">
+              <a:schemeClr val="dk1"/>
+            </a:effectRef>
+            <a:fontRef idx="minor">
+              <a:schemeClr val="tx1"/>
+            </a:fontRef>
+          </p:style>
+        </p:cxnSp>
+      </p:grpSp>
+      <p:grpSp>
+        <p:nvGrpSpPr>
+          <p:cNvPr id="122" name="グループ化 121"/>
+          <p:cNvGrpSpPr/>
+          <p:nvPr/>
+        </p:nvGrpSpPr>
+        <p:grpSpPr>
+          <a:xfrm>
+            <a:off x="10075073" y="2086727"/>
+            <a:ext cx="228130" cy="746195"/>
+            <a:chOff x="5801313" y="1732027"/>
+            <a:chExt cx="228130" cy="746195"/>
+          </a:xfrm>
+        </p:grpSpPr>
+        <p:sp>
+          <p:nvSpPr>
+            <p:cNvPr id="124" name="正方形/長方形 123"/>
+            <p:cNvSpPr/>
+            <p:nvPr/>
+          </p:nvSpPr>
+          <p:spPr>
+            <a:xfrm>
+              <a:off x="5801313" y="1732027"/>
+              <a:ext cx="226915" cy="746195"/>
+            </a:xfrm>
+            <a:prstGeom prst="rect">
+              <a:avLst/>
+            </a:prstGeom>
+            <a:solidFill>
+              <a:schemeClr val="bg1"/>
+            </a:solidFill>
+            <a:ln w="12700">
+              <a:solidFill>
+                <a:schemeClr val="tx1"/>
+              </a:solidFill>
+            </a:ln>
+          </p:spPr>
+          <p:style>
+            <a:lnRef idx="2">
+              <a:schemeClr val="accent1">
+                <a:shade val="50000"/>
+              </a:schemeClr>
+            </a:lnRef>
+            <a:fillRef idx="1">
+              <a:schemeClr val="accent1"/>
+            </a:fillRef>
+            <a:effectRef idx="0">
+              <a:schemeClr val="accent1"/>
+            </a:effectRef>
+            <a:fontRef idx="minor">
+              <a:schemeClr val="lt1"/>
+            </a:fontRef>
+          </p:style>
+          <p:txBody>
+            <a:bodyPr rtlCol="0" anchor="ctr"/>
+            <a:lstStyle/>
+            <a:p>
+              <a:endParaRPr kumimoji="1" lang="ja-JP" altLang="en-US" sz="900" dirty="0">
+                <a:solidFill>
+                  <a:schemeClr val="tx1"/>
+                </a:solidFill>
+              </a:endParaRPr>
+            </a:p>
+          </p:txBody>
+        </p:sp>
+        <p:cxnSp>
+          <p:nvCxnSpPr>
+            <p:cNvPr id="125" name="直線コネクタ 124"/>
+            <p:cNvCxnSpPr/>
+            <p:nvPr/>
+          </p:nvCxnSpPr>
+          <p:spPr>
+            <a:xfrm>
+              <a:off x="5802528" y="1884427"/>
+              <a:ext cx="226915" cy="0"/>
+            </a:xfrm>
+            <a:prstGeom prst="line">
+              <a:avLst/>
+            </a:prstGeom>
+          </p:spPr>
+          <p:style>
+            <a:lnRef idx="1">
+              <a:schemeClr val="dk1"/>
+            </a:lnRef>
+            <a:fillRef idx="0">
+              <a:schemeClr val="dk1"/>
+            </a:fillRef>
+            <a:effectRef idx="0">
+              <a:schemeClr val="dk1"/>
+            </a:effectRef>
+            <a:fontRef idx="minor">
+              <a:schemeClr val="tx1"/>
+            </a:fontRef>
+          </p:style>
+        </p:cxnSp>
+        <p:cxnSp>
+          <p:nvCxnSpPr>
+            <p:cNvPr id="126" name="直線コネクタ 125"/>
+            <p:cNvCxnSpPr/>
+            <p:nvPr/>
+          </p:nvCxnSpPr>
+          <p:spPr>
+            <a:xfrm>
+              <a:off x="5802528" y="2036827"/>
+              <a:ext cx="226915" cy="0"/>
+            </a:xfrm>
+            <a:prstGeom prst="line">
+              <a:avLst/>
+            </a:prstGeom>
+          </p:spPr>
+          <p:style>
+            <a:lnRef idx="1">
+              <a:schemeClr val="dk1"/>
+            </a:lnRef>
+            <a:fillRef idx="0">
+              <a:schemeClr val="dk1"/>
+            </a:fillRef>
+            <a:effectRef idx="0">
+              <a:schemeClr val="dk1"/>
+            </a:effectRef>
+            <a:fontRef idx="minor">
+              <a:schemeClr val="tx1"/>
+            </a:fontRef>
+          </p:style>
+        </p:cxnSp>
+        <p:cxnSp>
+          <p:nvCxnSpPr>
+            <p:cNvPr id="127" name="直線コネクタ 126"/>
+            <p:cNvCxnSpPr/>
+            <p:nvPr/>
+          </p:nvCxnSpPr>
+          <p:spPr>
+            <a:xfrm>
+              <a:off x="5802528" y="2189227"/>
+              <a:ext cx="226915" cy="0"/>
+            </a:xfrm>
+            <a:prstGeom prst="line">
+              <a:avLst/>
+            </a:prstGeom>
+          </p:spPr>
+          <p:style>
+            <a:lnRef idx="1">
+              <a:schemeClr val="dk1"/>
+            </a:lnRef>
+            <a:fillRef idx="0">
+              <a:schemeClr val="dk1"/>
+            </a:fillRef>
+            <a:effectRef idx="0">
+              <a:schemeClr val="dk1"/>
+            </a:effectRef>
+            <a:fontRef idx="minor">
+              <a:schemeClr val="tx1"/>
+            </a:fontRef>
+          </p:style>
+        </p:cxnSp>
+        <p:cxnSp>
+          <p:nvCxnSpPr>
+            <p:cNvPr id="128" name="直線コネクタ 127"/>
+            <p:cNvCxnSpPr/>
+            <p:nvPr/>
+          </p:nvCxnSpPr>
+          <p:spPr>
+            <a:xfrm>
+              <a:off x="5802528" y="2341627"/>
+              <a:ext cx="226915" cy="0"/>
+            </a:xfrm>
+            <a:prstGeom prst="line">
+              <a:avLst/>
+            </a:prstGeom>
+          </p:spPr>
+          <p:style>
+            <a:lnRef idx="1">
+              <a:schemeClr val="dk1"/>
+            </a:lnRef>
+            <a:fillRef idx="0">
+              <a:schemeClr val="dk1"/>
+            </a:fillRef>
+            <a:effectRef idx="0">
+              <a:schemeClr val="dk1"/>
+            </a:effectRef>
+            <a:fontRef idx="minor">
+              <a:schemeClr val="tx1"/>
+            </a:fontRef>
+          </p:style>
+        </p:cxnSp>
+      </p:grpSp>
+      <p:grpSp>
+        <p:nvGrpSpPr>
+          <p:cNvPr id="129" name="グループ化 128"/>
+          <p:cNvGrpSpPr/>
+          <p:nvPr/>
+        </p:nvGrpSpPr>
+        <p:grpSpPr>
+          <a:xfrm>
+            <a:off x="10170829" y="2279587"/>
+            <a:ext cx="228130" cy="746195"/>
+            <a:chOff x="5801313" y="1732027"/>
+            <a:chExt cx="228130" cy="746195"/>
+          </a:xfrm>
+        </p:grpSpPr>
+        <p:sp>
+          <p:nvSpPr>
+            <p:cNvPr id="130" name="正方形/長方形 129"/>
+            <p:cNvSpPr/>
+            <p:nvPr/>
+          </p:nvSpPr>
+          <p:spPr>
+            <a:xfrm>
+              <a:off x="5801313" y="1732027"/>
+              <a:ext cx="226915" cy="746195"/>
+            </a:xfrm>
+            <a:prstGeom prst="rect">
+              <a:avLst/>
+            </a:prstGeom>
+            <a:solidFill>
+              <a:schemeClr val="bg1"/>
+            </a:solidFill>
+            <a:ln w="12700">
+              <a:solidFill>
+                <a:schemeClr val="tx1"/>
+              </a:solidFill>
+            </a:ln>
+          </p:spPr>
+          <p:style>
+            <a:lnRef idx="2">
+              <a:schemeClr val="accent1">
+                <a:shade val="50000"/>
+              </a:schemeClr>
+            </a:lnRef>
+            <a:fillRef idx="1">
+              <a:schemeClr val="accent1"/>
+            </a:fillRef>
+            <a:effectRef idx="0">
+              <a:schemeClr val="accent1"/>
+            </a:effectRef>
+            <a:fontRef idx="minor">
+              <a:schemeClr val="lt1"/>
+            </a:fontRef>
+          </p:style>
+          <p:txBody>
+            <a:bodyPr rtlCol="0" anchor="ctr"/>
+            <a:lstStyle/>
+            <a:p>
+              <a:endParaRPr kumimoji="1" lang="ja-JP" altLang="en-US" sz="900" dirty="0">
+                <a:solidFill>
+                  <a:schemeClr val="tx1"/>
+                </a:solidFill>
+              </a:endParaRPr>
+            </a:p>
+          </p:txBody>
+        </p:sp>
+        <p:cxnSp>
+          <p:nvCxnSpPr>
+            <p:cNvPr id="131" name="直線コネクタ 130"/>
+            <p:cNvCxnSpPr/>
+            <p:nvPr/>
+          </p:nvCxnSpPr>
+          <p:spPr>
+            <a:xfrm>
+              <a:off x="5802528" y="1884427"/>
+              <a:ext cx="226915" cy="0"/>
+            </a:xfrm>
+            <a:prstGeom prst="line">
+              <a:avLst/>
+            </a:prstGeom>
+          </p:spPr>
+          <p:style>
+            <a:lnRef idx="1">
+              <a:schemeClr val="dk1"/>
+            </a:lnRef>
+            <a:fillRef idx="0">
+              <a:schemeClr val="dk1"/>
+            </a:fillRef>
+            <a:effectRef idx="0">
+              <a:schemeClr val="dk1"/>
+            </a:effectRef>
+            <a:fontRef idx="minor">
+              <a:schemeClr val="tx1"/>
+            </a:fontRef>
+          </p:style>
+        </p:cxnSp>
+        <p:cxnSp>
+          <p:nvCxnSpPr>
+            <p:cNvPr id="132" name="直線コネクタ 131"/>
+            <p:cNvCxnSpPr/>
+            <p:nvPr/>
+          </p:nvCxnSpPr>
+          <p:spPr>
+            <a:xfrm>
+              <a:off x="5802528" y="2036827"/>
+              <a:ext cx="226915" cy="0"/>
+            </a:xfrm>
+            <a:prstGeom prst="line">
+              <a:avLst/>
+            </a:prstGeom>
+          </p:spPr>
+          <p:style>
+            <a:lnRef idx="1">
+              <a:schemeClr val="dk1"/>
+            </a:lnRef>
+            <a:fillRef idx="0">
+              <a:schemeClr val="dk1"/>
+            </a:fillRef>
+            <a:effectRef idx="0">
+              <a:schemeClr val="dk1"/>
+            </a:effectRef>
+            <a:fontRef idx="minor">
+              <a:schemeClr val="tx1"/>
+            </a:fontRef>
+          </p:style>
+        </p:cxnSp>
+        <p:cxnSp>
+          <p:nvCxnSpPr>
+            <p:cNvPr id="133" name="直線コネクタ 132"/>
+            <p:cNvCxnSpPr/>
+            <p:nvPr/>
+          </p:nvCxnSpPr>
+          <p:spPr>
+            <a:xfrm>
+              <a:off x="5802528" y="2189227"/>
+              <a:ext cx="226915" cy="0"/>
+            </a:xfrm>
+            <a:prstGeom prst="line">
+              <a:avLst/>
+            </a:prstGeom>
+          </p:spPr>
+          <p:style>
+            <a:lnRef idx="1">
+              <a:schemeClr val="dk1"/>
+            </a:lnRef>
+            <a:fillRef idx="0">
+              <a:schemeClr val="dk1"/>
+            </a:fillRef>
+            <a:effectRef idx="0">
+              <a:schemeClr val="dk1"/>
+            </a:effectRef>
+            <a:fontRef idx="minor">
+              <a:schemeClr val="tx1"/>
+            </a:fontRef>
+          </p:style>
+        </p:cxnSp>
+        <p:cxnSp>
+          <p:nvCxnSpPr>
+            <p:cNvPr id="134" name="直線コネクタ 133"/>
+            <p:cNvCxnSpPr/>
+            <p:nvPr/>
+          </p:nvCxnSpPr>
+          <p:spPr>
+            <a:xfrm>
+              <a:off x="5802528" y="2341627"/>
+              <a:ext cx="226915" cy="0"/>
+            </a:xfrm>
+            <a:prstGeom prst="line">
+              <a:avLst/>
+            </a:prstGeom>
+          </p:spPr>
+          <p:style>
+            <a:lnRef idx="1">
+              <a:schemeClr val="dk1"/>
+            </a:lnRef>
+            <a:fillRef idx="0">
+              <a:schemeClr val="dk1"/>
+            </a:fillRef>
+            <a:effectRef idx="0">
+              <a:schemeClr val="dk1"/>
+            </a:effectRef>
+            <a:fontRef idx="minor">
+              <a:schemeClr val="tx1"/>
+            </a:fontRef>
+          </p:style>
+        </p:cxnSp>
+      </p:grpSp>
+      <p:cxnSp>
+        <p:nvCxnSpPr>
+          <p:cNvPr id="24" name="直線矢印コネクタ 23"/>
+          <p:cNvCxnSpPr>
+            <a:stCxn id="8" idx="3"/>
+            <a:endCxn id="52" idx="1"/>
+          </p:cNvCxnSpPr>
+          <p:nvPr/>
+        </p:nvCxnSpPr>
+        <p:spPr>
+          <a:xfrm flipV="1">
+            <a:off x="3703648" y="2490845"/>
+            <a:ext cx="2256809" cy="139777"/>
+          </a:xfrm>
+          <a:prstGeom prst="straightConnector1">
+            <a:avLst/>
+          </a:prstGeom>
+          <a:ln>
+            <a:tailEnd type="arrow"/>
+          </a:ln>
+        </p:spPr>
+        <p:style>
+          <a:lnRef idx="1">
+            <a:schemeClr val="accent1"/>
+          </a:lnRef>
+          <a:fillRef idx="0">
+            <a:schemeClr val="accent1"/>
+          </a:fillRef>
+          <a:effectRef idx="0">
+            <a:schemeClr val="accent1"/>
+          </a:effectRef>
+          <a:fontRef idx="minor">
+            <a:schemeClr val="tx1"/>
+          </a:fontRef>
+        </p:style>
+      </p:cxnSp>
+      <p:cxnSp>
+        <p:nvCxnSpPr>
+          <p:cNvPr id="34" name="直線矢印コネクタ 33"/>
+          <p:cNvCxnSpPr>
+            <a:stCxn id="58" idx="3"/>
+          </p:cNvCxnSpPr>
+          <p:nvPr/>
+        </p:nvCxnSpPr>
+        <p:spPr>
+          <a:xfrm flipV="1">
+            <a:off x="6283128" y="2297881"/>
+            <a:ext cx="2746230" cy="385824"/>
+          </a:xfrm>
+          <a:prstGeom prst="straightConnector1">
+            <a:avLst/>
+          </a:prstGeom>
+          <a:ln>
+            <a:tailEnd type="arrow"/>
+          </a:ln>
+        </p:spPr>
+        <p:style>
+          <a:lnRef idx="1">
+            <a:schemeClr val="accent1"/>
+          </a:lnRef>
+          <a:fillRef idx="0">
+            <a:schemeClr val="accent1"/>
+          </a:fillRef>
+          <a:effectRef idx="0">
+            <a:schemeClr val="accent1"/>
+          </a:effectRef>
+          <a:fontRef idx="minor">
+            <a:schemeClr val="tx1"/>
+          </a:fontRef>
+        </p:style>
+      </p:cxnSp>
+      <p:cxnSp>
+        <p:nvCxnSpPr>
+          <p:cNvPr id="43" name="直線矢印コネクタ 42"/>
+          <p:cNvCxnSpPr>
+            <a:stCxn id="72" idx="2"/>
+            <a:endCxn id="65" idx="3"/>
+          </p:cNvCxnSpPr>
+          <p:nvPr/>
+        </p:nvCxnSpPr>
+        <p:spPr>
+          <a:xfrm flipH="1">
+            <a:off x="8439993" y="2569258"/>
+            <a:ext cx="818157" cy="1212856"/>
+          </a:xfrm>
+          <a:prstGeom prst="straightConnector1">
+            <a:avLst/>
+          </a:prstGeom>
+          <a:ln>
+            <a:tailEnd type="arrow"/>
+          </a:ln>
+        </p:spPr>
+        <p:style>
+          <a:lnRef idx="1">
+            <a:schemeClr val="accent1"/>
+          </a:lnRef>
+          <a:fillRef idx="0">
+            <a:schemeClr val="accent1"/>
+          </a:fillRef>
+          <a:effectRef idx="0">
+            <a:schemeClr val="accent1"/>
+          </a:effectRef>
+          <a:fontRef idx="minor">
+            <a:schemeClr val="tx1"/>
+          </a:fontRef>
+        </p:style>
+      </p:cxnSp>
+      <p:cxnSp>
+        <p:nvCxnSpPr>
+          <p:cNvPr id="75" name="直線矢印コネクタ 74"/>
+          <p:cNvCxnSpPr>
+            <a:stCxn id="86" idx="3"/>
+            <a:endCxn id="115" idx="1"/>
+          </p:cNvCxnSpPr>
+          <p:nvPr/>
+        </p:nvCxnSpPr>
+        <p:spPr>
+          <a:xfrm flipV="1">
+            <a:off x="1253887" y="5532516"/>
+            <a:ext cx="1131359" cy="49124"/>
+          </a:xfrm>
+          <a:prstGeom prst="straightConnector1">
+            <a:avLst/>
+          </a:prstGeom>
+          <a:ln>
+            <a:solidFill>
+              <a:srgbClr val="FF0000"/>
+            </a:solidFill>
+            <a:tailEnd type="arrow"/>
+          </a:ln>
+        </p:spPr>
+        <p:style>
+          <a:lnRef idx="1">
+            <a:schemeClr val="accent1"/>
+          </a:lnRef>
+          <a:fillRef idx="0">
+            <a:schemeClr val="accent1"/>
+          </a:fillRef>
+          <a:effectRef idx="0">
+            <a:schemeClr val="accent1"/>
+          </a:effectRef>
+          <a:fontRef idx="minor">
+            <a:schemeClr val="tx1"/>
+          </a:fontRef>
+        </p:style>
+      </p:cxnSp>
+    </p:spTree>
+    <p:extLst>
+      <p:ext uri="{BB962C8B-B14F-4D97-AF65-F5344CB8AC3E}">
+        <p14:creationId xmlns:p14="http://schemas.microsoft.com/office/powerpoint/2010/main" val="4231056502"/>
+      </p:ext>
+    </p:extLst>
+  </p:cSld>
+  <p:clrMapOvr>
+    <a:masterClrMapping/>
+  </p:clrMapOvr>
+  <p:timing>
+    <p:tnLst>
+      <p:par>
+        <p:cTn id="1" dur="indefinite" restart="never" nodeType="tmRoot"/>
+      </p:par>
+    </p:tnLst>
+  </p:timing>
+</p:sld>
+</file>
+
+<file path=ppt/slides/slide5.xml><?xml version="1.0" encoding="utf-8"?>
+<p:sld xmlns:a="http://schemas.openxmlformats.org/drawingml/2006/main" xmlns:r="http://schemas.openxmlformats.org/officeDocument/2006/relationships" xmlns:p="http://schemas.openxmlformats.org/presentationml/2006/main">
+  <p:cSld>
+    <p:spTree>
+      <p:nvGrpSpPr>
+        <p:cNvPr id="1" name=""/>
+        <p:cNvGrpSpPr/>
+        <p:nvPr/>
+      </p:nvGrpSpPr>
+      <p:grpSpPr>
+        <a:xfrm>
+          <a:off x="0" y="0"/>
+          <a:ext cx="0" cy="0"/>
+          <a:chOff x="0" y="0"/>
+          <a:chExt cx="0" cy="0"/>
+        </a:xfrm>
+      </p:grpSpPr>
+      <p:sp>
+        <p:nvSpPr>
           <p:cNvPr id="2" name="スライド番号プレースホルダ 1"/>
           <p:cNvSpPr>
             <a:spLocks noGrp="1"/>
@@ -8680,7 +13434,7 @@
             <a:fld id="{80B61DEA-751C-4EFC-848A-C896179D47AE}" type="slidenum">
               <a:rPr kumimoji="1" lang="ja-JP" altLang="en-US" smtClean="0"/>
               <a:pPr/>
-              <a:t>4</a:t>
+              <a:t>5</a:t>
             </a:fld>
             <a:endParaRPr kumimoji="1" lang="ja-JP" altLang="en-US"/>
           </a:p>
@@ -9015,7 +13769,7 @@
           <p:nvPr>
             <p:extLst>
               <p:ext uri="{D42A27DB-BD31-4B8C-83A1-F6EECF244321}">
-                <p14:modId xmlns:p14="http://schemas.microsoft.com/office/powerpoint/2010/main" xmlns="" val="4217036266"/>
+                <p14:modId xmlns:p14="http://schemas.microsoft.com/office/powerpoint/2010/main" val="4217036266"/>
               </p:ext>
             </p:extLst>
           </p:nvPr>
@@ -9026,9 +13780,59 @@
         </p:xfrm>
         <a:graphic>
           <a:graphicData uri="http://schemas.openxmlformats.org/presentationml/2006/ole">
-            <p:oleObj spid="_x0000_s1142" name="数式" r:id="rId3" imgW="152280" imgH="215640" progId="Equation.3">
-              <p:embed/>
-            </p:oleObj>
+            <mc:AlternateContent xmlns:mc="http://schemas.openxmlformats.org/markup-compatibility/2006">
+              <mc:Choice xmlns:v="urn:schemas-microsoft-com:vml" Requires="v">
+                <p:oleObj spid="_x0000_s1182" name="数式" r:id="rId3" imgW="152280" imgH="215640" progId="Equation.3">
+                  <p:embed/>
+                </p:oleObj>
+              </mc:Choice>
+              <mc:Fallback>
+                <p:oleObj name="数式" r:id="rId3" imgW="152280" imgH="215640" progId="Equation.3">
+                  <p:embed/>
+                  <p:pic>
+                    <p:nvPicPr>
+                      <p:cNvPr id="0" name="Picture 118"/>
+                      <p:cNvPicPr>
+                        <a:picLocks noChangeAspect="1" noChangeArrowheads="1"/>
+                      </p:cNvPicPr>
+                      <p:nvPr/>
+                    </p:nvPicPr>
+                    <p:blipFill>
+                      <a:blip r:embed="rId4">
+                        <a:extLst>
+                          <a:ext uri="{28A0092B-C50C-407E-A947-70E740481C1C}">
+                            <a14:useLocalDpi xmlns:a14="http://schemas.microsoft.com/office/drawing/2010/main" val="0"/>
+                          </a:ext>
+                        </a:extLst>
+                      </a:blip>
+                      <a:srcRect/>
+                      <a:stretch>
+                        <a:fillRect/>
+                      </a:stretch>
+                    </p:blipFill>
+                    <p:spPr bwMode="auto">
+                      <a:xfrm>
+                        <a:off x="4237355" y="1430605"/>
+                        <a:ext cx="379181" cy="537173"/>
+                      </a:xfrm>
+                      <a:prstGeom prst="rect">
+                        <a:avLst/>
+                      </a:prstGeom>
+                      <a:noFill/>
+                      <a:extLst>
+                        <a:ext uri="{909E8E84-426E-40DD-AFC4-6F175D3DCCD1}">
+                          <a14:hiddenFill xmlns:a14="http://schemas.microsoft.com/office/drawing/2010/main">
+                            <a:solidFill>
+                              <a:srgbClr val="FFFFFF"/>
+                            </a:solidFill>
+                          </a14:hiddenFill>
+                        </a:ext>
+                      </a:extLst>
+                    </p:spPr>
+                  </p:pic>
+                </p:oleObj>
+              </mc:Fallback>
+            </mc:AlternateContent>
           </a:graphicData>
         </a:graphic>
       </p:graphicFrame>
@@ -9041,7 +13845,7 @@
           <p:nvPr>
             <p:extLst>
               <p:ext uri="{D42A27DB-BD31-4B8C-83A1-F6EECF244321}">
-                <p14:modId xmlns:p14="http://schemas.microsoft.com/office/powerpoint/2010/main" xmlns="" val="3365855799"/>
+                <p14:modId xmlns:p14="http://schemas.microsoft.com/office/powerpoint/2010/main" val="3365855799"/>
               </p:ext>
             </p:extLst>
           </p:nvPr>
@@ -9052,9 +13856,59 @@
         </p:xfrm>
         <a:graphic>
           <a:graphicData uri="http://schemas.openxmlformats.org/presentationml/2006/ole">
-            <p:oleObj spid="_x0000_s1143" name="数式" r:id="rId4" imgW="152280" imgH="215640" progId="Equation.3">
-              <p:embed/>
-            </p:oleObj>
+            <mc:AlternateContent xmlns:mc="http://schemas.openxmlformats.org/markup-compatibility/2006">
+              <mc:Choice xmlns:v="urn:schemas-microsoft-com:vml" Requires="v">
+                <p:oleObj spid="_x0000_s1183" name="数式" r:id="rId5" imgW="152280" imgH="215640" progId="Equation.3">
+                  <p:embed/>
+                </p:oleObj>
+              </mc:Choice>
+              <mc:Fallback>
+                <p:oleObj name="数式" r:id="rId5" imgW="152280" imgH="215640" progId="Equation.3">
+                  <p:embed/>
+                  <p:pic>
+                    <p:nvPicPr>
+                      <p:cNvPr id="0" name="Picture 119"/>
+                      <p:cNvPicPr>
+                        <a:picLocks noChangeAspect="1" noChangeArrowheads="1"/>
+                      </p:cNvPicPr>
+                      <p:nvPr/>
+                    </p:nvPicPr>
+                    <p:blipFill>
+                      <a:blip r:embed="rId6">
+                        <a:extLst>
+                          <a:ext uri="{28A0092B-C50C-407E-A947-70E740481C1C}">
+                            <a14:useLocalDpi xmlns:a14="http://schemas.microsoft.com/office/drawing/2010/main" val="0"/>
+                          </a:ext>
+                        </a:extLst>
+                      </a:blip>
+                      <a:srcRect/>
+                      <a:stretch>
+                        <a:fillRect/>
+                      </a:stretch>
+                    </p:blipFill>
+                    <p:spPr bwMode="auto">
+                      <a:xfrm>
+                        <a:off x="4828119" y="2796839"/>
+                        <a:ext cx="379413" cy="536575"/>
+                      </a:xfrm>
+                      <a:prstGeom prst="rect">
+                        <a:avLst/>
+                      </a:prstGeom>
+                      <a:noFill/>
+                      <a:extLst>
+                        <a:ext uri="{909E8E84-426E-40DD-AFC4-6F175D3DCCD1}">
+                          <a14:hiddenFill xmlns:a14="http://schemas.microsoft.com/office/drawing/2010/main">
+                            <a:solidFill>
+                              <a:srgbClr val="FFFFFF"/>
+                            </a:solidFill>
+                          </a14:hiddenFill>
+                        </a:ext>
+                      </a:extLst>
+                    </p:spPr>
+                  </p:pic>
+                </p:oleObj>
+              </mc:Fallback>
+            </mc:AlternateContent>
           </a:graphicData>
         </a:graphic>
       </p:graphicFrame>
@@ -9067,7 +13921,7 @@
           <p:nvPr>
             <p:extLst>
               <p:ext uri="{D42A27DB-BD31-4B8C-83A1-F6EECF244321}">
-                <p14:modId xmlns:p14="http://schemas.microsoft.com/office/powerpoint/2010/main" xmlns="" val="1147638440"/>
+                <p14:modId xmlns:p14="http://schemas.microsoft.com/office/powerpoint/2010/main" val="1147638440"/>
               </p:ext>
             </p:extLst>
           </p:nvPr>
@@ -9078,9 +13932,59 @@
         </p:xfrm>
         <a:graphic>
           <a:graphicData uri="http://schemas.openxmlformats.org/presentationml/2006/ole">
-            <p:oleObj spid="_x0000_s1144" name="数式" r:id="rId5" imgW="736560" imgH="215640" progId="Equation.3">
-              <p:embed/>
-            </p:oleObj>
+            <mc:AlternateContent xmlns:mc="http://schemas.openxmlformats.org/markup-compatibility/2006">
+              <mc:Choice xmlns:v="urn:schemas-microsoft-com:vml" Requires="v">
+                <p:oleObj spid="_x0000_s1184" name="数式" r:id="rId7" imgW="736560" imgH="215640" progId="Equation.3">
+                  <p:embed/>
+                </p:oleObj>
+              </mc:Choice>
+              <mc:Fallback>
+                <p:oleObj name="数式" r:id="rId7" imgW="736560" imgH="215640" progId="Equation.3">
+                  <p:embed/>
+                  <p:pic>
+                    <p:nvPicPr>
+                      <p:cNvPr id="0" name="Picture 120"/>
+                      <p:cNvPicPr>
+                        <a:picLocks noChangeAspect="1" noChangeArrowheads="1"/>
+                      </p:cNvPicPr>
+                      <p:nvPr/>
+                    </p:nvPicPr>
+                    <p:blipFill>
+                      <a:blip r:embed="rId8">
+                        <a:extLst>
+                          <a:ext uri="{28A0092B-C50C-407E-A947-70E740481C1C}">
+                            <a14:useLocalDpi xmlns:a14="http://schemas.microsoft.com/office/drawing/2010/main" val="0"/>
+                          </a:ext>
+                        </a:extLst>
+                      </a:blip>
+                      <a:srcRect/>
+                      <a:stretch>
+                        <a:fillRect/>
+                      </a:stretch>
+                    </p:blipFill>
+                    <p:spPr bwMode="auto">
+                      <a:xfrm>
+                        <a:off x="6696075" y="1341120"/>
+                        <a:ext cx="1835150" cy="536575"/>
+                      </a:xfrm>
+                      <a:prstGeom prst="rect">
+                        <a:avLst/>
+                      </a:prstGeom>
+                      <a:noFill/>
+                      <a:extLst>
+                        <a:ext uri="{909E8E84-426E-40DD-AFC4-6F175D3DCCD1}">
+                          <a14:hiddenFill xmlns:a14="http://schemas.microsoft.com/office/drawing/2010/main">
+                            <a:solidFill>
+                              <a:srgbClr val="FFFFFF"/>
+                            </a:solidFill>
+                          </a14:hiddenFill>
+                        </a:ext>
+                      </a:extLst>
+                    </p:spPr>
+                  </p:pic>
+                </p:oleObj>
+              </mc:Fallback>
+            </mc:AlternateContent>
           </a:graphicData>
         </a:graphic>
       </p:graphicFrame>
@@ -9136,7 +14040,7 @@
           <p:nvPr>
             <p:extLst>
               <p:ext uri="{D42A27DB-BD31-4B8C-83A1-F6EECF244321}">
-                <p14:modId xmlns:p14="http://schemas.microsoft.com/office/powerpoint/2010/main" xmlns="" val="4095846429"/>
+                <p14:modId xmlns:p14="http://schemas.microsoft.com/office/powerpoint/2010/main" val="4095846429"/>
               </p:ext>
             </p:extLst>
           </p:nvPr>
@@ -9147,9 +14051,59 @@
         </p:xfrm>
         <a:graphic>
           <a:graphicData uri="http://schemas.openxmlformats.org/presentationml/2006/ole">
-            <p:oleObj spid="_x0000_s1145" name="数式" r:id="rId6" imgW="1206360" imgH="330120" progId="Equation.3">
-              <p:embed/>
-            </p:oleObj>
+            <mc:AlternateContent xmlns:mc="http://schemas.openxmlformats.org/markup-compatibility/2006">
+              <mc:Choice xmlns:v="urn:schemas-microsoft-com:vml" Requires="v">
+                <p:oleObj spid="_x0000_s1185" name="数式" r:id="rId9" imgW="1206360" imgH="330120" progId="Equation.3">
+                  <p:embed/>
+                </p:oleObj>
+              </mc:Choice>
+              <mc:Fallback>
+                <p:oleObj name="数式" r:id="rId9" imgW="1206360" imgH="330120" progId="Equation.3">
+                  <p:embed/>
+                  <p:pic>
+                    <p:nvPicPr>
+                      <p:cNvPr id="0" name="Picture 121"/>
+                      <p:cNvPicPr>
+                        <a:picLocks noChangeAspect="1" noChangeArrowheads="1"/>
+                      </p:cNvPicPr>
+                      <p:nvPr/>
+                    </p:nvPicPr>
+                    <p:blipFill>
+                      <a:blip r:embed="rId10">
+                        <a:extLst>
+                          <a:ext uri="{28A0092B-C50C-407E-A947-70E740481C1C}">
+                            <a14:useLocalDpi xmlns:a14="http://schemas.microsoft.com/office/drawing/2010/main" val="0"/>
+                          </a:ext>
+                        </a:extLst>
+                      </a:blip>
+                      <a:srcRect/>
+                      <a:stretch>
+                        <a:fillRect/>
+                      </a:stretch>
+                    </p:blipFill>
+                    <p:spPr bwMode="auto">
+                      <a:xfrm>
+                        <a:off x="6406515" y="4093557"/>
+                        <a:ext cx="3006725" cy="820738"/>
+                      </a:xfrm>
+                      <a:prstGeom prst="rect">
+                        <a:avLst/>
+                      </a:prstGeom>
+                      <a:noFill/>
+                      <a:extLst>
+                        <a:ext uri="{909E8E84-426E-40DD-AFC4-6F175D3DCCD1}">
+                          <a14:hiddenFill xmlns:a14="http://schemas.microsoft.com/office/drawing/2010/main">
+                            <a:solidFill>
+                              <a:srgbClr val="FFFFFF"/>
+                            </a:solidFill>
+                          </a14:hiddenFill>
+                        </a:ext>
+                      </a:extLst>
+                    </p:spPr>
+                  </p:pic>
+                </p:oleObj>
+              </mc:Fallback>
+            </mc:AlternateContent>
           </a:graphicData>
         </a:graphic>
       </p:graphicFrame>
@@ -9225,181 +14179,6 @@
         </p:txBody>
       </p:sp>
     </p:spTree>
-  </p:cSld>
-  <p:clrMapOvr>
-    <a:masterClrMapping/>
-  </p:clrMapOvr>
-</p:sld>
-</file>
-
-<file path=ppt/slides/slide5.xml><?xml version="1.0" encoding="utf-8"?>
-<p:sld xmlns:a="http://schemas.openxmlformats.org/drawingml/2006/main" xmlns:r="http://schemas.openxmlformats.org/officeDocument/2006/relationships" xmlns:p="http://schemas.openxmlformats.org/presentationml/2006/main">
-  <p:cSld>
-    <p:spTree>
-      <p:nvGrpSpPr>
-        <p:cNvPr id="1" name=""/>
-        <p:cNvGrpSpPr/>
-        <p:nvPr/>
-      </p:nvGrpSpPr>
-      <p:grpSpPr>
-        <a:xfrm>
-          <a:off x="0" y="0"/>
-          <a:ext cx="0" cy="0"/>
-          <a:chOff x="0" y="0"/>
-          <a:chExt cx="0" cy="0"/>
-        </a:xfrm>
-      </p:grpSpPr>
-      <p:sp>
-        <p:nvSpPr>
-          <p:cNvPr id="2" name="スライド番号プレースホルダー 1"/>
-          <p:cNvSpPr>
-            <a:spLocks noGrp="1"/>
-          </p:cNvSpPr>
-          <p:nvPr>
-            <p:ph type="sldNum" sz="quarter" idx="4"/>
-          </p:nvPr>
-        </p:nvSpPr>
-        <p:spPr/>
-        <p:txBody>
-          <a:bodyPr/>
-          <a:lstStyle/>
-          <a:p>
-            <a:fld id="{80B61DEA-751C-4EFC-848A-C896179D47AE}" type="slidenum">
-              <a:rPr kumimoji="1" lang="ja-JP" altLang="en-US" smtClean="0"/>
-              <a:pPr/>
-              <a:t>5</a:t>
-            </a:fld>
-            <a:endParaRPr kumimoji="1" lang="ja-JP" altLang="en-US"/>
-          </a:p>
-        </p:txBody>
-      </p:sp>
-      <p:sp>
-        <p:nvSpPr>
-          <p:cNvPr id="3" name="コンテンツ プレースホルダー 2"/>
-          <p:cNvSpPr>
-            <a:spLocks noGrp="1"/>
-          </p:cNvSpPr>
-          <p:nvPr>
-            <p:ph idx="1"/>
-          </p:nvPr>
-        </p:nvSpPr>
-        <p:spPr/>
-        <p:txBody>
-          <a:bodyPr/>
-          <a:lstStyle/>
-          <a:p>
-            <a:r>
-              <a:rPr lang="ja-JP" altLang="en-US" dirty="0"/>
-              <a:t>「王様」</a:t>
-            </a:r>
-            <a:r>
-              <a:rPr lang="en-US" altLang="ja-JP" dirty="0"/>
-              <a:t>- </a:t>
-            </a:r>
-            <a:r>
-              <a:rPr lang="ja-JP" altLang="en-US" dirty="0"/>
-              <a:t>「男」</a:t>
-            </a:r>
-            <a:r>
-              <a:rPr lang="en-US" altLang="ja-JP" dirty="0"/>
-              <a:t>+ </a:t>
-            </a:r>
-            <a:r>
-              <a:rPr lang="ja-JP" altLang="en-US" dirty="0"/>
-              <a:t>「女」</a:t>
-            </a:r>
-            <a:r>
-              <a:rPr lang="en-US" altLang="ja-JP" dirty="0"/>
-              <a:t>= </a:t>
-            </a:r>
-            <a:r>
-              <a:rPr lang="ja-JP" altLang="en-US" dirty="0"/>
-              <a:t>「女王」</a:t>
-            </a:r>
-          </a:p>
-          <a:p>
-            <a:r>
-              <a:rPr lang="ja-JP" altLang="en-US" dirty="0"/>
-              <a:t>「パリ」</a:t>
-            </a:r>
-            <a:r>
-              <a:rPr lang="en-US" altLang="ja-JP" dirty="0"/>
-              <a:t>- </a:t>
-            </a:r>
-            <a:r>
-              <a:rPr lang="ja-JP" altLang="en-US" dirty="0"/>
-              <a:t>「フランス」</a:t>
-            </a:r>
-            <a:r>
-              <a:rPr lang="en-US" altLang="ja-JP" dirty="0"/>
-              <a:t>+ </a:t>
-            </a:r>
-            <a:r>
-              <a:rPr lang="ja-JP" altLang="en-US" dirty="0"/>
-              <a:t>「日本」</a:t>
-            </a:r>
-            <a:r>
-              <a:rPr lang="en-US" altLang="ja-JP" dirty="0"/>
-              <a:t>= </a:t>
-            </a:r>
-            <a:r>
-              <a:rPr lang="ja-JP" altLang="en-US" dirty="0"/>
-              <a:t>「東京</a:t>
-            </a:r>
-            <a:r>
-              <a:rPr lang="ja-JP" altLang="en-US" dirty="0" smtClean="0"/>
-              <a:t>」</a:t>
-            </a:r>
-            <a:endParaRPr lang="en-US" altLang="ja-JP" dirty="0" smtClean="0"/>
-          </a:p>
-          <a:p>
-            <a:r>
-              <a:rPr kumimoji="1" lang="ja-JP" altLang="en-US" dirty="0" smtClean="0"/>
-              <a:t>ができるようになる</a:t>
-            </a:r>
-            <a:endParaRPr kumimoji="1" lang="en-US" altLang="ja-JP" dirty="0" smtClean="0"/>
-          </a:p>
-          <a:p>
-            <a:endParaRPr lang="en-US" altLang="ja-JP" dirty="0"/>
-          </a:p>
-          <a:p>
-            <a:r>
-              <a:rPr kumimoji="1" lang="ja-JP" altLang="en-US" dirty="0" smtClean="0"/>
-              <a:t>ニューラルネットワークの入力の素性に利用できる</a:t>
-            </a:r>
-            <a:endParaRPr kumimoji="1" lang="ja-JP" altLang="en-US" dirty="0"/>
-          </a:p>
-        </p:txBody>
-      </p:sp>
-      <p:sp>
-        <p:nvSpPr>
-          <p:cNvPr id="4" name="タイトル 3"/>
-          <p:cNvSpPr>
-            <a:spLocks noGrp="1"/>
-          </p:cNvSpPr>
-          <p:nvPr>
-            <p:ph type="title"/>
-          </p:nvPr>
-        </p:nvSpPr>
-        <p:spPr/>
-        <p:txBody>
-          <a:bodyPr/>
-          <a:lstStyle/>
-          <a:p>
-            <a:r>
-              <a:rPr kumimoji="1" lang="ja-JP" altLang="en-US" dirty="0" smtClean="0"/>
-              <a:t>文書のベクトル化</a:t>
-            </a:r>
-            <a:endParaRPr kumimoji="1" lang="ja-JP" altLang="en-US" dirty="0"/>
-          </a:p>
-        </p:txBody>
-      </p:sp>
-    </p:spTree>
-    <p:extLst>
-      <p:ext uri="{BB962C8B-B14F-4D97-AF65-F5344CB8AC3E}">
-        <p14:creationId xmlns:p14="http://schemas.microsoft.com/office/powerpoint/2010/main" xmlns="" val="1900568499"/>
-      </p:ext>
-    </p:extLst>
   </p:cSld>
   <p:clrMapOvr>
     <a:masterClrMapping/>
@@ -9457,12 +14236,12 @@
       </p:sp>
       <p:sp>
         <p:nvSpPr>
-          <p:cNvPr id="3" name="タイトル 2"/>
+          <p:cNvPr id="3" name="コンテンツ プレースホルダー 2"/>
           <p:cNvSpPr>
             <a:spLocks noGrp="1"/>
           </p:cNvSpPr>
           <p:nvPr>
-            <p:ph type="ctrTitle"/>
+            <p:ph idx="1"/>
           </p:nvPr>
         </p:nvSpPr>
         <p:spPr/>
@@ -9471,12 +14250,106 @@
           <a:lstStyle/>
           <a:p>
             <a:r>
-              <a:rPr kumimoji="1" lang="en-US" altLang="ja-JP" dirty="0" smtClean="0"/>
-              <a:t>Use Cases, </a:t>
+              <a:rPr lang="ja-JP" altLang="en-US" dirty="0"/>
+              <a:t>「王様」</a:t>
             </a:r>
             <a:r>
               <a:rPr lang="en-US" altLang="ja-JP" dirty="0"/>
-              <a:t>Future Works</a:t>
+              <a:t>- </a:t>
+            </a:r>
+            <a:r>
+              <a:rPr lang="ja-JP" altLang="en-US" dirty="0"/>
+              <a:t>「男」</a:t>
+            </a:r>
+            <a:r>
+              <a:rPr lang="en-US" altLang="ja-JP" dirty="0"/>
+              <a:t>+ </a:t>
+            </a:r>
+            <a:r>
+              <a:rPr lang="ja-JP" altLang="en-US" dirty="0"/>
+              <a:t>「女」</a:t>
+            </a:r>
+            <a:r>
+              <a:rPr lang="en-US" altLang="ja-JP" dirty="0"/>
+              <a:t>= </a:t>
+            </a:r>
+            <a:r>
+              <a:rPr lang="ja-JP" altLang="en-US" dirty="0"/>
+              <a:t>「女王」</a:t>
+            </a:r>
+          </a:p>
+          <a:p>
+            <a:r>
+              <a:rPr lang="ja-JP" altLang="en-US" dirty="0"/>
+              <a:t>「パリ」</a:t>
+            </a:r>
+            <a:r>
+              <a:rPr lang="en-US" altLang="ja-JP" dirty="0"/>
+              <a:t>- </a:t>
+            </a:r>
+            <a:r>
+              <a:rPr lang="ja-JP" altLang="en-US" dirty="0"/>
+              <a:t>「フランス」</a:t>
+            </a:r>
+            <a:r>
+              <a:rPr lang="en-US" altLang="ja-JP" dirty="0"/>
+              <a:t>+ </a:t>
+            </a:r>
+            <a:r>
+              <a:rPr lang="ja-JP" altLang="en-US" dirty="0"/>
+              <a:t>「日本」</a:t>
+            </a:r>
+            <a:r>
+              <a:rPr lang="en-US" altLang="ja-JP" dirty="0"/>
+              <a:t>= </a:t>
+            </a:r>
+            <a:r>
+              <a:rPr lang="ja-JP" altLang="en-US" dirty="0"/>
+              <a:t>「東京</a:t>
+            </a:r>
+            <a:r>
+              <a:rPr lang="ja-JP" altLang="en-US" dirty="0" smtClean="0"/>
+              <a:t>」</a:t>
+            </a:r>
+            <a:endParaRPr lang="en-US" altLang="ja-JP" dirty="0" smtClean="0"/>
+          </a:p>
+          <a:p>
+            <a:r>
+              <a:rPr kumimoji="1" lang="ja-JP" altLang="en-US" dirty="0" smtClean="0"/>
+              <a:t>ができるようになる</a:t>
+            </a:r>
+            <a:endParaRPr kumimoji="1" lang="en-US" altLang="ja-JP" dirty="0" smtClean="0"/>
+          </a:p>
+          <a:p>
+            <a:endParaRPr lang="en-US" altLang="ja-JP" dirty="0"/>
+          </a:p>
+          <a:p>
+            <a:r>
+              <a:rPr kumimoji="1" lang="ja-JP" altLang="en-US" dirty="0" smtClean="0"/>
+              <a:t>ニューラルネットワークの入力の素性に利用できる</a:t>
+            </a:r>
+            <a:endParaRPr kumimoji="1" lang="ja-JP" altLang="en-US" dirty="0"/>
+          </a:p>
+        </p:txBody>
+      </p:sp>
+      <p:sp>
+        <p:nvSpPr>
+          <p:cNvPr id="4" name="タイトル 3"/>
+          <p:cNvSpPr>
+            <a:spLocks noGrp="1"/>
+          </p:cNvSpPr>
+          <p:nvPr>
+            <p:ph type="title"/>
+          </p:nvPr>
+        </p:nvSpPr>
+        <p:spPr/>
+        <p:txBody>
+          <a:bodyPr/>
+          <a:lstStyle/>
+          <a:p>
+            <a:r>
+              <a:rPr kumimoji="1" lang="ja-JP" altLang="en-US" dirty="0" smtClean="0"/>
+              <a:t>文書のベクトル化</a:t>
             </a:r>
             <a:endParaRPr kumimoji="1" lang="ja-JP" altLang="en-US" dirty="0"/>
           </a:p>
@@ -9485,13 +14358,20 @@
     </p:spTree>
     <p:extLst>
       <p:ext uri="{BB962C8B-B14F-4D97-AF65-F5344CB8AC3E}">
-        <p14:creationId xmlns:p14="http://schemas.microsoft.com/office/powerpoint/2010/main" xmlns="" val="550732552"/>
+        <p14:creationId xmlns:p14="http://schemas.microsoft.com/office/powerpoint/2010/main" val="1900568499"/>
       </p:ext>
     </p:extLst>
   </p:cSld>
   <p:clrMapOvr>
     <a:masterClrMapping/>
   </p:clrMapOvr>
+  <p:timing>
+    <p:tnLst>
+      <p:par>
+        <p:cTn id="1" dur="indefinite" restart="never" nodeType="tmRoot"/>
+      </p:par>
+    </p:tnLst>
+  </p:timing>
 </p:sld>
 </file>
 
@@ -9538,12 +14418,12 @@
       </p:sp>
       <p:sp>
         <p:nvSpPr>
-          <p:cNvPr id="3" name="コンテンツ プレースホルダー 2"/>
+          <p:cNvPr id="3" name="タイトル 2"/>
           <p:cNvSpPr>
             <a:spLocks noGrp="1"/>
           </p:cNvSpPr>
           <p:nvPr>
-            <p:ph idx="1"/>
+            <p:ph type="ctrTitle"/>
           </p:nvPr>
         </p:nvSpPr>
         <p:spPr/>
@@ -9551,28 +14431,13 @@
           <a:bodyPr/>
           <a:lstStyle/>
           <a:p>
-            <a:endParaRPr kumimoji="1" lang="ja-JP" altLang="en-US" dirty="0"/>
-          </a:p>
-        </p:txBody>
-      </p:sp>
-      <p:sp>
-        <p:nvSpPr>
-          <p:cNvPr id="4" name="タイトル 3"/>
-          <p:cNvSpPr>
-            <a:spLocks noGrp="1"/>
-          </p:cNvSpPr>
-          <p:nvPr>
-            <p:ph type="title"/>
-          </p:nvPr>
-        </p:nvSpPr>
-        <p:spPr/>
-        <p:txBody>
-          <a:bodyPr/>
-          <a:lstStyle/>
-          <a:p>
-            <a:r>
-              <a:rPr kumimoji="1" lang="ja-JP" altLang="en-US" dirty="0" smtClean="0"/>
-              <a:t>機械学習のチューニング</a:t>
+            <a:r>
+              <a:rPr kumimoji="1" lang="en-US" altLang="ja-JP" dirty="0" smtClean="0"/>
+              <a:t>Use Cases, </a:t>
+            </a:r>
+            <a:r>
+              <a:rPr lang="en-US" altLang="ja-JP" dirty="0"/>
+              <a:t>Future Works</a:t>
             </a:r>
             <a:endParaRPr kumimoji="1" lang="ja-JP" altLang="en-US" dirty="0"/>
           </a:p>
@@ -9581,13 +14446,20 @@
     </p:spTree>
     <p:extLst>
       <p:ext uri="{BB962C8B-B14F-4D97-AF65-F5344CB8AC3E}">
-        <p14:creationId xmlns:p14="http://schemas.microsoft.com/office/powerpoint/2010/main" xmlns="" val="3117917766"/>
+        <p14:creationId xmlns:p14="http://schemas.microsoft.com/office/powerpoint/2010/main" val="550732552"/>
       </p:ext>
     </p:extLst>
   </p:cSld>
   <p:clrMapOvr>
     <a:masterClrMapping/>
   </p:clrMapOvr>
+  <p:timing>
+    <p:tnLst>
+      <p:par>
+        <p:cTn id="1" dur="indefinite" restart="never" nodeType="tmRoot"/>
+      </p:par>
+    </p:tnLst>
+  </p:timing>
 </p:sld>
 </file>
 
@@ -9647,26 +14519,7 @@
           <a:bodyPr/>
           <a:lstStyle/>
           <a:p>
-            <a:r>
-              <a:rPr lang="ja-JP" altLang="en-US" dirty="0"/>
-              <a:t>日本語</a:t>
-            </a:r>
-            <a:r>
-              <a:rPr lang="ja-JP" altLang="en-US" dirty="0" smtClean="0"/>
-              <a:t>論文対応</a:t>
-            </a:r>
-            <a:endParaRPr lang="en-US" altLang="ja-JP" dirty="0" smtClean="0"/>
-          </a:p>
-          <a:p>
-            <a:r>
-              <a:rPr kumimoji="1" lang="en-US" altLang="ja-JP" dirty="0" smtClean="0"/>
-              <a:t>IEEE</a:t>
-            </a:r>
-            <a:r>
-              <a:rPr lang="ja-JP" altLang="en-US" dirty="0"/>
-              <a:t>以外</a:t>
-            </a:r>
-            <a:endParaRPr kumimoji="1" lang="en-US" altLang="ja-JP" dirty="0" smtClean="0"/>
+            <a:endParaRPr kumimoji="1" lang="ja-JP" altLang="en-US" dirty="0"/>
           </a:p>
         </p:txBody>
       </p:sp>
@@ -9685,20 +14538,31 @@
           <a:bodyPr/>
           <a:lstStyle/>
           <a:p>
-            <a:endParaRPr kumimoji="1" lang="ja-JP" altLang="en-US"/>
+            <a:r>
+              <a:rPr kumimoji="1" lang="ja-JP" altLang="en-US" dirty="0" smtClean="0"/>
+              <a:t>機械学習のチューニング</a:t>
+            </a:r>
+            <a:endParaRPr kumimoji="1" lang="ja-JP" altLang="en-US" dirty="0"/>
           </a:p>
         </p:txBody>
       </p:sp>
     </p:spTree>
     <p:extLst>
       <p:ext uri="{BB962C8B-B14F-4D97-AF65-F5344CB8AC3E}">
-        <p14:creationId xmlns:p14="http://schemas.microsoft.com/office/powerpoint/2010/main" xmlns="" val="1766755709"/>
+        <p14:creationId xmlns:p14="http://schemas.microsoft.com/office/powerpoint/2010/main" val="3117917766"/>
       </p:ext>
     </p:extLst>
   </p:cSld>
   <p:clrMapOvr>
     <a:masterClrMapping/>
   </p:clrMapOvr>
+  <p:timing>
+    <p:tnLst>
+      <p:par>
+        <p:cTn id="1" dur="indefinite" restart="never" nodeType="tmRoot"/>
+      </p:par>
+    </p:tnLst>
+  </p:timing>
 </p:sld>
 </file>
 
@@ -9758,7 +14622,26 @@
           <a:bodyPr/>
           <a:lstStyle/>
           <a:p>
-            <a:endParaRPr kumimoji="1" lang="ja-JP" altLang="en-US" dirty="0"/>
+            <a:r>
+              <a:rPr lang="ja-JP" altLang="en-US" dirty="0"/>
+              <a:t>日本語</a:t>
+            </a:r>
+            <a:r>
+              <a:rPr lang="ja-JP" altLang="en-US" dirty="0" smtClean="0"/>
+              <a:t>論文対応</a:t>
+            </a:r>
+            <a:endParaRPr lang="en-US" altLang="ja-JP" dirty="0" smtClean="0"/>
+          </a:p>
+          <a:p>
+            <a:r>
+              <a:rPr kumimoji="1" lang="en-US" altLang="ja-JP" dirty="0" smtClean="0"/>
+              <a:t>IEEE</a:t>
+            </a:r>
+            <a:r>
+              <a:rPr lang="ja-JP" altLang="en-US" dirty="0"/>
+              <a:t>以外</a:t>
+            </a:r>
+            <a:endParaRPr kumimoji="1" lang="en-US" altLang="ja-JP" dirty="0" smtClean="0"/>
           </a:p>
         </p:txBody>
       </p:sp>
@@ -9774,41 +14657,30 @@
         </p:nvSpPr>
         <p:spPr/>
         <p:txBody>
-          <a:bodyPr>
-            <a:normAutofit/>
-          </a:bodyPr>
+          <a:bodyPr/>
           <a:lstStyle/>
           <a:p>
-            <a:r>
-              <a:rPr lang="ja-JP" altLang="en-US" dirty="0"/>
-              <a:t>論文</a:t>
-            </a:r>
-            <a:r>
-              <a:rPr lang="ja-JP" altLang="en-US" dirty="0" err="1"/>
-              <a:t>探すのめん</a:t>
-            </a:r>
-            <a:r>
-              <a:rPr lang="ja-JP" altLang="en-US" dirty="0"/>
-              <a:t>どく</a:t>
-            </a:r>
-            <a:r>
-              <a:rPr lang="ja-JP" altLang="en-US" dirty="0" smtClean="0"/>
-              <a:t>さい、論文読むのめんどくさい</a:t>
-            </a:r>
-            <a:endParaRPr kumimoji="1" lang="ja-JP" altLang="en-US" dirty="0"/>
+            <a:endParaRPr kumimoji="1" lang="ja-JP" altLang="en-US"/>
           </a:p>
         </p:txBody>
       </p:sp>
     </p:spTree>
     <p:extLst>
       <p:ext uri="{BB962C8B-B14F-4D97-AF65-F5344CB8AC3E}">
-        <p14:creationId xmlns:p14="http://schemas.microsoft.com/office/powerpoint/2010/main" xmlns="" val="3505154345"/>
+        <p14:creationId xmlns:p14="http://schemas.microsoft.com/office/powerpoint/2010/main" val="1766755709"/>
       </p:ext>
     </p:extLst>
   </p:cSld>
   <p:clrMapOvr>
     <a:masterClrMapping/>
   </p:clrMapOvr>
+  <p:timing>
+    <p:tnLst>
+      <p:par>
+        <p:cTn id="1" dur="indefinite" restart="never" nodeType="tmRoot"/>
+      </p:par>
+    </p:tnLst>
+  </p:timing>
 </p:sld>
 </file>
 
@@ -10024,7 +14896,7 @@
   <a:extraClrSchemeLst/>
   <a:extLst>
     <a:ext uri="{05A4C25C-085E-4340-85A3-A5531E510DB2}">
-      <thm15:themeFamily xmlns="" xmlns:thm15="http://schemas.microsoft.com/office/thememl/2012/main" name="Office Theme" id="{62F939B6-93AF-4DB8-9C6B-D6C7DFDC589F}" vid="{4A3C46E8-61CC-4603-A589-7422A47A8E4A}"/>
+      <thm15:themeFamily xmlns:thm15="http://schemas.microsoft.com/office/thememl/2012/main" xmlns="" name="Office Theme" id="{62F939B6-93AF-4DB8-9C6B-D6C7DFDC589F}" vid="{4A3C46E8-61CC-4603-A589-7422A47A8E4A}"/>
     </a:ext>
   </a:extLst>
 </a:theme>
@@ -10285,7 +15157,7 @@
   <a:extraClrSchemeLst/>
   <a:extLst>
     <a:ext uri="{05A4C25C-085E-4340-85A3-A5531E510DB2}">
-      <thm15:themeFamily xmlns="" xmlns:thm15="http://schemas.microsoft.com/office/thememl/2012/main" name="Office Theme" id="{62F939B6-93AF-4DB8-9C6B-D6C7DFDC589F}" vid="{4A3C46E8-61CC-4603-A589-7422A47A8E4A}"/>
+      <thm15:themeFamily xmlns:thm15="http://schemas.microsoft.com/office/thememl/2012/main" xmlns="" name="Office Theme" id="{62F939B6-93AF-4DB8-9C6B-D6C7DFDC589F}" vid="{4A3C46E8-61CC-4603-A589-7422A47A8E4A}"/>
     </a:ext>
   </a:extLst>
 </a:theme>

--- a/overview.pptx
+++ b/overview.pptx
@@ -5,26 +5,28 @@
     <p:sldMasterId id="2147483648" r:id="rId1"/>
   </p:sldMasterIdLst>
   <p:notesMasterIdLst>
-    <p:notesMasterId r:id="rId19"/>
+    <p:notesMasterId r:id="rId21"/>
   </p:notesMasterIdLst>
   <p:sldIdLst>
-    <p:sldId id="256" r:id="rId2"/>
-    <p:sldId id="262" r:id="rId3"/>
-    <p:sldId id="257" r:id="rId4"/>
-    <p:sldId id="275" r:id="rId5"/>
-    <p:sldId id="261" r:id="rId6"/>
-    <p:sldId id="260" r:id="rId7"/>
-    <p:sldId id="269" r:id="rId8"/>
-    <p:sldId id="273" r:id="rId9"/>
-    <p:sldId id="266" r:id="rId10"/>
-    <p:sldId id="268" r:id="rId11"/>
-    <p:sldId id="272" r:id="rId12"/>
-    <p:sldId id="270" r:id="rId13"/>
-    <p:sldId id="271" r:id="rId14"/>
-    <p:sldId id="264" r:id="rId15"/>
-    <p:sldId id="274" r:id="rId16"/>
-    <p:sldId id="276" r:id="rId17"/>
-    <p:sldId id="259" r:id="rId18"/>
+    <p:sldId id="277" r:id="rId2"/>
+    <p:sldId id="278" r:id="rId3"/>
+    <p:sldId id="256" r:id="rId4"/>
+    <p:sldId id="262" r:id="rId5"/>
+    <p:sldId id="257" r:id="rId6"/>
+    <p:sldId id="275" r:id="rId7"/>
+    <p:sldId id="261" r:id="rId8"/>
+    <p:sldId id="260" r:id="rId9"/>
+    <p:sldId id="269" r:id="rId10"/>
+    <p:sldId id="273" r:id="rId11"/>
+    <p:sldId id="266" r:id="rId12"/>
+    <p:sldId id="268" r:id="rId13"/>
+    <p:sldId id="272" r:id="rId14"/>
+    <p:sldId id="270" r:id="rId15"/>
+    <p:sldId id="271" r:id="rId16"/>
+    <p:sldId id="264" r:id="rId17"/>
+    <p:sldId id="274" r:id="rId18"/>
+    <p:sldId id="276" r:id="rId19"/>
+    <p:sldId id="259" r:id="rId20"/>
   </p:sldIdLst>
   <p:sldSz cx="12192000" cy="6858000"/>
   <p:notesSz cx="6858000" cy="9144000"/>
@@ -209,7 +211,7 @@
             <a:fld id="{9841980D-5ED3-487F-B3E9-943BB45F7B97}" type="datetimeFigureOut">
               <a:rPr kumimoji="1" lang="ja-JP" altLang="en-US" smtClean="0"/>
               <a:pPr/>
-              <a:t>2017/4/13</a:t>
+              <a:t>2017/4/15</a:t>
             </a:fld>
             <a:endParaRPr kumimoji="1" lang="ja-JP" altLang="en-US"/>
           </a:p>
@@ -401,7 +403,7 @@
             <a:fld id="{D5E6ED6B-3F85-40A1-9484-0C501FDC6FE4}" type="slidenum">
               <a:rPr kumimoji="1" lang="ja-JP" altLang="en-US" smtClean="0"/>
               <a:pPr/>
-              <a:t>‹#›</a:t>
+              <a:t>&lt;#&gt;</a:t>
             </a:fld>
             <a:endParaRPr kumimoji="1" lang="ja-JP" altLang="en-US"/>
           </a:p>
@@ -410,7 +412,7 @@
     </p:spTree>
     <p:extLst>
       <p:ext uri="{BB962C8B-B14F-4D97-AF65-F5344CB8AC3E}">
-        <p14:creationId xmlns:p14="http://schemas.microsoft.com/office/powerpoint/2010/main" val="1647040712"/>
+        <p14:creationId xmlns:p14="http://schemas.microsoft.com/office/powerpoint/2010/main" xmlns="" val="1647040712"/>
       </p:ext>
     </p:extLst>
   </p:cSld>
@@ -529,7 +531,7 @@
       </p:grpSpPr>
       <p:sp>
         <p:nvSpPr>
-          <p:cNvPr id="2" name="スライド イメージ プレースホルダー 1"/>
+          <p:cNvPr id="2" name="スライド イメージ プレースホルダ 1"/>
           <p:cNvSpPr>
             <a:spLocks noGrp="1" noRot="1" noChangeAspect="1"/>
           </p:cNvSpPr>
@@ -541,7 +543,7 @@
       </p:sp>
       <p:sp>
         <p:nvSpPr>
-          <p:cNvPr id="3" name="ノート プレースホルダー 2"/>
+          <p:cNvPr id="3" name="ノート プレースホルダ 2"/>
           <p:cNvSpPr>
             <a:spLocks noGrp="1"/>
           </p:cNvSpPr>
@@ -551,16 +553,28 @@
         </p:nvSpPr>
         <p:spPr/>
         <p:txBody>
-          <a:bodyPr/>
+          <a:bodyPr>
+            <a:normAutofit/>
+          </a:bodyPr>
           <a:lstStyle/>
           <a:p>
-            <a:endParaRPr kumimoji="1" lang="ja-JP" altLang="en-US"/>
+            <a:r>
+              <a:rPr kumimoji="1" lang="en-US" altLang="ja-JP" dirty="0" smtClean="0"/>
+              <a:t>http://www.ieice.org/~nwgn/file_ws10/08_Shinkuma.pdf</a:t>
+            </a:r>
+          </a:p>
+          <a:p>
+            <a:r>
+              <a:rPr kumimoji="1" lang="en-US" altLang="ja-JP" dirty="0" smtClean="0"/>
+              <a:t>http://www.ieice.org/ken/program/index.php?tgs_regid=3026411417171d01d6573700c55a40cba653d62dd0c90a811022653f9a653b84&amp;tgid=IEICE-PN&amp;lang=</a:t>
+            </a:r>
+            <a:endParaRPr kumimoji="1" lang="ja-JP" altLang="en-US" dirty="0"/>
           </a:p>
         </p:txBody>
       </p:sp>
       <p:sp>
         <p:nvSpPr>
-          <p:cNvPr id="4" name="スライド番号プレースホルダー 3"/>
+          <p:cNvPr id="4" name="スライド番号プレースホルダ 3"/>
           <p:cNvSpPr>
             <a:spLocks noGrp="1"/>
           </p:cNvSpPr>
@@ -576,18 +590,13 @@
             <a:fld id="{D5E6ED6B-3F85-40A1-9484-0C501FDC6FE4}" type="slidenum">
               <a:rPr kumimoji="1" lang="ja-JP" altLang="en-US" smtClean="0"/>
               <a:pPr/>
-              <a:t>3</a:t>
+              <a:t>2</a:t>
             </a:fld>
             <a:endParaRPr kumimoji="1" lang="ja-JP" altLang="en-US"/>
           </a:p>
         </p:txBody>
       </p:sp>
     </p:spTree>
-    <p:extLst>
-      <p:ext uri="{BB962C8B-B14F-4D97-AF65-F5344CB8AC3E}">
-        <p14:creationId xmlns:p14="http://schemas.microsoft.com/office/powerpoint/2010/main" val="1657077930"/>
-      </p:ext>
-    </p:extLst>
   </p:cSld>
   <p:clrMapOvr>
     <a:masterClrMapping/>
@@ -639,39 +648,7 @@
           <a:bodyPr/>
           <a:lstStyle/>
           <a:p>
-            <a:r>
-              <a:rPr kumimoji="1" lang="ja-JP" altLang="en-US" dirty="0" smtClean="0"/>
-              <a:t>データがころころかわる</a:t>
-            </a:r>
-            <a:endParaRPr kumimoji="1" lang="en-US" altLang="ja-JP" dirty="0" smtClean="0"/>
-          </a:p>
-          <a:p>
-            <a:r>
-              <a:rPr kumimoji="1" lang="ja-JP" altLang="en-US" dirty="0" smtClean="0"/>
-              <a:t>伝えたいのはフロー、データの形式</a:t>
-            </a:r>
-            <a:endParaRPr kumimoji="1" lang="en-US" altLang="ja-JP" dirty="0" smtClean="0"/>
-          </a:p>
-          <a:p>
-            <a:r>
-              <a:rPr kumimoji="1" lang="ja-JP" altLang="en-US" dirty="0" smtClean="0"/>
-              <a:t>大事な所を目立たせる</a:t>
-            </a:r>
-            <a:endParaRPr kumimoji="1" lang="en-US" altLang="ja-JP" dirty="0" smtClean="0"/>
-          </a:p>
-          <a:p>
-            <a:r>
-              <a:rPr kumimoji="1" lang="en-US" altLang="ja-JP" dirty="0" err="1" smtClean="0"/>
-              <a:t>flaticon</a:t>
-            </a:r>
-            <a:endParaRPr kumimoji="1" lang="en-US" altLang="ja-JP" dirty="0" smtClean="0"/>
-          </a:p>
-          <a:p>
-            <a:r>
-              <a:rPr kumimoji="1" lang="ja-JP" altLang="en-US" smtClean="0"/>
-              <a:t>バラバラの積み木→整理されたベクトル</a:t>
-            </a:r>
-            <a:endParaRPr kumimoji="1" lang="ja-JP" altLang="en-US" dirty="0"/>
+            <a:endParaRPr kumimoji="1" lang="ja-JP" altLang="en-US"/>
           </a:p>
         </p:txBody>
       </p:sp>
@@ -693,7 +670,7 @@
             <a:fld id="{D5E6ED6B-3F85-40A1-9484-0C501FDC6FE4}" type="slidenum">
               <a:rPr kumimoji="1" lang="ja-JP" altLang="en-US" smtClean="0"/>
               <a:pPr/>
-              <a:t>4</a:t>
+              <a:t>5</a:t>
             </a:fld>
             <a:endParaRPr kumimoji="1" lang="ja-JP" altLang="en-US"/>
           </a:p>
@@ -702,7 +679,124 @@
     </p:spTree>
     <p:extLst>
       <p:ext uri="{BB962C8B-B14F-4D97-AF65-F5344CB8AC3E}">
-        <p14:creationId xmlns:p14="http://schemas.microsoft.com/office/powerpoint/2010/main" val="1657077930"/>
+        <p14:creationId xmlns:p14="http://schemas.microsoft.com/office/powerpoint/2010/main" xmlns="" val="1657077930"/>
+      </p:ext>
+    </p:extLst>
+  </p:cSld>
+  <p:clrMapOvr>
+    <a:masterClrMapping/>
+  </p:clrMapOvr>
+</p:notes>
+</file>
+
+<file path=ppt/notesSlides/notesSlide3.xml><?xml version="1.0" encoding="utf-8"?>
+<p:notes xmlns:a="http://schemas.openxmlformats.org/drawingml/2006/main" xmlns:r="http://schemas.openxmlformats.org/officeDocument/2006/relationships" xmlns:p="http://schemas.openxmlformats.org/presentationml/2006/main">
+  <p:cSld>
+    <p:spTree>
+      <p:nvGrpSpPr>
+        <p:cNvPr id="1" name=""/>
+        <p:cNvGrpSpPr/>
+        <p:nvPr/>
+      </p:nvGrpSpPr>
+      <p:grpSpPr>
+        <a:xfrm>
+          <a:off x="0" y="0"/>
+          <a:ext cx="0" cy="0"/>
+          <a:chOff x="0" y="0"/>
+          <a:chExt cx="0" cy="0"/>
+        </a:xfrm>
+      </p:grpSpPr>
+      <p:sp>
+        <p:nvSpPr>
+          <p:cNvPr id="2" name="スライド イメージ プレースホルダー 1"/>
+          <p:cNvSpPr>
+            <a:spLocks noGrp="1" noRot="1" noChangeAspect="1"/>
+          </p:cNvSpPr>
+          <p:nvPr>
+            <p:ph type="sldImg"/>
+          </p:nvPr>
+        </p:nvSpPr>
+        <p:spPr/>
+      </p:sp>
+      <p:sp>
+        <p:nvSpPr>
+          <p:cNvPr id="3" name="ノート プレースホルダー 2"/>
+          <p:cNvSpPr>
+            <a:spLocks noGrp="1"/>
+          </p:cNvSpPr>
+          <p:nvPr>
+            <p:ph type="body" idx="1"/>
+          </p:nvPr>
+        </p:nvSpPr>
+        <p:spPr/>
+        <p:txBody>
+          <a:bodyPr/>
+          <a:lstStyle/>
+          <a:p>
+            <a:r>
+              <a:rPr kumimoji="1" lang="ja-JP" altLang="en-US" dirty="0" smtClean="0"/>
+              <a:t>データがころころかわる</a:t>
+            </a:r>
+            <a:endParaRPr kumimoji="1" lang="en-US" altLang="ja-JP" dirty="0" smtClean="0"/>
+          </a:p>
+          <a:p>
+            <a:r>
+              <a:rPr kumimoji="1" lang="ja-JP" altLang="en-US" dirty="0" smtClean="0"/>
+              <a:t>伝えたいのはフロー、データの形式</a:t>
+            </a:r>
+            <a:endParaRPr kumimoji="1" lang="en-US" altLang="ja-JP" dirty="0" smtClean="0"/>
+          </a:p>
+          <a:p>
+            <a:r>
+              <a:rPr kumimoji="1" lang="ja-JP" altLang="en-US" dirty="0" smtClean="0"/>
+              <a:t>大事な所を目立たせる</a:t>
+            </a:r>
+            <a:endParaRPr kumimoji="1" lang="en-US" altLang="ja-JP" dirty="0" smtClean="0"/>
+          </a:p>
+          <a:p>
+            <a:r>
+              <a:rPr kumimoji="1" lang="en-US" altLang="ja-JP" dirty="0" err="1" smtClean="0"/>
+              <a:t>flaticon</a:t>
+            </a:r>
+            <a:endParaRPr kumimoji="1" lang="en-US" altLang="ja-JP" dirty="0" smtClean="0"/>
+          </a:p>
+          <a:p>
+            <a:r>
+              <a:rPr kumimoji="1" lang="ja-JP" altLang="en-US" smtClean="0"/>
+              <a:t>バラバラの積み木→整理されたベクトル</a:t>
+            </a:r>
+            <a:endParaRPr kumimoji="1" lang="ja-JP" altLang="en-US" dirty="0"/>
+          </a:p>
+        </p:txBody>
+      </p:sp>
+      <p:sp>
+        <p:nvSpPr>
+          <p:cNvPr id="4" name="スライド番号プレースホルダー 3"/>
+          <p:cNvSpPr>
+            <a:spLocks noGrp="1"/>
+          </p:cNvSpPr>
+          <p:nvPr>
+            <p:ph type="sldNum" sz="quarter" idx="10"/>
+          </p:nvPr>
+        </p:nvSpPr>
+        <p:spPr/>
+        <p:txBody>
+          <a:bodyPr/>
+          <a:lstStyle/>
+          <a:p>
+            <a:fld id="{D5E6ED6B-3F85-40A1-9484-0C501FDC6FE4}" type="slidenum">
+              <a:rPr kumimoji="1" lang="ja-JP" altLang="en-US" smtClean="0"/>
+              <a:pPr/>
+              <a:t>6</a:t>
+            </a:fld>
+            <a:endParaRPr kumimoji="1" lang="ja-JP" altLang="en-US"/>
+          </a:p>
+        </p:txBody>
+      </p:sp>
+    </p:spTree>
+    <p:extLst>
+      <p:ext uri="{BB962C8B-B14F-4D97-AF65-F5344CB8AC3E}">
+        <p14:creationId xmlns:p14="http://schemas.microsoft.com/office/powerpoint/2010/main" xmlns="" val="1657077930"/>
       </p:ext>
     </p:extLst>
   </p:cSld>
@@ -859,7 +953,7 @@
           <a:blip r:embed="rId2" cstate="print">
             <a:extLst>
               <a:ext uri="{28A0092B-C50C-407E-A947-70E740481C1C}">
-                <a14:useLocalDpi xmlns:a14="http://schemas.microsoft.com/office/drawing/2010/main" val="0"/>
+                <a14:useLocalDpi xmlns:a14="http://schemas.microsoft.com/office/drawing/2010/main" xmlns="" val="0"/>
               </a:ext>
             </a:extLst>
           </a:blip>
@@ -945,7 +1039,7 @@
     </p:spTree>
     <p:extLst>
       <p:ext uri="{BB962C8B-B14F-4D97-AF65-F5344CB8AC3E}">
-        <p14:creationId xmlns:p14="http://schemas.microsoft.com/office/powerpoint/2010/main" val="3004416884"/>
+        <p14:creationId xmlns:p14="http://schemas.microsoft.com/office/powerpoint/2010/main" xmlns="" val="3004416884"/>
       </p:ext>
     </p:extLst>
   </p:cSld>
@@ -1008,7 +1102,7 @@
             <a:fld id="{80B61DEA-751C-4EFC-848A-C896179D47AE}" type="slidenum">
               <a:rPr kumimoji="1" lang="ja-JP" altLang="en-US" smtClean="0"/>
               <a:pPr/>
-              <a:t>‹#›</a:t>
+              <a:t>&lt;#&gt;</a:t>
             </a:fld>
             <a:endParaRPr kumimoji="1" lang="ja-JP" altLang="en-US"/>
           </a:p>
@@ -1302,7 +1396,7 @@
           <a:blip r:embed="rId2" cstate="print">
             <a:extLst>
               <a:ext uri="{28A0092B-C50C-407E-A947-70E740481C1C}">
-                <a14:useLocalDpi xmlns:a14="http://schemas.microsoft.com/office/drawing/2010/main" val="0"/>
+                <a14:useLocalDpi xmlns:a14="http://schemas.microsoft.com/office/drawing/2010/main" xmlns="" val="0"/>
               </a:ext>
             </a:extLst>
           </a:blip>
@@ -1323,7 +1417,7 @@
     </p:spTree>
     <p:extLst>
       <p:ext uri="{BB962C8B-B14F-4D97-AF65-F5344CB8AC3E}">
-        <p14:creationId xmlns:p14="http://schemas.microsoft.com/office/powerpoint/2010/main" val="4214205409"/>
+        <p14:creationId xmlns:p14="http://schemas.microsoft.com/office/powerpoint/2010/main" xmlns="" val="4214205409"/>
       </p:ext>
     </p:extLst>
   </p:cSld>
@@ -1443,7 +1537,7 @@
           <a:blip r:embed="rId2" cstate="print">
             <a:extLst>
               <a:ext uri="{28A0092B-C50C-407E-A947-70E740481C1C}">
-                <a14:useLocalDpi xmlns:a14="http://schemas.microsoft.com/office/drawing/2010/main" val="0"/>
+                <a14:useLocalDpi xmlns:a14="http://schemas.microsoft.com/office/drawing/2010/main" xmlns="" val="0"/>
               </a:ext>
             </a:extLst>
           </a:blip>
@@ -1497,7 +1591,7 @@
             <a:fld id="{80B61DEA-751C-4EFC-848A-C896179D47AE}" type="slidenum">
               <a:rPr kumimoji="1" lang="ja-JP" altLang="en-US" smtClean="0"/>
               <a:pPr/>
-              <a:t>‹#›</a:t>
+              <a:t>&lt;#&gt;</a:t>
             </a:fld>
             <a:endParaRPr kumimoji="1" lang="ja-JP" altLang="en-US"/>
           </a:p>
@@ -1543,7 +1637,7 @@
     </p:spTree>
     <p:extLst>
       <p:ext uri="{BB962C8B-B14F-4D97-AF65-F5344CB8AC3E}">
-        <p14:creationId xmlns:p14="http://schemas.microsoft.com/office/powerpoint/2010/main" val="3620504976"/>
+        <p14:creationId xmlns:p14="http://schemas.microsoft.com/office/powerpoint/2010/main" xmlns="" val="3620504976"/>
       </p:ext>
     </p:extLst>
   </p:cSld>
@@ -1606,7 +1700,7 @@
             <a:fld id="{80B61DEA-751C-4EFC-848A-C896179D47AE}" type="slidenum">
               <a:rPr kumimoji="1" lang="ja-JP" altLang="en-US" smtClean="0"/>
               <a:pPr/>
-              <a:t>‹#›</a:t>
+              <a:t>&lt;#&gt;</a:t>
             </a:fld>
             <a:endParaRPr kumimoji="1" lang="ja-JP" altLang="en-US"/>
           </a:p>
@@ -1770,7 +1864,7 @@
     </p:spTree>
     <p:extLst>
       <p:ext uri="{BB962C8B-B14F-4D97-AF65-F5344CB8AC3E}">
-        <p14:creationId xmlns:p14="http://schemas.microsoft.com/office/powerpoint/2010/main" val="646152418"/>
+        <p14:creationId xmlns:p14="http://schemas.microsoft.com/office/powerpoint/2010/main" xmlns="" val="646152418"/>
       </p:ext>
     </p:extLst>
   </p:cSld>
@@ -1833,7 +1927,7 @@
             <a:fld id="{78817559-BB6D-4C96-94D1-43E03D71EB93}" type="datetime1">
               <a:rPr kumimoji="1" lang="ja-JP" altLang="en-US" smtClean="0"/>
               <a:pPr/>
-              <a:t>2017/4/13</a:t>
+              <a:t>2017/4/15</a:t>
             </a:fld>
             <a:endParaRPr kumimoji="1" lang="ja-JP" altLang="en-US" dirty="0"/>
           </a:p>
@@ -1875,7 +1969,7 @@
             <a:fld id="{80B61DEA-751C-4EFC-848A-C896179D47AE}" type="slidenum">
               <a:rPr kumimoji="1" lang="ja-JP" altLang="en-US" smtClean="0"/>
               <a:pPr/>
-              <a:t>‹#›</a:t>
+              <a:t>&lt;#&gt;</a:t>
             </a:fld>
             <a:endParaRPr kumimoji="1" lang="ja-JP" altLang="en-US"/>
           </a:p>
@@ -2184,7 +2278,7 @@
           <a:blip r:embed="rId2" cstate="print">
             <a:extLst>
               <a:ext uri="{28A0092B-C50C-407E-A947-70E740481C1C}">
-                <a14:useLocalDpi xmlns:a14="http://schemas.microsoft.com/office/drawing/2010/main" val="0"/>
+                <a14:useLocalDpi xmlns:a14="http://schemas.microsoft.com/office/drawing/2010/main" xmlns="" val="0"/>
               </a:ext>
             </a:extLst>
           </a:blip>
@@ -2341,7 +2435,7 @@
     </p:spTree>
     <p:extLst>
       <p:ext uri="{BB962C8B-B14F-4D97-AF65-F5344CB8AC3E}">
-        <p14:creationId xmlns:p14="http://schemas.microsoft.com/office/powerpoint/2010/main" val="1584837141"/>
+        <p14:creationId xmlns:p14="http://schemas.microsoft.com/office/powerpoint/2010/main" xmlns="" val="1584837141"/>
       </p:ext>
     </p:extLst>
   </p:cSld>
@@ -2405,7 +2499,7 @@
             <a:fld id="{80B61DEA-751C-4EFC-848A-C896179D47AE}" type="slidenum">
               <a:rPr kumimoji="1" lang="ja-JP" altLang="en-US" smtClean="0"/>
               <a:pPr/>
-              <a:t>‹#›</a:t>
+              <a:t>&lt;#&gt;</a:t>
             </a:fld>
             <a:endParaRPr kumimoji="1" lang="ja-JP" altLang="en-US"/>
           </a:p>
@@ -2714,7 +2808,7 @@
           <a:blip r:embed="rId2" cstate="print">
             <a:extLst>
               <a:ext uri="{28A0092B-C50C-407E-A947-70E740481C1C}">
-                <a14:useLocalDpi xmlns:a14="http://schemas.microsoft.com/office/drawing/2010/main" val="0"/>
+                <a14:useLocalDpi xmlns:a14="http://schemas.microsoft.com/office/drawing/2010/main" xmlns="" val="0"/>
               </a:ext>
             </a:extLst>
           </a:blip>
@@ -3191,7 +3285,7 @@
     </p:spTree>
     <p:extLst>
       <p:ext uri="{BB962C8B-B14F-4D97-AF65-F5344CB8AC3E}">
-        <p14:creationId xmlns:p14="http://schemas.microsoft.com/office/powerpoint/2010/main" val="1163927299"/>
+        <p14:creationId xmlns:p14="http://schemas.microsoft.com/office/powerpoint/2010/main" xmlns="" val="1163927299"/>
       </p:ext>
     </p:extLst>
   </p:cSld>
@@ -3267,7 +3361,7 @@
           <a:blip r:embed="rId2" cstate="print">
             <a:extLst>
               <a:ext uri="{28A0092B-C50C-407E-A947-70E740481C1C}">
-                <a14:useLocalDpi xmlns:a14="http://schemas.microsoft.com/office/drawing/2010/main" val="0"/>
+                <a14:useLocalDpi xmlns:a14="http://schemas.microsoft.com/office/drawing/2010/main" xmlns="" val="0"/>
               </a:ext>
             </a:extLst>
           </a:blip>
@@ -3321,7 +3415,7 @@
             <a:fld id="{80B61DEA-751C-4EFC-848A-C896179D47AE}" type="slidenum">
               <a:rPr kumimoji="1" lang="ja-JP" altLang="en-US" smtClean="0"/>
               <a:pPr/>
-              <a:t>‹#›</a:t>
+              <a:t>&lt;#&gt;</a:t>
             </a:fld>
             <a:endParaRPr kumimoji="1" lang="ja-JP" altLang="en-US"/>
           </a:p>
@@ -3330,7 +3424,7 @@
     </p:spTree>
     <p:extLst>
       <p:ext uri="{BB962C8B-B14F-4D97-AF65-F5344CB8AC3E}">
-        <p14:creationId xmlns:p14="http://schemas.microsoft.com/office/powerpoint/2010/main" val="853120211"/>
+        <p14:creationId xmlns:p14="http://schemas.microsoft.com/office/powerpoint/2010/main" xmlns="" val="853120211"/>
       </p:ext>
     </p:extLst>
   </p:cSld>
@@ -3400,7 +3494,7 @@
             <a:fld id="{80B61DEA-751C-4EFC-848A-C896179D47AE}" type="slidenum">
               <a:rPr kumimoji="1" lang="ja-JP" altLang="en-US" smtClean="0"/>
               <a:pPr/>
-              <a:t>‹#›</a:t>
+              <a:t>&lt;#&gt;</a:t>
             </a:fld>
             <a:endParaRPr kumimoji="1" lang="ja-JP" altLang="en-US"/>
           </a:p>
@@ -3409,7 +3503,7 @@
     </p:spTree>
     <p:extLst>
       <p:ext uri="{BB962C8B-B14F-4D97-AF65-F5344CB8AC3E}">
-        <p14:creationId xmlns:p14="http://schemas.microsoft.com/office/powerpoint/2010/main" val="3099946962"/>
+        <p14:creationId xmlns:p14="http://schemas.microsoft.com/office/powerpoint/2010/main" xmlns="" val="3099946962"/>
       </p:ext>
     </p:extLst>
   </p:cSld>
@@ -3455,7 +3549,7 @@
           <a:blip r:embed="rId2" cstate="print">
             <a:extLst>
               <a:ext uri="{28A0092B-C50C-407E-A947-70E740481C1C}">
-                <a14:useLocalDpi xmlns:a14="http://schemas.microsoft.com/office/drawing/2010/main" val="0"/>
+                <a14:useLocalDpi xmlns:a14="http://schemas.microsoft.com/office/drawing/2010/main" xmlns="" val="0"/>
               </a:ext>
             </a:extLst>
           </a:blip>
@@ -3509,7 +3603,7 @@
             <a:fld id="{80B61DEA-751C-4EFC-848A-C896179D47AE}" type="slidenum">
               <a:rPr kumimoji="1" lang="ja-JP" altLang="en-US" smtClean="0"/>
               <a:pPr/>
-              <a:t>‹#›</a:t>
+              <a:t>&lt;#&gt;</a:t>
             </a:fld>
             <a:endParaRPr kumimoji="1" lang="ja-JP" altLang="en-US"/>
           </a:p>
@@ -3518,7 +3612,7 @@
     </p:spTree>
     <p:extLst>
       <p:ext uri="{BB962C8B-B14F-4D97-AF65-F5344CB8AC3E}">
-        <p14:creationId xmlns:p14="http://schemas.microsoft.com/office/powerpoint/2010/main" val="2408143909"/>
+        <p14:creationId xmlns:p14="http://schemas.microsoft.com/office/powerpoint/2010/main" xmlns="" val="2408143909"/>
       </p:ext>
     </p:extLst>
   </p:cSld>
@@ -3741,7 +3835,7 @@
             <a:fld id="{80B61DEA-751C-4EFC-848A-C896179D47AE}" type="slidenum">
               <a:rPr kumimoji="1" lang="ja-JP" altLang="en-US" smtClean="0"/>
               <a:pPr/>
-              <a:t>‹#›</a:t>
+              <a:t>&lt;#&gt;</a:t>
             </a:fld>
             <a:endParaRPr kumimoji="1" lang="ja-JP" altLang="en-US"/>
           </a:p>
@@ -3863,7 +3957,7 @@
     </p:spTree>
     <p:extLst>
       <p:ext uri="{BB962C8B-B14F-4D97-AF65-F5344CB8AC3E}">
-        <p14:creationId xmlns:p14="http://schemas.microsoft.com/office/powerpoint/2010/main" val="3722099324"/>
+        <p14:creationId xmlns:p14="http://schemas.microsoft.com/office/powerpoint/2010/main" xmlns="" val="3722099324"/>
       </p:ext>
     </p:extLst>
   </p:cSld>
@@ -4196,12 +4290,12 @@
           <a:lstStyle/>
           <a:p>
             <a:r>
-              <a:rPr kumimoji="1" lang="en-US" altLang="ja-JP" dirty="0" smtClean="0"/>
-              <a:t>Paper Graph</a:t>
-            </a:r>
-            <a:r>
               <a:rPr lang="ja-JP" altLang="en-US" dirty="0" smtClean="0"/>
-              <a:t> 作ってます</a:t>
+              <a:t>自己</a:t>
+            </a:r>
+            <a:r>
+              <a:rPr lang="ja-JP" altLang="en-US" dirty="0" smtClean="0"/>
+              <a:t>紹介</a:t>
             </a:r>
             <a:endParaRPr kumimoji="1" lang="ja-JP" altLang="en-US" dirty="0"/>
           </a:p>
@@ -4370,7 +4464,7 @@
     </p:spTree>
     <p:extLst>
       <p:ext uri="{BB962C8B-B14F-4D97-AF65-F5344CB8AC3E}">
-        <p14:creationId xmlns:p14="http://schemas.microsoft.com/office/powerpoint/2010/main" val="291693654"/>
+        <p14:creationId xmlns:p14="http://schemas.microsoft.com/office/powerpoint/2010/main" xmlns="" val="291693654"/>
       </p:ext>
     </p:extLst>
   </p:cSld>
@@ -4459,26 +4553,12 @@
         </p:nvSpPr>
         <p:spPr/>
         <p:txBody>
-          <a:bodyPr>
-            <a:normAutofit/>
-          </a:bodyPr>
+          <a:bodyPr/>
           <a:lstStyle/>
           <a:p>
             <a:r>
-              <a:rPr lang="ja-JP" altLang="en-US" dirty="0"/>
-              <a:t>論文</a:t>
-            </a:r>
-            <a:r>
-              <a:rPr lang="ja-JP" altLang="en-US" dirty="0" err="1"/>
-              <a:t>探すのめん</a:t>
-            </a:r>
-            <a:r>
-              <a:rPr lang="ja-JP" altLang="en-US" dirty="0"/>
-              <a:t>どく</a:t>
-            </a:r>
-            <a:r>
-              <a:rPr lang="ja-JP" altLang="en-US" dirty="0" smtClean="0"/>
-              <a:t>さい、論文読むのめんどくさい</a:t>
+              <a:rPr kumimoji="1" lang="ja-JP" altLang="en-US" dirty="0" smtClean="0"/>
+              <a:t>機械学習のチューニング</a:t>
             </a:r>
             <a:endParaRPr kumimoji="1" lang="ja-JP" altLang="en-US" dirty="0"/>
           </a:p>
@@ -4487,7 +4567,7 @@
     </p:spTree>
     <p:extLst>
       <p:ext uri="{BB962C8B-B14F-4D97-AF65-F5344CB8AC3E}">
-        <p14:creationId xmlns:p14="http://schemas.microsoft.com/office/powerpoint/2010/main" val="3505154345"/>
+        <p14:creationId xmlns:p14="http://schemas.microsoft.com/office/powerpoint/2010/main" xmlns="" val="3117917766"/>
       </p:ext>
     </p:extLst>
   </p:cSld>
@@ -4560,7 +4640,26 @@
           <a:bodyPr/>
           <a:lstStyle/>
           <a:p>
-            <a:endParaRPr kumimoji="1" lang="ja-JP" altLang="en-US"/>
+            <a:r>
+              <a:rPr lang="ja-JP" altLang="en-US" dirty="0"/>
+              <a:t>日本語</a:t>
+            </a:r>
+            <a:r>
+              <a:rPr lang="ja-JP" altLang="en-US" dirty="0" smtClean="0"/>
+              <a:t>論文対応</a:t>
+            </a:r>
+            <a:endParaRPr lang="en-US" altLang="ja-JP" dirty="0" smtClean="0"/>
+          </a:p>
+          <a:p>
+            <a:r>
+              <a:rPr kumimoji="1" lang="en-US" altLang="ja-JP" dirty="0" smtClean="0"/>
+              <a:t>IEEE</a:t>
+            </a:r>
+            <a:r>
+              <a:rPr lang="ja-JP" altLang="en-US" dirty="0"/>
+              <a:t>以外</a:t>
+            </a:r>
+            <a:endParaRPr kumimoji="1" lang="en-US" altLang="ja-JP" dirty="0" smtClean="0"/>
           </a:p>
         </p:txBody>
       </p:sp>
@@ -4579,18 +4678,14 @@
           <a:bodyPr/>
           <a:lstStyle/>
           <a:p>
-            <a:r>
-              <a:rPr kumimoji="1" lang="ja-JP" altLang="en-US" dirty="0" smtClean="0"/>
-              <a:t>査読サポート</a:t>
-            </a:r>
-            <a:endParaRPr kumimoji="1" lang="ja-JP" altLang="en-US" dirty="0"/>
+            <a:endParaRPr kumimoji="1" lang="ja-JP" altLang="en-US"/>
           </a:p>
         </p:txBody>
       </p:sp>
     </p:spTree>
     <p:extLst>
       <p:ext uri="{BB962C8B-B14F-4D97-AF65-F5344CB8AC3E}">
-        <p14:creationId xmlns:p14="http://schemas.microsoft.com/office/powerpoint/2010/main" val="1476161769"/>
+        <p14:creationId xmlns:p14="http://schemas.microsoft.com/office/powerpoint/2010/main" xmlns="" val="1766755709"/>
       </p:ext>
     </p:extLst>
   </p:cSld>
@@ -4663,10 +4758,6 @@
           <a:bodyPr/>
           <a:lstStyle/>
           <a:p>
-            <a:r>
-              <a:rPr lang="ja-JP" altLang="en-US" dirty="0"/>
-              <a:t>内容の似た仲良しの研究会があるかどうか</a:t>
-            </a:r>
             <a:endParaRPr kumimoji="1" lang="ja-JP" altLang="en-US" dirty="0"/>
           </a:p>
         </p:txBody>
@@ -4683,12 +4774,26 @@
         </p:nvSpPr>
         <p:spPr/>
         <p:txBody>
-          <a:bodyPr/>
+          <a:bodyPr>
+            <a:normAutofit/>
+          </a:bodyPr>
           <a:lstStyle/>
           <a:p>
             <a:r>
-              <a:rPr kumimoji="1" lang="ja-JP" altLang="en-US" dirty="0" smtClean="0"/>
-              <a:t>研究会ごとの特性</a:t>
+              <a:rPr lang="ja-JP" altLang="en-US" dirty="0"/>
+              <a:t>論文</a:t>
+            </a:r>
+            <a:r>
+              <a:rPr lang="ja-JP" altLang="en-US" dirty="0" err="1"/>
+              <a:t>探すのめん</a:t>
+            </a:r>
+            <a:r>
+              <a:rPr lang="ja-JP" altLang="en-US" dirty="0"/>
+              <a:t>どく</a:t>
+            </a:r>
+            <a:r>
+              <a:rPr lang="ja-JP" altLang="en-US" dirty="0" smtClean="0"/>
+              <a:t>さい、論文読むのめんどくさい</a:t>
             </a:r>
             <a:endParaRPr kumimoji="1" lang="ja-JP" altLang="en-US" dirty="0"/>
           </a:p>
@@ -4697,7 +4802,7 @@
     </p:spTree>
     <p:extLst>
       <p:ext uri="{BB962C8B-B14F-4D97-AF65-F5344CB8AC3E}">
-        <p14:creationId xmlns:p14="http://schemas.microsoft.com/office/powerpoint/2010/main" val="1432098372"/>
+        <p14:creationId xmlns:p14="http://schemas.microsoft.com/office/powerpoint/2010/main" xmlns="" val="3505154345"/>
       </p:ext>
     </p:extLst>
   </p:cSld>
@@ -4791,7 +4896,7 @@
           <a:p>
             <a:r>
               <a:rPr kumimoji="1" lang="ja-JP" altLang="en-US" dirty="0" smtClean="0"/>
-              <a:t>著者ごとの派閥</a:t>
+              <a:t>査読サポート</a:t>
             </a:r>
             <a:endParaRPr kumimoji="1" lang="ja-JP" altLang="en-US" dirty="0"/>
           </a:p>
@@ -4800,7 +4905,7 @@
     </p:spTree>
     <p:extLst>
       <p:ext uri="{BB962C8B-B14F-4D97-AF65-F5344CB8AC3E}">
-        <p14:creationId xmlns:p14="http://schemas.microsoft.com/office/powerpoint/2010/main" val="2129745687"/>
+        <p14:creationId xmlns:p14="http://schemas.microsoft.com/office/powerpoint/2010/main" xmlns="" val="1476161769"/>
       </p:ext>
     </p:extLst>
   </p:cSld>
@@ -4874,35 +4979,8 @@
           <a:lstStyle/>
           <a:p>
             <a:r>
-              <a:rPr kumimoji="1" lang="en-US" altLang="ja-JP" dirty="0" smtClean="0"/>
-              <a:t>node</a:t>
-            </a:r>
-            <a:r>
-              <a:rPr kumimoji="1" lang="ja-JP" altLang="en-US" dirty="0" smtClean="0"/>
-              <a:t>背景に画像</a:t>
-            </a:r>
-            <a:endParaRPr kumimoji="1" lang="en-US" altLang="ja-JP" dirty="0" smtClean="0"/>
-          </a:p>
-          <a:p>
-            <a:pPr lvl="1"/>
-            <a:r>
-              <a:rPr lang="en-US" altLang="ja-JP" dirty="0" smtClean="0"/>
-              <a:t>belonging</a:t>
-            </a:r>
-            <a:endParaRPr kumimoji="1" lang="en-US" altLang="ja-JP" dirty="0" smtClean="0"/>
-          </a:p>
-          <a:p>
-            <a:pPr lvl="1"/>
-            <a:r>
-              <a:rPr lang="en-US" altLang="ja-JP" dirty="0" smtClean="0"/>
-              <a:t>conference</a:t>
-            </a:r>
-          </a:p>
-          <a:p>
-            <a:pPr lvl="1"/>
-            <a:r>
-              <a:rPr kumimoji="1" lang="en-US" altLang="ja-JP" dirty="0" smtClean="0"/>
-              <a:t>author</a:t>
+              <a:rPr lang="ja-JP" altLang="en-US" dirty="0"/>
+              <a:t>内容の似た仲良しの研究会があるかどうか</a:t>
             </a:r>
             <a:endParaRPr kumimoji="1" lang="ja-JP" altLang="en-US" dirty="0"/>
           </a:p>
@@ -4923,14 +5001,18 @@
           <a:bodyPr/>
           <a:lstStyle/>
           <a:p>
-            <a:endParaRPr kumimoji="1" lang="ja-JP" altLang="en-US"/>
+            <a:r>
+              <a:rPr kumimoji="1" lang="ja-JP" altLang="en-US" dirty="0" smtClean="0"/>
+              <a:t>研究会ごとの特性</a:t>
+            </a:r>
+            <a:endParaRPr kumimoji="1" lang="ja-JP" altLang="en-US" dirty="0"/>
           </a:p>
         </p:txBody>
       </p:sp>
     </p:spTree>
     <p:extLst>
       <p:ext uri="{BB962C8B-B14F-4D97-AF65-F5344CB8AC3E}">
-        <p14:creationId xmlns:p14="http://schemas.microsoft.com/office/powerpoint/2010/main" val="1975414422"/>
+        <p14:creationId xmlns:p14="http://schemas.microsoft.com/office/powerpoint/2010/main" xmlns="" val="1432098372"/>
       </p:ext>
     </p:extLst>
   </p:cSld>
@@ -4966,7 +5048,7 @@
       </p:grpSpPr>
       <p:sp>
         <p:nvSpPr>
-          <p:cNvPr id="2" name="スライド番号プレースホルダ 1"/>
+          <p:cNvPr id="2" name="スライド番号プレースホルダー 1"/>
           <p:cNvSpPr>
             <a:spLocks noGrp="1"/>
           </p:cNvSpPr>
@@ -4990,7 +5072,7 @@
       </p:sp>
       <p:sp>
         <p:nvSpPr>
-          <p:cNvPr id="3" name="コンテンツ プレースホルダ 2"/>
+          <p:cNvPr id="3" name="コンテンツ プレースホルダー 2"/>
           <p:cNvSpPr>
             <a:spLocks noGrp="1"/>
           </p:cNvSpPr>
@@ -5003,7 +5085,7 @@
           <a:bodyPr/>
           <a:lstStyle/>
           <a:p>
-            <a:endParaRPr kumimoji="1" lang="ja-JP" altLang="en-US" dirty="0"/>
+            <a:endParaRPr kumimoji="1" lang="ja-JP" altLang="en-US"/>
           </a:p>
         </p:txBody>
       </p:sp>
@@ -5024,21 +5106,18 @@
           <a:p>
             <a:r>
               <a:rPr kumimoji="1" lang="ja-JP" altLang="en-US" dirty="0" smtClean="0"/>
-              <a:t>論文</a:t>
-            </a:r>
-            <a:r>
-              <a:rPr lang="en-US" altLang="ja-JP" dirty="0" smtClean="0"/>
-              <a:t> – </a:t>
-            </a:r>
-            <a:r>
-              <a:rPr lang="ja-JP" altLang="en-US" smtClean="0"/>
-              <a:t>ニュースの関係</a:t>
-            </a:r>
-            <a:endParaRPr kumimoji="1" lang="ja-JP" altLang="en-US"/>
+              <a:t>著者ごとの派閥</a:t>
+            </a:r>
+            <a:endParaRPr kumimoji="1" lang="ja-JP" altLang="en-US" dirty="0"/>
           </a:p>
         </p:txBody>
       </p:sp>
     </p:spTree>
+    <p:extLst>
+      <p:ext uri="{BB962C8B-B14F-4D97-AF65-F5344CB8AC3E}">
+        <p14:creationId xmlns:p14="http://schemas.microsoft.com/office/powerpoint/2010/main" xmlns="" val="2129745687"/>
+      </p:ext>
+    </p:extLst>
   </p:cSld>
   <p:clrMapOvr>
     <a:masterClrMapping/>
@@ -5111,17 +5190,35 @@
           <a:p>
             <a:r>
               <a:rPr kumimoji="1" lang="en-US" altLang="ja-JP" dirty="0" smtClean="0"/>
-              <a:t>Can data</a:t>
-            </a:r>
-          </a:p>
-          <a:p>
+              <a:t>node</a:t>
+            </a:r>
             <a:r>
               <a:rPr kumimoji="1" lang="ja-JP" altLang="en-US" dirty="0" smtClean="0"/>
-              <a:t>車種</a:t>
+              <a:t>背景に画像</a:t>
             </a:r>
             <a:endParaRPr kumimoji="1" lang="en-US" altLang="ja-JP" dirty="0" smtClean="0"/>
           </a:p>
           <a:p>
+            <a:pPr lvl="1"/>
+            <a:r>
+              <a:rPr lang="en-US" altLang="ja-JP" dirty="0" smtClean="0"/>
+              <a:t>belonging</a:t>
+            </a:r>
+            <a:endParaRPr kumimoji="1" lang="en-US" altLang="ja-JP" dirty="0" smtClean="0"/>
+          </a:p>
+          <a:p>
+            <a:pPr lvl="1"/>
+            <a:r>
+              <a:rPr lang="en-US" altLang="ja-JP" dirty="0" smtClean="0"/>
+              <a:t>conference</a:t>
+            </a:r>
+          </a:p>
+          <a:p>
+            <a:pPr lvl="1"/>
+            <a:r>
+              <a:rPr kumimoji="1" lang="en-US" altLang="ja-JP" dirty="0" smtClean="0"/>
+              <a:t>author</a:t>
+            </a:r>
             <a:endParaRPr kumimoji="1" lang="ja-JP" altLang="en-US" dirty="0"/>
           </a:p>
         </p:txBody>
@@ -5141,18 +5238,14 @@
           <a:bodyPr/>
           <a:lstStyle/>
           <a:p>
-            <a:r>
-              <a:rPr kumimoji="1" lang="ja-JP" altLang="en-US" dirty="0" smtClean="0"/>
-              <a:t>車のデータ</a:t>
-            </a:r>
-            <a:endParaRPr kumimoji="1" lang="ja-JP" altLang="en-US" dirty="0"/>
+            <a:endParaRPr kumimoji="1" lang="ja-JP" altLang="en-US"/>
           </a:p>
         </p:txBody>
       </p:sp>
     </p:spTree>
     <p:extLst>
       <p:ext uri="{BB962C8B-B14F-4D97-AF65-F5344CB8AC3E}">
-        <p14:creationId xmlns:p14="http://schemas.microsoft.com/office/powerpoint/2010/main" val="1809590951"/>
+        <p14:creationId xmlns:p14="http://schemas.microsoft.com/office/powerpoint/2010/main" xmlns="" val="1975414422"/>
       </p:ext>
     </p:extLst>
   </p:cSld>
@@ -5188,6 +5281,112 @@
       </p:grpSpPr>
       <p:sp>
         <p:nvSpPr>
+          <p:cNvPr id="2" name="スライド番号プレースホルダ 1"/>
+          <p:cNvSpPr>
+            <a:spLocks noGrp="1"/>
+          </p:cNvSpPr>
+          <p:nvPr>
+            <p:ph type="sldNum" sz="quarter" idx="4"/>
+          </p:nvPr>
+        </p:nvSpPr>
+        <p:spPr/>
+        <p:txBody>
+          <a:bodyPr/>
+          <a:lstStyle/>
+          <a:p>
+            <a:fld id="{80B61DEA-751C-4EFC-848A-C896179D47AE}" type="slidenum">
+              <a:rPr kumimoji="1" lang="ja-JP" altLang="en-US" smtClean="0"/>
+              <a:pPr/>
+              <a:t>17</a:t>
+            </a:fld>
+            <a:endParaRPr kumimoji="1" lang="ja-JP" altLang="en-US"/>
+          </a:p>
+        </p:txBody>
+      </p:sp>
+      <p:sp>
+        <p:nvSpPr>
+          <p:cNvPr id="3" name="コンテンツ プレースホルダ 2"/>
+          <p:cNvSpPr>
+            <a:spLocks noGrp="1"/>
+          </p:cNvSpPr>
+          <p:nvPr>
+            <p:ph idx="1"/>
+          </p:nvPr>
+        </p:nvSpPr>
+        <p:spPr/>
+        <p:txBody>
+          <a:bodyPr/>
+          <a:lstStyle/>
+          <a:p>
+            <a:endParaRPr kumimoji="1" lang="ja-JP" altLang="en-US" dirty="0"/>
+          </a:p>
+        </p:txBody>
+      </p:sp>
+      <p:sp>
+        <p:nvSpPr>
+          <p:cNvPr id="4" name="タイトル 3"/>
+          <p:cNvSpPr>
+            <a:spLocks noGrp="1"/>
+          </p:cNvSpPr>
+          <p:nvPr>
+            <p:ph type="title"/>
+          </p:nvPr>
+        </p:nvSpPr>
+        <p:spPr/>
+        <p:txBody>
+          <a:bodyPr/>
+          <a:lstStyle/>
+          <a:p>
+            <a:r>
+              <a:rPr kumimoji="1" lang="ja-JP" altLang="en-US" dirty="0" smtClean="0"/>
+              <a:t>論文</a:t>
+            </a:r>
+            <a:r>
+              <a:rPr lang="en-US" altLang="ja-JP" dirty="0" smtClean="0"/>
+              <a:t> – </a:t>
+            </a:r>
+            <a:r>
+              <a:rPr lang="ja-JP" altLang="en-US" smtClean="0"/>
+              <a:t>ニュースの関係</a:t>
+            </a:r>
+            <a:endParaRPr kumimoji="1" lang="ja-JP" altLang="en-US"/>
+          </a:p>
+        </p:txBody>
+      </p:sp>
+    </p:spTree>
+  </p:cSld>
+  <p:clrMapOvr>
+    <a:masterClrMapping/>
+  </p:clrMapOvr>
+  <p:timing>
+    <p:tnLst>
+      <p:par>
+        <p:cTn id="1" dur="indefinite" restart="never" nodeType="tmRoot"/>
+      </p:par>
+    </p:tnLst>
+  </p:timing>
+</p:sld>
+</file>
+
+<file path=ppt/slides/slide18.xml><?xml version="1.0" encoding="utf-8"?>
+<p:sld xmlns:a="http://schemas.openxmlformats.org/drawingml/2006/main" xmlns:r="http://schemas.openxmlformats.org/officeDocument/2006/relationships" xmlns:p="http://schemas.openxmlformats.org/presentationml/2006/main">
+  <p:cSld>
+    <p:spTree>
+      <p:nvGrpSpPr>
+        <p:cNvPr id="1" name=""/>
+        <p:cNvGrpSpPr/>
+        <p:nvPr/>
+      </p:nvGrpSpPr>
+      <p:grpSpPr>
+        <a:xfrm>
+          <a:off x="0" y="0"/>
+          <a:ext cx="0" cy="0"/>
+          <a:chOff x="0" y="0"/>
+          <a:chExt cx="0" cy="0"/>
+        </a:xfrm>
+      </p:grpSpPr>
+      <p:sp>
+        <p:nvSpPr>
           <p:cNvPr id="2" name="スライド番号プレースホルダー 1"/>
           <p:cNvSpPr>
             <a:spLocks noGrp="1"/>
@@ -5204,16 +5403,132 @@
             <a:fld id="{80B61DEA-751C-4EFC-848A-C896179D47AE}" type="slidenum">
               <a:rPr kumimoji="1" lang="ja-JP" altLang="en-US" smtClean="0"/>
               <a:pPr/>
-              <a:t>17</a:t>
+              <a:t>18</a:t>
             </a:fld>
             <a:endParaRPr kumimoji="1" lang="ja-JP" altLang="en-US"/>
+          </a:p>
+        </p:txBody>
+      </p:sp>
+      <p:sp>
+        <p:nvSpPr>
+          <p:cNvPr id="3" name="コンテンツ プレースホルダー 2"/>
+          <p:cNvSpPr>
+            <a:spLocks noGrp="1"/>
+          </p:cNvSpPr>
+          <p:nvPr>
+            <p:ph idx="1"/>
+          </p:nvPr>
+        </p:nvSpPr>
+        <p:spPr/>
+        <p:txBody>
+          <a:bodyPr/>
+          <a:lstStyle/>
+          <a:p>
+            <a:r>
+              <a:rPr kumimoji="1" lang="en-US" altLang="ja-JP" dirty="0" smtClean="0"/>
+              <a:t>Can data</a:t>
+            </a:r>
+          </a:p>
+          <a:p>
+            <a:r>
+              <a:rPr kumimoji="1" lang="ja-JP" altLang="en-US" dirty="0" smtClean="0"/>
+              <a:t>車種</a:t>
+            </a:r>
+            <a:endParaRPr kumimoji="1" lang="en-US" altLang="ja-JP" dirty="0" smtClean="0"/>
+          </a:p>
+          <a:p>
+            <a:endParaRPr kumimoji="1" lang="ja-JP" altLang="en-US" dirty="0"/>
+          </a:p>
+        </p:txBody>
+      </p:sp>
+      <p:sp>
+        <p:nvSpPr>
+          <p:cNvPr id="4" name="タイトル 3"/>
+          <p:cNvSpPr>
+            <a:spLocks noGrp="1"/>
+          </p:cNvSpPr>
+          <p:nvPr>
+            <p:ph type="title"/>
+          </p:nvPr>
+        </p:nvSpPr>
+        <p:spPr/>
+        <p:txBody>
+          <a:bodyPr/>
+          <a:lstStyle/>
+          <a:p>
+            <a:r>
+              <a:rPr kumimoji="1" lang="ja-JP" altLang="en-US" dirty="0" smtClean="0"/>
+              <a:t>車のデータ</a:t>
+            </a:r>
+            <a:endParaRPr kumimoji="1" lang="ja-JP" altLang="en-US" dirty="0"/>
           </a:p>
         </p:txBody>
       </p:sp>
     </p:spTree>
     <p:extLst>
       <p:ext uri="{BB962C8B-B14F-4D97-AF65-F5344CB8AC3E}">
-        <p14:creationId xmlns:p14="http://schemas.microsoft.com/office/powerpoint/2010/main" val="2288468216"/>
+        <p14:creationId xmlns:p14="http://schemas.microsoft.com/office/powerpoint/2010/main" xmlns="" val="1809590951"/>
+      </p:ext>
+    </p:extLst>
+  </p:cSld>
+  <p:clrMapOvr>
+    <a:masterClrMapping/>
+  </p:clrMapOvr>
+  <p:timing>
+    <p:tnLst>
+      <p:par>
+        <p:cTn id="1" dur="indefinite" restart="never" nodeType="tmRoot"/>
+      </p:par>
+    </p:tnLst>
+  </p:timing>
+</p:sld>
+</file>
+
+<file path=ppt/slides/slide19.xml><?xml version="1.0" encoding="utf-8"?>
+<p:sld xmlns:a="http://schemas.openxmlformats.org/drawingml/2006/main" xmlns:r="http://schemas.openxmlformats.org/officeDocument/2006/relationships" xmlns:p="http://schemas.openxmlformats.org/presentationml/2006/main">
+  <p:cSld>
+    <p:spTree>
+      <p:nvGrpSpPr>
+        <p:cNvPr id="1" name=""/>
+        <p:cNvGrpSpPr/>
+        <p:nvPr/>
+      </p:nvGrpSpPr>
+      <p:grpSpPr>
+        <a:xfrm>
+          <a:off x="0" y="0"/>
+          <a:ext cx="0" cy="0"/>
+          <a:chOff x="0" y="0"/>
+          <a:chExt cx="0" cy="0"/>
+        </a:xfrm>
+      </p:grpSpPr>
+      <p:sp>
+        <p:nvSpPr>
+          <p:cNvPr id="2" name="スライド番号プレースホルダー 1"/>
+          <p:cNvSpPr>
+            <a:spLocks noGrp="1"/>
+          </p:cNvSpPr>
+          <p:nvPr>
+            <p:ph type="sldNum" sz="quarter" idx="4"/>
+          </p:nvPr>
+        </p:nvSpPr>
+        <p:spPr/>
+        <p:txBody>
+          <a:bodyPr/>
+          <a:lstStyle/>
+          <a:p>
+            <a:fld id="{80B61DEA-751C-4EFC-848A-C896179D47AE}" type="slidenum">
+              <a:rPr kumimoji="1" lang="ja-JP" altLang="en-US" smtClean="0"/>
+              <a:pPr/>
+              <a:t>19</a:t>
+            </a:fld>
+            <a:endParaRPr kumimoji="1" lang="ja-JP" altLang="en-US"/>
+          </a:p>
+        </p:txBody>
+      </p:sp>
+    </p:spTree>
+    <p:extLst>
+      <p:ext uri="{BB962C8B-B14F-4D97-AF65-F5344CB8AC3E}">
+        <p14:creationId xmlns:p14="http://schemas.microsoft.com/office/powerpoint/2010/main" xmlns="" val="2288468216"/>
       </p:ext>
     </p:extLst>
   </p:cSld>
@@ -5288,68 +5603,82 @@
           <a:p>
             <a:r>
               <a:rPr kumimoji="1" lang="ja-JP" altLang="en-US" dirty="0" smtClean="0"/>
-              <a:t>論文</a:t>
-            </a:r>
-            <a:r>
-              <a:rPr kumimoji="1" lang="ja-JP" altLang="en-US" dirty="0" err="1" smtClean="0"/>
-              <a:t>探すのめん</a:t>
-            </a:r>
+              <a:t>大学～大学院時代</a:t>
+            </a:r>
+            <a:endParaRPr kumimoji="1" lang="en-US" altLang="ja-JP" dirty="0" smtClean="0"/>
+          </a:p>
+          <a:p>
+            <a:pPr lvl="1"/>
+            <a:r>
+              <a:rPr lang="ja-JP" altLang="en-US" dirty="0" smtClean="0"/>
+              <a:t>メインテーマ</a:t>
+            </a:r>
+            <a:r>
+              <a:rPr lang="en-US" altLang="ja-JP" dirty="0" smtClean="0"/>
+              <a:t/>
+            </a:r>
+            <a:br>
+              <a:rPr lang="en-US" altLang="ja-JP" dirty="0" smtClean="0"/>
+            </a:br>
+            <a:r>
+              <a:rPr lang="ja-JP" altLang="en-US" dirty="0" smtClean="0"/>
+              <a:t>「光パケットネットワークにおける</a:t>
+            </a:r>
+            <a:r>
+              <a:rPr lang="en-US" altLang="ja-JP" dirty="0" smtClean="0"/>
+              <a:t>FDL</a:t>
+            </a:r>
+            <a:r>
+              <a:rPr lang="ja-JP" altLang="en-US" dirty="0" smtClean="0"/>
+              <a:t>バッファを用いたトラヒックシェーピング」</a:t>
+            </a:r>
+            <a:endParaRPr lang="en-US" altLang="ja-JP" dirty="0" smtClean="0"/>
+          </a:p>
+          <a:p>
+            <a:pPr lvl="2"/>
+            <a:r>
+              <a:rPr lang="ja-JP" altLang="en-US" dirty="0" smtClean="0"/>
+              <a:t>パケットロスの多い全光ネットワークでは</a:t>
+            </a:r>
+            <a:r>
+              <a:rPr lang="en-US" altLang="ja-JP" dirty="0" smtClean="0"/>
+              <a:t>TCP</a:t>
+            </a:r>
+            <a:r>
+              <a:rPr lang="ja-JP" altLang="en-US" dirty="0" smtClean="0"/>
+              <a:t>が過剰な輻輳制御をしてスループットが出ない問題</a:t>
+            </a:r>
+            <a:endParaRPr lang="en-US" altLang="ja-JP" dirty="0" smtClean="0"/>
+          </a:p>
+          <a:p>
+            <a:pPr lvl="1"/>
             <a:r>
               <a:rPr kumimoji="1" lang="ja-JP" altLang="en-US" dirty="0" smtClean="0"/>
-              <a:t>どくさい</a:t>
+              <a:t>他グループのお手伝い</a:t>
             </a:r>
             <a:endParaRPr kumimoji="1" lang="en-US" altLang="ja-JP" dirty="0" smtClean="0"/>
           </a:p>
           <a:p>
-            <a:pPr lvl="1"/>
+            <a:pPr lvl="2"/>
             <a:r>
               <a:rPr lang="ja-JP" altLang="en-US" dirty="0" smtClean="0"/>
-              <a:t>似た論文を一気に探せるシステム</a:t>
-            </a:r>
-            <a:endParaRPr lang="en-US" altLang="ja-JP" dirty="0"/>
-          </a:p>
-          <a:p>
+              <a:t>ソーシャル</a:t>
+            </a:r>
+            <a:endParaRPr lang="en-US" altLang="ja-JP" dirty="0" smtClean="0"/>
+          </a:p>
+          <a:p>
+            <a:pPr lvl="2"/>
             <a:r>
               <a:rPr kumimoji="1" lang="ja-JP" altLang="en-US" dirty="0" smtClean="0"/>
-              <a:t>論文</a:t>
-            </a:r>
-            <a:r>
-              <a:rPr kumimoji="1" lang="ja-JP" altLang="en-US" dirty="0" err="1" smtClean="0"/>
-              <a:t>読むのめん</a:t>
-            </a:r>
-            <a:r>
-              <a:rPr kumimoji="1" lang="ja-JP" altLang="en-US" dirty="0" smtClean="0"/>
-              <a:t>どくさい</a:t>
+              <a:t>コグニティブ</a:t>
             </a:r>
             <a:endParaRPr kumimoji="1" lang="en-US" altLang="ja-JP" dirty="0" smtClean="0"/>
           </a:p>
           <a:p>
-            <a:pPr lvl="1"/>
-            <a:r>
-              <a:rPr lang="ja-JP" altLang="en-US" dirty="0"/>
-              <a:t>他</a:t>
-            </a:r>
+            <a:pPr lvl="2"/>
             <a:r>
               <a:rPr lang="ja-JP" altLang="en-US" dirty="0" smtClean="0"/>
-              <a:t>の誰かが似た論文読んでるかが見えて、聞きに行けるシステム</a:t>
-            </a:r>
-            <a:endParaRPr lang="en-US" altLang="ja-JP" dirty="0" smtClean="0"/>
-          </a:p>
-          <a:p>
-            <a:endParaRPr lang="en-US" altLang="ja-JP" dirty="0" smtClean="0"/>
-          </a:p>
-          <a:p>
-            <a:r>
-              <a:rPr kumimoji="1" lang="en-US" altLang="ja-JP" dirty="0" smtClean="0"/>
-              <a:t>python</a:t>
-            </a:r>
-            <a:r>
-              <a:rPr kumimoji="1" lang="ja-JP" altLang="en-US" dirty="0" err="1" smtClean="0"/>
-              <a:t>、</a:t>
-            </a:r>
-            <a:r>
-              <a:rPr kumimoji="1" lang="ja-JP" altLang="en-US" dirty="0" smtClean="0"/>
-              <a:t>ディープラーニングを身に着けたい</a:t>
+              <a:t>インセンティブ</a:t>
             </a:r>
             <a:endParaRPr kumimoji="1" lang="en-US" altLang="ja-JP" dirty="0"/>
           </a:p>
@@ -5381,7 +5710,7 @@
     </p:spTree>
     <p:extLst>
       <p:ext uri="{BB962C8B-B14F-4D97-AF65-F5344CB8AC3E}">
-        <p14:creationId xmlns:p14="http://schemas.microsoft.com/office/powerpoint/2010/main" val="1846401246"/>
+        <p14:creationId xmlns:p14="http://schemas.microsoft.com/office/powerpoint/2010/main" xmlns="" val="1846401246"/>
       </p:ext>
     </p:extLst>
   </p:cSld>
@@ -5399,6 +5728,398 @@
 </file>
 
 <file path=ppt/slides/slide3.xml><?xml version="1.0" encoding="utf-8"?>
+<p:sld xmlns:a="http://schemas.openxmlformats.org/drawingml/2006/main" xmlns:r="http://schemas.openxmlformats.org/officeDocument/2006/relationships" xmlns:p="http://schemas.openxmlformats.org/presentationml/2006/main">
+  <p:cSld>
+    <p:spTree>
+      <p:nvGrpSpPr>
+        <p:cNvPr id="1" name=""/>
+        <p:cNvGrpSpPr/>
+        <p:nvPr/>
+      </p:nvGrpSpPr>
+      <p:grpSpPr>
+        <a:xfrm>
+          <a:off x="0" y="0"/>
+          <a:ext cx="0" cy="0"/>
+          <a:chOff x="0" y="0"/>
+          <a:chExt cx="0" cy="0"/>
+        </a:xfrm>
+      </p:grpSpPr>
+      <p:sp>
+        <p:nvSpPr>
+          <p:cNvPr id="2" name="タイトル 1"/>
+          <p:cNvSpPr>
+            <a:spLocks noGrp="1"/>
+          </p:cNvSpPr>
+          <p:nvPr>
+            <p:ph type="ctrTitle"/>
+          </p:nvPr>
+        </p:nvSpPr>
+        <p:spPr/>
+        <p:txBody>
+          <a:bodyPr/>
+          <a:lstStyle/>
+          <a:p>
+            <a:r>
+              <a:rPr kumimoji="1" lang="en-US" altLang="ja-JP" dirty="0" smtClean="0"/>
+              <a:t>Paper Graph</a:t>
+            </a:r>
+            <a:r>
+              <a:rPr lang="ja-JP" altLang="en-US" dirty="0" smtClean="0"/>
+              <a:t> 作ってます</a:t>
+            </a:r>
+            <a:endParaRPr kumimoji="1" lang="ja-JP" altLang="en-US" dirty="0"/>
+          </a:p>
+        </p:txBody>
+      </p:sp>
+      <p:sp>
+        <p:nvSpPr>
+          <p:cNvPr id="4" name="フッター プレースホルダー 3"/>
+          <p:cNvSpPr txBox="1">
+            <a:spLocks/>
+          </p:cNvSpPr>
+          <p:nvPr/>
+        </p:nvSpPr>
+        <p:spPr>
+          <a:xfrm>
+            <a:off x="8727107" y="3909007"/>
+            <a:ext cx="3127248" cy="717857"/>
+          </a:xfrm>
+          <a:prstGeom prst="rect">
+            <a:avLst/>
+          </a:prstGeom>
+        </p:spPr>
+        <p:txBody>
+          <a:bodyPr/>
+          <a:lstStyle>
+            <a:defPPr>
+              <a:defRPr lang="ja-JP"/>
+            </a:defPPr>
+            <a:lvl1pPr marL="0" algn="l" defTabSz="914400" rtl="0" eaLnBrk="1" latinLnBrk="0" hangingPunct="1">
+              <a:defRPr kumimoji="1" sz="1800" kern="1200">
+                <a:solidFill>
+                  <a:schemeClr val="tx1"/>
+                </a:solidFill>
+                <a:latin typeface="+mn-lt"/>
+                <a:ea typeface="+mn-ea"/>
+                <a:cs typeface="+mn-cs"/>
+              </a:defRPr>
+            </a:lvl1pPr>
+            <a:lvl2pPr marL="457200" algn="l" defTabSz="914400" rtl="0" eaLnBrk="1" latinLnBrk="0" hangingPunct="1">
+              <a:defRPr kumimoji="1" sz="1800" kern="1200">
+                <a:solidFill>
+                  <a:schemeClr val="tx1"/>
+                </a:solidFill>
+                <a:latin typeface="+mn-lt"/>
+                <a:ea typeface="+mn-ea"/>
+                <a:cs typeface="+mn-cs"/>
+              </a:defRPr>
+            </a:lvl2pPr>
+            <a:lvl3pPr marL="914400" algn="l" defTabSz="914400" rtl="0" eaLnBrk="1" latinLnBrk="0" hangingPunct="1">
+              <a:defRPr kumimoji="1" sz="1800" kern="1200">
+                <a:solidFill>
+                  <a:schemeClr val="tx1"/>
+                </a:solidFill>
+                <a:latin typeface="+mn-lt"/>
+                <a:ea typeface="+mn-ea"/>
+                <a:cs typeface="+mn-cs"/>
+              </a:defRPr>
+            </a:lvl3pPr>
+            <a:lvl4pPr marL="1371600" algn="l" defTabSz="914400" rtl="0" eaLnBrk="1" latinLnBrk="0" hangingPunct="1">
+              <a:defRPr kumimoji="1" sz="1800" kern="1200">
+                <a:solidFill>
+                  <a:schemeClr val="tx1"/>
+                </a:solidFill>
+                <a:latin typeface="+mn-lt"/>
+                <a:ea typeface="+mn-ea"/>
+                <a:cs typeface="+mn-cs"/>
+              </a:defRPr>
+            </a:lvl4pPr>
+            <a:lvl5pPr marL="1828800" algn="l" defTabSz="914400" rtl="0" eaLnBrk="1" latinLnBrk="0" hangingPunct="1">
+              <a:defRPr kumimoji="1" sz="1800" kern="1200">
+                <a:solidFill>
+                  <a:schemeClr val="tx1"/>
+                </a:solidFill>
+                <a:latin typeface="+mn-lt"/>
+                <a:ea typeface="+mn-ea"/>
+                <a:cs typeface="+mn-cs"/>
+              </a:defRPr>
+            </a:lvl5pPr>
+            <a:lvl6pPr marL="2286000" algn="l" defTabSz="914400" rtl="0" eaLnBrk="1" latinLnBrk="0" hangingPunct="1">
+              <a:defRPr kumimoji="1" sz="1800" kern="1200">
+                <a:solidFill>
+                  <a:schemeClr val="tx1"/>
+                </a:solidFill>
+                <a:latin typeface="+mn-lt"/>
+                <a:ea typeface="+mn-ea"/>
+                <a:cs typeface="+mn-cs"/>
+              </a:defRPr>
+            </a:lvl6pPr>
+            <a:lvl7pPr marL="2743200" algn="l" defTabSz="914400" rtl="0" eaLnBrk="1" latinLnBrk="0" hangingPunct="1">
+              <a:defRPr kumimoji="1" sz="1800" kern="1200">
+                <a:solidFill>
+                  <a:schemeClr val="tx1"/>
+                </a:solidFill>
+                <a:latin typeface="+mn-lt"/>
+                <a:ea typeface="+mn-ea"/>
+                <a:cs typeface="+mn-cs"/>
+              </a:defRPr>
+            </a:lvl7pPr>
+            <a:lvl8pPr marL="3200400" algn="l" defTabSz="914400" rtl="0" eaLnBrk="1" latinLnBrk="0" hangingPunct="1">
+              <a:defRPr kumimoji="1" sz="1800" kern="1200">
+                <a:solidFill>
+                  <a:schemeClr val="tx1"/>
+                </a:solidFill>
+                <a:latin typeface="+mn-lt"/>
+                <a:ea typeface="+mn-ea"/>
+                <a:cs typeface="+mn-cs"/>
+              </a:defRPr>
+            </a:lvl8pPr>
+            <a:lvl9pPr marL="3657600" algn="l" defTabSz="914400" rtl="0" eaLnBrk="1" latinLnBrk="0" hangingPunct="1">
+              <a:defRPr kumimoji="1" sz="1800" kern="1200">
+                <a:solidFill>
+                  <a:schemeClr val="tx1"/>
+                </a:solidFill>
+                <a:latin typeface="+mn-lt"/>
+                <a:ea typeface="+mn-ea"/>
+                <a:cs typeface="+mn-cs"/>
+              </a:defRPr>
+            </a:lvl9pPr>
+          </a:lstStyle>
+          <a:p>
+            <a:pPr algn="r"/>
+            <a:r>
+              <a:rPr lang="en-US" altLang="ja-JP" dirty="0" smtClean="0"/>
+              <a:t>2016</a:t>
+            </a:r>
+            <a:r>
+              <a:rPr lang="ja-JP" altLang="en-US" dirty="0" smtClean="0"/>
+              <a:t>年</a:t>
+            </a:r>
+            <a:r>
+              <a:rPr lang="en-US" altLang="ja-JP" dirty="0" smtClean="0"/>
+              <a:t>10</a:t>
+            </a:r>
+            <a:r>
+              <a:rPr lang="ja-JP" altLang="en-US" dirty="0" smtClean="0"/>
+              <a:t>月</a:t>
+            </a:r>
+            <a:r>
+              <a:rPr lang="en-US" altLang="ja-JP" dirty="0" smtClean="0"/>
+              <a:t>1</a:t>
+            </a:r>
+            <a:r>
+              <a:rPr lang="ja-JP" altLang="en-US" dirty="0" smtClean="0"/>
+              <a:t>日</a:t>
+            </a:r>
+            <a:endParaRPr lang="en-US" altLang="ja-JP" dirty="0" smtClean="0"/>
+          </a:p>
+          <a:p>
+            <a:pPr algn="r"/>
+            <a:r>
+              <a:rPr lang="ja-JP" altLang="en-US" dirty="0" smtClean="0"/>
+              <a:t>株式会社</a:t>
+            </a:r>
+            <a:r>
+              <a:rPr lang="en-US" altLang="ja-JP" dirty="0" smtClean="0"/>
+              <a:t>KDDI</a:t>
+            </a:r>
+            <a:r>
+              <a:rPr lang="ja-JP" altLang="en-US" dirty="0" smtClean="0"/>
+              <a:t>総合研究所</a:t>
+            </a:r>
+            <a:endParaRPr lang="zh-TW" altLang="en-US" dirty="0"/>
+          </a:p>
+        </p:txBody>
+      </p:sp>
+    </p:spTree>
+    <p:extLst>
+      <p:ext uri="{BB962C8B-B14F-4D97-AF65-F5344CB8AC3E}">
+        <p14:creationId xmlns:p14="http://schemas.microsoft.com/office/powerpoint/2010/main" xmlns="" val="291693654"/>
+      </p:ext>
+    </p:extLst>
+  </p:cSld>
+  <p:clrMapOvr>
+    <a:masterClrMapping/>
+  </p:clrMapOvr>
+  <p:timing>
+    <p:tnLst>
+      <p:par>
+        <p:cTn id="1" dur="indefinite" restart="never" nodeType="tmRoot"/>
+      </p:par>
+    </p:tnLst>
+  </p:timing>
+</p:sld>
+</file>
+
+<file path=ppt/slides/slide4.xml><?xml version="1.0" encoding="utf-8"?>
+<p:sld xmlns:a="http://schemas.openxmlformats.org/drawingml/2006/main" xmlns:r="http://schemas.openxmlformats.org/officeDocument/2006/relationships" xmlns:p="http://schemas.openxmlformats.org/presentationml/2006/main">
+  <p:cSld>
+    <p:spTree>
+      <p:nvGrpSpPr>
+        <p:cNvPr id="1" name=""/>
+        <p:cNvGrpSpPr/>
+        <p:nvPr/>
+      </p:nvGrpSpPr>
+      <p:grpSpPr>
+        <a:xfrm>
+          <a:off x="0" y="0"/>
+          <a:ext cx="0" cy="0"/>
+          <a:chOff x="0" y="0"/>
+          <a:chExt cx="0" cy="0"/>
+        </a:xfrm>
+      </p:grpSpPr>
+      <p:sp>
+        <p:nvSpPr>
+          <p:cNvPr id="2" name="スライド番号プレースホルダー 1"/>
+          <p:cNvSpPr>
+            <a:spLocks noGrp="1"/>
+          </p:cNvSpPr>
+          <p:nvPr>
+            <p:ph type="sldNum" sz="quarter" idx="4"/>
+          </p:nvPr>
+        </p:nvSpPr>
+        <p:spPr/>
+        <p:txBody>
+          <a:bodyPr/>
+          <a:lstStyle/>
+          <a:p>
+            <a:fld id="{80B61DEA-751C-4EFC-848A-C896179D47AE}" type="slidenum">
+              <a:rPr kumimoji="1" lang="ja-JP" altLang="en-US" smtClean="0"/>
+              <a:pPr/>
+              <a:t>4</a:t>
+            </a:fld>
+            <a:endParaRPr kumimoji="1" lang="ja-JP" altLang="en-US"/>
+          </a:p>
+        </p:txBody>
+      </p:sp>
+      <p:sp>
+        <p:nvSpPr>
+          <p:cNvPr id="3" name="コンテンツ プレースホルダー 2"/>
+          <p:cNvSpPr>
+            <a:spLocks noGrp="1"/>
+          </p:cNvSpPr>
+          <p:nvPr>
+            <p:ph idx="1"/>
+          </p:nvPr>
+        </p:nvSpPr>
+        <p:spPr/>
+        <p:txBody>
+          <a:bodyPr/>
+          <a:lstStyle/>
+          <a:p>
+            <a:r>
+              <a:rPr kumimoji="1" lang="ja-JP" altLang="en-US" dirty="0" smtClean="0"/>
+              <a:t>論文</a:t>
+            </a:r>
+            <a:r>
+              <a:rPr kumimoji="1" lang="ja-JP" altLang="en-US" dirty="0" err="1" smtClean="0"/>
+              <a:t>探すのめん</a:t>
+            </a:r>
+            <a:r>
+              <a:rPr kumimoji="1" lang="ja-JP" altLang="en-US" dirty="0" smtClean="0"/>
+              <a:t>どくさい</a:t>
+            </a:r>
+            <a:endParaRPr kumimoji="1" lang="en-US" altLang="ja-JP" dirty="0" smtClean="0"/>
+          </a:p>
+          <a:p>
+            <a:pPr lvl="1"/>
+            <a:r>
+              <a:rPr lang="ja-JP" altLang="en-US" dirty="0" smtClean="0"/>
+              <a:t>似た論文を一気に探せるシステム</a:t>
+            </a:r>
+            <a:endParaRPr lang="en-US" altLang="ja-JP" dirty="0"/>
+          </a:p>
+          <a:p>
+            <a:r>
+              <a:rPr kumimoji="1" lang="ja-JP" altLang="en-US" dirty="0" smtClean="0"/>
+              <a:t>論文</a:t>
+            </a:r>
+            <a:r>
+              <a:rPr kumimoji="1" lang="ja-JP" altLang="en-US" dirty="0" err="1" smtClean="0"/>
+              <a:t>読むのめん</a:t>
+            </a:r>
+            <a:r>
+              <a:rPr kumimoji="1" lang="ja-JP" altLang="en-US" dirty="0" smtClean="0"/>
+              <a:t>どくさい</a:t>
+            </a:r>
+            <a:endParaRPr kumimoji="1" lang="en-US" altLang="ja-JP" dirty="0" smtClean="0"/>
+          </a:p>
+          <a:p>
+            <a:pPr lvl="1"/>
+            <a:r>
+              <a:rPr lang="ja-JP" altLang="en-US" dirty="0"/>
+              <a:t>他</a:t>
+            </a:r>
+            <a:r>
+              <a:rPr lang="ja-JP" altLang="en-US" dirty="0" smtClean="0"/>
+              <a:t>の誰かが似た論文読んでるかが見えて、聞きに行けるシステム</a:t>
+            </a:r>
+            <a:endParaRPr lang="en-US" altLang="ja-JP" dirty="0" smtClean="0"/>
+          </a:p>
+          <a:p>
+            <a:endParaRPr lang="en-US" altLang="ja-JP" dirty="0" smtClean="0"/>
+          </a:p>
+          <a:p>
+            <a:r>
+              <a:rPr kumimoji="1" lang="en-US" altLang="ja-JP" dirty="0" smtClean="0"/>
+              <a:t>python</a:t>
+            </a:r>
+            <a:r>
+              <a:rPr kumimoji="1" lang="ja-JP" altLang="en-US" dirty="0" err="1" smtClean="0"/>
+              <a:t>、</a:t>
+            </a:r>
+            <a:r>
+              <a:rPr kumimoji="1" lang="ja-JP" altLang="en-US" dirty="0" smtClean="0"/>
+              <a:t>ディープラーニングを身に着けたい</a:t>
+            </a:r>
+            <a:endParaRPr kumimoji="1" lang="en-US" altLang="ja-JP" dirty="0"/>
+          </a:p>
+        </p:txBody>
+      </p:sp>
+      <p:sp>
+        <p:nvSpPr>
+          <p:cNvPr id="4" name="タイトル 3"/>
+          <p:cNvSpPr>
+            <a:spLocks noGrp="1"/>
+          </p:cNvSpPr>
+          <p:nvPr>
+            <p:ph type="title"/>
+          </p:nvPr>
+        </p:nvSpPr>
+        <p:spPr/>
+        <p:txBody>
+          <a:bodyPr/>
+          <a:lstStyle/>
+          <a:p>
+            <a:r>
+              <a:rPr lang="en-US" altLang="ja-JP" dirty="0" smtClean="0"/>
+              <a:t>motivations</a:t>
+            </a:r>
+            <a:endParaRPr kumimoji="1" lang="ja-JP" altLang="en-US" dirty="0"/>
+          </a:p>
+        </p:txBody>
+      </p:sp>
+    </p:spTree>
+    <p:extLst>
+      <p:ext uri="{BB962C8B-B14F-4D97-AF65-F5344CB8AC3E}">
+        <p14:creationId xmlns:p14="http://schemas.microsoft.com/office/powerpoint/2010/main" xmlns="" val="1846401246"/>
+      </p:ext>
+    </p:extLst>
+  </p:cSld>
+  <p:clrMapOvr>
+    <a:masterClrMapping/>
+  </p:clrMapOvr>
+  <p:timing>
+    <p:tnLst>
+      <p:par>
+        <p:cTn id="1" dur="indefinite" restart="never" nodeType="tmRoot"/>
+      </p:par>
+    </p:tnLst>
+  </p:timing>
+</p:sld>
+</file>
+
+<file path=ppt/slides/slide5.xml><?xml version="1.0" encoding="utf-8"?>
 <p:sld xmlns:a="http://schemas.openxmlformats.org/drawingml/2006/main" xmlns:r="http://schemas.openxmlformats.org/officeDocument/2006/relationships" xmlns:p="http://schemas.openxmlformats.org/presentationml/2006/main">
   <p:cSld>
     <p:spTree>
@@ -5518,7 +6239,7 @@
             <a:fld id="{80B61DEA-751C-4EFC-848A-C896179D47AE}" type="slidenum">
               <a:rPr kumimoji="1" lang="ja-JP" altLang="en-US" smtClean="0"/>
               <a:pPr/>
-              <a:t>3</a:t>
+              <a:t>5</a:t>
             </a:fld>
             <a:endParaRPr kumimoji="1" lang="ja-JP" altLang="en-US"/>
           </a:p>
@@ -5550,7 +6271,7 @@
             <a:blip r:embed="rId3" cstate="print">
               <a:extLst>
                 <a:ext uri="{28A0092B-C50C-407E-A947-70E740481C1C}">
-                  <a14:useLocalDpi xmlns:a14="http://schemas.microsoft.com/office/drawing/2010/main" val="0"/>
+                  <a14:useLocalDpi xmlns:a14="http://schemas.microsoft.com/office/drawing/2010/main" xmlns="" val="0"/>
                 </a:ext>
               </a:extLst>
             </a:blip>
@@ -5573,14 +6294,14 @@
             </a:ln>
             <a:extLst>
               <a:ext uri="{909E8E84-426E-40DD-AFC4-6F175D3DCCD1}">
-                <a14:hiddenFill xmlns:a14="http://schemas.microsoft.com/office/drawing/2010/main">
+                <a14:hiddenFill xmlns:a14="http://schemas.microsoft.com/office/drawing/2010/main" xmlns="">
                   <a:solidFill>
                     <a:schemeClr val="accent1"/>
                   </a:solidFill>
                 </a14:hiddenFill>
               </a:ext>
               <a:ext uri="{91240B29-F687-4F45-9708-019B960494DF}">
-                <a14:hiddenLine xmlns:a14="http://schemas.microsoft.com/office/drawing/2010/main" w="9525">
+                <a14:hiddenLine xmlns:a14="http://schemas.microsoft.com/office/drawing/2010/main" xmlns="" w="9525">
                   <a:solidFill>
                     <a:schemeClr val="tx1"/>
                   </a:solidFill>
@@ -5604,7 +6325,7 @@
             <a:blip r:embed="rId3" cstate="print">
               <a:extLst>
                 <a:ext uri="{28A0092B-C50C-407E-A947-70E740481C1C}">
-                  <a14:useLocalDpi xmlns:a14="http://schemas.microsoft.com/office/drawing/2010/main" val="0"/>
+                  <a14:useLocalDpi xmlns:a14="http://schemas.microsoft.com/office/drawing/2010/main" xmlns="" val="0"/>
                 </a:ext>
               </a:extLst>
             </a:blip>
@@ -5627,14 +6348,14 @@
             </a:ln>
             <a:extLst>
               <a:ext uri="{909E8E84-426E-40DD-AFC4-6F175D3DCCD1}">
-                <a14:hiddenFill xmlns:a14="http://schemas.microsoft.com/office/drawing/2010/main">
+                <a14:hiddenFill xmlns:a14="http://schemas.microsoft.com/office/drawing/2010/main" xmlns="">
                   <a:solidFill>
                     <a:schemeClr val="accent1"/>
                   </a:solidFill>
                 </a14:hiddenFill>
               </a:ext>
               <a:ext uri="{91240B29-F687-4F45-9708-019B960494DF}">
-                <a14:hiddenLine xmlns:a14="http://schemas.microsoft.com/office/drawing/2010/main" w="9525">
+                <a14:hiddenLine xmlns:a14="http://schemas.microsoft.com/office/drawing/2010/main" xmlns="" w="9525">
                   <a:solidFill>
                     <a:schemeClr val="tx1"/>
                   </a:solidFill>
@@ -5658,7 +6379,7 @@
             <a:blip r:embed="rId3" cstate="print">
               <a:extLst>
                 <a:ext uri="{28A0092B-C50C-407E-A947-70E740481C1C}">
-                  <a14:useLocalDpi xmlns:a14="http://schemas.microsoft.com/office/drawing/2010/main" val="0"/>
+                  <a14:useLocalDpi xmlns:a14="http://schemas.microsoft.com/office/drawing/2010/main" xmlns="" val="0"/>
                 </a:ext>
               </a:extLst>
             </a:blip>
@@ -5681,14 +6402,14 @@
             </a:ln>
             <a:extLst>
               <a:ext uri="{909E8E84-426E-40DD-AFC4-6F175D3DCCD1}">
-                <a14:hiddenFill xmlns:a14="http://schemas.microsoft.com/office/drawing/2010/main">
+                <a14:hiddenFill xmlns:a14="http://schemas.microsoft.com/office/drawing/2010/main" xmlns="">
                   <a:solidFill>
                     <a:schemeClr val="accent1"/>
                   </a:solidFill>
                 </a14:hiddenFill>
               </a:ext>
               <a:ext uri="{91240B29-F687-4F45-9708-019B960494DF}">
-                <a14:hiddenLine xmlns:a14="http://schemas.microsoft.com/office/drawing/2010/main" w="9525">
+                <a14:hiddenLine xmlns:a14="http://schemas.microsoft.com/office/drawing/2010/main" xmlns="" w="9525">
                   <a:solidFill>
                     <a:schemeClr val="tx1"/>
                   </a:solidFill>
@@ -5712,7 +6433,7 @@
             <a:blip r:embed="rId3" cstate="print">
               <a:extLst>
                 <a:ext uri="{28A0092B-C50C-407E-A947-70E740481C1C}">
-                  <a14:useLocalDpi xmlns:a14="http://schemas.microsoft.com/office/drawing/2010/main" val="0"/>
+                  <a14:useLocalDpi xmlns:a14="http://schemas.microsoft.com/office/drawing/2010/main" xmlns="" val="0"/>
                 </a:ext>
               </a:extLst>
             </a:blip>
@@ -5735,14 +6456,14 @@
             </a:ln>
             <a:extLst>
               <a:ext uri="{909E8E84-426E-40DD-AFC4-6F175D3DCCD1}">
-                <a14:hiddenFill xmlns:a14="http://schemas.microsoft.com/office/drawing/2010/main">
+                <a14:hiddenFill xmlns:a14="http://schemas.microsoft.com/office/drawing/2010/main" xmlns="">
                   <a:solidFill>
                     <a:schemeClr val="accent1"/>
                   </a:solidFill>
                 </a14:hiddenFill>
               </a:ext>
               <a:ext uri="{91240B29-F687-4F45-9708-019B960494DF}">
-                <a14:hiddenLine xmlns:a14="http://schemas.microsoft.com/office/drawing/2010/main" w="9525">
+                <a14:hiddenLine xmlns:a14="http://schemas.microsoft.com/office/drawing/2010/main" xmlns="" w="9525">
                   <a:solidFill>
                     <a:schemeClr val="tx1"/>
                   </a:solidFill>
@@ -6132,7 +6853,7 @@
           <a:blip r:embed="rId4" cstate="print">
             <a:extLst>
               <a:ext uri="{28A0092B-C50C-407E-A947-70E740481C1C}">
-                <a14:useLocalDpi xmlns:a14="http://schemas.microsoft.com/office/drawing/2010/main" val="0"/>
+                <a14:useLocalDpi xmlns:a14="http://schemas.microsoft.com/office/drawing/2010/main" xmlns="" val="0"/>
               </a:ext>
             </a:extLst>
           </a:blip>
@@ -6159,7 +6880,7 @@
           </a:ln>
           <a:extLst>
             <a:ext uri="{909E8E84-426E-40DD-AFC4-6F175D3DCCD1}">
-              <a14:hiddenFill xmlns:a14="http://schemas.microsoft.com/office/drawing/2010/main">
+              <a14:hiddenFill xmlns:a14="http://schemas.microsoft.com/office/drawing/2010/main" xmlns="">
                 <a:solidFill>
                   <a:srgbClr val="FFFFFF"/>
                 </a:solidFill>
@@ -6210,7 +6931,7 @@
           <a:blip r:embed="rId5" cstate="print">
             <a:extLst>
               <a:ext uri="{28A0092B-C50C-407E-A947-70E740481C1C}">
-                <a14:useLocalDpi xmlns:a14="http://schemas.microsoft.com/office/drawing/2010/main" val="0"/>
+                <a14:useLocalDpi xmlns:a14="http://schemas.microsoft.com/office/drawing/2010/main" xmlns="" val="0"/>
               </a:ext>
             </a:extLst>
           </a:blip>
@@ -6230,7 +6951,7 @@
           <a:noFill/>
           <a:extLst>
             <a:ext uri="{909E8E84-426E-40DD-AFC4-6F175D3DCCD1}">
-              <a14:hiddenFill xmlns:a14="http://schemas.microsoft.com/office/drawing/2010/main">
+              <a14:hiddenFill xmlns:a14="http://schemas.microsoft.com/office/drawing/2010/main" xmlns="">
                 <a:solidFill>
                   <a:srgbClr val="FFFFFF"/>
                 </a:solidFill>
@@ -6251,7 +6972,7 @@
           <a:blip r:embed="rId6" cstate="print">
             <a:extLst>
               <a:ext uri="{28A0092B-C50C-407E-A947-70E740481C1C}">
-                <a14:useLocalDpi xmlns:a14="http://schemas.microsoft.com/office/drawing/2010/main" val="0"/>
+                <a14:useLocalDpi xmlns:a14="http://schemas.microsoft.com/office/drawing/2010/main" xmlns="" val="0"/>
               </a:ext>
             </a:extLst>
           </a:blip>
@@ -6271,7 +6992,7 @@
           <a:noFill/>
           <a:extLst>
             <a:ext uri="{909E8E84-426E-40DD-AFC4-6F175D3DCCD1}">
-              <a14:hiddenFill xmlns:a14="http://schemas.microsoft.com/office/drawing/2010/main">
+              <a14:hiddenFill xmlns:a14="http://schemas.microsoft.com/office/drawing/2010/main" xmlns="">
                 <a:solidFill>
                   <a:srgbClr val="FFFFFF"/>
                 </a:solidFill>
@@ -7498,7 +8219,7 @@
           <a:blip r:embed="rId6" cstate="print">
             <a:extLst>
               <a:ext uri="{28A0092B-C50C-407E-A947-70E740481C1C}">
-                <a14:useLocalDpi xmlns:a14="http://schemas.microsoft.com/office/drawing/2010/main" val="0"/>
+                <a14:useLocalDpi xmlns:a14="http://schemas.microsoft.com/office/drawing/2010/main" xmlns="" val="0"/>
               </a:ext>
             </a:extLst>
           </a:blip>
@@ -7518,7 +8239,7 @@
           <a:noFill/>
           <a:extLst>
             <a:ext uri="{909E8E84-426E-40DD-AFC4-6F175D3DCCD1}">
-              <a14:hiddenFill xmlns:a14="http://schemas.microsoft.com/office/drawing/2010/main">
+              <a14:hiddenFill xmlns:a14="http://schemas.microsoft.com/office/drawing/2010/main" xmlns="">
                 <a:solidFill>
                   <a:srgbClr val="FFFFFF"/>
                 </a:solidFill>
@@ -7970,7 +8691,7 @@
           <a:blip r:embed="rId7" cstate="print">
             <a:extLst>
               <a:ext uri="{28A0092B-C50C-407E-A947-70E740481C1C}">
-                <a14:useLocalDpi xmlns:a14="http://schemas.microsoft.com/office/drawing/2010/main" val="0"/>
+                <a14:useLocalDpi xmlns:a14="http://schemas.microsoft.com/office/drawing/2010/main" xmlns="" val="0"/>
               </a:ext>
             </a:extLst>
           </a:blip>
@@ -7995,7 +8716,7 @@
           </a:ln>
           <a:extLst>
             <a:ext uri="{909E8E84-426E-40DD-AFC4-6F175D3DCCD1}">
-              <a14:hiddenFill xmlns:a14="http://schemas.microsoft.com/office/drawing/2010/main">
+              <a14:hiddenFill xmlns:a14="http://schemas.microsoft.com/office/drawing/2010/main" xmlns="">
                 <a:solidFill>
                   <a:srgbClr val="FFFFFF"/>
                 </a:solidFill>
@@ -8296,7 +9017,7 @@
           <a:blip r:embed="rId3" cstate="print">
             <a:extLst>
               <a:ext uri="{28A0092B-C50C-407E-A947-70E740481C1C}">
-                <a14:useLocalDpi xmlns:a14="http://schemas.microsoft.com/office/drawing/2010/main" val="0"/>
+                <a14:useLocalDpi xmlns:a14="http://schemas.microsoft.com/office/drawing/2010/main" xmlns="" val="0"/>
               </a:ext>
             </a:extLst>
           </a:blip>
@@ -8319,14 +9040,14 @@
           </a:ln>
           <a:extLst>
             <a:ext uri="{909E8E84-426E-40DD-AFC4-6F175D3DCCD1}">
-              <a14:hiddenFill xmlns:a14="http://schemas.microsoft.com/office/drawing/2010/main">
+              <a14:hiddenFill xmlns:a14="http://schemas.microsoft.com/office/drawing/2010/main" xmlns="">
                 <a:solidFill>
                   <a:schemeClr val="accent1"/>
                 </a:solidFill>
               </a14:hiddenFill>
             </a:ext>
             <a:ext uri="{91240B29-F687-4F45-9708-019B960494DF}">
-              <a14:hiddenLine xmlns:a14="http://schemas.microsoft.com/office/drawing/2010/main" w="9525">
+              <a14:hiddenLine xmlns:a14="http://schemas.microsoft.com/office/drawing/2010/main" xmlns="" w="9525">
                 <a:solidFill>
                   <a:schemeClr val="tx1"/>
                 </a:solidFill>
@@ -9014,7 +9735,7 @@
     </p:spTree>
     <p:extLst>
       <p:ext uri="{BB962C8B-B14F-4D97-AF65-F5344CB8AC3E}">
-        <p14:creationId xmlns:p14="http://schemas.microsoft.com/office/powerpoint/2010/main" val="1904809622"/>
+        <p14:creationId xmlns:p14="http://schemas.microsoft.com/office/powerpoint/2010/main" xmlns="" val="1904809622"/>
       </p:ext>
     </p:extLst>
   </p:cSld>
@@ -9031,7 +9752,7 @@
 </p:sld>
 </file>
 
-<file path=ppt/slides/slide4.xml><?xml version="1.0" encoding="utf-8"?>
+<file path=ppt/slides/slide6.xml><?xml version="1.0" encoding="utf-8"?>
 <p:sld xmlns:a="http://schemas.openxmlformats.org/drawingml/2006/main" xmlns:r="http://schemas.openxmlformats.org/officeDocument/2006/relationships" xmlns:p="http://schemas.openxmlformats.org/presentationml/2006/main">
   <p:cSld>
     <p:spTree>
@@ -9151,7 +9872,7 @@
             <a:fld id="{80B61DEA-751C-4EFC-848A-C896179D47AE}" type="slidenum">
               <a:rPr kumimoji="1" lang="ja-JP" altLang="en-US" smtClean="0"/>
               <a:pPr/>
-              <a:t>4</a:t>
+              <a:t>6</a:t>
             </a:fld>
             <a:endParaRPr kumimoji="1" lang="ja-JP" altLang="en-US"/>
           </a:p>
@@ -9183,7 +9904,7 @@
             <a:blip r:embed="rId3" cstate="print">
               <a:extLst>
                 <a:ext uri="{28A0092B-C50C-407E-A947-70E740481C1C}">
-                  <a14:useLocalDpi xmlns:a14="http://schemas.microsoft.com/office/drawing/2010/main" val="0"/>
+                  <a14:useLocalDpi xmlns:a14="http://schemas.microsoft.com/office/drawing/2010/main" xmlns="" val="0"/>
                 </a:ext>
               </a:extLst>
             </a:blip>
@@ -9206,14 +9927,14 @@
             </a:ln>
             <a:extLst>
               <a:ext uri="{909E8E84-426E-40DD-AFC4-6F175D3DCCD1}">
-                <a14:hiddenFill xmlns:a14="http://schemas.microsoft.com/office/drawing/2010/main">
+                <a14:hiddenFill xmlns:a14="http://schemas.microsoft.com/office/drawing/2010/main" xmlns="">
                   <a:solidFill>
                     <a:schemeClr val="accent1"/>
                   </a:solidFill>
                 </a14:hiddenFill>
               </a:ext>
               <a:ext uri="{91240B29-F687-4F45-9708-019B960494DF}">
-                <a14:hiddenLine xmlns:a14="http://schemas.microsoft.com/office/drawing/2010/main" w="9525">
+                <a14:hiddenLine xmlns:a14="http://schemas.microsoft.com/office/drawing/2010/main" xmlns="" w="9525">
                   <a:solidFill>
                     <a:schemeClr val="tx1"/>
                   </a:solidFill>
@@ -9237,7 +9958,7 @@
             <a:blip r:embed="rId3" cstate="print">
               <a:extLst>
                 <a:ext uri="{28A0092B-C50C-407E-A947-70E740481C1C}">
-                  <a14:useLocalDpi xmlns:a14="http://schemas.microsoft.com/office/drawing/2010/main" val="0"/>
+                  <a14:useLocalDpi xmlns:a14="http://schemas.microsoft.com/office/drawing/2010/main" xmlns="" val="0"/>
                 </a:ext>
               </a:extLst>
             </a:blip>
@@ -9260,14 +9981,14 @@
             </a:ln>
             <a:extLst>
               <a:ext uri="{909E8E84-426E-40DD-AFC4-6F175D3DCCD1}">
-                <a14:hiddenFill xmlns:a14="http://schemas.microsoft.com/office/drawing/2010/main">
+                <a14:hiddenFill xmlns:a14="http://schemas.microsoft.com/office/drawing/2010/main" xmlns="">
                   <a:solidFill>
                     <a:schemeClr val="accent1"/>
                   </a:solidFill>
                 </a14:hiddenFill>
               </a:ext>
               <a:ext uri="{91240B29-F687-4F45-9708-019B960494DF}">
-                <a14:hiddenLine xmlns:a14="http://schemas.microsoft.com/office/drawing/2010/main" w="9525">
+                <a14:hiddenLine xmlns:a14="http://schemas.microsoft.com/office/drawing/2010/main" xmlns="" w="9525">
                   <a:solidFill>
                     <a:schemeClr val="tx1"/>
                   </a:solidFill>
@@ -9291,7 +10012,7 @@
             <a:blip r:embed="rId3" cstate="print">
               <a:extLst>
                 <a:ext uri="{28A0092B-C50C-407E-A947-70E740481C1C}">
-                  <a14:useLocalDpi xmlns:a14="http://schemas.microsoft.com/office/drawing/2010/main" val="0"/>
+                  <a14:useLocalDpi xmlns:a14="http://schemas.microsoft.com/office/drawing/2010/main" xmlns="" val="0"/>
                 </a:ext>
               </a:extLst>
             </a:blip>
@@ -9314,14 +10035,14 @@
             </a:ln>
             <a:extLst>
               <a:ext uri="{909E8E84-426E-40DD-AFC4-6F175D3DCCD1}">
-                <a14:hiddenFill xmlns:a14="http://schemas.microsoft.com/office/drawing/2010/main">
+                <a14:hiddenFill xmlns:a14="http://schemas.microsoft.com/office/drawing/2010/main" xmlns="">
                   <a:solidFill>
                     <a:schemeClr val="accent1"/>
                   </a:solidFill>
                 </a14:hiddenFill>
               </a:ext>
               <a:ext uri="{91240B29-F687-4F45-9708-019B960494DF}">
-                <a14:hiddenLine xmlns:a14="http://schemas.microsoft.com/office/drawing/2010/main" w="9525">
+                <a14:hiddenLine xmlns:a14="http://schemas.microsoft.com/office/drawing/2010/main" xmlns="" w="9525">
                   <a:solidFill>
                     <a:schemeClr val="tx1"/>
                   </a:solidFill>
@@ -9345,7 +10066,7 @@
             <a:blip r:embed="rId3" cstate="print">
               <a:extLst>
                 <a:ext uri="{28A0092B-C50C-407E-A947-70E740481C1C}">
-                  <a14:useLocalDpi xmlns:a14="http://schemas.microsoft.com/office/drawing/2010/main" val="0"/>
+                  <a14:useLocalDpi xmlns:a14="http://schemas.microsoft.com/office/drawing/2010/main" xmlns="" val="0"/>
                 </a:ext>
               </a:extLst>
             </a:blip>
@@ -9368,14 +10089,14 @@
             </a:ln>
             <a:extLst>
               <a:ext uri="{909E8E84-426E-40DD-AFC4-6F175D3DCCD1}">
-                <a14:hiddenFill xmlns:a14="http://schemas.microsoft.com/office/drawing/2010/main">
+                <a14:hiddenFill xmlns:a14="http://schemas.microsoft.com/office/drawing/2010/main" xmlns="">
                   <a:solidFill>
                     <a:schemeClr val="accent1"/>
                   </a:solidFill>
                 </a14:hiddenFill>
               </a:ext>
               <a:ext uri="{91240B29-F687-4F45-9708-019B960494DF}">
-                <a14:hiddenLine xmlns:a14="http://schemas.microsoft.com/office/drawing/2010/main" w="9525">
+                <a14:hiddenLine xmlns:a14="http://schemas.microsoft.com/office/drawing/2010/main" xmlns="" w="9525">
                   <a:solidFill>
                     <a:schemeClr val="tx1"/>
                   </a:solidFill>
@@ -9765,7 +10486,7 @@
           <a:blip r:embed="rId4" cstate="print">
             <a:extLst>
               <a:ext uri="{28A0092B-C50C-407E-A947-70E740481C1C}">
-                <a14:useLocalDpi xmlns:a14="http://schemas.microsoft.com/office/drawing/2010/main" val="0"/>
+                <a14:useLocalDpi xmlns:a14="http://schemas.microsoft.com/office/drawing/2010/main" xmlns="" val="0"/>
               </a:ext>
             </a:extLst>
           </a:blip>
@@ -9792,7 +10513,7 @@
           </a:ln>
           <a:extLst>
             <a:ext uri="{909E8E84-426E-40DD-AFC4-6F175D3DCCD1}">
-              <a14:hiddenFill xmlns:a14="http://schemas.microsoft.com/office/drawing/2010/main">
+              <a14:hiddenFill xmlns:a14="http://schemas.microsoft.com/office/drawing/2010/main" xmlns="">
                 <a:solidFill>
                   <a:srgbClr val="FFFFFF"/>
                 </a:solidFill>
@@ -9843,7 +10564,7 @@
           <a:blip r:embed="rId5" cstate="print">
             <a:extLst>
               <a:ext uri="{28A0092B-C50C-407E-A947-70E740481C1C}">
-                <a14:useLocalDpi xmlns:a14="http://schemas.microsoft.com/office/drawing/2010/main" val="0"/>
+                <a14:useLocalDpi xmlns:a14="http://schemas.microsoft.com/office/drawing/2010/main" xmlns="" val="0"/>
               </a:ext>
             </a:extLst>
           </a:blip>
@@ -9863,7 +10584,7 @@
           <a:noFill/>
           <a:extLst>
             <a:ext uri="{909E8E84-426E-40DD-AFC4-6F175D3DCCD1}">
-              <a14:hiddenFill xmlns:a14="http://schemas.microsoft.com/office/drawing/2010/main">
+              <a14:hiddenFill xmlns:a14="http://schemas.microsoft.com/office/drawing/2010/main" xmlns="">
                 <a:solidFill>
                   <a:srgbClr val="FFFFFF"/>
                 </a:solidFill>
@@ -9884,7 +10605,7 @@
           <a:blip r:embed="rId6" cstate="print">
             <a:extLst>
               <a:ext uri="{28A0092B-C50C-407E-A947-70E740481C1C}">
-                <a14:useLocalDpi xmlns:a14="http://schemas.microsoft.com/office/drawing/2010/main" val="0"/>
+                <a14:useLocalDpi xmlns:a14="http://schemas.microsoft.com/office/drawing/2010/main" xmlns="" val="0"/>
               </a:ext>
             </a:extLst>
           </a:blip>
@@ -9904,7 +10625,7 @@
           <a:noFill/>
           <a:extLst>
             <a:ext uri="{909E8E84-426E-40DD-AFC4-6F175D3DCCD1}">
-              <a14:hiddenFill xmlns:a14="http://schemas.microsoft.com/office/drawing/2010/main">
+              <a14:hiddenFill xmlns:a14="http://schemas.microsoft.com/office/drawing/2010/main" xmlns="">
                 <a:solidFill>
                   <a:srgbClr val="FFFFFF"/>
                 </a:solidFill>
@@ -11161,7 +11882,7 @@
           <a:blip r:embed="rId6" cstate="print">
             <a:extLst>
               <a:ext uri="{28A0092B-C50C-407E-A947-70E740481C1C}">
-                <a14:useLocalDpi xmlns:a14="http://schemas.microsoft.com/office/drawing/2010/main" val="0"/>
+                <a14:useLocalDpi xmlns:a14="http://schemas.microsoft.com/office/drawing/2010/main" xmlns="" val="0"/>
               </a:ext>
             </a:extLst>
           </a:blip>
@@ -11181,7 +11902,7 @@
           <a:noFill/>
           <a:extLst>
             <a:ext uri="{909E8E84-426E-40DD-AFC4-6F175D3DCCD1}">
-              <a14:hiddenFill xmlns:a14="http://schemas.microsoft.com/office/drawing/2010/main">
+              <a14:hiddenFill xmlns:a14="http://schemas.microsoft.com/office/drawing/2010/main" xmlns="">
                 <a:solidFill>
                   <a:srgbClr val="FFFFFF"/>
                 </a:solidFill>
@@ -11337,11 +12058,7 @@
           <a:p>
             <a:r>
               <a:rPr lang="ja-JP" altLang="en-US" sz="1200" u="sng" dirty="0" smtClean="0"/>
-              <a:t>リンク</a:t>
-            </a:r>
-            <a:r>
-              <a:rPr lang="ja-JP" altLang="en-US" sz="1200" u="sng" dirty="0" smtClean="0"/>
-              <a:t>強度計算</a:t>
+              <a:t>リンク強度計算</a:t>
             </a:r>
             <a:endParaRPr kumimoji="1" lang="en-US" altLang="ja-JP" sz="1200" u="sng" dirty="0" smtClean="0"/>
           </a:p>
@@ -11617,7 +12334,7 @@
           <a:blip r:embed="rId7" cstate="print">
             <a:extLst>
               <a:ext uri="{28A0092B-C50C-407E-A947-70E740481C1C}">
-                <a14:useLocalDpi xmlns:a14="http://schemas.microsoft.com/office/drawing/2010/main" val="0"/>
+                <a14:useLocalDpi xmlns:a14="http://schemas.microsoft.com/office/drawing/2010/main" xmlns="" val="0"/>
               </a:ext>
             </a:extLst>
           </a:blip>
@@ -11642,7 +12359,7 @@
           </a:ln>
           <a:extLst>
             <a:ext uri="{909E8E84-426E-40DD-AFC4-6F175D3DCCD1}">
-              <a14:hiddenFill xmlns:a14="http://schemas.microsoft.com/office/drawing/2010/main">
+              <a14:hiddenFill xmlns:a14="http://schemas.microsoft.com/office/drawing/2010/main" xmlns="">
                 <a:solidFill>
                   <a:srgbClr val="FFFFFF"/>
                 </a:solidFill>
@@ -11743,7 +12460,7 @@
           <a:blip r:embed="rId3" cstate="print">
             <a:extLst>
               <a:ext uri="{28A0092B-C50C-407E-A947-70E740481C1C}">
-                <a14:useLocalDpi xmlns:a14="http://schemas.microsoft.com/office/drawing/2010/main" val="0"/>
+                <a14:useLocalDpi xmlns:a14="http://schemas.microsoft.com/office/drawing/2010/main" xmlns="" val="0"/>
               </a:ext>
             </a:extLst>
           </a:blip>
@@ -11766,14 +12483,14 @@
           </a:ln>
           <a:extLst>
             <a:ext uri="{909E8E84-426E-40DD-AFC4-6F175D3DCCD1}">
-              <a14:hiddenFill xmlns:a14="http://schemas.microsoft.com/office/drawing/2010/main">
+              <a14:hiddenFill xmlns:a14="http://schemas.microsoft.com/office/drawing/2010/main" xmlns="">
                 <a:solidFill>
                   <a:schemeClr val="accent1"/>
                 </a:solidFill>
               </a14:hiddenFill>
             </a:ext>
             <a:ext uri="{91240B29-F687-4F45-9708-019B960494DF}">
-              <a14:hiddenLine xmlns:a14="http://schemas.microsoft.com/office/drawing/2010/main" w="9525">
+              <a14:hiddenLine xmlns:a14="http://schemas.microsoft.com/office/drawing/2010/main" xmlns="" w="9525">
                 <a:solidFill>
                   <a:schemeClr val="tx1"/>
                 </a:solidFill>
@@ -13382,7 +14099,7 @@
     </p:spTree>
     <p:extLst>
       <p:ext uri="{BB962C8B-B14F-4D97-AF65-F5344CB8AC3E}">
-        <p14:creationId xmlns:p14="http://schemas.microsoft.com/office/powerpoint/2010/main" val="4231056502"/>
+        <p14:creationId xmlns:p14="http://schemas.microsoft.com/office/powerpoint/2010/main" xmlns="" val="4231056502"/>
       </p:ext>
     </p:extLst>
   </p:cSld>
@@ -13399,7 +14116,7 @@
 </p:sld>
 </file>
 
-<file path=ppt/slides/slide5.xml><?xml version="1.0" encoding="utf-8"?>
+<file path=ppt/slides/slide7.xml><?xml version="1.0" encoding="utf-8"?>
 <p:sld xmlns:a="http://schemas.openxmlformats.org/drawingml/2006/main" xmlns:r="http://schemas.openxmlformats.org/officeDocument/2006/relationships" xmlns:p="http://schemas.openxmlformats.org/presentationml/2006/main">
   <p:cSld>
     <p:spTree>
@@ -13434,7 +14151,7 @@
             <a:fld id="{80B61DEA-751C-4EFC-848A-C896179D47AE}" type="slidenum">
               <a:rPr kumimoji="1" lang="ja-JP" altLang="en-US" smtClean="0"/>
               <a:pPr/>
-              <a:t>5</a:t>
+              <a:t>7</a:t>
             </a:fld>
             <a:endParaRPr kumimoji="1" lang="ja-JP" altLang="en-US"/>
           </a:p>
@@ -13769,7 +14486,7 @@
           <p:nvPr>
             <p:extLst>
               <p:ext uri="{D42A27DB-BD31-4B8C-83A1-F6EECF244321}">
-                <p14:modId xmlns:p14="http://schemas.microsoft.com/office/powerpoint/2010/main" val="4217036266"/>
+                <p14:modId xmlns:p14="http://schemas.microsoft.com/office/powerpoint/2010/main" xmlns="" val="4217036266"/>
               </p:ext>
             </p:extLst>
           </p:nvPr>
@@ -13780,59 +14497,9 @@
         </p:xfrm>
         <a:graphic>
           <a:graphicData uri="http://schemas.openxmlformats.org/presentationml/2006/ole">
-            <mc:AlternateContent xmlns:mc="http://schemas.openxmlformats.org/markup-compatibility/2006">
-              <mc:Choice xmlns:v="urn:schemas-microsoft-com:vml" Requires="v">
-                <p:oleObj spid="_x0000_s1182" name="数式" r:id="rId3" imgW="152280" imgH="215640" progId="Equation.3">
-                  <p:embed/>
-                </p:oleObj>
-              </mc:Choice>
-              <mc:Fallback>
-                <p:oleObj name="数式" r:id="rId3" imgW="152280" imgH="215640" progId="Equation.3">
-                  <p:embed/>
-                  <p:pic>
-                    <p:nvPicPr>
-                      <p:cNvPr id="0" name="Picture 118"/>
-                      <p:cNvPicPr>
-                        <a:picLocks noChangeAspect="1" noChangeArrowheads="1"/>
-                      </p:cNvPicPr>
-                      <p:nvPr/>
-                    </p:nvPicPr>
-                    <p:blipFill>
-                      <a:blip r:embed="rId4">
-                        <a:extLst>
-                          <a:ext uri="{28A0092B-C50C-407E-A947-70E740481C1C}">
-                            <a14:useLocalDpi xmlns:a14="http://schemas.microsoft.com/office/drawing/2010/main" val="0"/>
-                          </a:ext>
-                        </a:extLst>
-                      </a:blip>
-                      <a:srcRect/>
-                      <a:stretch>
-                        <a:fillRect/>
-                      </a:stretch>
-                    </p:blipFill>
-                    <p:spPr bwMode="auto">
-                      <a:xfrm>
-                        <a:off x="4237355" y="1430605"/>
-                        <a:ext cx="379181" cy="537173"/>
-                      </a:xfrm>
-                      <a:prstGeom prst="rect">
-                        <a:avLst/>
-                      </a:prstGeom>
-                      <a:noFill/>
-                      <a:extLst>
-                        <a:ext uri="{909E8E84-426E-40DD-AFC4-6F175D3DCCD1}">
-                          <a14:hiddenFill xmlns:a14="http://schemas.microsoft.com/office/drawing/2010/main">
-                            <a:solidFill>
-                              <a:srgbClr val="FFFFFF"/>
-                            </a:solidFill>
-                          </a14:hiddenFill>
-                        </a:ext>
-                      </a:extLst>
-                    </p:spPr>
-                  </p:pic>
-                </p:oleObj>
-              </mc:Fallback>
-            </mc:AlternateContent>
+            <p:oleObj spid="_x0000_s1182" name="数式" r:id="rId3" imgW="152268" imgH="215713" progId="Equation.3">
+              <p:embed/>
+            </p:oleObj>
           </a:graphicData>
         </a:graphic>
       </p:graphicFrame>
@@ -13845,7 +14512,7 @@
           <p:nvPr>
             <p:extLst>
               <p:ext uri="{D42A27DB-BD31-4B8C-83A1-F6EECF244321}">
-                <p14:modId xmlns:p14="http://schemas.microsoft.com/office/powerpoint/2010/main" val="3365855799"/>
+                <p14:modId xmlns:p14="http://schemas.microsoft.com/office/powerpoint/2010/main" xmlns="" val="3365855799"/>
               </p:ext>
             </p:extLst>
           </p:nvPr>
@@ -13856,59 +14523,9 @@
         </p:xfrm>
         <a:graphic>
           <a:graphicData uri="http://schemas.openxmlformats.org/presentationml/2006/ole">
-            <mc:AlternateContent xmlns:mc="http://schemas.openxmlformats.org/markup-compatibility/2006">
-              <mc:Choice xmlns:v="urn:schemas-microsoft-com:vml" Requires="v">
-                <p:oleObj spid="_x0000_s1183" name="数式" r:id="rId5" imgW="152280" imgH="215640" progId="Equation.3">
-                  <p:embed/>
-                </p:oleObj>
-              </mc:Choice>
-              <mc:Fallback>
-                <p:oleObj name="数式" r:id="rId5" imgW="152280" imgH="215640" progId="Equation.3">
-                  <p:embed/>
-                  <p:pic>
-                    <p:nvPicPr>
-                      <p:cNvPr id="0" name="Picture 119"/>
-                      <p:cNvPicPr>
-                        <a:picLocks noChangeAspect="1" noChangeArrowheads="1"/>
-                      </p:cNvPicPr>
-                      <p:nvPr/>
-                    </p:nvPicPr>
-                    <p:blipFill>
-                      <a:blip r:embed="rId6">
-                        <a:extLst>
-                          <a:ext uri="{28A0092B-C50C-407E-A947-70E740481C1C}">
-                            <a14:useLocalDpi xmlns:a14="http://schemas.microsoft.com/office/drawing/2010/main" val="0"/>
-                          </a:ext>
-                        </a:extLst>
-                      </a:blip>
-                      <a:srcRect/>
-                      <a:stretch>
-                        <a:fillRect/>
-                      </a:stretch>
-                    </p:blipFill>
-                    <p:spPr bwMode="auto">
-                      <a:xfrm>
-                        <a:off x="4828119" y="2796839"/>
-                        <a:ext cx="379413" cy="536575"/>
-                      </a:xfrm>
-                      <a:prstGeom prst="rect">
-                        <a:avLst/>
-                      </a:prstGeom>
-                      <a:noFill/>
-                      <a:extLst>
-                        <a:ext uri="{909E8E84-426E-40DD-AFC4-6F175D3DCCD1}">
-                          <a14:hiddenFill xmlns:a14="http://schemas.microsoft.com/office/drawing/2010/main">
-                            <a:solidFill>
-                              <a:srgbClr val="FFFFFF"/>
-                            </a:solidFill>
-                          </a14:hiddenFill>
-                        </a:ext>
-                      </a:extLst>
-                    </p:spPr>
-                  </p:pic>
-                </p:oleObj>
-              </mc:Fallback>
-            </mc:AlternateContent>
+            <p:oleObj spid="_x0000_s1183" name="数式" r:id="rId4" imgW="152268" imgH="215713" progId="Equation.3">
+              <p:embed/>
+            </p:oleObj>
           </a:graphicData>
         </a:graphic>
       </p:graphicFrame>
@@ -13921,7 +14538,7 @@
           <p:nvPr>
             <p:extLst>
               <p:ext uri="{D42A27DB-BD31-4B8C-83A1-F6EECF244321}">
-                <p14:modId xmlns:p14="http://schemas.microsoft.com/office/powerpoint/2010/main" val="1147638440"/>
+                <p14:modId xmlns:p14="http://schemas.microsoft.com/office/powerpoint/2010/main" xmlns="" val="1147638440"/>
               </p:ext>
             </p:extLst>
           </p:nvPr>
@@ -13932,59 +14549,9 @@
         </p:xfrm>
         <a:graphic>
           <a:graphicData uri="http://schemas.openxmlformats.org/presentationml/2006/ole">
-            <mc:AlternateContent xmlns:mc="http://schemas.openxmlformats.org/markup-compatibility/2006">
-              <mc:Choice xmlns:v="urn:schemas-microsoft-com:vml" Requires="v">
-                <p:oleObj spid="_x0000_s1184" name="数式" r:id="rId7" imgW="736560" imgH="215640" progId="Equation.3">
-                  <p:embed/>
-                </p:oleObj>
-              </mc:Choice>
-              <mc:Fallback>
-                <p:oleObj name="数式" r:id="rId7" imgW="736560" imgH="215640" progId="Equation.3">
-                  <p:embed/>
-                  <p:pic>
-                    <p:nvPicPr>
-                      <p:cNvPr id="0" name="Picture 120"/>
-                      <p:cNvPicPr>
-                        <a:picLocks noChangeAspect="1" noChangeArrowheads="1"/>
-                      </p:cNvPicPr>
-                      <p:nvPr/>
-                    </p:nvPicPr>
-                    <p:blipFill>
-                      <a:blip r:embed="rId8">
-                        <a:extLst>
-                          <a:ext uri="{28A0092B-C50C-407E-A947-70E740481C1C}">
-                            <a14:useLocalDpi xmlns:a14="http://schemas.microsoft.com/office/drawing/2010/main" val="0"/>
-                          </a:ext>
-                        </a:extLst>
-                      </a:blip>
-                      <a:srcRect/>
-                      <a:stretch>
-                        <a:fillRect/>
-                      </a:stretch>
-                    </p:blipFill>
-                    <p:spPr bwMode="auto">
-                      <a:xfrm>
-                        <a:off x="6696075" y="1341120"/>
-                        <a:ext cx="1835150" cy="536575"/>
-                      </a:xfrm>
-                      <a:prstGeom prst="rect">
-                        <a:avLst/>
-                      </a:prstGeom>
-                      <a:noFill/>
-                      <a:extLst>
-                        <a:ext uri="{909E8E84-426E-40DD-AFC4-6F175D3DCCD1}">
-                          <a14:hiddenFill xmlns:a14="http://schemas.microsoft.com/office/drawing/2010/main">
-                            <a:solidFill>
-                              <a:srgbClr val="FFFFFF"/>
-                            </a:solidFill>
-                          </a14:hiddenFill>
-                        </a:ext>
-                      </a:extLst>
-                    </p:spPr>
-                  </p:pic>
-                </p:oleObj>
-              </mc:Fallback>
-            </mc:AlternateContent>
+            <p:oleObj spid="_x0000_s1184" name="数式" r:id="rId5" imgW="736280" imgH="215806" progId="Equation.3">
+              <p:embed/>
+            </p:oleObj>
           </a:graphicData>
         </a:graphic>
       </p:graphicFrame>
@@ -14040,7 +14607,7 @@
           <p:nvPr>
             <p:extLst>
               <p:ext uri="{D42A27DB-BD31-4B8C-83A1-F6EECF244321}">
-                <p14:modId xmlns:p14="http://schemas.microsoft.com/office/powerpoint/2010/main" val="4095846429"/>
+                <p14:modId xmlns:p14="http://schemas.microsoft.com/office/powerpoint/2010/main" xmlns="" val="4095846429"/>
               </p:ext>
             </p:extLst>
           </p:nvPr>
@@ -14051,59 +14618,9 @@
         </p:xfrm>
         <a:graphic>
           <a:graphicData uri="http://schemas.openxmlformats.org/presentationml/2006/ole">
-            <mc:AlternateContent xmlns:mc="http://schemas.openxmlformats.org/markup-compatibility/2006">
-              <mc:Choice xmlns:v="urn:schemas-microsoft-com:vml" Requires="v">
-                <p:oleObj spid="_x0000_s1185" name="数式" r:id="rId9" imgW="1206360" imgH="330120" progId="Equation.3">
-                  <p:embed/>
-                </p:oleObj>
-              </mc:Choice>
-              <mc:Fallback>
-                <p:oleObj name="数式" r:id="rId9" imgW="1206360" imgH="330120" progId="Equation.3">
-                  <p:embed/>
-                  <p:pic>
-                    <p:nvPicPr>
-                      <p:cNvPr id="0" name="Picture 121"/>
-                      <p:cNvPicPr>
-                        <a:picLocks noChangeAspect="1" noChangeArrowheads="1"/>
-                      </p:cNvPicPr>
-                      <p:nvPr/>
-                    </p:nvPicPr>
-                    <p:blipFill>
-                      <a:blip r:embed="rId10">
-                        <a:extLst>
-                          <a:ext uri="{28A0092B-C50C-407E-A947-70E740481C1C}">
-                            <a14:useLocalDpi xmlns:a14="http://schemas.microsoft.com/office/drawing/2010/main" val="0"/>
-                          </a:ext>
-                        </a:extLst>
-                      </a:blip>
-                      <a:srcRect/>
-                      <a:stretch>
-                        <a:fillRect/>
-                      </a:stretch>
-                    </p:blipFill>
-                    <p:spPr bwMode="auto">
-                      <a:xfrm>
-                        <a:off x="6406515" y="4093557"/>
-                        <a:ext cx="3006725" cy="820738"/>
-                      </a:xfrm>
-                      <a:prstGeom prst="rect">
-                        <a:avLst/>
-                      </a:prstGeom>
-                      <a:noFill/>
-                      <a:extLst>
-                        <a:ext uri="{909E8E84-426E-40DD-AFC4-6F175D3DCCD1}">
-                          <a14:hiddenFill xmlns:a14="http://schemas.microsoft.com/office/drawing/2010/main">
-                            <a:solidFill>
-                              <a:srgbClr val="FFFFFF"/>
-                            </a:solidFill>
-                          </a14:hiddenFill>
-                        </a:ext>
-                      </a:extLst>
-                    </p:spPr>
-                  </p:pic>
-                </p:oleObj>
-              </mc:Fallback>
-            </mc:AlternateContent>
+            <p:oleObj spid="_x0000_s1185" name="数式" r:id="rId6" imgW="1206500" imgH="330200" progId="Equation.3">
+              <p:embed/>
+            </p:oleObj>
           </a:graphicData>
         </a:graphic>
       </p:graphicFrame>
@@ -14179,276 +14696,6 @@
         </p:txBody>
       </p:sp>
     </p:spTree>
-  </p:cSld>
-  <p:clrMapOvr>
-    <a:masterClrMapping/>
-  </p:clrMapOvr>
-  <p:timing>
-    <p:tnLst>
-      <p:par>
-        <p:cTn id="1" dur="indefinite" restart="never" nodeType="tmRoot"/>
-      </p:par>
-    </p:tnLst>
-  </p:timing>
-</p:sld>
-</file>
-
-<file path=ppt/slides/slide6.xml><?xml version="1.0" encoding="utf-8"?>
-<p:sld xmlns:a="http://schemas.openxmlformats.org/drawingml/2006/main" xmlns:r="http://schemas.openxmlformats.org/officeDocument/2006/relationships" xmlns:p="http://schemas.openxmlformats.org/presentationml/2006/main">
-  <p:cSld>
-    <p:spTree>
-      <p:nvGrpSpPr>
-        <p:cNvPr id="1" name=""/>
-        <p:cNvGrpSpPr/>
-        <p:nvPr/>
-      </p:nvGrpSpPr>
-      <p:grpSpPr>
-        <a:xfrm>
-          <a:off x="0" y="0"/>
-          <a:ext cx="0" cy="0"/>
-          <a:chOff x="0" y="0"/>
-          <a:chExt cx="0" cy="0"/>
-        </a:xfrm>
-      </p:grpSpPr>
-      <p:sp>
-        <p:nvSpPr>
-          <p:cNvPr id="2" name="スライド番号プレースホルダー 1"/>
-          <p:cNvSpPr>
-            <a:spLocks noGrp="1"/>
-          </p:cNvSpPr>
-          <p:nvPr>
-            <p:ph type="sldNum" sz="quarter" idx="4"/>
-          </p:nvPr>
-        </p:nvSpPr>
-        <p:spPr/>
-        <p:txBody>
-          <a:bodyPr/>
-          <a:lstStyle/>
-          <a:p>
-            <a:fld id="{80B61DEA-751C-4EFC-848A-C896179D47AE}" type="slidenum">
-              <a:rPr kumimoji="1" lang="ja-JP" altLang="en-US" smtClean="0"/>
-              <a:pPr/>
-              <a:t>6</a:t>
-            </a:fld>
-            <a:endParaRPr kumimoji="1" lang="ja-JP" altLang="en-US"/>
-          </a:p>
-        </p:txBody>
-      </p:sp>
-      <p:sp>
-        <p:nvSpPr>
-          <p:cNvPr id="3" name="コンテンツ プレースホルダー 2"/>
-          <p:cNvSpPr>
-            <a:spLocks noGrp="1"/>
-          </p:cNvSpPr>
-          <p:nvPr>
-            <p:ph idx="1"/>
-          </p:nvPr>
-        </p:nvSpPr>
-        <p:spPr/>
-        <p:txBody>
-          <a:bodyPr/>
-          <a:lstStyle/>
-          <a:p>
-            <a:r>
-              <a:rPr lang="ja-JP" altLang="en-US" dirty="0"/>
-              <a:t>「王様」</a:t>
-            </a:r>
-            <a:r>
-              <a:rPr lang="en-US" altLang="ja-JP" dirty="0"/>
-              <a:t>- </a:t>
-            </a:r>
-            <a:r>
-              <a:rPr lang="ja-JP" altLang="en-US" dirty="0"/>
-              <a:t>「男」</a:t>
-            </a:r>
-            <a:r>
-              <a:rPr lang="en-US" altLang="ja-JP" dirty="0"/>
-              <a:t>+ </a:t>
-            </a:r>
-            <a:r>
-              <a:rPr lang="ja-JP" altLang="en-US" dirty="0"/>
-              <a:t>「女」</a:t>
-            </a:r>
-            <a:r>
-              <a:rPr lang="en-US" altLang="ja-JP" dirty="0"/>
-              <a:t>= </a:t>
-            </a:r>
-            <a:r>
-              <a:rPr lang="ja-JP" altLang="en-US" dirty="0"/>
-              <a:t>「女王」</a:t>
-            </a:r>
-          </a:p>
-          <a:p>
-            <a:r>
-              <a:rPr lang="ja-JP" altLang="en-US" dirty="0"/>
-              <a:t>「パリ」</a:t>
-            </a:r>
-            <a:r>
-              <a:rPr lang="en-US" altLang="ja-JP" dirty="0"/>
-              <a:t>- </a:t>
-            </a:r>
-            <a:r>
-              <a:rPr lang="ja-JP" altLang="en-US" dirty="0"/>
-              <a:t>「フランス」</a:t>
-            </a:r>
-            <a:r>
-              <a:rPr lang="en-US" altLang="ja-JP" dirty="0"/>
-              <a:t>+ </a:t>
-            </a:r>
-            <a:r>
-              <a:rPr lang="ja-JP" altLang="en-US" dirty="0"/>
-              <a:t>「日本」</a:t>
-            </a:r>
-            <a:r>
-              <a:rPr lang="en-US" altLang="ja-JP" dirty="0"/>
-              <a:t>= </a:t>
-            </a:r>
-            <a:r>
-              <a:rPr lang="ja-JP" altLang="en-US" dirty="0"/>
-              <a:t>「東京</a:t>
-            </a:r>
-            <a:r>
-              <a:rPr lang="ja-JP" altLang="en-US" dirty="0" smtClean="0"/>
-              <a:t>」</a:t>
-            </a:r>
-            <a:endParaRPr lang="en-US" altLang="ja-JP" dirty="0" smtClean="0"/>
-          </a:p>
-          <a:p>
-            <a:r>
-              <a:rPr kumimoji="1" lang="ja-JP" altLang="en-US" dirty="0" smtClean="0"/>
-              <a:t>ができるようになる</a:t>
-            </a:r>
-            <a:endParaRPr kumimoji="1" lang="en-US" altLang="ja-JP" dirty="0" smtClean="0"/>
-          </a:p>
-          <a:p>
-            <a:endParaRPr lang="en-US" altLang="ja-JP" dirty="0"/>
-          </a:p>
-          <a:p>
-            <a:r>
-              <a:rPr kumimoji="1" lang="ja-JP" altLang="en-US" dirty="0" smtClean="0"/>
-              <a:t>ニューラルネットワークの入力の素性に利用できる</a:t>
-            </a:r>
-            <a:endParaRPr kumimoji="1" lang="ja-JP" altLang="en-US" dirty="0"/>
-          </a:p>
-        </p:txBody>
-      </p:sp>
-      <p:sp>
-        <p:nvSpPr>
-          <p:cNvPr id="4" name="タイトル 3"/>
-          <p:cNvSpPr>
-            <a:spLocks noGrp="1"/>
-          </p:cNvSpPr>
-          <p:nvPr>
-            <p:ph type="title"/>
-          </p:nvPr>
-        </p:nvSpPr>
-        <p:spPr/>
-        <p:txBody>
-          <a:bodyPr/>
-          <a:lstStyle/>
-          <a:p>
-            <a:r>
-              <a:rPr kumimoji="1" lang="ja-JP" altLang="en-US" dirty="0" smtClean="0"/>
-              <a:t>文書のベクトル化</a:t>
-            </a:r>
-            <a:endParaRPr kumimoji="1" lang="ja-JP" altLang="en-US" dirty="0"/>
-          </a:p>
-        </p:txBody>
-      </p:sp>
-    </p:spTree>
-    <p:extLst>
-      <p:ext uri="{BB962C8B-B14F-4D97-AF65-F5344CB8AC3E}">
-        <p14:creationId xmlns:p14="http://schemas.microsoft.com/office/powerpoint/2010/main" val="1900568499"/>
-      </p:ext>
-    </p:extLst>
-  </p:cSld>
-  <p:clrMapOvr>
-    <a:masterClrMapping/>
-  </p:clrMapOvr>
-  <p:timing>
-    <p:tnLst>
-      <p:par>
-        <p:cTn id="1" dur="indefinite" restart="never" nodeType="tmRoot"/>
-      </p:par>
-    </p:tnLst>
-  </p:timing>
-</p:sld>
-</file>
-
-<file path=ppt/slides/slide7.xml><?xml version="1.0" encoding="utf-8"?>
-<p:sld xmlns:a="http://schemas.openxmlformats.org/drawingml/2006/main" xmlns:r="http://schemas.openxmlformats.org/officeDocument/2006/relationships" xmlns:p="http://schemas.openxmlformats.org/presentationml/2006/main">
-  <p:cSld>
-    <p:spTree>
-      <p:nvGrpSpPr>
-        <p:cNvPr id="1" name=""/>
-        <p:cNvGrpSpPr/>
-        <p:nvPr/>
-      </p:nvGrpSpPr>
-      <p:grpSpPr>
-        <a:xfrm>
-          <a:off x="0" y="0"/>
-          <a:ext cx="0" cy="0"/>
-          <a:chOff x="0" y="0"/>
-          <a:chExt cx="0" cy="0"/>
-        </a:xfrm>
-      </p:grpSpPr>
-      <p:sp>
-        <p:nvSpPr>
-          <p:cNvPr id="2" name="スライド番号プレースホルダー 1"/>
-          <p:cNvSpPr>
-            <a:spLocks noGrp="1"/>
-          </p:cNvSpPr>
-          <p:nvPr>
-            <p:ph type="sldNum" sz="quarter" idx="4"/>
-          </p:nvPr>
-        </p:nvSpPr>
-        <p:spPr/>
-        <p:txBody>
-          <a:bodyPr/>
-          <a:lstStyle/>
-          <a:p>
-            <a:fld id="{80B61DEA-751C-4EFC-848A-C896179D47AE}" type="slidenum">
-              <a:rPr kumimoji="1" lang="ja-JP" altLang="en-US" smtClean="0"/>
-              <a:pPr/>
-              <a:t>7</a:t>
-            </a:fld>
-            <a:endParaRPr kumimoji="1" lang="ja-JP" altLang="en-US"/>
-          </a:p>
-        </p:txBody>
-      </p:sp>
-      <p:sp>
-        <p:nvSpPr>
-          <p:cNvPr id="3" name="タイトル 2"/>
-          <p:cNvSpPr>
-            <a:spLocks noGrp="1"/>
-          </p:cNvSpPr>
-          <p:nvPr>
-            <p:ph type="ctrTitle"/>
-          </p:nvPr>
-        </p:nvSpPr>
-        <p:spPr/>
-        <p:txBody>
-          <a:bodyPr/>
-          <a:lstStyle/>
-          <a:p>
-            <a:r>
-              <a:rPr kumimoji="1" lang="en-US" altLang="ja-JP" dirty="0" smtClean="0"/>
-              <a:t>Use Cases, </a:t>
-            </a:r>
-            <a:r>
-              <a:rPr lang="en-US" altLang="ja-JP" dirty="0"/>
-              <a:t>Future Works</a:t>
-            </a:r>
-            <a:endParaRPr kumimoji="1" lang="ja-JP" altLang="en-US" dirty="0"/>
-          </a:p>
-        </p:txBody>
-      </p:sp>
-    </p:spTree>
-    <p:extLst>
-      <p:ext uri="{BB962C8B-B14F-4D97-AF65-F5344CB8AC3E}">
-        <p14:creationId xmlns:p14="http://schemas.microsoft.com/office/powerpoint/2010/main" val="550732552"/>
-      </p:ext>
-    </p:extLst>
   </p:cSld>
   <p:clrMapOvr>
     <a:masterClrMapping/>
@@ -14519,6 +14766,85 @@
           <a:bodyPr/>
           <a:lstStyle/>
           <a:p>
+            <a:r>
+              <a:rPr lang="ja-JP" altLang="en-US" dirty="0"/>
+              <a:t>「王様」</a:t>
+            </a:r>
+            <a:r>
+              <a:rPr lang="en-US" altLang="ja-JP" dirty="0"/>
+              <a:t>- </a:t>
+            </a:r>
+            <a:r>
+              <a:rPr lang="ja-JP" altLang="en-US" dirty="0"/>
+              <a:t>「男」</a:t>
+            </a:r>
+            <a:r>
+              <a:rPr lang="en-US" altLang="ja-JP" dirty="0"/>
+              <a:t>+ </a:t>
+            </a:r>
+            <a:r>
+              <a:rPr lang="ja-JP" altLang="en-US" dirty="0"/>
+              <a:t>「女」</a:t>
+            </a:r>
+            <a:r>
+              <a:rPr lang="en-US" altLang="ja-JP" dirty="0"/>
+              <a:t>= </a:t>
+            </a:r>
+            <a:r>
+              <a:rPr lang="ja-JP" altLang="en-US" dirty="0"/>
+              <a:t>「女王」</a:t>
+            </a:r>
+          </a:p>
+          <a:p>
+            <a:r>
+              <a:rPr lang="ja-JP" altLang="en-US" dirty="0"/>
+              <a:t>「パリ」</a:t>
+            </a:r>
+            <a:r>
+              <a:rPr lang="en-US" altLang="ja-JP" dirty="0"/>
+              <a:t>- </a:t>
+            </a:r>
+            <a:r>
+              <a:rPr lang="ja-JP" altLang="en-US" dirty="0"/>
+              <a:t>「フランス」</a:t>
+            </a:r>
+            <a:r>
+              <a:rPr lang="en-US" altLang="ja-JP" dirty="0"/>
+              <a:t>+ </a:t>
+            </a:r>
+            <a:r>
+              <a:rPr lang="ja-JP" altLang="en-US" dirty="0"/>
+              <a:t>「日本」</a:t>
+            </a:r>
+            <a:r>
+              <a:rPr lang="en-US" altLang="ja-JP" dirty="0"/>
+              <a:t>= </a:t>
+            </a:r>
+            <a:r>
+              <a:rPr lang="ja-JP" altLang="en-US" dirty="0"/>
+              <a:t>「東京</a:t>
+            </a:r>
+            <a:r>
+              <a:rPr lang="ja-JP" altLang="en-US" dirty="0" smtClean="0"/>
+              <a:t>」</a:t>
+            </a:r>
+            <a:endParaRPr lang="en-US" altLang="ja-JP" dirty="0" smtClean="0"/>
+          </a:p>
+          <a:p>
+            <a:r>
+              <a:rPr kumimoji="1" lang="ja-JP" altLang="en-US" dirty="0" smtClean="0"/>
+              <a:t>ができるようになる</a:t>
+            </a:r>
+            <a:endParaRPr kumimoji="1" lang="en-US" altLang="ja-JP" dirty="0" smtClean="0"/>
+          </a:p>
+          <a:p>
+            <a:endParaRPr lang="en-US" altLang="ja-JP" dirty="0"/>
+          </a:p>
+          <a:p>
+            <a:r>
+              <a:rPr kumimoji="1" lang="ja-JP" altLang="en-US" dirty="0" smtClean="0"/>
+              <a:t>ニューラルネットワークの入力の素性に利用できる</a:t>
+            </a:r>
             <a:endParaRPr kumimoji="1" lang="ja-JP" altLang="en-US" dirty="0"/>
           </a:p>
         </p:txBody>
@@ -14540,7 +14866,7 @@
           <a:p>
             <a:r>
               <a:rPr kumimoji="1" lang="ja-JP" altLang="en-US" dirty="0" smtClean="0"/>
-              <a:t>機械学習のチューニング</a:t>
+              <a:t>文書のベクトル化</a:t>
             </a:r>
             <a:endParaRPr kumimoji="1" lang="ja-JP" altLang="en-US" dirty="0"/>
           </a:p>
@@ -14549,7 +14875,7 @@
     </p:spTree>
     <p:extLst>
       <p:ext uri="{BB962C8B-B14F-4D97-AF65-F5344CB8AC3E}">
-        <p14:creationId xmlns:p14="http://schemas.microsoft.com/office/powerpoint/2010/main" val="3117917766"/>
+        <p14:creationId xmlns:p14="http://schemas.microsoft.com/office/powerpoint/2010/main" xmlns="" val="1900568499"/>
       </p:ext>
     </p:extLst>
   </p:cSld>
@@ -14609,12 +14935,12 @@
       </p:sp>
       <p:sp>
         <p:nvSpPr>
-          <p:cNvPr id="3" name="コンテンツ プレースホルダー 2"/>
+          <p:cNvPr id="3" name="タイトル 2"/>
           <p:cNvSpPr>
             <a:spLocks noGrp="1"/>
           </p:cNvSpPr>
           <p:nvPr>
-            <p:ph idx="1"/>
+            <p:ph type="ctrTitle"/>
           </p:nvPr>
         </p:nvSpPr>
         <p:spPr/>
@@ -14623,51 +14949,21 @@
           <a:lstStyle/>
           <a:p>
             <a:r>
-              <a:rPr lang="ja-JP" altLang="en-US" dirty="0"/>
-              <a:t>日本語</a:t>
-            </a:r>
-            <a:r>
-              <a:rPr lang="ja-JP" altLang="en-US" dirty="0" smtClean="0"/>
-              <a:t>論文対応</a:t>
-            </a:r>
-            <a:endParaRPr lang="en-US" altLang="ja-JP" dirty="0" smtClean="0"/>
-          </a:p>
-          <a:p>
-            <a:r>
               <a:rPr kumimoji="1" lang="en-US" altLang="ja-JP" dirty="0" smtClean="0"/>
-              <a:t>IEEE</a:t>
-            </a:r>
-            <a:r>
-              <a:rPr lang="ja-JP" altLang="en-US" dirty="0"/>
-              <a:t>以外</a:t>
-            </a:r>
-            <a:endParaRPr kumimoji="1" lang="en-US" altLang="ja-JP" dirty="0" smtClean="0"/>
-          </a:p>
-        </p:txBody>
-      </p:sp>
-      <p:sp>
-        <p:nvSpPr>
-          <p:cNvPr id="4" name="タイトル 3"/>
-          <p:cNvSpPr>
-            <a:spLocks noGrp="1"/>
-          </p:cNvSpPr>
-          <p:nvPr>
-            <p:ph type="title"/>
-          </p:nvPr>
-        </p:nvSpPr>
-        <p:spPr/>
-        <p:txBody>
-          <a:bodyPr/>
-          <a:lstStyle/>
-          <a:p>
-            <a:endParaRPr kumimoji="1" lang="ja-JP" altLang="en-US"/>
+              <a:t>Use Cases, </a:t>
+            </a:r>
+            <a:r>
+              <a:rPr lang="en-US" altLang="ja-JP" dirty="0"/>
+              <a:t>Future Works</a:t>
+            </a:r>
+            <a:endParaRPr kumimoji="1" lang="ja-JP" altLang="en-US" dirty="0"/>
           </a:p>
         </p:txBody>
       </p:sp>
     </p:spTree>
     <p:extLst>
       <p:ext uri="{BB962C8B-B14F-4D97-AF65-F5344CB8AC3E}">
-        <p14:creationId xmlns:p14="http://schemas.microsoft.com/office/powerpoint/2010/main" val="1766755709"/>
+        <p14:creationId xmlns:p14="http://schemas.microsoft.com/office/powerpoint/2010/main" xmlns="" val="550732552"/>
       </p:ext>
     </p:extLst>
   </p:cSld>
@@ -14896,7 +15192,7 @@
   <a:extraClrSchemeLst/>
   <a:extLst>
     <a:ext uri="{05A4C25C-085E-4340-85A3-A5531E510DB2}">
-      <thm15:themeFamily xmlns:thm15="http://schemas.microsoft.com/office/thememl/2012/main" xmlns="" name="Office Theme" id="{62F939B6-93AF-4DB8-9C6B-D6C7DFDC589F}" vid="{4A3C46E8-61CC-4603-A589-7422A47A8E4A}"/>
+      <thm15:themeFamily xmlns="" xmlns:thm15="http://schemas.microsoft.com/office/thememl/2012/main" name="Office Theme" id="{62F939B6-93AF-4DB8-9C6B-D6C7DFDC589F}" vid="{4A3C46E8-61CC-4603-A589-7422A47A8E4A}"/>
     </a:ext>
   </a:extLst>
 </a:theme>
@@ -15157,7 +15453,7 @@
   <a:extraClrSchemeLst/>
   <a:extLst>
     <a:ext uri="{05A4C25C-085E-4340-85A3-A5531E510DB2}">
-      <thm15:themeFamily xmlns:thm15="http://schemas.microsoft.com/office/thememl/2012/main" xmlns="" name="Office Theme" id="{62F939B6-93AF-4DB8-9C6B-D6C7DFDC589F}" vid="{4A3C46E8-61CC-4603-A589-7422A47A8E4A}"/>
+      <thm15:themeFamily xmlns="" xmlns:thm15="http://schemas.microsoft.com/office/thememl/2012/main" name="Office Theme" id="{62F939B6-93AF-4DB8-9C6B-D6C7DFDC589F}" vid="{4A3C46E8-61CC-4603-A589-7422A47A8E4A}"/>
     </a:ext>
   </a:extLst>
 </a:theme>

--- a/overview.pptx
+++ b/overview.pptx
@@ -5,28 +5,30 @@
     <p:sldMasterId id="2147483648" r:id="rId1"/>
   </p:sldMasterIdLst>
   <p:notesMasterIdLst>
-    <p:notesMasterId r:id="rId21"/>
+    <p:notesMasterId r:id="rId23"/>
   </p:notesMasterIdLst>
   <p:sldIdLst>
     <p:sldId id="277" r:id="rId2"/>
-    <p:sldId id="278" r:id="rId3"/>
-    <p:sldId id="256" r:id="rId4"/>
-    <p:sldId id="262" r:id="rId5"/>
-    <p:sldId id="257" r:id="rId6"/>
-    <p:sldId id="275" r:id="rId7"/>
-    <p:sldId id="261" r:id="rId8"/>
-    <p:sldId id="260" r:id="rId9"/>
-    <p:sldId id="269" r:id="rId10"/>
-    <p:sldId id="273" r:id="rId11"/>
-    <p:sldId id="266" r:id="rId12"/>
-    <p:sldId id="268" r:id="rId13"/>
-    <p:sldId id="272" r:id="rId14"/>
-    <p:sldId id="270" r:id="rId15"/>
-    <p:sldId id="271" r:id="rId16"/>
-    <p:sldId id="264" r:id="rId17"/>
-    <p:sldId id="274" r:id="rId18"/>
-    <p:sldId id="276" r:id="rId19"/>
-    <p:sldId id="259" r:id="rId20"/>
+    <p:sldId id="279" r:id="rId3"/>
+    <p:sldId id="278" r:id="rId4"/>
+    <p:sldId id="280" r:id="rId5"/>
+    <p:sldId id="256" r:id="rId6"/>
+    <p:sldId id="262" r:id="rId7"/>
+    <p:sldId id="257" r:id="rId8"/>
+    <p:sldId id="275" r:id="rId9"/>
+    <p:sldId id="261" r:id="rId10"/>
+    <p:sldId id="260" r:id="rId11"/>
+    <p:sldId id="269" r:id="rId12"/>
+    <p:sldId id="273" r:id="rId13"/>
+    <p:sldId id="266" r:id="rId14"/>
+    <p:sldId id="268" r:id="rId15"/>
+    <p:sldId id="272" r:id="rId16"/>
+    <p:sldId id="270" r:id="rId17"/>
+    <p:sldId id="271" r:id="rId18"/>
+    <p:sldId id="264" r:id="rId19"/>
+    <p:sldId id="274" r:id="rId20"/>
+    <p:sldId id="276" r:id="rId21"/>
+    <p:sldId id="259" r:id="rId22"/>
   </p:sldIdLst>
   <p:sldSz cx="12192000" cy="6858000"/>
   <p:notesSz cx="6858000" cy="9144000"/>
@@ -211,7 +213,7 @@
             <a:fld id="{9841980D-5ED3-487F-B3E9-943BB45F7B97}" type="datetimeFigureOut">
               <a:rPr kumimoji="1" lang="ja-JP" altLang="en-US" smtClean="0"/>
               <a:pPr/>
-              <a:t>2017/4/15</a:t>
+              <a:t>2017/4/16</a:t>
             </a:fld>
             <a:endParaRPr kumimoji="1" lang="ja-JP" altLang="en-US"/>
           </a:p>
@@ -412,7 +414,7 @@
     </p:spTree>
     <p:extLst>
       <p:ext uri="{BB962C8B-B14F-4D97-AF65-F5344CB8AC3E}">
-        <p14:creationId xmlns:p14="http://schemas.microsoft.com/office/powerpoint/2010/main" xmlns="" val="1647040712"/>
+        <p14:creationId xmlns="" xmlns:p14="http://schemas.microsoft.com/office/powerpoint/2010/main" val="1647040712"/>
       </p:ext>
     </p:extLst>
   </p:cSld>
@@ -590,7 +592,7 @@
             <a:fld id="{D5E6ED6B-3F85-40A1-9484-0C501FDC6FE4}" type="slidenum">
               <a:rPr kumimoji="1" lang="ja-JP" altLang="en-US" smtClean="0"/>
               <a:pPr/>
-              <a:t>2</a:t>
+              <a:t>3</a:t>
             </a:fld>
             <a:endParaRPr kumimoji="1" lang="ja-JP" altLang="en-US"/>
           </a:p>
@@ -670,7 +672,7 @@
             <a:fld id="{D5E6ED6B-3F85-40A1-9484-0C501FDC6FE4}" type="slidenum">
               <a:rPr kumimoji="1" lang="ja-JP" altLang="en-US" smtClean="0"/>
               <a:pPr/>
-              <a:t>5</a:t>
+              <a:t>7</a:t>
             </a:fld>
             <a:endParaRPr kumimoji="1" lang="ja-JP" altLang="en-US"/>
           </a:p>
@@ -679,7 +681,7 @@
     </p:spTree>
     <p:extLst>
       <p:ext uri="{BB962C8B-B14F-4D97-AF65-F5344CB8AC3E}">
-        <p14:creationId xmlns:p14="http://schemas.microsoft.com/office/powerpoint/2010/main" xmlns="" val="1657077930"/>
+        <p14:creationId xmlns="" xmlns:p14="http://schemas.microsoft.com/office/powerpoint/2010/main" val="1657077930"/>
       </p:ext>
     </p:extLst>
   </p:cSld>
@@ -787,7 +789,7 @@
             <a:fld id="{D5E6ED6B-3F85-40A1-9484-0C501FDC6FE4}" type="slidenum">
               <a:rPr kumimoji="1" lang="ja-JP" altLang="en-US" smtClean="0"/>
               <a:pPr/>
-              <a:t>6</a:t>
+              <a:t>8</a:t>
             </a:fld>
             <a:endParaRPr kumimoji="1" lang="ja-JP" altLang="en-US"/>
           </a:p>
@@ -796,7 +798,7 @@
     </p:spTree>
     <p:extLst>
       <p:ext uri="{BB962C8B-B14F-4D97-AF65-F5344CB8AC3E}">
-        <p14:creationId xmlns:p14="http://schemas.microsoft.com/office/powerpoint/2010/main" xmlns="" val="1657077930"/>
+        <p14:creationId xmlns="" xmlns:p14="http://schemas.microsoft.com/office/powerpoint/2010/main" val="1657077930"/>
       </p:ext>
     </p:extLst>
   </p:cSld>
@@ -953,7 +955,7 @@
           <a:blip r:embed="rId2" cstate="print">
             <a:extLst>
               <a:ext uri="{28A0092B-C50C-407E-A947-70E740481C1C}">
-                <a14:useLocalDpi xmlns:a14="http://schemas.microsoft.com/office/drawing/2010/main" xmlns="" val="0"/>
+                <a14:useLocalDpi xmlns="" xmlns:a14="http://schemas.microsoft.com/office/drawing/2010/main" val="0"/>
               </a:ext>
             </a:extLst>
           </a:blip>
@@ -1039,7 +1041,7 @@
     </p:spTree>
     <p:extLst>
       <p:ext uri="{BB962C8B-B14F-4D97-AF65-F5344CB8AC3E}">
-        <p14:creationId xmlns:p14="http://schemas.microsoft.com/office/powerpoint/2010/main" xmlns="" val="3004416884"/>
+        <p14:creationId xmlns="" xmlns:p14="http://schemas.microsoft.com/office/powerpoint/2010/main" val="3004416884"/>
       </p:ext>
     </p:extLst>
   </p:cSld>
@@ -1396,7 +1398,7 @@
           <a:blip r:embed="rId2" cstate="print">
             <a:extLst>
               <a:ext uri="{28A0092B-C50C-407E-A947-70E740481C1C}">
-                <a14:useLocalDpi xmlns:a14="http://schemas.microsoft.com/office/drawing/2010/main" xmlns="" val="0"/>
+                <a14:useLocalDpi xmlns="" xmlns:a14="http://schemas.microsoft.com/office/drawing/2010/main" val="0"/>
               </a:ext>
             </a:extLst>
           </a:blip>
@@ -1417,7 +1419,7 @@
     </p:spTree>
     <p:extLst>
       <p:ext uri="{BB962C8B-B14F-4D97-AF65-F5344CB8AC3E}">
-        <p14:creationId xmlns:p14="http://schemas.microsoft.com/office/powerpoint/2010/main" xmlns="" val="4214205409"/>
+        <p14:creationId xmlns="" xmlns:p14="http://schemas.microsoft.com/office/powerpoint/2010/main" val="4214205409"/>
       </p:ext>
     </p:extLst>
   </p:cSld>
@@ -1537,7 +1539,7 @@
           <a:blip r:embed="rId2" cstate="print">
             <a:extLst>
               <a:ext uri="{28A0092B-C50C-407E-A947-70E740481C1C}">
-                <a14:useLocalDpi xmlns:a14="http://schemas.microsoft.com/office/drawing/2010/main" xmlns="" val="0"/>
+                <a14:useLocalDpi xmlns="" xmlns:a14="http://schemas.microsoft.com/office/drawing/2010/main" val="0"/>
               </a:ext>
             </a:extLst>
           </a:blip>
@@ -1637,7 +1639,7 @@
     </p:spTree>
     <p:extLst>
       <p:ext uri="{BB962C8B-B14F-4D97-AF65-F5344CB8AC3E}">
-        <p14:creationId xmlns:p14="http://schemas.microsoft.com/office/powerpoint/2010/main" xmlns="" val="3620504976"/>
+        <p14:creationId xmlns="" xmlns:p14="http://schemas.microsoft.com/office/powerpoint/2010/main" val="3620504976"/>
       </p:ext>
     </p:extLst>
   </p:cSld>
@@ -1864,7 +1866,7 @@
     </p:spTree>
     <p:extLst>
       <p:ext uri="{BB962C8B-B14F-4D97-AF65-F5344CB8AC3E}">
-        <p14:creationId xmlns:p14="http://schemas.microsoft.com/office/powerpoint/2010/main" xmlns="" val="646152418"/>
+        <p14:creationId xmlns="" xmlns:p14="http://schemas.microsoft.com/office/powerpoint/2010/main" val="646152418"/>
       </p:ext>
     </p:extLst>
   </p:cSld>
@@ -1927,7 +1929,7 @@
             <a:fld id="{78817559-BB6D-4C96-94D1-43E03D71EB93}" type="datetime1">
               <a:rPr kumimoji="1" lang="ja-JP" altLang="en-US" smtClean="0"/>
               <a:pPr/>
-              <a:t>2017/4/15</a:t>
+              <a:t>2017/4/16</a:t>
             </a:fld>
             <a:endParaRPr kumimoji="1" lang="ja-JP" altLang="en-US" dirty="0"/>
           </a:p>
@@ -2278,7 +2280,7 @@
           <a:blip r:embed="rId2" cstate="print">
             <a:extLst>
               <a:ext uri="{28A0092B-C50C-407E-A947-70E740481C1C}">
-                <a14:useLocalDpi xmlns:a14="http://schemas.microsoft.com/office/drawing/2010/main" xmlns="" val="0"/>
+                <a14:useLocalDpi xmlns="" xmlns:a14="http://schemas.microsoft.com/office/drawing/2010/main" val="0"/>
               </a:ext>
             </a:extLst>
           </a:blip>
@@ -2435,7 +2437,7 @@
     </p:spTree>
     <p:extLst>
       <p:ext uri="{BB962C8B-B14F-4D97-AF65-F5344CB8AC3E}">
-        <p14:creationId xmlns:p14="http://schemas.microsoft.com/office/powerpoint/2010/main" xmlns="" val="1584837141"/>
+        <p14:creationId xmlns="" xmlns:p14="http://schemas.microsoft.com/office/powerpoint/2010/main" val="1584837141"/>
       </p:ext>
     </p:extLst>
   </p:cSld>
@@ -2808,7 +2810,7 @@
           <a:blip r:embed="rId2" cstate="print">
             <a:extLst>
               <a:ext uri="{28A0092B-C50C-407E-A947-70E740481C1C}">
-                <a14:useLocalDpi xmlns:a14="http://schemas.microsoft.com/office/drawing/2010/main" xmlns="" val="0"/>
+                <a14:useLocalDpi xmlns="" xmlns:a14="http://schemas.microsoft.com/office/drawing/2010/main" val="0"/>
               </a:ext>
             </a:extLst>
           </a:blip>
@@ -3285,7 +3287,7 @@
     </p:spTree>
     <p:extLst>
       <p:ext uri="{BB962C8B-B14F-4D97-AF65-F5344CB8AC3E}">
-        <p14:creationId xmlns:p14="http://schemas.microsoft.com/office/powerpoint/2010/main" xmlns="" val="1163927299"/>
+        <p14:creationId xmlns="" xmlns:p14="http://schemas.microsoft.com/office/powerpoint/2010/main" val="1163927299"/>
       </p:ext>
     </p:extLst>
   </p:cSld>
@@ -3361,7 +3363,7 @@
           <a:blip r:embed="rId2" cstate="print">
             <a:extLst>
               <a:ext uri="{28A0092B-C50C-407E-A947-70E740481C1C}">
-                <a14:useLocalDpi xmlns:a14="http://schemas.microsoft.com/office/drawing/2010/main" xmlns="" val="0"/>
+                <a14:useLocalDpi xmlns="" xmlns:a14="http://schemas.microsoft.com/office/drawing/2010/main" val="0"/>
               </a:ext>
             </a:extLst>
           </a:blip>
@@ -3424,7 +3426,7 @@
     </p:spTree>
     <p:extLst>
       <p:ext uri="{BB962C8B-B14F-4D97-AF65-F5344CB8AC3E}">
-        <p14:creationId xmlns:p14="http://schemas.microsoft.com/office/powerpoint/2010/main" xmlns="" val="853120211"/>
+        <p14:creationId xmlns="" xmlns:p14="http://schemas.microsoft.com/office/powerpoint/2010/main" val="853120211"/>
       </p:ext>
     </p:extLst>
   </p:cSld>
@@ -3503,7 +3505,7 @@
     </p:spTree>
     <p:extLst>
       <p:ext uri="{BB962C8B-B14F-4D97-AF65-F5344CB8AC3E}">
-        <p14:creationId xmlns:p14="http://schemas.microsoft.com/office/powerpoint/2010/main" xmlns="" val="3099946962"/>
+        <p14:creationId xmlns="" xmlns:p14="http://schemas.microsoft.com/office/powerpoint/2010/main" val="3099946962"/>
       </p:ext>
     </p:extLst>
   </p:cSld>
@@ -3549,7 +3551,7 @@
           <a:blip r:embed="rId2" cstate="print">
             <a:extLst>
               <a:ext uri="{28A0092B-C50C-407E-A947-70E740481C1C}">
-                <a14:useLocalDpi xmlns:a14="http://schemas.microsoft.com/office/drawing/2010/main" xmlns="" val="0"/>
+                <a14:useLocalDpi xmlns="" xmlns:a14="http://schemas.microsoft.com/office/drawing/2010/main" val="0"/>
               </a:ext>
             </a:extLst>
           </a:blip>
@@ -3612,7 +3614,7 @@
     </p:spTree>
     <p:extLst>
       <p:ext uri="{BB962C8B-B14F-4D97-AF65-F5344CB8AC3E}">
-        <p14:creationId xmlns:p14="http://schemas.microsoft.com/office/powerpoint/2010/main" xmlns="" val="2408143909"/>
+        <p14:creationId xmlns="" xmlns:p14="http://schemas.microsoft.com/office/powerpoint/2010/main" val="2408143909"/>
       </p:ext>
     </p:extLst>
   </p:cSld>
@@ -3957,7 +3959,7 @@
     </p:spTree>
     <p:extLst>
       <p:ext uri="{BB962C8B-B14F-4D97-AF65-F5344CB8AC3E}">
-        <p14:creationId xmlns:p14="http://schemas.microsoft.com/office/powerpoint/2010/main" xmlns="" val="3722099324"/>
+        <p14:creationId xmlns="" xmlns:p14="http://schemas.microsoft.com/office/powerpoint/2010/main" val="3722099324"/>
       </p:ext>
     </p:extLst>
   </p:cSld>
@@ -4291,11 +4293,7 @@
           <a:p>
             <a:r>
               <a:rPr lang="ja-JP" altLang="en-US" dirty="0" smtClean="0"/>
-              <a:t>自己</a:t>
-            </a:r>
-            <a:r>
-              <a:rPr lang="ja-JP" altLang="en-US" dirty="0" smtClean="0"/>
-              <a:t>紹介</a:t>
+              <a:t>自己紹介</a:t>
             </a:r>
             <a:endParaRPr kumimoji="1" lang="ja-JP" altLang="en-US" dirty="0"/>
           </a:p>
@@ -4464,7 +4462,7 @@
     </p:spTree>
     <p:extLst>
       <p:ext uri="{BB962C8B-B14F-4D97-AF65-F5344CB8AC3E}">
-        <p14:creationId xmlns:p14="http://schemas.microsoft.com/office/powerpoint/2010/main" xmlns="" val="291693654"/>
+        <p14:creationId xmlns="" xmlns:p14="http://schemas.microsoft.com/office/powerpoint/2010/main" val="291693654"/>
       </p:ext>
     </p:extLst>
   </p:cSld>
@@ -4537,6 +4535,85 @@
           <a:bodyPr/>
           <a:lstStyle/>
           <a:p>
+            <a:r>
+              <a:rPr lang="ja-JP" altLang="en-US" dirty="0"/>
+              <a:t>「王様」</a:t>
+            </a:r>
+            <a:r>
+              <a:rPr lang="en-US" altLang="ja-JP" dirty="0"/>
+              <a:t>- </a:t>
+            </a:r>
+            <a:r>
+              <a:rPr lang="ja-JP" altLang="en-US" dirty="0"/>
+              <a:t>「男」</a:t>
+            </a:r>
+            <a:r>
+              <a:rPr lang="en-US" altLang="ja-JP" dirty="0"/>
+              <a:t>+ </a:t>
+            </a:r>
+            <a:r>
+              <a:rPr lang="ja-JP" altLang="en-US" dirty="0"/>
+              <a:t>「女」</a:t>
+            </a:r>
+            <a:r>
+              <a:rPr lang="en-US" altLang="ja-JP" dirty="0"/>
+              <a:t>= </a:t>
+            </a:r>
+            <a:r>
+              <a:rPr lang="ja-JP" altLang="en-US" dirty="0"/>
+              <a:t>「女王」</a:t>
+            </a:r>
+          </a:p>
+          <a:p>
+            <a:r>
+              <a:rPr lang="ja-JP" altLang="en-US" dirty="0"/>
+              <a:t>「パリ」</a:t>
+            </a:r>
+            <a:r>
+              <a:rPr lang="en-US" altLang="ja-JP" dirty="0"/>
+              <a:t>- </a:t>
+            </a:r>
+            <a:r>
+              <a:rPr lang="ja-JP" altLang="en-US" dirty="0"/>
+              <a:t>「フランス」</a:t>
+            </a:r>
+            <a:r>
+              <a:rPr lang="en-US" altLang="ja-JP" dirty="0"/>
+              <a:t>+ </a:t>
+            </a:r>
+            <a:r>
+              <a:rPr lang="ja-JP" altLang="en-US" dirty="0"/>
+              <a:t>「日本」</a:t>
+            </a:r>
+            <a:r>
+              <a:rPr lang="en-US" altLang="ja-JP" dirty="0"/>
+              <a:t>= </a:t>
+            </a:r>
+            <a:r>
+              <a:rPr lang="ja-JP" altLang="en-US" dirty="0"/>
+              <a:t>「東京</a:t>
+            </a:r>
+            <a:r>
+              <a:rPr lang="ja-JP" altLang="en-US" dirty="0" smtClean="0"/>
+              <a:t>」</a:t>
+            </a:r>
+            <a:endParaRPr lang="en-US" altLang="ja-JP" dirty="0" smtClean="0"/>
+          </a:p>
+          <a:p>
+            <a:r>
+              <a:rPr kumimoji="1" lang="ja-JP" altLang="en-US" dirty="0" smtClean="0"/>
+              <a:t>ができるようになる</a:t>
+            </a:r>
+            <a:endParaRPr kumimoji="1" lang="en-US" altLang="ja-JP" dirty="0" smtClean="0"/>
+          </a:p>
+          <a:p>
+            <a:endParaRPr lang="en-US" altLang="ja-JP" dirty="0"/>
+          </a:p>
+          <a:p>
+            <a:r>
+              <a:rPr kumimoji="1" lang="ja-JP" altLang="en-US" dirty="0" smtClean="0"/>
+              <a:t>ニューラルネットワークの入力の素性に利用できる</a:t>
+            </a:r>
             <a:endParaRPr kumimoji="1" lang="ja-JP" altLang="en-US" dirty="0"/>
           </a:p>
         </p:txBody>
@@ -4558,7 +4635,7 @@
           <a:p>
             <a:r>
               <a:rPr kumimoji="1" lang="ja-JP" altLang="en-US" dirty="0" smtClean="0"/>
-              <a:t>機械学習のチューニング</a:t>
+              <a:t>文書のベクトル化</a:t>
             </a:r>
             <a:endParaRPr kumimoji="1" lang="ja-JP" altLang="en-US" dirty="0"/>
           </a:p>
@@ -4567,7 +4644,7 @@
     </p:spTree>
     <p:extLst>
       <p:ext uri="{BB962C8B-B14F-4D97-AF65-F5344CB8AC3E}">
-        <p14:creationId xmlns:p14="http://schemas.microsoft.com/office/powerpoint/2010/main" xmlns="" val="3117917766"/>
+        <p14:creationId xmlns="" xmlns:p14="http://schemas.microsoft.com/office/powerpoint/2010/main" val="1900568499"/>
       </p:ext>
     </p:extLst>
   </p:cSld>
@@ -4627,12 +4704,12 @@
       </p:sp>
       <p:sp>
         <p:nvSpPr>
-          <p:cNvPr id="3" name="コンテンツ プレースホルダー 2"/>
+          <p:cNvPr id="3" name="タイトル 2"/>
           <p:cNvSpPr>
             <a:spLocks noGrp="1"/>
           </p:cNvSpPr>
           <p:nvPr>
-            <p:ph idx="1"/>
+            <p:ph type="ctrTitle"/>
           </p:nvPr>
         </p:nvSpPr>
         <p:spPr/>
@@ -4641,51 +4718,21 @@
           <a:lstStyle/>
           <a:p>
             <a:r>
-              <a:rPr lang="ja-JP" altLang="en-US" dirty="0"/>
-              <a:t>日本語</a:t>
-            </a:r>
-            <a:r>
-              <a:rPr lang="ja-JP" altLang="en-US" dirty="0" smtClean="0"/>
-              <a:t>論文対応</a:t>
-            </a:r>
-            <a:endParaRPr lang="en-US" altLang="ja-JP" dirty="0" smtClean="0"/>
-          </a:p>
-          <a:p>
-            <a:r>
               <a:rPr kumimoji="1" lang="en-US" altLang="ja-JP" dirty="0" smtClean="0"/>
-              <a:t>IEEE</a:t>
-            </a:r>
-            <a:r>
-              <a:rPr lang="ja-JP" altLang="en-US" dirty="0"/>
-              <a:t>以外</a:t>
-            </a:r>
-            <a:endParaRPr kumimoji="1" lang="en-US" altLang="ja-JP" dirty="0" smtClean="0"/>
-          </a:p>
-        </p:txBody>
-      </p:sp>
-      <p:sp>
-        <p:nvSpPr>
-          <p:cNvPr id="4" name="タイトル 3"/>
-          <p:cNvSpPr>
-            <a:spLocks noGrp="1"/>
-          </p:cNvSpPr>
-          <p:nvPr>
-            <p:ph type="title"/>
-          </p:nvPr>
-        </p:nvSpPr>
-        <p:spPr/>
-        <p:txBody>
-          <a:bodyPr/>
-          <a:lstStyle/>
-          <a:p>
-            <a:endParaRPr kumimoji="1" lang="ja-JP" altLang="en-US"/>
+              <a:t>Use Cases, </a:t>
+            </a:r>
+            <a:r>
+              <a:rPr lang="en-US" altLang="ja-JP" dirty="0"/>
+              <a:t>Future Works</a:t>
+            </a:r>
+            <a:endParaRPr kumimoji="1" lang="ja-JP" altLang="en-US" dirty="0"/>
           </a:p>
         </p:txBody>
       </p:sp>
     </p:spTree>
     <p:extLst>
       <p:ext uri="{BB962C8B-B14F-4D97-AF65-F5344CB8AC3E}">
-        <p14:creationId xmlns:p14="http://schemas.microsoft.com/office/powerpoint/2010/main" xmlns="" val="1766755709"/>
+        <p14:creationId xmlns="" xmlns:p14="http://schemas.microsoft.com/office/powerpoint/2010/main" val="550732552"/>
       </p:ext>
     </p:extLst>
   </p:cSld>
@@ -4774,26 +4821,12 @@
         </p:nvSpPr>
         <p:spPr/>
         <p:txBody>
-          <a:bodyPr>
-            <a:normAutofit/>
-          </a:bodyPr>
+          <a:bodyPr/>
           <a:lstStyle/>
           <a:p>
             <a:r>
-              <a:rPr lang="ja-JP" altLang="en-US" dirty="0"/>
-              <a:t>論文</a:t>
-            </a:r>
-            <a:r>
-              <a:rPr lang="ja-JP" altLang="en-US" dirty="0" err="1"/>
-              <a:t>探すのめん</a:t>
-            </a:r>
-            <a:r>
-              <a:rPr lang="ja-JP" altLang="en-US" dirty="0"/>
-              <a:t>どく</a:t>
-            </a:r>
-            <a:r>
-              <a:rPr lang="ja-JP" altLang="en-US" dirty="0" smtClean="0"/>
-              <a:t>さい、論文読むのめんどくさい</a:t>
+              <a:rPr kumimoji="1" lang="ja-JP" altLang="en-US" dirty="0" smtClean="0"/>
+              <a:t>機械学習のチューニング</a:t>
             </a:r>
             <a:endParaRPr kumimoji="1" lang="ja-JP" altLang="en-US" dirty="0"/>
           </a:p>
@@ -4802,7 +4835,7 @@
     </p:spTree>
     <p:extLst>
       <p:ext uri="{BB962C8B-B14F-4D97-AF65-F5344CB8AC3E}">
-        <p14:creationId xmlns:p14="http://schemas.microsoft.com/office/powerpoint/2010/main" xmlns="" val="3505154345"/>
+        <p14:creationId xmlns="" xmlns:p14="http://schemas.microsoft.com/office/powerpoint/2010/main" val="3117917766"/>
       </p:ext>
     </p:extLst>
   </p:cSld>
@@ -4875,7 +4908,26 @@
           <a:bodyPr/>
           <a:lstStyle/>
           <a:p>
-            <a:endParaRPr kumimoji="1" lang="ja-JP" altLang="en-US"/>
+            <a:r>
+              <a:rPr lang="ja-JP" altLang="en-US" dirty="0"/>
+              <a:t>日本語</a:t>
+            </a:r>
+            <a:r>
+              <a:rPr lang="ja-JP" altLang="en-US" dirty="0" smtClean="0"/>
+              <a:t>論文対応</a:t>
+            </a:r>
+            <a:endParaRPr lang="en-US" altLang="ja-JP" dirty="0" smtClean="0"/>
+          </a:p>
+          <a:p>
+            <a:r>
+              <a:rPr kumimoji="1" lang="en-US" altLang="ja-JP" dirty="0" smtClean="0"/>
+              <a:t>IEEE</a:t>
+            </a:r>
+            <a:r>
+              <a:rPr lang="ja-JP" altLang="en-US" dirty="0"/>
+              <a:t>以外</a:t>
+            </a:r>
+            <a:endParaRPr kumimoji="1" lang="en-US" altLang="ja-JP" dirty="0" smtClean="0"/>
           </a:p>
         </p:txBody>
       </p:sp>
@@ -4894,18 +4946,14 @@
           <a:bodyPr/>
           <a:lstStyle/>
           <a:p>
-            <a:r>
-              <a:rPr kumimoji="1" lang="ja-JP" altLang="en-US" dirty="0" smtClean="0"/>
-              <a:t>査読サポート</a:t>
-            </a:r>
-            <a:endParaRPr kumimoji="1" lang="ja-JP" altLang="en-US" dirty="0"/>
+            <a:endParaRPr kumimoji="1" lang="ja-JP" altLang="en-US"/>
           </a:p>
         </p:txBody>
       </p:sp>
     </p:spTree>
     <p:extLst>
       <p:ext uri="{BB962C8B-B14F-4D97-AF65-F5344CB8AC3E}">
-        <p14:creationId xmlns:p14="http://schemas.microsoft.com/office/powerpoint/2010/main" xmlns="" val="1476161769"/>
+        <p14:creationId xmlns="" xmlns:p14="http://schemas.microsoft.com/office/powerpoint/2010/main" val="1766755709"/>
       </p:ext>
     </p:extLst>
   </p:cSld>
@@ -4978,10 +5026,6 @@
           <a:bodyPr/>
           <a:lstStyle/>
           <a:p>
-            <a:r>
-              <a:rPr lang="ja-JP" altLang="en-US" dirty="0"/>
-              <a:t>内容の似た仲良しの研究会があるかどうか</a:t>
-            </a:r>
             <a:endParaRPr kumimoji="1" lang="ja-JP" altLang="en-US" dirty="0"/>
           </a:p>
         </p:txBody>
@@ -4998,12 +5042,26 @@
         </p:nvSpPr>
         <p:spPr/>
         <p:txBody>
-          <a:bodyPr/>
+          <a:bodyPr>
+            <a:normAutofit/>
+          </a:bodyPr>
           <a:lstStyle/>
           <a:p>
             <a:r>
-              <a:rPr kumimoji="1" lang="ja-JP" altLang="en-US" dirty="0" smtClean="0"/>
-              <a:t>研究会ごとの特性</a:t>
+              <a:rPr lang="ja-JP" altLang="en-US" dirty="0"/>
+              <a:t>論文</a:t>
+            </a:r>
+            <a:r>
+              <a:rPr lang="ja-JP" altLang="en-US" dirty="0" err="1"/>
+              <a:t>探すのめん</a:t>
+            </a:r>
+            <a:r>
+              <a:rPr lang="ja-JP" altLang="en-US" dirty="0"/>
+              <a:t>どく</a:t>
+            </a:r>
+            <a:r>
+              <a:rPr lang="ja-JP" altLang="en-US" dirty="0" smtClean="0"/>
+              <a:t>さい、論文読むのめんどくさい</a:t>
             </a:r>
             <a:endParaRPr kumimoji="1" lang="ja-JP" altLang="en-US" dirty="0"/>
           </a:p>
@@ -5012,7 +5070,7 @@
     </p:spTree>
     <p:extLst>
       <p:ext uri="{BB962C8B-B14F-4D97-AF65-F5344CB8AC3E}">
-        <p14:creationId xmlns:p14="http://schemas.microsoft.com/office/powerpoint/2010/main" xmlns="" val="1432098372"/>
+        <p14:creationId xmlns="" xmlns:p14="http://schemas.microsoft.com/office/powerpoint/2010/main" val="3505154345"/>
       </p:ext>
     </p:extLst>
   </p:cSld>
@@ -5106,7 +5164,7 @@
           <a:p>
             <a:r>
               <a:rPr kumimoji="1" lang="ja-JP" altLang="en-US" dirty="0" smtClean="0"/>
-              <a:t>著者ごとの派閥</a:t>
+              <a:t>査読サポート</a:t>
             </a:r>
             <a:endParaRPr kumimoji="1" lang="ja-JP" altLang="en-US" dirty="0"/>
           </a:p>
@@ -5115,7 +5173,7 @@
     </p:spTree>
     <p:extLst>
       <p:ext uri="{BB962C8B-B14F-4D97-AF65-F5344CB8AC3E}">
-        <p14:creationId xmlns:p14="http://schemas.microsoft.com/office/powerpoint/2010/main" xmlns="" val="2129745687"/>
+        <p14:creationId xmlns="" xmlns:p14="http://schemas.microsoft.com/office/powerpoint/2010/main" val="1476161769"/>
       </p:ext>
     </p:extLst>
   </p:cSld>
@@ -5189,35 +5247,8 @@
           <a:lstStyle/>
           <a:p>
             <a:r>
-              <a:rPr kumimoji="1" lang="en-US" altLang="ja-JP" dirty="0" smtClean="0"/>
-              <a:t>node</a:t>
-            </a:r>
-            <a:r>
-              <a:rPr kumimoji="1" lang="ja-JP" altLang="en-US" dirty="0" smtClean="0"/>
-              <a:t>背景に画像</a:t>
-            </a:r>
-            <a:endParaRPr kumimoji="1" lang="en-US" altLang="ja-JP" dirty="0" smtClean="0"/>
-          </a:p>
-          <a:p>
-            <a:pPr lvl="1"/>
-            <a:r>
-              <a:rPr lang="en-US" altLang="ja-JP" dirty="0" smtClean="0"/>
-              <a:t>belonging</a:t>
-            </a:r>
-            <a:endParaRPr kumimoji="1" lang="en-US" altLang="ja-JP" dirty="0" smtClean="0"/>
-          </a:p>
-          <a:p>
-            <a:pPr lvl="1"/>
-            <a:r>
-              <a:rPr lang="en-US" altLang="ja-JP" dirty="0" smtClean="0"/>
-              <a:t>conference</a:t>
-            </a:r>
-          </a:p>
-          <a:p>
-            <a:pPr lvl="1"/>
-            <a:r>
-              <a:rPr kumimoji="1" lang="en-US" altLang="ja-JP" dirty="0" smtClean="0"/>
-              <a:t>author</a:t>
+              <a:rPr lang="ja-JP" altLang="en-US" dirty="0"/>
+              <a:t>内容の似た仲良しの研究会があるかどうか</a:t>
             </a:r>
             <a:endParaRPr kumimoji="1" lang="ja-JP" altLang="en-US" dirty="0"/>
           </a:p>
@@ -5238,14 +5269,18 @@
           <a:bodyPr/>
           <a:lstStyle/>
           <a:p>
-            <a:endParaRPr kumimoji="1" lang="ja-JP" altLang="en-US"/>
+            <a:r>
+              <a:rPr kumimoji="1" lang="ja-JP" altLang="en-US" dirty="0" smtClean="0"/>
+              <a:t>研究会ごとの特性</a:t>
+            </a:r>
+            <a:endParaRPr kumimoji="1" lang="ja-JP" altLang="en-US" dirty="0"/>
           </a:p>
         </p:txBody>
       </p:sp>
     </p:spTree>
     <p:extLst>
       <p:ext uri="{BB962C8B-B14F-4D97-AF65-F5344CB8AC3E}">
-        <p14:creationId xmlns:p14="http://schemas.microsoft.com/office/powerpoint/2010/main" xmlns="" val="1975414422"/>
+        <p14:creationId xmlns="" xmlns:p14="http://schemas.microsoft.com/office/powerpoint/2010/main" val="1432098372"/>
       </p:ext>
     </p:extLst>
   </p:cSld>
@@ -5281,7 +5316,7 @@
       </p:grpSpPr>
       <p:sp>
         <p:nvSpPr>
-          <p:cNvPr id="2" name="スライド番号プレースホルダ 1"/>
+          <p:cNvPr id="2" name="スライド番号プレースホルダー 1"/>
           <p:cNvSpPr>
             <a:spLocks noGrp="1"/>
           </p:cNvSpPr>
@@ -5305,7 +5340,7 @@
       </p:sp>
       <p:sp>
         <p:nvSpPr>
-          <p:cNvPr id="3" name="コンテンツ プレースホルダ 2"/>
+          <p:cNvPr id="3" name="コンテンツ プレースホルダー 2"/>
           <p:cNvSpPr>
             <a:spLocks noGrp="1"/>
           </p:cNvSpPr>
@@ -5318,7 +5353,7 @@
           <a:bodyPr/>
           <a:lstStyle/>
           <a:p>
-            <a:endParaRPr kumimoji="1" lang="ja-JP" altLang="en-US" dirty="0"/>
+            <a:endParaRPr kumimoji="1" lang="ja-JP" altLang="en-US"/>
           </a:p>
         </p:txBody>
       </p:sp>
@@ -5339,21 +5374,18 @@
           <a:p>
             <a:r>
               <a:rPr kumimoji="1" lang="ja-JP" altLang="en-US" dirty="0" smtClean="0"/>
-              <a:t>論文</a:t>
-            </a:r>
-            <a:r>
-              <a:rPr lang="en-US" altLang="ja-JP" dirty="0" smtClean="0"/>
-              <a:t> – </a:t>
-            </a:r>
-            <a:r>
-              <a:rPr lang="ja-JP" altLang="en-US" smtClean="0"/>
-              <a:t>ニュースの関係</a:t>
-            </a:r>
-            <a:endParaRPr kumimoji="1" lang="ja-JP" altLang="en-US"/>
+              <a:t>著者ごとの派閥</a:t>
+            </a:r>
+            <a:endParaRPr kumimoji="1" lang="ja-JP" altLang="en-US" dirty="0"/>
           </a:p>
         </p:txBody>
       </p:sp>
     </p:spTree>
+    <p:extLst>
+      <p:ext uri="{BB962C8B-B14F-4D97-AF65-F5344CB8AC3E}">
+        <p14:creationId xmlns="" xmlns:p14="http://schemas.microsoft.com/office/powerpoint/2010/main" val="2129745687"/>
+      </p:ext>
+    </p:extLst>
   </p:cSld>
   <p:clrMapOvr>
     <a:masterClrMapping/>
@@ -5426,17 +5458,35 @@
           <a:p>
             <a:r>
               <a:rPr kumimoji="1" lang="en-US" altLang="ja-JP" dirty="0" smtClean="0"/>
-              <a:t>Can data</a:t>
-            </a:r>
-          </a:p>
-          <a:p>
+              <a:t>node</a:t>
+            </a:r>
             <a:r>
               <a:rPr kumimoji="1" lang="ja-JP" altLang="en-US" dirty="0" smtClean="0"/>
-              <a:t>車種</a:t>
+              <a:t>背景に画像</a:t>
             </a:r>
             <a:endParaRPr kumimoji="1" lang="en-US" altLang="ja-JP" dirty="0" smtClean="0"/>
           </a:p>
           <a:p>
+            <a:pPr lvl="1"/>
+            <a:r>
+              <a:rPr lang="en-US" altLang="ja-JP" dirty="0" smtClean="0"/>
+              <a:t>belonging</a:t>
+            </a:r>
+            <a:endParaRPr kumimoji="1" lang="en-US" altLang="ja-JP" dirty="0" smtClean="0"/>
+          </a:p>
+          <a:p>
+            <a:pPr lvl="1"/>
+            <a:r>
+              <a:rPr lang="en-US" altLang="ja-JP" dirty="0" smtClean="0"/>
+              <a:t>conference</a:t>
+            </a:r>
+          </a:p>
+          <a:p>
+            <a:pPr lvl="1"/>
+            <a:r>
+              <a:rPr kumimoji="1" lang="en-US" altLang="ja-JP" dirty="0" smtClean="0"/>
+              <a:t>author</a:t>
+            </a:r>
             <a:endParaRPr kumimoji="1" lang="ja-JP" altLang="en-US" dirty="0"/>
           </a:p>
         </p:txBody>
@@ -5456,18 +5506,14 @@
           <a:bodyPr/>
           <a:lstStyle/>
           <a:p>
-            <a:r>
-              <a:rPr kumimoji="1" lang="ja-JP" altLang="en-US" dirty="0" smtClean="0"/>
-              <a:t>車のデータ</a:t>
-            </a:r>
-            <a:endParaRPr kumimoji="1" lang="ja-JP" altLang="en-US" dirty="0"/>
+            <a:endParaRPr kumimoji="1" lang="ja-JP" altLang="en-US"/>
           </a:p>
         </p:txBody>
       </p:sp>
     </p:spTree>
     <p:extLst>
       <p:ext uri="{BB962C8B-B14F-4D97-AF65-F5344CB8AC3E}">
-        <p14:creationId xmlns:p14="http://schemas.microsoft.com/office/powerpoint/2010/main" xmlns="" val="1809590951"/>
+        <p14:creationId xmlns="" xmlns:p14="http://schemas.microsoft.com/office/powerpoint/2010/main" val="1975414422"/>
       </p:ext>
     </p:extLst>
   </p:cSld>
@@ -5503,7 +5549,7 @@
       </p:grpSpPr>
       <p:sp>
         <p:nvSpPr>
-          <p:cNvPr id="2" name="スライド番号プレースホルダー 1"/>
+          <p:cNvPr id="2" name="スライド番号プレースホルダ 1"/>
           <p:cNvSpPr>
             <a:spLocks noGrp="1"/>
           </p:cNvSpPr>
@@ -5525,12 +5571,57 @@
           </a:p>
         </p:txBody>
       </p:sp>
+      <p:sp>
+        <p:nvSpPr>
+          <p:cNvPr id="3" name="コンテンツ プレースホルダ 2"/>
+          <p:cNvSpPr>
+            <a:spLocks noGrp="1"/>
+          </p:cNvSpPr>
+          <p:nvPr>
+            <p:ph idx="1"/>
+          </p:nvPr>
+        </p:nvSpPr>
+        <p:spPr/>
+        <p:txBody>
+          <a:bodyPr/>
+          <a:lstStyle/>
+          <a:p>
+            <a:endParaRPr kumimoji="1" lang="ja-JP" altLang="en-US" dirty="0"/>
+          </a:p>
+        </p:txBody>
+      </p:sp>
+      <p:sp>
+        <p:nvSpPr>
+          <p:cNvPr id="4" name="タイトル 3"/>
+          <p:cNvSpPr>
+            <a:spLocks noGrp="1"/>
+          </p:cNvSpPr>
+          <p:nvPr>
+            <p:ph type="title"/>
+          </p:nvPr>
+        </p:nvSpPr>
+        <p:spPr/>
+        <p:txBody>
+          <a:bodyPr/>
+          <a:lstStyle/>
+          <a:p>
+            <a:r>
+              <a:rPr kumimoji="1" lang="ja-JP" altLang="en-US" dirty="0" smtClean="0"/>
+              <a:t>論文</a:t>
+            </a:r>
+            <a:r>
+              <a:rPr lang="en-US" altLang="ja-JP" dirty="0" smtClean="0"/>
+              <a:t> – </a:t>
+            </a:r>
+            <a:r>
+              <a:rPr lang="ja-JP" altLang="en-US" smtClean="0"/>
+              <a:t>ニュースの関係</a:t>
+            </a:r>
+            <a:endParaRPr kumimoji="1" lang="ja-JP" altLang="en-US"/>
+          </a:p>
+        </p:txBody>
+      </p:sp>
     </p:spTree>
-    <p:extLst>
-      <p:ext uri="{BB962C8B-B14F-4D97-AF65-F5344CB8AC3E}">
-        <p14:creationId xmlns:p14="http://schemas.microsoft.com/office/powerpoint/2010/main" xmlns="" val="2288468216"/>
-      </p:ext>
-    </p:extLst>
   </p:cSld>
   <p:clrMapOvr>
     <a:masterClrMapping/>
@@ -5564,6 +5655,446 @@
       </p:grpSpPr>
       <p:sp>
         <p:nvSpPr>
+          <p:cNvPr id="2" name="スライド番号プレースホルダ 1"/>
+          <p:cNvSpPr>
+            <a:spLocks noGrp="1"/>
+          </p:cNvSpPr>
+          <p:nvPr>
+            <p:ph type="sldNum" sz="quarter" idx="4"/>
+          </p:nvPr>
+        </p:nvSpPr>
+        <p:spPr/>
+        <p:txBody>
+          <a:bodyPr/>
+          <a:lstStyle/>
+          <a:p>
+            <a:fld id="{80B61DEA-751C-4EFC-848A-C896179D47AE}" type="slidenum">
+              <a:rPr kumimoji="1" lang="ja-JP" altLang="en-US" smtClean="0"/>
+              <a:pPr/>
+              <a:t>2</a:t>
+            </a:fld>
+            <a:endParaRPr kumimoji="1" lang="ja-JP" altLang="en-US"/>
+          </a:p>
+        </p:txBody>
+      </p:sp>
+      <p:sp>
+        <p:nvSpPr>
+          <p:cNvPr id="3" name="コンテンツ プレースホルダ 2"/>
+          <p:cNvSpPr>
+            <a:spLocks noGrp="1"/>
+          </p:cNvSpPr>
+          <p:nvPr>
+            <p:ph idx="1"/>
+          </p:nvPr>
+        </p:nvSpPr>
+        <p:spPr/>
+        <p:txBody>
+          <a:bodyPr/>
+          <a:lstStyle/>
+          <a:p>
+            <a:r>
+              <a:rPr lang="ja-JP" altLang="en-US" dirty="0" smtClean="0"/>
+              <a:t>小津 喬</a:t>
+            </a:r>
+            <a:r>
+              <a:rPr lang="en-US" altLang="ja-JP" dirty="0" smtClean="0"/>
+              <a:t>(</a:t>
+            </a:r>
+            <a:r>
+              <a:rPr lang="ja-JP" altLang="en-US" dirty="0" smtClean="0"/>
+              <a:t>おづ たかし</a:t>
+            </a:r>
+            <a:r>
+              <a:rPr lang="en-US" altLang="ja-JP" dirty="0" smtClean="0"/>
+              <a:t>)</a:t>
+            </a:r>
+          </a:p>
+          <a:p>
+            <a:pPr lvl="1"/>
+            <a:r>
+              <a:rPr kumimoji="1" lang="en-US" altLang="ja-JP" dirty="0" smtClean="0">
+                <a:solidFill>
+                  <a:srgbClr val="FF0000"/>
+                </a:solidFill>
+              </a:rPr>
+              <a:t>4/13(</a:t>
+            </a:r>
+            <a:r>
+              <a:rPr lang="ja-JP" altLang="en-US" dirty="0" smtClean="0">
+                <a:solidFill>
+                  <a:srgbClr val="FF0000"/>
+                </a:solidFill>
+              </a:rPr>
+              <a:t>土</a:t>
+            </a:r>
+            <a:r>
+              <a:rPr kumimoji="1" lang="en-US" altLang="ja-JP" dirty="0" smtClean="0">
+                <a:solidFill>
+                  <a:srgbClr val="FF0000"/>
+                </a:solidFill>
+              </a:rPr>
+              <a:t>)</a:t>
+            </a:r>
+            <a:r>
+              <a:rPr kumimoji="1" lang="ja-JP" altLang="en-US" dirty="0" smtClean="0">
+                <a:solidFill>
+                  <a:srgbClr val="FF0000"/>
+                </a:solidFill>
+              </a:rPr>
+              <a:t>におじさんになりました！！</a:t>
+            </a:r>
+            <a:endParaRPr kumimoji="1" lang="en-US" altLang="ja-JP" dirty="0" smtClean="0">
+              <a:solidFill>
+                <a:srgbClr val="FF0000"/>
+              </a:solidFill>
+            </a:endParaRPr>
+          </a:p>
+          <a:p>
+            <a:r>
+              <a:rPr lang="ja-JP" altLang="en-US" dirty="0" smtClean="0"/>
+              <a:t>兵庫県川西市生まれ</a:t>
+            </a:r>
+            <a:endParaRPr lang="en-US" altLang="ja-JP" dirty="0" smtClean="0"/>
+          </a:p>
+          <a:p>
+            <a:r>
+              <a:rPr lang="ja-JP" altLang="en-US" dirty="0" smtClean="0"/>
+              <a:t>趣味</a:t>
+            </a:r>
+            <a:endParaRPr lang="en-US" altLang="ja-JP" dirty="0" smtClean="0"/>
+          </a:p>
+          <a:p>
+            <a:pPr lvl="1"/>
+            <a:r>
+              <a:rPr kumimoji="1" lang="ja-JP" altLang="en-US" dirty="0" smtClean="0"/>
+              <a:t>野球</a:t>
+            </a:r>
+            <a:r>
+              <a:rPr kumimoji="1" lang="en-US" altLang="ja-JP" dirty="0" smtClean="0"/>
+              <a:t>(</a:t>
+            </a:r>
+            <a:r>
+              <a:rPr kumimoji="1" lang="ja-JP" altLang="en-US" dirty="0" smtClean="0"/>
+              <a:t>やる方</a:t>
+            </a:r>
+            <a:r>
+              <a:rPr kumimoji="1" lang="en-US" altLang="ja-JP" dirty="0" smtClean="0"/>
+              <a:t>)</a:t>
+            </a:r>
+          </a:p>
+          <a:p>
+            <a:r>
+              <a:rPr lang="ja-JP" altLang="en-US" dirty="0" smtClean="0"/>
+              <a:t>特技</a:t>
+            </a:r>
+            <a:endParaRPr lang="en-US" altLang="ja-JP" dirty="0" smtClean="0"/>
+          </a:p>
+          <a:p>
+            <a:pPr lvl="1"/>
+            <a:r>
+              <a:rPr kumimoji="1" lang="ja-JP" altLang="en-US" dirty="0" err="1" smtClean="0"/>
+              <a:t>けん</a:t>
+            </a:r>
+            <a:r>
+              <a:rPr kumimoji="1" lang="ja-JP" altLang="en-US" dirty="0" smtClean="0"/>
+              <a:t>玉</a:t>
+            </a:r>
+            <a:endParaRPr kumimoji="1" lang="en-US" altLang="ja-JP" dirty="0" smtClean="0"/>
+          </a:p>
+          <a:p>
+            <a:pPr lvl="2"/>
+            <a:r>
+              <a:rPr kumimoji="1" lang="ja-JP" altLang="en-US" dirty="0" smtClean="0"/>
+              <a:t>そのうち披露します・・・</a:t>
+            </a:r>
+            <a:endParaRPr kumimoji="1" lang="ja-JP" altLang="en-US" dirty="0"/>
+          </a:p>
+        </p:txBody>
+      </p:sp>
+      <p:sp>
+        <p:nvSpPr>
+          <p:cNvPr id="4" name="タイトル 3"/>
+          <p:cNvSpPr>
+            <a:spLocks noGrp="1"/>
+          </p:cNvSpPr>
+          <p:nvPr>
+            <p:ph type="title"/>
+          </p:nvPr>
+        </p:nvSpPr>
+        <p:spPr/>
+        <p:txBody>
+          <a:bodyPr/>
+          <a:lstStyle/>
+          <a:p>
+            <a:r>
+              <a:rPr lang="ja-JP" altLang="en-US" dirty="0" smtClean="0"/>
+              <a:t>自己紹介</a:t>
+            </a:r>
+            <a:endParaRPr kumimoji="1" lang="ja-JP" altLang="en-US" dirty="0"/>
+          </a:p>
+        </p:txBody>
+      </p:sp>
+      <p:pic>
+        <p:nvPicPr>
+          <p:cNvPr id="22530" name="Picture 2"/>
+          <p:cNvPicPr>
+            <a:picLocks noChangeAspect="1" noChangeArrowheads="1"/>
+          </p:cNvPicPr>
+          <p:nvPr/>
+        </p:nvPicPr>
+        <p:blipFill>
+          <a:blip r:embed="rId2" cstate="print"/>
+          <a:srcRect/>
+          <a:stretch>
+            <a:fillRect/>
+          </a:stretch>
+        </p:blipFill>
+        <p:spPr bwMode="auto">
+          <a:xfrm>
+            <a:off x="5766435" y="817880"/>
+            <a:ext cx="6181725" cy="5486400"/>
+          </a:xfrm>
+          <a:prstGeom prst="rect">
+            <a:avLst/>
+          </a:prstGeom>
+          <a:ln>
+            <a:noFill/>
+          </a:ln>
+          <a:effectLst>
+            <a:outerShdw blurRad="190500" algn="tl" rotWithShape="0">
+              <a:srgbClr val="000000">
+                <a:alpha val="70000"/>
+              </a:srgbClr>
+            </a:outerShdw>
+          </a:effectLst>
+        </p:spPr>
+      </p:pic>
+      <p:sp>
+        <p:nvSpPr>
+          <p:cNvPr id="6" name="四角形吹き出し 5"/>
+          <p:cNvSpPr/>
+          <p:nvPr/>
+        </p:nvSpPr>
+        <p:spPr>
+          <a:xfrm>
+            <a:off x="7193280" y="2773680"/>
+            <a:ext cx="925200" cy="386080"/>
+          </a:xfrm>
+          <a:prstGeom prst="wedgeRectCallout">
+            <a:avLst>
+              <a:gd name="adj1" fmla="val 42458"/>
+              <a:gd name="adj2" fmla="val 96711"/>
+            </a:avLst>
+          </a:prstGeom>
+        </p:spPr>
+        <p:style>
+          <a:lnRef idx="2">
+            <a:schemeClr val="accent2">
+              <a:shade val="50000"/>
+            </a:schemeClr>
+          </a:lnRef>
+          <a:fillRef idx="1">
+            <a:schemeClr val="accent2"/>
+          </a:fillRef>
+          <a:effectRef idx="0">
+            <a:schemeClr val="accent2"/>
+          </a:effectRef>
+          <a:fontRef idx="minor">
+            <a:schemeClr val="lt1"/>
+          </a:fontRef>
+        </p:style>
+        <p:txBody>
+          <a:bodyPr rtlCol="0" anchor="ctr"/>
+          <a:lstStyle/>
+          <a:p>
+            <a:pPr algn="ctr"/>
+            <a:r>
+              <a:rPr kumimoji="1" lang="ja-JP" altLang="en-US" dirty="0" smtClean="0"/>
+              <a:t>自宅</a:t>
+            </a:r>
+            <a:endParaRPr kumimoji="1" lang="ja-JP" altLang="en-US" dirty="0"/>
+          </a:p>
+        </p:txBody>
+      </p:sp>
+      <p:sp>
+        <p:nvSpPr>
+          <p:cNvPr id="7" name="四角形吹き出し 6"/>
+          <p:cNvSpPr/>
+          <p:nvPr/>
+        </p:nvSpPr>
+        <p:spPr>
+          <a:xfrm>
+            <a:off x="8300720" y="2794000"/>
+            <a:ext cx="924560" cy="386080"/>
+          </a:xfrm>
+          <a:prstGeom prst="wedgeRectCallout">
+            <a:avLst>
+              <a:gd name="adj1" fmla="val -60254"/>
+              <a:gd name="adj2" fmla="val 104605"/>
+            </a:avLst>
+          </a:prstGeom>
+        </p:spPr>
+        <p:style>
+          <a:lnRef idx="2">
+            <a:schemeClr val="accent3">
+              <a:shade val="50000"/>
+            </a:schemeClr>
+          </a:lnRef>
+          <a:fillRef idx="1">
+            <a:schemeClr val="accent3"/>
+          </a:fillRef>
+          <a:effectRef idx="0">
+            <a:schemeClr val="accent3"/>
+          </a:effectRef>
+          <a:fontRef idx="minor">
+            <a:schemeClr val="lt1"/>
+          </a:fontRef>
+        </p:style>
+        <p:txBody>
+          <a:bodyPr rtlCol="0" anchor="ctr"/>
+          <a:lstStyle/>
+          <a:p>
+            <a:pPr algn="ctr"/>
+            <a:r>
+              <a:rPr lang="ja-JP" altLang="en-US" dirty="0" smtClean="0"/>
+              <a:t>小・中</a:t>
+            </a:r>
+            <a:endParaRPr kumimoji="1" lang="ja-JP" altLang="en-US" dirty="0"/>
+          </a:p>
+        </p:txBody>
+      </p:sp>
+      <p:sp>
+        <p:nvSpPr>
+          <p:cNvPr id="8" name="四角形吹き出し 7"/>
+          <p:cNvSpPr/>
+          <p:nvPr/>
+        </p:nvSpPr>
+        <p:spPr>
+          <a:xfrm>
+            <a:off x="9164320" y="2204720"/>
+            <a:ext cx="925200" cy="386080"/>
+          </a:xfrm>
+          <a:prstGeom prst="wedgeRectCallout">
+            <a:avLst>
+              <a:gd name="adj1" fmla="val -10803"/>
+              <a:gd name="adj2" fmla="val 159869"/>
+            </a:avLst>
+          </a:prstGeom>
+        </p:spPr>
+        <p:style>
+          <a:lnRef idx="2">
+            <a:schemeClr val="accent3">
+              <a:shade val="50000"/>
+            </a:schemeClr>
+          </a:lnRef>
+          <a:fillRef idx="1">
+            <a:schemeClr val="accent3"/>
+          </a:fillRef>
+          <a:effectRef idx="0">
+            <a:schemeClr val="accent3"/>
+          </a:effectRef>
+          <a:fontRef idx="minor">
+            <a:schemeClr val="lt1"/>
+          </a:fontRef>
+        </p:style>
+        <p:txBody>
+          <a:bodyPr rtlCol="0" anchor="ctr"/>
+          <a:lstStyle/>
+          <a:p>
+            <a:pPr algn="ctr"/>
+            <a:r>
+              <a:rPr kumimoji="1" lang="ja-JP" altLang="en-US" dirty="0" smtClean="0"/>
+              <a:t>高</a:t>
+            </a:r>
+            <a:endParaRPr kumimoji="1" lang="ja-JP" altLang="en-US" dirty="0"/>
+          </a:p>
+        </p:txBody>
+      </p:sp>
+      <p:sp>
+        <p:nvSpPr>
+          <p:cNvPr id="9" name="四角形吹き出し 8"/>
+          <p:cNvSpPr/>
+          <p:nvPr/>
+        </p:nvSpPr>
+        <p:spPr>
+          <a:xfrm>
+            <a:off x="9631680" y="1036320"/>
+            <a:ext cx="925200" cy="386080"/>
+          </a:xfrm>
+          <a:prstGeom prst="wedgeRectCallout">
+            <a:avLst>
+              <a:gd name="adj1" fmla="val 96889"/>
+              <a:gd name="adj2" fmla="val -8552"/>
+            </a:avLst>
+          </a:prstGeom>
+        </p:spPr>
+        <p:style>
+          <a:lnRef idx="2">
+            <a:schemeClr val="accent3">
+              <a:shade val="50000"/>
+            </a:schemeClr>
+          </a:lnRef>
+          <a:fillRef idx="1">
+            <a:schemeClr val="accent3"/>
+          </a:fillRef>
+          <a:effectRef idx="0">
+            <a:schemeClr val="accent3"/>
+          </a:effectRef>
+          <a:fontRef idx="minor">
+            <a:schemeClr val="lt1"/>
+          </a:fontRef>
+        </p:style>
+        <p:txBody>
+          <a:bodyPr rtlCol="0" anchor="ctr"/>
+          <a:lstStyle/>
+          <a:p>
+            <a:pPr algn="ctr"/>
+            <a:r>
+              <a:rPr kumimoji="1" lang="ja-JP" altLang="en-US" dirty="0" smtClean="0"/>
+              <a:t>大・</a:t>
+            </a:r>
+            <a:r>
+              <a:rPr lang="ja-JP" altLang="en-US" dirty="0" smtClean="0"/>
+              <a:t>院</a:t>
+            </a:r>
+            <a:endParaRPr kumimoji="1" lang="ja-JP" altLang="en-US" dirty="0"/>
+          </a:p>
+        </p:txBody>
+      </p:sp>
+    </p:spTree>
+  </p:cSld>
+  <p:clrMapOvr>
+    <a:masterClrMapping/>
+  </p:clrMapOvr>
+  <p:timing>
+    <p:tnLst>
+      <p:par>
+        <p:cTn id="1" dur="indefinite" restart="never" nodeType="tmRoot"/>
+      </p:par>
+    </p:tnLst>
+  </p:timing>
+</p:sld>
+</file>
+
+<file path=ppt/slides/slide20.xml><?xml version="1.0" encoding="utf-8"?>
+<p:sld xmlns:a="http://schemas.openxmlformats.org/drawingml/2006/main" xmlns:r="http://schemas.openxmlformats.org/officeDocument/2006/relationships" xmlns:p="http://schemas.openxmlformats.org/presentationml/2006/main">
+  <p:cSld>
+    <p:spTree>
+      <p:nvGrpSpPr>
+        <p:cNvPr id="1" name=""/>
+        <p:cNvGrpSpPr/>
+        <p:nvPr/>
+      </p:nvGrpSpPr>
+      <p:grpSpPr>
+        <a:xfrm>
+          <a:off x="0" y="0"/>
+          <a:ext cx="0" cy="0"/>
+          <a:chOff x="0" y="0"/>
+          <a:chExt cx="0" cy="0"/>
+        </a:xfrm>
+      </p:grpSpPr>
+      <p:sp>
+        <p:nvSpPr>
           <p:cNvPr id="2" name="スライド番号プレースホルダー 1"/>
           <p:cNvSpPr>
             <a:spLocks noGrp="1"/>
@@ -5580,7 +6111,7 @@
             <a:fld id="{80B61DEA-751C-4EFC-848A-C896179D47AE}" type="slidenum">
               <a:rPr kumimoji="1" lang="ja-JP" altLang="en-US" smtClean="0"/>
               <a:pPr/>
-              <a:t>2</a:t>
+              <a:t>20</a:t>
             </a:fld>
             <a:endParaRPr kumimoji="1" lang="ja-JP" altLang="en-US"/>
           </a:p>
@@ -5602,85 +6133,19 @@
           <a:lstStyle/>
           <a:p>
             <a:r>
+              <a:rPr kumimoji="1" lang="en-US" altLang="ja-JP" dirty="0" smtClean="0"/>
+              <a:t>Can data</a:t>
+            </a:r>
+          </a:p>
+          <a:p>
+            <a:r>
               <a:rPr kumimoji="1" lang="ja-JP" altLang="en-US" dirty="0" smtClean="0"/>
-              <a:t>大学～大学院時代</a:t>
+              <a:t>車種</a:t>
             </a:r>
             <a:endParaRPr kumimoji="1" lang="en-US" altLang="ja-JP" dirty="0" smtClean="0"/>
           </a:p>
           <a:p>
-            <a:pPr lvl="1"/>
-            <a:r>
-              <a:rPr lang="ja-JP" altLang="en-US" dirty="0" smtClean="0"/>
-              <a:t>メインテーマ</a:t>
-            </a:r>
-            <a:r>
-              <a:rPr lang="en-US" altLang="ja-JP" dirty="0" smtClean="0"/>
-              <a:t/>
-            </a:r>
-            <a:br>
-              <a:rPr lang="en-US" altLang="ja-JP" dirty="0" smtClean="0"/>
-            </a:br>
-            <a:r>
-              <a:rPr lang="ja-JP" altLang="en-US" dirty="0" smtClean="0"/>
-              <a:t>「光パケットネットワークにおける</a:t>
-            </a:r>
-            <a:r>
-              <a:rPr lang="en-US" altLang="ja-JP" dirty="0" smtClean="0"/>
-              <a:t>FDL</a:t>
-            </a:r>
-            <a:r>
-              <a:rPr lang="ja-JP" altLang="en-US" dirty="0" smtClean="0"/>
-              <a:t>バッファを用いたトラヒックシェーピング」</a:t>
-            </a:r>
-            <a:endParaRPr lang="en-US" altLang="ja-JP" dirty="0" smtClean="0"/>
-          </a:p>
-          <a:p>
-            <a:pPr lvl="2"/>
-            <a:r>
-              <a:rPr lang="ja-JP" altLang="en-US" dirty="0" smtClean="0"/>
-              <a:t>パケットロスの多い全光ネットワークでは</a:t>
-            </a:r>
-            <a:r>
-              <a:rPr lang="en-US" altLang="ja-JP" dirty="0" smtClean="0"/>
-              <a:t>TCP</a:t>
-            </a:r>
-            <a:r>
-              <a:rPr lang="ja-JP" altLang="en-US" dirty="0" smtClean="0"/>
-              <a:t>が過剰な輻輳制御をしてスループットが出ない問題</a:t>
-            </a:r>
-            <a:endParaRPr lang="en-US" altLang="ja-JP" dirty="0" smtClean="0"/>
-          </a:p>
-          <a:p>
-            <a:pPr lvl="1"/>
-            <a:r>
-              <a:rPr kumimoji="1" lang="ja-JP" altLang="en-US" dirty="0" smtClean="0"/>
-              <a:t>他グループのお手伝い</a:t>
-            </a:r>
-            <a:endParaRPr kumimoji="1" lang="en-US" altLang="ja-JP" dirty="0" smtClean="0"/>
-          </a:p>
-          <a:p>
-            <a:pPr lvl="2"/>
-            <a:r>
-              <a:rPr lang="ja-JP" altLang="en-US" dirty="0" smtClean="0"/>
-              <a:t>ソーシャル</a:t>
-            </a:r>
-            <a:endParaRPr lang="en-US" altLang="ja-JP" dirty="0" smtClean="0"/>
-          </a:p>
-          <a:p>
-            <a:pPr lvl="2"/>
-            <a:r>
-              <a:rPr kumimoji="1" lang="ja-JP" altLang="en-US" dirty="0" smtClean="0"/>
-              <a:t>コグニティブ</a:t>
-            </a:r>
-            <a:endParaRPr kumimoji="1" lang="en-US" altLang="ja-JP" dirty="0" smtClean="0"/>
-          </a:p>
-          <a:p>
-            <a:pPr lvl="2"/>
-            <a:r>
-              <a:rPr lang="ja-JP" altLang="en-US" dirty="0" smtClean="0"/>
-              <a:t>インセンティブ</a:t>
-            </a:r>
-            <a:endParaRPr kumimoji="1" lang="en-US" altLang="ja-JP" dirty="0"/>
+            <a:endParaRPr kumimoji="1" lang="ja-JP" altLang="en-US" dirty="0"/>
           </a:p>
         </p:txBody>
       </p:sp>
@@ -5700,8 +6165,8 @@
           <a:lstStyle/>
           <a:p>
             <a:r>
-              <a:rPr lang="en-US" altLang="ja-JP" dirty="0" smtClean="0"/>
-              <a:t>motivations</a:t>
+              <a:rPr kumimoji="1" lang="ja-JP" altLang="en-US" dirty="0" smtClean="0"/>
+              <a:t>車のデータ</a:t>
             </a:r>
             <a:endParaRPr kumimoji="1" lang="ja-JP" altLang="en-US" dirty="0"/>
           </a:p>
@@ -5710,7 +6175,68 @@
     </p:spTree>
     <p:extLst>
       <p:ext uri="{BB962C8B-B14F-4D97-AF65-F5344CB8AC3E}">
-        <p14:creationId xmlns:p14="http://schemas.microsoft.com/office/powerpoint/2010/main" xmlns="" val="1846401246"/>
+        <p14:creationId xmlns="" xmlns:p14="http://schemas.microsoft.com/office/powerpoint/2010/main" val="1809590951"/>
+      </p:ext>
+    </p:extLst>
+  </p:cSld>
+  <p:clrMapOvr>
+    <a:masterClrMapping/>
+  </p:clrMapOvr>
+  <p:timing>
+    <p:tnLst>
+      <p:par>
+        <p:cTn id="1" dur="indefinite" restart="never" nodeType="tmRoot"/>
+      </p:par>
+    </p:tnLst>
+  </p:timing>
+</p:sld>
+</file>
+
+<file path=ppt/slides/slide21.xml><?xml version="1.0" encoding="utf-8"?>
+<p:sld xmlns:a="http://schemas.openxmlformats.org/drawingml/2006/main" xmlns:r="http://schemas.openxmlformats.org/officeDocument/2006/relationships" xmlns:p="http://schemas.openxmlformats.org/presentationml/2006/main">
+  <p:cSld>
+    <p:spTree>
+      <p:nvGrpSpPr>
+        <p:cNvPr id="1" name=""/>
+        <p:cNvGrpSpPr/>
+        <p:nvPr/>
+      </p:nvGrpSpPr>
+      <p:grpSpPr>
+        <a:xfrm>
+          <a:off x="0" y="0"/>
+          <a:ext cx="0" cy="0"/>
+          <a:chOff x="0" y="0"/>
+          <a:chExt cx="0" cy="0"/>
+        </a:xfrm>
+      </p:grpSpPr>
+      <p:sp>
+        <p:nvSpPr>
+          <p:cNvPr id="2" name="スライド番号プレースホルダー 1"/>
+          <p:cNvSpPr>
+            <a:spLocks noGrp="1"/>
+          </p:cNvSpPr>
+          <p:nvPr>
+            <p:ph type="sldNum" sz="quarter" idx="4"/>
+          </p:nvPr>
+        </p:nvSpPr>
+        <p:spPr/>
+        <p:txBody>
+          <a:bodyPr/>
+          <a:lstStyle/>
+          <a:p>
+            <a:fld id="{80B61DEA-751C-4EFC-848A-C896179D47AE}" type="slidenum">
+              <a:rPr kumimoji="1" lang="ja-JP" altLang="en-US" smtClean="0"/>
+              <a:pPr/>
+              <a:t>21</a:t>
+            </a:fld>
+            <a:endParaRPr kumimoji="1" lang="ja-JP" altLang="en-US"/>
+          </a:p>
+        </p:txBody>
+      </p:sp>
+    </p:spTree>
+    <p:extLst>
+      <p:ext uri="{BB962C8B-B14F-4D97-AF65-F5344CB8AC3E}">
+        <p14:creationId xmlns="" xmlns:p14="http://schemas.microsoft.com/office/powerpoint/2010/main" val="2288468216"/>
       </p:ext>
     </p:extLst>
   </p:cSld>
@@ -5728,6 +6254,2165 @@
 </file>
 
 <file path=ppt/slides/slide3.xml><?xml version="1.0" encoding="utf-8"?>
+<p:sld xmlns:a="http://schemas.openxmlformats.org/drawingml/2006/main" xmlns:r="http://schemas.openxmlformats.org/officeDocument/2006/relationships" xmlns:p="http://schemas.openxmlformats.org/presentationml/2006/main">
+  <p:cSld>
+    <p:spTree>
+      <p:nvGrpSpPr>
+        <p:cNvPr id="1" name=""/>
+        <p:cNvGrpSpPr/>
+        <p:nvPr/>
+      </p:nvGrpSpPr>
+      <p:grpSpPr>
+        <a:xfrm>
+          <a:off x="0" y="0"/>
+          <a:ext cx="0" cy="0"/>
+          <a:chOff x="0" y="0"/>
+          <a:chExt cx="0" cy="0"/>
+        </a:xfrm>
+      </p:grpSpPr>
+      <p:sp>
+        <p:nvSpPr>
+          <p:cNvPr id="2" name="スライド番号プレースホルダー 1"/>
+          <p:cNvSpPr>
+            <a:spLocks noGrp="1"/>
+          </p:cNvSpPr>
+          <p:nvPr>
+            <p:ph type="sldNum" sz="quarter" idx="4"/>
+          </p:nvPr>
+        </p:nvSpPr>
+        <p:spPr/>
+        <p:txBody>
+          <a:bodyPr/>
+          <a:lstStyle/>
+          <a:p>
+            <a:fld id="{80B61DEA-751C-4EFC-848A-C896179D47AE}" type="slidenum">
+              <a:rPr kumimoji="1" lang="ja-JP" altLang="en-US" smtClean="0"/>
+              <a:pPr/>
+              <a:t>3</a:t>
+            </a:fld>
+            <a:endParaRPr kumimoji="1" lang="ja-JP" altLang="en-US"/>
+          </a:p>
+        </p:txBody>
+      </p:sp>
+      <p:sp>
+        <p:nvSpPr>
+          <p:cNvPr id="3" name="コンテンツ プレースホルダー 2"/>
+          <p:cNvSpPr>
+            <a:spLocks noGrp="1"/>
+          </p:cNvSpPr>
+          <p:nvPr>
+            <p:ph idx="1"/>
+          </p:nvPr>
+        </p:nvSpPr>
+        <p:spPr>
+          <a:xfrm>
+            <a:off x="721360" y="1503679"/>
+            <a:ext cx="11135280" cy="1229361"/>
+          </a:xfrm>
+        </p:spPr>
+        <p:txBody>
+          <a:bodyPr>
+            <a:normAutofit lnSpcReduction="10000"/>
+          </a:bodyPr>
+          <a:lstStyle/>
+          <a:p>
+            <a:pPr>
+              <a:buNone/>
+            </a:pPr>
+            <a:r>
+              <a:rPr lang="ja-JP" altLang="en-US" dirty="0" smtClean="0"/>
+              <a:t>「</a:t>
+            </a:r>
+            <a:r>
+              <a:rPr lang="ja-JP" altLang="en-US" dirty="0" smtClean="0"/>
+              <a:t>光パケットネットワークにおける</a:t>
+            </a:r>
+            <a:r>
+              <a:rPr lang="en-US" altLang="ja-JP" dirty="0" smtClean="0"/>
+              <a:t>FDL</a:t>
+            </a:r>
+            <a:r>
+              <a:rPr lang="ja-JP" altLang="en-US" dirty="0" smtClean="0"/>
+              <a:t>バッファを用いたトラヒックシェーピング」</a:t>
+            </a:r>
+            <a:endParaRPr lang="en-US" altLang="ja-JP" dirty="0" smtClean="0"/>
+          </a:p>
+          <a:p>
+            <a:pPr lvl="2"/>
+            <a:r>
+              <a:rPr lang="ja-JP" altLang="en-US" dirty="0" smtClean="0"/>
+              <a:t>パケットロスの多い全光ネットワークで</a:t>
+            </a:r>
+            <a:r>
+              <a:rPr lang="ja-JP" altLang="en-US" dirty="0" smtClean="0"/>
+              <a:t>は</a:t>
+            </a:r>
+            <a:r>
+              <a:rPr lang="en-US" altLang="ja-JP" dirty="0" smtClean="0"/>
+              <a:t/>
+            </a:r>
+            <a:br>
+              <a:rPr lang="en-US" altLang="ja-JP" dirty="0" smtClean="0"/>
+            </a:br>
+            <a:r>
+              <a:rPr lang="en-US" altLang="ja-JP" dirty="0" smtClean="0"/>
+              <a:t>TCP</a:t>
+            </a:r>
+            <a:r>
+              <a:rPr lang="ja-JP" altLang="en-US" dirty="0" smtClean="0"/>
+              <a:t>が過剰な輻輳制御を</a:t>
+            </a:r>
+            <a:r>
+              <a:rPr lang="ja-JP" altLang="en-US" dirty="0" smtClean="0"/>
+              <a:t>して</a:t>
+            </a:r>
+            <a:r>
+              <a:rPr lang="en-US" altLang="ja-JP" dirty="0" smtClean="0"/>
+              <a:t/>
+            </a:r>
+            <a:br>
+              <a:rPr lang="en-US" altLang="ja-JP" dirty="0" smtClean="0"/>
+            </a:br>
+            <a:r>
+              <a:rPr lang="ja-JP" altLang="en-US" dirty="0" smtClean="0"/>
+              <a:t>スループット</a:t>
+            </a:r>
+            <a:r>
+              <a:rPr lang="ja-JP" altLang="en-US" dirty="0" smtClean="0"/>
+              <a:t>が出ない</a:t>
+            </a:r>
+            <a:r>
+              <a:rPr lang="ja-JP" altLang="en-US" dirty="0" smtClean="0"/>
+              <a:t>問題</a:t>
+            </a:r>
+            <a:endParaRPr kumimoji="1" lang="en-US" altLang="ja-JP" dirty="0"/>
+          </a:p>
+        </p:txBody>
+      </p:sp>
+      <p:sp>
+        <p:nvSpPr>
+          <p:cNvPr id="4" name="タイトル 3"/>
+          <p:cNvSpPr>
+            <a:spLocks noGrp="1"/>
+          </p:cNvSpPr>
+          <p:nvPr>
+            <p:ph type="title"/>
+          </p:nvPr>
+        </p:nvSpPr>
+        <p:spPr/>
+        <p:txBody>
+          <a:bodyPr/>
+          <a:lstStyle/>
+          <a:p>
+            <a:r>
+              <a:rPr lang="en-US" altLang="ja-JP" dirty="0" smtClean="0"/>
+              <a:t>B4</a:t>
+            </a:r>
+            <a:r>
+              <a:rPr lang="ja-JP" altLang="en-US" dirty="0" smtClean="0"/>
+              <a:t>～</a:t>
+            </a:r>
+            <a:r>
+              <a:rPr lang="en-US" altLang="ja-JP" dirty="0" smtClean="0"/>
+              <a:t>M2</a:t>
+            </a:r>
+            <a:r>
+              <a:rPr lang="ja-JP" altLang="en-US" dirty="0" smtClean="0"/>
+              <a:t>時代</a:t>
+            </a:r>
+            <a:endParaRPr lang="en-US" altLang="ja-JP" dirty="0" smtClean="0"/>
+          </a:p>
+        </p:txBody>
+      </p:sp>
+      <p:sp>
+        <p:nvSpPr>
+          <p:cNvPr id="5" name="正方形/長方形 4"/>
+          <p:cNvSpPr/>
+          <p:nvPr/>
+        </p:nvSpPr>
+        <p:spPr>
+          <a:xfrm>
+            <a:off x="426720" y="904240"/>
+            <a:ext cx="1930400" cy="487680"/>
+          </a:xfrm>
+          <a:prstGeom prst="rect">
+            <a:avLst/>
+          </a:prstGeom>
+        </p:spPr>
+        <p:style>
+          <a:lnRef idx="2">
+            <a:schemeClr val="accent2">
+              <a:shade val="50000"/>
+            </a:schemeClr>
+          </a:lnRef>
+          <a:fillRef idx="1">
+            <a:schemeClr val="accent2"/>
+          </a:fillRef>
+          <a:effectRef idx="0">
+            <a:schemeClr val="accent2"/>
+          </a:effectRef>
+          <a:fontRef idx="minor">
+            <a:schemeClr val="lt1"/>
+          </a:fontRef>
+        </p:style>
+        <p:txBody>
+          <a:bodyPr rtlCol="0" anchor="ctr"/>
+          <a:lstStyle/>
+          <a:p>
+            <a:pPr algn="ctr"/>
+            <a:r>
+              <a:rPr kumimoji="1" lang="ja-JP" altLang="en-US" dirty="0" smtClean="0"/>
+              <a:t>メインテーマ</a:t>
+            </a:r>
+            <a:endParaRPr kumimoji="1" lang="ja-JP" altLang="en-US" dirty="0"/>
+          </a:p>
+        </p:txBody>
+      </p:sp>
+      <p:sp>
+        <p:nvSpPr>
+          <p:cNvPr id="6" name="正方形/長方形 5"/>
+          <p:cNvSpPr/>
+          <p:nvPr/>
+        </p:nvSpPr>
+        <p:spPr>
+          <a:xfrm>
+            <a:off x="426720" y="2773680"/>
+            <a:ext cx="2682240" cy="487680"/>
+          </a:xfrm>
+          <a:prstGeom prst="rect">
+            <a:avLst/>
+          </a:prstGeom>
+        </p:spPr>
+        <p:style>
+          <a:lnRef idx="2">
+            <a:schemeClr val="accent2">
+              <a:shade val="50000"/>
+            </a:schemeClr>
+          </a:lnRef>
+          <a:fillRef idx="1">
+            <a:schemeClr val="accent2"/>
+          </a:fillRef>
+          <a:effectRef idx="0">
+            <a:schemeClr val="accent2"/>
+          </a:effectRef>
+          <a:fontRef idx="minor">
+            <a:schemeClr val="lt1"/>
+          </a:fontRef>
+        </p:style>
+        <p:txBody>
+          <a:bodyPr rtlCol="0" anchor="ctr"/>
+          <a:lstStyle/>
+          <a:p>
+            <a:pPr algn="ctr"/>
+            <a:r>
+              <a:rPr kumimoji="1" lang="ja-JP" altLang="en-US" dirty="0" smtClean="0"/>
+              <a:t>他グループのお手伝い</a:t>
+            </a:r>
+            <a:endParaRPr kumimoji="1" lang="ja-JP" altLang="en-US" dirty="0"/>
+          </a:p>
+        </p:txBody>
+      </p:sp>
+      <p:sp>
+        <p:nvSpPr>
+          <p:cNvPr id="7" name="正方形/長方形 6"/>
+          <p:cNvSpPr/>
+          <p:nvPr/>
+        </p:nvSpPr>
+        <p:spPr>
+          <a:xfrm>
+            <a:off x="426720" y="3540760"/>
+            <a:ext cx="1686560" cy="487680"/>
+          </a:xfrm>
+          <a:prstGeom prst="rect">
+            <a:avLst/>
+          </a:prstGeom>
+        </p:spPr>
+        <p:style>
+          <a:lnRef idx="2">
+            <a:schemeClr val="accent3">
+              <a:shade val="50000"/>
+            </a:schemeClr>
+          </a:lnRef>
+          <a:fillRef idx="1">
+            <a:schemeClr val="accent3"/>
+          </a:fillRef>
+          <a:effectRef idx="0">
+            <a:schemeClr val="accent3"/>
+          </a:effectRef>
+          <a:fontRef idx="minor">
+            <a:schemeClr val="lt1"/>
+          </a:fontRef>
+        </p:style>
+        <p:txBody>
+          <a:bodyPr rtlCol="0" anchor="ctr"/>
+          <a:lstStyle/>
+          <a:p>
+            <a:pPr algn="ctr"/>
+            <a:r>
+              <a:rPr kumimoji="1" lang="ja-JP" altLang="en-US" dirty="0" smtClean="0"/>
+              <a:t>コグニティブ</a:t>
+            </a:r>
+            <a:endParaRPr kumimoji="1" lang="ja-JP" altLang="en-US" dirty="0"/>
+          </a:p>
+        </p:txBody>
+      </p:sp>
+      <p:sp>
+        <p:nvSpPr>
+          <p:cNvPr id="8" name="AutoShape 107"/>
+          <p:cNvSpPr>
+            <a:spLocks noChangeArrowheads="1"/>
+          </p:cNvSpPr>
+          <p:nvPr/>
+        </p:nvSpPr>
+        <p:spPr bwMode="auto">
+          <a:xfrm>
+            <a:off x="9966960" y="2148840"/>
+            <a:ext cx="685800" cy="685800"/>
+          </a:xfrm>
+          <a:prstGeom prst="roundRect">
+            <a:avLst>
+              <a:gd name="adj" fmla="val 16667"/>
+            </a:avLst>
+          </a:prstGeom>
+          <a:solidFill>
+            <a:schemeClr val="bg2">
+              <a:lumMod val="60000"/>
+              <a:lumOff val="40000"/>
+              <a:alpha val="29000"/>
+            </a:schemeClr>
+          </a:solidFill>
+          <a:ln w="9525">
+            <a:solidFill>
+              <a:schemeClr val="bg2">
+                <a:lumMod val="60000"/>
+                <a:lumOff val="40000"/>
+              </a:schemeClr>
+            </a:solidFill>
+            <a:round/>
+            <a:headEnd/>
+            <a:tailEnd/>
+          </a:ln>
+        </p:spPr>
+        <p:txBody>
+          <a:bodyPr wrap="none" anchor="ctr"/>
+          <a:lstStyle/>
+          <a:p>
+            <a:pPr algn="ctr">
+              <a:defRPr/>
+            </a:pPr>
+            <a:endParaRPr lang="ja-JP" altLang="en-US"/>
+          </a:p>
+        </p:txBody>
+      </p:sp>
+      <p:sp>
+        <p:nvSpPr>
+          <p:cNvPr id="9" name="AutoShape 107"/>
+          <p:cNvSpPr>
+            <a:spLocks noChangeArrowheads="1"/>
+          </p:cNvSpPr>
+          <p:nvPr/>
+        </p:nvSpPr>
+        <p:spPr bwMode="auto">
+          <a:xfrm>
+            <a:off x="7833360" y="1844040"/>
+            <a:ext cx="685800" cy="1219200"/>
+          </a:xfrm>
+          <a:prstGeom prst="roundRect">
+            <a:avLst>
+              <a:gd name="adj" fmla="val 16667"/>
+            </a:avLst>
+          </a:prstGeom>
+          <a:solidFill>
+            <a:srgbClr val="FF00FF">
+              <a:alpha val="29019"/>
+            </a:srgbClr>
+          </a:solidFill>
+          <a:ln w="9525">
+            <a:solidFill>
+              <a:srgbClr val="FF0000"/>
+            </a:solidFill>
+            <a:round/>
+            <a:headEnd/>
+            <a:tailEnd/>
+          </a:ln>
+        </p:spPr>
+        <p:txBody>
+          <a:bodyPr wrap="none" anchor="ctr"/>
+          <a:lstStyle/>
+          <a:p>
+            <a:pPr algn="ctr"/>
+            <a:endParaRPr lang="ja-JP" altLang="en-US"/>
+          </a:p>
+        </p:txBody>
+      </p:sp>
+      <p:pic>
+        <p:nvPicPr>
+          <p:cNvPr id="10" name="Picture 67" descr="スイッチ"/>
+          <p:cNvPicPr>
+            <a:picLocks noChangeAspect="1" noChangeArrowheads="1"/>
+          </p:cNvPicPr>
+          <p:nvPr/>
+        </p:nvPicPr>
+        <p:blipFill>
+          <a:blip r:embed="rId3" cstate="print"/>
+          <a:srcRect/>
+          <a:stretch>
+            <a:fillRect/>
+          </a:stretch>
+        </p:blipFill>
+        <p:spPr bwMode="auto">
+          <a:xfrm>
+            <a:off x="7882573" y="2009140"/>
+            <a:ext cx="576262" cy="511175"/>
+          </a:xfrm>
+          <a:prstGeom prst="rect">
+            <a:avLst/>
+          </a:prstGeom>
+          <a:noFill/>
+          <a:ln w="9525">
+            <a:noFill/>
+            <a:miter lim="800000"/>
+            <a:headEnd/>
+            <a:tailEnd/>
+          </a:ln>
+        </p:spPr>
+      </p:pic>
+      <p:pic>
+        <p:nvPicPr>
+          <p:cNvPr id="11" name="Picture 68" descr="スイッチ"/>
+          <p:cNvPicPr>
+            <a:picLocks noChangeAspect="1" noChangeArrowheads="1"/>
+          </p:cNvPicPr>
+          <p:nvPr/>
+        </p:nvPicPr>
+        <p:blipFill>
+          <a:blip r:embed="rId3" cstate="print"/>
+          <a:srcRect/>
+          <a:stretch>
+            <a:fillRect/>
+          </a:stretch>
+        </p:blipFill>
+        <p:spPr bwMode="auto">
+          <a:xfrm>
+            <a:off x="7884160" y="2531428"/>
+            <a:ext cx="576263" cy="511175"/>
+          </a:xfrm>
+          <a:prstGeom prst="rect">
+            <a:avLst/>
+          </a:prstGeom>
+          <a:noFill/>
+          <a:ln w="9525">
+            <a:noFill/>
+            <a:miter lim="800000"/>
+            <a:headEnd/>
+            <a:tailEnd/>
+          </a:ln>
+        </p:spPr>
+      </p:pic>
+      <p:pic>
+        <p:nvPicPr>
+          <p:cNvPr id="12" name="Picture 69" descr="スイッチ"/>
+          <p:cNvPicPr>
+            <a:picLocks noChangeAspect="1" noChangeArrowheads="1"/>
+          </p:cNvPicPr>
+          <p:nvPr/>
+        </p:nvPicPr>
+        <p:blipFill>
+          <a:blip r:embed="rId3" cstate="print"/>
+          <a:srcRect/>
+          <a:stretch>
+            <a:fillRect/>
+          </a:stretch>
+        </p:blipFill>
+        <p:spPr bwMode="auto">
+          <a:xfrm>
+            <a:off x="10079673" y="2302828"/>
+            <a:ext cx="576262" cy="511175"/>
+          </a:xfrm>
+          <a:prstGeom prst="rect">
+            <a:avLst/>
+          </a:prstGeom>
+          <a:noFill/>
+          <a:ln w="9525">
+            <a:noFill/>
+            <a:miter lim="800000"/>
+            <a:headEnd/>
+            <a:tailEnd/>
+          </a:ln>
+        </p:spPr>
+      </p:pic>
+      <p:sp>
+        <p:nvSpPr>
+          <p:cNvPr id="13" name="Line 71"/>
+          <p:cNvSpPr>
+            <a:spLocks noChangeShapeType="1"/>
+          </p:cNvSpPr>
+          <p:nvPr/>
+        </p:nvSpPr>
+        <p:spPr bwMode="auto">
+          <a:xfrm>
+            <a:off x="7163435" y="2153603"/>
+            <a:ext cx="771525" cy="4762"/>
+          </a:xfrm>
+          <a:prstGeom prst="line">
+            <a:avLst/>
+          </a:prstGeom>
+          <a:noFill/>
+          <a:ln w="114300" cmpd="tri">
+            <a:solidFill>
+              <a:schemeClr val="tx1"/>
+            </a:solidFill>
+            <a:round/>
+            <a:headEnd/>
+            <a:tailEnd/>
+          </a:ln>
+        </p:spPr>
+        <p:txBody>
+          <a:bodyPr/>
+          <a:lstStyle/>
+          <a:p>
+            <a:endParaRPr lang="ja-JP" altLang="en-US"/>
+          </a:p>
+        </p:txBody>
+      </p:sp>
+      <p:sp>
+        <p:nvSpPr>
+          <p:cNvPr id="14" name="Line 72"/>
+          <p:cNvSpPr>
+            <a:spLocks noChangeShapeType="1"/>
+          </p:cNvSpPr>
+          <p:nvPr/>
+        </p:nvSpPr>
+        <p:spPr bwMode="auto">
+          <a:xfrm>
+            <a:off x="7163435" y="2369503"/>
+            <a:ext cx="771525" cy="4762"/>
+          </a:xfrm>
+          <a:prstGeom prst="line">
+            <a:avLst/>
+          </a:prstGeom>
+          <a:noFill/>
+          <a:ln w="114300" cmpd="tri">
+            <a:solidFill>
+              <a:schemeClr val="tx1"/>
+            </a:solidFill>
+            <a:round/>
+            <a:headEnd/>
+            <a:tailEnd/>
+          </a:ln>
+        </p:spPr>
+        <p:txBody>
+          <a:bodyPr/>
+          <a:lstStyle/>
+          <a:p>
+            <a:endParaRPr lang="ja-JP" altLang="en-US"/>
+          </a:p>
+        </p:txBody>
+      </p:sp>
+      <p:sp>
+        <p:nvSpPr>
+          <p:cNvPr id="15" name="Line 73"/>
+          <p:cNvSpPr>
+            <a:spLocks noChangeShapeType="1"/>
+          </p:cNvSpPr>
+          <p:nvPr/>
+        </p:nvSpPr>
+        <p:spPr bwMode="auto">
+          <a:xfrm>
+            <a:off x="8387398" y="2229803"/>
+            <a:ext cx="1728787" cy="230187"/>
+          </a:xfrm>
+          <a:prstGeom prst="line">
+            <a:avLst/>
+          </a:prstGeom>
+          <a:noFill/>
+          <a:ln w="114300" cmpd="tri">
+            <a:solidFill>
+              <a:schemeClr val="tx1"/>
+            </a:solidFill>
+            <a:round/>
+            <a:headEnd/>
+            <a:tailEnd/>
+          </a:ln>
+        </p:spPr>
+        <p:txBody>
+          <a:bodyPr/>
+          <a:lstStyle/>
+          <a:p>
+            <a:endParaRPr lang="ja-JP" altLang="en-US"/>
+          </a:p>
+        </p:txBody>
+      </p:sp>
+      <p:sp>
+        <p:nvSpPr>
+          <p:cNvPr id="16" name="Line 74"/>
+          <p:cNvSpPr>
+            <a:spLocks noChangeShapeType="1"/>
+          </p:cNvSpPr>
+          <p:nvPr/>
+        </p:nvSpPr>
+        <p:spPr bwMode="auto">
+          <a:xfrm flipV="1">
+            <a:off x="8387398" y="2675890"/>
+            <a:ext cx="1728787" cy="73025"/>
+          </a:xfrm>
+          <a:prstGeom prst="line">
+            <a:avLst/>
+          </a:prstGeom>
+          <a:noFill/>
+          <a:ln w="114300" cmpd="tri">
+            <a:solidFill>
+              <a:schemeClr val="tx1"/>
+            </a:solidFill>
+            <a:round/>
+            <a:headEnd/>
+            <a:tailEnd/>
+          </a:ln>
+        </p:spPr>
+        <p:txBody>
+          <a:bodyPr/>
+          <a:lstStyle/>
+          <a:p>
+            <a:endParaRPr lang="ja-JP" altLang="en-US"/>
+          </a:p>
+        </p:txBody>
+      </p:sp>
+      <p:sp>
+        <p:nvSpPr>
+          <p:cNvPr id="17" name="Line 76"/>
+          <p:cNvSpPr>
+            <a:spLocks noChangeShapeType="1"/>
+          </p:cNvSpPr>
+          <p:nvPr/>
+        </p:nvSpPr>
+        <p:spPr bwMode="auto">
+          <a:xfrm>
+            <a:off x="7163435" y="2585403"/>
+            <a:ext cx="771525" cy="4762"/>
+          </a:xfrm>
+          <a:prstGeom prst="line">
+            <a:avLst/>
+          </a:prstGeom>
+          <a:noFill/>
+          <a:ln w="114300" cmpd="tri">
+            <a:solidFill>
+              <a:schemeClr val="tx1"/>
+            </a:solidFill>
+            <a:round/>
+            <a:headEnd/>
+            <a:tailEnd/>
+          </a:ln>
+        </p:spPr>
+        <p:txBody>
+          <a:bodyPr/>
+          <a:lstStyle/>
+          <a:p>
+            <a:endParaRPr lang="ja-JP" altLang="en-US"/>
+          </a:p>
+        </p:txBody>
+      </p:sp>
+      <p:sp>
+        <p:nvSpPr>
+          <p:cNvPr id="18" name="Line 77"/>
+          <p:cNvSpPr>
+            <a:spLocks noChangeShapeType="1"/>
+          </p:cNvSpPr>
+          <p:nvPr/>
+        </p:nvSpPr>
+        <p:spPr bwMode="auto">
+          <a:xfrm>
+            <a:off x="7163435" y="2893378"/>
+            <a:ext cx="771525" cy="4762"/>
+          </a:xfrm>
+          <a:prstGeom prst="line">
+            <a:avLst/>
+          </a:prstGeom>
+          <a:noFill/>
+          <a:ln w="114300" cmpd="tri">
+            <a:solidFill>
+              <a:schemeClr val="tx1"/>
+            </a:solidFill>
+            <a:round/>
+            <a:headEnd/>
+            <a:tailEnd/>
+          </a:ln>
+        </p:spPr>
+        <p:txBody>
+          <a:bodyPr/>
+          <a:lstStyle/>
+          <a:p>
+            <a:endParaRPr lang="ja-JP" altLang="en-US"/>
+          </a:p>
+        </p:txBody>
+      </p:sp>
+      <p:pic>
+        <p:nvPicPr>
+          <p:cNvPr id="19" name="Picture 78" descr="バーストパケット"/>
+          <p:cNvPicPr>
+            <a:picLocks noChangeAspect="1" noChangeArrowheads="1"/>
+          </p:cNvPicPr>
+          <p:nvPr/>
+        </p:nvPicPr>
+        <p:blipFill>
+          <a:blip r:embed="rId4" cstate="print"/>
+          <a:srcRect/>
+          <a:stretch>
+            <a:fillRect/>
+          </a:stretch>
+        </p:blipFill>
+        <p:spPr bwMode="auto">
+          <a:xfrm>
+            <a:off x="7071360" y="1866265"/>
+            <a:ext cx="884238" cy="238125"/>
+          </a:xfrm>
+          <a:prstGeom prst="rect">
+            <a:avLst/>
+          </a:prstGeom>
+          <a:noFill/>
+          <a:ln w="9525">
+            <a:noFill/>
+            <a:miter lim="800000"/>
+            <a:headEnd/>
+            <a:tailEnd/>
+          </a:ln>
+        </p:spPr>
+      </p:pic>
+      <p:pic>
+        <p:nvPicPr>
+          <p:cNvPr id="20" name="Picture 79" descr="バーストパケット"/>
+          <p:cNvPicPr>
+            <a:picLocks noChangeAspect="1" noChangeArrowheads="1"/>
+          </p:cNvPicPr>
+          <p:nvPr/>
+        </p:nvPicPr>
+        <p:blipFill>
+          <a:blip r:embed="rId4" cstate="print"/>
+          <a:srcRect/>
+          <a:stretch>
+            <a:fillRect/>
+          </a:stretch>
+        </p:blipFill>
+        <p:spPr bwMode="auto">
+          <a:xfrm rot="598496">
+            <a:off x="9468485" y="2179003"/>
+            <a:ext cx="884238" cy="238125"/>
+          </a:xfrm>
+          <a:prstGeom prst="rect">
+            <a:avLst/>
+          </a:prstGeom>
+          <a:noFill/>
+          <a:ln w="9525">
+            <a:noFill/>
+            <a:miter lim="800000"/>
+            <a:headEnd/>
+            <a:tailEnd/>
+          </a:ln>
+        </p:spPr>
+      </p:pic>
+      <p:pic>
+        <p:nvPicPr>
+          <p:cNvPr id="21" name="Picture 80" descr="バーストパケット"/>
+          <p:cNvPicPr>
+            <a:picLocks noChangeAspect="1" noChangeArrowheads="1"/>
+          </p:cNvPicPr>
+          <p:nvPr/>
+        </p:nvPicPr>
+        <p:blipFill>
+          <a:blip r:embed="rId4" cstate="print"/>
+          <a:srcRect/>
+          <a:stretch>
+            <a:fillRect/>
+          </a:stretch>
+        </p:blipFill>
+        <p:spPr bwMode="auto">
+          <a:xfrm rot="21300000">
+            <a:off x="9035098" y="2466340"/>
+            <a:ext cx="884237" cy="238125"/>
+          </a:xfrm>
+          <a:prstGeom prst="rect">
+            <a:avLst/>
+          </a:prstGeom>
+          <a:noFill/>
+          <a:ln w="9525">
+            <a:noFill/>
+            <a:miter lim="800000"/>
+            <a:headEnd/>
+            <a:tailEnd/>
+          </a:ln>
+        </p:spPr>
+      </p:pic>
+      <p:sp>
+        <p:nvSpPr>
+          <p:cNvPr id="22" name="AutoShape 81"/>
+          <p:cNvSpPr>
+            <a:spLocks noChangeArrowheads="1"/>
+          </p:cNvSpPr>
+          <p:nvPr/>
+        </p:nvSpPr>
+        <p:spPr bwMode="auto">
+          <a:xfrm>
+            <a:off x="9662160" y="2225040"/>
+            <a:ext cx="852488" cy="503238"/>
+          </a:xfrm>
+          <a:prstGeom prst="star16">
+            <a:avLst>
+              <a:gd name="adj" fmla="val 37500"/>
+            </a:avLst>
+          </a:prstGeom>
+          <a:solidFill>
+            <a:srgbClr val="FF0000"/>
+          </a:solidFill>
+          <a:ln w="9525">
+            <a:solidFill>
+              <a:schemeClr val="tx1"/>
+            </a:solidFill>
+            <a:miter lim="800000"/>
+            <a:headEnd/>
+            <a:tailEnd/>
+          </a:ln>
+        </p:spPr>
+        <p:txBody>
+          <a:bodyPr wrap="none" anchor="ctr"/>
+          <a:lstStyle/>
+          <a:p>
+            <a:pPr algn="ctr"/>
+            <a:endParaRPr lang="ja-JP" altLang="en-US" sz="1600" b="1">
+              <a:solidFill>
+                <a:schemeClr val="bg1"/>
+              </a:solidFill>
+            </a:endParaRPr>
+          </a:p>
+        </p:txBody>
+      </p:sp>
+      <p:pic>
+        <p:nvPicPr>
+          <p:cNvPr id="23" name="Picture 82" descr="バーストパケット"/>
+          <p:cNvPicPr>
+            <a:picLocks noChangeAspect="1" noChangeArrowheads="1"/>
+          </p:cNvPicPr>
+          <p:nvPr/>
+        </p:nvPicPr>
+        <p:blipFill>
+          <a:blip r:embed="rId4" cstate="print"/>
+          <a:srcRect/>
+          <a:stretch>
+            <a:fillRect/>
+          </a:stretch>
+        </p:blipFill>
+        <p:spPr bwMode="auto">
+          <a:xfrm>
+            <a:off x="7071360" y="2660015"/>
+            <a:ext cx="884238" cy="238125"/>
+          </a:xfrm>
+          <a:prstGeom prst="rect">
+            <a:avLst/>
+          </a:prstGeom>
+          <a:noFill/>
+          <a:ln w="9525">
+            <a:noFill/>
+            <a:miter lim="800000"/>
+            <a:headEnd/>
+            <a:tailEnd/>
+          </a:ln>
+        </p:spPr>
+      </p:pic>
+      <p:sp>
+        <p:nvSpPr>
+          <p:cNvPr id="24" name="Line 107"/>
+          <p:cNvSpPr>
+            <a:spLocks noChangeShapeType="1"/>
+          </p:cNvSpPr>
+          <p:nvPr/>
+        </p:nvSpPr>
+        <p:spPr bwMode="auto">
+          <a:xfrm>
+            <a:off x="10576560" y="2529840"/>
+            <a:ext cx="771525" cy="4763"/>
+          </a:xfrm>
+          <a:prstGeom prst="line">
+            <a:avLst/>
+          </a:prstGeom>
+          <a:noFill/>
+          <a:ln w="114300" cmpd="tri">
+            <a:solidFill>
+              <a:schemeClr val="tx1"/>
+            </a:solidFill>
+            <a:round/>
+            <a:headEnd/>
+            <a:tailEnd/>
+          </a:ln>
+        </p:spPr>
+        <p:txBody>
+          <a:bodyPr/>
+          <a:lstStyle/>
+          <a:p>
+            <a:endParaRPr lang="ja-JP" altLang="en-US"/>
+          </a:p>
+        </p:txBody>
+      </p:sp>
+      <p:pic>
+        <p:nvPicPr>
+          <p:cNvPr id="25" name="Picture 108" descr="パケット"/>
+          <p:cNvPicPr>
+            <a:picLocks noChangeAspect="1" noChangeArrowheads="1"/>
+          </p:cNvPicPr>
+          <p:nvPr/>
+        </p:nvPicPr>
+        <p:blipFill>
+          <a:blip r:embed="rId5" cstate="print"/>
+          <a:srcRect/>
+          <a:stretch>
+            <a:fillRect/>
+          </a:stretch>
+        </p:blipFill>
+        <p:spPr bwMode="auto">
+          <a:xfrm>
+            <a:off x="10652760" y="2263140"/>
+            <a:ext cx="163513" cy="238125"/>
+          </a:xfrm>
+          <a:prstGeom prst="rect">
+            <a:avLst/>
+          </a:prstGeom>
+          <a:noFill/>
+          <a:ln w="9525">
+            <a:noFill/>
+            <a:miter lim="800000"/>
+            <a:headEnd/>
+            <a:tailEnd/>
+          </a:ln>
+        </p:spPr>
+      </p:pic>
+      <p:pic>
+        <p:nvPicPr>
+          <p:cNvPr id="26" name="Picture 109" descr="パケット"/>
+          <p:cNvPicPr>
+            <a:picLocks noChangeAspect="1" noChangeArrowheads="1"/>
+          </p:cNvPicPr>
+          <p:nvPr/>
+        </p:nvPicPr>
+        <p:blipFill>
+          <a:blip r:embed="rId5" cstate="print"/>
+          <a:srcRect/>
+          <a:stretch>
+            <a:fillRect/>
+          </a:stretch>
+        </p:blipFill>
+        <p:spPr bwMode="auto">
+          <a:xfrm>
+            <a:off x="10805160" y="2263140"/>
+            <a:ext cx="163513" cy="238125"/>
+          </a:xfrm>
+          <a:prstGeom prst="rect">
+            <a:avLst/>
+          </a:prstGeom>
+          <a:noFill/>
+          <a:ln w="9525">
+            <a:noFill/>
+            <a:miter lim="800000"/>
+            <a:headEnd/>
+            <a:tailEnd/>
+          </a:ln>
+        </p:spPr>
+      </p:pic>
+      <p:pic>
+        <p:nvPicPr>
+          <p:cNvPr id="57" name="Picture 18" descr="j0223568"/>
+          <p:cNvPicPr>
+            <a:picLocks noChangeAspect="1" noChangeArrowheads="1"/>
+          </p:cNvPicPr>
+          <p:nvPr/>
+        </p:nvPicPr>
+        <p:blipFill>
+          <a:blip r:embed="rId6" cstate="print">
+            <a:extLst>
+              <a:ext uri="{28A0092B-C50C-407E-A947-70E740481C1C}">
+                <a14:useLocalDpi xmlns:a14="http://schemas.microsoft.com/office/drawing/2010/main" xmlns="" val="0"/>
+              </a:ext>
+            </a:extLst>
+          </a:blip>
+          <a:srcRect/>
+          <a:stretch>
+            <a:fillRect/>
+          </a:stretch>
+        </p:blipFill>
+        <p:spPr bwMode="auto">
+          <a:xfrm>
+            <a:off x="2017202" y="4439302"/>
+            <a:ext cx="562096" cy="674263"/>
+          </a:xfrm>
+          <a:prstGeom prst="rect">
+            <a:avLst/>
+          </a:prstGeom>
+          <a:noFill/>
+          <a:ln>
+            <a:noFill/>
+          </a:ln>
+          <a:extLst>
+            <a:ext uri="{909E8E84-426E-40DD-AFC4-6F175D3DCCD1}">
+              <a14:hiddenFill xmlns:a14="http://schemas.microsoft.com/office/drawing/2010/main" xmlns="">
+                <a:solidFill>
+                  <a:srgbClr val="FFFFFF"/>
+                </a:solidFill>
+              </a14:hiddenFill>
+            </a:ext>
+            <a:ext uri="{91240B29-F687-4F45-9708-019B960494DF}">
+              <a14:hiddenLine xmlns:a14="http://schemas.microsoft.com/office/drawing/2010/main" xmlns="" w="9525">
+                <a:solidFill>
+                  <a:srgbClr val="000000"/>
+                </a:solidFill>
+                <a:miter lim="800000"/>
+                <a:headEnd/>
+                <a:tailEnd/>
+              </a14:hiddenLine>
+            </a:ext>
+          </a:extLst>
+        </p:spPr>
+      </p:pic>
+      <p:pic>
+        <p:nvPicPr>
+          <p:cNvPr id="59" name="Picture 2" descr="C:\Users\ozu\Pictures\logなど\STB-ST1100R.jpg"/>
+          <p:cNvPicPr>
+            <a:picLocks noChangeAspect="1" noChangeArrowheads="1"/>
+          </p:cNvPicPr>
+          <p:nvPr/>
+        </p:nvPicPr>
+        <p:blipFill>
+          <a:blip r:embed="rId7" cstate="print">
+            <a:extLst>
+              <a:ext uri="{28A0092B-C50C-407E-A947-70E740481C1C}">
+                <a14:useLocalDpi xmlns:a14="http://schemas.microsoft.com/office/drawing/2010/main" xmlns="" val="0"/>
+              </a:ext>
+            </a:extLst>
+          </a:blip>
+          <a:srcRect/>
+          <a:stretch>
+            <a:fillRect/>
+          </a:stretch>
+        </p:blipFill>
+        <p:spPr bwMode="auto">
+          <a:xfrm>
+            <a:off x="1194396" y="4488868"/>
+            <a:ext cx="439386" cy="575131"/>
+          </a:xfrm>
+          <a:prstGeom prst="rect">
+            <a:avLst/>
+          </a:prstGeom>
+          <a:noFill/>
+          <a:extLst>
+            <a:ext uri="{909E8E84-426E-40DD-AFC4-6F175D3DCCD1}">
+              <a14:hiddenFill xmlns:a14="http://schemas.microsoft.com/office/drawing/2010/main" xmlns="">
+                <a:solidFill>
+                  <a:srgbClr val="FFFFFF"/>
+                </a:solidFill>
+              </a14:hiddenFill>
+            </a:ext>
+          </a:extLst>
+        </p:spPr>
+      </p:pic>
+      <p:cxnSp>
+        <p:nvCxnSpPr>
+          <p:cNvPr id="61" name="直線コネクタ 60"/>
+          <p:cNvCxnSpPr>
+            <a:stCxn id="59" idx="3"/>
+            <a:endCxn id="57" idx="1"/>
+          </p:cNvCxnSpPr>
+          <p:nvPr/>
+        </p:nvCxnSpPr>
+        <p:spPr>
+          <a:xfrm>
+            <a:off x="1633782" y="4776434"/>
+            <a:ext cx="383420" cy="0"/>
+          </a:xfrm>
+          <a:prstGeom prst="line">
+            <a:avLst/>
+          </a:prstGeom>
+          <a:ln w="28575">
+            <a:solidFill>
+              <a:schemeClr val="tx1"/>
+            </a:solidFill>
+          </a:ln>
+        </p:spPr>
+        <p:style>
+          <a:lnRef idx="1">
+            <a:schemeClr val="accent1"/>
+          </a:lnRef>
+          <a:fillRef idx="0">
+            <a:schemeClr val="accent1"/>
+          </a:fillRef>
+          <a:effectRef idx="0">
+            <a:schemeClr val="accent1"/>
+          </a:effectRef>
+          <a:fontRef idx="minor">
+            <a:schemeClr val="tx1"/>
+          </a:fontRef>
+        </p:style>
+      </p:cxnSp>
+      <p:grpSp>
+        <p:nvGrpSpPr>
+          <p:cNvPr id="71" name="グループ化 70"/>
+          <p:cNvGrpSpPr/>
+          <p:nvPr/>
+        </p:nvGrpSpPr>
+        <p:grpSpPr>
+          <a:xfrm>
+            <a:off x="305357" y="5415280"/>
+            <a:ext cx="1184644" cy="913699"/>
+            <a:chOff x="630477" y="5425440"/>
+            <a:chExt cx="1184644" cy="913699"/>
+          </a:xfrm>
+        </p:grpSpPr>
+        <p:pic>
+          <p:nvPicPr>
+            <p:cNvPr id="68" name="Picture 3" descr="C:\Users\ozu\AppData\Local\Microsoft\Windows\Temporary Internet Files\Content.IE5\453Y9BHT\MP900433172[1].jpg"/>
+            <p:cNvPicPr>
+              <a:picLocks noChangeAspect="1" noChangeArrowheads="1"/>
+            </p:cNvPicPr>
+            <p:nvPr/>
+          </p:nvPicPr>
+          <p:blipFill>
+            <a:blip r:embed="rId8" cstate="print">
+              <a:extLst>
+                <a:ext uri="{28A0092B-C50C-407E-A947-70E740481C1C}">
+                  <a14:useLocalDpi xmlns:a14="http://schemas.microsoft.com/office/drawing/2010/main" xmlns="" val="0"/>
+                </a:ext>
+              </a:extLst>
+            </a:blip>
+            <a:srcRect/>
+            <a:stretch>
+              <a:fillRect/>
+            </a:stretch>
+          </p:blipFill>
+          <p:spPr bwMode="auto">
+            <a:xfrm>
+              <a:off x="752810" y="5425440"/>
+              <a:ext cx="911088" cy="913699"/>
+            </a:xfrm>
+            <a:prstGeom prst="rect">
+              <a:avLst/>
+            </a:prstGeom>
+            <a:noFill/>
+            <a:extLst>
+              <a:ext uri="{909E8E84-426E-40DD-AFC4-6F175D3DCCD1}">
+                <a14:hiddenFill xmlns:a14="http://schemas.microsoft.com/office/drawing/2010/main" xmlns="">
+                  <a:solidFill>
+                    <a:srgbClr val="FFFFFF"/>
+                  </a:solidFill>
+                </a14:hiddenFill>
+              </a:ext>
+            </a:extLst>
+          </p:spPr>
+        </p:pic>
+        <p:pic>
+          <p:nvPicPr>
+            <p:cNvPr id="69" name="Picture 2" descr="C:\Users\tilmi_000\Downloads\usb.png"/>
+            <p:cNvPicPr>
+              <a:picLocks noChangeAspect="1" noChangeArrowheads="1"/>
+            </p:cNvPicPr>
+            <p:nvPr/>
+          </p:nvPicPr>
+          <p:blipFill>
+            <a:blip r:embed="rId9" cstate="print"/>
+            <a:srcRect/>
+            <a:stretch>
+              <a:fillRect/>
+            </a:stretch>
+          </p:blipFill>
+          <p:spPr bwMode="auto">
+            <a:xfrm rot="5400000">
+              <a:off x="727901" y="5871185"/>
+              <a:ext cx="137554" cy="332401"/>
+            </a:xfrm>
+            <a:prstGeom prst="rect">
+              <a:avLst/>
+            </a:prstGeom>
+            <a:noFill/>
+          </p:spPr>
+        </p:pic>
+        <p:pic>
+          <p:nvPicPr>
+            <p:cNvPr id="70" name="Picture 2" descr="C:\Users\tilmi_000\Downloads\usb.png"/>
+            <p:cNvPicPr>
+              <a:picLocks noChangeAspect="1" noChangeArrowheads="1"/>
+            </p:cNvPicPr>
+            <p:nvPr/>
+          </p:nvPicPr>
+          <p:blipFill>
+            <a:blip r:embed="rId9" cstate="print"/>
+            <a:srcRect/>
+            <a:stretch>
+              <a:fillRect/>
+            </a:stretch>
+          </p:blipFill>
+          <p:spPr bwMode="auto">
+            <a:xfrm rot="16200000">
+              <a:off x="1580992" y="5871785"/>
+              <a:ext cx="137057" cy="331200"/>
+            </a:xfrm>
+            <a:prstGeom prst="rect">
+              <a:avLst/>
+            </a:prstGeom>
+            <a:noFill/>
+          </p:spPr>
+        </p:pic>
+      </p:grpSp>
+      <p:grpSp>
+        <p:nvGrpSpPr>
+          <p:cNvPr id="72" name="グループ化 71"/>
+          <p:cNvGrpSpPr/>
+          <p:nvPr/>
+        </p:nvGrpSpPr>
+        <p:grpSpPr>
+          <a:xfrm>
+            <a:off x="1798877" y="5415280"/>
+            <a:ext cx="1184644" cy="913699"/>
+            <a:chOff x="630477" y="5425440"/>
+            <a:chExt cx="1184644" cy="913699"/>
+          </a:xfrm>
+        </p:grpSpPr>
+        <p:pic>
+          <p:nvPicPr>
+            <p:cNvPr id="73" name="Picture 3" descr="C:\Users\ozu\AppData\Local\Microsoft\Windows\Temporary Internet Files\Content.IE5\453Y9BHT\MP900433172[1].jpg"/>
+            <p:cNvPicPr>
+              <a:picLocks noChangeAspect="1" noChangeArrowheads="1"/>
+            </p:cNvPicPr>
+            <p:nvPr/>
+          </p:nvPicPr>
+          <p:blipFill>
+            <a:blip r:embed="rId8" cstate="print">
+              <a:extLst>
+                <a:ext uri="{28A0092B-C50C-407E-A947-70E740481C1C}">
+                  <a14:useLocalDpi xmlns:a14="http://schemas.microsoft.com/office/drawing/2010/main" xmlns="" val="0"/>
+                </a:ext>
+              </a:extLst>
+            </a:blip>
+            <a:srcRect/>
+            <a:stretch>
+              <a:fillRect/>
+            </a:stretch>
+          </p:blipFill>
+          <p:spPr bwMode="auto">
+            <a:xfrm>
+              <a:off x="752810" y="5425440"/>
+              <a:ext cx="911088" cy="913699"/>
+            </a:xfrm>
+            <a:prstGeom prst="rect">
+              <a:avLst/>
+            </a:prstGeom>
+            <a:noFill/>
+            <a:extLst>
+              <a:ext uri="{909E8E84-426E-40DD-AFC4-6F175D3DCCD1}">
+                <a14:hiddenFill xmlns:a14="http://schemas.microsoft.com/office/drawing/2010/main" xmlns="">
+                  <a:solidFill>
+                    <a:srgbClr val="FFFFFF"/>
+                  </a:solidFill>
+                </a14:hiddenFill>
+              </a:ext>
+            </a:extLst>
+          </p:spPr>
+        </p:pic>
+        <p:pic>
+          <p:nvPicPr>
+            <p:cNvPr id="74" name="Picture 2" descr="C:\Users\tilmi_000\Downloads\usb.png"/>
+            <p:cNvPicPr>
+              <a:picLocks noChangeAspect="1" noChangeArrowheads="1"/>
+            </p:cNvPicPr>
+            <p:nvPr/>
+          </p:nvPicPr>
+          <p:blipFill>
+            <a:blip r:embed="rId9" cstate="print"/>
+            <a:srcRect/>
+            <a:stretch>
+              <a:fillRect/>
+            </a:stretch>
+          </p:blipFill>
+          <p:spPr bwMode="auto">
+            <a:xfrm rot="5400000">
+              <a:off x="727901" y="5871185"/>
+              <a:ext cx="137554" cy="332401"/>
+            </a:xfrm>
+            <a:prstGeom prst="rect">
+              <a:avLst/>
+            </a:prstGeom>
+            <a:noFill/>
+          </p:spPr>
+        </p:pic>
+        <p:pic>
+          <p:nvPicPr>
+            <p:cNvPr id="75" name="Picture 2" descr="C:\Users\tilmi_000\Downloads\usb.png"/>
+            <p:cNvPicPr>
+              <a:picLocks noChangeAspect="1" noChangeArrowheads="1"/>
+            </p:cNvPicPr>
+            <p:nvPr/>
+          </p:nvPicPr>
+          <p:blipFill>
+            <a:blip r:embed="rId9" cstate="print"/>
+            <a:srcRect/>
+            <a:stretch>
+              <a:fillRect/>
+            </a:stretch>
+          </p:blipFill>
+          <p:spPr bwMode="auto">
+            <a:xfrm rot="16200000">
+              <a:off x="1580992" y="5871785"/>
+              <a:ext cx="137057" cy="331200"/>
+            </a:xfrm>
+            <a:prstGeom prst="rect">
+              <a:avLst/>
+            </a:prstGeom>
+            <a:noFill/>
+          </p:spPr>
+        </p:pic>
+      </p:grpSp>
+      <p:pic>
+        <p:nvPicPr>
+          <p:cNvPr id="76" name="Picture 8" descr="C:\Users\ozu\Pictures\波無題.png"/>
+          <p:cNvPicPr>
+            <a:picLocks noChangeAspect="1" noChangeArrowheads="1"/>
+          </p:cNvPicPr>
+          <p:nvPr/>
+        </p:nvPicPr>
+        <p:blipFill>
+          <a:blip r:embed="rId10" cstate="print">
+            <a:extLst>
+              <a:ext uri="{28A0092B-C50C-407E-A947-70E740481C1C}">
+                <a14:useLocalDpi xmlns:a14="http://schemas.microsoft.com/office/drawing/2010/main" xmlns="" val="0"/>
+              </a:ext>
+            </a:extLst>
+          </a:blip>
+          <a:srcRect/>
+          <a:stretch>
+            <a:fillRect/>
+          </a:stretch>
+        </p:blipFill>
+        <p:spPr bwMode="auto">
+          <a:xfrm>
+            <a:off x="290436" y="5222240"/>
+            <a:ext cx="300123" cy="370607"/>
+          </a:xfrm>
+          <a:prstGeom prst="rect">
+            <a:avLst/>
+          </a:prstGeom>
+          <a:noFill/>
+          <a:extLst>
+            <a:ext uri="{909E8E84-426E-40DD-AFC4-6F175D3DCCD1}">
+              <a14:hiddenFill xmlns:a14="http://schemas.microsoft.com/office/drawing/2010/main" xmlns="">
+                <a:solidFill>
+                  <a:srgbClr val="FFFFFF"/>
+                </a:solidFill>
+              </a14:hiddenFill>
+            </a:ext>
+          </a:extLst>
+        </p:spPr>
+      </p:pic>
+      <p:pic>
+        <p:nvPicPr>
+          <p:cNvPr id="77" name="Picture 8" descr="C:\Users\ozu\Pictures\波無題.png"/>
+          <p:cNvPicPr>
+            <a:picLocks noChangeAspect="1" noChangeArrowheads="1"/>
+          </p:cNvPicPr>
+          <p:nvPr/>
+        </p:nvPicPr>
+        <p:blipFill>
+          <a:blip r:embed="rId10" cstate="print">
+            <a:extLst>
+              <a:ext uri="{28A0092B-C50C-407E-A947-70E740481C1C}">
+                <a14:useLocalDpi xmlns:a14="http://schemas.microsoft.com/office/drawing/2010/main" xmlns="" val="0"/>
+              </a:ext>
+            </a:extLst>
+          </a:blip>
+          <a:srcRect/>
+          <a:stretch>
+            <a:fillRect/>
+          </a:stretch>
+        </p:blipFill>
+        <p:spPr bwMode="auto">
+          <a:xfrm rot="19249351">
+            <a:off x="1204836" y="5222240"/>
+            <a:ext cx="300123" cy="370607"/>
+          </a:xfrm>
+          <a:prstGeom prst="rect">
+            <a:avLst/>
+          </a:prstGeom>
+          <a:noFill/>
+          <a:extLst>
+            <a:ext uri="{909E8E84-426E-40DD-AFC4-6F175D3DCCD1}">
+              <a14:hiddenFill xmlns:a14="http://schemas.microsoft.com/office/drawing/2010/main" xmlns="">
+                <a:solidFill>
+                  <a:srgbClr val="FFFFFF"/>
+                </a:solidFill>
+              </a14:hiddenFill>
+            </a:ext>
+          </a:extLst>
+        </p:spPr>
+      </p:pic>
+      <p:pic>
+        <p:nvPicPr>
+          <p:cNvPr id="78" name="Picture 8" descr="C:\Users\ozu\Pictures\波無題.png"/>
+          <p:cNvPicPr>
+            <a:picLocks noChangeAspect="1" noChangeArrowheads="1"/>
+          </p:cNvPicPr>
+          <p:nvPr/>
+        </p:nvPicPr>
+        <p:blipFill>
+          <a:blip r:embed="rId10" cstate="print">
+            <a:extLst>
+              <a:ext uri="{28A0092B-C50C-407E-A947-70E740481C1C}">
+                <a14:useLocalDpi xmlns:a14="http://schemas.microsoft.com/office/drawing/2010/main" xmlns="" val="0"/>
+              </a:ext>
+            </a:extLst>
+          </a:blip>
+          <a:srcRect/>
+          <a:stretch>
+            <a:fillRect/>
+          </a:stretch>
+        </p:blipFill>
+        <p:spPr bwMode="auto">
+          <a:xfrm rot="16909687">
+            <a:off x="1763636" y="5222240"/>
+            <a:ext cx="300123" cy="370607"/>
+          </a:xfrm>
+          <a:prstGeom prst="rect">
+            <a:avLst/>
+          </a:prstGeom>
+          <a:noFill/>
+          <a:extLst>
+            <a:ext uri="{909E8E84-426E-40DD-AFC4-6F175D3DCCD1}">
+              <a14:hiddenFill xmlns:a14="http://schemas.microsoft.com/office/drawing/2010/main" xmlns="">
+                <a:solidFill>
+                  <a:srgbClr val="FFFFFF"/>
+                </a:solidFill>
+              </a14:hiddenFill>
+            </a:ext>
+          </a:extLst>
+        </p:spPr>
+      </p:pic>
+      <p:pic>
+        <p:nvPicPr>
+          <p:cNvPr id="79" name="Picture 8" descr="C:\Users\ozu\Pictures\波無題.png"/>
+          <p:cNvPicPr>
+            <a:picLocks noChangeAspect="1" noChangeArrowheads="1"/>
+          </p:cNvPicPr>
+          <p:nvPr/>
+        </p:nvPicPr>
+        <p:blipFill>
+          <a:blip r:embed="rId10" cstate="print">
+            <a:extLst>
+              <a:ext uri="{28A0092B-C50C-407E-A947-70E740481C1C}">
+                <a14:useLocalDpi xmlns:a14="http://schemas.microsoft.com/office/drawing/2010/main" xmlns="" val="0"/>
+              </a:ext>
+            </a:extLst>
+          </a:blip>
+          <a:srcRect/>
+          <a:stretch>
+            <a:fillRect/>
+          </a:stretch>
+        </p:blipFill>
+        <p:spPr bwMode="auto">
+          <a:xfrm rot="15794795">
+            <a:off x="2759315" y="5222240"/>
+            <a:ext cx="300123" cy="370607"/>
+          </a:xfrm>
+          <a:prstGeom prst="rect">
+            <a:avLst/>
+          </a:prstGeom>
+          <a:noFill/>
+          <a:extLst>
+            <a:ext uri="{909E8E84-426E-40DD-AFC4-6F175D3DCCD1}">
+              <a14:hiddenFill xmlns:a14="http://schemas.microsoft.com/office/drawing/2010/main" xmlns="">
+                <a:solidFill>
+                  <a:srgbClr val="FFFFFF"/>
+                </a:solidFill>
+              </a14:hiddenFill>
+            </a:ext>
+          </a:extLst>
+        </p:spPr>
+      </p:pic>
+      <p:sp>
+        <p:nvSpPr>
+          <p:cNvPr id="80" name="正方形/長方形 79"/>
+          <p:cNvSpPr/>
+          <p:nvPr/>
+        </p:nvSpPr>
+        <p:spPr>
+          <a:xfrm>
+            <a:off x="3708400" y="3540760"/>
+            <a:ext cx="1869440" cy="487680"/>
+          </a:xfrm>
+          <a:prstGeom prst="rect">
+            <a:avLst/>
+          </a:prstGeom>
+        </p:spPr>
+        <p:style>
+          <a:lnRef idx="2">
+            <a:schemeClr val="accent3">
+              <a:shade val="50000"/>
+            </a:schemeClr>
+          </a:lnRef>
+          <a:fillRef idx="1">
+            <a:schemeClr val="accent3"/>
+          </a:fillRef>
+          <a:effectRef idx="0">
+            <a:schemeClr val="accent3"/>
+          </a:effectRef>
+          <a:fontRef idx="minor">
+            <a:schemeClr val="lt1"/>
+          </a:fontRef>
+        </p:style>
+        <p:txBody>
+          <a:bodyPr rtlCol="0" anchor="ctr"/>
+          <a:lstStyle/>
+          <a:p>
+            <a:pPr algn="ctr"/>
+            <a:r>
+              <a:rPr kumimoji="1" lang="ja-JP" altLang="en-US" dirty="0" smtClean="0"/>
+              <a:t>インセンティブ</a:t>
+            </a:r>
+            <a:endParaRPr kumimoji="1" lang="ja-JP" altLang="en-US" dirty="0"/>
+          </a:p>
+        </p:txBody>
+      </p:sp>
+      <p:sp>
+        <p:nvSpPr>
+          <p:cNvPr id="81" name="正方形/長方形 80"/>
+          <p:cNvSpPr/>
+          <p:nvPr/>
+        </p:nvSpPr>
+        <p:spPr>
+          <a:xfrm>
+            <a:off x="7620000" y="3540760"/>
+            <a:ext cx="1686560" cy="487680"/>
+          </a:xfrm>
+          <a:prstGeom prst="rect">
+            <a:avLst/>
+          </a:prstGeom>
+        </p:spPr>
+        <p:style>
+          <a:lnRef idx="2">
+            <a:schemeClr val="accent3">
+              <a:shade val="50000"/>
+            </a:schemeClr>
+          </a:lnRef>
+          <a:fillRef idx="1">
+            <a:schemeClr val="accent3"/>
+          </a:fillRef>
+          <a:effectRef idx="0">
+            <a:schemeClr val="accent3"/>
+          </a:effectRef>
+          <a:fontRef idx="minor">
+            <a:schemeClr val="lt1"/>
+          </a:fontRef>
+        </p:style>
+        <p:txBody>
+          <a:bodyPr rtlCol="0" anchor="ctr"/>
+          <a:lstStyle/>
+          <a:p>
+            <a:pPr algn="ctr"/>
+            <a:r>
+              <a:rPr lang="ja-JP" altLang="en-US" dirty="0" smtClean="0"/>
+              <a:t>ソーシャル</a:t>
+            </a:r>
+            <a:endParaRPr kumimoji="1" lang="ja-JP" altLang="en-US" dirty="0"/>
+          </a:p>
+        </p:txBody>
+      </p:sp>
+      <p:sp>
+        <p:nvSpPr>
+          <p:cNvPr id="82" name="テキスト ボックス 81"/>
+          <p:cNvSpPr txBox="1"/>
+          <p:nvPr/>
+        </p:nvSpPr>
+        <p:spPr>
+          <a:xfrm>
+            <a:off x="1686560" y="4094480"/>
+            <a:ext cx="1442720" cy="369332"/>
+          </a:xfrm>
+          <a:prstGeom prst="rect">
+            <a:avLst/>
+          </a:prstGeom>
+          <a:noFill/>
+        </p:spPr>
+        <p:txBody>
+          <a:bodyPr wrap="square" rtlCol="0">
+            <a:spAutoFit/>
+          </a:bodyPr>
+          <a:lstStyle/>
+          <a:p>
+            <a:r>
+              <a:rPr kumimoji="1" lang="ja-JP" altLang="en-US" dirty="0" smtClean="0"/>
+              <a:t>交渉サーバ</a:t>
+            </a:r>
+            <a:endParaRPr kumimoji="1" lang="ja-JP" altLang="en-US" dirty="0"/>
+          </a:p>
+        </p:txBody>
+      </p:sp>
+      <p:pic>
+        <p:nvPicPr>
+          <p:cNvPr id="9219" name="Picture 3"/>
+          <p:cNvPicPr>
+            <a:picLocks noChangeAspect="1" noChangeArrowheads="1"/>
+          </p:cNvPicPr>
+          <p:nvPr/>
+        </p:nvPicPr>
+        <p:blipFill>
+          <a:blip r:embed="rId11" cstate="print"/>
+          <a:srcRect/>
+          <a:stretch>
+            <a:fillRect/>
+          </a:stretch>
+        </p:blipFill>
+        <p:spPr bwMode="auto">
+          <a:xfrm>
+            <a:off x="7823200" y="4223077"/>
+            <a:ext cx="4236720" cy="2125971"/>
+          </a:xfrm>
+          <a:prstGeom prst="rect">
+            <a:avLst/>
+          </a:prstGeom>
+          <a:noFill/>
+          <a:ln w="9525">
+            <a:noFill/>
+            <a:miter lim="800000"/>
+            <a:headEnd/>
+            <a:tailEnd/>
+          </a:ln>
+        </p:spPr>
+      </p:pic>
+      <p:pic>
+        <p:nvPicPr>
+          <p:cNvPr id="84" name="Picture 2" descr="C:\Users\tilmi_000\Downloads\student.png"/>
+          <p:cNvPicPr>
+            <a:picLocks noChangeAspect="1" noChangeArrowheads="1"/>
+          </p:cNvPicPr>
+          <p:nvPr/>
+        </p:nvPicPr>
+        <p:blipFill>
+          <a:blip r:embed="rId12" cstate="print"/>
+          <a:srcRect/>
+          <a:stretch>
+            <a:fillRect/>
+          </a:stretch>
+        </p:blipFill>
+        <p:spPr bwMode="auto">
+          <a:xfrm>
+            <a:off x="3855265" y="4336585"/>
+            <a:ext cx="504000" cy="504000"/>
+          </a:xfrm>
+          <a:prstGeom prst="rect">
+            <a:avLst/>
+          </a:prstGeom>
+          <a:noFill/>
+        </p:spPr>
+      </p:pic>
+      <p:pic>
+        <p:nvPicPr>
+          <p:cNvPr id="85" name="Picture 3" descr="C:\Users\tilmi_000\Downloads\student (1).png"/>
+          <p:cNvPicPr>
+            <a:picLocks noChangeAspect="1" noChangeArrowheads="1"/>
+          </p:cNvPicPr>
+          <p:nvPr/>
+        </p:nvPicPr>
+        <p:blipFill>
+          <a:blip r:embed="rId13" cstate="print"/>
+          <a:srcRect/>
+          <a:stretch>
+            <a:fillRect/>
+          </a:stretch>
+        </p:blipFill>
+        <p:spPr bwMode="auto">
+          <a:xfrm flipH="1">
+            <a:off x="4642024" y="4895384"/>
+            <a:ext cx="504000" cy="504000"/>
+          </a:xfrm>
+          <a:prstGeom prst="rect">
+            <a:avLst/>
+          </a:prstGeom>
+          <a:noFill/>
+        </p:spPr>
+      </p:pic>
+      <p:pic>
+        <p:nvPicPr>
+          <p:cNvPr id="86" name="Picture 4" descr="C:\Users\tilmi_000\Downloads\student.png"/>
+          <p:cNvPicPr>
+            <a:picLocks noChangeAspect="1" noChangeArrowheads="1"/>
+          </p:cNvPicPr>
+          <p:nvPr/>
+        </p:nvPicPr>
+        <p:blipFill>
+          <a:blip r:embed="rId12" cstate="print"/>
+          <a:srcRect/>
+          <a:stretch>
+            <a:fillRect/>
+          </a:stretch>
+        </p:blipFill>
+        <p:spPr bwMode="auto">
+          <a:xfrm>
+            <a:off x="5510951" y="5484664"/>
+            <a:ext cx="504000" cy="504000"/>
+          </a:xfrm>
+          <a:prstGeom prst="rect">
+            <a:avLst/>
+          </a:prstGeom>
+          <a:noFill/>
+        </p:spPr>
+      </p:pic>
+      <p:sp>
+        <p:nvSpPr>
+          <p:cNvPr id="87" name="下矢印 86"/>
+          <p:cNvSpPr/>
+          <p:nvPr/>
+        </p:nvSpPr>
+        <p:spPr>
+          <a:xfrm rot="18448666">
+            <a:off x="4328160" y="4744720"/>
+            <a:ext cx="375920" cy="396240"/>
+          </a:xfrm>
+          <a:prstGeom prst="downArrow">
+            <a:avLst/>
+          </a:prstGeom>
+          <a:solidFill>
+            <a:schemeClr val="bg1"/>
+          </a:solidFill>
+        </p:spPr>
+        <p:style>
+          <a:lnRef idx="2">
+            <a:schemeClr val="accent1">
+              <a:shade val="50000"/>
+            </a:schemeClr>
+          </a:lnRef>
+          <a:fillRef idx="1">
+            <a:schemeClr val="accent1"/>
+          </a:fillRef>
+          <a:effectRef idx="0">
+            <a:schemeClr val="accent1"/>
+          </a:effectRef>
+          <a:fontRef idx="minor">
+            <a:schemeClr val="lt1"/>
+          </a:fontRef>
+        </p:style>
+        <p:txBody>
+          <a:bodyPr rtlCol="0" anchor="ctr"/>
+          <a:lstStyle/>
+          <a:p>
+            <a:pPr algn="ctr"/>
+            <a:endParaRPr kumimoji="1" lang="ja-JP" altLang="en-US"/>
+          </a:p>
+        </p:txBody>
+      </p:sp>
+      <p:sp>
+        <p:nvSpPr>
+          <p:cNvPr id="88" name="下矢印 87"/>
+          <p:cNvSpPr/>
+          <p:nvPr/>
+        </p:nvSpPr>
+        <p:spPr>
+          <a:xfrm rot="18448666">
+            <a:off x="5151120" y="5334000"/>
+            <a:ext cx="375920" cy="396240"/>
+          </a:xfrm>
+          <a:prstGeom prst="downArrow">
+            <a:avLst/>
+          </a:prstGeom>
+          <a:solidFill>
+            <a:schemeClr val="bg1"/>
+          </a:solidFill>
+        </p:spPr>
+        <p:style>
+          <a:lnRef idx="2">
+            <a:schemeClr val="accent1">
+              <a:shade val="50000"/>
+            </a:schemeClr>
+          </a:lnRef>
+          <a:fillRef idx="1">
+            <a:schemeClr val="accent1"/>
+          </a:fillRef>
+          <a:effectRef idx="0">
+            <a:schemeClr val="accent1"/>
+          </a:effectRef>
+          <a:fontRef idx="minor">
+            <a:schemeClr val="lt1"/>
+          </a:fontRef>
+        </p:style>
+        <p:txBody>
+          <a:bodyPr rtlCol="0" anchor="ctr"/>
+          <a:lstStyle/>
+          <a:p>
+            <a:pPr algn="ctr"/>
+            <a:endParaRPr kumimoji="1" lang="ja-JP" altLang="en-US"/>
+          </a:p>
+        </p:txBody>
+      </p:sp>
+      <p:pic>
+        <p:nvPicPr>
+          <p:cNvPr id="9220" name="Picture 4" descr="C:\Users\tilmi_000\Downloads\coins.png"/>
+          <p:cNvPicPr>
+            <a:picLocks noChangeAspect="1" noChangeArrowheads="1"/>
+          </p:cNvPicPr>
+          <p:nvPr/>
+        </p:nvPicPr>
+        <p:blipFill>
+          <a:blip r:embed="rId14" cstate="print"/>
+          <a:srcRect/>
+          <a:stretch>
+            <a:fillRect/>
+          </a:stretch>
+        </p:blipFill>
+        <p:spPr bwMode="auto">
+          <a:xfrm>
+            <a:off x="4836124" y="5608320"/>
+            <a:ext cx="350556" cy="350556"/>
+          </a:xfrm>
+          <a:prstGeom prst="rect">
+            <a:avLst/>
+          </a:prstGeom>
+          <a:noFill/>
+        </p:spPr>
+      </p:pic>
+      <p:sp>
+        <p:nvSpPr>
+          <p:cNvPr id="90" name="四角形吹き出し 89"/>
+          <p:cNvSpPr/>
+          <p:nvPr/>
+        </p:nvSpPr>
+        <p:spPr>
+          <a:xfrm>
+            <a:off x="4988560" y="4196080"/>
+            <a:ext cx="924560" cy="386080"/>
+          </a:xfrm>
+          <a:prstGeom prst="wedgeRectCallout">
+            <a:avLst>
+              <a:gd name="adj1" fmla="val -100913"/>
+              <a:gd name="adj2" fmla="val 54605"/>
+            </a:avLst>
+          </a:prstGeom>
+          <a:noFill/>
+        </p:spPr>
+        <p:style>
+          <a:lnRef idx="2">
+            <a:schemeClr val="accent3">
+              <a:shade val="50000"/>
+            </a:schemeClr>
+          </a:lnRef>
+          <a:fillRef idx="1">
+            <a:schemeClr val="accent3"/>
+          </a:fillRef>
+          <a:effectRef idx="0">
+            <a:schemeClr val="accent3"/>
+          </a:effectRef>
+          <a:fontRef idx="minor">
+            <a:schemeClr val="lt1"/>
+          </a:fontRef>
+        </p:style>
+        <p:txBody>
+          <a:bodyPr rtlCol="0" anchor="ctr"/>
+          <a:lstStyle/>
+          <a:p>
+            <a:pPr algn="ctr"/>
+            <a:r>
+              <a:rPr kumimoji="1" lang="ja-JP" altLang="en-US" dirty="0" smtClean="0">
+                <a:solidFill>
+                  <a:schemeClr val="tx1"/>
+                </a:solidFill>
+              </a:rPr>
+              <a:t>いいよ</a:t>
+            </a:r>
+            <a:endParaRPr kumimoji="1" lang="ja-JP" altLang="en-US" dirty="0">
+              <a:solidFill>
+                <a:schemeClr val="tx1"/>
+              </a:solidFill>
+            </a:endParaRPr>
+          </a:p>
+        </p:txBody>
+      </p:sp>
+      <p:sp>
+        <p:nvSpPr>
+          <p:cNvPr id="91" name="四角形吹き出し 90"/>
+          <p:cNvSpPr/>
+          <p:nvPr/>
+        </p:nvSpPr>
+        <p:spPr>
+          <a:xfrm>
+            <a:off x="5730240" y="4805680"/>
+            <a:ext cx="1727200" cy="386080"/>
+          </a:xfrm>
+          <a:prstGeom prst="wedgeRectCallout">
+            <a:avLst>
+              <a:gd name="adj1" fmla="val -83266"/>
+              <a:gd name="adj2" fmla="val 51973"/>
+            </a:avLst>
+          </a:prstGeom>
+          <a:noFill/>
+        </p:spPr>
+        <p:style>
+          <a:lnRef idx="2">
+            <a:schemeClr val="accent3">
+              <a:shade val="50000"/>
+            </a:schemeClr>
+          </a:lnRef>
+          <a:fillRef idx="1">
+            <a:schemeClr val="accent3"/>
+          </a:fillRef>
+          <a:effectRef idx="0">
+            <a:schemeClr val="accent3"/>
+          </a:effectRef>
+          <a:fontRef idx="minor">
+            <a:schemeClr val="lt1"/>
+          </a:fontRef>
+        </p:style>
+        <p:txBody>
+          <a:bodyPr rtlCol="0" anchor="ctr"/>
+          <a:lstStyle/>
+          <a:p>
+            <a:pPr algn="ctr"/>
+            <a:r>
+              <a:rPr kumimoji="1" lang="ja-JP" altLang="en-US" dirty="0" smtClean="0">
+                <a:solidFill>
+                  <a:schemeClr val="tx1"/>
+                </a:solidFill>
+              </a:rPr>
+              <a:t>いいらしいよ</a:t>
+            </a:r>
+            <a:endParaRPr kumimoji="1" lang="ja-JP" altLang="en-US" dirty="0">
+              <a:solidFill>
+                <a:schemeClr val="tx1"/>
+              </a:solidFill>
+            </a:endParaRPr>
+          </a:p>
+        </p:txBody>
+      </p:sp>
+      <p:sp>
+        <p:nvSpPr>
+          <p:cNvPr id="92" name="四角形吹き出し 91"/>
+          <p:cNvSpPr/>
+          <p:nvPr/>
+        </p:nvSpPr>
+        <p:spPr>
+          <a:xfrm>
+            <a:off x="6461760" y="5425440"/>
+            <a:ext cx="1117600" cy="386080"/>
+          </a:xfrm>
+          <a:prstGeom prst="wedgeRectCallout">
+            <a:avLst>
+              <a:gd name="adj1" fmla="val -83266"/>
+              <a:gd name="adj2" fmla="val 51973"/>
+            </a:avLst>
+          </a:prstGeom>
+          <a:noFill/>
+        </p:spPr>
+        <p:style>
+          <a:lnRef idx="2">
+            <a:schemeClr val="accent3">
+              <a:shade val="50000"/>
+            </a:schemeClr>
+          </a:lnRef>
+          <a:fillRef idx="1">
+            <a:schemeClr val="accent3"/>
+          </a:fillRef>
+          <a:effectRef idx="0">
+            <a:schemeClr val="accent3"/>
+          </a:effectRef>
+          <a:fontRef idx="minor">
+            <a:schemeClr val="lt1"/>
+          </a:fontRef>
+        </p:style>
+        <p:txBody>
+          <a:bodyPr rtlCol="0" anchor="ctr"/>
+          <a:lstStyle/>
+          <a:p>
+            <a:pPr algn="ctr"/>
+            <a:r>
+              <a:rPr kumimoji="1" lang="ja-JP" altLang="en-US" dirty="0" smtClean="0">
+                <a:solidFill>
+                  <a:schemeClr val="tx1"/>
+                </a:solidFill>
+              </a:rPr>
+              <a:t>買う！！</a:t>
+            </a:r>
+            <a:endParaRPr kumimoji="1" lang="ja-JP" altLang="en-US" dirty="0">
+              <a:solidFill>
+                <a:schemeClr val="tx1"/>
+              </a:solidFill>
+            </a:endParaRPr>
+          </a:p>
+        </p:txBody>
+      </p:sp>
+      <p:cxnSp>
+        <p:nvCxnSpPr>
+          <p:cNvPr id="94" name="図形 93"/>
+          <p:cNvCxnSpPr>
+            <a:endCxn id="85" idx="2"/>
+          </p:cNvCxnSpPr>
+          <p:nvPr/>
+        </p:nvCxnSpPr>
+        <p:spPr>
+          <a:xfrm rot="10800000">
+            <a:off x="4894024" y="5399384"/>
+            <a:ext cx="673656" cy="473096"/>
+          </a:xfrm>
+          <a:prstGeom prst="curvedConnector2">
+            <a:avLst/>
+          </a:prstGeom>
+          <a:ln>
+            <a:tailEnd type="arrow"/>
+          </a:ln>
+        </p:spPr>
+        <p:style>
+          <a:lnRef idx="1">
+            <a:schemeClr val="accent1"/>
+          </a:lnRef>
+          <a:fillRef idx="0">
+            <a:schemeClr val="accent1"/>
+          </a:fillRef>
+          <a:effectRef idx="0">
+            <a:schemeClr val="accent1"/>
+          </a:effectRef>
+          <a:fontRef idx="minor">
+            <a:schemeClr val="tx1"/>
+          </a:fontRef>
+        </p:style>
+      </p:cxnSp>
+      <p:cxnSp>
+        <p:nvCxnSpPr>
+          <p:cNvPr id="96" name="図形 95"/>
+          <p:cNvCxnSpPr>
+            <a:endCxn id="84" idx="2"/>
+          </p:cNvCxnSpPr>
+          <p:nvPr/>
+        </p:nvCxnSpPr>
+        <p:spPr>
+          <a:xfrm rot="10800000">
+            <a:off x="4107266" y="4840586"/>
+            <a:ext cx="1480735" cy="1092855"/>
+          </a:xfrm>
+          <a:prstGeom prst="curvedConnector2">
+            <a:avLst/>
+          </a:prstGeom>
+          <a:ln>
+            <a:tailEnd type="arrow"/>
+          </a:ln>
+        </p:spPr>
+        <p:style>
+          <a:lnRef idx="1">
+            <a:schemeClr val="accent1"/>
+          </a:lnRef>
+          <a:fillRef idx="0">
+            <a:schemeClr val="accent1"/>
+          </a:fillRef>
+          <a:effectRef idx="0">
+            <a:schemeClr val="accent1"/>
+          </a:effectRef>
+          <a:fontRef idx="minor">
+            <a:schemeClr val="tx1"/>
+          </a:fontRef>
+        </p:style>
+      </p:cxnSp>
+    </p:spTree>
+    <p:extLst>
+      <p:ext uri="{BB962C8B-B14F-4D97-AF65-F5344CB8AC3E}">
+        <p14:creationId xmlns="" xmlns:p14="http://schemas.microsoft.com/office/powerpoint/2010/main" val="1846401246"/>
+      </p:ext>
+    </p:extLst>
+  </p:cSld>
+  <p:clrMapOvr>
+    <a:masterClrMapping/>
+  </p:clrMapOvr>
+  <p:timing>
+    <p:tnLst>
+      <p:par>
+        <p:cTn id="1" dur="indefinite" restart="never" nodeType="tmRoot"/>
+      </p:par>
+    </p:tnLst>
+  </p:timing>
+</p:sld>
+</file>
+
+<file path=ppt/slides/slide4.xml><?xml version="1.0" encoding="utf-8"?>
+<p:sld xmlns:a="http://schemas.openxmlformats.org/drawingml/2006/main" xmlns:r="http://schemas.openxmlformats.org/officeDocument/2006/relationships" xmlns:p="http://schemas.openxmlformats.org/presentationml/2006/main">
+  <p:cSld>
+    <p:spTree>
+      <p:nvGrpSpPr>
+        <p:cNvPr id="1" name=""/>
+        <p:cNvGrpSpPr/>
+        <p:nvPr/>
+      </p:nvGrpSpPr>
+      <p:grpSpPr>
+        <a:xfrm>
+          <a:off x="0" y="0"/>
+          <a:ext cx="0" cy="0"/>
+          <a:chOff x="0" y="0"/>
+          <a:chExt cx="0" cy="0"/>
+        </a:xfrm>
+      </p:grpSpPr>
+      <p:sp>
+        <p:nvSpPr>
+          <p:cNvPr id="2" name="スライド番号プレースホルダ 1"/>
+          <p:cNvSpPr>
+            <a:spLocks noGrp="1"/>
+          </p:cNvSpPr>
+          <p:nvPr>
+            <p:ph type="sldNum" sz="quarter" idx="4"/>
+          </p:nvPr>
+        </p:nvSpPr>
+        <p:spPr/>
+        <p:txBody>
+          <a:bodyPr/>
+          <a:lstStyle/>
+          <a:p>
+            <a:fld id="{80B61DEA-751C-4EFC-848A-C896179D47AE}" type="slidenum">
+              <a:rPr kumimoji="1" lang="ja-JP" altLang="en-US" smtClean="0"/>
+              <a:pPr/>
+              <a:t>4</a:t>
+            </a:fld>
+            <a:endParaRPr kumimoji="1" lang="ja-JP" altLang="en-US"/>
+          </a:p>
+        </p:txBody>
+      </p:sp>
+      <p:sp>
+        <p:nvSpPr>
+          <p:cNvPr id="3" name="コンテンツ プレースホルダ 2"/>
+          <p:cNvSpPr>
+            <a:spLocks noGrp="1"/>
+          </p:cNvSpPr>
+          <p:nvPr>
+            <p:ph idx="1"/>
+          </p:nvPr>
+        </p:nvSpPr>
+        <p:spPr/>
+        <p:txBody>
+          <a:bodyPr/>
+          <a:lstStyle/>
+          <a:p>
+            <a:endParaRPr kumimoji="1" lang="ja-JP" altLang="en-US"/>
+          </a:p>
+        </p:txBody>
+      </p:sp>
+      <p:sp>
+        <p:nvSpPr>
+          <p:cNvPr id="4" name="タイトル 3"/>
+          <p:cNvSpPr>
+            <a:spLocks noGrp="1"/>
+          </p:cNvSpPr>
+          <p:nvPr>
+            <p:ph type="title"/>
+          </p:nvPr>
+        </p:nvSpPr>
+        <p:spPr/>
+        <p:txBody>
+          <a:bodyPr/>
+          <a:lstStyle/>
+          <a:p>
+            <a:endParaRPr kumimoji="1" lang="ja-JP" altLang="en-US"/>
+          </a:p>
+        </p:txBody>
+      </p:sp>
+    </p:spTree>
+  </p:cSld>
+  <p:clrMapOvr>
+    <a:masterClrMapping/>
+  </p:clrMapOvr>
+</p:sld>
+</file>
+
+<file path=ppt/slides/slide5.xml><?xml version="1.0" encoding="utf-8"?>
 <p:sld xmlns:a="http://schemas.openxmlformats.org/drawingml/2006/main" xmlns:r="http://schemas.openxmlformats.org/officeDocument/2006/relationships" xmlns:p="http://schemas.openxmlformats.org/presentationml/2006/main">
   <p:cSld>
     <p:spTree>
@@ -5934,7 +8619,7 @@
     </p:spTree>
     <p:extLst>
       <p:ext uri="{BB962C8B-B14F-4D97-AF65-F5344CB8AC3E}">
-        <p14:creationId xmlns:p14="http://schemas.microsoft.com/office/powerpoint/2010/main" xmlns="" val="291693654"/>
+        <p14:creationId xmlns="" xmlns:p14="http://schemas.microsoft.com/office/powerpoint/2010/main" val="291693654"/>
       </p:ext>
     </p:extLst>
   </p:cSld>
@@ -5951,7 +8636,7 @@
 </p:sld>
 </file>
 
-<file path=ppt/slides/slide4.xml><?xml version="1.0" encoding="utf-8"?>
+<file path=ppt/slides/slide6.xml><?xml version="1.0" encoding="utf-8"?>
 <p:sld xmlns:a="http://schemas.openxmlformats.org/drawingml/2006/main" xmlns:r="http://schemas.openxmlformats.org/officeDocument/2006/relationships" xmlns:p="http://schemas.openxmlformats.org/presentationml/2006/main">
   <p:cSld>
     <p:spTree>
@@ -5986,7 +8671,7 @@
             <a:fld id="{80B61DEA-751C-4EFC-848A-C896179D47AE}" type="slidenum">
               <a:rPr kumimoji="1" lang="ja-JP" altLang="en-US" smtClean="0"/>
               <a:pPr/>
-              <a:t>4</a:t>
+              <a:t>6</a:t>
             </a:fld>
             <a:endParaRPr kumimoji="1" lang="ja-JP" altLang="en-US"/>
           </a:p>
@@ -6102,7 +8787,7 @@
     </p:spTree>
     <p:extLst>
       <p:ext uri="{BB962C8B-B14F-4D97-AF65-F5344CB8AC3E}">
-        <p14:creationId xmlns:p14="http://schemas.microsoft.com/office/powerpoint/2010/main" xmlns="" val="1846401246"/>
+        <p14:creationId xmlns="" xmlns:p14="http://schemas.microsoft.com/office/powerpoint/2010/main" val="1846401246"/>
       </p:ext>
     </p:extLst>
   </p:cSld>
@@ -6119,7 +8804,7 @@
 </p:sld>
 </file>
 
-<file path=ppt/slides/slide5.xml><?xml version="1.0" encoding="utf-8"?>
+<file path=ppt/slides/slide7.xml><?xml version="1.0" encoding="utf-8"?>
 <p:sld xmlns:a="http://schemas.openxmlformats.org/drawingml/2006/main" xmlns:r="http://schemas.openxmlformats.org/officeDocument/2006/relationships" xmlns:p="http://schemas.openxmlformats.org/presentationml/2006/main">
   <p:cSld>
     <p:spTree>
@@ -6239,7 +8924,7 @@
             <a:fld id="{80B61DEA-751C-4EFC-848A-C896179D47AE}" type="slidenum">
               <a:rPr kumimoji="1" lang="ja-JP" altLang="en-US" smtClean="0"/>
               <a:pPr/>
-              <a:t>5</a:t>
+              <a:t>7</a:t>
             </a:fld>
             <a:endParaRPr kumimoji="1" lang="ja-JP" altLang="en-US"/>
           </a:p>
@@ -6271,7 +8956,7 @@
             <a:blip r:embed="rId3" cstate="print">
               <a:extLst>
                 <a:ext uri="{28A0092B-C50C-407E-A947-70E740481C1C}">
-                  <a14:useLocalDpi xmlns:a14="http://schemas.microsoft.com/office/drawing/2010/main" xmlns="" val="0"/>
+                  <a14:useLocalDpi xmlns="" xmlns:a14="http://schemas.microsoft.com/office/drawing/2010/main" val="0"/>
                 </a:ext>
               </a:extLst>
             </a:blip>
@@ -6294,14 +8979,14 @@
             </a:ln>
             <a:extLst>
               <a:ext uri="{909E8E84-426E-40DD-AFC4-6F175D3DCCD1}">
-                <a14:hiddenFill xmlns:a14="http://schemas.microsoft.com/office/drawing/2010/main" xmlns="">
+                <a14:hiddenFill xmlns="" xmlns:a14="http://schemas.microsoft.com/office/drawing/2010/main">
                   <a:solidFill>
                     <a:schemeClr val="accent1"/>
                   </a:solidFill>
                 </a14:hiddenFill>
               </a:ext>
               <a:ext uri="{91240B29-F687-4F45-9708-019B960494DF}">
-                <a14:hiddenLine xmlns:a14="http://schemas.microsoft.com/office/drawing/2010/main" xmlns="" w="9525">
+                <a14:hiddenLine xmlns="" xmlns:a14="http://schemas.microsoft.com/office/drawing/2010/main" w="9525">
                   <a:solidFill>
                     <a:schemeClr val="tx1"/>
                   </a:solidFill>
@@ -6325,7 +9010,7 @@
             <a:blip r:embed="rId3" cstate="print">
               <a:extLst>
                 <a:ext uri="{28A0092B-C50C-407E-A947-70E740481C1C}">
-                  <a14:useLocalDpi xmlns:a14="http://schemas.microsoft.com/office/drawing/2010/main" xmlns="" val="0"/>
+                  <a14:useLocalDpi xmlns="" xmlns:a14="http://schemas.microsoft.com/office/drawing/2010/main" val="0"/>
                 </a:ext>
               </a:extLst>
             </a:blip>
@@ -6348,14 +9033,14 @@
             </a:ln>
             <a:extLst>
               <a:ext uri="{909E8E84-426E-40DD-AFC4-6F175D3DCCD1}">
-                <a14:hiddenFill xmlns:a14="http://schemas.microsoft.com/office/drawing/2010/main" xmlns="">
+                <a14:hiddenFill xmlns="" xmlns:a14="http://schemas.microsoft.com/office/drawing/2010/main">
                   <a:solidFill>
                     <a:schemeClr val="accent1"/>
                   </a:solidFill>
                 </a14:hiddenFill>
               </a:ext>
               <a:ext uri="{91240B29-F687-4F45-9708-019B960494DF}">
-                <a14:hiddenLine xmlns:a14="http://schemas.microsoft.com/office/drawing/2010/main" xmlns="" w="9525">
+                <a14:hiddenLine xmlns="" xmlns:a14="http://schemas.microsoft.com/office/drawing/2010/main" w="9525">
                   <a:solidFill>
                     <a:schemeClr val="tx1"/>
                   </a:solidFill>
@@ -6379,7 +9064,7 @@
             <a:blip r:embed="rId3" cstate="print">
               <a:extLst>
                 <a:ext uri="{28A0092B-C50C-407E-A947-70E740481C1C}">
-                  <a14:useLocalDpi xmlns:a14="http://schemas.microsoft.com/office/drawing/2010/main" xmlns="" val="0"/>
+                  <a14:useLocalDpi xmlns="" xmlns:a14="http://schemas.microsoft.com/office/drawing/2010/main" val="0"/>
                 </a:ext>
               </a:extLst>
             </a:blip>
@@ -6402,14 +9087,14 @@
             </a:ln>
             <a:extLst>
               <a:ext uri="{909E8E84-426E-40DD-AFC4-6F175D3DCCD1}">
-                <a14:hiddenFill xmlns:a14="http://schemas.microsoft.com/office/drawing/2010/main" xmlns="">
+                <a14:hiddenFill xmlns="" xmlns:a14="http://schemas.microsoft.com/office/drawing/2010/main">
                   <a:solidFill>
                     <a:schemeClr val="accent1"/>
                   </a:solidFill>
                 </a14:hiddenFill>
               </a:ext>
               <a:ext uri="{91240B29-F687-4F45-9708-019B960494DF}">
-                <a14:hiddenLine xmlns:a14="http://schemas.microsoft.com/office/drawing/2010/main" xmlns="" w="9525">
+                <a14:hiddenLine xmlns="" xmlns:a14="http://schemas.microsoft.com/office/drawing/2010/main" w="9525">
                   <a:solidFill>
                     <a:schemeClr val="tx1"/>
                   </a:solidFill>
@@ -6433,7 +9118,7 @@
             <a:blip r:embed="rId3" cstate="print">
               <a:extLst>
                 <a:ext uri="{28A0092B-C50C-407E-A947-70E740481C1C}">
-                  <a14:useLocalDpi xmlns:a14="http://schemas.microsoft.com/office/drawing/2010/main" xmlns="" val="0"/>
+                  <a14:useLocalDpi xmlns="" xmlns:a14="http://schemas.microsoft.com/office/drawing/2010/main" val="0"/>
                 </a:ext>
               </a:extLst>
             </a:blip>
@@ -6456,14 +9141,14 @@
             </a:ln>
             <a:extLst>
               <a:ext uri="{909E8E84-426E-40DD-AFC4-6F175D3DCCD1}">
-                <a14:hiddenFill xmlns:a14="http://schemas.microsoft.com/office/drawing/2010/main" xmlns="">
+                <a14:hiddenFill xmlns="" xmlns:a14="http://schemas.microsoft.com/office/drawing/2010/main">
                   <a:solidFill>
                     <a:schemeClr val="accent1"/>
                   </a:solidFill>
                 </a14:hiddenFill>
               </a:ext>
               <a:ext uri="{91240B29-F687-4F45-9708-019B960494DF}">
-                <a14:hiddenLine xmlns:a14="http://schemas.microsoft.com/office/drawing/2010/main" xmlns="" w="9525">
+                <a14:hiddenLine xmlns="" xmlns:a14="http://schemas.microsoft.com/office/drawing/2010/main" w="9525">
                   <a:solidFill>
                     <a:schemeClr val="tx1"/>
                   </a:solidFill>
@@ -6853,7 +9538,7 @@
           <a:blip r:embed="rId4" cstate="print">
             <a:extLst>
               <a:ext uri="{28A0092B-C50C-407E-A947-70E740481C1C}">
-                <a14:useLocalDpi xmlns:a14="http://schemas.microsoft.com/office/drawing/2010/main" xmlns="" val="0"/>
+                <a14:useLocalDpi xmlns="" xmlns:a14="http://schemas.microsoft.com/office/drawing/2010/main" val="0"/>
               </a:ext>
             </a:extLst>
           </a:blip>
@@ -6880,7 +9565,7 @@
           </a:ln>
           <a:extLst>
             <a:ext uri="{909E8E84-426E-40DD-AFC4-6F175D3DCCD1}">
-              <a14:hiddenFill xmlns:a14="http://schemas.microsoft.com/office/drawing/2010/main" xmlns="">
+              <a14:hiddenFill xmlns="" xmlns:a14="http://schemas.microsoft.com/office/drawing/2010/main">
                 <a:solidFill>
                   <a:srgbClr val="FFFFFF"/>
                 </a:solidFill>
@@ -6931,7 +9616,7 @@
           <a:blip r:embed="rId5" cstate="print">
             <a:extLst>
               <a:ext uri="{28A0092B-C50C-407E-A947-70E740481C1C}">
-                <a14:useLocalDpi xmlns:a14="http://schemas.microsoft.com/office/drawing/2010/main" xmlns="" val="0"/>
+                <a14:useLocalDpi xmlns="" xmlns:a14="http://schemas.microsoft.com/office/drawing/2010/main" val="0"/>
               </a:ext>
             </a:extLst>
           </a:blip>
@@ -6951,7 +9636,7 @@
           <a:noFill/>
           <a:extLst>
             <a:ext uri="{909E8E84-426E-40DD-AFC4-6F175D3DCCD1}">
-              <a14:hiddenFill xmlns:a14="http://schemas.microsoft.com/office/drawing/2010/main" xmlns="">
+              <a14:hiddenFill xmlns="" xmlns:a14="http://schemas.microsoft.com/office/drawing/2010/main">
                 <a:solidFill>
                   <a:srgbClr val="FFFFFF"/>
                 </a:solidFill>
@@ -6972,7 +9657,7 @@
           <a:blip r:embed="rId6" cstate="print">
             <a:extLst>
               <a:ext uri="{28A0092B-C50C-407E-A947-70E740481C1C}">
-                <a14:useLocalDpi xmlns:a14="http://schemas.microsoft.com/office/drawing/2010/main" xmlns="" val="0"/>
+                <a14:useLocalDpi xmlns="" xmlns:a14="http://schemas.microsoft.com/office/drawing/2010/main" val="0"/>
               </a:ext>
             </a:extLst>
           </a:blip>
@@ -6992,7 +9677,7 @@
           <a:noFill/>
           <a:extLst>
             <a:ext uri="{909E8E84-426E-40DD-AFC4-6F175D3DCCD1}">
-              <a14:hiddenFill xmlns:a14="http://schemas.microsoft.com/office/drawing/2010/main" xmlns="">
+              <a14:hiddenFill xmlns="" xmlns:a14="http://schemas.microsoft.com/office/drawing/2010/main">
                 <a:solidFill>
                   <a:srgbClr val="FFFFFF"/>
                 </a:solidFill>
@@ -8219,7 +10904,7 @@
           <a:blip r:embed="rId6" cstate="print">
             <a:extLst>
               <a:ext uri="{28A0092B-C50C-407E-A947-70E740481C1C}">
-                <a14:useLocalDpi xmlns:a14="http://schemas.microsoft.com/office/drawing/2010/main" xmlns="" val="0"/>
+                <a14:useLocalDpi xmlns="" xmlns:a14="http://schemas.microsoft.com/office/drawing/2010/main" val="0"/>
               </a:ext>
             </a:extLst>
           </a:blip>
@@ -8239,7 +10924,7 @@
           <a:noFill/>
           <a:extLst>
             <a:ext uri="{909E8E84-426E-40DD-AFC4-6F175D3DCCD1}">
-              <a14:hiddenFill xmlns:a14="http://schemas.microsoft.com/office/drawing/2010/main" xmlns="">
+              <a14:hiddenFill xmlns="" xmlns:a14="http://schemas.microsoft.com/office/drawing/2010/main">
                 <a:solidFill>
                   <a:srgbClr val="FFFFFF"/>
                 </a:solidFill>
@@ -8691,7 +11376,7 @@
           <a:blip r:embed="rId7" cstate="print">
             <a:extLst>
               <a:ext uri="{28A0092B-C50C-407E-A947-70E740481C1C}">
-                <a14:useLocalDpi xmlns:a14="http://schemas.microsoft.com/office/drawing/2010/main" xmlns="" val="0"/>
+                <a14:useLocalDpi xmlns="" xmlns:a14="http://schemas.microsoft.com/office/drawing/2010/main" val="0"/>
               </a:ext>
             </a:extLst>
           </a:blip>
@@ -8716,7 +11401,7 @@
           </a:ln>
           <a:extLst>
             <a:ext uri="{909E8E84-426E-40DD-AFC4-6F175D3DCCD1}">
-              <a14:hiddenFill xmlns:a14="http://schemas.microsoft.com/office/drawing/2010/main" xmlns="">
+              <a14:hiddenFill xmlns="" xmlns:a14="http://schemas.microsoft.com/office/drawing/2010/main">
                 <a:solidFill>
                   <a:srgbClr val="FFFFFF"/>
                 </a:solidFill>
@@ -9017,7 +11702,7 @@
           <a:blip r:embed="rId3" cstate="print">
             <a:extLst>
               <a:ext uri="{28A0092B-C50C-407E-A947-70E740481C1C}">
-                <a14:useLocalDpi xmlns:a14="http://schemas.microsoft.com/office/drawing/2010/main" xmlns="" val="0"/>
+                <a14:useLocalDpi xmlns="" xmlns:a14="http://schemas.microsoft.com/office/drawing/2010/main" val="0"/>
               </a:ext>
             </a:extLst>
           </a:blip>
@@ -9040,14 +11725,14 @@
           </a:ln>
           <a:extLst>
             <a:ext uri="{909E8E84-426E-40DD-AFC4-6F175D3DCCD1}">
-              <a14:hiddenFill xmlns:a14="http://schemas.microsoft.com/office/drawing/2010/main" xmlns="">
+              <a14:hiddenFill xmlns="" xmlns:a14="http://schemas.microsoft.com/office/drawing/2010/main">
                 <a:solidFill>
                   <a:schemeClr val="accent1"/>
                 </a:solidFill>
               </a14:hiddenFill>
             </a:ext>
             <a:ext uri="{91240B29-F687-4F45-9708-019B960494DF}">
-              <a14:hiddenLine xmlns:a14="http://schemas.microsoft.com/office/drawing/2010/main" xmlns="" w="9525">
+              <a14:hiddenLine xmlns="" xmlns:a14="http://schemas.microsoft.com/office/drawing/2010/main" w="9525">
                 <a:solidFill>
                   <a:schemeClr val="tx1"/>
                 </a:solidFill>
@@ -9735,7 +12420,7 @@
     </p:spTree>
     <p:extLst>
       <p:ext uri="{BB962C8B-B14F-4D97-AF65-F5344CB8AC3E}">
-        <p14:creationId xmlns:p14="http://schemas.microsoft.com/office/powerpoint/2010/main" xmlns="" val="1904809622"/>
+        <p14:creationId xmlns="" xmlns:p14="http://schemas.microsoft.com/office/powerpoint/2010/main" val="1904809622"/>
       </p:ext>
     </p:extLst>
   </p:cSld>
@@ -9752,7 +12437,7 @@
 </p:sld>
 </file>
 
-<file path=ppt/slides/slide6.xml><?xml version="1.0" encoding="utf-8"?>
+<file path=ppt/slides/slide8.xml><?xml version="1.0" encoding="utf-8"?>
 <p:sld xmlns:a="http://schemas.openxmlformats.org/drawingml/2006/main" xmlns:r="http://schemas.openxmlformats.org/officeDocument/2006/relationships" xmlns:p="http://schemas.openxmlformats.org/presentationml/2006/main">
   <p:cSld>
     <p:spTree>
@@ -9771,64 +12456,6 @@
       </p:grpSpPr>
       <p:sp>
         <p:nvSpPr>
-          <p:cNvPr id="26" name="角丸四角形吹き出し 25"/>
-          <p:cNvSpPr/>
-          <p:nvPr/>
-        </p:nvSpPr>
-        <p:spPr>
-          <a:xfrm>
-            <a:off x="4254696" y="3254209"/>
-            <a:ext cx="1976166" cy="1480842"/>
-          </a:xfrm>
-          <a:prstGeom prst="wedgeRoundRectCallout">
-            <a:avLst>
-              <a:gd name="adj1" fmla="val -56331"/>
-              <a:gd name="adj2" fmla="val -30396"/>
-              <a:gd name="adj3" fmla="val 16667"/>
-            </a:avLst>
-          </a:prstGeom>
-          <a:solidFill>
-            <a:schemeClr val="bg1"/>
-          </a:solidFill>
-          <a:ln>
-            <a:solidFill>
-              <a:schemeClr val="tx1"/>
-            </a:solidFill>
-          </a:ln>
-        </p:spPr>
-        <p:style>
-          <a:lnRef idx="2">
-            <a:schemeClr val="accent1">
-              <a:shade val="50000"/>
-            </a:schemeClr>
-          </a:lnRef>
-          <a:fillRef idx="1">
-            <a:schemeClr val="accent1"/>
-          </a:fillRef>
-          <a:effectRef idx="0">
-            <a:schemeClr val="accent1"/>
-          </a:effectRef>
-          <a:fontRef idx="minor">
-            <a:schemeClr val="lt1"/>
-          </a:fontRef>
-        </p:style>
-        <p:txBody>
-          <a:bodyPr rtlCol="0" anchor="ctr"/>
-          <a:lstStyle/>
-          <a:p>
-            <a:pPr algn="ctr"/>
-            <a:endParaRPr kumimoji="1" lang="ja-JP" altLang="en-US">
-              <a:ln>
-                <a:solidFill>
-                  <a:schemeClr val="tx1"/>
-                </a:solidFill>
-              </a:ln>
-            </a:endParaRPr>
-          </a:p>
-        </p:txBody>
-      </p:sp>
-      <p:sp>
-        <p:nvSpPr>
           <p:cNvPr id="3" name="タイトル 2"/>
           <p:cNvSpPr>
             <a:spLocks noGrp="1"/>
@@ -9872,7 +12499,7 @@
             <a:fld id="{80B61DEA-751C-4EFC-848A-C896179D47AE}" type="slidenum">
               <a:rPr kumimoji="1" lang="ja-JP" altLang="en-US" smtClean="0"/>
               <a:pPr/>
-              <a:t>6</a:t>
+              <a:t>8</a:t>
             </a:fld>
             <a:endParaRPr kumimoji="1" lang="ja-JP" altLang="en-US"/>
           </a:p>
@@ -9881,13 +12508,15 @@
       <p:grpSp>
         <p:nvGrpSpPr>
           <p:cNvPr id="9" name="グループ化 8"/>
-          <p:cNvGrpSpPr/>
+          <p:cNvGrpSpPr>
+            <a:grpSpLocks noChangeAspect="1"/>
+          </p:cNvGrpSpPr>
           <p:nvPr/>
         </p:nvGrpSpPr>
         <p:grpSpPr>
           <a:xfrm>
-            <a:off x="2705243" y="1732027"/>
-            <a:ext cx="998405" cy="1339990"/>
+            <a:off x="3383280" y="1697657"/>
+            <a:ext cx="698502" cy="937480"/>
             <a:chOff x="1138237" y="1900870"/>
             <a:chExt cx="998405" cy="1339990"/>
           </a:xfrm>
@@ -9904,7 +12533,7 @@
             <a:blip r:embed="rId3" cstate="print">
               <a:extLst>
                 <a:ext uri="{28A0092B-C50C-407E-A947-70E740481C1C}">
-                  <a14:useLocalDpi xmlns:a14="http://schemas.microsoft.com/office/drawing/2010/main" xmlns="" val="0"/>
+                  <a14:useLocalDpi xmlns="" xmlns:a14="http://schemas.microsoft.com/office/drawing/2010/main" val="0"/>
                 </a:ext>
               </a:extLst>
             </a:blip>
@@ -9927,14 +12556,14 @@
             </a:ln>
             <a:extLst>
               <a:ext uri="{909E8E84-426E-40DD-AFC4-6F175D3DCCD1}">
-                <a14:hiddenFill xmlns:a14="http://schemas.microsoft.com/office/drawing/2010/main" xmlns="">
+                <a14:hiddenFill xmlns="" xmlns:a14="http://schemas.microsoft.com/office/drawing/2010/main">
                   <a:solidFill>
                     <a:schemeClr val="accent1"/>
                   </a:solidFill>
                 </a14:hiddenFill>
               </a:ext>
               <a:ext uri="{91240B29-F687-4F45-9708-019B960494DF}">
-                <a14:hiddenLine xmlns:a14="http://schemas.microsoft.com/office/drawing/2010/main" xmlns="" w="9525">
+                <a14:hiddenLine xmlns="" xmlns:a14="http://schemas.microsoft.com/office/drawing/2010/main" w="9525">
                   <a:solidFill>
                     <a:schemeClr val="tx1"/>
                   </a:solidFill>
@@ -9958,7 +12587,7 @@
             <a:blip r:embed="rId3" cstate="print">
               <a:extLst>
                 <a:ext uri="{28A0092B-C50C-407E-A947-70E740481C1C}">
-                  <a14:useLocalDpi xmlns:a14="http://schemas.microsoft.com/office/drawing/2010/main" xmlns="" val="0"/>
+                  <a14:useLocalDpi xmlns="" xmlns:a14="http://schemas.microsoft.com/office/drawing/2010/main" val="0"/>
                 </a:ext>
               </a:extLst>
             </a:blip>
@@ -9981,14 +12610,14 @@
             </a:ln>
             <a:extLst>
               <a:ext uri="{909E8E84-426E-40DD-AFC4-6F175D3DCCD1}">
-                <a14:hiddenFill xmlns:a14="http://schemas.microsoft.com/office/drawing/2010/main" xmlns="">
+                <a14:hiddenFill xmlns="" xmlns:a14="http://schemas.microsoft.com/office/drawing/2010/main">
                   <a:solidFill>
                     <a:schemeClr val="accent1"/>
                   </a:solidFill>
                 </a14:hiddenFill>
               </a:ext>
               <a:ext uri="{91240B29-F687-4F45-9708-019B960494DF}">
-                <a14:hiddenLine xmlns:a14="http://schemas.microsoft.com/office/drawing/2010/main" xmlns="" w="9525">
+                <a14:hiddenLine xmlns="" xmlns:a14="http://schemas.microsoft.com/office/drawing/2010/main" w="9525">
                   <a:solidFill>
                     <a:schemeClr val="tx1"/>
                   </a:solidFill>
@@ -10012,7 +12641,7 @@
             <a:blip r:embed="rId3" cstate="print">
               <a:extLst>
                 <a:ext uri="{28A0092B-C50C-407E-A947-70E740481C1C}">
-                  <a14:useLocalDpi xmlns:a14="http://schemas.microsoft.com/office/drawing/2010/main" xmlns="" val="0"/>
+                  <a14:useLocalDpi xmlns="" xmlns:a14="http://schemas.microsoft.com/office/drawing/2010/main" val="0"/>
                 </a:ext>
               </a:extLst>
             </a:blip>
@@ -10035,14 +12664,14 @@
             </a:ln>
             <a:extLst>
               <a:ext uri="{909E8E84-426E-40DD-AFC4-6F175D3DCCD1}">
-                <a14:hiddenFill xmlns:a14="http://schemas.microsoft.com/office/drawing/2010/main" xmlns="">
+                <a14:hiddenFill xmlns="" xmlns:a14="http://schemas.microsoft.com/office/drawing/2010/main">
                   <a:solidFill>
                     <a:schemeClr val="accent1"/>
                   </a:solidFill>
                 </a14:hiddenFill>
               </a:ext>
               <a:ext uri="{91240B29-F687-4F45-9708-019B960494DF}">
-                <a14:hiddenLine xmlns:a14="http://schemas.microsoft.com/office/drawing/2010/main" xmlns="" w="9525">
+                <a14:hiddenLine xmlns="" xmlns:a14="http://schemas.microsoft.com/office/drawing/2010/main" w="9525">
                   <a:solidFill>
                     <a:schemeClr val="tx1"/>
                   </a:solidFill>
@@ -10066,7 +12695,7 @@
             <a:blip r:embed="rId3" cstate="print">
               <a:extLst>
                 <a:ext uri="{28A0092B-C50C-407E-A947-70E740481C1C}">
-                  <a14:useLocalDpi xmlns:a14="http://schemas.microsoft.com/office/drawing/2010/main" xmlns="" val="0"/>
+                  <a14:useLocalDpi xmlns="" xmlns:a14="http://schemas.microsoft.com/office/drawing/2010/main" val="0"/>
                 </a:ext>
               </a:extLst>
             </a:blip>
@@ -10089,14 +12718,14 @@
             </a:ln>
             <a:extLst>
               <a:ext uri="{909E8E84-426E-40DD-AFC4-6F175D3DCCD1}">
-                <a14:hiddenFill xmlns:a14="http://schemas.microsoft.com/office/drawing/2010/main" xmlns="">
+                <a14:hiddenFill xmlns="" xmlns:a14="http://schemas.microsoft.com/office/drawing/2010/main">
                   <a:solidFill>
                     <a:schemeClr val="accent1"/>
                   </a:solidFill>
                 </a14:hiddenFill>
               </a:ext>
               <a:ext uri="{91240B29-F687-4F45-9708-019B960494DF}">
-                <a14:hiddenLine xmlns:a14="http://schemas.microsoft.com/office/drawing/2010/main" xmlns="" w="9525">
+                <a14:hiddenLine xmlns="" xmlns:a14="http://schemas.microsoft.com/office/drawing/2010/main" w="9525">
                   <a:solidFill>
                     <a:schemeClr val="tx1"/>
                   </a:solidFill>
@@ -10486,7 +13115,7 @@
           <a:blip r:embed="rId4" cstate="print">
             <a:extLst>
               <a:ext uri="{28A0092B-C50C-407E-A947-70E740481C1C}">
-                <a14:useLocalDpi xmlns:a14="http://schemas.microsoft.com/office/drawing/2010/main" xmlns="" val="0"/>
+                <a14:useLocalDpi xmlns="" xmlns:a14="http://schemas.microsoft.com/office/drawing/2010/main" val="0"/>
               </a:ext>
             </a:extLst>
           </a:blip>
@@ -10513,7 +13142,7 @@
           </a:ln>
           <a:extLst>
             <a:ext uri="{909E8E84-426E-40DD-AFC4-6F175D3DCCD1}">
-              <a14:hiddenFill xmlns:a14="http://schemas.microsoft.com/office/drawing/2010/main" xmlns="">
+              <a14:hiddenFill xmlns="" xmlns:a14="http://schemas.microsoft.com/office/drawing/2010/main">
                 <a:solidFill>
                   <a:srgbClr val="FFFFFF"/>
                 </a:solidFill>
@@ -10522,36 +13151,6 @@
           </a:extLst>
         </p:spPr>
       </p:pic>
-      <p:sp>
-        <p:nvSpPr>
-          <p:cNvPr id="23" name="テキスト ボックス 22"/>
-          <p:cNvSpPr txBox="1"/>
-          <p:nvPr/>
-        </p:nvSpPr>
-        <p:spPr>
-          <a:xfrm>
-            <a:off x="2211282" y="2109635"/>
-            <a:ext cx="539021" cy="584775"/>
-          </a:xfrm>
-          <a:prstGeom prst="rect">
-            <a:avLst/>
-          </a:prstGeom>
-          <a:noFill/>
-        </p:spPr>
-        <p:txBody>
-          <a:bodyPr wrap="square" rtlCol="0">
-            <a:spAutoFit/>
-          </a:bodyPr>
-          <a:lstStyle/>
-          <a:p>
-            <a:r>
-              <a:rPr lang="ja-JP" altLang="en-US" sz="3200" b="1" dirty="0"/>
-              <a:t>＋</a:t>
-            </a:r>
-            <a:endParaRPr kumimoji="1" lang="ja-JP" altLang="en-US" sz="3200" b="1" dirty="0"/>
-          </a:p>
-        </p:txBody>
-      </p:sp>
       <p:pic>
         <p:nvPicPr>
           <p:cNvPr id="1029" name="Picture 5" descr="C:\Users\ozu\Downloads\ダウンロード (4).png"/>
@@ -10564,7 +13163,7 @@
           <a:blip r:embed="rId5" cstate="print">
             <a:extLst>
               <a:ext uri="{28A0092B-C50C-407E-A947-70E740481C1C}">
-                <a14:useLocalDpi xmlns:a14="http://schemas.microsoft.com/office/drawing/2010/main" xmlns="" val="0"/>
+                <a14:useLocalDpi xmlns="" xmlns:a14="http://schemas.microsoft.com/office/drawing/2010/main" val="0"/>
               </a:ext>
             </a:extLst>
           </a:blip>
@@ -10575,7 +13174,7 @@
         </p:blipFill>
         <p:spPr bwMode="auto">
           <a:xfrm>
-            <a:off x="3490843" y="3952156"/>
+            <a:off x="5268843" y="3982636"/>
             <a:ext cx="599570" cy="309394"/>
           </a:xfrm>
           <a:prstGeom prst="rect">
@@ -10584,7 +13183,7 @@
           <a:noFill/>
           <a:extLst>
             <a:ext uri="{909E8E84-426E-40DD-AFC4-6F175D3DCCD1}">
-              <a14:hiddenFill xmlns:a14="http://schemas.microsoft.com/office/drawing/2010/main" xmlns="">
+              <a14:hiddenFill xmlns="" xmlns:a14="http://schemas.microsoft.com/office/drawing/2010/main">
                 <a:solidFill>
                   <a:srgbClr val="FFFFFF"/>
                 </a:solidFill>
@@ -10605,7 +13204,7 @@
           <a:blip r:embed="rId6" cstate="print">
             <a:extLst>
               <a:ext uri="{28A0092B-C50C-407E-A947-70E740481C1C}">
-                <a14:useLocalDpi xmlns:a14="http://schemas.microsoft.com/office/drawing/2010/main" xmlns="" val="0"/>
+                <a14:useLocalDpi xmlns="" xmlns:a14="http://schemas.microsoft.com/office/drawing/2010/main" val="0"/>
               </a:ext>
             </a:extLst>
           </a:blip>
@@ -10616,7 +13215,7 @@
         </p:blipFill>
         <p:spPr bwMode="auto">
           <a:xfrm>
-            <a:off x="3587251" y="3307115"/>
+            <a:off x="5253491" y="3327435"/>
             <a:ext cx="514900" cy="514900"/>
           </a:xfrm>
           <a:prstGeom prst="rect">
@@ -10625,7 +13224,7 @@
           <a:noFill/>
           <a:extLst>
             <a:ext uri="{909E8E84-426E-40DD-AFC4-6F175D3DCCD1}">
-              <a14:hiddenFill xmlns:a14="http://schemas.microsoft.com/office/drawing/2010/main" xmlns="">
+              <a14:hiddenFill xmlns="" xmlns:a14="http://schemas.microsoft.com/office/drawing/2010/main">
                 <a:solidFill>
                   <a:srgbClr val="FFFFFF"/>
                 </a:solidFill>
@@ -10636,14 +13235,14 @@
       </p:pic>
       <p:sp>
         <p:nvSpPr>
-          <p:cNvPr id="25" name="テキスト ボックス 24"/>
+          <p:cNvPr id="28" name="テキスト ボックス 27"/>
           <p:cNvSpPr txBox="1"/>
           <p:nvPr/>
         </p:nvSpPr>
         <p:spPr>
           <a:xfrm>
-            <a:off x="4389457" y="3307115"/>
-            <a:ext cx="895625" cy="1323439"/>
+            <a:off x="255459" y="1654706"/>
+            <a:ext cx="2510746" cy="461665"/>
           </a:xfrm>
           <a:prstGeom prst="rect">
             <a:avLst/>
@@ -10651,9 +13250,7 @@
           <a:noFill/>
           <a:ln>
             <a:solidFill>
-              <a:schemeClr val="tx2">
-                <a:lumMod val="75000"/>
-              </a:schemeClr>
+              <a:schemeClr val="tx1"/>
             </a:solidFill>
           </a:ln>
         </p:spPr>
@@ -10664,113 +13261,34 @@
           <a:lstStyle/>
           <a:p>
             <a:r>
-              <a:rPr lang="en-US" altLang="ja-JP" sz="800" dirty="0" smtClean="0"/>
-              <a:t>papers</a:t>
-            </a:r>
-          </a:p>
-          <a:p>
-            <a:pPr indent="-108000">
-              <a:buFont typeface="Arial" panose="020B0604020202020204" pitchFamily="34" charset="0"/>
-              <a:buChar char="•"/>
-            </a:pPr>
-            <a:r>
-              <a:rPr lang="en-US" altLang="ja-JP" sz="800" dirty="0" smtClean="0"/>
-              <a:t>id</a:t>
-            </a:r>
-          </a:p>
-          <a:p>
-            <a:pPr indent="-108000">
-              <a:buFont typeface="Arial" panose="020B0604020202020204" pitchFamily="34" charset="0"/>
-              <a:buChar char="•"/>
-            </a:pPr>
-            <a:r>
-              <a:rPr lang="en-US" altLang="ja-JP" sz="800" dirty="0" smtClean="0"/>
-              <a:t>title</a:t>
-            </a:r>
-          </a:p>
-          <a:p>
-            <a:pPr indent="-108000">
-              <a:buFont typeface="Arial" panose="020B0604020202020204" pitchFamily="34" charset="0"/>
-              <a:buChar char="•"/>
-            </a:pPr>
-            <a:r>
-              <a:rPr lang="en-US" altLang="ja-JP" sz="800" dirty="0" smtClean="0"/>
-              <a:t>authors</a:t>
-            </a:r>
-          </a:p>
-          <a:p>
-            <a:pPr indent="-108000">
-              <a:buFont typeface="Arial" panose="020B0604020202020204" pitchFamily="34" charset="0"/>
-              <a:buChar char="•"/>
-            </a:pPr>
-            <a:r>
-              <a:rPr lang="en-US" altLang="ja-JP" sz="800" dirty="0" smtClean="0"/>
-              <a:t>keywords</a:t>
-            </a:r>
-          </a:p>
-          <a:p>
-            <a:pPr indent="-108000">
-              <a:buFont typeface="Arial" panose="020B0604020202020204" pitchFamily="34" charset="0"/>
-              <a:buChar char="•"/>
-            </a:pPr>
-            <a:r>
-              <a:rPr lang="en-US" altLang="ja-JP" sz="800" dirty="0" smtClean="0"/>
-              <a:t>conference</a:t>
-            </a:r>
-          </a:p>
-          <a:p>
-            <a:pPr indent="-108000">
-              <a:buFont typeface="Arial" panose="020B0604020202020204" pitchFamily="34" charset="0"/>
-              <a:buChar char="•"/>
-            </a:pPr>
-            <a:r>
-              <a:rPr lang="en-US" altLang="ja-JP" sz="800" dirty="0" smtClean="0"/>
-              <a:t>published</a:t>
-            </a:r>
-          </a:p>
-          <a:p>
-            <a:pPr indent="-108000">
-              <a:buFont typeface="Arial" panose="020B0604020202020204" pitchFamily="34" charset="0"/>
-              <a:buChar char="•"/>
-            </a:pPr>
-            <a:r>
-              <a:rPr lang="en-US" altLang="ja-JP" sz="800" dirty="0" smtClean="0"/>
-              <a:t>timestamp</a:t>
-            </a:r>
-          </a:p>
-          <a:p>
-            <a:pPr indent="-108000">
-              <a:buFont typeface="Arial" panose="020B0604020202020204" pitchFamily="34" charset="0"/>
-              <a:buChar char="•"/>
-            </a:pPr>
-            <a:r>
-              <a:rPr lang="en-US" altLang="ja-JP" sz="800" dirty="0" smtClean="0"/>
-              <a:t>path</a:t>
-            </a:r>
-          </a:p>
-          <a:p>
-            <a:pPr indent="-108000">
-              <a:buFont typeface="Arial" panose="020B0604020202020204" pitchFamily="34" charset="0"/>
-              <a:buChar char="•"/>
-            </a:pPr>
-            <a:r>
-              <a:rPr kumimoji="1" lang="en-US" altLang="ja-JP" sz="800" dirty="0" err="1" smtClean="0"/>
-              <a:t>is_cached</a:t>
-            </a:r>
-            <a:endParaRPr kumimoji="1" lang="ja-JP" altLang="en-US" sz="800" dirty="0"/>
-          </a:p>
-        </p:txBody>
-      </p:sp>
-      <p:sp>
-        <p:nvSpPr>
-          <p:cNvPr id="31" name="テキスト ボックス 30"/>
+              <a:rPr lang="ja-JP" altLang="en-US" sz="1200" u="sng" dirty="0" smtClean="0"/>
+              <a:t>スクレイピング</a:t>
+            </a:r>
+            <a:endParaRPr lang="en-US" altLang="ja-JP" sz="1200" u="sng" dirty="0" smtClean="0"/>
+          </a:p>
+          <a:p>
+            <a:r>
+              <a:rPr kumimoji="1" lang="en-US" altLang="ja-JP" sz="1200" dirty="0" smtClean="0"/>
+              <a:t>python + selenium + </a:t>
+            </a:r>
+            <a:r>
+              <a:rPr kumimoji="1" lang="en-US" altLang="ja-JP" sz="1200" dirty="0" err="1" smtClean="0"/>
+              <a:t>phantomJS</a:t>
+            </a:r>
+            <a:endParaRPr kumimoji="1" lang="en-US" altLang="ja-JP" sz="1200" dirty="0" smtClean="0"/>
+          </a:p>
+        </p:txBody>
+      </p:sp>
+      <p:sp>
+        <p:nvSpPr>
+          <p:cNvPr id="36" name="テキスト ボックス 35"/>
           <p:cNvSpPr txBox="1"/>
           <p:nvPr/>
         </p:nvSpPr>
         <p:spPr>
           <a:xfrm>
-            <a:off x="5317450" y="3307115"/>
-            <a:ext cx="703019" cy="707886"/>
+            <a:off x="3789833" y="1755691"/>
+            <a:ext cx="2070886" cy="646331"/>
           </a:xfrm>
           <a:prstGeom prst="rect">
             <a:avLst/>
@@ -10778,149 +13296,9 @@
           <a:noFill/>
           <a:ln>
             <a:solidFill>
-              <a:schemeClr val="accent1">
-                <a:lumMod val="60000"/>
-                <a:lumOff val="40000"/>
-              </a:schemeClr>
+              <a:schemeClr val="tx1"/>
             </a:solidFill>
           </a:ln>
-        </p:spPr>
-        <p:txBody>
-          <a:bodyPr wrap="square" rtlCol="0">
-            <a:spAutoFit/>
-          </a:bodyPr>
-          <a:lstStyle/>
-          <a:p>
-            <a:r>
-              <a:rPr lang="en-US" altLang="ja-JP" sz="800" dirty="0" smtClean="0"/>
-              <a:t>citations</a:t>
-            </a:r>
-          </a:p>
-          <a:p>
-            <a:pPr indent="-108000">
-              <a:buFont typeface="Arial" panose="020B0604020202020204" pitchFamily="34" charset="0"/>
-              <a:buChar char="•"/>
-            </a:pPr>
-            <a:r>
-              <a:rPr lang="en-US" altLang="ja-JP" sz="800" dirty="0" smtClean="0"/>
-              <a:t>id</a:t>
-            </a:r>
-          </a:p>
-          <a:p>
-            <a:pPr indent="-108000">
-              <a:buFont typeface="Arial" panose="020B0604020202020204" pitchFamily="34" charset="0"/>
-              <a:buChar char="•"/>
-            </a:pPr>
-            <a:r>
-              <a:rPr lang="en-US" altLang="ja-JP" sz="800" dirty="0" smtClean="0"/>
-              <a:t>start</a:t>
-            </a:r>
-          </a:p>
-          <a:p>
-            <a:pPr indent="-108000">
-              <a:buFont typeface="Arial" panose="020B0604020202020204" pitchFamily="34" charset="0"/>
-              <a:buChar char="•"/>
-            </a:pPr>
-            <a:r>
-              <a:rPr kumimoji="1" lang="en-US" altLang="ja-JP" sz="800" dirty="0" smtClean="0"/>
-              <a:t>end</a:t>
-            </a:r>
-          </a:p>
-          <a:p>
-            <a:r>
-              <a:rPr lang="ja-JP" altLang="en-US" sz="800" dirty="0" smtClean="0"/>
-              <a:t>↑いらない</a:t>
-            </a:r>
-            <a:endParaRPr kumimoji="1" lang="ja-JP" altLang="en-US" sz="800" dirty="0"/>
-          </a:p>
-        </p:txBody>
-      </p:sp>
-      <p:sp>
-        <p:nvSpPr>
-          <p:cNvPr id="28" name="テキスト ボックス 27"/>
-          <p:cNvSpPr txBox="1"/>
-          <p:nvPr/>
-        </p:nvSpPr>
-        <p:spPr>
-          <a:xfrm>
-            <a:off x="72579" y="1370226"/>
-            <a:ext cx="2510746" cy="1015663"/>
-          </a:xfrm>
-          <a:prstGeom prst="rect">
-            <a:avLst/>
-          </a:prstGeom>
-          <a:noFill/>
-          <a:ln>
-            <a:solidFill>
-              <a:schemeClr val="accent1"/>
-            </a:solidFill>
-          </a:ln>
-        </p:spPr>
-        <p:txBody>
-          <a:bodyPr wrap="square" rtlCol="0">
-            <a:spAutoFit/>
-          </a:bodyPr>
-          <a:lstStyle/>
-          <a:p>
-            <a:r>
-              <a:rPr lang="ja-JP" altLang="en-US" sz="1200" u="sng" dirty="0" smtClean="0"/>
-              <a:t>スクレイピング</a:t>
-            </a:r>
-            <a:endParaRPr lang="en-US" altLang="ja-JP" sz="1200" u="sng" dirty="0" smtClean="0"/>
-          </a:p>
-          <a:p>
-            <a:r>
-              <a:rPr kumimoji="1" lang="en-US" altLang="ja-JP" sz="1200" dirty="0" smtClean="0"/>
-              <a:t>python + selenium + </a:t>
-            </a:r>
-            <a:r>
-              <a:rPr kumimoji="1" lang="en-US" altLang="ja-JP" sz="1200" dirty="0" err="1" smtClean="0"/>
-              <a:t>phantomJS</a:t>
-            </a:r>
-            <a:endParaRPr kumimoji="1" lang="en-US" altLang="ja-JP" sz="1200" dirty="0" smtClean="0"/>
-          </a:p>
-          <a:p>
-            <a:endParaRPr lang="en-US" altLang="ja-JP" sz="1200" dirty="0"/>
-          </a:p>
-          <a:p>
-            <a:r>
-              <a:rPr lang="en-US" altLang="ja-JP" sz="1200" u="sng" dirty="0"/>
-              <a:t>DB</a:t>
-            </a:r>
-            <a:r>
-              <a:rPr lang="ja-JP" altLang="en-US" sz="1200" u="sng" dirty="0"/>
-              <a:t>へ格納</a:t>
-            </a:r>
-            <a:endParaRPr lang="en-US" altLang="ja-JP" sz="1200" u="sng" dirty="0"/>
-          </a:p>
-          <a:p>
-            <a:r>
-              <a:rPr lang="en-US" altLang="ja-JP" sz="1200" dirty="0"/>
-              <a:t>python + </a:t>
-            </a:r>
-            <a:r>
-              <a:rPr lang="en-US" altLang="ja-JP" sz="1200" dirty="0" err="1" smtClean="0"/>
-              <a:t>SQLAlchemy</a:t>
-            </a:r>
-            <a:endParaRPr lang="ja-JP" altLang="en-US" sz="1200" dirty="0"/>
-          </a:p>
-        </p:txBody>
-      </p:sp>
-      <p:sp>
-        <p:nvSpPr>
-          <p:cNvPr id="36" name="テキスト ボックス 35"/>
-          <p:cNvSpPr txBox="1"/>
-          <p:nvPr/>
-        </p:nvSpPr>
-        <p:spPr>
-          <a:xfrm>
-            <a:off x="3789833" y="1755691"/>
-            <a:ext cx="2070886" cy="646331"/>
-          </a:xfrm>
-          <a:prstGeom prst="rect">
-            <a:avLst/>
-          </a:prstGeom>
-          <a:noFill/>
         </p:spPr>
         <p:txBody>
           <a:bodyPr wrap="square" rtlCol="0">
@@ -11726,54 +14104,210 @@
             <a:avLst/>
           </a:prstGeom>
           <a:noFill/>
-        </p:spPr>
-        <p:txBody>
-          <a:bodyPr wrap="square" rtlCol="0">
-            <a:spAutoFit/>
-          </a:bodyPr>
-          <a:lstStyle/>
-          <a:p>
-            <a:r>
-              <a:rPr lang="ja-JP" altLang="en-US" sz="1200" u="sng" dirty="0" smtClean="0"/>
-              <a:t>文書分類</a:t>
-            </a:r>
-            <a:endParaRPr lang="en-US" altLang="ja-JP" sz="1200" u="sng" dirty="0" smtClean="0"/>
-          </a:p>
-          <a:p>
-            <a:r>
-              <a:rPr kumimoji="1" lang="en-US" altLang="ja-JP" sz="1200" dirty="0" smtClean="0"/>
-              <a:t>python + </a:t>
-            </a:r>
-            <a:r>
-              <a:rPr kumimoji="1" lang="en-US" altLang="ja-JP" sz="1200" dirty="0" err="1" smtClean="0"/>
-              <a:t>tensorFlow</a:t>
-            </a:r>
-            <a:endParaRPr kumimoji="1" lang="ja-JP" altLang="en-US" sz="1200" dirty="0"/>
-          </a:p>
-        </p:txBody>
-      </p:sp>
-      <p:sp>
-        <p:nvSpPr>
-          <p:cNvPr id="33" name="雲 32"/>
-          <p:cNvSpPr/>
-          <p:nvPr/>
-        </p:nvSpPr>
-        <p:spPr>
-          <a:xfrm>
-            <a:off x="8666566" y="1648411"/>
-            <a:ext cx="1149069" cy="649470"/>
-          </a:xfrm>
-          <a:prstGeom prst="cloud">
-            <a:avLst/>
-          </a:prstGeom>
-          <a:solidFill>
-            <a:schemeClr val="bg1"/>
-          </a:solidFill>
           <a:ln>
             <a:solidFill>
               <a:schemeClr val="tx1"/>
             </a:solidFill>
           </a:ln>
+        </p:spPr>
+        <p:txBody>
+          <a:bodyPr wrap="square" rtlCol="0">
+            <a:spAutoFit/>
+          </a:bodyPr>
+          <a:lstStyle/>
+          <a:p>
+            <a:r>
+              <a:rPr lang="ja-JP" altLang="en-US" sz="1200" u="sng" dirty="0" smtClean="0"/>
+              <a:t>文書分類</a:t>
+            </a:r>
+            <a:endParaRPr lang="en-US" altLang="ja-JP" sz="1200" u="sng" dirty="0" smtClean="0"/>
+          </a:p>
+          <a:p>
+            <a:r>
+              <a:rPr kumimoji="1" lang="en-US" altLang="ja-JP" sz="1200" dirty="0" smtClean="0"/>
+              <a:t>python + </a:t>
+            </a:r>
+            <a:r>
+              <a:rPr kumimoji="1" lang="en-US" altLang="ja-JP" sz="1200" dirty="0" err="1" smtClean="0"/>
+              <a:t>tensorFlow</a:t>
+            </a:r>
+            <a:endParaRPr kumimoji="1" lang="ja-JP" altLang="en-US" sz="1200" dirty="0"/>
+          </a:p>
+        </p:txBody>
+      </p:sp>
+      <p:sp>
+        <p:nvSpPr>
+          <p:cNvPr id="69" name="テキスト ボックス 68"/>
+          <p:cNvSpPr txBox="1"/>
+          <p:nvPr/>
+        </p:nvSpPr>
+        <p:spPr>
+          <a:xfrm>
+            <a:off x="8817441" y="3130967"/>
+            <a:ext cx="1352720" cy="461665"/>
+          </a:xfrm>
+          <a:prstGeom prst="rect">
+            <a:avLst/>
+          </a:prstGeom>
+          <a:noFill/>
+          <a:ln>
+            <a:solidFill>
+              <a:schemeClr val="tx1"/>
+            </a:solidFill>
+          </a:ln>
+        </p:spPr>
+        <p:txBody>
+          <a:bodyPr wrap="square" rtlCol="0">
+            <a:spAutoFit/>
+          </a:bodyPr>
+          <a:lstStyle/>
+          <a:p>
+            <a:r>
+              <a:rPr lang="ja-JP" altLang="en-US" sz="1200" u="sng" dirty="0" smtClean="0"/>
+              <a:t>リンク強度計算</a:t>
+            </a:r>
+            <a:endParaRPr kumimoji="1" lang="en-US" altLang="ja-JP" sz="1200" u="sng" dirty="0" smtClean="0"/>
+          </a:p>
+          <a:p>
+            <a:r>
+              <a:rPr lang="en-US" altLang="ja-JP" sz="1200" dirty="0" smtClean="0"/>
+              <a:t>python</a:t>
+            </a:r>
+            <a:endParaRPr kumimoji="1" lang="ja-JP" altLang="en-US" sz="1200" dirty="0"/>
+          </a:p>
+        </p:txBody>
+      </p:sp>
+      <p:sp>
+        <p:nvSpPr>
+          <p:cNvPr id="35" name="テキスト ボックス 34"/>
+          <p:cNvSpPr txBox="1"/>
+          <p:nvPr/>
+        </p:nvSpPr>
+        <p:spPr>
+          <a:xfrm>
+            <a:off x="9400908" y="4141907"/>
+            <a:ext cx="2005493" cy="646331"/>
+          </a:xfrm>
+          <a:prstGeom prst="rect">
+            <a:avLst/>
+          </a:prstGeom>
+          <a:noFill/>
+        </p:spPr>
+        <p:txBody>
+          <a:bodyPr wrap="square" rtlCol="0">
+            <a:spAutoFit/>
+          </a:bodyPr>
+          <a:lstStyle/>
+          <a:p>
+            <a:r>
+              <a:rPr kumimoji="1" lang="ja-JP" altLang="en-US" sz="1200" dirty="0" smtClean="0"/>
+              <a:t>グラフ化</a:t>
+            </a:r>
+            <a:endParaRPr kumimoji="1" lang="en-US" altLang="ja-JP" sz="1200" dirty="0" smtClean="0"/>
+          </a:p>
+          <a:p>
+            <a:r>
+              <a:rPr kumimoji="1" lang="en-US" altLang="ja-JP" sz="1200" dirty="0" err="1" smtClean="0"/>
+              <a:t>javascript</a:t>
+            </a:r>
+            <a:r>
+              <a:rPr kumimoji="1" lang="en-US" altLang="ja-JP" sz="1200" dirty="0" smtClean="0"/>
+              <a:t> + </a:t>
+            </a:r>
+            <a:r>
+              <a:rPr lang="en-US" altLang="ja-JP" sz="1200" dirty="0" smtClean="0"/>
+              <a:t>cytoscape.js</a:t>
+            </a:r>
+          </a:p>
+          <a:p>
+            <a:r>
+              <a:rPr kumimoji="1" lang="en-US" altLang="ja-JP" sz="1200" dirty="0"/>
+              <a:t> </a:t>
+            </a:r>
+            <a:r>
+              <a:rPr kumimoji="1" lang="en-US" altLang="ja-JP" sz="1200" dirty="0" smtClean="0"/>
+              <a:t>+</a:t>
+            </a:r>
+            <a:r>
+              <a:rPr lang="en-US" altLang="ja-JP" sz="1200" dirty="0"/>
+              <a:t> </a:t>
+            </a:r>
+            <a:r>
+              <a:rPr lang="en-US" altLang="ja-JP" sz="1200" dirty="0" err="1"/>
+              <a:t>nodejs</a:t>
+            </a:r>
+            <a:r>
+              <a:rPr lang="en-US" altLang="ja-JP" sz="1200" dirty="0"/>
+              <a:t> + </a:t>
+            </a:r>
+            <a:r>
+              <a:rPr lang="en-US" altLang="ja-JP" sz="1200" dirty="0" err="1" smtClean="0"/>
+              <a:t>mysqljs</a:t>
+            </a:r>
+            <a:endParaRPr kumimoji="1" lang="ja-JP" altLang="en-US" sz="1200" dirty="0"/>
+          </a:p>
+        </p:txBody>
+      </p:sp>
+      <p:pic>
+        <p:nvPicPr>
+          <p:cNvPr id="1031" name="Picture 7" descr="C:\Users\ozu\Downloads\Golorize.jpg"/>
+          <p:cNvPicPr>
+            <a:picLocks noChangeAspect="1" noChangeArrowheads="1"/>
+          </p:cNvPicPr>
+          <p:nvPr/>
+        </p:nvPicPr>
+        <p:blipFill>
+          <a:blip r:embed="rId7" cstate="print">
+            <a:extLst>
+              <a:ext uri="{28A0092B-C50C-407E-A947-70E740481C1C}">
+                <a14:useLocalDpi xmlns="" xmlns:a14="http://schemas.microsoft.com/office/drawing/2010/main" val="0"/>
+              </a:ext>
+            </a:extLst>
+          </a:blip>
+          <a:srcRect/>
+          <a:stretch>
+            <a:fillRect/>
+          </a:stretch>
+        </p:blipFill>
+        <p:spPr bwMode="auto">
+          <a:xfrm>
+            <a:off x="9439344" y="4808048"/>
+            <a:ext cx="2214318" cy="1547183"/>
+          </a:xfrm>
+          <a:prstGeom prst="rect">
+            <a:avLst/>
+          </a:prstGeom>
+          <a:noFill/>
+          <a:ln>
+            <a:solidFill>
+              <a:schemeClr val="tx1"/>
+            </a:solidFill>
+          </a:ln>
+          <a:extLst>
+            <a:ext uri="{909E8E84-426E-40DD-AFC4-6F175D3DCCD1}">
+              <a14:hiddenFill xmlns="" xmlns:a14="http://schemas.microsoft.com/office/drawing/2010/main">
+                <a:solidFill>
+                  <a:srgbClr val="FFFFFF"/>
+                </a:solidFill>
+              </a14:hiddenFill>
+            </a:ext>
+          </a:extLst>
+        </p:spPr>
+      </p:pic>
+      <p:sp>
+        <p:nvSpPr>
+          <p:cNvPr id="84" name="右矢印 83"/>
+          <p:cNvSpPr/>
+          <p:nvPr/>
+        </p:nvSpPr>
+        <p:spPr>
+          <a:xfrm rot="751172">
+            <a:off x="6370642" y="4595144"/>
+            <a:ext cx="2822376" cy="426180"/>
+          </a:xfrm>
+          <a:prstGeom prst="rightArrow">
+            <a:avLst/>
+          </a:prstGeom>
         </p:spPr>
         <p:style>
           <a:lnRef idx="2">
@@ -11796,654 +14330,6 @@
           <a:lstStyle/>
           <a:p>
             <a:pPr algn="ctr"/>
-            <a:r>
-              <a:rPr lang="ja-JP" altLang="en-US" sz="1200" dirty="0">
-                <a:solidFill>
-                  <a:schemeClr val="tx1"/>
-                </a:solidFill>
-              </a:rPr>
-              <a:t>パラメータ</a:t>
-            </a:r>
-            <a:endParaRPr kumimoji="1" lang="ja-JP" altLang="en-US" sz="1200" dirty="0">
-              <a:solidFill>
-                <a:schemeClr val="tx1"/>
-              </a:solidFill>
-            </a:endParaRPr>
-          </a:p>
-        </p:txBody>
-      </p:sp>
-      <p:sp>
-        <p:nvSpPr>
-          <p:cNvPr id="65" name="角丸四角形吹き出し 64"/>
-          <p:cNvSpPr/>
-          <p:nvPr/>
-        </p:nvSpPr>
-        <p:spPr>
-          <a:xfrm>
-            <a:off x="7333720" y="3282276"/>
-            <a:ext cx="1106273" cy="999676"/>
-          </a:xfrm>
-          <a:prstGeom prst="wedgeRoundRectCallout">
-            <a:avLst>
-              <a:gd name="adj1" fmla="val -56331"/>
-              <a:gd name="adj2" fmla="val -30396"/>
-              <a:gd name="adj3" fmla="val 16667"/>
-            </a:avLst>
-          </a:prstGeom>
-          <a:solidFill>
-            <a:schemeClr val="bg1"/>
-          </a:solidFill>
-          <a:ln>
-            <a:solidFill>
-              <a:schemeClr val="tx1"/>
-            </a:solidFill>
-          </a:ln>
-        </p:spPr>
-        <p:style>
-          <a:lnRef idx="2">
-            <a:schemeClr val="accent1">
-              <a:shade val="50000"/>
-            </a:schemeClr>
-          </a:lnRef>
-          <a:fillRef idx="1">
-            <a:schemeClr val="accent1"/>
-          </a:fillRef>
-          <a:effectRef idx="0">
-            <a:schemeClr val="accent1"/>
-          </a:effectRef>
-          <a:fontRef idx="minor">
-            <a:schemeClr val="lt1"/>
-          </a:fontRef>
-        </p:style>
-        <p:txBody>
-          <a:bodyPr rtlCol="0" anchor="ctr"/>
-          <a:lstStyle/>
-          <a:p>
-            <a:pPr algn="ctr"/>
-            <a:endParaRPr kumimoji="1" lang="ja-JP" altLang="en-US">
-              <a:ln>
-                <a:solidFill>
-                  <a:schemeClr val="tx1"/>
-                </a:solidFill>
-              </a:ln>
-            </a:endParaRPr>
-          </a:p>
-        </p:txBody>
-      </p:sp>
-      <p:pic>
-        <p:nvPicPr>
-          <p:cNvPr id="66" name="Picture 6" descr="C:\Users\ozu\Downloads\images (1).png"/>
-          <p:cNvPicPr>
-            <a:picLocks noChangeAspect="1" noChangeArrowheads="1"/>
-          </p:cNvPicPr>
-          <p:nvPr/>
-        </p:nvPicPr>
-        <p:blipFill>
-          <a:blip r:embed="rId6" cstate="print">
-            <a:extLst>
-              <a:ext uri="{28A0092B-C50C-407E-A947-70E740481C1C}">
-                <a14:useLocalDpi xmlns:a14="http://schemas.microsoft.com/office/drawing/2010/main" xmlns="" val="0"/>
-              </a:ext>
-            </a:extLst>
-          </a:blip>
-          <a:srcRect/>
-          <a:stretch>
-            <a:fillRect/>
-          </a:stretch>
-        </p:blipFill>
-        <p:spPr bwMode="auto">
-          <a:xfrm>
-            <a:off x="6666275" y="3335182"/>
-            <a:ext cx="514900" cy="514900"/>
-          </a:xfrm>
-          <a:prstGeom prst="rect">
-            <a:avLst/>
-          </a:prstGeom>
-          <a:noFill/>
-          <a:extLst>
-            <a:ext uri="{909E8E84-426E-40DD-AFC4-6F175D3DCCD1}">
-              <a14:hiddenFill xmlns:a14="http://schemas.microsoft.com/office/drawing/2010/main" xmlns="">
-                <a:solidFill>
-                  <a:srgbClr val="FFFFFF"/>
-                </a:solidFill>
-              </a14:hiddenFill>
-            </a:ext>
-          </a:extLst>
-        </p:spPr>
-      </p:pic>
-      <p:sp>
-        <p:nvSpPr>
-          <p:cNvPr id="67" name="テキスト ボックス 66"/>
-          <p:cNvSpPr txBox="1"/>
-          <p:nvPr/>
-        </p:nvSpPr>
-        <p:spPr>
-          <a:xfrm>
-            <a:off x="1079235" y="3539494"/>
-            <a:ext cx="2510746" cy="461665"/>
-          </a:xfrm>
-          <a:prstGeom prst="rect">
-            <a:avLst/>
-          </a:prstGeom>
-          <a:noFill/>
-        </p:spPr>
-        <p:txBody>
-          <a:bodyPr wrap="square" rtlCol="0">
-            <a:spAutoFit/>
-          </a:bodyPr>
-          <a:lstStyle/>
-          <a:p>
-            <a:r>
-              <a:rPr kumimoji="1" lang="en-US" altLang="ja-JP" sz="1200" dirty="0" smtClean="0"/>
-              <a:t>DB</a:t>
-            </a:r>
-            <a:r>
-              <a:rPr kumimoji="1" lang="ja-JP" altLang="en-US" sz="1200" dirty="0" smtClean="0"/>
-              <a:t>へ格納</a:t>
-            </a:r>
-            <a:endParaRPr kumimoji="1" lang="en-US" altLang="ja-JP" sz="1200" dirty="0" smtClean="0"/>
-          </a:p>
-          <a:p>
-            <a:r>
-              <a:rPr lang="en-US" altLang="ja-JP" sz="1200" dirty="0" smtClean="0"/>
-              <a:t>python + </a:t>
-            </a:r>
-            <a:r>
-              <a:rPr lang="en-US" altLang="ja-JP" sz="1200" dirty="0" err="1" smtClean="0"/>
-              <a:t>SQLAlchemy</a:t>
-            </a:r>
-            <a:endParaRPr kumimoji="1" lang="ja-JP" altLang="en-US" sz="1200" dirty="0"/>
-          </a:p>
-        </p:txBody>
-      </p:sp>
-      <p:sp>
-        <p:nvSpPr>
-          <p:cNvPr id="68" name="テキスト ボックス 67"/>
-          <p:cNvSpPr txBox="1"/>
-          <p:nvPr/>
-        </p:nvSpPr>
-        <p:spPr>
-          <a:xfrm>
-            <a:off x="7459641" y="3437922"/>
-            <a:ext cx="883248" cy="707886"/>
-          </a:xfrm>
-          <a:prstGeom prst="rect">
-            <a:avLst/>
-          </a:prstGeom>
-          <a:noFill/>
-          <a:ln>
-            <a:solidFill>
-              <a:schemeClr val="accent1">
-                <a:lumMod val="60000"/>
-                <a:lumOff val="40000"/>
-              </a:schemeClr>
-            </a:solidFill>
-          </a:ln>
-        </p:spPr>
-        <p:txBody>
-          <a:bodyPr wrap="square" rtlCol="0">
-            <a:spAutoFit/>
-          </a:bodyPr>
-          <a:lstStyle/>
-          <a:p>
-            <a:r>
-              <a:rPr lang="en-US" altLang="ja-JP" sz="800" dirty="0" smtClean="0"/>
-              <a:t>edges</a:t>
-            </a:r>
-          </a:p>
-          <a:p>
-            <a:pPr indent="-108000">
-              <a:buFont typeface="Arial" panose="020B0604020202020204" pitchFamily="34" charset="0"/>
-              <a:buChar char="•"/>
-            </a:pPr>
-            <a:r>
-              <a:rPr lang="en-US" altLang="ja-JP" sz="800" dirty="0" smtClean="0"/>
-              <a:t>id</a:t>
-            </a:r>
-          </a:p>
-          <a:p>
-            <a:pPr indent="-108000">
-              <a:buFont typeface="Arial" panose="020B0604020202020204" pitchFamily="34" charset="0"/>
-              <a:buChar char="•"/>
-            </a:pPr>
-            <a:r>
-              <a:rPr lang="en-US" altLang="ja-JP" sz="800" dirty="0" smtClean="0"/>
-              <a:t>start</a:t>
-            </a:r>
-          </a:p>
-          <a:p>
-            <a:pPr indent="-108000">
-              <a:buFont typeface="Arial" panose="020B0604020202020204" pitchFamily="34" charset="0"/>
-              <a:buChar char="•"/>
-            </a:pPr>
-            <a:r>
-              <a:rPr kumimoji="1" lang="en-US" altLang="ja-JP" sz="800" dirty="0" smtClean="0"/>
-              <a:t>end</a:t>
-            </a:r>
-          </a:p>
-          <a:p>
-            <a:pPr indent="-108000">
-              <a:buFont typeface="Arial" panose="020B0604020202020204" pitchFamily="34" charset="0"/>
-              <a:buChar char="•"/>
-            </a:pPr>
-            <a:r>
-              <a:rPr lang="en-US" altLang="ja-JP" sz="800" dirty="0" smtClean="0"/>
-              <a:t>relevancy</a:t>
-            </a:r>
-            <a:endParaRPr kumimoji="1" lang="ja-JP" altLang="en-US" sz="800" dirty="0"/>
-          </a:p>
-        </p:txBody>
-      </p:sp>
-      <p:sp>
-        <p:nvSpPr>
-          <p:cNvPr id="69" name="テキスト ボックス 68"/>
-          <p:cNvSpPr txBox="1"/>
-          <p:nvPr/>
-        </p:nvSpPr>
-        <p:spPr>
-          <a:xfrm>
-            <a:off x="8817440" y="3130967"/>
-            <a:ext cx="3114081" cy="461665"/>
-          </a:xfrm>
-          <a:prstGeom prst="rect">
-            <a:avLst/>
-          </a:prstGeom>
-          <a:noFill/>
-        </p:spPr>
-        <p:txBody>
-          <a:bodyPr wrap="square" rtlCol="0">
-            <a:spAutoFit/>
-          </a:bodyPr>
-          <a:lstStyle/>
-          <a:p>
-            <a:r>
-              <a:rPr lang="ja-JP" altLang="en-US" sz="1200" u="sng" dirty="0" smtClean="0"/>
-              <a:t>リンク強度計算</a:t>
-            </a:r>
-            <a:endParaRPr kumimoji="1" lang="en-US" altLang="ja-JP" sz="1200" u="sng" dirty="0" smtClean="0"/>
-          </a:p>
-          <a:p>
-            <a:r>
-              <a:rPr lang="en-US" altLang="ja-JP" sz="1200" dirty="0" smtClean="0"/>
-              <a:t>python</a:t>
-            </a:r>
-            <a:endParaRPr kumimoji="1" lang="ja-JP" altLang="en-US" sz="1200" dirty="0"/>
-          </a:p>
-        </p:txBody>
-      </p:sp>
-      <p:sp>
-        <p:nvSpPr>
-          <p:cNvPr id="70" name="雲 69"/>
-          <p:cNvSpPr/>
-          <p:nvPr/>
-        </p:nvSpPr>
-        <p:spPr>
-          <a:xfrm>
-            <a:off x="8891794" y="1849363"/>
-            <a:ext cx="1149069" cy="649470"/>
-          </a:xfrm>
-          <a:prstGeom prst="cloud">
-            <a:avLst/>
-          </a:prstGeom>
-          <a:solidFill>
-            <a:schemeClr val="bg1"/>
-          </a:solidFill>
-          <a:ln>
-            <a:solidFill>
-              <a:schemeClr val="tx1"/>
-            </a:solidFill>
-          </a:ln>
-        </p:spPr>
-        <p:style>
-          <a:lnRef idx="2">
-            <a:schemeClr val="accent1">
-              <a:shade val="50000"/>
-            </a:schemeClr>
-          </a:lnRef>
-          <a:fillRef idx="1">
-            <a:schemeClr val="accent1"/>
-          </a:fillRef>
-          <a:effectRef idx="0">
-            <a:schemeClr val="accent1"/>
-          </a:effectRef>
-          <a:fontRef idx="minor">
-            <a:schemeClr val="lt1"/>
-          </a:fontRef>
-        </p:style>
-        <p:txBody>
-          <a:bodyPr rtlCol="0" anchor="ctr"/>
-          <a:lstStyle/>
-          <a:p>
-            <a:pPr algn="ctr"/>
-            <a:r>
-              <a:rPr lang="ja-JP" altLang="en-US" sz="1200" dirty="0">
-                <a:solidFill>
-                  <a:schemeClr val="tx1"/>
-                </a:solidFill>
-              </a:rPr>
-              <a:t>パラメータ</a:t>
-            </a:r>
-            <a:endParaRPr kumimoji="1" lang="ja-JP" altLang="en-US" sz="1200" dirty="0">
-              <a:solidFill>
-                <a:schemeClr val="tx1"/>
-              </a:solidFill>
-            </a:endParaRPr>
-          </a:p>
-        </p:txBody>
-      </p:sp>
-      <p:sp>
-        <p:nvSpPr>
-          <p:cNvPr id="71" name="雲 70"/>
-          <p:cNvSpPr/>
-          <p:nvPr/>
-        </p:nvSpPr>
-        <p:spPr>
-          <a:xfrm>
-            <a:off x="9029358" y="2043571"/>
-            <a:ext cx="1149069" cy="649470"/>
-          </a:xfrm>
-          <a:prstGeom prst="cloud">
-            <a:avLst/>
-          </a:prstGeom>
-          <a:solidFill>
-            <a:schemeClr val="bg1"/>
-          </a:solidFill>
-          <a:ln>
-            <a:solidFill>
-              <a:schemeClr val="tx1"/>
-            </a:solidFill>
-          </a:ln>
-        </p:spPr>
-        <p:style>
-          <a:lnRef idx="2">
-            <a:schemeClr val="accent1">
-              <a:shade val="50000"/>
-            </a:schemeClr>
-          </a:lnRef>
-          <a:fillRef idx="1">
-            <a:schemeClr val="accent1"/>
-          </a:fillRef>
-          <a:effectRef idx="0">
-            <a:schemeClr val="accent1"/>
-          </a:effectRef>
-          <a:fontRef idx="minor">
-            <a:schemeClr val="lt1"/>
-          </a:fontRef>
-        </p:style>
-        <p:txBody>
-          <a:bodyPr rtlCol="0" anchor="ctr"/>
-          <a:lstStyle/>
-          <a:p>
-            <a:pPr algn="ctr"/>
-            <a:r>
-              <a:rPr lang="ja-JP" altLang="en-US" sz="1200" dirty="0">
-                <a:solidFill>
-                  <a:schemeClr val="tx1"/>
-                </a:solidFill>
-              </a:rPr>
-              <a:t>パラメータ</a:t>
-            </a:r>
-            <a:endParaRPr kumimoji="1" lang="ja-JP" altLang="en-US" sz="1200" dirty="0">
-              <a:solidFill>
-                <a:schemeClr val="tx1"/>
-              </a:solidFill>
-            </a:endParaRPr>
-          </a:p>
-        </p:txBody>
-      </p:sp>
-      <p:sp>
-        <p:nvSpPr>
-          <p:cNvPr id="72" name="雲 71"/>
-          <p:cNvSpPr/>
-          <p:nvPr/>
-        </p:nvSpPr>
-        <p:spPr>
-          <a:xfrm>
-            <a:off x="9254586" y="2244523"/>
-            <a:ext cx="1149069" cy="649470"/>
-          </a:xfrm>
-          <a:prstGeom prst="cloud">
-            <a:avLst/>
-          </a:prstGeom>
-          <a:solidFill>
-            <a:srgbClr val="0070C0"/>
-          </a:solidFill>
-          <a:ln>
-            <a:solidFill>
-              <a:schemeClr val="tx1"/>
-            </a:solidFill>
-          </a:ln>
-        </p:spPr>
-        <p:style>
-          <a:lnRef idx="2">
-            <a:schemeClr val="accent1">
-              <a:shade val="50000"/>
-            </a:schemeClr>
-          </a:lnRef>
-          <a:fillRef idx="1">
-            <a:schemeClr val="accent1"/>
-          </a:fillRef>
-          <a:effectRef idx="0">
-            <a:schemeClr val="accent1"/>
-          </a:effectRef>
-          <a:fontRef idx="minor">
-            <a:schemeClr val="lt1"/>
-          </a:fontRef>
-        </p:style>
-        <p:txBody>
-          <a:bodyPr rtlCol="0" anchor="ctr"/>
-          <a:lstStyle/>
-          <a:p>
-            <a:pPr algn="ctr"/>
-            <a:r>
-              <a:rPr lang="ja-JP" altLang="en-US" sz="1200" dirty="0">
-                <a:solidFill>
-                  <a:schemeClr val="bg1"/>
-                </a:solidFill>
-              </a:rPr>
-              <a:t>パラメータ</a:t>
-            </a:r>
-            <a:endParaRPr kumimoji="1" lang="ja-JP" altLang="en-US" sz="1200" dirty="0">
-              <a:solidFill>
-                <a:schemeClr val="bg1"/>
-              </a:solidFill>
-            </a:endParaRPr>
-          </a:p>
-        </p:txBody>
-      </p:sp>
-      <p:sp>
-        <p:nvSpPr>
-          <p:cNvPr id="35" name="テキスト ボックス 34"/>
-          <p:cNvSpPr txBox="1"/>
-          <p:nvPr/>
-        </p:nvSpPr>
-        <p:spPr>
-          <a:xfrm>
-            <a:off x="9400908" y="4141907"/>
-            <a:ext cx="2005493" cy="646331"/>
-          </a:xfrm>
-          <a:prstGeom prst="rect">
-            <a:avLst/>
-          </a:prstGeom>
-          <a:noFill/>
-        </p:spPr>
-        <p:txBody>
-          <a:bodyPr wrap="square" rtlCol="0">
-            <a:spAutoFit/>
-          </a:bodyPr>
-          <a:lstStyle/>
-          <a:p>
-            <a:r>
-              <a:rPr kumimoji="1" lang="ja-JP" altLang="en-US" sz="1200" dirty="0" smtClean="0"/>
-              <a:t>グラフ化</a:t>
-            </a:r>
-            <a:endParaRPr kumimoji="1" lang="en-US" altLang="ja-JP" sz="1200" dirty="0" smtClean="0"/>
-          </a:p>
-          <a:p>
-            <a:r>
-              <a:rPr kumimoji="1" lang="en-US" altLang="ja-JP" sz="1200" dirty="0" err="1" smtClean="0"/>
-              <a:t>javascript</a:t>
-            </a:r>
-            <a:r>
-              <a:rPr kumimoji="1" lang="en-US" altLang="ja-JP" sz="1200" dirty="0" smtClean="0"/>
-              <a:t> + </a:t>
-            </a:r>
-            <a:r>
-              <a:rPr lang="en-US" altLang="ja-JP" sz="1200" dirty="0" smtClean="0"/>
-              <a:t>cytoscape.js</a:t>
-            </a:r>
-          </a:p>
-          <a:p>
-            <a:r>
-              <a:rPr kumimoji="1" lang="en-US" altLang="ja-JP" sz="1200" dirty="0"/>
-              <a:t> </a:t>
-            </a:r>
-            <a:r>
-              <a:rPr kumimoji="1" lang="en-US" altLang="ja-JP" sz="1200" dirty="0" smtClean="0"/>
-              <a:t>+</a:t>
-            </a:r>
-            <a:r>
-              <a:rPr lang="en-US" altLang="ja-JP" sz="1200" dirty="0"/>
-              <a:t> </a:t>
-            </a:r>
-            <a:r>
-              <a:rPr lang="en-US" altLang="ja-JP" sz="1200" dirty="0" err="1"/>
-              <a:t>nodejs</a:t>
-            </a:r>
-            <a:r>
-              <a:rPr lang="en-US" altLang="ja-JP" sz="1200" dirty="0"/>
-              <a:t> + </a:t>
-            </a:r>
-            <a:r>
-              <a:rPr lang="en-US" altLang="ja-JP" sz="1200" dirty="0" err="1" smtClean="0"/>
-              <a:t>mysqljs</a:t>
-            </a:r>
-            <a:endParaRPr kumimoji="1" lang="ja-JP" altLang="en-US" sz="1200" dirty="0"/>
-          </a:p>
-        </p:txBody>
-      </p:sp>
-      <p:pic>
-        <p:nvPicPr>
-          <p:cNvPr id="1031" name="Picture 7" descr="C:\Users\ozu\Downloads\Golorize.jpg"/>
-          <p:cNvPicPr>
-            <a:picLocks noChangeAspect="1" noChangeArrowheads="1"/>
-          </p:cNvPicPr>
-          <p:nvPr/>
-        </p:nvPicPr>
-        <p:blipFill>
-          <a:blip r:embed="rId7" cstate="print">
-            <a:extLst>
-              <a:ext uri="{28A0092B-C50C-407E-A947-70E740481C1C}">
-                <a14:useLocalDpi xmlns:a14="http://schemas.microsoft.com/office/drawing/2010/main" xmlns="" val="0"/>
-              </a:ext>
-            </a:extLst>
-          </a:blip>
-          <a:srcRect/>
-          <a:stretch>
-            <a:fillRect/>
-          </a:stretch>
-        </p:blipFill>
-        <p:spPr bwMode="auto">
-          <a:xfrm>
-            <a:off x="9439344" y="4808048"/>
-            <a:ext cx="2214318" cy="1547183"/>
-          </a:xfrm>
-          <a:prstGeom prst="rect">
-            <a:avLst/>
-          </a:prstGeom>
-          <a:noFill/>
-          <a:ln>
-            <a:solidFill>
-              <a:schemeClr val="tx1"/>
-            </a:solidFill>
-          </a:ln>
-          <a:extLst>
-            <a:ext uri="{909E8E84-426E-40DD-AFC4-6F175D3DCCD1}">
-              <a14:hiddenFill xmlns:a14="http://schemas.microsoft.com/office/drawing/2010/main" xmlns="">
-                <a:solidFill>
-                  <a:srgbClr val="FFFFFF"/>
-                </a:solidFill>
-              </a14:hiddenFill>
-            </a:ext>
-          </a:extLst>
-        </p:spPr>
-      </p:pic>
-      <p:sp>
-        <p:nvSpPr>
-          <p:cNvPr id="83" name="右矢印 82"/>
-          <p:cNvSpPr/>
-          <p:nvPr/>
-        </p:nvSpPr>
-        <p:spPr>
-          <a:xfrm rot="1398129">
-            <a:off x="1887791" y="3320562"/>
-            <a:ext cx="1695384" cy="426180"/>
-          </a:xfrm>
-          <a:prstGeom prst="rightArrow">
-            <a:avLst/>
-          </a:prstGeom>
-        </p:spPr>
-        <p:style>
-          <a:lnRef idx="2">
-            <a:schemeClr val="accent1">
-              <a:shade val="50000"/>
-            </a:schemeClr>
-          </a:lnRef>
-          <a:fillRef idx="1">
-            <a:schemeClr val="accent1"/>
-          </a:fillRef>
-          <a:effectRef idx="0">
-            <a:schemeClr val="accent1"/>
-          </a:effectRef>
-          <a:fontRef idx="minor">
-            <a:schemeClr val="lt1"/>
-          </a:fontRef>
-        </p:style>
-        <p:txBody>
-          <a:bodyPr rtlCol="0" anchor="ctr"/>
-          <a:lstStyle/>
-          <a:p>
-            <a:pPr algn="ctr"/>
-            <a:endParaRPr kumimoji="1" lang="ja-JP" altLang="en-US"/>
-          </a:p>
-        </p:txBody>
-      </p:sp>
-      <p:sp>
-        <p:nvSpPr>
-          <p:cNvPr id="84" name="右矢印 83"/>
-          <p:cNvSpPr/>
-          <p:nvPr/>
-        </p:nvSpPr>
-        <p:spPr>
-          <a:xfrm rot="751172">
-            <a:off x="6370642" y="4595144"/>
-            <a:ext cx="2822376" cy="426180"/>
-          </a:xfrm>
-          <a:prstGeom prst="rightArrow">
-            <a:avLst/>
-          </a:prstGeom>
-        </p:spPr>
-        <p:style>
-          <a:lnRef idx="2">
-            <a:schemeClr val="accent1">
-              <a:shade val="50000"/>
-            </a:schemeClr>
-          </a:lnRef>
-          <a:fillRef idx="1">
-            <a:schemeClr val="accent1"/>
-          </a:fillRef>
-          <a:effectRef idx="0">
-            <a:schemeClr val="accent1"/>
-          </a:effectRef>
-          <a:fontRef idx="minor">
-            <a:schemeClr val="lt1"/>
-          </a:fontRef>
-        </p:style>
-        <p:txBody>
-          <a:bodyPr rtlCol="0" anchor="ctr"/>
-          <a:lstStyle/>
-          <a:p>
-            <a:pPr algn="ctr"/>
             <a:endParaRPr kumimoji="1" lang="ja-JP" altLang="en-US"/>
           </a:p>
         </p:txBody>
@@ -12460,7 +14346,7 @@
           <a:blip r:embed="rId3" cstate="print">
             <a:extLst>
               <a:ext uri="{28A0092B-C50C-407E-A947-70E740481C1C}">
-                <a14:useLocalDpi xmlns:a14="http://schemas.microsoft.com/office/drawing/2010/main" xmlns="" val="0"/>
+                <a14:useLocalDpi xmlns="" xmlns:a14="http://schemas.microsoft.com/office/drawing/2010/main" val="0"/>
               </a:ext>
             </a:extLst>
           </a:blip>
@@ -12483,14 +14369,14 @@
           </a:ln>
           <a:extLst>
             <a:ext uri="{909E8E84-426E-40DD-AFC4-6F175D3DCCD1}">
-              <a14:hiddenFill xmlns:a14="http://schemas.microsoft.com/office/drawing/2010/main" xmlns="">
+              <a14:hiddenFill xmlns="" xmlns:a14="http://schemas.microsoft.com/office/drawing/2010/main">
                 <a:solidFill>
                   <a:schemeClr val="accent1"/>
                 </a:solidFill>
               </a14:hiddenFill>
             </a:ext>
             <a:ext uri="{91240B29-F687-4F45-9708-019B960494DF}">
-              <a14:hiddenLine xmlns:a14="http://schemas.microsoft.com/office/drawing/2010/main" xmlns="" w="9525">
+              <a14:hiddenLine xmlns="" xmlns:a14="http://schemas.microsoft.com/office/drawing/2010/main" w="9525">
                 <a:solidFill>
                   <a:schemeClr val="tx1"/>
                 </a:solidFill>
@@ -13145,14 +15031,17 @@
           <p:nvPr/>
         </p:nvCxnSpPr>
         <p:spPr>
-          <a:xfrm flipH="1">
-            <a:off x="1327952" y="1186575"/>
-            <a:ext cx="15354" cy="183651"/>
+          <a:xfrm>
+            <a:off x="1343306" y="1186575"/>
+            <a:ext cx="167526" cy="468131"/>
           </a:xfrm>
           <a:prstGeom prst="straightConnector1">
             <a:avLst/>
           </a:prstGeom>
           <a:ln>
+            <a:solidFill>
+              <a:schemeClr val="tx1"/>
+            </a:solidFill>
             <a:tailEnd type="arrow"/>
           </a:ln>
         </p:spPr>
@@ -13176,18 +15065,22 @@
           <p:cNvPr id="13" name="直線矢印コネクタ 12"/>
           <p:cNvCxnSpPr>
             <a:stCxn id="28" idx="2"/>
+            <a:endCxn id="10" idx="0"/>
           </p:cNvCxnSpPr>
           <p:nvPr/>
         </p:nvCxnSpPr>
         <p:spPr>
-          <a:xfrm flipV="1">
-            <a:off x="1327952" y="2086727"/>
-            <a:ext cx="936091" cy="299162"/>
+          <a:xfrm flipH="1">
+            <a:off x="1210046" y="2116371"/>
+            <a:ext cx="300786" cy="837552"/>
           </a:xfrm>
           <a:prstGeom prst="straightConnector1">
             <a:avLst/>
           </a:prstGeom>
           <a:ln>
+            <a:solidFill>
+              <a:schemeClr val="tx1"/>
+            </a:solidFill>
             <a:tailEnd type="arrow"/>
           </a:ln>
         </p:spPr>
@@ -13952,42 +15845,6 @@
       </p:grpSp>
       <p:cxnSp>
         <p:nvCxnSpPr>
-          <p:cNvPr id="24" name="直線矢印コネクタ 23"/>
-          <p:cNvCxnSpPr>
-            <a:stCxn id="8" idx="3"/>
-            <a:endCxn id="52" idx="1"/>
-          </p:cNvCxnSpPr>
-          <p:nvPr/>
-        </p:nvCxnSpPr>
-        <p:spPr>
-          <a:xfrm flipV="1">
-            <a:off x="3703648" y="2490845"/>
-            <a:ext cx="2256809" cy="139777"/>
-          </a:xfrm>
-          <a:prstGeom prst="straightConnector1">
-            <a:avLst/>
-          </a:prstGeom>
-          <a:ln>
-            <a:tailEnd type="arrow"/>
-          </a:ln>
-        </p:spPr>
-        <p:style>
-          <a:lnRef idx="1">
-            <a:schemeClr val="accent1"/>
-          </a:lnRef>
-          <a:fillRef idx="0">
-            <a:schemeClr val="accent1"/>
-          </a:fillRef>
-          <a:effectRef idx="0">
-            <a:schemeClr val="accent1"/>
-          </a:effectRef>
-          <a:fontRef idx="minor">
-            <a:schemeClr val="tx1"/>
-          </a:fontRef>
-        </p:style>
-      </p:cxnSp>
-      <p:cxnSp>
-        <p:nvCxnSpPr>
           <p:cNvPr id="34" name="直線矢印コネクタ 33"/>
           <p:cNvCxnSpPr>
             <a:stCxn id="58" idx="3"/>
@@ -14024,10 +15881,7 @@
       <p:cxnSp>
         <p:nvCxnSpPr>
           <p:cNvPr id="43" name="直線矢印コネクタ 42"/>
-          <p:cNvCxnSpPr>
-            <a:stCxn id="72" idx="2"/>
-            <a:endCxn id="65" idx="3"/>
-          </p:cNvCxnSpPr>
+          <p:cNvCxnSpPr/>
           <p:nvPr/>
         </p:nvCxnSpPr>
         <p:spPr>
@@ -14096,786 +15950,68 @@
           </a:fontRef>
         </p:style>
       </p:cxnSp>
-    </p:spTree>
-    <p:extLst>
-      <p:ext uri="{BB962C8B-B14F-4D97-AF65-F5344CB8AC3E}">
-        <p14:creationId xmlns:p14="http://schemas.microsoft.com/office/powerpoint/2010/main" xmlns="" val="4231056502"/>
-      </p:ext>
-    </p:extLst>
-  </p:cSld>
-  <p:clrMapOvr>
-    <a:masterClrMapping/>
-  </p:clrMapOvr>
-  <p:timing>
-    <p:tnLst>
-      <p:par>
-        <p:cTn id="1" dur="indefinite" restart="never" nodeType="tmRoot"/>
-      </p:par>
-    </p:tnLst>
-  </p:timing>
-</p:sld>
-</file>
-
-<file path=ppt/slides/slide7.xml><?xml version="1.0" encoding="utf-8"?>
-<p:sld xmlns:a="http://schemas.openxmlformats.org/drawingml/2006/main" xmlns:r="http://schemas.openxmlformats.org/officeDocument/2006/relationships" xmlns:p="http://schemas.openxmlformats.org/presentationml/2006/main">
-  <p:cSld>
-    <p:spTree>
-      <p:nvGrpSpPr>
-        <p:cNvPr id="1" name=""/>
-        <p:cNvGrpSpPr/>
-        <p:nvPr/>
-      </p:nvGrpSpPr>
-      <p:grpSpPr>
-        <a:xfrm>
-          <a:off x="0" y="0"/>
-          <a:ext cx="0" cy="0"/>
-          <a:chOff x="0" y="0"/>
-          <a:chExt cx="0" cy="0"/>
-        </a:xfrm>
-      </p:grpSpPr>
-      <p:sp>
-        <p:nvSpPr>
-          <p:cNvPr id="2" name="スライド番号プレースホルダ 1"/>
-          <p:cNvSpPr>
-            <a:spLocks noGrp="1"/>
-          </p:cNvSpPr>
-          <p:nvPr>
-            <p:ph type="sldNum" sz="quarter" idx="4"/>
-          </p:nvPr>
-        </p:nvSpPr>
-        <p:spPr/>
-        <p:txBody>
-          <a:bodyPr/>
-          <a:lstStyle/>
-          <a:p>
-            <a:fld id="{80B61DEA-751C-4EFC-848A-C896179D47AE}" type="slidenum">
-              <a:rPr kumimoji="1" lang="ja-JP" altLang="en-US" smtClean="0"/>
-              <a:pPr/>
-              <a:t>7</a:t>
-            </a:fld>
-            <a:endParaRPr kumimoji="1" lang="ja-JP" altLang="en-US"/>
-          </a:p>
-        </p:txBody>
-      </p:sp>
-      <p:sp>
-        <p:nvSpPr>
-          <p:cNvPr id="4" name="タイトル 3"/>
-          <p:cNvSpPr>
-            <a:spLocks noGrp="1"/>
-          </p:cNvSpPr>
-          <p:nvPr>
-            <p:ph type="title"/>
-          </p:nvPr>
-        </p:nvSpPr>
-        <p:spPr/>
-        <p:txBody>
-          <a:bodyPr/>
-          <a:lstStyle/>
-          <a:p>
-            <a:r>
-              <a:rPr lang="en-US" altLang="ja-JP" dirty="0" smtClean="0"/>
-              <a:t>relevancy</a:t>
-            </a:r>
-            <a:endParaRPr kumimoji="1" lang="ja-JP" altLang="en-US" dirty="0"/>
-          </a:p>
-        </p:txBody>
-      </p:sp>
-      <p:sp>
-        <p:nvSpPr>
-          <p:cNvPr id="5" name="円/楕円 4"/>
-          <p:cNvSpPr/>
+      <p:sp>
+        <p:nvSpPr>
+          <p:cNvPr id="137" name="テキスト ボックス 136"/>
+          <p:cNvSpPr txBox="1"/>
           <p:nvPr/>
         </p:nvSpPr>
         <p:spPr>
           <a:xfrm>
-            <a:off x="1179195" y="2773680"/>
-            <a:ext cx="2407920" cy="1300480"/>
-          </a:xfrm>
-          <a:prstGeom prst="ellipse">
+            <a:off x="2998659" y="3412386"/>
+            <a:ext cx="1725741" cy="461665"/>
+          </a:xfrm>
+          <a:prstGeom prst="rect">
             <a:avLst/>
           </a:prstGeom>
-          <a:solidFill>
-            <a:schemeClr val="bg1"/>
-          </a:solidFill>
+          <a:noFill/>
           <a:ln>
             <a:solidFill>
               <a:schemeClr val="tx1"/>
             </a:solidFill>
           </a:ln>
         </p:spPr>
-        <p:style>
-          <a:lnRef idx="2">
-            <a:schemeClr val="accent1">
-              <a:shade val="50000"/>
-            </a:schemeClr>
-          </a:lnRef>
-          <a:fillRef idx="1">
-            <a:schemeClr val="accent1"/>
-          </a:fillRef>
-          <a:effectRef idx="0">
-            <a:schemeClr val="accent1"/>
-          </a:effectRef>
-          <a:fontRef idx="minor">
-            <a:schemeClr val="lt1"/>
-          </a:fontRef>
-        </p:style>
-        <p:txBody>
-          <a:bodyPr rtlCol="0" anchor="ctr"/>
-          <a:lstStyle/>
-          <a:p>
-            <a:pPr algn="ctr"/>
-            <a:r>
-              <a:rPr kumimoji="1" lang="en-US" altLang="ja-JP" dirty="0" err="1" smtClean="0">
-                <a:solidFill>
-                  <a:schemeClr val="tx1"/>
-                </a:solidFill>
-              </a:rPr>
-              <a:t>tensorFlow</a:t>
-            </a:r>
-            <a:endParaRPr kumimoji="1" lang="ja-JP" altLang="en-US" dirty="0">
-              <a:solidFill>
-                <a:schemeClr val="tx1"/>
-              </a:solidFill>
-            </a:endParaRPr>
-          </a:p>
-        </p:txBody>
-      </p:sp>
-      <p:sp>
-        <p:nvSpPr>
-          <p:cNvPr id="6" name="円/楕円 5"/>
-          <p:cNvSpPr/>
-          <p:nvPr/>
-        </p:nvSpPr>
-        <p:spPr>
-          <a:xfrm>
-            <a:off x="5781675" y="853440"/>
-            <a:ext cx="548640" cy="487680"/>
-          </a:xfrm>
-          <a:prstGeom prst="ellipse">
-            <a:avLst/>
-          </a:prstGeom>
-          <a:solidFill>
-            <a:schemeClr val="bg1"/>
-          </a:solidFill>
-          <a:ln>
-            <a:solidFill>
-              <a:schemeClr val="tx1"/>
-            </a:solidFill>
-          </a:ln>
-        </p:spPr>
-        <p:style>
-          <a:lnRef idx="2">
-            <a:schemeClr val="accent1">
-              <a:shade val="50000"/>
-            </a:schemeClr>
-          </a:lnRef>
-          <a:fillRef idx="1">
-            <a:schemeClr val="accent1"/>
-          </a:fillRef>
-          <a:effectRef idx="0">
-            <a:schemeClr val="accent1"/>
-          </a:effectRef>
-          <a:fontRef idx="minor">
-            <a:schemeClr val="lt1"/>
-          </a:fontRef>
-        </p:style>
-        <p:txBody>
-          <a:bodyPr rtlCol="0" anchor="ctr"/>
-          <a:lstStyle/>
-          <a:p>
-            <a:pPr algn="ctr"/>
-            <a:r>
-              <a:rPr kumimoji="1" lang="en-US" altLang="ja-JP" dirty="0" smtClean="0">
-                <a:solidFill>
-                  <a:schemeClr val="tx1"/>
-                </a:solidFill>
-              </a:rPr>
-              <a:t>A</a:t>
-            </a:r>
-            <a:endParaRPr kumimoji="1" lang="ja-JP" altLang="en-US" dirty="0">
-              <a:solidFill>
-                <a:schemeClr val="tx1"/>
-              </a:solidFill>
-            </a:endParaRPr>
-          </a:p>
-        </p:txBody>
-      </p:sp>
-      <p:sp>
-        <p:nvSpPr>
-          <p:cNvPr id="7" name="円/楕円 6"/>
-          <p:cNvSpPr/>
-          <p:nvPr/>
-        </p:nvSpPr>
-        <p:spPr>
-          <a:xfrm>
-            <a:off x="6421755" y="2103120"/>
-            <a:ext cx="548640" cy="487680"/>
-          </a:xfrm>
-          <a:prstGeom prst="ellipse">
-            <a:avLst/>
-          </a:prstGeom>
-          <a:solidFill>
-            <a:schemeClr val="bg1"/>
-          </a:solidFill>
-          <a:ln>
-            <a:solidFill>
-              <a:schemeClr val="tx1"/>
-            </a:solidFill>
-          </a:ln>
-        </p:spPr>
-        <p:style>
-          <a:lnRef idx="2">
-            <a:schemeClr val="accent1">
-              <a:shade val="50000"/>
-            </a:schemeClr>
-          </a:lnRef>
-          <a:fillRef idx="1">
-            <a:schemeClr val="accent1"/>
-          </a:fillRef>
-          <a:effectRef idx="0">
-            <a:schemeClr val="accent1"/>
-          </a:effectRef>
-          <a:fontRef idx="minor">
-            <a:schemeClr val="lt1"/>
-          </a:fontRef>
-        </p:style>
-        <p:txBody>
-          <a:bodyPr rtlCol="0" anchor="ctr"/>
-          <a:lstStyle/>
-          <a:p>
-            <a:pPr algn="ctr"/>
-            <a:r>
-              <a:rPr lang="en-US" altLang="ja-JP" dirty="0" smtClean="0">
-                <a:solidFill>
-                  <a:schemeClr val="tx1"/>
-                </a:solidFill>
-              </a:rPr>
-              <a:t>B</a:t>
-            </a:r>
-            <a:endParaRPr kumimoji="1" lang="ja-JP" altLang="en-US" dirty="0">
-              <a:solidFill>
-                <a:schemeClr val="tx1"/>
-              </a:solidFill>
-            </a:endParaRPr>
-          </a:p>
-        </p:txBody>
-      </p:sp>
-      <p:cxnSp>
-        <p:nvCxnSpPr>
-          <p:cNvPr id="9" name="直線矢印コネクタ 8"/>
-          <p:cNvCxnSpPr>
-            <a:stCxn id="5" idx="7"/>
-            <a:endCxn id="6" idx="3"/>
-          </p:cNvCxnSpPr>
-          <p:nvPr/>
-        </p:nvCxnSpPr>
-        <p:spPr>
-          <a:xfrm flipV="1">
-            <a:off x="3234483" y="1269701"/>
-            <a:ext cx="2627539" cy="1694430"/>
-          </a:xfrm>
-          <a:prstGeom prst="straightConnector1">
-            <a:avLst/>
-          </a:prstGeom>
-          <a:ln>
-            <a:solidFill>
-              <a:schemeClr val="tx1"/>
-            </a:solidFill>
-            <a:tailEnd type="arrow" w="lg" len="lg"/>
-          </a:ln>
-        </p:spPr>
-        <p:style>
-          <a:lnRef idx="1">
-            <a:schemeClr val="accent1"/>
-          </a:lnRef>
-          <a:fillRef idx="0">
-            <a:schemeClr val="accent1"/>
-          </a:fillRef>
-          <a:effectRef idx="0">
-            <a:schemeClr val="accent1"/>
-          </a:effectRef>
-          <a:fontRef idx="minor">
-            <a:schemeClr val="tx1"/>
-          </a:fontRef>
-        </p:style>
-      </p:cxnSp>
-      <p:cxnSp>
-        <p:nvCxnSpPr>
-          <p:cNvPr id="10" name="直線矢印コネクタ 9"/>
-          <p:cNvCxnSpPr>
-            <a:stCxn id="5" idx="7"/>
-            <a:endCxn id="7" idx="2"/>
-          </p:cNvCxnSpPr>
-          <p:nvPr/>
-        </p:nvCxnSpPr>
-        <p:spPr>
-          <a:xfrm flipV="1">
-            <a:off x="3234483" y="2346960"/>
-            <a:ext cx="3187272" cy="617171"/>
-          </a:xfrm>
-          <a:prstGeom prst="straightConnector1">
-            <a:avLst/>
-          </a:prstGeom>
-          <a:ln>
-            <a:solidFill>
-              <a:schemeClr val="tx1"/>
-            </a:solidFill>
-            <a:tailEnd type="arrow" w="lg" len="lg"/>
-          </a:ln>
-        </p:spPr>
-        <p:style>
-          <a:lnRef idx="1">
-            <a:schemeClr val="accent1"/>
-          </a:lnRef>
-          <a:fillRef idx="0">
-            <a:schemeClr val="accent1"/>
-          </a:fillRef>
-          <a:effectRef idx="0">
-            <a:schemeClr val="accent1"/>
-          </a:effectRef>
-          <a:fontRef idx="minor">
-            <a:schemeClr val="tx1"/>
-          </a:fontRef>
-        </p:style>
-      </p:cxnSp>
-      <p:cxnSp>
-        <p:nvCxnSpPr>
-          <p:cNvPr id="15" name="直線矢印コネクタ 14"/>
-          <p:cNvCxnSpPr>
-            <a:stCxn id="6" idx="4"/>
-            <a:endCxn id="7" idx="1"/>
-          </p:cNvCxnSpPr>
-          <p:nvPr/>
-        </p:nvCxnSpPr>
-        <p:spPr>
-          <a:xfrm>
-            <a:off x="6055995" y="1341120"/>
-            <a:ext cx="446107" cy="833419"/>
-          </a:xfrm>
-          <a:prstGeom prst="straightConnector1">
-            <a:avLst/>
-          </a:prstGeom>
-          <a:ln>
-            <a:solidFill>
-              <a:schemeClr val="tx1"/>
-            </a:solidFill>
-            <a:tailEnd type="arrow" w="lg" len="lg"/>
-          </a:ln>
-        </p:spPr>
-        <p:style>
-          <a:lnRef idx="1">
-            <a:schemeClr val="accent1"/>
-          </a:lnRef>
-          <a:fillRef idx="0">
-            <a:schemeClr val="accent1"/>
-          </a:fillRef>
-          <a:effectRef idx="0">
-            <a:schemeClr val="accent1"/>
-          </a:effectRef>
-          <a:fontRef idx="minor">
-            <a:schemeClr val="tx1"/>
-          </a:fontRef>
-        </p:style>
-      </p:cxnSp>
-      <p:graphicFrame>
-        <p:nvGraphicFramePr>
-          <p:cNvPr id="8" name="オブジェクト 7"/>
-          <p:cNvGraphicFramePr>
-            <a:graphicFrameLocks noChangeAspect="1"/>
-          </p:cNvGraphicFramePr>
-          <p:nvPr>
-            <p:extLst>
-              <p:ext uri="{D42A27DB-BD31-4B8C-83A1-F6EECF244321}">
-                <p14:modId xmlns:p14="http://schemas.microsoft.com/office/powerpoint/2010/main" xmlns="" val="4217036266"/>
-              </p:ext>
-            </p:extLst>
-          </p:nvPr>
-        </p:nvGraphicFramePr>
-        <p:xfrm>
-          <a:off x="4237355" y="1430605"/>
-          <a:ext cx="379181" cy="537173"/>
-        </p:xfrm>
-        <a:graphic>
-          <a:graphicData uri="http://schemas.openxmlformats.org/presentationml/2006/ole">
-            <p:oleObj spid="_x0000_s1182" name="数式" r:id="rId3" imgW="152268" imgH="215713" progId="Equation.3">
-              <p:embed/>
-            </p:oleObj>
-          </a:graphicData>
-        </a:graphic>
-      </p:graphicFrame>
-      <p:graphicFrame>
-        <p:nvGraphicFramePr>
-          <p:cNvPr id="11" name="オブジェクト 10"/>
-          <p:cNvGraphicFramePr>
-            <a:graphicFrameLocks noChangeAspect="1"/>
-          </p:cNvGraphicFramePr>
-          <p:nvPr>
-            <p:extLst>
-              <p:ext uri="{D42A27DB-BD31-4B8C-83A1-F6EECF244321}">
-                <p14:modId xmlns:p14="http://schemas.microsoft.com/office/powerpoint/2010/main" xmlns="" val="3365855799"/>
-              </p:ext>
-            </p:extLst>
-          </p:nvPr>
-        </p:nvGraphicFramePr>
-        <p:xfrm>
-          <a:off x="4828119" y="2796839"/>
-          <a:ext cx="379413" cy="536575"/>
-        </p:xfrm>
-        <a:graphic>
-          <a:graphicData uri="http://schemas.openxmlformats.org/presentationml/2006/ole">
-            <p:oleObj spid="_x0000_s1183" name="数式" r:id="rId4" imgW="152268" imgH="215713" progId="Equation.3">
-              <p:embed/>
-            </p:oleObj>
-          </a:graphicData>
-        </a:graphic>
-      </p:graphicFrame>
-      <p:graphicFrame>
-        <p:nvGraphicFramePr>
-          <p:cNvPr id="12" name="オブジェクト 11"/>
-          <p:cNvGraphicFramePr>
-            <a:graphicFrameLocks noChangeAspect="1"/>
-          </p:cNvGraphicFramePr>
-          <p:nvPr>
-            <p:extLst>
-              <p:ext uri="{D42A27DB-BD31-4B8C-83A1-F6EECF244321}">
-                <p14:modId xmlns:p14="http://schemas.microsoft.com/office/powerpoint/2010/main" xmlns="" val="1147638440"/>
-              </p:ext>
-            </p:extLst>
-          </p:nvPr>
-        </p:nvGraphicFramePr>
-        <p:xfrm>
-          <a:off x="6696075" y="1341120"/>
-          <a:ext cx="1835150" cy="536575"/>
-        </p:xfrm>
-        <a:graphic>
-          <a:graphicData uri="http://schemas.openxmlformats.org/presentationml/2006/ole">
-            <p:oleObj spid="_x0000_s1184" name="数式" r:id="rId5" imgW="736280" imgH="215806" progId="Equation.3">
-              <p:embed/>
-            </p:oleObj>
-          </a:graphicData>
-        </a:graphic>
-      </p:graphicFrame>
-      <p:sp>
-        <p:nvSpPr>
-          <p:cNvPr id="16" name="テキスト ボックス 15"/>
-          <p:cNvSpPr txBox="1"/>
-          <p:nvPr/>
-        </p:nvSpPr>
-        <p:spPr>
-          <a:xfrm>
-            <a:off x="5862022" y="3567529"/>
-            <a:ext cx="4643120" cy="646331"/>
-          </a:xfrm>
-          <a:prstGeom prst="rect">
-            <a:avLst/>
-          </a:prstGeom>
-          <a:noFill/>
-        </p:spPr>
         <p:txBody>
           <a:bodyPr wrap="square" rtlCol="0">
             <a:spAutoFit/>
           </a:bodyPr>
           <a:lstStyle/>
           <a:p>
-            <a:pPr algn="ctr"/>
-            <a:r>
-              <a:rPr kumimoji="1" lang="en-US" altLang="ja-JP" dirty="0" smtClean="0"/>
-              <a:t>AB</a:t>
-            </a:r>
-            <a:r>
-              <a:rPr kumimoji="1" lang="ja-JP" altLang="en-US" dirty="0" smtClean="0"/>
-              <a:t>間の距離が近いほどリンク強度は強い</a:t>
-            </a:r>
-            <a:endParaRPr kumimoji="1" lang="en-US" altLang="ja-JP" dirty="0" smtClean="0"/>
-          </a:p>
-          <a:p>
-            <a:pPr algn="ctr"/>
-            <a:r>
-              <a:rPr lang="ja-JP" altLang="en-US" dirty="0"/>
-              <a:t>↓</a:t>
-            </a:r>
-            <a:endParaRPr kumimoji="1" lang="ja-JP" altLang="en-US" dirty="0"/>
-          </a:p>
-        </p:txBody>
-      </p:sp>
-      <p:graphicFrame>
-        <p:nvGraphicFramePr>
-          <p:cNvPr id="17" name="オブジェクト 16"/>
-          <p:cNvGraphicFramePr>
-            <a:graphicFrameLocks noChangeAspect="1"/>
-          </p:cNvGraphicFramePr>
-          <p:nvPr>
-            <p:extLst>
-              <p:ext uri="{D42A27DB-BD31-4B8C-83A1-F6EECF244321}">
-                <p14:modId xmlns:p14="http://schemas.microsoft.com/office/powerpoint/2010/main" xmlns="" val="4095846429"/>
-              </p:ext>
-            </p:extLst>
-          </p:nvPr>
-        </p:nvGraphicFramePr>
-        <p:xfrm>
-          <a:off x="6406515" y="4093557"/>
-          <a:ext cx="3006725" cy="820738"/>
-        </p:xfrm>
-        <a:graphic>
-          <a:graphicData uri="http://schemas.openxmlformats.org/presentationml/2006/ole">
-            <p:oleObj spid="_x0000_s1185" name="数式" r:id="rId6" imgW="1206500" imgH="330200" progId="Equation.3">
-              <p:embed/>
-            </p:oleObj>
-          </a:graphicData>
-        </a:graphic>
-      </p:graphicFrame>
-      <p:sp>
-        <p:nvSpPr>
-          <p:cNvPr id="19" name="テキスト ボックス 18"/>
-          <p:cNvSpPr txBox="1"/>
-          <p:nvPr/>
-        </p:nvSpPr>
-        <p:spPr>
-          <a:xfrm>
-            <a:off x="0" y="5644495"/>
-            <a:ext cx="5562600" cy="923330"/>
-          </a:xfrm>
-          <a:prstGeom prst="rect">
-            <a:avLst/>
-          </a:prstGeom>
-          <a:noFill/>
-        </p:spPr>
-        <p:txBody>
-          <a:bodyPr wrap="square" rtlCol="0">
-            <a:spAutoFit/>
-          </a:bodyPr>
-          <a:lstStyle/>
-          <a:p>
-            <a:pPr algn="ctr"/>
-            <a:r>
-              <a:rPr lang="ja-JP" altLang="en-US" dirty="0"/>
-              <a:t>今</a:t>
-            </a:r>
-            <a:r>
-              <a:rPr lang="ja-JP" altLang="en-US" dirty="0" smtClean="0"/>
-              <a:t>まではメトリック計算を職人技でやってた？</a:t>
-            </a:r>
-            <a:endParaRPr lang="en-US" altLang="ja-JP" dirty="0" smtClean="0"/>
-          </a:p>
-          <a:p>
-            <a:pPr algn="ctr"/>
-            <a:r>
-              <a:rPr lang="ja-JP" altLang="en-US" dirty="0" smtClean="0"/>
-              <a:t>パラメータ：</a:t>
-            </a:r>
-            <a:r>
-              <a:rPr lang="en-US" altLang="ja-JP" dirty="0" smtClean="0"/>
-              <a:t>authors</a:t>
-            </a:r>
-            <a:r>
-              <a:rPr lang="en-US" altLang="ja-JP" dirty="0"/>
-              <a:t>, keywords, </a:t>
-            </a:r>
-            <a:r>
-              <a:rPr lang="en-US" altLang="ja-JP" dirty="0" err="1" smtClean="0"/>
-              <a:t>citings</a:t>
-            </a:r>
-            <a:r>
-              <a:rPr lang="en-US" altLang="ja-JP" dirty="0"/>
-              <a:t>, </a:t>
-            </a:r>
-            <a:r>
-              <a:rPr lang="en-US" altLang="ja-JP" dirty="0" err="1" smtClean="0"/>
-              <a:t>citeds</a:t>
-            </a:r>
-            <a:r>
-              <a:rPr lang="en-US" altLang="ja-JP" dirty="0"/>
-              <a:t>, </a:t>
-            </a:r>
-            <a:r>
-              <a:rPr lang="en-US" altLang="ja-JP" dirty="0" err="1"/>
-              <a:t>conference|published</a:t>
-            </a:r>
-            <a:endParaRPr kumimoji="1" lang="ja-JP" altLang="en-US" dirty="0"/>
-          </a:p>
-        </p:txBody>
-      </p:sp>
-    </p:spTree>
-  </p:cSld>
-  <p:clrMapOvr>
-    <a:masterClrMapping/>
-  </p:clrMapOvr>
-  <p:timing>
-    <p:tnLst>
-      <p:par>
-        <p:cTn id="1" dur="indefinite" restart="never" nodeType="tmRoot"/>
-      </p:par>
-    </p:tnLst>
-  </p:timing>
-</p:sld>
-</file>
-
-<file path=ppt/slides/slide8.xml><?xml version="1.0" encoding="utf-8"?>
-<p:sld xmlns:a="http://schemas.openxmlformats.org/drawingml/2006/main" xmlns:r="http://schemas.openxmlformats.org/officeDocument/2006/relationships" xmlns:p="http://schemas.openxmlformats.org/presentationml/2006/main">
-  <p:cSld>
-    <p:spTree>
-      <p:nvGrpSpPr>
-        <p:cNvPr id="1" name=""/>
-        <p:cNvGrpSpPr/>
-        <p:nvPr/>
-      </p:nvGrpSpPr>
-      <p:grpSpPr>
-        <a:xfrm>
-          <a:off x="0" y="0"/>
-          <a:ext cx="0" cy="0"/>
-          <a:chOff x="0" y="0"/>
-          <a:chExt cx="0" cy="0"/>
-        </a:xfrm>
-      </p:grpSpPr>
-      <p:sp>
-        <p:nvSpPr>
-          <p:cNvPr id="2" name="スライド番号プレースホルダー 1"/>
-          <p:cNvSpPr>
-            <a:spLocks noGrp="1"/>
-          </p:cNvSpPr>
-          <p:nvPr>
-            <p:ph type="sldNum" sz="quarter" idx="4"/>
-          </p:nvPr>
-        </p:nvSpPr>
-        <p:spPr/>
-        <p:txBody>
-          <a:bodyPr/>
-          <a:lstStyle/>
-          <a:p>
-            <a:fld id="{80B61DEA-751C-4EFC-848A-C896179D47AE}" type="slidenum">
-              <a:rPr kumimoji="1" lang="ja-JP" altLang="en-US" smtClean="0"/>
-              <a:pPr/>
-              <a:t>8</a:t>
-            </a:fld>
-            <a:endParaRPr kumimoji="1" lang="ja-JP" altLang="en-US"/>
-          </a:p>
-        </p:txBody>
-      </p:sp>
-      <p:sp>
-        <p:nvSpPr>
-          <p:cNvPr id="3" name="コンテンツ プレースホルダー 2"/>
-          <p:cNvSpPr>
-            <a:spLocks noGrp="1"/>
-          </p:cNvSpPr>
-          <p:nvPr>
-            <p:ph idx="1"/>
-          </p:nvPr>
-        </p:nvSpPr>
-        <p:spPr/>
-        <p:txBody>
-          <a:bodyPr/>
-          <a:lstStyle/>
-          <a:p>
-            <a:r>
-              <a:rPr lang="ja-JP" altLang="en-US" dirty="0"/>
-              <a:t>「王様」</a:t>
-            </a:r>
-            <a:r>
-              <a:rPr lang="en-US" altLang="ja-JP" dirty="0"/>
-              <a:t>- </a:t>
-            </a:r>
-            <a:r>
-              <a:rPr lang="ja-JP" altLang="en-US" dirty="0"/>
-              <a:t>「男」</a:t>
-            </a:r>
-            <a:r>
-              <a:rPr lang="en-US" altLang="ja-JP" dirty="0"/>
-              <a:t>+ </a:t>
-            </a:r>
-            <a:r>
-              <a:rPr lang="ja-JP" altLang="en-US" dirty="0"/>
-              <a:t>「女」</a:t>
-            </a:r>
-            <a:r>
-              <a:rPr lang="en-US" altLang="ja-JP" dirty="0"/>
-              <a:t>= </a:t>
-            </a:r>
-            <a:r>
-              <a:rPr lang="ja-JP" altLang="en-US" dirty="0"/>
-              <a:t>「女王」</a:t>
-            </a:r>
-          </a:p>
-          <a:p>
-            <a:r>
-              <a:rPr lang="ja-JP" altLang="en-US" dirty="0"/>
-              <a:t>「パリ」</a:t>
-            </a:r>
-            <a:r>
-              <a:rPr lang="en-US" altLang="ja-JP" dirty="0"/>
-              <a:t>- </a:t>
-            </a:r>
-            <a:r>
-              <a:rPr lang="ja-JP" altLang="en-US" dirty="0"/>
-              <a:t>「フランス」</a:t>
-            </a:r>
-            <a:r>
-              <a:rPr lang="en-US" altLang="ja-JP" dirty="0"/>
-              <a:t>+ </a:t>
-            </a:r>
-            <a:r>
-              <a:rPr lang="ja-JP" altLang="en-US" dirty="0"/>
-              <a:t>「日本」</a:t>
-            </a:r>
-            <a:r>
-              <a:rPr lang="en-US" altLang="ja-JP" dirty="0"/>
-              <a:t>= </a:t>
-            </a:r>
-            <a:r>
-              <a:rPr lang="ja-JP" altLang="en-US" dirty="0"/>
-              <a:t>「東京</a:t>
-            </a:r>
-            <a:r>
-              <a:rPr lang="ja-JP" altLang="en-US" dirty="0" smtClean="0"/>
-              <a:t>」</a:t>
-            </a:r>
-            <a:endParaRPr lang="en-US" altLang="ja-JP" dirty="0" smtClean="0"/>
-          </a:p>
-          <a:p>
-            <a:r>
-              <a:rPr kumimoji="1" lang="ja-JP" altLang="en-US" dirty="0" smtClean="0"/>
-              <a:t>ができるようになる</a:t>
-            </a:r>
-            <a:endParaRPr kumimoji="1" lang="en-US" altLang="ja-JP" dirty="0" smtClean="0"/>
-          </a:p>
-          <a:p>
-            <a:endParaRPr lang="en-US" altLang="ja-JP" dirty="0"/>
-          </a:p>
-          <a:p>
-            <a:r>
-              <a:rPr kumimoji="1" lang="ja-JP" altLang="en-US" dirty="0" smtClean="0"/>
-              <a:t>ニューラルネットワークの入力の素性に利用できる</a:t>
-            </a:r>
-            <a:endParaRPr kumimoji="1" lang="ja-JP" altLang="en-US" dirty="0"/>
-          </a:p>
-        </p:txBody>
-      </p:sp>
-      <p:sp>
-        <p:nvSpPr>
-          <p:cNvPr id="4" name="タイトル 3"/>
-          <p:cNvSpPr>
-            <a:spLocks noGrp="1"/>
-          </p:cNvSpPr>
-          <p:nvPr>
-            <p:ph type="title"/>
-          </p:nvPr>
-        </p:nvSpPr>
-        <p:spPr/>
-        <p:txBody>
-          <a:bodyPr/>
-          <a:lstStyle/>
-          <a:p>
-            <a:r>
-              <a:rPr kumimoji="1" lang="ja-JP" altLang="en-US" dirty="0" smtClean="0"/>
-              <a:t>文書のベクトル化</a:t>
-            </a:r>
-            <a:endParaRPr kumimoji="1" lang="ja-JP" altLang="en-US" dirty="0"/>
+            <a:r>
+              <a:rPr lang="ja-JP" altLang="en-US" sz="1200" u="sng" dirty="0" smtClean="0"/>
+              <a:t>属性情報を</a:t>
+            </a:r>
+            <a:r>
+              <a:rPr lang="en-US" altLang="ja-JP" sz="1200" u="sng" dirty="0" smtClean="0"/>
+              <a:t>DB</a:t>
+            </a:r>
+            <a:r>
+              <a:rPr lang="ja-JP" altLang="en-US" sz="1200" u="sng" dirty="0"/>
+              <a:t>へ</a:t>
+            </a:r>
+            <a:r>
+              <a:rPr lang="ja-JP" altLang="en-US" sz="1200" u="sng" dirty="0" smtClean="0"/>
+              <a:t>格納</a:t>
+            </a:r>
+            <a:endParaRPr lang="en-US" altLang="ja-JP" sz="1200" u="sng" dirty="0" smtClean="0"/>
+          </a:p>
+          <a:p>
+            <a:r>
+              <a:rPr lang="en-US" altLang="ja-JP" sz="1200" dirty="0" smtClean="0"/>
+              <a:t>python + </a:t>
+            </a:r>
+            <a:r>
+              <a:rPr lang="en-US" altLang="ja-JP" sz="1200" dirty="0" err="1" smtClean="0"/>
+              <a:t>SQLAlchemy</a:t>
+            </a:r>
+            <a:endParaRPr lang="ja-JP" altLang="en-US" sz="1200" dirty="0"/>
           </a:p>
         </p:txBody>
       </p:sp>
     </p:spTree>
     <p:extLst>
       <p:ext uri="{BB962C8B-B14F-4D97-AF65-F5344CB8AC3E}">
-        <p14:creationId xmlns:p14="http://schemas.microsoft.com/office/powerpoint/2010/main" xmlns="" val="1900568499"/>
+        <p14:creationId xmlns="" xmlns:p14="http://schemas.microsoft.com/office/powerpoint/2010/main" val="4231056502"/>
       </p:ext>
     </p:extLst>
   </p:cSld>
@@ -14911,7 +16047,7 @@
       </p:grpSpPr>
       <p:sp>
         <p:nvSpPr>
-          <p:cNvPr id="2" name="スライド番号プレースホルダー 1"/>
+          <p:cNvPr id="2" name="スライド番号プレースホルダ 1"/>
           <p:cNvSpPr>
             <a:spLocks noGrp="1"/>
           </p:cNvSpPr>
@@ -14935,12 +16071,12 @@
       </p:sp>
       <p:sp>
         <p:nvSpPr>
-          <p:cNvPr id="3" name="タイトル 2"/>
+          <p:cNvPr id="4" name="タイトル 3"/>
           <p:cNvSpPr>
             <a:spLocks noGrp="1"/>
           </p:cNvSpPr>
           <p:nvPr>
-            <p:ph type="ctrTitle"/>
+            <p:ph type="title"/>
           </p:nvPr>
         </p:nvSpPr>
         <p:spPr/>
@@ -14949,23 +16085,529 @@
           <a:lstStyle/>
           <a:p>
             <a:r>
+              <a:rPr lang="en-US" altLang="ja-JP" dirty="0" smtClean="0"/>
+              <a:t>relevancy</a:t>
+            </a:r>
+            <a:endParaRPr kumimoji="1" lang="ja-JP" altLang="en-US" dirty="0"/>
+          </a:p>
+        </p:txBody>
+      </p:sp>
+      <p:sp>
+        <p:nvSpPr>
+          <p:cNvPr id="5" name="円/楕円 4"/>
+          <p:cNvSpPr/>
+          <p:nvPr/>
+        </p:nvSpPr>
+        <p:spPr>
+          <a:xfrm>
+            <a:off x="1179195" y="2773680"/>
+            <a:ext cx="2407920" cy="1300480"/>
+          </a:xfrm>
+          <a:prstGeom prst="ellipse">
+            <a:avLst/>
+          </a:prstGeom>
+          <a:solidFill>
+            <a:schemeClr val="bg1"/>
+          </a:solidFill>
+          <a:ln>
+            <a:solidFill>
+              <a:schemeClr val="tx1"/>
+            </a:solidFill>
+          </a:ln>
+        </p:spPr>
+        <p:style>
+          <a:lnRef idx="2">
+            <a:schemeClr val="accent1">
+              <a:shade val="50000"/>
+            </a:schemeClr>
+          </a:lnRef>
+          <a:fillRef idx="1">
+            <a:schemeClr val="accent1"/>
+          </a:fillRef>
+          <a:effectRef idx="0">
+            <a:schemeClr val="accent1"/>
+          </a:effectRef>
+          <a:fontRef idx="minor">
+            <a:schemeClr val="lt1"/>
+          </a:fontRef>
+        </p:style>
+        <p:txBody>
+          <a:bodyPr rtlCol="0" anchor="ctr"/>
+          <a:lstStyle/>
+          <a:p>
+            <a:pPr algn="ctr"/>
+            <a:r>
+              <a:rPr kumimoji="1" lang="en-US" altLang="ja-JP" dirty="0" err="1" smtClean="0">
+                <a:solidFill>
+                  <a:schemeClr val="tx1"/>
+                </a:solidFill>
+              </a:rPr>
+              <a:t>tensorFlow</a:t>
+            </a:r>
+            <a:endParaRPr kumimoji="1" lang="ja-JP" altLang="en-US" dirty="0">
+              <a:solidFill>
+                <a:schemeClr val="tx1"/>
+              </a:solidFill>
+            </a:endParaRPr>
+          </a:p>
+        </p:txBody>
+      </p:sp>
+      <p:sp>
+        <p:nvSpPr>
+          <p:cNvPr id="6" name="円/楕円 5"/>
+          <p:cNvSpPr/>
+          <p:nvPr/>
+        </p:nvSpPr>
+        <p:spPr>
+          <a:xfrm>
+            <a:off x="5781675" y="853440"/>
+            <a:ext cx="548640" cy="487680"/>
+          </a:xfrm>
+          <a:prstGeom prst="ellipse">
+            <a:avLst/>
+          </a:prstGeom>
+          <a:solidFill>
+            <a:schemeClr val="bg1"/>
+          </a:solidFill>
+          <a:ln>
+            <a:solidFill>
+              <a:schemeClr val="tx1"/>
+            </a:solidFill>
+          </a:ln>
+        </p:spPr>
+        <p:style>
+          <a:lnRef idx="2">
+            <a:schemeClr val="accent1">
+              <a:shade val="50000"/>
+            </a:schemeClr>
+          </a:lnRef>
+          <a:fillRef idx="1">
+            <a:schemeClr val="accent1"/>
+          </a:fillRef>
+          <a:effectRef idx="0">
+            <a:schemeClr val="accent1"/>
+          </a:effectRef>
+          <a:fontRef idx="minor">
+            <a:schemeClr val="lt1"/>
+          </a:fontRef>
+        </p:style>
+        <p:txBody>
+          <a:bodyPr rtlCol="0" anchor="ctr"/>
+          <a:lstStyle/>
+          <a:p>
+            <a:pPr algn="ctr"/>
+            <a:r>
+              <a:rPr kumimoji="1" lang="en-US" altLang="ja-JP" dirty="0" smtClean="0">
+                <a:solidFill>
+                  <a:schemeClr val="tx1"/>
+                </a:solidFill>
+              </a:rPr>
+              <a:t>A</a:t>
+            </a:r>
+            <a:endParaRPr kumimoji="1" lang="ja-JP" altLang="en-US" dirty="0">
+              <a:solidFill>
+                <a:schemeClr val="tx1"/>
+              </a:solidFill>
+            </a:endParaRPr>
+          </a:p>
+        </p:txBody>
+      </p:sp>
+      <p:sp>
+        <p:nvSpPr>
+          <p:cNvPr id="7" name="円/楕円 6"/>
+          <p:cNvSpPr/>
+          <p:nvPr/>
+        </p:nvSpPr>
+        <p:spPr>
+          <a:xfrm>
+            <a:off x="6421755" y="2103120"/>
+            <a:ext cx="548640" cy="487680"/>
+          </a:xfrm>
+          <a:prstGeom prst="ellipse">
+            <a:avLst/>
+          </a:prstGeom>
+          <a:solidFill>
+            <a:schemeClr val="bg1"/>
+          </a:solidFill>
+          <a:ln>
+            <a:solidFill>
+              <a:schemeClr val="tx1"/>
+            </a:solidFill>
+          </a:ln>
+        </p:spPr>
+        <p:style>
+          <a:lnRef idx="2">
+            <a:schemeClr val="accent1">
+              <a:shade val="50000"/>
+            </a:schemeClr>
+          </a:lnRef>
+          <a:fillRef idx="1">
+            <a:schemeClr val="accent1"/>
+          </a:fillRef>
+          <a:effectRef idx="0">
+            <a:schemeClr val="accent1"/>
+          </a:effectRef>
+          <a:fontRef idx="minor">
+            <a:schemeClr val="lt1"/>
+          </a:fontRef>
+        </p:style>
+        <p:txBody>
+          <a:bodyPr rtlCol="0" anchor="ctr"/>
+          <a:lstStyle/>
+          <a:p>
+            <a:pPr algn="ctr"/>
+            <a:r>
+              <a:rPr lang="en-US" altLang="ja-JP" dirty="0" smtClean="0">
+                <a:solidFill>
+                  <a:schemeClr val="tx1"/>
+                </a:solidFill>
+              </a:rPr>
+              <a:t>B</a:t>
+            </a:r>
+            <a:endParaRPr kumimoji="1" lang="ja-JP" altLang="en-US" dirty="0">
+              <a:solidFill>
+                <a:schemeClr val="tx1"/>
+              </a:solidFill>
+            </a:endParaRPr>
+          </a:p>
+        </p:txBody>
+      </p:sp>
+      <p:cxnSp>
+        <p:nvCxnSpPr>
+          <p:cNvPr id="9" name="直線矢印コネクタ 8"/>
+          <p:cNvCxnSpPr>
+            <a:stCxn id="5" idx="7"/>
+            <a:endCxn id="6" idx="3"/>
+          </p:cNvCxnSpPr>
+          <p:nvPr/>
+        </p:nvCxnSpPr>
+        <p:spPr>
+          <a:xfrm flipV="1">
+            <a:off x="3234483" y="1269701"/>
+            <a:ext cx="2627539" cy="1694430"/>
+          </a:xfrm>
+          <a:prstGeom prst="straightConnector1">
+            <a:avLst/>
+          </a:prstGeom>
+          <a:ln>
+            <a:solidFill>
+              <a:schemeClr val="tx1"/>
+            </a:solidFill>
+            <a:tailEnd type="arrow" w="lg" len="lg"/>
+          </a:ln>
+        </p:spPr>
+        <p:style>
+          <a:lnRef idx="1">
+            <a:schemeClr val="accent1"/>
+          </a:lnRef>
+          <a:fillRef idx="0">
+            <a:schemeClr val="accent1"/>
+          </a:fillRef>
+          <a:effectRef idx="0">
+            <a:schemeClr val="accent1"/>
+          </a:effectRef>
+          <a:fontRef idx="minor">
+            <a:schemeClr val="tx1"/>
+          </a:fontRef>
+        </p:style>
+      </p:cxnSp>
+      <p:cxnSp>
+        <p:nvCxnSpPr>
+          <p:cNvPr id="10" name="直線矢印コネクタ 9"/>
+          <p:cNvCxnSpPr>
+            <a:stCxn id="5" idx="7"/>
+            <a:endCxn id="7" idx="2"/>
+          </p:cNvCxnSpPr>
+          <p:nvPr/>
+        </p:nvCxnSpPr>
+        <p:spPr>
+          <a:xfrm flipV="1">
+            <a:off x="3234483" y="2346960"/>
+            <a:ext cx="3187272" cy="617171"/>
+          </a:xfrm>
+          <a:prstGeom prst="straightConnector1">
+            <a:avLst/>
+          </a:prstGeom>
+          <a:ln>
+            <a:solidFill>
+              <a:schemeClr val="tx1"/>
+            </a:solidFill>
+            <a:tailEnd type="arrow" w="lg" len="lg"/>
+          </a:ln>
+        </p:spPr>
+        <p:style>
+          <a:lnRef idx="1">
+            <a:schemeClr val="accent1"/>
+          </a:lnRef>
+          <a:fillRef idx="0">
+            <a:schemeClr val="accent1"/>
+          </a:fillRef>
+          <a:effectRef idx="0">
+            <a:schemeClr val="accent1"/>
+          </a:effectRef>
+          <a:fontRef idx="minor">
+            <a:schemeClr val="tx1"/>
+          </a:fontRef>
+        </p:style>
+      </p:cxnSp>
+      <p:cxnSp>
+        <p:nvCxnSpPr>
+          <p:cNvPr id="15" name="直線矢印コネクタ 14"/>
+          <p:cNvCxnSpPr>
+            <a:stCxn id="6" idx="4"/>
+            <a:endCxn id="7" idx="1"/>
+          </p:cNvCxnSpPr>
+          <p:nvPr/>
+        </p:nvCxnSpPr>
+        <p:spPr>
+          <a:xfrm>
+            <a:off x="6055995" y="1341120"/>
+            <a:ext cx="446107" cy="833419"/>
+          </a:xfrm>
+          <a:prstGeom prst="straightConnector1">
+            <a:avLst/>
+          </a:prstGeom>
+          <a:ln>
+            <a:solidFill>
+              <a:schemeClr val="tx1"/>
+            </a:solidFill>
+            <a:tailEnd type="arrow" w="lg" len="lg"/>
+          </a:ln>
+        </p:spPr>
+        <p:style>
+          <a:lnRef idx="1">
+            <a:schemeClr val="accent1"/>
+          </a:lnRef>
+          <a:fillRef idx="0">
+            <a:schemeClr val="accent1"/>
+          </a:fillRef>
+          <a:effectRef idx="0">
+            <a:schemeClr val="accent1"/>
+          </a:effectRef>
+          <a:fontRef idx="minor">
+            <a:schemeClr val="tx1"/>
+          </a:fontRef>
+        </p:style>
+      </p:cxnSp>
+      <p:graphicFrame>
+        <p:nvGraphicFramePr>
+          <p:cNvPr id="8" name="オブジェクト 7"/>
+          <p:cNvGraphicFramePr>
+            <a:graphicFrameLocks noChangeAspect="1"/>
+          </p:cNvGraphicFramePr>
+          <p:nvPr>
+            <p:extLst>
+              <p:ext uri="{D42A27DB-BD31-4B8C-83A1-F6EECF244321}">
+                <p14:modId xmlns="" xmlns:p14="http://schemas.microsoft.com/office/powerpoint/2010/main" val="4217036266"/>
+              </p:ext>
+            </p:extLst>
+          </p:nvPr>
+        </p:nvGraphicFramePr>
+        <p:xfrm>
+          <a:off x="4237355" y="1430605"/>
+          <a:ext cx="379181" cy="537173"/>
+        </p:xfrm>
+        <a:graphic>
+          <a:graphicData uri="http://schemas.openxmlformats.org/presentationml/2006/ole">
+            <p:oleObj spid="_x0000_s1182" name="数式" r:id="rId3" imgW="152268" imgH="215713" progId="Equation.3">
+              <p:embed/>
+            </p:oleObj>
+          </a:graphicData>
+        </a:graphic>
+      </p:graphicFrame>
+      <p:graphicFrame>
+        <p:nvGraphicFramePr>
+          <p:cNvPr id="11" name="オブジェクト 10"/>
+          <p:cNvGraphicFramePr>
+            <a:graphicFrameLocks noChangeAspect="1"/>
+          </p:cNvGraphicFramePr>
+          <p:nvPr>
+            <p:extLst>
+              <p:ext uri="{D42A27DB-BD31-4B8C-83A1-F6EECF244321}">
+                <p14:modId xmlns="" xmlns:p14="http://schemas.microsoft.com/office/powerpoint/2010/main" val="3365855799"/>
+              </p:ext>
+            </p:extLst>
+          </p:nvPr>
+        </p:nvGraphicFramePr>
+        <p:xfrm>
+          <a:off x="4828119" y="2796839"/>
+          <a:ext cx="379413" cy="536575"/>
+        </p:xfrm>
+        <a:graphic>
+          <a:graphicData uri="http://schemas.openxmlformats.org/presentationml/2006/ole">
+            <p:oleObj spid="_x0000_s1183" name="数式" r:id="rId4" imgW="152268" imgH="215713" progId="Equation.3">
+              <p:embed/>
+            </p:oleObj>
+          </a:graphicData>
+        </a:graphic>
+      </p:graphicFrame>
+      <p:graphicFrame>
+        <p:nvGraphicFramePr>
+          <p:cNvPr id="12" name="オブジェクト 11"/>
+          <p:cNvGraphicFramePr>
+            <a:graphicFrameLocks noChangeAspect="1"/>
+          </p:cNvGraphicFramePr>
+          <p:nvPr>
+            <p:extLst>
+              <p:ext uri="{D42A27DB-BD31-4B8C-83A1-F6EECF244321}">
+                <p14:modId xmlns="" xmlns:p14="http://schemas.microsoft.com/office/powerpoint/2010/main" val="1147638440"/>
+              </p:ext>
+            </p:extLst>
+          </p:nvPr>
+        </p:nvGraphicFramePr>
+        <p:xfrm>
+          <a:off x="6696075" y="1341120"/>
+          <a:ext cx="1835150" cy="536575"/>
+        </p:xfrm>
+        <a:graphic>
+          <a:graphicData uri="http://schemas.openxmlformats.org/presentationml/2006/ole">
+            <p:oleObj spid="_x0000_s1184" name="数式" r:id="rId5" imgW="736280" imgH="215806" progId="Equation.3">
+              <p:embed/>
+            </p:oleObj>
+          </a:graphicData>
+        </a:graphic>
+      </p:graphicFrame>
+      <p:sp>
+        <p:nvSpPr>
+          <p:cNvPr id="16" name="テキスト ボックス 15"/>
+          <p:cNvSpPr txBox="1"/>
+          <p:nvPr/>
+        </p:nvSpPr>
+        <p:spPr>
+          <a:xfrm>
+            <a:off x="5862022" y="3567529"/>
+            <a:ext cx="4643120" cy="646331"/>
+          </a:xfrm>
+          <a:prstGeom prst="rect">
+            <a:avLst/>
+          </a:prstGeom>
+          <a:noFill/>
+        </p:spPr>
+        <p:txBody>
+          <a:bodyPr wrap="square" rtlCol="0">
+            <a:spAutoFit/>
+          </a:bodyPr>
+          <a:lstStyle/>
+          <a:p>
+            <a:pPr algn="ctr"/>
+            <a:r>
               <a:rPr kumimoji="1" lang="en-US" altLang="ja-JP" dirty="0" smtClean="0"/>
-              <a:t>Use Cases, </a:t>
+              <a:t>AB</a:t>
+            </a:r>
+            <a:r>
+              <a:rPr kumimoji="1" lang="ja-JP" altLang="en-US" dirty="0" smtClean="0"/>
+              <a:t>間の距離が近いほどリンク強度は強い</a:t>
+            </a:r>
+            <a:endParaRPr kumimoji="1" lang="en-US" altLang="ja-JP" dirty="0" smtClean="0"/>
+          </a:p>
+          <a:p>
+            <a:pPr algn="ctr"/>
+            <a:r>
+              <a:rPr lang="ja-JP" altLang="en-US" dirty="0"/>
+              <a:t>↓</a:t>
+            </a:r>
+            <a:endParaRPr kumimoji="1" lang="ja-JP" altLang="en-US" dirty="0"/>
+          </a:p>
+        </p:txBody>
+      </p:sp>
+      <p:graphicFrame>
+        <p:nvGraphicFramePr>
+          <p:cNvPr id="17" name="オブジェクト 16"/>
+          <p:cNvGraphicFramePr>
+            <a:graphicFrameLocks noChangeAspect="1"/>
+          </p:cNvGraphicFramePr>
+          <p:nvPr>
+            <p:extLst>
+              <p:ext uri="{D42A27DB-BD31-4B8C-83A1-F6EECF244321}">
+                <p14:modId xmlns="" xmlns:p14="http://schemas.microsoft.com/office/powerpoint/2010/main" val="4095846429"/>
+              </p:ext>
+            </p:extLst>
+          </p:nvPr>
+        </p:nvGraphicFramePr>
+        <p:xfrm>
+          <a:off x="6406515" y="4093557"/>
+          <a:ext cx="3006725" cy="820738"/>
+        </p:xfrm>
+        <a:graphic>
+          <a:graphicData uri="http://schemas.openxmlformats.org/presentationml/2006/ole">
+            <p:oleObj spid="_x0000_s1185" name="数式" r:id="rId6" imgW="1206500" imgH="330200" progId="Equation.3">
+              <p:embed/>
+            </p:oleObj>
+          </a:graphicData>
+        </a:graphic>
+      </p:graphicFrame>
+      <p:sp>
+        <p:nvSpPr>
+          <p:cNvPr id="19" name="テキスト ボックス 18"/>
+          <p:cNvSpPr txBox="1"/>
+          <p:nvPr/>
+        </p:nvSpPr>
+        <p:spPr>
+          <a:xfrm>
+            <a:off x="0" y="5644495"/>
+            <a:ext cx="5562600" cy="923330"/>
+          </a:xfrm>
+          <a:prstGeom prst="rect">
+            <a:avLst/>
+          </a:prstGeom>
+          <a:noFill/>
+        </p:spPr>
+        <p:txBody>
+          <a:bodyPr wrap="square" rtlCol="0">
+            <a:spAutoFit/>
+          </a:bodyPr>
+          <a:lstStyle/>
+          <a:p>
+            <a:pPr algn="ctr"/>
+            <a:r>
+              <a:rPr lang="ja-JP" altLang="en-US" dirty="0"/>
+              <a:t>今</a:t>
+            </a:r>
+            <a:r>
+              <a:rPr lang="ja-JP" altLang="en-US" dirty="0" smtClean="0"/>
+              <a:t>まではメトリック計算を職人技でやってた？</a:t>
+            </a:r>
+            <a:endParaRPr lang="en-US" altLang="ja-JP" dirty="0" smtClean="0"/>
+          </a:p>
+          <a:p>
+            <a:pPr algn="ctr"/>
+            <a:r>
+              <a:rPr lang="ja-JP" altLang="en-US" dirty="0" smtClean="0"/>
+              <a:t>パラメータ：</a:t>
+            </a:r>
+            <a:r>
+              <a:rPr lang="en-US" altLang="ja-JP" dirty="0" smtClean="0"/>
+              <a:t>authors</a:t>
             </a:r>
             <a:r>
               <a:rPr lang="en-US" altLang="ja-JP" dirty="0"/>
-              <a:t>Future Works</a:t>
+              <a:t>, keywords, </a:t>
+            </a:r>
+            <a:r>
+              <a:rPr lang="en-US" altLang="ja-JP" dirty="0" err="1" smtClean="0"/>
+              <a:t>citings</a:t>
+            </a:r>
+            <a:r>
+              <a:rPr lang="en-US" altLang="ja-JP" dirty="0"/>
+              <a:t>, </a:t>
+            </a:r>
+            <a:r>
+              <a:rPr lang="en-US" altLang="ja-JP" dirty="0" err="1" smtClean="0"/>
+              <a:t>citeds</a:t>
+            </a:r>
+            <a:r>
+              <a:rPr lang="en-US" altLang="ja-JP" dirty="0"/>
+              <a:t>, </a:t>
+            </a:r>
+            <a:r>
+              <a:rPr lang="en-US" altLang="ja-JP" dirty="0" err="1"/>
+              <a:t>conference|published</a:t>
             </a:r>
             <a:endParaRPr kumimoji="1" lang="ja-JP" altLang="en-US" dirty="0"/>
           </a:p>
         </p:txBody>
       </p:sp>
     </p:spTree>
-    <p:extLst>
-      <p:ext uri="{BB962C8B-B14F-4D97-AF65-F5344CB8AC3E}">
-        <p14:creationId xmlns:p14="http://schemas.microsoft.com/office/powerpoint/2010/main" xmlns="" val="550732552"/>
-      </p:ext>
-    </p:extLst>
   </p:cSld>
   <p:clrMapOvr>
     <a:masterClrMapping/>
@@ -15192,7 +16834,7 @@
   <a:extraClrSchemeLst/>
   <a:extLst>
     <a:ext uri="{05A4C25C-085E-4340-85A3-A5531E510DB2}">
-      <thm15:themeFamily xmlns="" xmlns:thm15="http://schemas.microsoft.com/office/thememl/2012/main" name="Office Theme" id="{62F939B6-93AF-4DB8-9C6B-D6C7DFDC589F}" vid="{4A3C46E8-61CC-4603-A589-7422A47A8E4A}"/>
+      <thm15:themeFamily xmlns:thm15="http://schemas.microsoft.com/office/thememl/2012/main" xmlns="" name="Office Theme" id="{62F939B6-93AF-4DB8-9C6B-D6C7DFDC589F}" vid="{4A3C46E8-61CC-4603-A589-7422A47A8E4A}"/>
     </a:ext>
   </a:extLst>
 </a:theme>
@@ -15453,7 +17095,7 @@
   <a:extraClrSchemeLst/>
   <a:extLst>
     <a:ext uri="{05A4C25C-085E-4340-85A3-A5531E510DB2}">
-      <thm15:themeFamily xmlns="" xmlns:thm15="http://schemas.microsoft.com/office/thememl/2012/main" name="Office Theme" id="{62F939B6-93AF-4DB8-9C6B-D6C7DFDC589F}" vid="{4A3C46E8-61CC-4603-A589-7422A47A8E4A}"/>
+      <thm15:themeFamily xmlns:thm15="http://schemas.microsoft.com/office/thememl/2012/main" xmlns="" name="Office Theme" id="{62F939B6-93AF-4DB8-9C6B-D6C7DFDC589F}" vid="{4A3C46E8-61CC-4603-A589-7422A47A8E4A}"/>
     </a:ext>
   </a:extLst>
 </a:theme>

--- a/overview.pptx
+++ b/overview.pptx
@@ -5,7 +5,7 @@
     <p:sldMasterId id="2147483648" r:id="rId1"/>
   </p:sldMasterIdLst>
   <p:notesMasterIdLst>
-    <p:notesMasterId r:id="rId19"/>
+    <p:notesMasterId r:id="rId20"/>
   </p:notesMasterIdLst>
   <p:sldIdLst>
     <p:sldId id="256" r:id="rId2"/>
@@ -24,7 +24,8 @@
     <p:sldId id="264" r:id="rId15"/>
     <p:sldId id="274" r:id="rId16"/>
     <p:sldId id="276" r:id="rId17"/>
-    <p:sldId id="259" r:id="rId18"/>
+    <p:sldId id="283" r:id="rId18"/>
+    <p:sldId id="259" r:id="rId19"/>
   </p:sldIdLst>
   <p:sldSz cx="12192000" cy="6858000"/>
   <p:notesSz cx="6858000" cy="9144000"/>
@@ -209,7 +210,7 @@
             <a:fld id="{9841980D-5ED3-487F-B3E9-943BB45F7B97}" type="datetimeFigureOut">
               <a:rPr kumimoji="1" lang="ja-JP" altLang="en-US" smtClean="0"/>
               <a:pPr/>
-              <a:t>2017/4/20</a:t>
+              <a:t>2017/4/25</a:t>
             </a:fld>
             <a:endParaRPr kumimoji="1" lang="ja-JP" altLang="en-US"/>
           </a:p>
@@ -401,7 +402,7 @@
             <a:fld id="{D5E6ED6B-3F85-40A1-9484-0C501FDC6FE4}" type="slidenum">
               <a:rPr kumimoji="1" lang="ja-JP" altLang="en-US" smtClean="0"/>
               <a:pPr/>
-              <a:t>‹#›</a:t>
+              <a:t>&lt;#&gt;</a:t>
             </a:fld>
             <a:endParaRPr kumimoji="1" lang="ja-JP" altLang="en-US"/>
           </a:p>
@@ -410,7 +411,7 @@
     </p:spTree>
     <p:extLst>
       <p:ext uri="{BB962C8B-B14F-4D97-AF65-F5344CB8AC3E}">
-        <p14:creationId xmlns:p14="http://schemas.microsoft.com/office/powerpoint/2010/main" val="1647040712"/>
+        <p14:creationId xmlns:p14="http://schemas.microsoft.com/office/powerpoint/2010/main" xmlns="" val="1647040712"/>
       </p:ext>
     </p:extLst>
   </p:cSld>
@@ -617,7 +618,7 @@
     </p:spTree>
     <p:extLst>
       <p:ext uri="{BB962C8B-B14F-4D97-AF65-F5344CB8AC3E}">
-        <p14:creationId xmlns:p14="http://schemas.microsoft.com/office/powerpoint/2010/main" val="1657077930"/>
+        <p14:creationId xmlns:p14="http://schemas.microsoft.com/office/powerpoint/2010/main" xmlns="" val="1657077930"/>
       </p:ext>
     </p:extLst>
   </p:cSld>
@@ -774,7 +775,7 @@
           <a:blip r:embed="rId2" cstate="print">
             <a:extLst>
               <a:ext uri="{28A0092B-C50C-407E-A947-70E740481C1C}">
-                <a14:useLocalDpi xmlns:a14="http://schemas.microsoft.com/office/drawing/2010/main" val="0"/>
+                <a14:useLocalDpi xmlns:a14="http://schemas.microsoft.com/office/drawing/2010/main" xmlns="" val="0"/>
               </a:ext>
             </a:extLst>
           </a:blip>
@@ -860,7 +861,7 @@
     </p:spTree>
     <p:extLst>
       <p:ext uri="{BB962C8B-B14F-4D97-AF65-F5344CB8AC3E}">
-        <p14:creationId xmlns:p14="http://schemas.microsoft.com/office/powerpoint/2010/main" val="3004416884"/>
+        <p14:creationId xmlns:p14="http://schemas.microsoft.com/office/powerpoint/2010/main" xmlns="" val="3004416884"/>
       </p:ext>
     </p:extLst>
   </p:cSld>
@@ -923,7 +924,7 @@
             <a:fld id="{80B61DEA-751C-4EFC-848A-C896179D47AE}" type="slidenum">
               <a:rPr kumimoji="1" lang="ja-JP" altLang="en-US" smtClean="0"/>
               <a:pPr/>
-              <a:t>‹#›</a:t>
+              <a:t>&lt;#&gt;</a:t>
             </a:fld>
             <a:endParaRPr kumimoji="1" lang="ja-JP" altLang="en-US"/>
           </a:p>
@@ -1217,7 +1218,7 @@
           <a:blip r:embed="rId2" cstate="print">
             <a:extLst>
               <a:ext uri="{28A0092B-C50C-407E-A947-70E740481C1C}">
-                <a14:useLocalDpi xmlns:a14="http://schemas.microsoft.com/office/drawing/2010/main" val="0"/>
+                <a14:useLocalDpi xmlns:a14="http://schemas.microsoft.com/office/drawing/2010/main" xmlns="" val="0"/>
               </a:ext>
             </a:extLst>
           </a:blip>
@@ -1238,7 +1239,7 @@
     </p:spTree>
     <p:extLst>
       <p:ext uri="{BB962C8B-B14F-4D97-AF65-F5344CB8AC3E}">
-        <p14:creationId xmlns:p14="http://schemas.microsoft.com/office/powerpoint/2010/main" val="4214205409"/>
+        <p14:creationId xmlns:p14="http://schemas.microsoft.com/office/powerpoint/2010/main" xmlns="" val="4214205409"/>
       </p:ext>
     </p:extLst>
   </p:cSld>
@@ -1358,7 +1359,7 @@
           <a:blip r:embed="rId2" cstate="print">
             <a:extLst>
               <a:ext uri="{28A0092B-C50C-407E-A947-70E740481C1C}">
-                <a14:useLocalDpi xmlns:a14="http://schemas.microsoft.com/office/drawing/2010/main" val="0"/>
+                <a14:useLocalDpi xmlns:a14="http://schemas.microsoft.com/office/drawing/2010/main" xmlns="" val="0"/>
               </a:ext>
             </a:extLst>
           </a:blip>
@@ -1412,7 +1413,7 @@
             <a:fld id="{80B61DEA-751C-4EFC-848A-C896179D47AE}" type="slidenum">
               <a:rPr kumimoji="1" lang="ja-JP" altLang="en-US" smtClean="0"/>
               <a:pPr/>
-              <a:t>‹#›</a:t>
+              <a:t>&lt;#&gt;</a:t>
             </a:fld>
             <a:endParaRPr kumimoji="1" lang="ja-JP" altLang="en-US"/>
           </a:p>
@@ -1458,7 +1459,7 @@
     </p:spTree>
     <p:extLst>
       <p:ext uri="{BB962C8B-B14F-4D97-AF65-F5344CB8AC3E}">
-        <p14:creationId xmlns:p14="http://schemas.microsoft.com/office/powerpoint/2010/main" val="3620504976"/>
+        <p14:creationId xmlns:p14="http://schemas.microsoft.com/office/powerpoint/2010/main" xmlns="" val="3620504976"/>
       </p:ext>
     </p:extLst>
   </p:cSld>
@@ -1521,7 +1522,7 @@
             <a:fld id="{80B61DEA-751C-4EFC-848A-C896179D47AE}" type="slidenum">
               <a:rPr kumimoji="1" lang="ja-JP" altLang="en-US" smtClean="0"/>
               <a:pPr/>
-              <a:t>‹#›</a:t>
+              <a:t>&lt;#&gt;</a:t>
             </a:fld>
             <a:endParaRPr kumimoji="1" lang="ja-JP" altLang="en-US"/>
           </a:p>
@@ -1685,7 +1686,7 @@
     </p:spTree>
     <p:extLst>
       <p:ext uri="{BB962C8B-B14F-4D97-AF65-F5344CB8AC3E}">
-        <p14:creationId xmlns:p14="http://schemas.microsoft.com/office/powerpoint/2010/main" val="646152418"/>
+        <p14:creationId xmlns:p14="http://schemas.microsoft.com/office/powerpoint/2010/main" xmlns="" val="646152418"/>
       </p:ext>
     </p:extLst>
   </p:cSld>
@@ -1748,7 +1749,7 @@
             <a:fld id="{78817559-BB6D-4C96-94D1-43E03D71EB93}" type="datetime1">
               <a:rPr kumimoji="1" lang="ja-JP" altLang="en-US" smtClean="0"/>
               <a:pPr/>
-              <a:t>2017/4/20</a:t>
+              <a:t>2017/4/25</a:t>
             </a:fld>
             <a:endParaRPr kumimoji="1" lang="ja-JP" altLang="en-US" dirty="0"/>
           </a:p>
@@ -1790,7 +1791,7 @@
             <a:fld id="{80B61DEA-751C-4EFC-848A-C896179D47AE}" type="slidenum">
               <a:rPr kumimoji="1" lang="ja-JP" altLang="en-US" smtClean="0"/>
               <a:pPr/>
-              <a:t>‹#›</a:t>
+              <a:t>&lt;#&gt;</a:t>
             </a:fld>
             <a:endParaRPr kumimoji="1" lang="ja-JP" altLang="en-US"/>
           </a:p>
@@ -2099,7 +2100,7 @@
           <a:blip r:embed="rId2" cstate="print">
             <a:extLst>
               <a:ext uri="{28A0092B-C50C-407E-A947-70E740481C1C}">
-                <a14:useLocalDpi xmlns:a14="http://schemas.microsoft.com/office/drawing/2010/main" val="0"/>
+                <a14:useLocalDpi xmlns:a14="http://schemas.microsoft.com/office/drawing/2010/main" xmlns="" val="0"/>
               </a:ext>
             </a:extLst>
           </a:blip>
@@ -2256,7 +2257,7 @@
     </p:spTree>
     <p:extLst>
       <p:ext uri="{BB962C8B-B14F-4D97-AF65-F5344CB8AC3E}">
-        <p14:creationId xmlns:p14="http://schemas.microsoft.com/office/powerpoint/2010/main" val="1584837141"/>
+        <p14:creationId xmlns:p14="http://schemas.microsoft.com/office/powerpoint/2010/main" xmlns="" val="1584837141"/>
       </p:ext>
     </p:extLst>
   </p:cSld>
@@ -2320,7 +2321,7 @@
             <a:fld id="{80B61DEA-751C-4EFC-848A-C896179D47AE}" type="slidenum">
               <a:rPr kumimoji="1" lang="ja-JP" altLang="en-US" smtClean="0"/>
               <a:pPr/>
-              <a:t>‹#›</a:t>
+              <a:t>&lt;#&gt;</a:t>
             </a:fld>
             <a:endParaRPr kumimoji="1" lang="ja-JP" altLang="en-US"/>
           </a:p>
@@ -2629,7 +2630,7 @@
           <a:blip r:embed="rId2" cstate="print">
             <a:extLst>
               <a:ext uri="{28A0092B-C50C-407E-A947-70E740481C1C}">
-                <a14:useLocalDpi xmlns:a14="http://schemas.microsoft.com/office/drawing/2010/main" val="0"/>
+                <a14:useLocalDpi xmlns:a14="http://schemas.microsoft.com/office/drawing/2010/main" xmlns="" val="0"/>
               </a:ext>
             </a:extLst>
           </a:blip>
@@ -3106,7 +3107,7 @@
     </p:spTree>
     <p:extLst>
       <p:ext uri="{BB962C8B-B14F-4D97-AF65-F5344CB8AC3E}">
-        <p14:creationId xmlns:p14="http://schemas.microsoft.com/office/powerpoint/2010/main" val="1163927299"/>
+        <p14:creationId xmlns:p14="http://schemas.microsoft.com/office/powerpoint/2010/main" xmlns="" val="1163927299"/>
       </p:ext>
     </p:extLst>
   </p:cSld>
@@ -3182,7 +3183,7 @@
           <a:blip r:embed="rId2" cstate="print">
             <a:extLst>
               <a:ext uri="{28A0092B-C50C-407E-A947-70E740481C1C}">
-                <a14:useLocalDpi xmlns:a14="http://schemas.microsoft.com/office/drawing/2010/main" val="0"/>
+                <a14:useLocalDpi xmlns:a14="http://schemas.microsoft.com/office/drawing/2010/main" xmlns="" val="0"/>
               </a:ext>
             </a:extLst>
           </a:blip>
@@ -3236,7 +3237,7 @@
             <a:fld id="{80B61DEA-751C-4EFC-848A-C896179D47AE}" type="slidenum">
               <a:rPr kumimoji="1" lang="ja-JP" altLang="en-US" smtClean="0"/>
               <a:pPr/>
-              <a:t>‹#›</a:t>
+              <a:t>&lt;#&gt;</a:t>
             </a:fld>
             <a:endParaRPr kumimoji="1" lang="ja-JP" altLang="en-US"/>
           </a:p>
@@ -3245,7 +3246,7 @@
     </p:spTree>
     <p:extLst>
       <p:ext uri="{BB962C8B-B14F-4D97-AF65-F5344CB8AC3E}">
-        <p14:creationId xmlns:p14="http://schemas.microsoft.com/office/powerpoint/2010/main" val="853120211"/>
+        <p14:creationId xmlns:p14="http://schemas.microsoft.com/office/powerpoint/2010/main" xmlns="" val="853120211"/>
       </p:ext>
     </p:extLst>
   </p:cSld>
@@ -3315,7 +3316,7 @@
             <a:fld id="{80B61DEA-751C-4EFC-848A-C896179D47AE}" type="slidenum">
               <a:rPr kumimoji="1" lang="ja-JP" altLang="en-US" smtClean="0"/>
               <a:pPr/>
-              <a:t>‹#›</a:t>
+              <a:t>&lt;#&gt;</a:t>
             </a:fld>
             <a:endParaRPr kumimoji="1" lang="ja-JP" altLang="en-US"/>
           </a:p>
@@ -3324,7 +3325,7 @@
     </p:spTree>
     <p:extLst>
       <p:ext uri="{BB962C8B-B14F-4D97-AF65-F5344CB8AC3E}">
-        <p14:creationId xmlns:p14="http://schemas.microsoft.com/office/powerpoint/2010/main" val="3099946962"/>
+        <p14:creationId xmlns:p14="http://schemas.microsoft.com/office/powerpoint/2010/main" xmlns="" val="3099946962"/>
       </p:ext>
     </p:extLst>
   </p:cSld>
@@ -3370,7 +3371,7 @@
           <a:blip r:embed="rId2" cstate="print">
             <a:extLst>
               <a:ext uri="{28A0092B-C50C-407E-A947-70E740481C1C}">
-                <a14:useLocalDpi xmlns:a14="http://schemas.microsoft.com/office/drawing/2010/main" val="0"/>
+                <a14:useLocalDpi xmlns:a14="http://schemas.microsoft.com/office/drawing/2010/main" xmlns="" val="0"/>
               </a:ext>
             </a:extLst>
           </a:blip>
@@ -3424,7 +3425,7 @@
             <a:fld id="{80B61DEA-751C-4EFC-848A-C896179D47AE}" type="slidenum">
               <a:rPr kumimoji="1" lang="ja-JP" altLang="en-US" smtClean="0"/>
               <a:pPr/>
-              <a:t>‹#›</a:t>
+              <a:t>&lt;#&gt;</a:t>
             </a:fld>
             <a:endParaRPr kumimoji="1" lang="ja-JP" altLang="en-US"/>
           </a:p>
@@ -3433,7 +3434,7 @@
     </p:spTree>
     <p:extLst>
       <p:ext uri="{BB962C8B-B14F-4D97-AF65-F5344CB8AC3E}">
-        <p14:creationId xmlns:p14="http://schemas.microsoft.com/office/powerpoint/2010/main" val="2408143909"/>
+        <p14:creationId xmlns:p14="http://schemas.microsoft.com/office/powerpoint/2010/main" xmlns="" val="2408143909"/>
       </p:ext>
     </p:extLst>
   </p:cSld>
@@ -3656,7 +3657,7 @@
             <a:fld id="{80B61DEA-751C-4EFC-848A-C896179D47AE}" type="slidenum">
               <a:rPr kumimoji="1" lang="ja-JP" altLang="en-US" smtClean="0"/>
               <a:pPr/>
-              <a:t>‹#›</a:t>
+              <a:t>&lt;#&gt;</a:t>
             </a:fld>
             <a:endParaRPr kumimoji="1" lang="ja-JP" altLang="en-US"/>
           </a:p>
@@ -3778,7 +3779,7 @@
     </p:spTree>
     <p:extLst>
       <p:ext uri="{BB962C8B-B14F-4D97-AF65-F5344CB8AC3E}">
-        <p14:creationId xmlns:p14="http://schemas.microsoft.com/office/powerpoint/2010/main" val="3722099324"/>
+        <p14:creationId xmlns:p14="http://schemas.microsoft.com/office/powerpoint/2010/main" xmlns="" val="3722099324"/>
       </p:ext>
     </p:extLst>
   </p:cSld>
@@ -4285,7 +4286,7 @@
     </p:spTree>
     <p:extLst>
       <p:ext uri="{BB962C8B-B14F-4D97-AF65-F5344CB8AC3E}">
-        <p14:creationId xmlns:p14="http://schemas.microsoft.com/office/powerpoint/2010/main" val="291693654"/>
+        <p14:creationId xmlns:p14="http://schemas.microsoft.com/office/powerpoint/2010/main" xmlns="" val="291693654"/>
       </p:ext>
     </p:extLst>
   </p:cSld>
@@ -4402,7 +4403,7 @@
     </p:spTree>
     <p:extLst>
       <p:ext uri="{BB962C8B-B14F-4D97-AF65-F5344CB8AC3E}">
-        <p14:creationId xmlns:p14="http://schemas.microsoft.com/office/powerpoint/2010/main" val="3505154345"/>
+        <p14:creationId xmlns:p14="http://schemas.microsoft.com/office/powerpoint/2010/main" xmlns="" val="3505154345"/>
       </p:ext>
     </p:extLst>
   </p:cSld>
@@ -4505,7 +4506,7 @@
     </p:spTree>
     <p:extLst>
       <p:ext uri="{BB962C8B-B14F-4D97-AF65-F5344CB8AC3E}">
-        <p14:creationId xmlns:p14="http://schemas.microsoft.com/office/powerpoint/2010/main" val="1476161769"/>
+        <p14:creationId xmlns:p14="http://schemas.microsoft.com/office/powerpoint/2010/main" xmlns="" val="1476161769"/>
       </p:ext>
     </p:extLst>
   </p:cSld>
@@ -4612,7 +4613,7 @@
     </p:spTree>
     <p:extLst>
       <p:ext uri="{BB962C8B-B14F-4D97-AF65-F5344CB8AC3E}">
-        <p14:creationId xmlns:p14="http://schemas.microsoft.com/office/powerpoint/2010/main" val="1432098372"/>
+        <p14:creationId xmlns:p14="http://schemas.microsoft.com/office/powerpoint/2010/main" xmlns="" val="1432098372"/>
       </p:ext>
     </p:extLst>
   </p:cSld>
@@ -4715,7 +4716,7 @@
     </p:spTree>
     <p:extLst>
       <p:ext uri="{BB962C8B-B14F-4D97-AF65-F5344CB8AC3E}">
-        <p14:creationId xmlns:p14="http://schemas.microsoft.com/office/powerpoint/2010/main" val="2129745687"/>
+        <p14:creationId xmlns:p14="http://schemas.microsoft.com/office/powerpoint/2010/main" xmlns="" val="2129745687"/>
       </p:ext>
     </p:extLst>
   </p:cSld>
@@ -4845,7 +4846,7 @@
     </p:spTree>
     <p:extLst>
       <p:ext uri="{BB962C8B-B14F-4D97-AF65-F5344CB8AC3E}">
-        <p14:creationId xmlns:p14="http://schemas.microsoft.com/office/powerpoint/2010/main" val="1975414422"/>
+        <p14:creationId xmlns:p14="http://schemas.microsoft.com/office/powerpoint/2010/main" xmlns="" val="1975414422"/>
       </p:ext>
     </p:extLst>
   </p:cSld>
@@ -5067,7 +5068,7 @@
     </p:spTree>
     <p:extLst>
       <p:ext uri="{BB962C8B-B14F-4D97-AF65-F5344CB8AC3E}">
-        <p14:creationId xmlns:p14="http://schemas.microsoft.com/office/powerpoint/2010/main" val="1809590951"/>
+        <p14:creationId xmlns:p14="http://schemas.microsoft.com/office/powerpoint/2010/main" xmlns="" val="1809590951"/>
       </p:ext>
     </p:extLst>
   </p:cSld>
@@ -5103,6 +5104,128 @@
       </p:grpSpPr>
       <p:sp>
         <p:nvSpPr>
+          <p:cNvPr id="2" name="スライド番号プレースホルダ 1"/>
+          <p:cNvSpPr>
+            <a:spLocks noGrp="1"/>
+          </p:cNvSpPr>
+          <p:nvPr>
+            <p:ph type="sldNum" sz="quarter" idx="4"/>
+          </p:nvPr>
+        </p:nvSpPr>
+        <p:spPr/>
+        <p:txBody>
+          <a:bodyPr/>
+          <a:lstStyle/>
+          <a:p>
+            <a:fld id="{80B61DEA-751C-4EFC-848A-C896179D47AE}" type="slidenum">
+              <a:rPr kumimoji="1" lang="ja-JP" altLang="en-US" smtClean="0"/>
+              <a:pPr/>
+              <a:t>17</a:t>
+            </a:fld>
+            <a:endParaRPr kumimoji="1" lang="ja-JP" altLang="en-US"/>
+          </a:p>
+        </p:txBody>
+      </p:sp>
+      <p:sp>
+        <p:nvSpPr>
+          <p:cNvPr id="4" name="タイトル 3"/>
+          <p:cNvSpPr>
+            <a:spLocks noGrp="1"/>
+          </p:cNvSpPr>
+          <p:nvPr>
+            <p:ph type="title"/>
+          </p:nvPr>
+        </p:nvSpPr>
+        <p:spPr/>
+        <p:txBody>
+          <a:bodyPr/>
+          <a:lstStyle/>
+          <a:p>
+            <a:r>
+              <a:rPr kumimoji="1" lang="en-US" altLang="ja-JP" dirty="0" smtClean="0"/>
+              <a:t>MNIST</a:t>
+            </a:r>
+            <a:r>
+              <a:rPr kumimoji="1" lang="ja-JP" altLang="en-US" dirty="0" smtClean="0"/>
+              <a:t>可視化</a:t>
+            </a:r>
+            <a:endParaRPr kumimoji="1" lang="ja-JP" altLang="en-US" dirty="0"/>
+          </a:p>
+        </p:txBody>
+      </p:sp>
+      <p:sp>
+        <p:nvSpPr>
+          <p:cNvPr id="5" name="テキスト ボックス 4"/>
+          <p:cNvSpPr txBox="1"/>
+          <p:nvPr/>
+        </p:nvSpPr>
+        <p:spPr>
+          <a:xfrm>
+            <a:off x="4185920" y="2651760"/>
+            <a:ext cx="7772400" cy="923330"/>
+          </a:xfrm>
+          <a:prstGeom prst="rect">
+            <a:avLst/>
+          </a:prstGeom>
+          <a:noFill/>
+        </p:spPr>
+        <p:txBody>
+          <a:bodyPr wrap="square" rtlCol="0">
+            <a:spAutoFit/>
+          </a:bodyPr>
+          <a:lstStyle/>
+          <a:p>
+            <a:r>
+              <a:rPr lang="en-US" altLang="ja-JP" dirty="0" smtClean="0"/>
+              <a:t>[-</a:t>
+            </a:r>
+            <a:r>
+              <a:rPr lang="en-US" altLang="ja-JP" dirty="0" smtClean="0"/>
+              <a:t>1.21743047, -1.50154686 , 0.56333548, -1.86107993, -0.76638579 </a:t>
+            </a:r>
+          </a:p>
+          <a:p>
+            <a:r>
+              <a:rPr lang="en-US" altLang="ja-JP" dirty="0" smtClean="0"/>
+              <a:t>-1.07891524, 7.67469597, -2.81896377, -1.02743566 , -</a:t>
+            </a:r>
+            <a:r>
+              <a:rPr lang="en-US" altLang="ja-JP" dirty="0" smtClean="0"/>
+              <a:t>3.27699995]</a:t>
+            </a:r>
+          </a:p>
+          <a:p>
+            <a:endParaRPr kumimoji="1" lang="ja-JP" altLang="en-US" dirty="0"/>
+          </a:p>
+        </p:txBody>
+      </p:sp>
+    </p:spTree>
+  </p:cSld>
+  <p:clrMapOvr>
+    <a:masterClrMapping/>
+  </p:clrMapOvr>
+</p:sld>
+</file>
+
+<file path=ppt/slides/slide18.xml><?xml version="1.0" encoding="utf-8"?>
+<p:sld xmlns:a="http://schemas.openxmlformats.org/drawingml/2006/main" xmlns:r="http://schemas.openxmlformats.org/officeDocument/2006/relationships" xmlns:p="http://schemas.openxmlformats.org/presentationml/2006/main">
+  <p:cSld>
+    <p:spTree>
+      <p:nvGrpSpPr>
+        <p:cNvPr id="1" name=""/>
+        <p:cNvGrpSpPr/>
+        <p:nvPr/>
+      </p:nvGrpSpPr>
+      <p:grpSpPr>
+        <a:xfrm>
+          <a:off x="0" y="0"/>
+          <a:ext cx="0" cy="0"/>
+          <a:chOff x="0" y="0"/>
+          <a:chExt cx="0" cy="0"/>
+        </a:xfrm>
+      </p:grpSpPr>
+      <p:sp>
+        <p:nvSpPr>
           <p:cNvPr id="2" name="スライド番号プレースホルダー 1"/>
           <p:cNvSpPr>
             <a:spLocks noGrp="1"/>
@@ -5119,7 +5242,7 @@
             <a:fld id="{80B61DEA-751C-4EFC-848A-C896179D47AE}" type="slidenum">
               <a:rPr kumimoji="1" lang="ja-JP" altLang="en-US" smtClean="0"/>
               <a:pPr/>
-              <a:t>17</a:t>
+              <a:t>18</a:t>
             </a:fld>
             <a:endParaRPr kumimoji="1" lang="ja-JP" altLang="en-US"/>
           </a:p>
@@ -5128,7 +5251,7 @@
     </p:spTree>
     <p:extLst>
       <p:ext uri="{BB962C8B-B14F-4D97-AF65-F5344CB8AC3E}">
-        <p14:creationId xmlns:p14="http://schemas.microsoft.com/office/powerpoint/2010/main" val="2288468216"/>
+        <p14:creationId xmlns:p14="http://schemas.microsoft.com/office/powerpoint/2010/main" xmlns="" val="2288468216"/>
       </p:ext>
     </p:extLst>
   </p:cSld>
@@ -5305,7 +5428,7 @@
           <a:blip r:embed="rId2" cstate="print">
             <a:extLst>
               <a:ext uri="{28A0092B-C50C-407E-A947-70E740481C1C}">
-                <a14:useLocalDpi xmlns:a14="http://schemas.microsoft.com/office/drawing/2010/main" val="0"/>
+                <a14:useLocalDpi xmlns:a14="http://schemas.microsoft.com/office/drawing/2010/main" xmlns="" val="0"/>
               </a:ext>
             </a:extLst>
           </a:blip>
@@ -5330,7 +5453,7 @@
           </a:ln>
           <a:extLst>
             <a:ext uri="{909E8E84-426E-40DD-AFC4-6F175D3DCCD1}">
-              <a14:hiddenFill xmlns:a14="http://schemas.microsoft.com/office/drawing/2010/main">
+              <a14:hiddenFill xmlns:a14="http://schemas.microsoft.com/office/drawing/2010/main" xmlns="">
                 <a:solidFill>
                   <a:srgbClr val="FFFFFF"/>
                 </a:solidFill>
@@ -5351,7 +5474,7 @@
           <a:blip r:embed="rId3" cstate="print">
             <a:extLst>
               <a:ext uri="{28A0092B-C50C-407E-A947-70E740481C1C}">
-                <a14:useLocalDpi xmlns:a14="http://schemas.microsoft.com/office/drawing/2010/main" val="0"/>
+                <a14:useLocalDpi xmlns:a14="http://schemas.microsoft.com/office/drawing/2010/main" xmlns="" val="0"/>
               </a:ext>
             </a:extLst>
           </a:blip>
@@ -5374,14 +5497,14 @@
           </a:ln>
           <a:extLst>
             <a:ext uri="{909E8E84-426E-40DD-AFC4-6F175D3DCCD1}">
-              <a14:hiddenFill xmlns:a14="http://schemas.microsoft.com/office/drawing/2010/main">
+              <a14:hiddenFill xmlns:a14="http://schemas.microsoft.com/office/drawing/2010/main" xmlns="">
                 <a:solidFill>
                   <a:schemeClr val="accent1"/>
                 </a:solidFill>
               </a14:hiddenFill>
             </a:ext>
             <a:ext uri="{91240B29-F687-4F45-9708-019B960494DF}">
-              <a14:hiddenLine xmlns:a14="http://schemas.microsoft.com/office/drawing/2010/main" w="9525">
+              <a14:hiddenLine xmlns:a14="http://schemas.microsoft.com/office/drawing/2010/main" xmlns="" w="9525">
                 <a:solidFill>
                   <a:schemeClr val="tx1"/>
                 </a:solidFill>
@@ -5402,10 +5525,10 @@
           <p:nvPr/>
         </p:nvPicPr>
         <p:blipFill>
-          <a:blip r:embed="rId4">
+          <a:blip r:embed="rId4" cstate="print">
             <a:extLst>
               <a:ext uri="{28A0092B-C50C-407E-A947-70E740481C1C}">
-                <a14:useLocalDpi xmlns:a14="http://schemas.microsoft.com/office/drawing/2010/main" val="0"/>
+                <a14:useLocalDpi xmlns:a14="http://schemas.microsoft.com/office/drawing/2010/main" xmlns="" val="0"/>
               </a:ext>
             </a:extLst>
           </a:blip>
@@ -5425,7 +5548,7 @@
           <a:noFill/>
           <a:extLst>
             <a:ext uri="{909E8E84-426E-40DD-AFC4-6F175D3DCCD1}">
-              <a14:hiddenFill xmlns:a14="http://schemas.microsoft.com/office/drawing/2010/main">
+              <a14:hiddenFill xmlns:a14="http://schemas.microsoft.com/office/drawing/2010/main" xmlns="">
                 <a:solidFill>
                   <a:srgbClr val="FFFFFF"/>
                 </a:solidFill>
@@ -5437,7 +5560,7 @@
     </p:spTree>
     <p:extLst>
       <p:ext uri="{BB962C8B-B14F-4D97-AF65-F5344CB8AC3E}">
-        <p14:creationId xmlns:p14="http://schemas.microsoft.com/office/powerpoint/2010/main" val="1846401246"/>
+        <p14:creationId xmlns:p14="http://schemas.microsoft.com/office/powerpoint/2010/main" xmlns="" val="1846401246"/>
       </p:ext>
     </p:extLst>
   </p:cSld>
@@ -5550,7 +5673,7 @@
             <a:blip r:embed="rId3" cstate="print">
               <a:extLst>
                 <a:ext uri="{28A0092B-C50C-407E-A947-70E740481C1C}">
-                  <a14:useLocalDpi xmlns:a14="http://schemas.microsoft.com/office/drawing/2010/main" val="0"/>
+                  <a14:useLocalDpi xmlns:a14="http://schemas.microsoft.com/office/drawing/2010/main" xmlns="" val="0"/>
                 </a:ext>
               </a:extLst>
             </a:blip>
@@ -5573,14 +5696,14 @@
             </a:ln>
             <a:extLst>
               <a:ext uri="{909E8E84-426E-40DD-AFC4-6F175D3DCCD1}">
-                <a14:hiddenFill xmlns:a14="http://schemas.microsoft.com/office/drawing/2010/main">
+                <a14:hiddenFill xmlns:a14="http://schemas.microsoft.com/office/drawing/2010/main" xmlns="">
                   <a:solidFill>
                     <a:schemeClr val="accent1"/>
                   </a:solidFill>
                 </a14:hiddenFill>
               </a:ext>
               <a:ext uri="{91240B29-F687-4F45-9708-019B960494DF}">
-                <a14:hiddenLine xmlns:a14="http://schemas.microsoft.com/office/drawing/2010/main" w="9525">
+                <a14:hiddenLine xmlns:a14="http://schemas.microsoft.com/office/drawing/2010/main" xmlns="" w="9525">
                   <a:solidFill>
                     <a:schemeClr val="tx1"/>
                   </a:solidFill>
@@ -5604,7 +5727,7 @@
             <a:blip r:embed="rId3" cstate="print">
               <a:extLst>
                 <a:ext uri="{28A0092B-C50C-407E-A947-70E740481C1C}">
-                  <a14:useLocalDpi xmlns:a14="http://schemas.microsoft.com/office/drawing/2010/main" val="0"/>
+                  <a14:useLocalDpi xmlns:a14="http://schemas.microsoft.com/office/drawing/2010/main" xmlns="" val="0"/>
                 </a:ext>
               </a:extLst>
             </a:blip>
@@ -5627,14 +5750,14 @@
             </a:ln>
             <a:extLst>
               <a:ext uri="{909E8E84-426E-40DD-AFC4-6F175D3DCCD1}">
-                <a14:hiddenFill xmlns:a14="http://schemas.microsoft.com/office/drawing/2010/main">
+                <a14:hiddenFill xmlns:a14="http://schemas.microsoft.com/office/drawing/2010/main" xmlns="">
                   <a:solidFill>
                     <a:schemeClr val="accent1"/>
                   </a:solidFill>
                 </a14:hiddenFill>
               </a:ext>
               <a:ext uri="{91240B29-F687-4F45-9708-019B960494DF}">
-                <a14:hiddenLine xmlns:a14="http://schemas.microsoft.com/office/drawing/2010/main" w="9525">
+                <a14:hiddenLine xmlns:a14="http://schemas.microsoft.com/office/drawing/2010/main" xmlns="" w="9525">
                   <a:solidFill>
                     <a:schemeClr val="tx1"/>
                   </a:solidFill>
@@ -5658,7 +5781,7 @@
             <a:blip r:embed="rId3" cstate="print">
               <a:extLst>
                 <a:ext uri="{28A0092B-C50C-407E-A947-70E740481C1C}">
-                  <a14:useLocalDpi xmlns:a14="http://schemas.microsoft.com/office/drawing/2010/main" val="0"/>
+                  <a14:useLocalDpi xmlns:a14="http://schemas.microsoft.com/office/drawing/2010/main" xmlns="" val="0"/>
                 </a:ext>
               </a:extLst>
             </a:blip>
@@ -5681,14 +5804,14 @@
             </a:ln>
             <a:extLst>
               <a:ext uri="{909E8E84-426E-40DD-AFC4-6F175D3DCCD1}">
-                <a14:hiddenFill xmlns:a14="http://schemas.microsoft.com/office/drawing/2010/main">
+                <a14:hiddenFill xmlns:a14="http://schemas.microsoft.com/office/drawing/2010/main" xmlns="">
                   <a:solidFill>
                     <a:schemeClr val="accent1"/>
                   </a:solidFill>
                 </a14:hiddenFill>
               </a:ext>
               <a:ext uri="{91240B29-F687-4F45-9708-019B960494DF}">
-                <a14:hiddenLine xmlns:a14="http://schemas.microsoft.com/office/drawing/2010/main" w="9525">
+                <a14:hiddenLine xmlns:a14="http://schemas.microsoft.com/office/drawing/2010/main" xmlns="" w="9525">
                   <a:solidFill>
                     <a:schemeClr val="tx1"/>
                   </a:solidFill>
@@ -5712,7 +5835,7 @@
             <a:blip r:embed="rId3" cstate="print">
               <a:extLst>
                 <a:ext uri="{28A0092B-C50C-407E-A947-70E740481C1C}">
-                  <a14:useLocalDpi xmlns:a14="http://schemas.microsoft.com/office/drawing/2010/main" val="0"/>
+                  <a14:useLocalDpi xmlns:a14="http://schemas.microsoft.com/office/drawing/2010/main" xmlns="" val="0"/>
                 </a:ext>
               </a:extLst>
             </a:blip>
@@ -5735,14 +5858,14 @@
             </a:ln>
             <a:extLst>
               <a:ext uri="{909E8E84-426E-40DD-AFC4-6F175D3DCCD1}">
-                <a14:hiddenFill xmlns:a14="http://schemas.microsoft.com/office/drawing/2010/main">
+                <a14:hiddenFill xmlns:a14="http://schemas.microsoft.com/office/drawing/2010/main" xmlns="">
                   <a:solidFill>
                     <a:schemeClr val="accent1"/>
                   </a:solidFill>
                 </a14:hiddenFill>
               </a:ext>
               <a:ext uri="{91240B29-F687-4F45-9708-019B960494DF}">
-                <a14:hiddenLine xmlns:a14="http://schemas.microsoft.com/office/drawing/2010/main" w="9525">
+                <a14:hiddenLine xmlns:a14="http://schemas.microsoft.com/office/drawing/2010/main" xmlns="" w="9525">
                   <a:solidFill>
                     <a:schemeClr val="tx1"/>
                   </a:solidFill>
@@ -5767,7 +5890,7 @@
           <a:blip r:embed="rId4" cstate="print">
             <a:extLst>
               <a:ext uri="{28A0092B-C50C-407E-A947-70E740481C1C}">
-                <a14:useLocalDpi xmlns:a14="http://schemas.microsoft.com/office/drawing/2010/main" val="0"/>
+                <a14:useLocalDpi xmlns:a14="http://schemas.microsoft.com/office/drawing/2010/main" xmlns="" val="0"/>
               </a:ext>
             </a:extLst>
           </a:blip>
@@ -5794,7 +5917,7 @@
           </a:ln>
           <a:extLst>
             <a:ext uri="{909E8E84-426E-40DD-AFC4-6F175D3DCCD1}">
-              <a14:hiddenFill xmlns:a14="http://schemas.microsoft.com/office/drawing/2010/main">
+              <a14:hiddenFill xmlns:a14="http://schemas.microsoft.com/office/drawing/2010/main" xmlns="">
                 <a:solidFill>
                   <a:srgbClr val="FFFFFF"/>
                 </a:solidFill>
@@ -5815,7 +5938,7 @@
           <a:blip r:embed="rId5" cstate="print">
             <a:extLst>
               <a:ext uri="{28A0092B-C50C-407E-A947-70E740481C1C}">
-                <a14:useLocalDpi xmlns:a14="http://schemas.microsoft.com/office/drawing/2010/main" val="0"/>
+                <a14:useLocalDpi xmlns:a14="http://schemas.microsoft.com/office/drawing/2010/main" xmlns="" val="0"/>
               </a:ext>
             </a:extLst>
           </a:blip>
@@ -5835,7 +5958,7 @@
           <a:noFill/>
           <a:extLst>
             <a:ext uri="{909E8E84-426E-40DD-AFC4-6F175D3DCCD1}">
-              <a14:hiddenFill xmlns:a14="http://schemas.microsoft.com/office/drawing/2010/main">
+              <a14:hiddenFill xmlns:a14="http://schemas.microsoft.com/office/drawing/2010/main" xmlns="">
                 <a:solidFill>
                   <a:srgbClr val="FFFFFF"/>
                 </a:solidFill>
@@ -5856,7 +5979,7 @@
           <a:blip r:embed="rId6" cstate="print">
             <a:extLst>
               <a:ext uri="{28A0092B-C50C-407E-A947-70E740481C1C}">
-                <a14:useLocalDpi xmlns:a14="http://schemas.microsoft.com/office/drawing/2010/main" val="0"/>
+                <a14:useLocalDpi xmlns:a14="http://schemas.microsoft.com/office/drawing/2010/main" xmlns="" val="0"/>
               </a:ext>
             </a:extLst>
           </a:blip>
@@ -5876,7 +5999,7 @@
           <a:noFill/>
           <a:extLst>
             <a:ext uri="{909E8E84-426E-40DD-AFC4-6F175D3DCCD1}">
-              <a14:hiddenFill xmlns:a14="http://schemas.microsoft.com/office/drawing/2010/main">
+              <a14:hiddenFill xmlns:a14="http://schemas.microsoft.com/office/drawing/2010/main" xmlns="">
                 <a:solidFill>
                   <a:srgbClr val="FFFFFF"/>
                 </a:solidFill>
@@ -6906,7 +7029,7 @@
           <a:blip r:embed="rId7" cstate="print">
             <a:extLst>
               <a:ext uri="{28A0092B-C50C-407E-A947-70E740481C1C}">
-                <a14:useLocalDpi xmlns:a14="http://schemas.microsoft.com/office/drawing/2010/main" val="0"/>
+                <a14:useLocalDpi xmlns:a14="http://schemas.microsoft.com/office/drawing/2010/main" xmlns="" val="0"/>
               </a:ext>
             </a:extLst>
           </a:blip>
@@ -6931,7 +7054,7 @@
           </a:ln>
           <a:extLst>
             <a:ext uri="{909E8E84-426E-40DD-AFC4-6F175D3DCCD1}">
-              <a14:hiddenFill xmlns:a14="http://schemas.microsoft.com/office/drawing/2010/main">
+              <a14:hiddenFill xmlns:a14="http://schemas.microsoft.com/office/drawing/2010/main" xmlns="">
                 <a:solidFill>
                   <a:srgbClr val="FFFFFF"/>
                 </a:solidFill>
@@ -8295,7 +8418,7 @@
           <a:blip r:embed="rId8" cstate="print">
             <a:extLst>
               <a:ext uri="{28A0092B-C50C-407E-A947-70E740481C1C}">
-                <a14:useLocalDpi xmlns:a14="http://schemas.microsoft.com/office/drawing/2010/main" val="0"/>
+                <a14:useLocalDpi xmlns:a14="http://schemas.microsoft.com/office/drawing/2010/main" xmlns="" val="0"/>
               </a:ext>
             </a:extLst>
           </a:blip>
@@ -8315,7 +8438,7 @@
           <a:noFill/>
           <a:extLst>
             <a:ext uri="{909E8E84-426E-40DD-AFC4-6F175D3DCCD1}">
-              <a14:hiddenFill xmlns:a14="http://schemas.microsoft.com/office/drawing/2010/main">
+              <a14:hiddenFill xmlns:a14="http://schemas.microsoft.com/office/drawing/2010/main" xmlns="">
                 <a:solidFill>
                   <a:srgbClr val="FFFFFF"/>
                 </a:solidFill>
@@ -9198,7 +9321,7 @@
           <a:blip r:embed="rId3" cstate="print">
             <a:extLst>
               <a:ext uri="{28A0092B-C50C-407E-A947-70E740481C1C}">
-                <a14:useLocalDpi xmlns:a14="http://schemas.microsoft.com/office/drawing/2010/main" val="0"/>
+                <a14:useLocalDpi xmlns:a14="http://schemas.microsoft.com/office/drawing/2010/main" xmlns="" val="0"/>
               </a:ext>
             </a:extLst>
           </a:blip>
@@ -9221,14 +9344,14 @@
           </a:ln>
           <a:extLst>
             <a:ext uri="{909E8E84-426E-40DD-AFC4-6F175D3DCCD1}">
-              <a14:hiddenFill xmlns:a14="http://schemas.microsoft.com/office/drawing/2010/main">
+              <a14:hiddenFill xmlns:a14="http://schemas.microsoft.com/office/drawing/2010/main" xmlns="">
                 <a:solidFill>
                   <a:schemeClr val="accent1"/>
                 </a:solidFill>
               </a14:hiddenFill>
             </a:ext>
             <a:ext uri="{91240B29-F687-4F45-9708-019B960494DF}">
-              <a14:hiddenLine xmlns:a14="http://schemas.microsoft.com/office/drawing/2010/main" w="9525">
+              <a14:hiddenLine xmlns:a14="http://schemas.microsoft.com/office/drawing/2010/main" xmlns="" w="9525">
                 <a:solidFill>
                   <a:schemeClr val="tx1"/>
                 </a:solidFill>
@@ -10124,7 +10247,7 @@
     </p:spTree>
     <p:extLst>
       <p:ext uri="{BB962C8B-B14F-4D97-AF65-F5344CB8AC3E}">
-        <p14:creationId xmlns:p14="http://schemas.microsoft.com/office/powerpoint/2010/main" val="4231056502"/>
+        <p14:creationId xmlns:p14="http://schemas.microsoft.com/office/powerpoint/2010/main" xmlns="" val="4231056502"/>
       </p:ext>
     </p:extLst>
   </p:cSld>
@@ -10511,7 +10634,7 @@
           <p:nvPr>
             <p:extLst>
               <p:ext uri="{D42A27DB-BD31-4B8C-83A1-F6EECF244321}">
-                <p14:modId xmlns:p14="http://schemas.microsoft.com/office/powerpoint/2010/main" val="1287980454"/>
+                <p14:modId xmlns:p14="http://schemas.microsoft.com/office/powerpoint/2010/main" xmlns="" val="1287980454"/>
               </p:ext>
             </p:extLst>
           </p:nvPr>
@@ -10522,59 +10645,9 @@
         </p:xfrm>
         <a:graphic>
           <a:graphicData uri="http://schemas.openxmlformats.org/presentationml/2006/ole">
-            <mc:AlternateContent xmlns:mc="http://schemas.openxmlformats.org/markup-compatibility/2006">
-              <mc:Choice xmlns:v="urn:schemas-microsoft-com:vml" Requires="v">
-                <p:oleObj spid="_x0000_s1558" name="数式" r:id="rId3" imgW="152268" imgH="215713" progId="Equation.3">
-                  <p:embed/>
-                </p:oleObj>
-              </mc:Choice>
-              <mc:Fallback>
-                <p:oleObj name="数式" r:id="rId3" imgW="152268" imgH="215713" progId="Equation.3">
-                  <p:embed/>
-                  <p:pic>
-                    <p:nvPicPr>
-                      <p:cNvPr id="0" name="Picture 158"/>
-                      <p:cNvPicPr>
-                        <a:picLocks noChangeAspect="1" noChangeArrowheads="1"/>
-                      </p:cNvPicPr>
-                      <p:nvPr/>
-                    </p:nvPicPr>
-                    <p:blipFill>
-                      <a:blip r:embed="rId4">
-                        <a:extLst>
-                          <a:ext uri="{28A0092B-C50C-407E-A947-70E740481C1C}">
-                            <a14:useLocalDpi xmlns:a14="http://schemas.microsoft.com/office/drawing/2010/main" val="0"/>
-                          </a:ext>
-                        </a:extLst>
-                      </a:blip>
-                      <a:srcRect/>
-                      <a:stretch>
-                        <a:fillRect/>
-                      </a:stretch>
-                    </p:blipFill>
-                    <p:spPr bwMode="auto">
-                      <a:xfrm>
-                        <a:off x="4237355" y="1740101"/>
-                        <a:ext cx="379181" cy="537173"/>
-                      </a:xfrm>
-                      <a:prstGeom prst="rect">
-                        <a:avLst/>
-                      </a:prstGeom>
-                      <a:noFill/>
-                      <a:extLst>
-                        <a:ext uri="{909E8E84-426E-40DD-AFC4-6F175D3DCCD1}">
-                          <a14:hiddenFill xmlns:a14="http://schemas.microsoft.com/office/drawing/2010/main">
-                            <a:solidFill>
-                              <a:srgbClr val="FFFFFF"/>
-                            </a:solidFill>
-                          </a14:hiddenFill>
-                        </a:ext>
-                      </a:extLst>
-                    </p:spPr>
-                  </p:pic>
-                </p:oleObj>
-              </mc:Fallback>
-            </mc:AlternateContent>
+            <p:oleObj spid="_x0000_s1558" name="数式" r:id="rId3" imgW="152268" imgH="215713" progId="Equation.3">
+              <p:embed/>
+            </p:oleObj>
           </a:graphicData>
         </a:graphic>
       </p:graphicFrame>
@@ -10587,7 +10660,7 @@
           <p:nvPr>
             <p:extLst>
               <p:ext uri="{D42A27DB-BD31-4B8C-83A1-F6EECF244321}">
-                <p14:modId xmlns:p14="http://schemas.microsoft.com/office/powerpoint/2010/main" val="3763117844"/>
+                <p14:modId xmlns:p14="http://schemas.microsoft.com/office/powerpoint/2010/main" xmlns="" val="3763117844"/>
               </p:ext>
             </p:extLst>
           </p:nvPr>
@@ -10598,59 +10671,9 @@
         </p:xfrm>
         <a:graphic>
           <a:graphicData uri="http://schemas.openxmlformats.org/presentationml/2006/ole">
-            <mc:AlternateContent xmlns:mc="http://schemas.openxmlformats.org/markup-compatibility/2006">
-              <mc:Choice xmlns:v="urn:schemas-microsoft-com:vml" Requires="v">
-                <p:oleObj spid="_x0000_s1559" name="数式" r:id="rId5" imgW="152268" imgH="215713" progId="Equation.3">
-                  <p:embed/>
-                </p:oleObj>
-              </mc:Choice>
-              <mc:Fallback>
-                <p:oleObj name="数式" r:id="rId5" imgW="152268" imgH="215713" progId="Equation.3">
-                  <p:embed/>
-                  <p:pic>
-                    <p:nvPicPr>
-                      <p:cNvPr id="0" name="Picture 159"/>
-                      <p:cNvPicPr>
-                        <a:picLocks noChangeAspect="1" noChangeArrowheads="1"/>
-                      </p:cNvPicPr>
-                      <p:nvPr/>
-                    </p:nvPicPr>
-                    <p:blipFill>
-                      <a:blip r:embed="rId6">
-                        <a:extLst>
-                          <a:ext uri="{28A0092B-C50C-407E-A947-70E740481C1C}">
-                            <a14:useLocalDpi xmlns:a14="http://schemas.microsoft.com/office/drawing/2010/main" val="0"/>
-                          </a:ext>
-                        </a:extLst>
-                      </a:blip>
-                      <a:srcRect/>
-                      <a:stretch>
-                        <a:fillRect/>
-                      </a:stretch>
-                    </p:blipFill>
-                    <p:spPr bwMode="auto">
-                      <a:xfrm>
-                        <a:off x="4828119" y="3106335"/>
-                        <a:ext cx="379413" cy="536575"/>
-                      </a:xfrm>
-                      <a:prstGeom prst="rect">
-                        <a:avLst/>
-                      </a:prstGeom>
-                      <a:noFill/>
-                      <a:extLst>
-                        <a:ext uri="{909E8E84-426E-40DD-AFC4-6F175D3DCCD1}">
-                          <a14:hiddenFill xmlns:a14="http://schemas.microsoft.com/office/drawing/2010/main">
-                            <a:solidFill>
-                              <a:srgbClr val="FFFFFF"/>
-                            </a:solidFill>
-                          </a14:hiddenFill>
-                        </a:ext>
-                      </a:extLst>
-                    </p:spPr>
-                  </p:pic>
-                </p:oleObj>
-              </mc:Fallback>
-            </mc:AlternateContent>
+            <p:oleObj spid="_x0000_s1559" name="数式" r:id="rId4" imgW="152268" imgH="215713" progId="Equation.3">
+              <p:embed/>
+            </p:oleObj>
           </a:graphicData>
         </a:graphic>
       </p:graphicFrame>
@@ -10663,7 +10686,7 @@
           <p:nvPr>
             <p:extLst>
               <p:ext uri="{D42A27DB-BD31-4B8C-83A1-F6EECF244321}">
-                <p14:modId xmlns:p14="http://schemas.microsoft.com/office/powerpoint/2010/main" val="3262427855"/>
+                <p14:modId xmlns:p14="http://schemas.microsoft.com/office/powerpoint/2010/main" xmlns="" val="3262427855"/>
               </p:ext>
             </p:extLst>
           </p:nvPr>
@@ -10674,59 +10697,9 @@
         </p:xfrm>
         <a:graphic>
           <a:graphicData uri="http://schemas.openxmlformats.org/presentationml/2006/ole">
-            <mc:AlternateContent xmlns:mc="http://schemas.openxmlformats.org/markup-compatibility/2006">
-              <mc:Choice xmlns:v="urn:schemas-microsoft-com:vml" Requires="v">
-                <p:oleObj spid="_x0000_s1560" name="数式" r:id="rId7" imgW="736280" imgH="215806" progId="Equation.3">
-                  <p:embed/>
-                </p:oleObj>
-              </mc:Choice>
-              <mc:Fallback>
-                <p:oleObj name="数式" r:id="rId7" imgW="736280" imgH="215806" progId="Equation.3">
-                  <p:embed/>
-                  <p:pic>
-                    <p:nvPicPr>
-                      <p:cNvPr id="0" name="Picture 160"/>
-                      <p:cNvPicPr>
-                        <a:picLocks noChangeAspect="1" noChangeArrowheads="1"/>
-                      </p:cNvPicPr>
-                      <p:nvPr/>
-                    </p:nvPicPr>
-                    <p:blipFill>
-                      <a:blip r:embed="rId8">
-                        <a:extLst>
-                          <a:ext uri="{28A0092B-C50C-407E-A947-70E740481C1C}">
-                            <a14:useLocalDpi xmlns:a14="http://schemas.microsoft.com/office/drawing/2010/main" val="0"/>
-                          </a:ext>
-                        </a:extLst>
-                      </a:blip>
-                      <a:srcRect/>
-                      <a:stretch>
-                        <a:fillRect/>
-                      </a:stretch>
-                    </p:blipFill>
-                    <p:spPr bwMode="auto">
-                      <a:xfrm>
-                        <a:off x="6696075" y="1650616"/>
-                        <a:ext cx="1835150" cy="536575"/>
-                      </a:xfrm>
-                      <a:prstGeom prst="rect">
-                        <a:avLst/>
-                      </a:prstGeom>
-                      <a:noFill/>
-                      <a:extLst>
-                        <a:ext uri="{909E8E84-426E-40DD-AFC4-6F175D3DCCD1}">
-                          <a14:hiddenFill xmlns:a14="http://schemas.microsoft.com/office/drawing/2010/main">
-                            <a:solidFill>
-                              <a:srgbClr val="FFFFFF"/>
-                            </a:solidFill>
-                          </a14:hiddenFill>
-                        </a:ext>
-                      </a:extLst>
-                    </p:spPr>
-                  </p:pic>
-                </p:oleObj>
-              </mc:Fallback>
-            </mc:AlternateContent>
+            <p:oleObj spid="_x0000_s1560" name="数式" r:id="rId5" imgW="736280" imgH="215806" progId="Equation.3">
+              <p:embed/>
+            </p:oleObj>
           </a:graphicData>
         </a:graphic>
       </p:graphicFrame>
@@ -10782,7 +10755,7 @@
           <p:nvPr>
             <p:extLst>
               <p:ext uri="{D42A27DB-BD31-4B8C-83A1-F6EECF244321}">
-                <p14:modId xmlns:p14="http://schemas.microsoft.com/office/powerpoint/2010/main" val="3238307004"/>
+                <p14:modId xmlns:p14="http://schemas.microsoft.com/office/powerpoint/2010/main" xmlns="" val="3238307004"/>
               </p:ext>
             </p:extLst>
           </p:nvPr>
@@ -10793,59 +10766,9 @@
         </p:xfrm>
         <a:graphic>
           <a:graphicData uri="http://schemas.openxmlformats.org/presentationml/2006/ole">
-            <mc:AlternateContent xmlns:mc="http://schemas.openxmlformats.org/markup-compatibility/2006">
-              <mc:Choice xmlns:v="urn:schemas-microsoft-com:vml" Requires="v">
-                <p:oleObj spid="_x0000_s1561" name="数式" r:id="rId9" imgW="1206500" imgH="330200" progId="Equation.3">
-                  <p:embed/>
-                </p:oleObj>
-              </mc:Choice>
-              <mc:Fallback>
-                <p:oleObj name="数式" r:id="rId9" imgW="1206500" imgH="330200" progId="Equation.3">
-                  <p:embed/>
-                  <p:pic>
-                    <p:nvPicPr>
-                      <p:cNvPr id="0" name="Picture 161"/>
-                      <p:cNvPicPr>
-                        <a:picLocks noChangeAspect="1" noChangeArrowheads="1"/>
-                      </p:cNvPicPr>
-                      <p:nvPr/>
-                    </p:nvPicPr>
-                    <p:blipFill>
-                      <a:blip r:embed="rId10">
-                        <a:extLst>
-                          <a:ext uri="{28A0092B-C50C-407E-A947-70E740481C1C}">
-                            <a14:useLocalDpi xmlns:a14="http://schemas.microsoft.com/office/drawing/2010/main" val="0"/>
-                          </a:ext>
-                        </a:extLst>
-                      </a:blip>
-                      <a:srcRect/>
-                      <a:stretch>
-                        <a:fillRect/>
-                      </a:stretch>
-                    </p:blipFill>
-                    <p:spPr bwMode="auto">
-                      <a:xfrm>
-                        <a:off x="7320915" y="4277022"/>
-                        <a:ext cx="3006725" cy="820738"/>
-                      </a:xfrm>
-                      <a:prstGeom prst="rect">
-                        <a:avLst/>
-                      </a:prstGeom>
-                      <a:noFill/>
-                      <a:extLst>
-                        <a:ext uri="{909E8E84-426E-40DD-AFC4-6F175D3DCCD1}">
-                          <a14:hiddenFill xmlns:a14="http://schemas.microsoft.com/office/drawing/2010/main">
-                            <a:solidFill>
-                              <a:srgbClr val="FFFFFF"/>
-                            </a:solidFill>
-                          </a14:hiddenFill>
-                        </a:ext>
-                      </a:extLst>
-                    </p:spPr>
-                  </p:pic>
-                </p:oleObj>
-              </mc:Fallback>
-            </mc:AlternateContent>
+            <p:oleObj spid="_x0000_s1561" name="数式" r:id="rId6" imgW="1206500" imgH="330200" progId="Equation.3">
+              <p:embed/>
+            </p:oleObj>
           </a:graphicData>
         </a:graphic>
       </p:graphicFrame>
@@ -11564,7 +11487,7 @@
     </p:spTree>
     <p:extLst>
       <p:ext uri="{BB962C8B-B14F-4D97-AF65-F5344CB8AC3E}">
-        <p14:creationId xmlns:p14="http://schemas.microsoft.com/office/powerpoint/2010/main" val="1900568499"/>
+        <p14:creationId xmlns:p14="http://schemas.microsoft.com/office/powerpoint/2010/main" xmlns="" val="1900568499"/>
       </p:ext>
     </p:extLst>
   </p:cSld>
@@ -11656,7 +11579,7 @@
     </p:spTree>
     <p:extLst>
       <p:ext uri="{BB962C8B-B14F-4D97-AF65-F5344CB8AC3E}">
-        <p14:creationId xmlns:p14="http://schemas.microsoft.com/office/powerpoint/2010/main" val="550732552"/>
+        <p14:creationId xmlns:p14="http://schemas.microsoft.com/office/powerpoint/2010/main" xmlns="" val="550732552"/>
       </p:ext>
     </p:extLst>
   </p:cSld>
@@ -11866,7 +11789,7 @@
     </p:spTree>
     <p:extLst>
       <p:ext uri="{BB962C8B-B14F-4D97-AF65-F5344CB8AC3E}">
-        <p14:creationId xmlns:p14="http://schemas.microsoft.com/office/powerpoint/2010/main" val="529287410"/>
+        <p14:creationId xmlns:p14="http://schemas.microsoft.com/office/powerpoint/2010/main" xmlns="" val="529287410"/>
       </p:ext>
     </p:extLst>
   </p:cSld>
@@ -11969,7 +11892,7 @@
     </p:spTree>
     <p:extLst>
       <p:ext uri="{BB962C8B-B14F-4D97-AF65-F5344CB8AC3E}">
-        <p14:creationId xmlns:p14="http://schemas.microsoft.com/office/powerpoint/2010/main" val="3117917766"/>
+        <p14:creationId xmlns:p14="http://schemas.microsoft.com/office/powerpoint/2010/main" xmlns="" val="3117917766"/>
       </p:ext>
     </p:extLst>
   </p:cSld>
@@ -12087,7 +12010,7 @@
     </p:spTree>
     <p:extLst>
       <p:ext uri="{BB962C8B-B14F-4D97-AF65-F5344CB8AC3E}">
-        <p14:creationId xmlns:p14="http://schemas.microsoft.com/office/powerpoint/2010/main" val="1766755709"/>
+        <p14:creationId xmlns:p14="http://schemas.microsoft.com/office/powerpoint/2010/main" xmlns="" val="1766755709"/>
       </p:ext>
     </p:extLst>
   </p:cSld>
@@ -12316,7 +12239,7 @@
   <a:extraClrSchemeLst/>
   <a:extLst>
     <a:ext uri="{05A4C25C-085E-4340-85A3-A5531E510DB2}">
-      <thm15:themeFamily xmlns:thm15="http://schemas.microsoft.com/office/thememl/2012/main" xmlns="" name="Office Theme" id="{62F939B6-93AF-4DB8-9C6B-D6C7DFDC589F}" vid="{4A3C46E8-61CC-4603-A589-7422A47A8E4A}"/>
+      <thm15:themeFamily xmlns="" xmlns:thm15="http://schemas.microsoft.com/office/thememl/2012/main" name="Office Theme" id="{62F939B6-93AF-4DB8-9C6B-D6C7DFDC589F}" vid="{4A3C46E8-61CC-4603-A589-7422A47A8E4A}"/>
     </a:ext>
   </a:extLst>
 </a:theme>
@@ -12577,7 +12500,7 @@
   <a:extraClrSchemeLst/>
   <a:extLst>
     <a:ext uri="{05A4C25C-085E-4340-85A3-A5531E510DB2}">
-      <thm15:themeFamily xmlns:thm15="http://schemas.microsoft.com/office/thememl/2012/main" xmlns="" name="Office Theme" id="{62F939B6-93AF-4DB8-9C6B-D6C7DFDC589F}" vid="{4A3C46E8-61CC-4603-A589-7422A47A8E4A}"/>
+      <thm15:themeFamily xmlns="" xmlns:thm15="http://schemas.microsoft.com/office/thememl/2012/main" name="Office Theme" id="{62F939B6-93AF-4DB8-9C6B-D6C7DFDC589F}" vid="{4A3C46E8-61CC-4603-A589-7422A47A8E4A}"/>
     </a:ext>
   </a:extLst>
 </a:theme>
